--- a/東方とまほらまの今後について.pptx
+++ b/東方とまほらまの今後について.pptx
@@ -5,10 +5,10 @@
     <p:sldMasterId id="2147483828" r:id="rId1"/>
   </p:sldMasterIdLst>
   <p:notesMasterIdLst>
-    <p:notesMasterId r:id="rId19"/>
+    <p:notesMasterId r:id="rId29"/>
   </p:notesMasterIdLst>
   <p:handoutMasterIdLst>
-    <p:handoutMasterId r:id="rId20"/>
+    <p:handoutMasterId r:id="rId30"/>
   </p:handoutMasterIdLst>
   <p:sldIdLst>
     <p:sldId id="256" r:id="rId2"/>
@@ -27,7 +27,17 @@
     <p:sldId id="328" r:id="rId15"/>
     <p:sldId id="325" r:id="rId16"/>
     <p:sldId id="326" r:id="rId17"/>
-    <p:sldId id="316" r:id="rId18"/>
+    <p:sldId id="329" r:id="rId18"/>
+    <p:sldId id="330" r:id="rId19"/>
+    <p:sldId id="331" r:id="rId20"/>
+    <p:sldId id="332" r:id="rId21"/>
+    <p:sldId id="333" r:id="rId22"/>
+    <p:sldId id="335" r:id="rId23"/>
+    <p:sldId id="336" r:id="rId24"/>
+    <p:sldId id="337" r:id="rId25"/>
+    <p:sldId id="338" r:id="rId26"/>
+    <p:sldId id="339" r:id="rId27"/>
+    <p:sldId id="340" r:id="rId28"/>
   </p:sldIdLst>
   <p:sldSz cx="12192000" cy="6858000"/>
   <p:notesSz cx="6858000" cy="9144000"/>
@@ -238,7 +248,7 @@
                 <a:latin typeface="ＭＳ 明朝" panose="02020609040205080304" pitchFamily="17" charset="-128"/>
                 <a:ea typeface="ＭＳ 明朝" panose="02020609040205080304" pitchFamily="17" charset="-128"/>
               </a:rPr>
-              <a:t>2021年3月30日</a:t>
+              <a:t>2021年4月10日</a:t>
             </a:fld>
             <a:endParaRPr lang="en-US">
               <a:latin typeface="ＭＳ 明朝" panose="02020609040205080304" pitchFamily="17" charset="-128"/>
@@ -425,7 +435,7 @@
             <a:fld id="{30389980-3DE9-4702-8CE7-20043EFDAF6C}" type="datetime4">
               <a:rPr lang="ja-JP" altLang="en-US" smtClean="0"/>
               <a:pPr/>
-              <a:t>2021年3月30日</a:t>
+              <a:t>2021年4月10日</a:t>
             </a:fld>
             <a:endParaRPr lang="en-US"/>
           </a:p>
@@ -880,7 +890,7 @@
           <a:p>
             <a:fld id="{5ADD3B2F-B41F-7942-990C-7D7FFD69CA5F}" type="datetimeFigureOut">
               <a:rPr kumimoji="1" lang="ja-JP" altLang="en-US" smtClean="0"/>
-              <a:t>2021/3/30</a:t>
+              <a:t>2021/4/10</a:t>
             </a:fld>
             <a:endParaRPr kumimoji="1" lang="ja-JP" altLang="en-US"/>
           </a:p>
@@ -6880,8 +6890,29 @@
                 <a:latin typeface="Hiragino Maru Gothic Pro W4" panose="020F0400000000000000" pitchFamily="34" charset="-128"/>
                 <a:ea typeface="Hiragino Maru Gothic Pro W4" panose="020F0400000000000000" pitchFamily="34" charset="-128"/>
               </a:rPr>
-              <a:t>案５、ファミリークラン化</a:t>
-            </a:r>
+              <a:t>案５、</a:t>
+            </a:r>
+            <a:r>
+              <a:rPr lang="ja-JP" altLang="en-US">
+                <a:solidFill>
+                  <a:schemeClr val="accent5">
+                    <a:lumMod val="50000"/>
+                  </a:schemeClr>
+                </a:solidFill>
+                <a:latin typeface="Hiragino Maru Gothic Pro W4" panose="020F0400000000000000" pitchFamily="34" charset="-128"/>
+                <a:ea typeface="Hiragino Maru Gothic Pro W4" panose="020F0400000000000000" pitchFamily="34" charset="-128"/>
+              </a:rPr>
+              <a:t>東方＆まほらまで協力関係を結ぶ</a:t>
+            </a:r>
+            <a:endParaRPr kumimoji="1" lang="ja-JP" altLang="en-US">
+              <a:solidFill>
+                <a:schemeClr val="accent5">
+                  <a:lumMod val="50000"/>
+                </a:schemeClr>
+              </a:solidFill>
+              <a:latin typeface="Hiragino Maru Gothic Pro W4" panose="020F0400000000000000" pitchFamily="34" charset="-128"/>
+              <a:ea typeface="Hiragino Maru Gothic Pro W4" panose="020F0400000000000000" pitchFamily="34" charset="-128"/>
+            </a:endParaRPr>
           </a:p>
         </p:txBody>
       </p:sp>
@@ -6924,17 +6955,44 @@
                 <a:latin typeface="Hiragino Maru Gothic Pro W4" panose="020F0400000000000000" pitchFamily="34" charset="-128"/>
                 <a:ea typeface="Hiragino Maru Gothic Pro W4" panose="020F0400000000000000" pitchFamily="34" charset="-128"/>
               </a:rPr>
-              <a:t>東方＆まほらまで同盟を結ぶ、ファミリークラン化</a:t>
-            </a:r>
-            <a:endParaRPr lang="en-US" altLang="ja-JP" dirty="0">
-              <a:solidFill>
-                <a:schemeClr val="accent5">
-                  <a:lumMod val="50000"/>
-                </a:schemeClr>
-              </a:solidFill>
-              <a:latin typeface="Hiragino Maru Gothic Pro W4" panose="020F0400000000000000" pitchFamily="34" charset="-128"/>
-              <a:ea typeface="Hiragino Maru Gothic Pro W4" panose="020F0400000000000000" pitchFamily="34" charset="-128"/>
-            </a:endParaRPr>
+              <a:t>東方＆まほらまで協力関係を結ぶ</a:t>
+            </a:r>
+            <a:r>
+              <a:rPr lang="en-US" altLang="ja-JP" dirty="0">
+                <a:solidFill>
+                  <a:schemeClr val="accent5">
+                    <a:lumMod val="50000"/>
+                  </a:schemeClr>
+                </a:solidFill>
+                <a:latin typeface="Hiragino Maru Gothic Pro W4" panose="020F0400000000000000" pitchFamily="34" charset="-128"/>
+                <a:ea typeface="Hiragino Maru Gothic Pro W4" panose="020F0400000000000000" pitchFamily="34" charset="-128"/>
+              </a:rPr>
+              <a:t> (</a:t>
+            </a:r>
+            <a:r>
+              <a:rPr lang="ja-JP" altLang="en-US">
+                <a:solidFill>
+                  <a:schemeClr val="accent5">
+                    <a:lumMod val="50000"/>
+                  </a:schemeClr>
+                </a:solidFill>
+                <a:latin typeface="Hiragino Maru Gothic Pro W4" panose="020F0400000000000000" pitchFamily="34" charset="-128"/>
+                <a:ea typeface="Hiragino Maru Gothic Pro W4" panose="020F0400000000000000" pitchFamily="34" charset="-128"/>
+              </a:rPr>
+              <a:t>ファミリークラン化</a:t>
+            </a:r>
+            <a:r>
+              <a:rPr lang="en-US" altLang="ja-JP" dirty="0">
+                <a:solidFill>
+                  <a:schemeClr val="accent5">
+                    <a:lumMod val="50000"/>
+                  </a:schemeClr>
+                </a:solidFill>
+                <a:latin typeface="Hiragino Maru Gothic Pro W4" panose="020F0400000000000000" pitchFamily="34" charset="-128"/>
+                <a:ea typeface="Hiragino Maru Gothic Pro W4" panose="020F0400000000000000" pitchFamily="34" charset="-128"/>
+              </a:rPr>
+              <a:t>)</a:t>
+            </a:r>
           </a:p>
           <a:p>
             <a:pPr marL="502920" indent="-457200"/>
@@ -7393,7 +7451,7 @@
                 <a:latin typeface="Hiragino Maru Gothic Pro W4" panose="020F0400000000000000" pitchFamily="34" charset="-128"/>
                 <a:ea typeface="Hiragino Maru Gothic Pro W4" panose="020F0400000000000000" pitchFamily="34" charset="-128"/>
               </a:rPr>
-              <a:t>案５、ファミリークラン化</a:t>
+              <a:t>案５、東方＆まほらまで協力関係を結ぶ</a:t>
             </a:r>
             <a:endParaRPr kumimoji="1" lang="ja-JP" altLang="en-US">
               <a:solidFill>
@@ -7862,7 +7920,1014 @@
                 <a:latin typeface="Hiragino Maru Gothic Pro W4" panose="020F0400000000000000" pitchFamily="34" charset="-128"/>
                 <a:ea typeface="Hiragino Maru Gothic Pro W4" panose="020F0400000000000000" pitchFamily="34" charset="-128"/>
               </a:rPr>
-              <a:t>あっちゃん、ひこにゃんさんへ</a:t>
+              <a:t>東方での話し合い </a:t>
+            </a:r>
+            <a:r>
+              <a:rPr lang="en-US" altLang="ja-JP" dirty="0">
+                <a:solidFill>
+                  <a:schemeClr val="accent5">
+                    <a:lumMod val="50000"/>
+                  </a:schemeClr>
+                </a:solidFill>
+                <a:latin typeface="Hiragino Maru Gothic Pro W4" panose="020F0400000000000000" pitchFamily="34" charset="-128"/>
+                <a:ea typeface="Hiragino Maru Gothic Pro W4" panose="020F0400000000000000" pitchFamily="34" charset="-128"/>
+              </a:rPr>
+              <a:t>(2021/04/02)</a:t>
+            </a:r>
+            <a:endParaRPr kumimoji="1" lang="ja-JP" altLang="en-US">
+              <a:solidFill>
+                <a:schemeClr val="accent5">
+                  <a:lumMod val="50000"/>
+                </a:schemeClr>
+              </a:solidFill>
+              <a:latin typeface="Hiragino Maru Gothic Pro W4" panose="020F0400000000000000" pitchFamily="34" charset="-128"/>
+              <a:ea typeface="Hiragino Maru Gothic Pro W4" panose="020F0400000000000000" pitchFamily="34" charset="-128"/>
+            </a:endParaRPr>
+          </a:p>
+        </p:txBody>
+      </p:sp>
+      <p:sp>
+        <p:nvSpPr>
+          <p:cNvPr id="3" name="コンテンツ プレースホルダー 2">
+            <a:extLst>
+              <a:ext uri="{FF2B5EF4-FFF2-40B4-BE49-F238E27FC236}">
+                <a16:creationId xmlns:a16="http://schemas.microsoft.com/office/drawing/2014/main" id="{01E773B8-156E-4743-8E4A-3ED5FB7CC4E2}"/>
+              </a:ext>
+            </a:extLst>
+          </p:cNvPr>
+          <p:cNvSpPr>
+            <a:spLocks noGrp="1"/>
+          </p:cNvSpPr>
+          <p:nvPr>
+            <p:ph idx="1"/>
+          </p:nvPr>
+        </p:nvSpPr>
+        <p:spPr>
+          <a:xfrm>
+            <a:off x="838200" y="1588575"/>
+            <a:ext cx="10515600" cy="4588387"/>
+          </a:xfrm>
+        </p:spPr>
+        <p:txBody>
+          <a:bodyPr>
+            <a:noAutofit/>
+          </a:bodyPr>
+          <a:lstStyle/>
+          <a:p>
+            <a:pPr marL="45720" indent="0">
+              <a:buNone/>
+            </a:pPr>
+            <a:r>
+              <a:rPr lang="ja-JP" altLang="en-US" sz="1600">
+                <a:solidFill>
+                  <a:schemeClr val="accent5">
+                    <a:lumMod val="50000"/>
+                  </a:schemeClr>
+                </a:solidFill>
+                <a:latin typeface="Hiragino Maru Gothic Pro W4" panose="020F0400000000000000" pitchFamily="34" charset="-128"/>
+                <a:ea typeface="Hiragino Maru Gothic Pro W4" panose="020F0400000000000000" pitchFamily="34" charset="-128"/>
+              </a:rPr>
+              <a:t>参加メンバー：ひこにゃん、魔王様、だい、ころ助、ほもの助、</a:t>
+            </a:r>
+            <a:r>
+              <a:rPr lang="en-US" altLang="ja-JP" sz="1600" dirty="0" err="1">
+                <a:solidFill>
+                  <a:schemeClr val="accent5">
+                    <a:lumMod val="50000"/>
+                  </a:schemeClr>
+                </a:solidFill>
+                <a:latin typeface="Hiragino Maru Gothic Pro W4" panose="020F0400000000000000" pitchFamily="34" charset="-128"/>
+                <a:ea typeface="Hiragino Maru Gothic Pro W4" panose="020F0400000000000000" pitchFamily="34" charset="-128"/>
+              </a:rPr>
+              <a:t>bigtree</a:t>
+            </a:r>
+            <a:r>
+              <a:rPr lang="en-US" altLang="ja-JP" sz="1600" dirty="0">
+                <a:solidFill>
+                  <a:schemeClr val="accent5">
+                    <a:lumMod val="50000"/>
+                  </a:schemeClr>
+                </a:solidFill>
+                <a:latin typeface="Hiragino Maru Gothic Pro W4" panose="020F0400000000000000" pitchFamily="34" charset="-128"/>
+                <a:ea typeface="Hiragino Maru Gothic Pro W4" panose="020F0400000000000000" pitchFamily="34" charset="-128"/>
+              </a:rPr>
+              <a:t> (</a:t>
+            </a:r>
+            <a:r>
+              <a:rPr lang="ja-JP" altLang="en-US" sz="1600">
+                <a:solidFill>
+                  <a:schemeClr val="accent5">
+                    <a:lumMod val="50000"/>
+                  </a:schemeClr>
+                </a:solidFill>
+                <a:latin typeface="Hiragino Maru Gothic Pro W4" panose="020F0400000000000000" pitchFamily="34" charset="-128"/>
+                <a:ea typeface="Hiragino Maru Gothic Pro W4" panose="020F0400000000000000" pitchFamily="34" charset="-128"/>
+              </a:rPr>
+              <a:t>順不同、敬称略</a:t>
+            </a:r>
+            <a:r>
+              <a:rPr lang="en-US" altLang="ja-JP" sz="1600" dirty="0">
+                <a:solidFill>
+                  <a:schemeClr val="accent5">
+                    <a:lumMod val="50000"/>
+                  </a:schemeClr>
+                </a:solidFill>
+                <a:latin typeface="Hiragino Maru Gothic Pro W4" panose="020F0400000000000000" pitchFamily="34" charset="-128"/>
+                <a:ea typeface="Hiragino Maru Gothic Pro W4" panose="020F0400000000000000" pitchFamily="34" charset="-128"/>
+              </a:rPr>
+              <a:t>)</a:t>
+            </a:r>
+            <a:br>
+              <a:rPr lang="en-US" altLang="ja-JP" sz="1600" dirty="0">
+                <a:solidFill>
+                  <a:schemeClr val="accent5">
+                    <a:lumMod val="50000"/>
+                  </a:schemeClr>
+                </a:solidFill>
+                <a:latin typeface="Hiragino Maru Gothic Pro W4" panose="020F0400000000000000" pitchFamily="34" charset="-128"/>
+                <a:ea typeface="Hiragino Maru Gothic Pro W4" panose="020F0400000000000000" pitchFamily="34" charset="-128"/>
+              </a:rPr>
+            </a:br>
+            <a:r>
+              <a:rPr lang="ja-JP" altLang="en-US" sz="1600">
+                <a:solidFill>
+                  <a:schemeClr val="accent5">
+                    <a:lumMod val="50000"/>
+                  </a:schemeClr>
+                </a:solidFill>
+                <a:latin typeface="Hiragino Maru Gothic Pro W4" panose="020F0400000000000000" pitchFamily="34" charset="-128"/>
+                <a:ea typeface="Hiragino Maru Gothic Pro W4" panose="020F0400000000000000" pitchFamily="34" charset="-128"/>
+              </a:rPr>
+              <a:t>オブザーバー：マクス、ゆうフラ</a:t>
+            </a:r>
+            <a:r>
+              <a:rPr lang="en-US" altLang="ja-JP" sz="1600" dirty="0">
+                <a:solidFill>
+                  <a:schemeClr val="accent5">
+                    <a:lumMod val="50000"/>
+                  </a:schemeClr>
+                </a:solidFill>
+                <a:latin typeface="Hiragino Maru Gothic Pro W4" panose="020F0400000000000000" pitchFamily="34" charset="-128"/>
+                <a:ea typeface="Hiragino Maru Gothic Pro W4" panose="020F0400000000000000" pitchFamily="34" charset="-128"/>
+              </a:rPr>
+              <a:t> (</a:t>
+            </a:r>
+            <a:r>
+              <a:rPr lang="ja-JP" altLang="en-US" sz="1600">
+                <a:solidFill>
+                  <a:schemeClr val="accent5">
+                    <a:lumMod val="50000"/>
+                  </a:schemeClr>
+                </a:solidFill>
+                <a:latin typeface="Hiragino Maru Gothic Pro W4" panose="020F0400000000000000" pitchFamily="34" charset="-128"/>
+                <a:ea typeface="Hiragino Maru Gothic Pro W4" panose="020F0400000000000000" pitchFamily="34" charset="-128"/>
+              </a:rPr>
+              <a:t>順不同、敬称略</a:t>
+            </a:r>
+            <a:r>
+              <a:rPr lang="en-US" altLang="ja-JP" sz="1600" dirty="0">
+                <a:solidFill>
+                  <a:schemeClr val="accent5">
+                    <a:lumMod val="50000"/>
+                  </a:schemeClr>
+                </a:solidFill>
+                <a:latin typeface="Hiragino Maru Gothic Pro W4" panose="020F0400000000000000" pitchFamily="34" charset="-128"/>
+                <a:ea typeface="Hiragino Maru Gothic Pro W4" panose="020F0400000000000000" pitchFamily="34" charset="-128"/>
+              </a:rPr>
+              <a:t>)</a:t>
+            </a:r>
+          </a:p>
+          <a:p>
+            <a:pPr marL="331470" indent="-285750"/>
+            <a:r>
+              <a:rPr lang="ja-JP" altLang="en-US" sz="1600">
+                <a:solidFill>
+                  <a:schemeClr val="accent5">
+                    <a:lumMod val="50000"/>
+                  </a:schemeClr>
+                </a:solidFill>
+                <a:latin typeface="Hiragino Maru Gothic Pro W4" panose="020F0400000000000000" pitchFamily="34" charset="-128"/>
+                <a:ea typeface="Hiragino Maru Gothic Pro W4" panose="020F0400000000000000" pitchFamily="34" charset="-128"/>
+              </a:rPr>
+              <a:t>問題点１</a:t>
+            </a:r>
+            <a:r>
+              <a:rPr lang="en-US" altLang="ja-JP" sz="1600" dirty="0">
+                <a:solidFill>
+                  <a:schemeClr val="accent5">
+                    <a:lumMod val="50000"/>
+                  </a:schemeClr>
+                </a:solidFill>
+                <a:latin typeface="Hiragino Maru Gothic Pro W4" panose="020F0400000000000000" pitchFamily="34" charset="-128"/>
+                <a:ea typeface="Hiragino Maru Gothic Pro W4" panose="020F0400000000000000" pitchFamily="34" charset="-128"/>
+              </a:rPr>
+              <a:t>(</a:t>
+            </a:r>
+            <a:r>
+              <a:rPr lang="ja-JP" altLang="en-US" sz="1600">
+                <a:solidFill>
+                  <a:schemeClr val="accent5">
+                    <a:lumMod val="50000"/>
+                  </a:schemeClr>
+                </a:solidFill>
+                <a:latin typeface="Hiragino Maru Gothic Pro W4" panose="020F0400000000000000" pitchFamily="34" charset="-128"/>
+                <a:ea typeface="Hiragino Maru Gothic Pro W4" panose="020F0400000000000000" pitchFamily="34" charset="-128"/>
+              </a:rPr>
+              <a:t>東方日陰問題</a:t>
+            </a:r>
+            <a:r>
+              <a:rPr lang="en-US" altLang="ja-JP" sz="1600" dirty="0">
+                <a:solidFill>
+                  <a:schemeClr val="accent5">
+                    <a:lumMod val="50000"/>
+                  </a:schemeClr>
+                </a:solidFill>
+                <a:latin typeface="Hiragino Maru Gothic Pro W4" panose="020F0400000000000000" pitchFamily="34" charset="-128"/>
+                <a:ea typeface="Hiragino Maru Gothic Pro W4" panose="020F0400000000000000" pitchFamily="34" charset="-128"/>
+              </a:rPr>
+              <a:t>)</a:t>
+            </a:r>
+            <a:br>
+              <a:rPr lang="en-US" altLang="ja-JP" sz="1600" dirty="0">
+                <a:solidFill>
+                  <a:schemeClr val="accent5">
+                    <a:lumMod val="50000"/>
+                  </a:schemeClr>
+                </a:solidFill>
+                <a:latin typeface="Hiragino Maru Gothic Pro W4" panose="020F0400000000000000" pitchFamily="34" charset="-128"/>
+                <a:ea typeface="Hiragino Maru Gothic Pro W4" panose="020F0400000000000000" pitchFamily="34" charset="-128"/>
+              </a:rPr>
+            </a:br>
+            <a:r>
+              <a:rPr lang="en-US" altLang="ja-JP" sz="1600" dirty="0">
+                <a:solidFill>
+                  <a:schemeClr val="accent5">
+                    <a:lumMod val="50000"/>
+                  </a:schemeClr>
+                </a:solidFill>
+                <a:latin typeface="Hiragino Maru Gothic Pro W4" panose="020F0400000000000000" pitchFamily="34" charset="-128"/>
+                <a:ea typeface="Hiragino Maru Gothic Pro W4" panose="020F0400000000000000" pitchFamily="34" charset="-128"/>
+              </a:rPr>
+              <a:t>→</a:t>
+            </a:r>
+            <a:r>
+              <a:rPr lang="ja-JP" altLang="en-US" sz="1600">
+                <a:solidFill>
+                  <a:schemeClr val="accent5">
+                    <a:lumMod val="50000"/>
+                  </a:schemeClr>
+                </a:solidFill>
+                <a:latin typeface="Hiragino Maru Gothic Pro W4" panose="020F0400000000000000" pitchFamily="34" charset="-128"/>
+                <a:ea typeface="Hiragino Maru Gothic Pro W4" panose="020F0400000000000000" pitchFamily="34" charset="-128"/>
+              </a:rPr>
+              <a:t>あっちゃん</a:t>
+            </a:r>
+            <a:r>
+              <a:rPr lang="en-US" altLang="ja-JP" sz="1600" dirty="0" err="1">
+                <a:solidFill>
+                  <a:schemeClr val="accent5">
+                    <a:lumMod val="50000"/>
+                  </a:schemeClr>
+                </a:solidFill>
+                <a:latin typeface="Hiragino Maru Gothic Pro W4" panose="020F0400000000000000" pitchFamily="34" charset="-128"/>
+                <a:ea typeface="Hiragino Maru Gothic Pro W4" panose="020F0400000000000000" pitchFamily="34" charset="-128"/>
+              </a:rPr>
+              <a:t>bigtree</a:t>
+            </a:r>
+            <a:r>
+              <a:rPr lang="ja-JP" altLang="en-US" sz="1600">
+                <a:solidFill>
+                  <a:schemeClr val="accent5">
+                    <a:lumMod val="50000"/>
+                  </a:schemeClr>
+                </a:solidFill>
+                <a:latin typeface="Hiragino Maru Gothic Pro W4" panose="020F0400000000000000" pitchFamily="34" charset="-128"/>
+                <a:ea typeface="Hiragino Maru Gothic Pro W4" panose="020F0400000000000000" pitchFamily="34" charset="-128"/>
+              </a:rPr>
+              <a:t>は気にしているが東方メンバーはさほど気にしてないと思う。</a:t>
+            </a:r>
+            <a:br>
+              <a:rPr lang="en-US" altLang="ja-JP" sz="1600" dirty="0">
+                <a:solidFill>
+                  <a:schemeClr val="accent5">
+                    <a:lumMod val="50000"/>
+                  </a:schemeClr>
+                </a:solidFill>
+                <a:latin typeface="Hiragino Maru Gothic Pro W4" panose="020F0400000000000000" pitchFamily="34" charset="-128"/>
+                <a:ea typeface="Hiragino Maru Gothic Pro W4" panose="020F0400000000000000" pitchFamily="34" charset="-128"/>
+              </a:rPr>
+            </a:br>
+            <a:r>
+              <a:rPr lang="ja-JP" altLang="en-US" sz="1600">
+                <a:solidFill>
+                  <a:schemeClr val="accent5">
+                    <a:lumMod val="50000"/>
+                  </a:schemeClr>
+                </a:solidFill>
+                <a:latin typeface="Hiragino Maru Gothic Pro W4" panose="020F0400000000000000" pitchFamily="34" charset="-128"/>
+                <a:ea typeface="Hiragino Maru Gothic Pro W4" panose="020F0400000000000000" pitchFamily="34" charset="-128"/>
+              </a:rPr>
+              <a:t>　くい助さんからもそのような趣旨チャットあり。そんな気にしなくて</a:t>
+            </a:r>
+            <a:r>
+              <a:rPr lang="en-US" altLang="ja-JP" sz="1600" dirty="0">
+                <a:solidFill>
+                  <a:schemeClr val="accent5">
+                    <a:lumMod val="50000"/>
+                  </a:schemeClr>
+                </a:solidFill>
+                <a:latin typeface="Hiragino Maru Gothic Pro W4" panose="020F0400000000000000" pitchFamily="34" charset="-128"/>
+                <a:ea typeface="Hiragino Maru Gothic Pro W4" panose="020F0400000000000000" pitchFamily="34" charset="-128"/>
+              </a:rPr>
+              <a:t>OK</a:t>
+            </a:r>
+            <a:r>
+              <a:rPr lang="ja-JP" altLang="en-US" sz="1600">
+                <a:solidFill>
+                  <a:schemeClr val="accent5">
+                    <a:lumMod val="50000"/>
+                  </a:schemeClr>
+                </a:solidFill>
+                <a:latin typeface="Hiragino Maru Gothic Pro W4" panose="020F0400000000000000" pitchFamily="34" charset="-128"/>
+                <a:ea typeface="Hiragino Maru Gothic Pro W4" panose="020F0400000000000000" pitchFamily="34" charset="-128"/>
+              </a:rPr>
+              <a:t>とのこと。</a:t>
+            </a:r>
+            <a:endParaRPr lang="en-US" altLang="ja-JP" sz="1600" dirty="0">
+              <a:solidFill>
+                <a:schemeClr val="accent5">
+                  <a:lumMod val="50000"/>
+                </a:schemeClr>
+              </a:solidFill>
+              <a:latin typeface="Hiragino Maru Gothic Pro W4" panose="020F0400000000000000" pitchFamily="34" charset="-128"/>
+              <a:ea typeface="Hiragino Maru Gothic Pro W4" panose="020F0400000000000000" pitchFamily="34" charset="-128"/>
+            </a:endParaRPr>
+          </a:p>
+          <a:p>
+            <a:pPr marL="331470" indent="-285750"/>
+            <a:r>
+              <a:rPr lang="ja-JP" altLang="en-US" sz="1600">
+                <a:solidFill>
+                  <a:schemeClr val="accent5">
+                    <a:lumMod val="50000"/>
+                  </a:schemeClr>
+                </a:solidFill>
+                <a:latin typeface="Hiragino Maru Gothic Pro W4" panose="020F0400000000000000" pitchFamily="34" charset="-128"/>
+                <a:ea typeface="Hiragino Maru Gothic Pro W4" panose="020F0400000000000000" pitchFamily="34" charset="-128"/>
+              </a:rPr>
+              <a:t>問題点２</a:t>
+            </a:r>
+            <a:r>
+              <a:rPr lang="en-US" altLang="ja-JP" sz="1600" dirty="0">
+                <a:solidFill>
+                  <a:schemeClr val="accent5">
+                    <a:lumMod val="50000"/>
+                  </a:schemeClr>
+                </a:solidFill>
+                <a:latin typeface="Hiragino Maru Gothic Pro W4" panose="020F0400000000000000" pitchFamily="34" charset="-128"/>
+                <a:ea typeface="Hiragino Maru Gothic Pro W4" panose="020F0400000000000000" pitchFamily="34" charset="-128"/>
+              </a:rPr>
+              <a:t>(</a:t>
+            </a:r>
+            <a:r>
+              <a:rPr lang="ja-JP" altLang="en-US" sz="1600">
+                <a:solidFill>
+                  <a:schemeClr val="accent5">
+                    <a:lumMod val="50000"/>
+                  </a:schemeClr>
+                </a:solidFill>
+                <a:latin typeface="Hiragino Maru Gothic Pro W4" panose="020F0400000000000000" pitchFamily="34" charset="-128"/>
+                <a:ea typeface="Hiragino Maru Gothic Pro W4" panose="020F0400000000000000" pitchFamily="34" charset="-128"/>
+              </a:rPr>
+              <a:t>東方中核メンバー流出問題</a:t>
+            </a:r>
+            <a:r>
+              <a:rPr lang="en-US" altLang="ja-JP" sz="1600" dirty="0">
+                <a:solidFill>
+                  <a:schemeClr val="accent5">
+                    <a:lumMod val="50000"/>
+                  </a:schemeClr>
+                </a:solidFill>
+                <a:latin typeface="Hiragino Maru Gothic Pro W4" panose="020F0400000000000000" pitchFamily="34" charset="-128"/>
+                <a:ea typeface="Hiragino Maru Gothic Pro W4" panose="020F0400000000000000" pitchFamily="34" charset="-128"/>
+              </a:rPr>
+              <a:t>)</a:t>
+            </a:r>
+            <a:br>
+              <a:rPr lang="en-US" altLang="ja-JP" sz="1600" dirty="0">
+                <a:solidFill>
+                  <a:schemeClr val="accent5">
+                    <a:lumMod val="50000"/>
+                  </a:schemeClr>
+                </a:solidFill>
+                <a:latin typeface="Hiragino Maru Gothic Pro W4" panose="020F0400000000000000" pitchFamily="34" charset="-128"/>
+                <a:ea typeface="Hiragino Maru Gothic Pro W4" panose="020F0400000000000000" pitchFamily="34" charset="-128"/>
+              </a:rPr>
+            </a:br>
+            <a:r>
+              <a:rPr lang="ja-JP" altLang="en-US" sz="1600">
+                <a:solidFill>
+                  <a:schemeClr val="accent5">
+                    <a:lumMod val="50000"/>
+                  </a:schemeClr>
+                </a:solidFill>
+                <a:latin typeface="Hiragino Maru Gothic Pro W4" panose="020F0400000000000000" pitchFamily="34" charset="-128"/>
+                <a:ea typeface="Hiragino Maru Gothic Pro W4" panose="020F0400000000000000" pitchFamily="34" charset="-128"/>
+              </a:rPr>
+              <a:t>→ありえる感じ。ご本人たち</a:t>
+            </a:r>
+            <a:r>
+              <a:rPr lang="en-US" altLang="ja-JP" sz="1600" dirty="0">
+                <a:solidFill>
+                  <a:schemeClr val="accent5">
+                    <a:lumMod val="50000"/>
+                  </a:schemeClr>
+                </a:solidFill>
+                <a:latin typeface="Hiragino Maru Gothic Pro W4" panose="020F0400000000000000" pitchFamily="34" charset="-128"/>
+                <a:ea typeface="Hiragino Maru Gothic Pro W4" panose="020F0400000000000000" pitchFamily="34" charset="-128"/>
+              </a:rPr>
+              <a:t>(</a:t>
+            </a:r>
+            <a:r>
+              <a:rPr lang="ja-JP" altLang="en-US" sz="1600">
+                <a:solidFill>
+                  <a:schemeClr val="accent5">
+                    <a:lumMod val="50000"/>
+                  </a:schemeClr>
+                </a:solidFill>
+                <a:latin typeface="Hiragino Maru Gothic Pro W4" panose="020F0400000000000000" pitchFamily="34" charset="-128"/>
+                <a:ea typeface="Hiragino Maru Gothic Pro W4" panose="020F0400000000000000" pitchFamily="34" charset="-128"/>
+              </a:rPr>
+              <a:t>だいさん、ころ助さん</a:t>
+            </a:r>
+            <a:r>
+              <a:rPr lang="en-US" altLang="ja-JP" sz="1600" dirty="0">
+                <a:solidFill>
+                  <a:schemeClr val="accent5">
+                    <a:lumMod val="50000"/>
+                  </a:schemeClr>
+                </a:solidFill>
+                <a:latin typeface="Hiragino Maru Gothic Pro W4" panose="020F0400000000000000" pitchFamily="34" charset="-128"/>
+                <a:ea typeface="Hiragino Maru Gothic Pro W4" panose="020F0400000000000000" pitchFamily="34" charset="-128"/>
+              </a:rPr>
+              <a:t>)</a:t>
+            </a:r>
+            <a:r>
+              <a:rPr lang="ja-JP" altLang="en-US" sz="1600">
+                <a:solidFill>
+                  <a:schemeClr val="accent5">
+                    <a:lumMod val="50000"/>
+                  </a:schemeClr>
+                </a:solidFill>
+                <a:latin typeface="Hiragino Maru Gothic Pro W4" panose="020F0400000000000000" pitchFamily="34" charset="-128"/>
+                <a:ea typeface="Hiragino Maru Gothic Pro W4" panose="020F0400000000000000" pitchFamily="34" charset="-128"/>
+              </a:rPr>
+              <a:t>に軽く確認したところ、</a:t>
+            </a:r>
+            <a:br>
+              <a:rPr lang="en-US" altLang="ja-JP" sz="1600" dirty="0">
+                <a:solidFill>
+                  <a:schemeClr val="accent5">
+                    <a:lumMod val="50000"/>
+                  </a:schemeClr>
+                </a:solidFill>
+                <a:latin typeface="Hiragino Maru Gothic Pro W4" panose="020F0400000000000000" pitchFamily="34" charset="-128"/>
+                <a:ea typeface="Hiragino Maru Gothic Pro W4" panose="020F0400000000000000" pitchFamily="34" charset="-128"/>
+              </a:rPr>
+            </a:br>
+            <a:r>
+              <a:rPr lang="ja-JP" altLang="en-US" sz="1600">
+                <a:solidFill>
+                  <a:schemeClr val="accent5">
+                    <a:lumMod val="50000"/>
+                  </a:schemeClr>
+                </a:solidFill>
+                <a:latin typeface="Hiragino Maru Gothic Pro W4" panose="020F0400000000000000" pitchFamily="34" charset="-128"/>
+                <a:ea typeface="Hiragino Maru Gothic Pro W4" panose="020F0400000000000000" pitchFamily="34" charset="-128"/>
+              </a:rPr>
+              <a:t>　もし</a:t>
+            </a:r>
+            <a:r>
+              <a:rPr lang="en-US" altLang="ja-JP" sz="1600" dirty="0">
+                <a:solidFill>
+                  <a:schemeClr val="accent5">
+                    <a:lumMod val="50000"/>
+                  </a:schemeClr>
+                </a:solidFill>
+                <a:latin typeface="Hiragino Maru Gothic Pro W4" panose="020F0400000000000000" pitchFamily="34" charset="-128"/>
+                <a:ea typeface="Hiragino Maru Gothic Pro W4" panose="020F0400000000000000" pitchFamily="34" charset="-128"/>
+              </a:rPr>
+              <a:t>JWC</a:t>
+            </a:r>
+            <a:r>
+              <a:rPr lang="ja-JP" altLang="en-US" sz="1600">
+                <a:solidFill>
+                  <a:schemeClr val="accent5">
+                    <a:lumMod val="50000"/>
+                  </a:schemeClr>
+                </a:solidFill>
+                <a:latin typeface="Hiragino Maru Gothic Pro W4" panose="020F0400000000000000" pitchFamily="34" charset="-128"/>
+                <a:ea typeface="Hiragino Maru Gothic Pro W4" panose="020F0400000000000000" pitchFamily="34" charset="-128"/>
+              </a:rPr>
+              <a:t>声掛けられたら、どのような判断になるかは分からないとのこと。</a:t>
+            </a:r>
+            <a:br>
+              <a:rPr lang="en-US" altLang="ja-JP" sz="1600" dirty="0">
+                <a:solidFill>
+                  <a:schemeClr val="accent5">
+                    <a:lumMod val="50000"/>
+                  </a:schemeClr>
+                </a:solidFill>
+                <a:latin typeface="Hiragino Maru Gothic Pro W4" panose="020F0400000000000000" pitchFamily="34" charset="-128"/>
+                <a:ea typeface="Hiragino Maru Gothic Pro W4" panose="020F0400000000000000" pitchFamily="34" charset="-128"/>
+              </a:rPr>
+            </a:br>
+            <a:r>
+              <a:rPr lang="ja-JP" altLang="en-US" sz="1600">
+                <a:solidFill>
+                  <a:schemeClr val="accent5">
+                    <a:lumMod val="50000"/>
+                  </a:schemeClr>
+                </a:solidFill>
+                <a:latin typeface="Hiragino Maru Gothic Pro W4" panose="020F0400000000000000" pitchFamily="34" charset="-128"/>
+                <a:ea typeface="Hiragino Maru Gothic Pro W4" panose="020F0400000000000000" pitchFamily="34" charset="-128"/>
+              </a:rPr>
+              <a:t>　次</a:t>
+            </a:r>
+            <a:r>
+              <a:rPr lang="en-US" altLang="ja-JP" sz="1600" dirty="0">
+                <a:solidFill>
+                  <a:schemeClr val="accent5">
+                    <a:lumMod val="50000"/>
+                  </a:schemeClr>
+                </a:solidFill>
+                <a:latin typeface="Hiragino Maru Gothic Pro W4" panose="020F0400000000000000" pitchFamily="34" charset="-128"/>
+                <a:ea typeface="Hiragino Maru Gothic Pro W4" panose="020F0400000000000000" pitchFamily="34" charset="-128"/>
+              </a:rPr>
+              <a:t>JWC</a:t>
+            </a:r>
+            <a:r>
+              <a:rPr lang="ja-JP" altLang="en-US" sz="1600">
+                <a:solidFill>
+                  <a:schemeClr val="accent5">
+                    <a:lumMod val="50000"/>
+                  </a:schemeClr>
+                </a:solidFill>
+                <a:latin typeface="Hiragino Maru Gothic Pro W4" panose="020F0400000000000000" pitchFamily="34" charset="-128"/>
+                <a:ea typeface="Hiragino Maru Gothic Pro W4" panose="020F0400000000000000" pitchFamily="34" charset="-128"/>
+              </a:rPr>
+              <a:t>のときにファーミングが十分じゃない可能性もあるし、</a:t>
+            </a:r>
+            <a:br>
+              <a:rPr lang="en-US" altLang="ja-JP" sz="1600" dirty="0">
+                <a:solidFill>
+                  <a:schemeClr val="accent5">
+                    <a:lumMod val="50000"/>
+                  </a:schemeClr>
+                </a:solidFill>
+                <a:latin typeface="Hiragino Maru Gothic Pro W4" panose="020F0400000000000000" pitchFamily="34" charset="-128"/>
+                <a:ea typeface="Hiragino Maru Gothic Pro W4" panose="020F0400000000000000" pitchFamily="34" charset="-128"/>
+              </a:rPr>
+            </a:br>
+            <a:r>
+              <a:rPr lang="ja-JP" altLang="en-US" sz="1600">
+                <a:solidFill>
+                  <a:schemeClr val="accent5">
+                    <a:lumMod val="50000"/>
+                  </a:schemeClr>
+                </a:solidFill>
+                <a:latin typeface="Hiragino Maru Gothic Pro W4" panose="020F0400000000000000" pitchFamily="34" charset="-128"/>
+                <a:ea typeface="Hiragino Maru Gothic Pro W4" panose="020F0400000000000000" pitchFamily="34" charset="-128"/>
+              </a:rPr>
+              <a:t>　ガチ戦へのモチベーション次第なところはある。</a:t>
+            </a:r>
+            <a:endParaRPr lang="en-US" altLang="ja-JP" sz="1600" dirty="0">
+              <a:solidFill>
+                <a:schemeClr val="accent5">
+                  <a:lumMod val="50000"/>
+                </a:schemeClr>
+              </a:solidFill>
+              <a:latin typeface="Hiragino Maru Gothic Pro W4" panose="020F0400000000000000" pitchFamily="34" charset="-128"/>
+              <a:ea typeface="Hiragino Maru Gothic Pro W4" panose="020F0400000000000000" pitchFamily="34" charset="-128"/>
+            </a:endParaRPr>
+          </a:p>
+          <a:p>
+            <a:pPr marL="331470" indent="-285750"/>
+            <a:r>
+              <a:rPr lang="ja-JP" altLang="en-US" sz="1600">
+                <a:solidFill>
+                  <a:schemeClr val="accent5">
+                    <a:lumMod val="50000"/>
+                  </a:schemeClr>
+                </a:solidFill>
+                <a:latin typeface="Hiragino Maru Gothic Pro W4" panose="020F0400000000000000" pitchFamily="34" charset="-128"/>
+                <a:ea typeface="Hiragino Maru Gothic Pro W4" panose="020F0400000000000000" pitchFamily="34" charset="-128"/>
+              </a:rPr>
+              <a:t>案１：それぞれの道をいく</a:t>
+            </a:r>
+            <a:br>
+              <a:rPr lang="en-US" altLang="ja-JP" sz="1600" dirty="0">
+                <a:solidFill>
+                  <a:schemeClr val="accent5">
+                    <a:lumMod val="50000"/>
+                  </a:schemeClr>
+                </a:solidFill>
+                <a:latin typeface="Hiragino Maru Gothic Pro W4" panose="020F0400000000000000" pitchFamily="34" charset="-128"/>
+                <a:ea typeface="Hiragino Maru Gothic Pro W4" panose="020F0400000000000000" pitchFamily="34" charset="-128"/>
+              </a:rPr>
+            </a:br>
+            <a:r>
+              <a:rPr lang="ja-JP" altLang="en-US" sz="1600">
+                <a:solidFill>
+                  <a:schemeClr val="accent5">
+                    <a:lumMod val="50000"/>
+                  </a:schemeClr>
+                </a:solidFill>
+                <a:latin typeface="Hiragino Maru Gothic Pro W4" panose="020F0400000000000000" pitchFamily="34" charset="-128"/>
+                <a:ea typeface="Hiragino Maru Gothic Pro W4" panose="020F0400000000000000" pitchFamily="34" charset="-128"/>
+              </a:rPr>
+              <a:t>→無し。</a:t>
+            </a:r>
+            <a:r>
+              <a:rPr lang="en-US" altLang="ja-JP" sz="1600" dirty="0">
+                <a:solidFill>
+                  <a:schemeClr val="accent5">
+                    <a:lumMod val="50000"/>
+                  </a:schemeClr>
+                </a:solidFill>
+                <a:latin typeface="Hiragino Maru Gothic Pro W4" panose="020F0400000000000000" pitchFamily="34" charset="-128"/>
+                <a:ea typeface="Hiragino Maru Gothic Pro W4" panose="020F0400000000000000" pitchFamily="34" charset="-128"/>
+              </a:rPr>
+              <a:t>JWC</a:t>
+            </a:r>
+            <a:r>
+              <a:rPr lang="ja-JP" altLang="en-US" sz="1600">
+                <a:solidFill>
+                  <a:schemeClr val="accent5">
+                    <a:lumMod val="50000"/>
+                  </a:schemeClr>
+                </a:solidFill>
+                <a:latin typeface="Hiragino Maru Gothic Pro W4" panose="020F0400000000000000" pitchFamily="34" charset="-128"/>
+                <a:ea typeface="Hiragino Maru Gothic Pro W4" panose="020F0400000000000000" pitchFamily="34" charset="-128"/>
+              </a:rPr>
+              <a:t>楽しかった、参加できなくなる。</a:t>
+            </a:r>
+            <a:endParaRPr lang="en-US" altLang="ja-JP" sz="1600" dirty="0">
+              <a:solidFill>
+                <a:schemeClr val="accent5">
+                  <a:lumMod val="50000"/>
+                </a:schemeClr>
+              </a:solidFill>
+              <a:latin typeface="Hiragino Maru Gothic Pro W4" panose="020F0400000000000000" pitchFamily="34" charset="-128"/>
+              <a:ea typeface="Hiragino Maru Gothic Pro W4" panose="020F0400000000000000" pitchFamily="34" charset="-128"/>
+            </a:endParaRPr>
+          </a:p>
+          <a:p>
+            <a:pPr marL="331470" indent="-285750"/>
+            <a:r>
+              <a:rPr lang="ja-JP" altLang="en-US" sz="1600">
+                <a:solidFill>
+                  <a:schemeClr val="accent5">
+                    <a:lumMod val="50000"/>
+                  </a:schemeClr>
+                </a:solidFill>
+                <a:latin typeface="Hiragino Maru Gothic Pro W4" panose="020F0400000000000000" pitchFamily="34" charset="-128"/>
+                <a:ea typeface="Hiragino Maru Gothic Pro W4" panose="020F0400000000000000" pitchFamily="34" charset="-128"/>
+              </a:rPr>
+              <a:t>案２：クラン吸収</a:t>
+            </a:r>
+            <a:r>
+              <a:rPr lang="en-US" altLang="ja-JP" sz="1600" dirty="0">
+                <a:solidFill>
+                  <a:schemeClr val="accent5">
+                    <a:lumMod val="50000"/>
+                  </a:schemeClr>
+                </a:solidFill>
+                <a:latin typeface="Hiragino Maru Gothic Pro W4" panose="020F0400000000000000" pitchFamily="34" charset="-128"/>
+                <a:ea typeface="Hiragino Maru Gothic Pro W4" panose="020F0400000000000000" pitchFamily="34" charset="-128"/>
+              </a:rPr>
+              <a:t>(</a:t>
+            </a:r>
+            <a:r>
+              <a:rPr lang="ja-JP" altLang="en-US" sz="1600">
+                <a:solidFill>
+                  <a:schemeClr val="accent5">
+                    <a:lumMod val="50000"/>
+                  </a:schemeClr>
+                </a:solidFill>
+                <a:latin typeface="Hiragino Maru Gothic Pro W4" panose="020F0400000000000000" pitchFamily="34" charset="-128"/>
+                <a:ea typeface="Hiragino Maru Gothic Pro W4" panose="020F0400000000000000" pitchFamily="34" charset="-128"/>
+              </a:rPr>
+              <a:t>東方←まほらま</a:t>
+            </a:r>
+            <a:r>
+              <a:rPr lang="en-US" altLang="ja-JP" sz="1600" dirty="0">
+                <a:solidFill>
+                  <a:schemeClr val="accent5">
+                    <a:lumMod val="50000"/>
+                  </a:schemeClr>
+                </a:solidFill>
+                <a:latin typeface="Hiragino Maru Gothic Pro W4" panose="020F0400000000000000" pitchFamily="34" charset="-128"/>
+                <a:ea typeface="Hiragino Maru Gothic Pro W4" panose="020F0400000000000000" pitchFamily="34" charset="-128"/>
+              </a:rPr>
+              <a:t>)</a:t>
+            </a:r>
+            <a:br>
+              <a:rPr lang="en-US" altLang="ja-JP" sz="1600" dirty="0">
+                <a:solidFill>
+                  <a:schemeClr val="accent5">
+                    <a:lumMod val="50000"/>
+                  </a:schemeClr>
+                </a:solidFill>
+                <a:latin typeface="Hiragino Maru Gothic Pro W4" panose="020F0400000000000000" pitchFamily="34" charset="-128"/>
+                <a:ea typeface="Hiragino Maru Gothic Pro W4" panose="020F0400000000000000" pitchFamily="34" charset="-128"/>
+              </a:rPr>
+            </a:br>
+            <a:r>
+              <a:rPr lang="ja-JP" altLang="en-US" sz="1600">
+                <a:solidFill>
+                  <a:schemeClr val="accent5">
+                    <a:lumMod val="50000"/>
+                  </a:schemeClr>
+                </a:solidFill>
+                <a:latin typeface="Hiragino Maru Gothic Pro W4" panose="020F0400000000000000" pitchFamily="34" charset="-128"/>
+                <a:ea typeface="Hiragino Maru Gothic Pro W4" panose="020F0400000000000000" pitchFamily="34" charset="-128"/>
+              </a:rPr>
+              <a:t>→無し。無理とのこと。</a:t>
+            </a:r>
+            <a:endParaRPr lang="en-US" altLang="ja-JP" sz="1600" dirty="0">
+              <a:solidFill>
+                <a:schemeClr val="accent5">
+                  <a:lumMod val="50000"/>
+                </a:schemeClr>
+              </a:solidFill>
+              <a:latin typeface="Hiragino Maru Gothic Pro W4" panose="020F0400000000000000" pitchFamily="34" charset="-128"/>
+              <a:ea typeface="Hiragino Maru Gothic Pro W4" panose="020F0400000000000000" pitchFamily="34" charset="-128"/>
+            </a:endParaRPr>
+          </a:p>
+          <a:p>
+            <a:pPr marL="331470" indent="-285750"/>
+            <a:r>
+              <a:rPr lang="ja-JP" altLang="en-US" sz="1600">
+                <a:solidFill>
+                  <a:schemeClr val="accent5">
+                    <a:lumMod val="50000"/>
+                  </a:schemeClr>
+                </a:solidFill>
+                <a:latin typeface="Hiragino Maru Gothic Pro W4" panose="020F0400000000000000" pitchFamily="34" charset="-128"/>
+                <a:ea typeface="Hiragino Maru Gothic Pro W4" panose="020F0400000000000000" pitchFamily="34" charset="-128"/>
+              </a:rPr>
+              <a:t>案３：クラン吸収</a:t>
+            </a:r>
+            <a:r>
+              <a:rPr lang="en-US" altLang="ja-JP" sz="1600" dirty="0">
+                <a:solidFill>
+                  <a:schemeClr val="accent5">
+                    <a:lumMod val="50000"/>
+                  </a:schemeClr>
+                </a:solidFill>
+                <a:latin typeface="Hiragino Maru Gothic Pro W4" panose="020F0400000000000000" pitchFamily="34" charset="-128"/>
+                <a:ea typeface="Hiragino Maru Gothic Pro W4" panose="020F0400000000000000" pitchFamily="34" charset="-128"/>
+              </a:rPr>
+              <a:t>(</a:t>
+            </a:r>
+            <a:r>
+              <a:rPr lang="ja-JP" altLang="en-US" sz="1600">
+                <a:solidFill>
+                  <a:schemeClr val="accent5">
+                    <a:lumMod val="50000"/>
+                  </a:schemeClr>
+                </a:solidFill>
+                <a:latin typeface="Hiragino Maru Gothic Pro W4" panose="020F0400000000000000" pitchFamily="34" charset="-128"/>
+                <a:ea typeface="Hiragino Maru Gothic Pro W4" panose="020F0400000000000000" pitchFamily="34" charset="-128"/>
+              </a:rPr>
+              <a:t>まほらま←東方</a:t>
+            </a:r>
+            <a:r>
+              <a:rPr lang="en-US" altLang="ja-JP" sz="1600" dirty="0">
+                <a:solidFill>
+                  <a:schemeClr val="accent5">
+                    <a:lumMod val="50000"/>
+                  </a:schemeClr>
+                </a:solidFill>
+                <a:latin typeface="Hiragino Maru Gothic Pro W4" panose="020F0400000000000000" pitchFamily="34" charset="-128"/>
+                <a:ea typeface="Hiragino Maru Gothic Pro W4" panose="020F0400000000000000" pitchFamily="34" charset="-128"/>
+              </a:rPr>
+              <a:t>)</a:t>
+            </a:r>
+            <a:br>
+              <a:rPr lang="en-US" altLang="ja-JP" sz="1600" dirty="0">
+                <a:solidFill>
+                  <a:schemeClr val="accent5">
+                    <a:lumMod val="50000"/>
+                  </a:schemeClr>
+                </a:solidFill>
+                <a:latin typeface="Hiragino Maru Gothic Pro W4" panose="020F0400000000000000" pitchFamily="34" charset="-128"/>
+                <a:ea typeface="Hiragino Maru Gothic Pro W4" panose="020F0400000000000000" pitchFamily="34" charset="-128"/>
+              </a:rPr>
+            </a:br>
+            <a:r>
+              <a:rPr lang="ja-JP" altLang="en-US" sz="1600">
+                <a:solidFill>
+                  <a:schemeClr val="accent5">
+                    <a:lumMod val="50000"/>
+                  </a:schemeClr>
+                </a:solidFill>
+                <a:latin typeface="Hiragino Maru Gothic Pro W4" panose="020F0400000000000000" pitchFamily="34" charset="-128"/>
+                <a:ea typeface="Hiragino Maru Gothic Pro W4" panose="020F0400000000000000" pitchFamily="34" charset="-128"/>
+              </a:rPr>
+              <a:t>→問題点１を気にしてないから有りっちゃ有りなんだよねとのこと。まじか。</a:t>
+            </a:r>
+            <a:br>
+              <a:rPr lang="en-US" altLang="ja-JP" sz="1600" dirty="0">
+                <a:solidFill>
+                  <a:schemeClr val="accent5">
+                    <a:lumMod val="50000"/>
+                  </a:schemeClr>
+                </a:solidFill>
+                <a:latin typeface="Hiragino Maru Gothic Pro W4" panose="020F0400000000000000" pitchFamily="34" charset="-128"/>
+                <a:ea typeface="Hiragino Maru Gothic Pro W4" panose="020F0400000000000000" pitchFamily="34" charset="-128"/>
+              </a:rPr>
+            </a:br>
+            <a:r>
+              <a:rPr lang="ja-JP" altLang="en-US" sz="1600">
+                <a:solidFill>
+                  <a:schemeClr val="accent5">
+                    <a:lumMod val="50000"/>
+                  </a:schemeClr>
+                </a:solidFill>
+                <a:latin typeface="Hiragino Maru Gothic Pro W4" panose="020F0400000000000000" pitchFamily="34" charset="-128"/>
+                <a:ea typeface="Hiragino Maru Gothic Pro W4" panose="020F0400000000000000" pitchFamily="34" charset="-128"/>
+              </a:rPr>
+              <a:t>　</a:t>
+            </a:r>
+            <a:r>
+              <a:rPr lang="en-US" altLang="ja-JP" sz="1600" dirty="0">
+                <a:solidFill>
+                  <a:schemeClr val="accent5">
+                    <a:lumMod val="50000"/>
+                  </a:schemeClr>
+                </a:solidFill>
+                <a:latin typeface="Hiragino Maru Gothic Pro W4" panose="020F0400000000000000" pitchFamily="34" charset="-128"/>
+                <a:ea typeface="Hiragino Maru Gothic Pro W4" panose="020F0400000000000000" pitchFamily="34" charset="-128"/>
+              </a:rPr>
+              <a:t>(</a:t>
+            </a:r>
+            <a:r>
+              <a:rPr lang="ja-JP" altLang="en-US" sz="1600">
+                <a:solidFill>
+                  <a:schemeClr val="accent5">
+                    <a:lumMod val="50000"/>
+                  </a:schemeClr>
+                </a:solidFill>
+                <a:latin typeface="Hiragino Maru Gothic Pro W4" panose="020F0400000000000000" pitchFamily="34" charset="-128"/>
+                <a:ea typeface="Hiragino Maru Gothic Pro W4" panose="020F0400000000000000" pitchFamily="34" charset="-128"/>
+              </a:rPr>
+              <a:t>想定外・・・感情的なところもあるだろうし、口に出しづらいこともあるだろうから議論を切り上げ</a:t>
+            </a:r>
+            <a:r>
+              <a:rPr lang="en-US" altLang="ja-JP" sz="1600" dirty="0">
+                <a:solidFill>
+                  <a:schemeClr val="accent5">
+                    <a:lumMod val="50000"/>
+                  </a:schemeClr>
+                </a:solidFill>
+                <a:latin typeface="Hiragino Maru Gothic Pro W4" panose="020F0400000000000000" pitchFamily="34" charset="-128"/>
+                <a:ea typeface="Hiragino Maru Gothic Pro W4" panose="020F0400000000000000" pitchFamily="34" charset="-128"/>
+              </a:rPr>
+              <a:t>)</a:t>
+            </a:r>
+          </a:p>
+        </p:txBody>
+      </p:sp>
+      <p:sp>
+        <p:nvSpPr>
+          <p:cNvPr id="4" name="スライド番号プレースホルダー 3">
+            <a:extLst>
+              <a:ext uri="{FF2B5EF4-FFF2-40B4-BE49-F238E27FC236}">
+                <a16:creationId xmlns:a16="http://schemas.microsoft.com/office/drawing/2014/main" id="{34C04C8D-49C3-874E-864D-A6289CA1E427}"/>
+              </a:ext>
+            </a:extLst>
+          </p:cNvPr>
+          <p:cNvSpPr>
+            <a:spLocks noGrp="1"/>
+          </p:cNvSpPr>
+          <p:nvPr>
+            <p:ph type="sldNum" sz="quarter" idx="12"/>
+          </p:nvPr>
+        </p:nvSpPr>
+        <p:spPr/>
+        <p:txBody>
+          <a:bodyPr/>
+          <a:lstStyle/>
+          <a:p>
+            <a:pPr rtl="0"/>
+            <a:fld id="{E31375A4-56A4-47D6-9801-1991572033F7}" type="slidenum">
+              <a:rPr lang="en-US" altLang="ja-JP" noProof="0" smtClean="0">
+                <a:solidFill>
+                  <a:srgbClr val="002060"/>
+                </a:solidFill>
+                <a:latin typeface="Hiragino Maru Gothic Pro W4" panose="020F0400000000000000" pitchFamily="34" charset="-128"/>
+                <a:ea typeface="Hiragino Maru Gothic Pro W4" panose="020F0400000000000000" pitchFamily="34" charset="-128"/>
+              </a:rPr>
+              <a:t>17</a:t>
+            </a:fld>
+            <a:endParaRPr lang="ja-JP" altLang="en-US" noProof="0" dirty="0">
+              <a:solidFill>
+                <a:srgbClr val="002060"/>
+              </a:solidFill>
+              <a:latin typeface="Hiragino Maru Gothic Pro W4" panose="020F0400000000000000" pitchFamily="34" charset="-128"/>
+              <a:ea typeface="Hiragino Maru Gothic Pro W4" panose="020F0400000000000000" pitchFamily="34" charset="-128"/>
+            </a:endParaRPr>
+          </a:p>
+        </p:txBody>
+      </p:sp>
+    </p:spTree>
+    <p:extLst>
+      <p:ext uri="{BB962C8B-B14F-4D97-AF65-F5344CB8AC3E}">
+        <p14:creationId xmlns:p14="http://schemas.microsoft.com/office/powerpoint/2010/main" val="2842647853"/>
+      </p:ext>
+    </p:extLst>
+  </p:cSld>
+  <p:clrMapOvr>
+    <a:masterClrMapping/>
+  </p:clrMapOvr>
+  <mc:AlternateContent xmlns:mc="http://schemas.openxmlformats.org/markup-compatibility/2006" xmlns:p14="http://schemas.microsoft.com/office/powerpoint/2010/main">
+    <mc:Choice Requires="p14">
+      <p:transition spd="med" p14:dur="700">
+        <p:fade/>
+      </p:transition>
+    </mc:Choice>
+    <mc:Fallback xmlns="">
+      <p:transition spd="med">
+        <p:fade/>
+      </p:transition>
+    </mc:Fallback>
+  </mc:AlternateContent>
+</p:sld>
+</file>
+
+<file path=ppt/slides/slide18.xml><?xml version="1.0" encoding="utf-8"?>
+<p:sld xmlns:a="http://schemas.openxmlformats.org/drawingml/2006/main" xmlns:r="http://schemas.openxmlformats.org/officeDocument/2006/relationships" xmlns:p="http://schemas.openxmlformats.org/presentationml/2006/main">
+  <p:cSld>
+    <p:spTree>
+      <p:nvGrpSpPr>
+        <p:cNvPr id="1" name=""/>
+        <p:cNvGrpSpPr/>
+        <p:nvPr/>
+      </p:nvGrpSpPr>
+      <p:grpSpPr>
+        <a:xfrm>
+          <a:off x="0" y="0"/>
+          <a:ext cx="0" cy="0"/>
+          <a:chOff x="0" y="0"/>
+          <a:chExt cx="0" cy="0"/>
+        </a:xfrm>
+      </p:grpSpPr>
+      <p:sp>
+        <p:nvSpPr>
+          <p:cNvPr id="2" name="タイトル 1">
+            <a:extLst>
+              <a:ext uri="{FF2B5EF4-FFF2-40B4-BE49-F238E27FC236}">
+                <a16:creationId xmlns:a16="http://schemas.microsoft.com/office/drawing/2014/main" id="{4BEF2D4F-28AD-C84D-A4AC-A607D5B45D24}"/>
+              </a:ext>
+            </a:extLst>
+          </p:cNvPr>
+          <p:cNvSpPr>
+            <a:spLocks noGrp="1"/>
+          </p:cNvSpPr>
+          <p:nvPr>
+            <p:ph type="title"/>
+          </p:nvPr>
+        </p:nvSpPr>
+        <p:spPr/>
+        <p:txBody>
+          <a:bodyPr/>
+          <a:lstStyle/>
+          <a:p>
+            <a:r>
+              <a:rPr lang="ja-JP" altLang="en-US">
+                <a:solidFill>
+                  <a:schemeClr val="accent5">
+                    <a:lumMod val="50000"/>
+                  </a:schemeClr>
+                </a:solidFill>
+                <a:latin typeface="Hiragino Maru Gothic Pro W4" panose="020F0400000000000000" pitchFamily="34" charset="-128"/>
+                <a:ea typeface="Hiragino Maru Gothic Pro W4" panose="020F0400000000000000" pitchFamily="34" charset="-128"/>
+              </a:rPr>
+              <a:t>東方での話し合い </a:t>
+            </a:r>
+            <a:r>
+              <a:rPr lang="en-US" altLang="ja-JP" dirty="0">
+                <a:solidFill>
+                  <a:schemeClr val="accent5">
+                    <a:lumMod val="50000"/>
+                  </a:schemeClr>
+                </a:solidFill>
+                <a:latin typeface="Hiragino Maru Gothic Pro W4" panose="020F0400000000000000" pitchFamily="34" charset="-128"/>
+                <a:ea typeface="Hiragino Maru Gothic Pro W4" panose="020F0400000000000000" pitchFamily="34" charset="-128"/>
+              </a:rPr>
+              <a:t>(2021/04/02)</a:t>
             </a:r>
             <a:endParaRPr kumimoji="1" lang="ja-JP" altLang="en-US">
               <a:solidFill>
@@ -7904,22 +8969,346 @@
           </a:bodyPr>
           <a:lstStyle/>
           <a:p>
-            <a:pPr marL="45720" indent="0">
-              <a:buNone/>
-            </a:pPr>
-            <a:r>
-              <a:rPr lang="ja-JP" altLang="en-US">
-                <a:solidFill>
-                  <a:schemeClr val="accent5">
-                    <a:lumMod val="50000"/>
-                  </a:schemeClr>
-                </a:solidFill>
-                <a:latin typeface="Hiragino Maru Gothic Pro W4" panose="020F0400000000000000" pitchFamily="34" charset="-128"/>
-                <a:ea typeface="Hiragino Maru Gothic Pro W4" panose="020F0400000000000000" pitchFamily="34" charset="-128"/>
-              </a:rPr>
-              <a:t>たいした資料ではないですが。参考までに。</a:t>
-            </a:r>
-            <a:endParaRPr lang="en-US" altLang="ja-JP" dirty="0">
+            <a:pPr marL="331470" indent="-285750"/>
+            <a:r>
+              <a:rPr lang="ja-JP" altLang="en-US" sz="1600">
+                <a:solidFill>
+                  <a:schemeClr val="accent5">
+                    <a:lumMod val="50000"/>
+                  </a:schemeClr>
+                </a:solidFill>
+                <a:latin typeface="Hiragino Maru Gothic Pro W4" panose="020F0400000000000000" pitchFamily="34" charset="-128"/>
+                <a:ea typeface="Hiragino Maru Gothic Pro W4" panose="020F0400000000000000" pitchFamily="34" charset="-128"/>
+              </a:rPr>
+              <a:t>案４：新規立ち上げ</a:t>
+            </a:r>
+            <a:br>
+              <a:rPr lang="en-US" altLang="ja-JP" sz="1600" dirty="0">
+                <a:solidFill>
+                  <a:schemeClr val="accent5">
+                    <a:lumMod val="50000"/>
+                  </a:schemeClr>
+                </a:solidFill>
+                <a:latin typeface="Hiragino Maru Gothic Pro W4" panose="020F0400000000000000" pitchFamily="34" charset="-128"/>
+                <a:ea typeface="Hiragino Maru Gothic Pro W4" panose="020F0400000000000000" pitchFamily="34" charset="-128"/>
+              </a:rPr>
+            </a:br>
+            <a:r>
+              <a:rPr lang="ja-JP" altLang="en-US" sz="1600">
+                <a:solidFill>
+                  <a:schemeClr val="accent5">
+                    <a:lumMod val="50000"/>
+                  </a:schemeClr>
+                </a:solidFill>
+                <a:latin typeface="Hiragino Maru Gothic Pro W4" panose="020F0400000000000000" pitchFamily="34" charset="-128"/>
+                <a:ea typeface="Hiragino Maru Gothic Pro W4" panose="020F0400000000000000" pitchFamily="34" charset="-128"/>
+              </a:rPr>
+              <a:t>→１から作り上げることに楽しさはあるかも、といった意見はあり。</a:t>
+            </a:r>
+            <a:br>
+              <a:rPr lang="en-US" altLang="ja-JP" sz="1600" dirty="0">
+                <a:solidFill>
+                  <a:schemeClr val="accent5">
+                    <a:lumMod val="50000"/>
+                  </a:schemeClr>
+                </a:solidFill>
+                <a:latin typeface="Hiragino Maru Gothic Pro W4" panose="020F0400000000000000" pitchFamily="34" charset="-128"/>
+                <a:ea typeface="Hiragino Maru Gothic Pro W4" panose="020F0400000000000000" pitchFamily="34" charset="-128"/>
+              </a:rPr>
+            </a:br>
+            <a:r>
+              <a:rPr lang="ja-JP" altLang="en-US" sz="1600">
+                <a:solidFill>
+                  <a:schemeClr val="accent5">
+                    <a:lumMod val="50000"/>
+                  </a:schemeClr>
+                </a:solidFill>
+                <a:latin typeface="Hiragino Maru Gothic Pro W4" panose="020F0400000000000000" pitchFamily="34" charset="-128"/>
+                <a:ea typeface="Hiragino Maru Gothic Pro W4" panose="020F0400000000000000" pitchFamily="34" charset="-128"/>
+              </a:rPr>
+              <a:t>　</a:t>
+            </a:r>
+            <a:r>
+              <a:rPr lang="en-US" altLang="ja-JP" sz="1600" dirty="0">
+                <a:solidFill>
+                  <a:schemeClr val="accent5">
+                    <a:lumMod val="50000"/>
+                  </a:schemeClr>
+                </a:solidFill>
+                <a:latin typeface="Hiragino Maru Gothic Pro W4" panose="020F0400000000000000" pitchFamily="34" charset="-128"/>
+                <a:ea typeface="Hiragino Maru Gothic Pro W4" panose="020F0400000000000000" pitchFamily="34" charset="-128"/>
+              </a:rPr>
+              <a:t>(</a:t>
+            </a:r>
+            <a:r>
+              <a:rPr lang="ja-JP" altLang="en-US" sz="1600">
+                <a:solidFill>
+                  <a:schemeClr val="accent5">
+                    <a:lumMod val="50000"/>
+                  </a:schemeClr>
+                </a:solidFill>
+                <a:latin typeface="Hiragino Maru Gothic Pro W4" panose="020F0400000000000000" pitchFamily="34" charset="-128"/>
+                <a:ea typeface="Hiragino Maru Gothic Pro W4" panose="020F0400000000000000" pitchFamily="34" charset="-128"/>
+              </a:rPr>
+              <a:t>ひこにゃんさん、チャットにて若干趣旨は変わるかもだけどくい助さんもかな</a:t>
+            </a:r>
+            <a:r>
+              <a:rPr lang="en-US" altLang="ja-JP" sz="1600" dirty="0">
+                <a:solidFill>
+                  <a:schemeClr val="accent5">
+                    <a:lumMod val="50000"/>
+                  </a:schemeClr>
+                </a:solidFill>
+                <a:latin typeface="Hiragino Maru Gothic Pro W4" panose="020F0400000000000000" pitchFamily="34" charset="-128"/>
+                <a:ea typeface="Hiragino Maru Gothic Pro W4" panose="020F0400000000000000" pitchFamily="34" charset="-128"/>
+              </a:rPr>
+              <a:t>)</a:t>
+            </a:r>
+            <a:br>
+              <a:rPr lang="en-US" altLang="ja-JP" sz="1600" dirty="0">
+                <a:solidFill>
+                  <a:schemeClr val="accent5">
+                    <a:lumMod val="50000"/>
+                  </a:schemeClr>
+                </a:solidFill>
+                <a:latin typeface="Hiragino Maru Gothic Pro W4" panose="020F0400000000000000" pitchFamily="34" charset="-128"/>
+                <a:ea typeface="Hiragino Maru Gothic Pro W4" panose="020F0400000000000000" pitchFamily="34" charset="-128"/>
+              </a:rPr>
+            </a:br>
+            <a:r>
+              <a:rPr lang="en-US" altLang="ja-JP" sz="1600" dirty="0">
+                <a:solidFill>
+                  <a:schemeClr val="accent5">
+                    <a:lumMod val="50000"/>
+                  </a:schemeClr>
+                </a:solidFill>
+                <a:latin typeface="Hiragino Maru Gothic Pro W4" panose="020F0400000000000000" pitchFamily="34" charset="-128"/>
+                <a:ea typeface="Hiragino Maru Gothic Pro W4" panose="020F0400000000000000" pitchFamily="34" charset="-128"/>
+              </a:rPr>
+              <a:t>→</a:t>
+            </a:r>
+            <a:r>
+              <a:rPr lang="ja-JP" altLang="en-US" sz="1600">
+                <a:solidFill>
+                  <a:schemeClr val="accent5">
+                    <a:lumMod val="50000"/>
+                  </a:schemeClr>
+                </a:solidFill>
+                <a:latin typeface="Hiragino Maru Gothic Pro W4" panose="020F0400000000000000" pitchFamily="34" charset="-128"/>
+                <a:ea typeface="Hiragino Maru Gothic Pro W4" panose="020F0400000000000000" pitchFamily="34" charset="-128"/>
+              </a:rPr>
+              <a:t>ただしクランレベルがネック。特に</a:t>
+            </a:r>
+            <a:r>
+              <a:rPr lang="en-US" altLang="ja-JP" sz="1600" dirty="0">
+                <a:solidFill>
+                  <a:schemeClr val="accent5">
+                    <a:lumMod val="50000"/>
+                  </a:schemeClr>
+                </a:solidFill>
+                <a:latin typeface="Hiragino Maru Gothic Pro W4" panose="020F0400000000000000" pitchFamily="34" charset="-128"/>
+                <a:ea typeface="Hiragino Maru Gothic Pro W4" panose="020F0400000000000000" pitchFamily="34" charset="-128"/>
+              </a:rPr>
+              <a:t>TH14</a:t>
+            </a:r>
+            <a:r>
+              <a:rPr lang="ja-JP" altLang="en-US" sz="1600">
+                <a:solidFill>
+                  <a:schemeClr val="accent5">
+                    <a:lumMod val="50000"/>
+                  </a:schemeClr>
+                </a:solidFill>
+                <a:latin typeface="Hiragino Maru Gothic Pro W4" panose="020F0400000000000000" pitchFamily="34" charset="-128"/>
+                <a:ea typeface="Hiragino Maru Gothic Pro W4" panose="020F0400000000000000" pitchFamily="34" charset="-128"/>
+              </a:rPr>
+              <a:t>になった後は、ヒーロー問題で対戦に出ない人もいるだろうから、</a:t>
+            </a:r>
+            <a:br>
+              <a:rPr lang="en-US" altLang="ja-JP" sz="1600" dirty="0">
+                <a:solidFill>
+                  <a:schemeClr val="accent5">
+                    <a:lumMod val="50000"/>
+                  </a:schemeClr>
+                </a:solidFill>
+                <a:latin typeface="Hiragino Maru Gothic Pro W4" panose="020F0400000000000000" pitchFamily="34" charset="-128"/>
+                <a:ea typeface="Hiragino Maru Gothic Pro W4" panose="020F0400000000000000" pitchFamily="34" charset="-128"/>
+              </a:rPr>
+            </a:br>
+            <a:r>
+              <a:rPr lang="ja-JP" altLang="en-US" sz="1600">
+                <a:solidFill>
+                  <a:schemeClr val="accent5">
+                    <a:lumMod val="50000"/>
+                  </a:schemeClr>
+                </a:solidFill>
+                <a:latin typeface="Hiragino Maru Gothic Pro W4" panose="020F0400000000000000" pitchFamily="34" charset="-128"/>
+                <a:ea typeface="Hiragino Maru Gothic Pro W4" panose="020F0400000000000000" pitchFamily="34" charset="-128"/>
+              </a:rPr>
+              <a:t>　クランレベル低いままが長く続くよね。実益を考えるとあまり嬉しくない。</a:t>
+            </a:r>
+            <a:br>
+              <a:rPr lang="en-US" altLang="ja-JP" sz="1600" dirty="0">
+                <a:solidFill>
+                  <a:schemeClr val="accent5">
+                    <a:lumMod val="50000"/>
+                  </a:schemeClr>
+                </a:solidFill>
+                <a:latin typeface="Hiragino Maru Gothic Pro W4" panose="020F0400000000000000" pitchFamily="34" charset="-128"/>
+                <a:ea typeface="Hiragino Maru Gothic Pro W4" panose="020F0400000000000000" pitchFamily="34" charset="-128"/>
+              </a:rPr>
+            </a:br>
+            <a:r>
+              <a:rPr lang="ja-JP" altLang="en-US" sz="1600">
+                <a:solidFill>
+                  <a:schemeClr val="accent5">
+                    <a:lumMod val="50000"/>
+                  </a:schemeClr>
+                </a:solidFill>
+                <a:latin typeface="Hiragino Maru Gothic Pro W4" panose="020F0400000000000000" pitchFamily="34" charset="-128"/>
+                <a:ea typeface="Hiragino Maru Gothic Pro W4" panose="020F0400000000000000" pitchFamily="34" charset="-128"/>
+              </a:rPr>
+              <a:t>　→だったら </a:t>
+            </a:r>
+            <a:r>
+              <a:rPr lang="en-US" altLang="ja-JP" sz="1600" dirty="0">
+                <a:solidFill>
+                  <a:schemeClr val="accent5">
+                    <a:lumMod val="50000"/>
+                  </a:schemeClr>
+                </a:solidFill>
+                <a:latin typeface="Hiragino Maru Gothic Pro W4" panose="020F0400000000000000" pitchFamily="34" charset="-128"/>
+                <a:ea typeface="Hiragino Maru Gothic Pro W4" panose="020F0400000000000000" pitchFamily="34" charset="-128"/>
+              </a:rPr>
+              <a:t>MAHORAMA_SAKURA </a:t>
+            </a:r>
+            <a:r>
+              <a:rPr lang="ja-JP" altLang="en-US" sz="1600">
+                <a:solidFill>
+                  <a:schemeClr val="accent5">
+                    <a:lumMod val="50000"/>
+                  </a:schemeClr>
+                </a:solidFill>
+                <a:latin typeface="Hiragino Maru Gothic Pro W4" panose="020F0400000000000000" pitchFamily="34" charset="-128"/>
+                <a:ea typeface="Hiragino Maru Gothic Pro W4" panose="020F0400000000000000" pitchFamily="34" charset="-128"/>
+              </a:rPr>
+              <a:t>や他支部使う？</a:t>
+            </a:r>
+            <a:br>
+              <a:rPr lang="en-US" altLang="ja-JP" sz="1600" dirty="0">
+                <a:solidFill>
+                  <a:schemeClr val="accent5">
+                    <a:lumMod val="50000"/>
+                  </a:schemeClr>
+                </a:solidFill>
+                <a:latin typeface="Hiragino Maru Gothic Pro W4" panose="020F0400000000000000" pitchFamily="34" charset="-128"/>
+                <a:ea typeface="Hiragino Maru Gothic Pro W4" panose="020F0400000000000000" pitchFamily="34" charset="-128"/>
+              </a:rPr>
+            </a:br>
+            <a:r>
+              <a:rPr lang="ja-JP" altLang="en-US" sz="1600">
+                <a:solidFill>
+                  <a:schemeClr val="accent5">
+                    <a:lumMod val="50000"/>
+                  </a:schemeClr>
+                </a:solidFill>
+                <a:latin typeface="Hiragino Maru Gothic Pro W4" panose="020F0400000000000000" pitchFamily="34" charset="-128"/>
+                <a:ea typeface="Hiragino Maru Gothic Pro W4" panose="020F0400000000000000" pitchFamily="34" charset="-128"/>
+              </a:rPr>
+              <a:t>　　→それだったら思い切って案３でも良い気もする。</a:t>
+            </a:r>
+            <a:br>
+              <a:rPr lang="en-US" altLang="ja-JP" sz="1600" dirty="0">
+                <a:solidFill>
+                  <a:schemeClr val="accent5">
+                    <a:lumMod val="50000"/>
+                  </a:schemeClr>
+                </a:solidFill>
+                <a:latin typeface="Hiragino Maru Gothic Pro W4" panose="020F0400000000000000" pitchFamily="34" charset="-128"/>
+                <a:ea typeface="Hiragino Maru Gothic Pro W4" panose="020F0400000000000000" pitchFamily="34" charset="-128"/>
+              </a:rPr>
+            </a:br>
+            <a:r>
+              <a:rPr lang="ja-JP" altLang="en-US" sz="1600">
+                <a:solidFill>
+                  <a:schemeClr val="accent5">
+                    <a:lumMod val="50000"/>
+                  </a:schemeClr>
+                </a:solidFill>
+                <a:latin typeface="Hiragino Maru Gothic Pro W4" panose="020F0400000000000000" pitchFamily="34" charset="-128"/>
+                <a:ea typeface="Hiragino Maru Gothic Pro W4" panose="020F0400000000000000" pitchFamily="34" charset="-128"/>
+              </a:rPr>
+              <a:t>　　　→議論切り上げ。</a:t>
+            </a:r>
+            <a:br>
+              <a:rPr lang="en-US" altLang="ja-JP" sz="1600" dirty="0">
+                <a:solidFill>
+                  <a:schemeClr val="accent5">
+                    <a:lumMod val="50000"/>
+                  </a:schemeClr>
+                </a:solidFill>
+                <a:latin typeface="Hiragino Maru Gothic Pro W4" panose="020F0400000000000000" pitchFamily="34" charset="-128"/>
+                <a:ea typeface="Hiragino Maru Gothic Pro W4" panose="020F0400000000000000" pitchFamily="34" charset="-128"/>
+              </a:rPr>
+            </a:br>
+            <a:r>
+              <a:rPr lang="ja-JP" altLang="en-US" sz="1600">
+                <a:solidFill>
+                  <a:schemeClr val="accent5">
+                    <a:lumMod val="50000"/>
+                  </a:schemeClr>
+                </a:solidFill>
+                <a:latin typeface="Hiragino Maru Gothic Pro W4" panose="020F0400000000000000" pitchFamily="34" charset="-128"/>
+                <a:ea typeface="Hiragino Maru Gothic Pro W4" panose="020F0400000000000000" pitchFamily="34" charset="-128"/>
+              </a:rPr>
+              <a:t>→リーグは多分マスター１あたりから開始されるから気にしなくて良い。</a:t>
+            </a:r>
+            <a:br>
+              <a:rPr lang="en-US" altLang="ja-JP" sz="1600" dirty="0">
+                <a:solidFill>
+                  <a:schemeClr val="accent5">
+                    <a:lumMod val="50000"/>
+                  </a:schemeClr>
+                </a:solidFill>
+                <a:latin typeface="Hiragino Maru Gothic Pro W4" panose="020F0400000000000000" pitchFamily="34" charset="-128"/>
+                <a:ea typeface="Hiragino Maru Gothic Pro W4" panose="020F0400000000000000" pitchFamily="34" charset="-128"/>
+              </a:rPr>
+            </a:br>
+            <a:r>
+              <a:rPr lang="ja-JP" altLang="en-US" sz="1600">
+                <a:solidFill>
+                  <a:schemeClr val="accent5">
+                    <a:lumMod val="50000"/>
+                  </a:schemeClr>
+                </a:solidFill>
+                <a:latin typeface="Hiragino Maru Gothic Pro W4" panose="020F0400000000000000" pitchFamily="34" charset="-128"/>
+                <a:ea typeface="Hiragino Maru Gothic Pro W4" panose="020F0400000000000000" pitchFamily="34" charset="-128"/>
+              </a:rPr>
+              <a:t>→新規クラン立ち上げた後の残された側の運営が何とかなるのか、やはり気になる。</a:t>
+            </a:r>
+            <a:br>
+              <a:rPr lang="en-US" altLang="ja-JP" sz="1600" dirty="0">
+                <a:solidFill>
+                  <a:schemeClr val="accent5">
+                    <a:lumMod val="50000"/>
+                  </a:schemeClr>
+                </a:solidFill>
+                <a:latin typeface="Hiragino Maru Gothic Pro W4" panose="020F0400000000000000" pitchFamily="34" charset="-128"/>
+                <a:ea typeface="Hiragino Maru Gothic Pro W4" panose="020F0400000000000000" pitchFamily="34" charset="-128"/>
+              </a:rPr>
+            </a:br>
+            <a:r>
+              <a:rPr lang="ja-JP" altLang="en-US" sz="1600">
+                <a:solidFill>
+                  <a:schemeClr val="accent5">
+                    <a:lumMod val="50000"/>
+                  </a:schemeClr>
+                </a:solidFill>
+                <a:latin typeface="Hiragino Maru Gothic Pro W4" panose="020F0400000000000000" pitchFamily="34" charset="-128"/>
+                <a:ea typeface="Hiragino Maru Gothic Pro W4" panose="020F0400000000000000" pitchFamily="34" charset="-128"/>
+              </a:rPr>
+              <a:t>　→まほらまと東方で助け合う形になるのだろうけど、そこらへんはあっちゃんの手腕次第なところ。</a:t>
+            </a:r>
+            <a:endParaRPr lang="en-US" altLang="ja-JP" sz="1600" dirty="0">
               <a:solidFill>
                 <a:schemeClr val="accent5">
                   <a:lumMod val="50000"/>
@@ -7930,30 +9319,292 @@
             </a:endParaRPr>
           </a:p>
           <a:p>
-            <a:pPr marL="45720" indent="0">
-              <a:buNone/>
-            </a:pPr>
-            <a:r>
-              <a:rPr lang="ja-JP" altLang="en-US">
-                <a:solidFill>
-                  <a:schemeClr val="accent5">
-                    <a:lumMod val="50000"/>
-                  </a:schemeClr>
-                </a:solidFill>
-                <a:latin typeface="Hiragino Maru Gothic Pro W4" panose="020F0400000000000000" pitchFamily="34" charset="-128"/>
-                <a:ea typeface="Hiragino Maru Gothic Pro W4" panose="020F0400000000000000" pitchFamily="34" charset="-128"/>
-              </a:rPr>
-              <a:t>最終的な結論はお二人で出していただきたく。</a:t>
-            </a:r>
-            <a:endParaRPr lang="en-US" altLang="ja-JP" dirty="0">
-              <a:solidFill>
-                <a:schemeClr val="accent5">
-                  <a:lumMod val="50000"/>
-                </a:schemeClr>
-              </a:solidFill>
-              <a:latin typeface="Hiragino Maru Gothic Pro W4" panose="020F0400000000000000" pitchFamily="34" charset="-128"/>
-              <a:ea typeface="Hiragino Maru Gothic Pro W4" panose="020F0400000000000000" pitchFamily="34" charset="-128"/>
-            </a:endParaRPr>
+            <a:pPr marL="331470" indent="-285750"/>
+            <a:r>
+              <a:rPr lang="ja-JP" altLang="en-US" sz="1600">
+                <a:solidFill>
+                  <a:schemeClr val="accent5">
+                    <a:lumMod val="50000"/>
+                  </a:schemeClr>
+                </a:solidFill>
+                <a:latin typeface="Hiragino Maru Gothic Pro W4" panose="020F0400000000000000" pitchFamily="34" charset="-128"/>
+                <a:ea typeface="Hiragino Maru Gothic Pro W4" panose="020F0400000000000000" pitchFamily="34" charset="-128"/>
+              </a:rPr>
+              <a:t>案５：ファミリークラン化</a:t>
+            </a:r>
+            <a:br>
+              <a:rPr lang="en-US" altLang="ja-JP" sz="1600" dirty="0">
+                <a:solidFill>
+                  <a:schemeClr val="accent5">
+                    <a:lumMod val="50000"/>
+                  </a:schemeClr>
+                </a:solidFill>
+                <a:latin typeface="Hiragino Maru Gothic Pro W4" panose="020F0400000000000000" pitchFamily="34" charset="-128"/>
+                <a:ea typeface="Hiragino Maru Gothic Pro W4" panose="020F0400000000000000" pitchFamily="34" charset="-128"/>
+              </a:rPr>
+            </a:br>
+            <a:r>
+              <a:rPr lang="ja-JP" altLang="en-US" sz="1600">
+                <a:solidFill>
+                  <a:schemeClr val="accent5">
+                    <a:lumMod val="50000"/>
+                  </a:schemeClr>
+                </a:solidFill>
+                <a:latin typeface="Hiragino Maru Gothic Pro W4" panose="020F0400000000000000" pitchFamily="34" charset="-128"/>
+                <a:ea typeface="Hiragino Maru Gothic Pro W4" panose="020F0400000000000000" pitchFamily="34" charset="-128"/>
+              </a:rPr>
+              <a:t>→実は今回の</a:t>
+            </a:r>
+            <a:r>
+              <a:rPr lang="en-US" altLang="ja-JP" sz="1600" dirty="0">
+                <a:solidFill>
+                  <a:schemeClr val="accent5">
+                    <a:lumMod val="50000"/>
+                  </a:schemeClr>
+                </a:solidFill>
+                <a:latin typeface="Hiragino Maru Gothic Pro W4" panose="020F0400000000000000" pitchFamily="34" charset="-128"/>
+                <a:ea typeface="Hiragino Maru Gothic Pro W4" panose="020F0400000000000000" pitchFamily="34" charset="-128"/>
+              </a:rPr>
+              <a:t>JWC</a:t>
+            </a:r>
+            <a:r>
+              <a:rPr lang="ja-JP" altLang="en-US" sz="1600">
+                <a:solidFill>
+                  <a:schemeClr val="accent5">
+                    <a:lumMod val="50000"/>
+                  </a:schemeClr>
+                </a:solidFill>
+                <a:latin typeface="Hiragino Maru Gothic Pro W4" panose="020F0400000000000000" pitchFamily="34" charset="-128"/>
+                <a:ea typeface="Hiragino Maru Gothic Pro W4" panose="020F0400000000000000" pitchFamily="34" charset="-128"/>
+              </a:rPr>
+              <a:t>体制であまり困ってないんだよね。</a:t>
+            </a:r>
+            <a:br>
+              <a:rPr lang="en-US" altLang="ja-JP" sz="1600" dirty="0">
+                <a:solidFill>
+                  <a:schemeClr val="accent5">
+                    <a:lumMod val="50000"/>
+                  </a:schemeClr>
+                </a:solidFill>
+                <a:latin typeface="Hiragino Maru Gothic Pro W4" panose="020F0400000000000000" pitchFamily="34" charset="-128"/>
+                <a:ea typeface="Hiragino Maru Gothic Pro W4" panose="020F0400000000000000" pitchFamily="34" charset="-128"/>
+              </a:rPr>
+            </a:br>
+            <a:r>
+              <a:rPr lang="ja-JP" altLang="en-US" sz="1600">
+                <a:solidFill>
+                  <a:schemeClr val="accent5">
+                    <a:lumMod val="50000"/>
+                  </a:schemeClr>
+                </a:solidFill>
+                <a:latin typeface="Hiragino Maru Gothic Pro W4" panose="020F0400000000000000" pitchFamily="34" charset="-128"/>
+                <a:ea typeface="Hiragino Maru Gothic Pro W4" panose="020F0400000000000000" pitchFamily="34" charset="-128"/>
+              </a:rPr>
+              <a:t>　</a:t>
+            </a:r>
+            <a:r>
+              <a:rPr lang="en-US" altLang="ja-JP" sz="1600" dirty="0">
+                <a:solidFill>
+                  <a:schemeClr val="accent5">
+                    <a:lumMod val="50000"/>
+                  </a:schemeClr>
+                </a:solidFill>
+                <a:latin typeface="Hiragino Maru Gothic Pro W4" panose="020F0400000000000000" pitchFamily="34" charset="-128"/>
+                <a:ea typeface="Hiragino Maru Gothic Pro W4" panose="020F0400000000000000" pitchFamily="34" charset="-128"/>
+              </a:rPr>
+              <a:t>(121</a:t>
+            </a:r>
+            <a:r>
+              <a:rPr lang="ja-JP" altLang="en-US" sz="1600">
+                <a:solidFill>
+                  <a:schemeClr val="accent5">
+                    <a:lumMod val="50000"/>
+                  </a:schemeClr>
+                </a:solidFill>
+                <a:latin typeface="Hiragino Maru Gothic Pro W4" panose="020F0400000000000000" pitchFamily="34" charset="-128"/>
+                <a:ea typeface="Hiragino Maru Gothic Pro W4" panose="020F0400000000000000" pitchFamily="34" charset="-128"/>
+              </a:rPr>
+              <a:t>さんは流出しちゃいそうだけど、東方として楽しかったし</a:t>
+            </a:r>
+            <a:r>
+              <a:rPr lang="en-US" altLang="ja-JP" sz="1600" dirty="0">
+                <a:solidFill>
+                  <a:schemeClr val="accent5">
+                    <a:lumMod val="50000"/>
+                  </a:schemeClr>
+                </a:solidFill>
+                <a:latin typeface="Hiragino Maru Gothic Pro W4" panose="020F0400000000000000" pitchFamily="34" charset="-128"/>
+                <a:ea typeface="Hiragino Maru Gothic Pro W4" panose="020F0400000000000000" pitchFamily="34" charset="-128"/>
+              </a:rPr>
+              <a:t>)</a:t>
+            </a:r>
+            <a:br>
+              <a:rPr lang="en-US" altLang="ja-JP" sz="1600" dirty="0">
+                <a:solidFill>
+                  <a:schemeClr val="accent5">
+                    <a:lumMod val="50000"/>
+                  </a:schemeClr>
+                </a:solidFill>
+                <a:latin typeface="Hiragino Maru Gothic Pro W4" panose="020F0400000000000000" pitchFamily="34" charset="-128"/>
+                <a:ea typeface="Hiragino Maru Gothic Pro W4" panose="020F0400000000000000" pitchFamily="34" charset="-128"/>
+              </a:rPr>
+            </a:br>
+            <a:r>
+              <a:rPr lang="ja-JP" altLang="en-US" sz="1600">
+                <a:solidFill>
+                  <a:schemeClr val="accent5">
+                    <a:lumMod val="50000"/>
+                  </a:schemeClr>
+                </a:solidFill>
+                <a:latin typeface="Hiragino Maru Gothic Pro W4" panose="020F0400000000000000" pitchFamily="34" charset="-128"/>
+                <a:ea typeface="Hiragino Maru Gothic Pro W4" panose="020F0400000000000000" pitchFamily="34" charset="-128"/>
+              </a:rPr>
+              <a:t>　なので、実質この案で良いんすわ。</a:t>
+            </a:r>
+            <a:br>
+              <a:rPr lang="en-US" altLang="ja-JP" sz="1600" dirty="0">
+                <a:solidFill>
+                  <a:schemeClr val="accent5">
+                    <a:lumMod val="50000"/>
+                  </a:schemeClr>
+                </a:solidFill>
+                <a:latin typeface="Hiragino Maru Gothic Pro W4" panose="020F0400000000000000" pitchFamily="34" charset="-128"/>
+                <a:ea typeface="Hiragino Maru Gothic Pro W4" panose="020F0400000000000000" pitchFamily="34" charset="-128"/>
+              </a:rPr>
+            </a:br>
+            <a:r>
+              <a:rPr lang="ja-JP" altLang="en-US" sz="1600">
+                <a:solidFill>
+                  <a:schemeClr val="accent5">
+                    <a:lumMod val="50000"/>
+                  </a:schemeClr>
+                </a:solidFill>
+                <a:latin typeface="Hiragino Maru Gothic Pro W4" panose="020F0400000000000000" pitchFamily="34" charset="-128"/>
+                <a:ea typeface="Hiragino Maru Gothic Pro W4" panose="020F0400000000000000" pitchFamily="34" charset="-128"/>
+              </a:rPr>
+              <a:t>→ファミリークラン化することに関しては、既にファミリークランである東方</a:t>
+            </a:r>
+            <a:r>
+              <a:rPr lang="en-US" altLang="ja-JP" sz="1600" dirty="0">
+                <a:solidFill>
+                  <a:schemeClr val="accent5">
+                    <a:lumMod val="50000"/>
+                  </a:schemeClr>
+                </a:solidFill>
+                <a:latin typeface="Hiragino Maru Gothic Pro W4" panose="020F0400000000000000" pitchFamily="34" charset="-128"/>
+                <a:ea typeface="Hiragino Maru Gothic Pro W4" panose="020F0400000000000000" pitchFamily="34" charset="-128"/>
+              </a:rPr>
+              <a:t>15</a:t>
+            </a:r>
+            <a:r>
+              <a:rPr lang="ja-JP" altLang="en-US" sz="1600">
+                <a:solidFill>
+                  <a:schemeClr val="accent5">
+                    <a:lumMod val="50000"/>
+                  </a:schemeClr>
+                </a:solidFill>
+                <a:latin typeface="Hiragino Maru Gothic Pro W4" panose="020F0400000000000000" pitchFamily="34" charset="-128"/>
+                <a:ea typeface="Hiragino Maru Gothic Pro W4" panose="020F0400000000000000" pitchFamily="34" charset="-128"/>
+              </a:rPr>
+              <a:t>との兼ね合いはある。</a:t>
+            </a:r>
+            <a:br>
+              <a:rPr lang="en-US" altLang="ja-JP" sz="1600" dirty="0">
+                <a:solidFill>
+                  <a:schemeClr val="accent5">
+                    <a:lumMod val="50000"/>
+                  </a:schemeClr>
+                </a:solidFill>
+                <a:latin typeface="Hiragino Maru Gothic Pro W4" panose="020F0400000000000000" pitchFamily="34" charset="-128"/>
+                <a:ea typeface="Hiragino Maru Gothic Pro W4" panose="020F0400000000000000" pitchFamily="34" charset="-128"/>
+              </a:rPr>
+            </a:br>
+            <a:r>
+              <a:rPr lang="ja-JP" altLang="en-US" sz="1600">
+                <a:solidFill>
+                  <a:schemeClr val="accent5">
+                    <a:lumMod val="50000"/>
+                  </a:schemeClr>
+                </a:solidFill>
+                <a:latin typeface="Hiragino Maru Gothic Pro W4" panose="020F0400000000000000" pitchFamily="34" charset="-128"/>
+                <a:ea typeface="Hiragino Maru Gothic Pro W4" panose="020F0400000000000000" pitchFamily="34" charset="-128"/>
+              </a:rPr>
+              <a:t>　→ファミリークラン化は、まほらま東方の立場を平等にするのが目的なだけなので、</a:t>
+            </a:r>
+            <a:br>
+              <a:rPr lang="en-US" altLang="ja-JP" sz="1600" dirty="0">
+                <a:solidFill>
+                  <a:schemeClr val="accent5">
+                    <a:lumMod val="50000"/>
+                  </a:schemeClr>
+                </a:solidFill>
+                <a:latin typeface="Hiragino Maru Gothic Pro W4" panose="020F0400000000000000" pitchFamily="34" charset="-128"/>
+                <a:ea typeface="Hiragino Maru Gothic Pro W4" panose="020F0400000000000000" pitchFamily="34" charset="-128"/>
+              </a:rPr>
+            </a:br>
+            <a:r>
+              <a:rPr lang="ja-JP" altLang="en-US" sz="1600">
+                <a:solidFill>
+                  <a:schemeClr val="accent5">
+                    <a:lumMod val="50000"/>
+                  </a:schemeClr>
+                </a:solidFill>
+                <a:latin typeface="Hiragino Maru Gothic Pro W4" panose="020F0400000000000000" pitchFamily="34" charset="-128"/>
+                <a:ea typeface="Hiragino Maru Gothic Pro W4" panose="020F0400000000000000" pitchFamily="34" charset="-128"/>
+              </a:rPr>
+              <a:t>　　問題点１を気にしていない場合は無理にする必要はない気はする。</a:t>
+            </a:r>
+            <a:br>
+              <a:rPr lang="en-US" altLang="ja-JP" sz="1600" dirty="0">
+                <a:solidFill>
+                  <a:schemeClr val="accent5">
+                    <a:lumMod val="50000"/>
+                  </a:schemeClr>
+                </a:solidFill>
+                <a:latin typeface="Hiragino Maru Gothic Pro W4" panose="020F0400000000000000" pitchFamily="34" charset="-128"/>
+                <a:ea typeface="Hiragino Maru Gothic Pro W4" panose="020F0400000000000000" pitchFamily="34" charset="-128"/>
+              </a:rPr>
+            </a:br>
+            <a:r>
+              <a:rPr lang="ja-JP" altLang="en-US" sz="1600" b="1">
+                <a:solidFill>
+                  <a:srgbClr val="FF0000"/>
+                </a:solidFill>
+                <a:latin typeface="Hiragino Maru Gothic Pro W4" panose="020F0400000000000000" pitchFamily="34" charset="-128"/>
+                <a:ea typeface="Hiragino Maru Gothic Pro W4" panose="020F0400000000000000" pitchFamily="34" charset="-128"/>
+              </a:rPr>
+              <a:t>→この案で考える。これから詳細を詰めていく。</a:t>
+            </a:r>
+            <a:r>
+              <a:rPr lang="en-US" altLang="ja-JP" sz="1600" b="1" dirty="0">
+                <a:solidFill>
+                  <a:srgbClr val="FF0000"/>
+                </a:solidFill>
+                <a:latin typeface="Hiragino Maru Gothic Pro W4" panose="020F0400000000000000" pitchFamily="34" charset="-128"/>
+                <a:ea typeface="Hiragino Maru Gothic Pro W4" panose="020F0400000000000000" pitchFamily="34" charset="-128"/>
+              </a:rPr>
+              <a:t>(JWC</a:t>
+            </a:r>
+            <a:r>
+              <a:rPr lang="ja-JP" altLang="en-US" sz="1600" b="1">
+                <a:solidFill>
+                  <a:srgbClr val="FF0000"/>
+                </a:solidFill>
+                <a:latin typeface="Hiragino Maru Gothic Pro W4" panose="020F0400000000000000" pitchFamily="34" charset="-128"/>
+                <a:ea typeface="Hiragino Maru Gothic Pro W4" panose="020F0400000000000000" pitchFamily="34" charset="-128"/>
+              </a:rPr>
+              <a:t>オフ中の話だったり、リーグ戦だったり</a:t>
+            </a:r>
+            <a:r>
+              <a:rPr lang="en-US" altLang="ja-JP" sz="1600" b="1" dirty="0">
+                <a:solidFill>
+                  <a:srgbClr val="FF0000"/>
+                </a:solidFill>
+                <a:latin typeface="Hiragino Maru Gothic Pro W4" panose="020F0400000000000000" pitchFamily="34" charset="-128"/>
+                <a:ea typeface="Hiragino Maru Gothic Pro W4" panose="020F0400000000000000" pitchFamily="34" charset="-128"/>
+              </a:rPr>
+              <a:t>)</a:t>
+            </a:r>
           </a:p>
         </p:txBody>
       </p:sp>
@@ -7987,7 +9638,7 @@
                 <a:latin typeface="Hiragino Maru Gothic Pro W4" panose="020F0400000000000000" pitchFamily="34" charset="-128"/>
                 <a:ea typeface="Hiragino Maru Gothic Pro W4" panose="020F0400000000000000" pitchFamily="34" charset="-128"/>
               </a:rPr>
-              <a:t>17</a:t>
+              <a:t>18</a:t>
             </a:fld>
             <a:endParaRPr lang="ja-JP" altLang="en-US" noProof="0" dirty="0">
               <a:solidFill>
@@ -8002,7 +9653,571 @@
     </p:spTree>
     <p:extLst>
       <p:ext uri="{BB962C8B-B14F-4D97-AF65-F5344CB8AC3E}">
-        <p14:creationId xmlns:p14="http://schemas.microsoft.com/office/powerpoint/2010/main" val="2468435912"/>
+        <p14:creationId xmlns:p14="http://schemas.microsoft.com/office/powerpoint/2010/main" val="1527288659"/>
+      </p:ext>
+    </p:extLst>
+  </p:cSld>
+  <p:clrMapOvr>
+    <a:masterClrMapping/>
+  </p:clrMapOvr>
+  <mc:AlternateContent xmlns:mc="http://schemas.openxmlformats.org/markup-compatibility/2006" xmlns:p14="http://schemas.microsoft.com/office/powerpoint/2010/main">
+    <mc:Choice Requires="p14">
+      <p:transition spd="med" p14:dur="700">
+        <p:fade/>
+      </p:transition>
+    </mc:Choice>
+    <mc:Fallback xmlns="">
+      <p:transition spd="med">
+        <p:fade/>
+      </p:transition>
+    </mc:Fallback>
+  </mc:AlternateContent>
+</p:sld>
+</file>
+
+<file path=ppt/slides/slide19.xml><?xml version="1.0" encoding="utf-8"?>
+<p:sld xmlns:a="http://schemas.openxmlformats.org/drawingml/2006/main" xmlns:r="http://schemas.openxmlformats.org/officeDocument/2006/relationships" xmlns:p="http://schemas.openxmlformats.org/presentationml/2006/main">
+  <p:cSld>
+    <p:spTree>
+      <p:nvGrpSpPr>
+        <p:cNvPr id="1" name=""/>
+        <p:cNvGrpSpPr/>
+        <p:nvPr/>
+      </p:nvGrpSpPr>
+      <p:grpSpPr>
+        <a:xfrm>
+          <a:off x="0" y="0"/>
+          <a:ext cx="0" cy="0"/>
+          <a:chOff x="0" y="0"/>
+          <a:chExt cx="0" cy="0"/>
+        </a:xfrm>
+      </p:grpSpPr>
+      <p:sp>
+        <p:nvSpPr>
+          <p:cNvPr id="2" name="タイトル 1">
+            <a:extLst>
+              <a:ext uri="{FF2B5EF4-FFF2-40B4-BE49-F238E27FC236}">
+                <a16:creationId xmlns:a16="http://schemas.microsoft.com/office/drawing/2014/main" id="{4BEF2D4F-28AD-C84D-A4AC-A607D5B45D24}"/>
+              </a:ext>
+            </a:extLst>
+          </p:cNvPr>
+          <p:cNvSpPr>
+            <a:spLocks noGrp="1"/>
+          </p:cNvSpPr>
+          <p:nvPr>
+            <p:ph type="title"/>
+          </p:nvPr>
+        </p:nvSpPr>
+        <p:spPr/>
+        <p:txBody>
+          <a:bodyPr/>
+          <a:lstStyle/>
+          <a:p>
+            <a:r>
+              <a:rPr lang="ja-JP" altLang="en-US">
+                <a:solidFill>
+                  <a:schemeClr val="accent5">
+                    <a:lumMod val="50000"/>
+                  </a:schemeClr>
+                </a:solidFill>
+                <a:latin typeface="Hiragino Maru Gothic Pro W4" panose="020F0400000000000000" pitchFamily="34" charset="-128"/>
+                <a:ea typeface="Hiragino Maru Gothic Pro W4" panose="020F0400000000000000" pitchFamily="34" charset="-128"/>
+              </a:rPr>
+              <a:t>東方での話し合い </a:t>
+            </a:r>
+            <a:r>
+              <a:rPr lang="en-US" altLang="ja-JP" dirty="0">
+                <a:solidFill>
+                  <a:schemeClr val="accent5">
+                    <a:lumMod val="50000"/>
+                  </a:schemeClr>
+                </a:solidFill>
+                <a:latin typeface="Hiragino Maru Gothic Pro W4" panose="020F0400000000000000" pitchFamily="34" charset="-128"/>
+                <a:ea typeface="Hiragino Maru Gothic Pro W4" panose="020F0400000000000000" pitchFamily="34" charset="-128"/>
+              </a:rPr>
+              <a:t>(2021/04/02)</a:t>
+            </a:r>
+            <a:endParaRPr kumimoji="1" lang="ja-JP" altLang="en-US">
+              <a:solidFill>
+                <a:schemeClr val="accent5">
+                  <a:lumMod val="50000"/>
+                </a:schemeClr>
+              </a:solidFill>
+              <a:latin typeface="Hiragino Maru Gothic Pro W4" panose="020F0400000000000000" pitchFamily="34" charset="-128"/>
+              <a:ea typeface="Hiragino Maru Gothic Pro W4" panose="020F0400000000000000" pitchFamily="34" charset="-128"/>
+            </a:endParaRPr>
+          </a:p>
+        </p:txBody>
+      </p:sp>
+      <p:sp>
+        <p:nvSpPr>
+          <p:cNvPr id="3" name="コンテンツ プレースホルダー 2">
+            <a:extLst>
+              <a:ext uri="{FF2B5EF4-FFF2-40B4-BE49-F238E27FC236}">
+                <a16:creationId xmlns:a16="http://schemas.microsoft.com/office/drawing/2014/main" id="{01E773B8-156E-4743-8E4A-3ED5FB7CC4E2}"/>
+              </a:ext>
+            </a:extLst>
+          </p:cNvPr>
+          <p:cNvSpPr>
+            <a:spLocks noGrp="1"/>
+          </p:cNvSpPr>
+          <p:nvPr>
+            <p:ph idx="1"/>
+          </p:nvPr>
+        </p:nvSpPr>
+        <p:spPr>
+          <a:xfrm>
+            <a:off x="838200" y="1588575"/>
+            <a:ext cx="10515600" cy="4588387"/>
+          </a:xfrm>
+        </p:spPr>
+        <p:txBody>
+          <a:bodyPr>
+            <a:normAutofit/>
+          </a:bodyPr>
+          <a:lstStyle/>
+          <a:p>
+            <a:pPr marL="45720" indent="0">
+              <a:buNone/>
+            </a:pPr>
+            <a:r>
+              <a:rPr lang="en-US" altLang="ja-JP" sz="2000" dirty="0">
+                <a:solidFill>
+                  <a:schemeClr val="accent5">
+                    <a:lumMod val="50000"/>
+                  </a:schemeClr>
+                </a:solidFill>
+                <a:latin typeface="Hiragino Maru Gothic Pro W4" panose="020F0400000000000000" pitchFamily="34" charset="-128"/>
+                <a:ea typeface="Hiragino Maru Gothic Pro W4" panose="020F0400000000000000" pitchFamily="34" charset="-128"/>
+              </a:rPr>
+              <a:t>【</a:t>
+            </a:r>
+            <a:r>
+              <a:rPr lang="ja-JP" altLang="en-US" sz="2000">
+                <a:solidFill>
+                  <a:schemeClr val="accent5">
+                    <a:lumMod val="50000"/>
+                  </a:schemeClr>
+                </a:solidFill>
+                <a:latin typeface="Hiragino Maru Gothic Pro W4" panose="020F0400000000000000" pitchFamily="34" charset="-128"/>
+                <a:ea typeface="Hiragino Maru Gothic Pro W4" panose="020F0400000000000000" pitchFamily="34" charset="-128"/>
+              </a:rPr>
+              <a:t>今回の結論</a:t>
+            </a:r>
+            <a:r>
+              <a:rPr lang="en-US" altLang="ja-JP" sz="2000" dirty="0">
+                <a:solidFill>
+                  <a:schemeClr val="accent5">
+                    <a:lumMod val="50000"/>
+                  </a:schemeClr>
+                </a:solidFill>
+                <a:latin typeface="Hiragino Maru Gothic Pro W4" panose="020F0400000000000000" pitchFamily="34" charset="-128"/>
+                <a:ea typeface="Hiragino Maru Gothic Pro W4" panose="020F0400000000000000" pitchFamily="34" charset="-128"/>
+              </a:rPr>
+              <a:t>】</a:t>
+            </a:r>
+          </a:p>
+          <a:p>
+            <a:pPr marL="45720" indent="0">
+              <a:buNone/>
+            </a:pPr>
+            <a:r>
+              <a:rPr lang="ja-JP" altLang="en-US" sz="2000">
+                <a:solidFill>
+                  <a:schemeClr val="accent5">
+                    <a:lumMod val="50000"/>
+                  </a:schemeClr>
+                </a:solidFill>
+                <a:latin typeface="Hiragino Maru Gothic Pro W4" panose="020F0400000000000000" pitchFamily="34" charset="-128"/>
+                <a:ea typeface="Hiragino Maru Gothic Pro W4" panose="020F0400000000000000" pitchFamily="34" charset="-128"/>
+              </a:rPr>
+              <a:t>東方の意見としては、現状維持気味の案５が良さそう。</a:t>
+            </a:r>
+            <a:br>
+              <a:rPr lang="en-US" altLang="ja-JP" sz="2000" dirty="0">
+                <a:solidFill>
+                  <a:schemeClr val="accent5">
+                    <a:lumMod val="50000"/>
+                  </a:schemeClr>
+                </a:solidFill>
+                <a:latin typeface="Hiragino Maru Gothic Pro W4" panose="020F0400000000000000" pitchFamily="34" charset="-128"/>
+                <a:ea typeface="Hiragino Maru Gothic Pro W4" panose="020F0400000000000000" pitchFamily="34" charset="-128"/>
+              </a:rPr>
+            </a:br>
+            <a:r>
+              <a:rPr lang="ja-JP" altLang="en-US" sz="2000">
+                <a:solidFill>
+                  <a:schemeClr val="accent5">
+                    <a:lumMod val="50000"/>
+                  </a:schemeClr>
+                </a:solidFill>
+                <a:latin typeface="Hiragino Maru Gothic Pro W4" panose="020F0400000000000000" pitchFamily="34" charset="-128"/>
+                <a:ea typeface="Hiragino Maru Gothic Pro W4" panose="020F0400000000000000" pitchFamily="34" charset="-128"/>
+              </a:rPr>
+              <a:t>もうすぐ</a:t>
+            </a:r>
+            <a:r>
+              <a:rPr lang="en-US" altLang="ja-JP" sz="2000" dirty="0">
+                <a:solidFill>
+                  <a:schemeClr val="accent5">
+                    <a:lumMod val="50000"/>
+                  </a:schemeClr>
+                </a:solidFill>
+                <a:latin typeface="Hiragino Maru Gothic Pro W4" panose="020F0400000000000000" pitchFamily="34" charset="-128"/>
+                <a:ea typeface="Hiragino Maru Gothic Pro W4" panose="020F0400000000000000" pitchFamily="34" charset="-128"/>
+              </a:rPr>
+              <a:t>TH14</a:t>
+            </a:r>
+            <a:r>
+              <a:rPr lang="ja-JP" altLang="en-US" sz="2000">
+                <a:solidFill>
+                  <a:schemeClr val="accent5">
+                    <a:lumMod val="50000"/>
+                  </a:schemeClr>
+                </a:solidFill>
+                <a:latin typeface="Hiragino Maru Gothic Pro W4" panose="020F0400000000000000" pitchFamily="34" charset="-128"/>
+                <a:ea typeface="Hiragino Maru Gothic Pro W4" panose="020F0400000000000000" pitchFamily="34" charset="-128"/>
+              </a:rPr>
+              <a:t>のアップデートがある。</a:t>
+            </a:r>
+            <a:br>
+              <a:rPr lang="en-US" altLang="ja-JP" sz="2000" dirty="0">
+                <a:solidFill>
+                  <a:schemeClr val="accent5">
+                    <a:lumMod val="50000"/>
+                  </a:schemeClr>
+                </a:solidFill>
+                <a:latin typeface="Hiragino Maru Gothic Pro W4" panose="020F0400000000000000" pitchFamily="34" charset="-128"/>
+                <a:ea typeface="Hiragino Maru Gothic Pro W4" panose="020F0400000000000000" pitchFamily="34" charset="-128"/>
+              </a:rPr>
+            </a:br>
+            <a:r>
+              <a:rPr lang="ja-JP" altLang="en-US" sz="2000">
+                <a:solidFill>
+                  <a:schemeClr val="accent5">
+                    <a:lumMod val="50000"/>
+                  </a:schemeClr>
+                </a:solidFill>
+                <a:latin typeface="Hiragino Maru Gothic Pro W4" panose="020F0400000000000000" pitchFamily="34" charset="-128"/>
+                <a:ea typeface="Hiragino Maru Gothic Pro W4" panose="020F0400000000000000" pitchFamily="34" charset="-128"/>
+              </a:rPr>
+              <a:t>それで大きなシステム変更がある可能性もあるから、</a:t>
+            </a:r>
+            <a:br>
+              <a:rPr lang="en-US" altLang="ja-JP" sz="2000" dirty="0">
+                <a:solidFill>
+                  <a:schemeClr val="accent5">
+                    <a:lumMod val="50000"/>
+                  </a:schemeClr>
+                </a:solidFill>
+                <a:latin typeface="Hiragino Maru Gothic Pro W4" panose="020F0400000000000000" pitchFamily="34" charset="-128"/>
+                <a:ea typeface="Hiragino Maru Gothic Pro W4" panose="020F0400000000000000" pitchFamily="34" charset="-128"/>
+              </a:rPr>
+            </a:br>
+            <a:r>
+              <a:rPr lang="ja-JP" altLang="en-US" sz="2000">
+                <a:solidFill>
+                  <a:schemeClr val="accent5">
+                    <a:lumMod val="50000"/>
+                  </a:schemeClr>
+                </a:solidFill>
+                <a:latin typeface="Hiragino Maru Gothic Pro W4" panose="020F0400000000000000" pitchFamily="34" charset="-128"/>
+                <a:ea typeface="Hiragino Maru Gothic Pro W4" panose="020F0400000000000000" pitchFamily="34" charset="-128"/>
+              </a:rPr>
+              <a:t>それを踏まえてもっかい東方としての結論は出したい。</a:t>
+            </a:r>
+            <a:endParaRPr lang="en-US" altLang="ja-JP" sz="2000" dirty="0">
+              <a:solidFill>
+                <a:schemeClr val="accent5">
+                  <a:lumMod val="50000"/>
+                </a:schemeClr>
+              </a:solidFill>
+              <a:latin typeface="Hiragino Maru Gothic Pro W4" panose="020F0400000000000000" pitchFamily="34" charset="-128"/>
+              <a:ea typeface="Hiragino Maru Gothic Pro W4" panose="020F0400000000000000" pitchFamily="34" charset="-128"/>
+            </a:endParaRPr>
+          </a:p>
+          <a:p>
+            <a:pPr marL="45720" indent="0">
+              <a:buNone/>
+            </a:pPr>
+            <a:r>
+              <a:rPr lang="en-US" altLang="ja-JP" sz="2000" dirty="0">
+                <a:solidFill>
+                  <a:schemeClr val="accent5">
+                    <a:lumMod val="50000"/>
+                  </a:schemeClr>
+                </a:solidFill>
+                <a:latin typeface="Hiragino Maru Gothic Pro W4" panose="020F0400000000000000" pitchFamily="34" charset="-128"/>
+                <a:ea typeface="Hiragino Maru Gothic Pro W4" panose="020F0400000000000000" pitchFamily="34" charset="-128"/>
+              </a:rPr>
+              <a:t>4/10</a:t>
+            </a:r>
+            <a:r>
+              <a:rPr lang="ja-JP" altLang="en-US" sz="2000">
+                <a:solidFill>
+                  <a:schemeClr val="accent5">
+                    <a:lumMod val="50000"/>
+                  </a:schemeClr>
+                </a:solidFill>
+                <a:latin typeface="Hiragino Maru Gothic Pro W4" panose="020F0400000000000000" pitchFamily="34" charset="-128"/>
+                <a:ea typeface="Hiragino Maru Gothic Pro W4" panose="020F0400000000000000" pitchFamily="34" charset="-128"/>
+              </a:rPr>
+              <a:t>追記：クランシステム系のアップデートはなさそうなので案５で考えたい。</a:t>
+            </a:r>
+            <a:br>
+              <a:rPr lang="en-US" altLang="ja-JP" sz="2000" dirty="0">
+                <a:solidFill>
+                  <a:schemeClr val="accent5">
+                    <a:lumMod val="50000"/>
+                  </a:schemeClr>
+                </a:solidFill>
+                <a:latin typeface="Hiragino Maru Gothic Pro W4" panose="020F0400000000000000" pitchFamily="34" charset="-128"/>
+                <a:ea typeface="Hiragino Maru Gothic Pro W4" panose="020F0400000000000000" pitchFamily="34" charset="-128"/>
+              </a:rPr>
+            </a:br>
+            <a:endParaRPr lang="en-US" altLang="ja-JP" sz="2000" dirty="0">
+              <a:solidFill>
+                <a:schemeClr val="accent5">
+                  <a:lumMod val="50000"/>
+                </a:schemeClr>
+              </a:solidFill>
+              <a:latin typeface="Hiragino Maru Gothic Pro W4" panose="020F0400000000000000" pitchFamily="34" charset="-128"/>
+              <a:ea typeface="Hiragino Maru Gothic Pro W4" panose="020F0400000000000000" pitchFamily="34" charset="-128"/>
+            </a:endParaRPr>
+          </a:p>
+          <a:p>
+            <a:pPr marL="45720" indent="0">
+              <a:buNone/>
+            </a:pPr>
+            <a:r>
+              <a:rPr lang="en-US" altLang="ja-JP" sz="2000" dirty="0">
+                <a:solidFill>
+                  <a:schemeClr val="accent5">
+                    <a:lumMod val="50000"/>
+                  </a:schemeClr>
+                </a:solidFill>
+                <a:latin typeface="Hiragino Maru Gothic Pro W4" panose="020F0400000000000000" pitchFamily="34" charset="-128"/>
+                <a:ea typeface="Hiragino Maru Gothic Pro W4" panose="020F0400000000000000" pitchFamily="34" charset="-128"/>
+              </a:rPr>
+              <a:t>【</a:t>
+            </a:r>
+            <a:r>
+              <a:rPr lang="ja-JP" altLang="en-US" sz="2000">
+                <a:solidFill>
+                  <a:schemeClr val="accent5">
+                    <a:lumMod val="50000"/>
+                  </a:schemeClr>
+                </a:solidFill>
+                <a:latin typeface="Hiragino Maru Gothic Pro W4" panose="020F0400000000000000" pitchFamily="34" charset="-128"/>
+                <a:ea typeface="Hiragino Maru Gothic Pro W4" panose="020F0400000000000000" pitchFamily="34" charset="-128"/>
+              </a:rPr>
+              <a:t>証拠議事</a:t>
+            </a:r>
+            <a:r>
+              <a:rPr lang="en-US" altLang="ja-JP" sz="2000" dirty="0">
+                <a:solidFill>
+                  <a:schemeClr val="accent5">
+                    <a:lumMod val="50000"/>
+                  </a:schemeClr>
+                </a:solidFill>
+                <a:latin typeface="Hiragino Maru Gothic Pro W4" panose="020F0400000000000000" pitchFamily="34" charset="-128"/>
+                <a:ea typeface="Hiragino Maru Gothic Pro W4" panose="020F0400000000000000" pitchFamily="34" charset="-128"/>
+              </a:rPr>
+              <a:t>(</a:t>
+            </a:r>
+            <a:r>
+              <a:rPr lang="ja-JP" altLang="en-US" sz="2000">
+                <a:solidFill>
+                  <a:schemeClr val="accent5">
+                    <a:lumMod val="50000"/>
+                  </a:schemeClr>
+                </a:solidFill>
+                <a:latin typeface="Hiragino Maru Gothic Pro W4" panose="020F0400000000000000" pitchFamily="34" charset="-128"/>
+                <a:ea typeface="Hiragino Maru Gothic Pro W4" panose="020F0400000000000000" pitchFamily="34" charset="-128"/>
+              </a:rPr>
+              <a:t>大事</a:t>
+            </a:r>
+            <a:r>
+              <a:rPr lang="en-US" altLang="ja-JP" sz="2000" dirty="0">
+                <a:solidFill>
+                  <a:schemeClr val="accent5">
+                    <a:lumMod val="50000"/>
+                  </a:schemeClr>
+                </a:solidFill>
+                <a:latin typeface="Hiragino Maru Gothic Pro W4" panose="020F0400000000000000" pitchFamily="34" charset="-128"/>
+                <a:ea typeface="Hiragino Maru Gothic Pro W4" panose="020F0400000000000000" pitchFamily="34" charset="-128"/>
+              </a:rPr>
+              <a:t>)】</a:t>
+            </a:r>
+          </a:p>
+          <a:p>
+            <a:pPr marL="45720" indent="0">
+              <a:buNone/>
+            </a:pPr>
+            <a:r>
+              <a:rPr lang="ja-JP" altLang="en-US" sz="2000">
+                <a:solidFill>
+                  <a:schemeClr val="accent5">
+                    <a:lumMod val="50000"/>
+                  </a:schemeClr>
+                </a:solidFill>
+                <a:latin typeface="Hiragino Maru Gothic Pro W4" panose="020F0400000000000000" pitchFamily="34" charset="-128"/>
+                <a:ea typeface="Hiragino Maru Gothic Pro W4" panose="020F0400000000000000" pitchFamily="34" charset="-128"/>
+              </a:rPr>
+              <a:t>ゆうフラさん、次</a:t>
+            </a:r>
+            <a:r>
+              <a:rPr lang="en-US" altLang="ja-JP" sz="2000" dirty="0">
+                <a:solidFill>
+                  <a:schemeClr val="accent5">
+                    <a:lumMod val="50000"/>
+                  </a:schemeClr>
+                </a:solidFill>
+                <a:latin typeface="Hiragino Maru Gothic Pro W4" panose="020F0400000000000000" pitchFamily="34" charset="-128"/>
+                <a:ea typeface="Hiragino Maru Gothic Pro W4" panose="020F0400000000000000" pitchFamily="34" charset="-128"/>
+              </a:rPr>
+              <a:t>JWC</a:t>
+            </a:r>
+            <a:r>
+              <a:rPr lang="ja-JP" altLang="en-US" sz="2000">
+                <a:solidFill>
+                  <a:schemeClr val="accent5">
+                    <a:lumMod val="50000"/>
+                  </a:schemeClr>
+                </a:solidFill>
+                <a:latin typeface="Hiragino Maru Gothic Pro W4" panose="020F0400000000000000" pitchFamily="34" charset="-128"/>
+                <a:ea typeface="Hiragino Maru Gothic Pro W4" panose="020F0400000000000000" pitchFamily="34" charset="-128"/>
+              </a:rPr>
+              <a:t>の参戦は前向きに考えても良いとのこと。</a:t>
+            </a:r>
+            <a:br>
+              <a:rPr lang="en-US" altLang="ja-JP" sz="2000" dirty="0">
+                <a:solidFill>
+                  <a:schemeClr val="accent5">
+                    <a:lumMod val="50000"/>
+                  </a:schemeClr>
+                </a:solidFill>
+                <a:latin typeface="Hiragino Maru Gothic Pro W4" panose="020F0400000000000000" pitchFamily="34" charset="-128"/>
+                <a:ea typeface="Hiragino Maru Gothic Pro W4" panose="020F0400000000000000" pitchFamily="34" charset="-128"/>
+              </a:rPr>
+            </a:br>
+            <a:r>
+              <a:rPr lang="ja-JP" altLang="en-US" sz="2000">
+                <a:solidFill>
+                  <a:schemeClr val="accent5">
+                    <a:lumMod val="50000"/>
+                  </a:schemeClr>
+                </a:solidFill>
+                <a:latin typeface="Hiragino Maru Gothic Pro W4" panose="020F0400000000000000" pitchFamily="34" charset="-128"/>
+                <a:ea typeface="Hiragino Maru Gothic Pro W4" panose="020F0400000000000000" pitchFamily="34" charset="-128"/>
+              </a:rPr>
+              <a:t>→東方</a:t>
+            </a:r>
+            <a:r>
+              <a:rPr lang="en-US" altLang="ja-JP" sz="2000" dirty="0">
+                <a:solidFill>
+                  <a:schemeClr val="accent5">
+                    <a:lumMod val="50000"/>
+                  </a:schemeClr>
+                </a:solidFill>
+                <a:latin typeface="Hiragino Maru Gothic Pro W4" panose="020F0400000000000000" pitchFamily="34" charset="-128"/>
+                <a:ea typeface="Hiragino Maru Gothic Pro W4" panose="020F0400000000000000" pitchFamily="34" charset="-128"/>
+              </a:rPr>
+              <a:t>15</a:t>
+            </a:r>
+            <a:r>
+              <a:rPr lang="ja-JP" altLang="en-US" sz="2000">
+                <a:solidFill>
+                  <a:schemeClr val="accent5">
+                    <a:lumMod val="50000"/>
+                  </a:schemeClr>
+                </a:solidFill>
+                <a:latin typeface="Hiragino Maru Gothic Pro W4" panose="020F0400000000000000" pitchFamily="34" charset="-128"/>
+                <a:ea typeface="Hiragino Maru Gothic Pro W4" panose="020F0400000000000000" pitchFamily="34" charset="-128"/>
+              </a:rPr>
+              <a:t>を留守にすると運営マズイことになるが、</a:t>
+            </a:r>
+            <a:br>
+              <a:rPr lang="en-US" altLang="ja-JP" sz="2000" dirty="0">
+                <a:solidFill>
+                  <a:schemeClr val="accent5">
+                    <a:lumMod val="50000"/>
+                  </a:schemeClr>
+                </a:solidFill>
+                <a:latin typeface="Hiragino Maru Gothic Pro W4" panose="020F0400000000000000" pitchFamily="34" charset="-128"/>
+                <a:ea typeface="Hiragino Maru Gothic Pro W4" panose="020F0400000000000000" pitchFamily="34" charset="-128"/>
+              </a:rPr>
+            </a:br>
+            <a:r>
+              <a:rPr lang="ja-JP" altLang="en-US" sz="2000">
+                <a:solidFill>
+                  <a:schemeClr val="accent5">
+                    <a:lumMod val="50000"/>
+                  </a:schemeClr>
+                </a:solidFill>
+                <a:latin typeface="Hiragino Maru Gothic Pro W4" panose="020F0400000000000000" pitchFamily="34" charset="-128"/>
+                <a:ea typeface="Hiragino Maru Gothic Pro W4" panose="020F0400000000000000" pitchFamily="34" charset="-128"/>
+              </a:rPr>
+              <a:t>　３ヶ月の間、２週間に１戦程度ならばいけるのでは。</a:t>
+            </a:r>
+            <a:endParaRPr lang="en-US" altLang="ja-JP" sz="2000" dirty="0">
+              <a:solidFill>
+                <a:schemeClr val="accent5">
+                  <a:lumMod val="50000"/>
+                </a:schemeClr>
+              </a:solidFill>
+              <a:latin typeface="Hiragino Maru Gothic Pro W4" panose="020F0400000000000000" pitchFamily="34" charset="-128"/>
+              <a:ea typeface="Hiragino Maru Gothic Pro W4" panose="020F0400000000000000" pitchFamily="34" charset="-128"/>
+            </a:endParaRPr>
+          </a:p>
+        </p:txBody>
+      </p:sp>
+      <p:sp>
+        <p:nvSpPr>
+          <p:cNvPr id="4" name="スライド番号プレースホルダー 3">
+            <a:extLst>
+              <a:ext uri="{FF2B5EF4-FFF2-40B4-BE49-F238E27FC236}">
+                <a16:creationId xmlns:a16="http://schemas.microsoft.com/office/drawing/2014/main" id="{34C04C8D-49C3-874E-864D-A6289CA1E427}"/>
+              </a:ext>
+            </a:extLst>
+          </p:cNvPr>
+          <p:cNvSpPr>
+            <a:spLocks noGrp="1"/>
+          </p:cNvSpPr>
+          <p:nvPr>
+            <p:ph type="sldNum" sz="quarter" idx="12"/>
+          </p:nvPr>
+        </p:nvSpPr>
+        <p:spPr/>
+        <p:txBody>
+          <a:bodyPr/>
+          <a:lstStyle/>
+          <a:p>
+            <a:pPr rtl="0"/>
+            <a:fld id="{E31375A4-56A4-47D6-9801-1991572033F7}" type="slidenum">
+              <a:rPr lang="en-US" altLang="ja-JP" noProof="0" smtClean="0">
+                <a:solidFill>
+                  <a:srgbClr val="002060"/>
+                </a:solidFill>
+                <a:latin typeface="Hiragino Maru Gothic Pro W4" panose="020F0400000000000000" pitchFamily="34" charset="-128"/>
+                <a:ea typeface="Hiragino Maru Gothic Pro W4" panose="020F0400000000000000" pitchFamily="34" charset="-128"/>
+              </a:rPr>
+              <a:t>19</a:t>
+            </a:fld>
+            <a:endParaRPr lang="ja-JP" altLang="en-US" noProof="0" dirty="0">
+              <a:solidFill>
+                <a:srgbClr val="002060"/>
+              </a:solidFill>
+              <a:latin typeface="Hiragino Maru Gothic Pro W4" panose="020F0400000000000000" pitchFamily="34" charset="-128"/>
+              <a:ea typeface="Hiragino Maru Gothic Pro W4" panose="020F0400000000000000" pitchFamily="34" charset="-128"/>
+            </a:endParaRPr>
+          </a:p>
+        </p:txBody>
+      </p:sp>
+    </p:spTree>
+    <p:extLst>
+      <p:ext uri="{BB962C8B-B14F-4D97-AF65-F5344CB8AC3E}">
+        <p14:creationId xmlns:p14="http://schemas.microsoft.com/office/powerpoint/2010/main" val="2753204115"/>
       </p:ext>
     </p:extLst>
   </p:cSld>
@@ -8329,6 +10544,3532 @@
     <p:extLst>
       <p:ext uri="{BB962C8B-B14F-4D97-AF65-F5344CB8AC3E}">
         <p14:creationId xmlns:p14="http://schemas.microsoft.com/office/powerpoint/2010/main" val="2982791126"/>
+      </p:ext>
+    </p:extLst>
+  </p:cSld>
+  <p:clrMapOvr>
+    <a:masterClrMapping/>
+  </p:clrMapOvr>
+  <mc:AlternateContent xmlns:mc="http://schemas.openxmlformats.org/markup-compatibility/2006" xmlns:p14="http://schemas.microsoft.com/office/powerpoint/2010/main">
+    <mc:Choice Requires="p14">
+      <p:transition spd="med" p14:dur="700">
+        <p:fade/>
+      </p:transition>
+    </mc:Choice>
+    <mc:Fallback xmlns="">
+      <p:transition spd="med">
+        <p:fade/>
+      </p:transition>
+    </mc:Fallback>
+  </mc:AlternateContent>
+</p:sld>
+</file>
+
+<file path=ppt/slides/slide20.xml><?xml version="1.0" encoding="utf-8"?>
+<p:sld xmlns:a="http://schemas.openxmlformats.org/drawingml/2006/main" xmlns:r="http://schemas.openxmlformats.org/officeDocument/2006/relationships" xmlns:p="http://schemas.openxmlformats.org/presentationml/2006/main">
+  <p:cSld>
+    <p:spTree>
+      <p:nvGrpSpPr>
+        <p:cNvPr id="1" name=""/>
+        <p:cNvGrpSpPr/>
+        <p:nvPr/>
+      </p:nvGrpSpPr>
+      <p:grpSpPr>
+        <a:xfrm>
+          <a:off x="0" y="0"/>
+          <a:ext cx="0" cy="0"/>
+          <a:chOff x="0" y="0"/>
+          <a:chExt cx="0" cy="0"/>
+        </a:xfrm>
+      </p:grpSpPr>
+      <p:sp>
+        <p:nvSpPr>
+          <p:cNvPr id="2" name="タイトル 1">
+            <a:extLst>
+              <a:ext uri="{FF2B5EF4-FFF2-40B4-BE49-F238E27FC236}">
+                <a16:creationId xmlns:a16="http://schemas.microsoft.com/office/drawing/2014/main" id="{05E27039-9568-144A-9E91-3B61FB565D2A}"/>
+              </a:ext>
+            </a:extLst>
+          </p:cNvPr>
+          <p:cNvSpPr>
+            <a:spLocks noGrp="1"/>
+          </p:cNvSpPr>
+          <p:nvPr>
+            <p:ph type="ctrTitle"/>
+          </p:nvPr>
+        </p:nvSpPr>
+        <p:spPr>
+          <a:xfrm>
+            <a:off x="1306286" y="1187630"/>
+            <a:ext cx="9570720" cy="3173122"/>
+          </a:xfrm>
+        </p:spPr>
+        <p:txBody>
+          <a:bodyPr>
+            <a:normAutofit fontScale="90000"/>
+          </a:bodyPr>
+          <a:lstStyle/>
+          <a:p>
+            <a:r>
+              <a:rPr lang="ja-JP" altLang="en-US">
+                <a:solidFill>
+                  <a:schemeClr val="accent5">
+                    <a:lumMod val="50000"/>
+                  </a:schemeClr>
+                </a:solidFill>
+                <a:latin typeface="Hiragino Maru Gothic Pro W4" panose="020F0400000000000000" pitchFamily="34" charset="-128"/>
+                <a:ea typeface="Hiragino Maru Gothic Pro W4" panose="020F0400000000000000" pitchFamily="34" charset="-128"/>
+              </a:rPr>
+              <a:t>案５、</a:t>
+            </a:r>
+            <a:br>
+              <a:rPr lang="en-US" altLang="ja-JP" dirty="0">
+                <a:solidFill>
+                  <a:schemeClr val="accent5">
+                    <a:lumMod val="50000"/>
+                  </a:schemeClr>
+                </a:solidFill>
+                <a:latin typeface="Hiragino Maru Gothic Pro W4" panose="020F0400000000000000" pitchFamily="34" charset="-128"/>
+                <a:ea typeface="Hiragino Maru Gothic Pro W4" panose="020F0400000000000000" pitchFamily="34" charset="-128"/>
+              </a:rPr>
+            </a:br>
+            <a:r>
+              <a:rPr lang="ja-JP" altLang="en-US">
+                <a:solidFill>
+                  <a:schemeClr val="accent5">
+                    <a:lumMod val="50000"/>
+                  </a:schemeClr>
+                </a:solidFill>
+                <a:latin typeface="Hiragino Maru Gothic Pro W4" panose="020F0400000000000000" pitchFamily="34" charset="-128"/>
+                <a:ea typeface="Hiragino Maru Gothic Pro W4" panose="020F0400000000000000" pitchFamily="34" charset="-128"/>
+              </a:rPr>
+              <a:t>東方＆まほらまで協力関係を</a:t>
+            </a:r>
+            <a:br>
+              <a:rPr lang="en-US" altLang="ja-JP" dirty="0">
+                <a:solidFill>
+                  <a:schemeClr val="accent5">
+                    <a:lumMod val="50000"/>
+                  </a:schemeClr>
+                </a:solidFill>
+                <a:latin typeface="Hiragino Maru Gothic Pro W4" panose="020F0400000000000000" pitchFamily="34" charset="-128"/>
+                <a:ea typeface="Hiragino Maru Gothic Pro W4" panose="020F0400000000000000" pitchFamily="34" charset="-128"/>
+              </a:rPr>
+            </a:br>
+            <a:r>
+              <a:rPr lang="ja-JP" altLang="en-US">
+                <a:solidFill>
+                  <a:schemeClr val="accent5">
+                    <a:lumMod val="50000"/>
+                  </a:schemeClr>
+                </a:solidFill>
+                <a:latin typeface="Hiragino Maru Gothic Pro W4" panose="020F0400000000000000" pitchFamily="34" charset="-128"/>
+                <a:ea typeface="Hiragino Maru Gothic Pro W4" panose="020F0400000000000000" pitchFamily="34" charset="-128"/>
+              </a:rPr>
+              <a:t>結ぶの具体的な話</a:t>
+            </a:r>
+            <a:br>
+              <a:rPr lang="en-US" altLang="ja-JP" dirty="0">
+                <a:solidFill>
+                  <a:schemeClr val="accent5">
+                    <a:lumMod val="50000"/>
+                  </a:schemeClr>
+                </a:solidFill>
+                <a:latin typeface="Hiragino Maru Gothic Pro W4" panose="020F0400000000000000" pitchFamily="34" charset="-128"/>
+                <a:ea typeface="Hiragino Maru Gothic Pro W4" panose="020F0400000000000000" pitchFamily="34" charset="-128"/>
+              </a:rPr>
+            </a:br>
+            <a:endParaRPr kumimoji="1" lang="ja-JP" altLang="en-US">
+              <a:solidFill>
+                <a:schemeClr val="accent5">
+                  <a:lumMod val="50000"/>
+                </a:schemeClr>
+              </a:solidFill>
+              <a:latin typeface="Hiragino Maru Gothic Pro W4" panose="020F0400000000000000" pitchFamily="34" charset="-128"/>
+              <a:ea typeface="Hiragino Maru Gothic Pro W4" panose="020F0400000000000000" pitchFamily="34" charset="-128"/>
+            </a:endParaRPr>
+          </a:p>
+        </p:txBody>
+      </p:sp>
+      <p:sp>
+        <p:nvSpPr>
+          <p:cNvPr id="4" name="スライド番号プレースホルダー 3">
+            <a:extLst>
+              <a:ext uri="{FF2B5EF4-FFF2-40B4-BE49-F238E27FC236}">
+                <a16:creationId xmlns:a16="http://schemas.microsoft.com/office/drawing/2014/main" id="{FFA60BD1-FA32-484F-807E-37BB2EC217BB}"/>
+              </a:ext>
+            </a:extLst>
+          </p:cNvPr>
+          <p:cNvSpPr>
+            <a:spLocks noGrp="1"/>
+          </p:cNvSpPr>
+          <p:nvPr>
+            <p:ph type="sldNum" sz="quarter" idx="12"/>
+          </p:nvPr>
+        </p:nvSpPr>
+        <p:spPr>
+          <a:xfrm>
+            <a:off x="8610600" y="6356350"/>
+            <a:ext cx="2743200" cy="365125"/>
+          </a:xfrm>
+        </p:spPr>
+        <p:txBody>
+          <a:bodyPr/>
+          <a:lstStyle/>
+          <a:p>
+            <a:pPr rtl="0"/>
+            <a:fld id="{E31375A4-56A4-47D6-9801-1991572033F7}" type="slidenum">
+              <a:rPr lang="en-US" altLang="ja-JP" noProof="0" smtClean="0">
+                <a:solidFill>
+                  <a:srgbClr val="002060"/>
+                </a:solidFill>
+                <a:latin typeface="Hiragino Maru Gothic Pro W4" panose="020F0400000000000000" pitchFamily="34" charset="-128"/>
+                <a:ea typeface="Hiragino Maru Gothic Pro W4" panose="020F0400000000000000" pitchFamily="34" charset="-128"/>
+              </a:rPr>
+              <a:t>20</a:t>
+            </a:fld>
+            <a:endParaRPr lang="ja-JP" altLang="en-US" noProof="0" dirty="0">
+              <a:solidFill>
+                <a:srgbClr val="002060"/>
+              </a:solidFill>
+              <a:latin typeface="Hiragino Maru Gothic Pro W4" panose="020F0400000000000000" pitchFamily="34" charset="-128"/>
+              <a:ea typeface="Hiragino Maru Gothic Pro W4" panose="020F0400000000000000" pitchFamily="34" charset="-128"/>
+            </a:endParaRPr>
+          </a:p>
+        </p:txBody>
+      </p:sp>
+    </p:spTree>
+    <p:extLst>
+      <p:ext uri="{BB962C8B-B14F-4D97-AF65-F5344CB8AC3E}">
+        <p14:creationId xmlns:p14="http://schemas.microsoft.com/office/powerpoint/2010/main" val="4207341120"/>
+      </p:ext>
+    </p:extLst>
+  </p:cSld>
+  <p:clrMapOvr>
+    <a:masterClrMapping/>
+  </p:clrMapOvr>
+  <mc:AlternateContent xmlns:mc="http://schemas.openxmlformats.org/markup-compatibility/2006" xmlns:p14="http://schemas.microsoft.com/office/powerpoint/2010/main">
+    <mc:Choice Requires="p14">
+      <p:transition spd="med" p14:dur="700">
+        <p:fade/>
+      </p:transition>
+    </mc:Choice>
+    <mc:Fallback xmlns="">
+      <p:transition spd="med">
+        <p:fade/>
+      </p:transition>
+    </mc:Fallback>
+  </mc:AlternateContent>
+</p:sld>
+</file>
+
+<file path=ppt/slides/slide21.xml><?xml version="1.0" encoding="utf-8"?>
+<p:sld xmlns:a="http://schemas.openxmlformats.org/drawingml/2006/main" xmlns:r="http://schemas.openxmlformats.org/officeDocument/2006/relationships" xmlns:p="http://schemas.openxmlformats.org/presentationml/2006/main">
+  <p:cSld>
+    <p:spTree>
+      <p:nvGrpSpPr>
+        <p:cNvPr id="1" name=""/>
+        <p:cNvGrpSpPr/>
+        <p:nvPr/>
+      </p:nvGrpSpPr>
+      <p:grpSpPr>
+        <a:xfrm>
+          <a:off x="0" y="0"/>
+          <a:ext cx="0" cy="0"/>
+          <a:chOff x="0" y="0"/>
+          <a:chExt cx="0" cy="0"/>
+        </a:xfrm>
+      </p:grpSpPr>
+      <p:sp>
+        <p:nvSpPr>
+          <p:cNvPr id="2" name="タイトル 1">
+            <a:extLst>
+              <a:ext uri="{FF2B5EF4-FFF2-40B4-BE49-F238E27FC236}">
+                <a16:creationId xmlns:a16="http://schemas.microsoft.com/office/drawing/2014/main" id="{4BEF2D4F-28AD-C84D-A4AC-A607D5B45D24}"/>
+              </a:ext>
+            </a:extLst>
+          </p:cNvPr>
+          <p:cNvSpPr>
+            <a:spLocks noGrp="1"/>
+          </p:cNvSpPr>
+          <p:nvPr>
+            <p:ph type="title"/>
+          </p:nvPr>
+        </p:nvSpPr>
+        <p:spPr/>
+        <p:txBody>
+          <a:bodyPr/>
+          <a:lstStyle/>
+          <a:p>
+            <a:r>
+              <a:rPr lang="ja-JP" altLang="en-US">
+                <a:solidFill>
+                  <a:schemeClr val="accent5">
+                    <a:lumMod val="50000"/>
+                  </a:schemeClr>
+                </a:solidFill>
+                <a:latin typeface="Hiragino Maru Gothic Pro W4" panose="020F0400000000000000" pitchFamily="34" charset="-128"/>
+                <a:ea typeface="Hiragino Maru Gothic Pro W4" panose="020F0400000000000000" pitchFamily="34" charset="-128"/>
+              </a:rPr>
+              <a:t>対外</a:t>
+            </a:r>
+            <a:r>
+              <a:rPr kumimoji="1" lang="ja-JP" altLang="en-US">
+                <a:solidFill>
+                  <a:schemeClr val="accent5">
+                    <a:lumMod val="50000"/>
+                  </a:schemeClr>
+                </a:solidFill>
+                <a:latin typeface="Hiragino Maru Gothic Pro W4" panose="020F0400000000000000" pitchFamily="34" charset="-128"/>
+                <a:ea typeface="Hiragino Maru Gothic Pro W4" panose="020F0400000000000000" pitchFamily="34" charset="-128"/>
+              </a:rPr>
+              <a:t>的にファミリークランを謳うか？</a:t>
+            </a:r>
+          </a:p>
+        </p:txBody>
+      </p:sp>
+      <p:sp>
+        <p:nvSpPr>
+          <p:cNvPr id="3" name="コンテンツ プレースホルダー 2">
+            <a:extLst>
+              <a:ext uri="{FF2B5EF4-FFF2-40B4-BE49-F238E27FC236}">
+                <a16:creationId xmlns:a16="http://schemas.microsoft.com/office/drawing/2014/main" id="{01E773B8-156E-4743-8E4A-3ED5FB7CC4E2}"/>
+              </a:ext>
+            </a:extLst>
+          </p:cNvPr>
+          <p:cNvSpPr>
+            <a:spLocks noGrp="1"/>
+          </p:cNvSpPr>
+          <p:nvPr>
+            <p:ph idx="1"/>
+          </p:nvPr>
+        </p:nvSpPr>
+        <p:spPr>
+          <a:xfrm>
+            <a:off x="838200" y="1588575"/>
+            <a:ext cx="10515600" cy="4588387"/>
+          </a:xfrm>
+        </p:spPr>
+        <p:txBody>
+          <a:bodyPr>
+            <a:normAutofit/>
+          </a:bodyPr>
+          <a:lstStyle/>
+          <a:p>
+            <a:pPr marL="45720" indent="0">
+              <a:buNone/>
+            </a:pPr>
+            <a:r>
+              <a:rPr lang="ja-JP" altLang="en-US" sz="2400">
+                <a:solidFill>
+                  <a:srgbClr val="FF0000"/>
+                </a:solidFill>
+                <a:latin typeface="Hiragino Maru Gothic Pro W4" panose="020F0400000000000000" pitchFamily="34" charset="-128"/>
+                <a:ea typeface="Hiragino Maru Gothic Pro W4" panose="020F0400000000000000" pitchFamily="34" charset="-128"/>
+              </a:rPr>
+              <a:t>謳わない。</a:t>
+            </a:r>
+            <a:endParaRPr lang="en-US" altLang="ja-JP" sz="2400" dirty="0">
+              <a:solidFill>
+                <a:srgbClr val="FF0000"/>
+              </a:solidFill>
+              <a:latin typeface="Hiragino Maru Gothic Pro W4" panose="020F0400000000000000" pitchFamily="34" charset="-128"/>
+              <a:ea typeface="Hiragino Maru Gothic Pro W4" panose="020F0400000000000000" pitchFamily="34" charset="-128"/>
+            </a:endParaRPr>
+          </a:p>
+          <a:p>
+            <a:pPr marL="45720" indent="0">
+              <a:buNone/>
+            </a:pPr>
+            <a:r>
+              <a:rPr lang="ja-JP" altLang="en-US" sz="2400">
+                <a:solidFill>
+                  <a:schemeClr val="accent5">
+                    <a:lumMod val="50000"/>
+                  </a:schemeClr>
+                </a:solidFill>
+                <a:latin typeface="Hiragino Maru Gothic Pro W4" panose="020F0400000000000000" pitchFamily="34" charset="-128"/>
+                <a:ea typeface="Hiragino Maru Gothic Pro W4" panose="020F0400000000000000" pitchFamily="34" charset="-128"/>
+              </a:rPr>
+              <a:t>東方でも東方</a:t>
+            </a:r>
+            <a:r>
+              <a:rPr lang="en-US" altLang="ja-JP" sz="2400" dirty="0">
+                <a:solidFill>
+                  <a:schemeClr val="accent5">
+                    <a:lumMod val="50000"/>
+                  </a:schemeClr>
+                </a:solidFill>
+                <a:latin typeface="Hiragino Maru Gothic Pro W4" panose="020F0400000000000000" pitchFamily="34" charset="-128"/>
+                <a:ea typeface="Hiragino Maru Gothic Pro W4" panose="020F0400000000000000" pitchFamily="34" charset="-128"/>
+              </a:rPr>
+              <a:t>(16)</a:t>
+            </a:r>
+            <a:r>
+              <a:rPr lang="ja-JP" altLang="en-US" sz="2400">
+                <a:solidFill>
+                  <a:schemeClr val="accent5">
+                    <a:lumMod val="50000"/>
+                  </a:schemeClr>
+                </a:solidFill>
+                <a:latin typeface="Hiragino Maru Gothic Pro W4" panose="020F0400000000000000" pitchFamily="34" charset="-128"/>
+                <a:ea typeface="Hiragino Maru Gothic Pro W4" panose="020F0400000000000000" pitchFamily="34" charset="-128"/>
+              </a:rPr>
+              <a:t>と東方</a:t>
+            </a:r>
+            <a:r>
+              <a:rPr lang="en-US" altLang="ja-JP" sz="2400" dirty="0">
+                <a:solidFill>
+                  <a:schemeClr val="accent5">
+                    <a:lumMod val="50000"/>
+                  </a:schemeClr>
+                </a:solidFill>
+                <a:latin typeface="Hiragino Maru Gothic Pro W4" panose="020F0400000000000000" pitchFamily="34" charset="-128"/>
+                <a:ea typeface="Hiragino Maru Gothic Pro W4" panose="020F0400000000000000" pitchFamily="34" charset="-128"/>
+              </a:rPr>
+              <a:t>(15)</a:t>
+            </a:r>
+            <a:r>
+              <a:rPr lang="ja-JP" altLang="en-US" sz="2400">
+                <a:solidFill>
+                  <a:schemeClr val="accent5">
+                    <a:lumMod val="50000"/>
+                  </a:schemeClr>
+                </a:solidFill>
+                <a:latin typeface="Hiragino Maru Gothic Pro W4" panose="020F0400000000000000" pitchFamily="34" charset="-128"/>
+                <a:ea typeface="Hiragino Maru Gothic Pro W4" panose="020F0400000000000000" pitchFamily="34" charset="-128"/>
+              </a:rPr>
+              <a:t>というクランが存在しており、</a:t>
+            </a:r>
+            <a:br>
+              <a:rPr lang="en-US" altLang="ja-JP" sz="2400" dirty="0">
+                <a:solidFill>
+                  <a:schemeClr val="accent5">
+                    <a:lumMod val="50000"/>
+                  </a:schemeClr>
+                </a:solidFill>
+                <a:latin typeface="Hiragino Maru Gothic Pro W4" panose="020F0400000000000000" pitchFamily="34" charset="-128"/>
+                <a:ea typeface="Hiragino Maru Gothic Pro W4" panose="020F0400000000000000" pitchFamily="34" charset="-128"/>
+              </a:rPr>
+            </a:br>
+            <a:r>
+              <a:rPr lang="ja-JP" altLang="en-US" sz="2400">
+                <a:solidFill>
+                  <a:schemeClr val="accent5">
+                    <a:lumMod val="50000"/>
+                  </a:schemeClr>
+                </a:solidFill>
+                <a:latin typeface="Hiragino Maru Gothic Pro W4" panose="020F0400000000000000" pitchFamily="34" charset="-128"/>
+                <a:ea typeface="Hiragino Maru Gothic Pro W4" panose="020F0400000000000000" pitchFamily="34" charset="-128"/>
+              </a:rPr>
+              <a:t>両クランは協力関係にある。そこの関係性が崩れる危険性も</a:t>
+            </a:r>
+            <a:br>
+              <a:rPr lang="en-US" altLang="ja-JP" sz="2400" dirty="0">
+                <a:solidFill>
+                  <a:schemeClr val="accent5">
+                    <a:lumMod val="50000"/>
+                  </a:schemeClr>
+                </a:solidFill>
+                <a:latin typeface="Hiragino Maru Gothic Pro W4" panose="020F0400000000000000" pitchFamily="34" charset="-128"/>
+                <a:ea typeface="Hiragino Maru Gothic Pro W4" panose="020F0400000000000000" pitchFamily="34" charset="-128"/>
+              </a:rPr>
+            </a:br>
+            <a:r>
+              <a:rPr lang="ja-JP" altLang="en-US" sz="2400">
+                <a:solidFill>
+                  <a:schemeClr val="accent5">
+                    <a:lumMod val="50000"/>
+                  </a:schemeClr>
+                </a:solidFill>
+                <a:latin typeface="Hiragino Maru Gothic Pro W4" panose="020F0400000000000000" pitchFamily="34" charset="-128"/>
+                <a:ea typeface="Hiragino Maru Gothic Pro W4" panose="020F0400000000000000" pitchFamily="34" charset="-128"/>
+              </a:rPr>
+              <a:t>無きにしもあらずなので謳わない。</a:t>
+            </a:r>
+            <a:br>
+              <a:rPr lang="en-US" altLang="ja-JP" sz="2400" dirty="0">
+                <a:solidFill>
+                  <a:schemeClr val="accent5">
+                    <a:lumMod val="50000"/>
+                  </a:schemeClr>
+                </a:solidFill>
+                <a:latin typeface="Hiragino Maru Gothic Pro W4" panose="020F0400000000000000" pitchFamily="34" charset="-128"/>
+                <a:ea typeface="Hiragino Maru Gothic Pro W4" panose="020F0400000000000000" pitchFamily="34" charset="-128"/>
+              </a:rPr>
+            </a:br>
+            <a:r>
+              <a:rPr lang="ja-JP" altLang="en-US" sz="2000">
+                <a:solidFill>
+                  <a:schemeClr val="accent5">
+                    <a:lumMod val="50000"/>
+                  </a:schemeClr>
+                </a:solidFill>
+                <a:latin typeface="Hiragino Maru Gothic Pro W4" panose="020F0400000000000000" pitchFamily="34" charset="-128"/>
+                <a:ea typeface="Hiragino Maru Gothic Pro W4" panose="020F0400000000000000" pitchFamily="34" charset="-128"/>
+              </a:rPr>
+              <a:t>補足：この資料で「東方」と記載している場合、東方</a:t>
+            </a:r>
+            <a:r>
+              <a:rPr lang="en-US" altLang="ja-JP" sz="2000" dirty="0">
+                <a:solidFill>
+                  <a:schemeClr val="accent5">
+                    <a:lumMod val="50000"/>
+                  </a:schemeClr>
+                </a:solidFill>
+                <a:latin typeface="Hiragino Maru Gothic Pro W4" panose="020F0400000000000000" pitchFamily="34" charset="-128"/>
+                <a:ea typeface="Hiragino Maru Gothic Pro W4" panose="020F0400000000000000" pitchFamily="34" charset="-128"/>
+              </a:rPr>
+              <a:t>(16)</a:t>
+            </a:r>
+            <a:r>
+              <a:rPr lang="ja-JP" altLang="en-US" sz="2000">
+                <a:solidFill>
+                  <a:schemeClr val="accent5">
+                    <a:lumMod val="50000"/>
+                  </a:schemeClr>
+                </a:solidFill>
+                <a:latin typeface="Hiragino Maru Gothic Pro W4" panose="020F0400000000000000" pitchFamily="34" charset="-128"/>
+                <a:ea typeface="Hiragino Maru Gothic Pro W4" panose="020F0400000000000000" pitchFamily="34" charset="-128"/>
+              </a:rPr>
+              <a:t>を示す。</a:t>
+            </a:r>
+            <a:endParaRPr lang="en-US" altLang="ja-JP" sz="2000" dirty="0">
+              <a:solidFill>
+                <a:schemeClr val="accent5">
+                  <a:lumMod val="50000"/>
+                </a:schemeClr>
+              </a:solidFill>
+              <a:latin typeface="Hiragino Maru Gothic Pro W4" panose="020F0400000000000000" pitchFamily="34" charset="-128"/>
+              <a:ea typeface="Hiragino Maru Gothic Pro W4" panose="020F0400000000000000" pitchFamily="34" charset="-128"/>
+            </a:endParaRPr>
+          </a:p>
+          <a:p>
+            <a:pPr marL="45720" indent="0">
+              <a:buNone/>
+            </a:pPr>
+            <a:r>
+              <a:rPr lang="ja-JP" altLang="en-US" sz="2400">
+                <a:solidFill>
+                  <a:schemeClr val="accent5">
+                    <a:lumMod val="50000"/>
+                  </a:schemeClr>
+                </a:solidFill>
+                <a:latin typeface="Hiragino Maru Gothic Pro W4" panose="020F0400000000000000" pitchFamily="34" charset="-128"/>
+                <a:ea typeface="Hiragino Maru Gothic Pro W4" panose="020F0400000000000000" pitchFamily="34" charset="-128"/>
+              </a:rPr>
+              <a:t>また、</a:t>
+            </a:r>
+            <a:r>
+              <a:rPr lang="en-US" altLang="ja-JP" sz="2400" dirty="0">
+                <a:solidFill>
+                  <a:schemeClr val="accent5">
+                    <a:lumMod val="50000"/>
+                  </a:schemeClr>
+                </a:solidFill>
+                <a:latin typeface="Hiragino Maru Gothic Pro W4" panose="020F0400000000000000" pitchFamily="34" charset="-128"/>
+                <a:ea typeface="Hiragino Maru Gothic Pro W4" panose="020F0400000000000000" pitchFamily="34" charset="-128"/>
+              </a:rPr>
+              <a:t>JWC</a:t>
+            </a:r>
+            <a:r>
+              <a:rPr lang="ja-JP" altLang="en-US" sz="2400">
+                <a:solidFill>
+                  <a:schemeClr val="accent5">
+                    <a:lumMod val="50000"/>
+                  </a:schemeClr>
+                </a:solidFill>
+                <a:latin typeface="Hiragino Maru Gothic Pro W4" panose="020F0400000000000000" pitchFamily="34" charset="-128"/>
+                <a:ea typeface="Hiragino Maru Gothic Pro W4" panose="020F0400000000000000" pitchFamily="34" charset="-128"/>
+              </a:rPr>
+              <a:t>の参戦における東方日陰問題に関しても、</a:t>
+            </a:r>
+            <a:br>
+              <a:rPr lang="en-US" altLang="ja-JP" sz="2400" dirty="0">
+                <a:solidFill>
+                  <a:schemeClr val="accent5">
+                    <a:lumMod val="50000"/>
+                  </a:schemeClr>
+                </a:solidFill>
+                <a:latin typeface="Hiragino Maru Gothic Pro W4" panose="020F0400000000000000" pitchFamily="34" charset="-128"/>
+                <a:ea typeface="Hiragino Maru Gothic Pro W4" panose="020F0400000000000000" pitchFamily="34" charset="-128"/>
+              </a:rPr>
+            </a:br>
+            <a:r>
+              <a:rPr lang="ja-JP" altLang="en-US" sz="2400">
+                <a:solidFill>
+                  <a:schemeClr val="accent5">
+                    <a:lumMod val="50000"/>
+                  </a:schemeClr>
+                </a:solidFill>
+                <a:latin typeface="Hiragino Maru Gothic Pro W4" panose="020F0400000000000000" pitchFamily="34" charset="-128"/>
+                <a:ea typeface="Hiragino Maru Gothic Pro W4" panose="020F0400000000000000" pitchFamily="34" charset="-128"/>
+              </a:rPr>
+              <a:t>東方メンバーの方々は特に気にしていないようなので、</a:t>
+            </a:r>
+            <a:br>
+              <a:rPr lang="en-US" altLang="ja-JP" sz="2400" dirty="0">
+                <a:solidFill>
+                  <a:schemeClr val="accent5">
+                    <a:lumMod val="50000"/>
+                  </a:schemeClr>
+                </a:solidFill>
+                <a:latin typeface="Hiragino Maru Gothic Pro W4" panose="020F0400000000000000" pitchFamily="34" charset="-128"/>
+                <a:ea typeface="Hiragino Maru Gothic Pro W4" panose="020F0400000000000000" pitchFamily="34" charset="-128"/>
+              </a:rPr>
+            </a:br>
+            <a:r>
+              <a:rPr lang="ja-JP" altLang="en-US" sz="2400">
+                <a:solidFill>
+                  <a:schemeClr val="accent5">
+                    <a:lumMod val="50000"/>
+                  </a:schemeClr>
+                </a:solidFill>
+                <a:latin typeface="Hiragino Maru Gothic Pro W4" panose="020F0400000000000000" pitchFamily="34" charset="-128"/>
+                <a:ea typeface="Hiragino Maru Gothic Pro W4" panose="020F0400000000000000" pitchFamily="34" charset="-128"/>
+              </a:rPr>
+              <a:t>対外的にファミリークランを謳って知名度を上げる必要性も低い。</a:t>
+            </a:r>
+            <a:br>
+              <a:rPr lang="en-US" altLang="ja-JP" sz="2400" dirty="0">
+                <a:solidFill>
+                  <a:schemeClr val="accent5">
+                    <a:lumMod val="50000"/>
+                  </a:schemeClr>
+                </a:solidFill>
+                <a:latin typeface="Hiragino Maru Gothic Pro W4" panose="020F0400000000000000" pitchFamily="34" charset="-128"/>
+                <a:ea typeface="Hiragino Maru Gothic Pro W4" panose="020F0400000000000000" pitchFamily="34" charset="-128"/>
+              </a:rPr>
+            </a:br>
+            <a:r>
+              <a:rPr lang="en-US" altLang="ja-JP" sz="2000" dirty="0">
+                <a:solidFill>
+                  <a:schemeClr val="accent5">
+                    <a:lumMod val="50000"/>
+                  </a:schemeClr>
+                </a:solidFill>
+                <a:latin typeface="Hiragino Maru Gothic Pro W4" panose="020F0400000000000000" pitchFamily="34" charset="-128"/>
+                <a:ea typeface="Hiragino Maru Gothic Pro W4" panose="020F0400000000000000" pitchFamily="34" charset="-128"/>
+              </a:rPr>
+              <a:t>(</a:t>
+            </a:r>
+            <a:r>
+              <a:rPr lang="ja-JP" altLang="en-US" sz="2000">
+                <a:solidFill>
+                  <a:schemeClr val="accent5">
+                    <a:lumMod val="50000"/>
+                  </a:schemeClr>
+                </a:solidFill>
+                <a:latin typeface="Hiragino Maru Gothic Pro W4" panose="020F0400000000000000" pitchFamily="34" charset="-128"/>
+                <a:ea typeface="Hiragino Maru Gothic Pro W4" panose="020F0400000000000000" pitchFamily="34" charset="-128"/>
+              </a:rPr>
+              <a:t>外部からややこしく見られるし・・・</a:t>
+            </a:r>
+            <a:r>
+              <a:rPr lang="en-US" altLang="ja-JP" sz="2000" dirty="0">
+                <a:solidFill>
+                  <a:schemeClr val="accent5">
+                    <a:lumMod val="50000"/>
+                  </a:schemeClr>
+                </a:solidFill>
+                <a:latin typeface="Hiragino Maru Gothic Pro W4" panose="020F0400000000000000" pitchFamily="34" charset="-128"/>
+                <a:ea typeface="Hiragino Maru Gothic Pro W4" panose="020F0400000000000000" pitchFamily="34" charset="-128"/>
+              </a:rPr>
+              <a:t>)</a:t>
+            </a:r>
+          </a:p>
+          <a:p>
+            <a:pPr marL="45720" indent="0">
+              <a:buNone/>
+            </a:pPr>
+            <a:r>
+              <a:rPr lang="ja-JP" altLang="en-US" sz="2400">
+                <a:solidFill>
+                  <a:srgbClr val="FF0000"/>
+                </a:solidFill>
+                <a:latin typeface="Hiragino Maru Gothic Pro W4" panose="020F0400000000000000" pitchFamily="34" charset="-128"/>
+                <a:ea typeface="Hiragino Maru Gothic Pro W4" panose="020F0400000000000000" pitchFamily="34" charset="-128"/>
+              </a:rPr>
+              <a:t>なので、東方＆まほらま間ではファミリークランは謳わずに、</a:t>
+            </a:r>
+            <a:br>
+              <a:rPr lang="en-US" altLang="ja-JP" sz="2400" dirty="0">
+                <a:solidFill>
+                  <a:srgbClr val="FF0000"/>
+                </a:solidFill>
+                <a:latin typeface="Hiragino Maru Gothic Pro W4" panose="020F0400000000000000" pitchFamily="34" charset="-128"/>
+                <a:ea typeface="Hiragino Maru Gothic Pro W4" panose="020F0400000000000000" pitchFamily="34" charset="-128"/>
+              </a:rPr>
+            </a:br>
+            <a:r>
+              <a:rPr lang="ja-JP" altLang="en-US" sz="2400">
+                <a:solidFill>
+                  <a:srgbClr val="FF0000"/>
+                </a:solidFill>
+                <a:latin typeface="Hiragino Maru Gothic Pro W4" panose="020F0400000000000000" pitchFamily="34" charset="-128"/>
+                <a:ea typeface="Hiragino Maru Gothic Pro W4" panose="020F0400000000000000" pitchFamily="34" charset="-128"/>
+              </a:rPr>
+              <a:t>「お互い仲良くしています」という関係性に留める形とする。</a:t>
+            </a:r>
+            <a:endParaRPr lang="en-US" altLang="ja-JP" sz="2400" dirty="0">
+              <a:solidFill>
+                <a:srgbClr val="FF0000"/>
+              </a:solidFill>
+              <a:latin typeface="Hiragino Maru Gothic Pro W4" panose="020F0400000000000000" pitchFamily="34" charset="-128"/>
+              <a:ea typeface="Hiragino Maru Gothic Pro W4" panose="020F0400000000000000" pitchFamily="34" charset="-128"/>
+            </a:endParaRPr>
+          </a:p>
+        </p:txBody>
+      </p:sp>
+      <p:sp>
+        <p:nvSpPr>
+          <p:cNvPr id="4" name="スライド番号プレースホルダー 3">
+            <a:extLst>
+              <a:ext uri="{FF2B5EF4-FFF2-40B4-BE49-F238E27FC236}">
+                <a16:creationId xmlns:a16="http://schemas.microsoft.com/office/drawing/2014/main" id="{34C04C8D-49C3-874E-864D-A6289CA1E427}"/>
+              </a:ext>
+            </a:extLst>
+          </p:cNvPr>
+          <p:cNvSpPr>
+            <a:spLocks noGrp="1"/>
+          </p:cNvSpPr>
+          <p:nvPr>
+            <p:ph type="sldNum" sz="quarter" idx="12"/>
+          </p:nvPr>
+        </p:nvSpPr>
+        <p:spPr/>
+        <p:txBody>
+          <a:bodyPr/>
+          <a:lstStyle/>
+          <a:p>
+            <a:pPr rtl="0"/>
+            <a:fld id="{E31375A4-56A4-47D6-9801-1991572033F7}" type="slidenum">
+              <a:rPr lang="en-US" altLang="ja-JP" noProof="0" smtClean="0">
+                <a:solidFill>
+                  <a:srgbClr val="002060"/>
+                </a:solidFill>
+                <a:latin typeface="Hiragino Maru Gothic Pro W4" panose="020F0400000000000000" pitchFamily="34" charset="-128"/>
+                <a:ea typeface="Hiragino Maru Gothic Pro W4" panose="020F0400000000000000" pitchFamily="34" charset="-128"/>
+              </a:rPr>
+              <a:t>21</a:t>
+            </a:fld>
+            <a:endParaRPr lang="ja-JP" altLang="en-US" noProof="0" dirty="0">
+              <a:solidFill>
+                <a:srgbClr val="002060"/>
+              </a:solidFill>
+              <a:latin typeface="Hiragino Maru Gothic Pro W4" panose="020F0400000000000000" pitchFamily="34" charset="-128"/>
+              <a:ea typeface="Hiragino Maru Gothic Pro W4" panose="020F0400000000000000" pitchFamily="34" charset="-128"/>
+            </a:endParaRPr>
+          </a:p>
+        </p:txBody>
+      </p:sp>
+    </p:spTree>
+    <p:extLst>
+      <p:ext uri="{BB962C8B-B14F-4D97-AF65-F5344CB8AC3E}">
+        <p14:creationId xmlns:p14="http://schemas.microsoft.com/office/powerpoint/2010/main" val="1355915047"/>
+      </p:ext>
+    </p:extLst>
+  </p:cSld>
+  <p:clrMapOvr>
+    <a:masterClrMapping/>
+  </p:clrMapOvr>
+  <mc:AlternateContent xmlns:mc="http://schemas.openxmlformats.org/markup-compatibility/2006" xmlns:p14="http://schemas.microsoft.com/office/powerpoint/2010/main">
+    <mc:Choice Requires="p14">
+      <p:transition spd="med" p14:dur="700">
+        <p:fade/>
+      </p:transition>
+    </mc:Choice>
+    <mc:Fallback xmlns="">
+      <p:transition spd="med">
+        <p:fade/>
+      </p:transition>
+    </mc:Fallback>
+  </mc:AlternateContent>
+</p:sld>
+</file>
+
+<file path=ppt/slides/slide22.xml><?xml version="1.0" encoding="utf-8"?>
+<p:sld xmlns:a="http://schemas.openxmlformats.org/drawingml/2006/main" xmlns:r="http://schemas.openxmlformats.org/officeDocument/2006/relationships" xmlns:p="http://schemas.openxmlformats.org/presentationml/2006/main">
+  <p:cSld>
+    <p:spTree>
+      <p:nvGrpSpPr>
+        <p:cNvPr id="1" name=""/>
+        <p:cNvGrpSpPr/>
+        <p:nvPr/>
+      </p:nvGrpSpPr>
+      <p:grpSpPr>
+        <a:xfrm>
+          <a:off x="0" y="0"/>
+          <a:ext cx="0" cy="0"/>
+          <a:chOff x="0" y="0"/>
+          <a:chExt cx="0" cy="0"/>
+        </a:xfrm>
+      </p:grpSpPr>
+      <p:sp>
+        <p:nvSpPr>
+          <p:cNvPr id="2" name="タイトル 1">
+            <a:extLst>
+              <a:ext uri="{FF2B5EF4-FFF2-40B4-BE49-F238E27FC236}">
+                <a16:creationId xmlns:a16="http://schemas.microsoft.com/office/drawing/2014/main" id="{4BEF2D4F-28AD-C84D-A4AC-A607D5B45D24}"/>
+              </a:ext>
+            </a:extLst>
+          </p:cNvPr>
+          <p:cNvSpPr>
+            <a:spLocks noGrp="1"/>
+          </p:cNvSpPr>
+          <p:nvPr>
+            <p:ph type="title"/>
+          </p:nvPr>
+        </p:nvSpPr>
+        <p:spPr/>
+        <p:txBody>
+          <a:bodyPr/>
+          <a:lstStyle/>
+          <a:p>
+            <a:r>
+              <a:rPr kumimoji="1" lang="ja-JP" altLang="en-US">
+                <a:solidFill>
+                  <a:schemeClr val="accent5">
+                    <a:lumMod val="50000"/>
+                  </a:schemeClr>
+                </a:solidFill>
+                <a:latin typeface="Hiragino Maru Gothic Pro W4" panose="020F0400000000000000" pitchFamily="34" charset="-128"/>
+                <a:ea typeface="Hiragino Maru Gothic Pro W4" panose="020F0400000000000000" pitchFamily="34" charset="-128"/>
+              </a:rPr>
+              <a:t>基本的な考え方</a:t>
+            </a:r>
+          </a:p>
+        </p:txBody>
+      </p:sp>
+      <p:sp>
+        <p:nvSpPr>
+          <p:cNvPr id="3" name="コンテンツ プレースホルダー 2">
+            <a:extLst>
+              <a:ext uri="{FF2B5EF4-FFF2-40B4-BE49-F238E27FC236}">
+                <a16:creationId xmlns:a16="http://schemas.microsoft.com/office/drawing/2014/main" id="{01E773B8-156E-4743-8E4A-3ED5FB7CC4E2}"/>
+              </a:ext>
+            </a:extLst>
+          </p:cNvPr>
+          <p:cNvSpPr>
+            <a:spLocks noGrp="1"/>
+          </p:cNvSpPr>
+          <p:nvPr>
+            <p:ph idx="1"/>
+          </p:nvPr>
+        </p:nvSpPr>
+        <p:spPr>
+          <a:xfrm>
+            <a:off x="838200" y="1588575"/>
+            <a:ext cx="10515600" cy="4588387"/>
+          </a:xfrm>
+        </p:spPr>
+        <p:txBody>
+          <a:bodyPr>
+            <a:normAutofit/>
+          </a:bodyPr>
+          <a:lstStyle/>
+          <a:p>
+            <a:pPr marL="45720" indent="0">
+              <a:buNone/>
+            </a:pPr>
+            <a:endParaRPr lang="en-US" altLang="ja-JP" sz="2400" dirty="0">
+              <a:solidFill>
+                <a:schemeClr val="accent5">
+                  <a:lumMod val="50000"/>
+                </a:schemeClr>
+              </a:solidFill>
+              <a:latin typeface="Hiragino Maru Gothic Pro W4" panose="020F0400000000000000" pitchFamily="34" charset="-128"/>
+              <a:ea typeface="Hiragino Maru Gothic Pro W4" panose="020F0400000000000000" pitchFamily="34" charset="-128"/>
+            </a:endParaRPr>
+          </a:p>
+        </p:txBody>
+      </p:sp>
+      <p:sp>
+        <p:nvSpPr>
+          <p:cNvPr id="4" name="スライド番号プレースホルダー 3">
+            <a:extLst>
+              <a:ext uri="{FF2B5EF4-FFF2-40B4-BE49-F238E27FC236}">
+                <a16:creationId xmlns:a16="http://schemas.microsoft.com/office/drawing/2014/main" id="{34C04C8D-49C3-874E-864D-A6289CA1E427}"/>
+              </a:ext>
+            </a:extLst>
+          </p:cNvPr>
+          <p:cNvSpPr>
+            <a:spLocks noGrp="1"/>
+          </p:cNvSpPr>
+          <p:nvPr>
+            <p:ph type="sldNum" sz="quarter" idx="12"/>
+          </p:nvPr>
+        </p:nvSpPr>
+        <p:spPr/>
+        <p:txBody>
+          <a:bodyPr/>
+          <a:lstStyle/>
+          <a:p>
+            <a:pPr rtl="0"/>
+            <a:fld id="{E31375A4-56A4-47D6-9801-1991572033F7}" type="slidenum">
+              <a:rPr lang="en-US" altLang="ja-JP" noProof="0" smtClean="0">
+                <a:solidFill>
+                  <a:srgbClr val="002060"/>
+                </a:solidFill>
+                <a:latin typeface="Hiragino Maru Gothic Pro W4" panose="020F0400000000000000" pitchFamily="34" charset="-128"/>
+                <a:ea typeface="Hiragino Maru Gothic Pro W4" panose="020F0400000000000000" pitchFamily="34" charset="-128"/>
+              </a:rPr>
+              <a:t>22</a:t>
+            </a:fld>
+            <a:endParaRPr lang="ja-JP" altLang="en-US" noProof="0" dirty="0">
+              <a:solidFill>
+                <a:srgbClr val="002060"/>
+              </a:solidFill>
+              <a:latin typeface="Hiragino Maru Gothic Pro W4" panose="020F0400000000000000" pitchFamily="34" charset="-128"/>
+              <a:ea typeface="Hiragino Maru Gothic Pro W4" panose="020F0400000000000000" pitchFamily="34" charset="-128"/>
+            </a:endParaRPr>
+          </a:p>
+        </p:txBody>
+      </p:sp>
+      <p:sp>
+        <p:nvSpPr>
+          <p:cNvPr id="6" name="正方形/長方形 5">
+            <a:extLst>
+              <a:ext uri="{FF2B5EF4-FFF2-40B4-BE49-F238E27FC236}">
+                <a16:creationId xmlns:a16="http://schemas.microsoft.com/office/drawing/2014/main" id="{44F5B0D1-8C9D-9D42-B067-7A4669BE58FD}"/>
+              </a:ext>
+            </a:extLst>
+          </p:cNvPr>
+          <p:cNvSpPr/>
+          <p:nvPr/>
+        </p:nvSpPr>
+        <p:spPr>
+          <a:xfrm>
+            <a:off x="1567549" y="2160734"/>
+            <a:ext cx="4824550" cy="2287168"/>
+          </a:xfrm>
+          <a:prstGeom prst="rect">
+            <a:avLst/>
+          </a:prstGeom>
+        </p:spPr>
+        <p:style>
+          <a:lnRef idx="0">
+            <a:schemeClr val="accent6"/>
+          </a:lnRef>
+          <a:fillRef idx="3">
+            <a:schemeClr val="accent6"/>
+          </a:fillRef>
+          <a:effectRef idx="3">
+            <a:schemeClr val="accent6"/>
+          </a:effectRef>
+          <a:fontRef idx="minor">
+            <a:schemeClr val="lt1"/>
+          </a:fontRef>
+        </p:style>
+        <p:txBody>
+          <a:bodyPr rtlCol="0" anchor="ctr"/>
+          <a:lstStyle/>
+          <a:p>
+            <a:pPr algn="ctr"/>
+            <a:r>
+              <a:rPr lang="en-US" altLang="ja-JP" sz="2400" dirty="0">
+                <a:latin typeface="Hiragino Maru Gothic Pro W4" panose="020F0400000000000000" pitchFamily="34" charset="-128"/>
+                <a:ea typeface="Hiragino Maru Gothic Pro W4" panose="020F0400000000000000" pitchFamily="34" charset="-128"/>
+              </a:rPr>
+              <a:t>① </a:t>
+            </a:r>
+            <a:r>
+              <a:rPr lang="ja-JP" altLang="en-US" sz="2400">
+                <a:latin typeface="Hiragino Maru Gothic Pro W4" panose="020F0400000000000000" pitchFamily="34" charset="-128"/>
+                <a:ea typeface="Hiragino Maru Gothic Pro W4" panose="020F0400000000000000" pitchFamily="34" charset="-128"/>
+              </a:rPr>
+              <a:t>特に無し</a:t>
+            </a:r>
+            <a:endParaRPr lang="en-US" altLang="ja-JP" sz="2400" dirty="0">
+              <a:latin typeface="Hiragino Maru Gothic Pro W4" panose="020F0400000000000000" pitchFamily="34" charset="-128"/>
+              <a:ea typeface="Hiragino Maru Gothic Pro W4" panose="020F0400000000000000" pitchFamily="34" charset="-128"/>
+            </a:endParaRPr>
+          </a:p>
+        </p:txBody>
+      </p:sp>
+      <p:sp>
+        <p:nvSpPr>
+          <p:cNvPr id="10" name="正方形/長方形 9">
+            <a:extLst>
+              <a:ext uri="{FF2B5EF4-FFF2-40B4-BE49-F238E27FC236}">
+                <a16:creationId xmlns:a16="http://schemas.microsoft.com/office/drawing/2014/main" id="{18C00CC0-6B48-4045-BD99-69FA1E70773E}"/>
+              </a:ext>
+            </a:extLst>
+          </p:cNvPr>
+          <p:cNvSpPr/>
+          <p:nvPr/>
+        </p:nvSpPr>
+        <p:spPr>
+          <a:xfrm>
+            <a:off x="1567549" y="4502331"/>
+            <a:ext cx="4824550" cy="1620202"/>
+          </a:xfrm>
+          <a:prstGeom prst="rect">
+            <a:avLst/>
+          </a:prstGeom>
+        </p:spPr>
+        <p:style>
+          <a:lnRef idx="0">
+            <a:schemeClr val="accent4"/>
+          </a:lnRef>
+          <a:fillRef idx="3">
+            <a:schemeClr val="accent4"/>
+          </a:fillRef>
+          <a:effectRef idx="3">
+            <a:schemeClr val="accent4"/>
+          </a:effectRef>
+          <a:fontRef idx="minor">
+            <a:schemeClr val="lt1"/>
+          </a:fontRef>
+        </p:style>
+        <p:txBody>
+          <a:bodyPr rtlCol="0" anchor="ctr"/>
+          <a:lstStyle/>
+          <a:p>
+            <a:pPr algn="ctr"/>
+            <a:r>
+              <a:rPr lang="en-US" altLang="ja-JP" sz="2400" dirty="0">
+                <a:latin typeface="Hiragino Maru Gothic Pro W4" panose="020F0400000000000000" pitchFamily="34" charset="-128"/>
+                <a:ea typeface="Hiragino Maru Gothic Pro W4" panose="020F0400000000000000" pitchFamily="34" charset="-128"/>
+              </a:rPr>
+              <a:t>② </a:t>
+            </a:r>
+            <a:r>
+              <a:rPr lang="ja-JP" altLang="en-US" sz="2400">
+                <a:latin typeface="Hiragino Maru Gothic Pro W4" panose="020F0400000000000000" pitchFamily="34" charset="-128"/>
+                <a:ea typeface="Hiragino Maru Gothic Pro W4" panose="020F0400000000000000" pitchFamily="34" charset="-128"/>
+              </a:rPr>
+              <a:t>まほらま→東方</a:t>
+            </a:r>
+            <a:r>
+              <a:rPr lang="en-US" altLang="ja-JP" sz="2400" dirty="0">
+                <a:latin typeface="Hiragino Maru Gothic Pro W4" panose="020F0400000000000000" pitchFamily="34" charset="-128"/>
+                <a:ea typeface="Hiragino Maru Gothic Pro W4" panose="020F0400000000000000" pitchFamily="34" charset="-128"/>
+              </a:rPr>
+              <a:t> </a:t>
+            </a:r>
+            <a:r>
+              <a:rPr lang="ja-JP" altLang="en-US" sz="2400">
+                <a:latin typeface="Hiragino Maru Gothic Pro W4" panose="020F0400000000000000" pitchFamily="34" charset="-128"/>
+                <a:ea typeface="Hiragino Maru Gothic Pro W4" panose="020F0400000000000000" pitchFamily="34" charset="-128"/>
+              </a:rPr>
+              <a:t>サポート</a:t>
+            </a:r>
+            <a:endParaRPr lang="en-US" altLang="ja-JP" sz="2400" dirty="0">
+              <a:latin typeface="Hiragino Maru Gothic Pro W4" panose="020F0400000000000000" pitchFamily="34" charset="-128"/>
+              <a:ea typeface="Hiragino Maru Gothic Pro W4" panose="020F0400000000000000" pitchFamily="34" charset="-128"/>
+            </a:endParaRPr>
+          </a:p>
+        </p:txBody>
+      </p:sp>
+      <p:sp>
+        <p:nvSpPr>
+          <p:cNvPr id="12" name="正方形/長方形 11">
+            <a:extLst>
+              <a:ext uri="{FF2B5EF4-FFF2-40B4-BE49-F238E27FC236}">
+                <a16:creationId xmlns:a16="http://schemas.microsoft.com/office/drawing/2014/main" id="{89C7DC49-C989-D74E-A020-00DA984420CF}"/>
+              </a:ext>
+            </a:extLst>
+          </p:cNvPr>
+          <p:cNvSpPr/>
+          <p:nvPr/>
+        </p:nvSpPr>
+        <p:spPr>
+          <a:xfrm>
+            <a:off x="6453052" y="2160734"/>
+            <a:ext cx="4824550" cy="2287168"/>
+          </a:xfrm>
+          <a:prstGeom prst="rect">
+            <a:avLst/>
+          </a:prstGeom>
+        </p:spPr>
+        <p:style>
+          <a:lnRef idx="0">
+            <a:schemeClr val="accent1"/>
+          </a:lnRef>
+          <a:fillRef idx="3">
+            <a:schemeClr val="accent1"/>
+          </a:fillRef>
+          <a:effectRef idx="3">
+            <a:schemeClr val="accent1"/>
+          </a:effectRef>
+          <a:fontRef idx="minor">
+            <a:schemeClr val="lt1"/>
+          </a:fontRef>
+        </p:style>
+        <p:txBody>
+          <a:bodyPr rtlCol="0" anchor="ctr"/>
+          <a:lstStyle/>
+          <a:p>
+            <a:pPr algn="ctr"/>
+            <a:r>
+              <a:rPr lang="en-US" altLang="ja-JP" sz="2400" dirty="0">
+                <a:latin typeface="Hiragino Maru Gothic Pro W4" panose="020F0400000000000000" pitchFamily="34" charset="-128"/>
+                <a:ea typeface="Hiragino Maru Gothic Pro W4" panose="020F0400000000000000" pitchFamily="34" charset="-128"/>
+              </a:rPr>
+              <a:t>③ </a:t>
+            </a:r>
+            <a:r>
+              <a:rPr lang="ja-JP" altLang="en-US" sz="2400">
+                <a:latin typeface="Hiragino Maru Gothic Pro W4" panose="020F0400000000000000" pitchFamily="34" charset="-128"/>
+                <a:ea typeface="Hiragino Maru Gothic Pro W4" panose="020F0400000000000000" pitchFamily="34" charset="-128"/>
+              </a:rPr>
+              <a:t>東方→まほらま</a:t>
+            </a:r>
+            <a:r>
+              <a:rPr lang="en-US" altLang="ja-JP" sz="2400" dirty="0">
+                <a:latin typeface="Hiragino Maru Gothic Pro W4" panose="020F0400000000000000" pitchFamily="34" charset="-128"/>
+                <a:ea typeface="Hiragino Maru Gothic Pro W4" panose="020F0400000000000000" pitchFamily="34" charset="-128"/>
+              </a:rPr>
+              <a:t> </a:t>
+            </a:r>
+            <a:r>
+              <a:rPr lang="ja-JP" altLang="en-US" sz="2400">
+                <a:latin typeface="Hiragino Maru Gothic Pro W4" panose="020F0400000000000000" pitchFamily="34" charset="-128"/>
+                <a:ea typeface="Hiragino Maru Gothic Pro W4" panose="020F0400000000000000" pitchFamily="34" charset="-128"/>
+              </a:rPr>
+              <a:t>サポート</a:t>
+            </a:r>
+            <a:endParaRPr lang="en-US" altLang="ja-JP" sz="2400" dirty="0">
+              <a:latin typeface="Hiragino Maru Gothic Pro W4" panose="020F0400000000000000" pitchFamily="34" charset="-128"/>
+              <a:ea typeface="Hiragino Maru Gothic Pro W4" panose="020F0400000000000000" pitchFamily="34" charset="-128"/>
+            </a:endParaRPr>
+          </a:p>
+        </p:txBody>
+      </p:sp>
+      <p:sp>
+        <p:nvSpPr>
+          <p:cNvPr id="13" name="正方形/長方形 12">
+            <a:extLst>
+              <a:ext uri="{FF2B5EF4-FFF2-40B4-BE49-F238E27FC236}">
+                <a16:creationId xmlns:a16="http://schemas.microsoft.com/office/drawing/2014/main" id="{86B27419-B781-A14F-80D2-6313A2C2881C}"/>
+              </a:ext>
+            </a:extLst>
+          </p:cNvPr>
+          <p:cNvSpPr/>
+          <p:nvPr/>
+        </p:nvSpPr>
+        <p:spPr>
+          <a:xfrm>
+            <a:off x="6453052" y="4502331"/>
+            <a:ext cx="4824550" cy="1620202"/>
+          </a:xfrm>
+          <a:prstGeom prst="rect">
+            <a:avLst/>
+          </a:prstGeom>
+        </p:spPr>
+        <p:style>
+          <a:lnRef idx="0">
+            <a:schemeClr val="accent2"/>
+          </a:lnRef>
+          <a:fillRef idx="3">
+            <a:schemeClr val="accent2"/>
+          </a:fillRef>
+          <a:effectRef idx="3">
+            <a:schemeClr val="accent2"/>
+          </a:effectRef>
+          <a:fontRef idx="minor">
+            <a:schemeClr val="lt1"/>
+          </a:fontRef>
+        </p:style>
+        <p:txBody>
+          <a:bodyPr rtlCol="0" anchor="ctr"/>
+          <a:lstStyle/>
+          <a:p>
+            <a:pPr algn="ctr"/>
+            <a:r>
+              <a:rPr lang="en-US" altLang="ja-JP" sz="2400" dirty="0">
+                <a:latin typeface="Hiragino Maru Gothic Pro W4" panose="020F0400000000000000" pitchFamily="34" charset="-128"/>
+                <a:ea typeface="Hiragino Maru Gothic Pro W4" panose="020F0400000000000000" pitchFamily="34" charset="-128"/>
+              </a:rPr>
+              <a:t>④ </a:t>
+            </a:r>
+            <a:r>
+              <a:rPr lang="ja-JP" altLang="en-US" sz="2400">
+                <a:latin typeface="Hiragino Maru Gothic Pro W4" panose="020F0400000000000000" pitchFamily="34" charset="-128"/>
+                <a:ea typeface="Hiragino Maru Gothic Pro W4" panose="020F0400000000000000" pitchFamily="34" charset="-128"/>
+              </a:rPr>
+              <a:t>まほらま→東方</a:t>
+            </a:r>
+            <a:r>
+              <a:rPr lang="en-US" altLang="ja-JP" sz="2400" dirty="0">
+                <a:latin typeface="Hiragino Maru Gothic Pro W4" panose="020F0400000000000000" pitchFamily="34" charset="-128"/>
+                <a:ea typeface="Hiragino Maru Gothic Pro W4" panose="020F0400000000000000" pitchFamily="34" charset="-128"/>
+              </a:rPr>
+              <a:t> </a:t>
+            </a:r>
+            <a:r>
+              <a:rPr lang="ja-JP" altLang="en-US" sz="2400">
+                <a:latin typeface="Hiragino Maru Gothic Pro W4" panose="020F0400000000000000" pitchFamily="34" charset="-128"/>
+                <a:ea typeface="Hiragino Maru Gothic Pro W4" panose="020F0400000000000000" pitchFamily="34" charset="-128"/>
+              </a:rPr>
+              <a:t>サポート</a:t>
+            </a:r>
+            <a:br>
+              <a:rPr lang="en-US" altLang="ja-JP" sz="2400" dirty="0">
+                <a:latin typeface="Hiragino Maru Gothic Pro W4" panose="020F0400000000000000" pitchFamily="34" charset="-128"/>
+                <a:ea typeface="Hiragino Maru Gothic Pro W4" panose="020F0400000000000000" pitchFamily="34" charset="-128"/>
+              </a:rPr>
+            </a:br>
+            <a:r>
+              <a:rPr lang="en-US" altLang="ja-JP" sz="2400" dirty="0">
+                <a:latin typeface="Hiragino Maru Gothic Pro W4" panose="020F0400000000000000" pitchFamily="34" charset="-128"/>
+                <a:ea typeface="Hiragino Maru Gothic Pro W4" panose="020F0400000000000000" pitchFamily="34" charset="-128"/>
+              </a:rPr>
+              <a:t>(JWC</a:t>
+            </a:r>
+            <a:r>
+              <a:rPr lang="ja-JP" altLang="en-US" sz="2400">
+                <a:latin typeface="Hiragino Maru Gothic Pro W4" panose="020F0400000000000000" pitchFamily="34" charset="-128"/>
+                <a:ea typeface="Hiragino Maru Gothic Pro W4" panose="020F0400000000000000" pitchFamily="34" charset="-128"/>
+              </a:rPr>
+              <a:t>戦はリーグ期間中無し前提</a:t>
+            </a:r>
+            <a:r>
+              <a:rPr lang="en-US" altLang="ja-JP" sz="2400" dirty="0">
+                <a:latin typeface="Hiragino Maru Gothic Pro W4" panose="020F0400000000000000" pitchFamily="34" charset="-128"/>
+                <a:ea typeface="Hiragino Maru Gothic Pro W4" panose="020F0400000000000000" pitchFamily="34" charset="-128"/>
+              </a:rPr>
+              <a:t>)</a:t>
+            </a:r>
+          </a:p>
+        </p:txBody>
+      </p:sp>
+      <p:sp>
+        <p:nvSpPr>
+          <p:cNvPr id="9" name="正方形/長方形 8">
+            <a:extLst>
+              <a:ext uri="{FF2B5EF4-FFF2-40B4-BE49-F238E27FC236}">
+                <a16:creationId xmlns:a16="http://schemas.microsoft.com/office/drawing/2014/main" id="{DCC2E1EB-35D1-AD43-9655-DF1B6D634622}"/>
+              </a:ext>
+            </a:extLst>
+          </p:cNvPr>
+          <p:cNvSpPr/>
+          <p:nvPr/>
+        </p:nvSpPr>
+        <p:spPr>
+          <a:xfrm>
+            <a:off x="1567549" y="1593081"/>
+            <a:ext cx="4824550" cy="510192"/>
+          </a:xfrm>
+          <a:prstGeom prst="rect">
+            <a:avLst/>
+          </a:prstGeom>
+        </p:spPr>
+        <p:style>
+          <a:lnRef idx="0">
+            <a:schemeClr val="dk1"/>
+          </a:lnRef>
+          <a:fillRef idx="3">
+            <a:schemeClr val="dk1"/>
+          </a:fillRef>
+          <a:effectRef idx="3">
+            <a:schemeClr val="dk1"/>
+          </a:effectRef>
+          <a:fontRef idx="minor">
+            <a:schemeClr val="lt1"/>
+          </a:fontRef>
+        </p:style>
+        <p:txBody>
+          <a:bodyPr rtlCol="0" anchor="ctr"/>
+          <a:lstStyle/>
+          <a:p>
+            <a:pPr algn="ctr"/>
+            <a:r>
+              <a:rPr lang="en-US" altLang="ja-JP" sz="2400" dirty="0">
+                <a:effectLst>
+                  <a:innerShdw blurRad="63500" dist="50800" dir="13500000">
+                    <a:prstClr val="black">
+                      <a:alpha val="50000"/>
+                    </a:prstClr>
+                  </a:innerShdw>
+                </a:effectLst>
+                <a:latin typeface="Hiragino Maru Gothic Pro W4" panose="020F0400000000000000" pitchFamily="34" charset="-128"/>
+                <a:ea typeface="Hiragino Maru Gothic Pro W4" panose="020F0400000000000000" pitchFamily="34" charset="-128"/>
+              </a:rPr>
+              <a:t>JWC</a:t>
+            </a:r>
+            <a:r>
+              <a:rPr lang="ja-JP" altLang="en-US" sz="2400">
+                <a:effectLst>
+                  <a:innerShdw blurRad="63500" dist="50800" dir="13500000">
+                    <a:prstClr val="black">
+                      <a:alpha val="50000"/>
+                    </a:prstClr>
+                  </a:innerShdw>
+                </a:effectLst>
+                <a:latin typeface="Hiragino Maru Gothic Pro W4" panose="020F0400000000000000" pitchFamily="34" charset="-128"/>
+                <a:ea typeface="Hiragino Maru Gothic Pro W4" panose="020F0400000000000000" pitchFamily="34" charset="-128"/>
+              </a:rPr>
+              <a:t>オフシーズン</a:t>
+            </a:r>
+            <a:endParaRPr lang="en-US" altLang="ja-JP" sz="2400" dirty="0">
+              <a:effectLst>
+                <a:innerShdw blurRad="63500" dist="50800" dir="13500000">
+                  <a:prstClr val="black">
+                    <a:alpha val="50000"/>
+                  </a:prstClr>
+                </a:innerShdw>
+              </a:effectLst>
+              <a:latin typeface="Hiragino Maru Gothic Pro W4" panose="020F0400000000000000" pitchFamily="34" charset="-128"/>
+              <a:ea typeface="Hiragino Maru Gothic Pro W4" panose="020F0400000000000000" pitchFamily="34" charset="-128"/>
+            </a:endParaRPr>
+          </a:p>
+        </p:txBody>
+      </p:sp>
+      <p:sp>
+        <p:nvSpPr>
+          <p:cNvPr id="11" name="正方形/長方形 10">
+            <a:extLst>
+              <a:ext uri="{FF2B5EF4-FFF2-40B4-BE49-F238E27FC236}">
+                <a16:creationId xmlns:a16="http://schemas.microsoft.com/office/drawing/2014/main" id="{C5BF9ECA-4F8D-1046-84C0-EBFA7381A2A1}"/>
+              </a:ext>
+            </a:extLst>
+          </p:cNvPr>
+          <p:cNvSpPr/>
+          <p:nvPr/>
+        </p:nvSpPr>
+        <p:spPr>
+          <a:xfrm>
+            <a:off x="6453052" y="1588575"/>
+            <a:ext cx="4824550" cy="510192"/>
+          </a:xfrm>
+          <a:prstGeom prst="rect">
+            <a:avLst/>
+          </a:prstGeom>
+        </p:spPr>
+        <p:style>
+          <a:lnRef idx="0">
+            <a:schemeClr val="dk1"/>
+          </a:lnRef>
+          <a:fillRef idx="3">
+            <a:schemeClr val="dk1"/>
+          </a:fillRef>
+          <a:effectRef idx="3">
+            <a:schemeClr val="dk1"/>
+          </a:effectRef>
+          <a:fontRef idx="minor">
+            <a:schemeClr val="lt1"/>
+          </a:fontRef>
+        </p:style>
+        <p:txBody>
+          <a:bodyPr rtlCol="0" anchor="ctr"/>
+          <a:lstStyle/>
+          <a:p>
+            <a:pPr algn="ctr"/>
+            <a:r>
+              <a:rPr lang="en-US" altLang="ja-JP" sz="2400" dirty="0">
+                <a:effectLst>
+                  <a:innerShdw blurRad="63500" dist="50800" dir="13500000">
+                    <a:prstClr val="black">
+                      <a:alpha val="50000"/>
+                    </a:prstClr>
+                  </a:innerShdw>
+                </a:effectLst>
+                <a:latin typeface="Hiragino Maru Gothic Pro W4" panose="020F0400000000000000" pitchFamily="34" charset="-128"/>
+                <a:ea typeface="Hiragino Maru Gothic Pro W4" panose="020F0400000000000000" pitchFamily="34" charset="-128"/>
+              </a:rPr>
+              <a:t>JWC</a:t>
+            </a:r>
+            <a:r>
+              <a:rPr lang="ja-JP" altLang="en-US" sz="2400">
+                <a:effectLst>
+                  <a:innerShdw blurRad="63500" dist="50800" dir="13500000">
+                    <a:prstClr val="black">
+                      <a:alpha val="50000"/>
+                    </a:prstClr>
+                  </a:innerShdw>
+                </a:effectLst>
+                <a:latin typeface="Hiragino Maru Gothic Pro W4" panose="020F0400000000000000" pitchFamily="34" charset="-128"/>
+                <a:ea typeface="Hiragino Maru Gothic Pro W4" panose="020F0400000000000000" pitchFamily="34" charset="-128"/>
+              </a:rPr>
+              <a:t>オンシーズン</a:t>
+            </a:r>
+            <a:endParaRPr lang="en-US" altLang="ja-JP" sz="2400" dirty="0">
+              <a:effectLst>
+                <a:innerShdw blurRad="63500" dist="50800" dir="13500000">
+                  <a:prstClr val="black">
+                    <a:alpha val="50000"/>
+                  </a:prstClr>
+                </a:innerShdw>
+              </a:effectLst>
+              <a:latin typeface="Hiragino Maru Gothic Pro W4" panose="020F0400000000000000" pitchFamily="34" charset="-128"/>
+              <a:ea typeface="Hiragino Maru Gothic Pro W4" panose="020F0400000000000000" pitchFamily="34" charset="-128"/>
+            </a:endParaRPr>
+          </a:p>
+        </p:txBody>
+      </p:sp>
+      <p:sp>
+        <p:nvSpPr>
+          <p:cNvPr id="14" name="正方形/長方形 13">
+            <a:extLst>
+              <a:ext uri="{FF2B5EF4-FFF2-40B4-BE49-F238E27FC236}">
+                <a16:creationId xmlns:a16="http://schemas.microsoft.com/office/drawing/2014/main" id="{4883BD44-2332-AE4B-9EC5-7F2F660BD415}"/>
+              </a:ext>
+            </a:extLst>
+          </p:cNvPr>
+          <p:cNvSpPr/>
+          <p:nvPr/>
+        </p:nvSpPr>
+        <p:spPr>
+          <a:xfrm>
+            <a:off x="914398" y="2160734"/>
+            <a:ext cx="592198" cy="2287168"/>
+          </a:xfrm>
+          <a:prstGeom prst="rect">
+            <a:avLst/>
+          </a:prstGeom>
+        </p:spPr>
+        <p:style>
+          <a:lnRef idx="0">
+            <a:schemeClr val="dk1"/>
+          </a:lnRef>
+          <a:fillRef idx="3">
+            <a:schemeClr val="dk1"/>
+          </a:fillRef>
+          <a:effectRef idx="3">
+            <a:schemeClr val="dk1"/>
+          </a:effectRef>
+          <a:fontRef idx="minor">
+            <a:schemeClr val="lt1"/>
+          </a:fontRef>
+        </p:style>
+        <p:txBody>
+          <a:bodyPr vert="eaVert" rtlCol="0" anchor="ctr"/>
+          <a:lstStyle/>
+          <a:p>
+            <a:pPr algn="ctr"/>
+            <a:r>
+              <a:rPr lang="ja-JP" altLang="en-US" sz="2400">
+                <a:effectLst>
+                  <a:innerShdw blurRad="63500" dist="50800" dir="13500000">
+                    <a:prstClr val="black">
+                      <a:alpha val="50000"/>
+                    </a:prstClr>
+                  </a:innerShdw>
+                </a:effectLst>
+                <a:latin typeface="Hiragino Maru Gothic Pro W4" panose="020F0400000000000000" pitchFamily="34" charset="-128"/>
+                <a:ea typeface="Hiragino Maru Gothic Pro W4" panose="020F0400000000000000" pitchFamily="34" charset="-128"/>
+              </a:rPr>
+              <a:t>野良戦期間</a:t>
+            </a:r>
+            <a:endParaRPr lang="en-US" altLang="ja-JP" sz="2400" dirty="0">
+              <a:effectLst>
+                <a:innerShdw blurRad="63500" dist="50800" dir="13500000">
+                  <a:prstClr val="black">
+                    <a:alpha val="50000"/>
+                  </a:prstClr>
+                </a:innerShdw>
+              </a:effectLst>
+              <a:latin typeface="Hiragino Maru Gothic Pro W4" panose="020F0400000000000000" pitchFamily="34" charset="-128"/>
+              <a:ea typeface="Hiragino Maru Gothic Pro W4" panose="020F0400000000000000" pitchFamily="34" charset="-128"/>
+            </a:endParaRPr>
+          </a:p>
+        </p:txBody>
+      </p:sp>
+      <p:sp>
+        <p:nvSpPr>
+          <p:cNvPr id="16" name="正方形/長方形 15">
+            <a:extLst>
+              <a:ext uri="{FF2B5EF4-FFF2-40B4-BE49-F238E27FC236}">
+                <a16:creationId xmlns:a16="http://schemas.microsoft.com/office/drawing/2014/main" id="{D96A6077-E02E-0943-9519-ED542C077AD5}"/>
+              </a:ext>
+            </a:extLst>
+          </p:cNvPr>
+          <p:cNvSpPr/>
+          <p:nvPr/>
+        </p:nvSpPr>
+        <p:spPr>
+          <a:xfrm>
+            <a:off x="914398" y="4502331"/>
+            <a:ext cx="592198" cy="1620201"/>
+          </a:xfrm>
+          <a:prstGeom prst="rect">
+            <a:avLst/>
+          </a:prstGeom>
+        </p:spPr>
+        <p:style>
+          <a:lnRef idx="0">
+            <a:schemeClr val="dk1"/>
+          </a:lnRef>
+          <a:fillRef idx="3">
+            <a:schemeClr val="dk1"/>
+          </a:fillRef>
+          <a:effectRef idx="3">
+            <a:schemeClr val="dk1"/>
+          </a:effectRef>
+          <a:fontRef idx="minor">
+            <a:schemeClr val="lt1"/>
+          </a:fontRef>
+        </p:style>
+        <p:txBody>
+          <a:bodyPr vert="eaVert" rtlCol="0" anchor="ctr"/>
+          <a:lstStyle/>
+          <a:p>
+            <a:pPr algn="ctr"/>
+            <a:r>
+              <a:rPr lang="ja-JP" altLang="en-US" sz="2400">
+                <a:effectLst>
+                  <a:innerShdw blurRad="63500" dist="50800" dir="13500000">
+                    <a:prstClr val="black">
+                      <a:alpha val="50000"/>
+                    </a:prstClr>
+                  </a:innerShdw>
+                </a:effectLst>
+                <a:latin typeface="Hiragino Maru Gothic Pro W4" panose="020F0400000000000000" pitchFamily="34" charset="-128"/>
+                <a:ea typeface="Hiragino Maru Gothic Pro W4" panose="020F0400000000000000" pitchFamily="34" charset="-128"/>
+              </a:rPr>
+              <a:t>リーグ期間</a:t>
+            </a:r>
+            <a:endParaRPr lang="en-US" altLang="ja-JP" sz="2400" dirty="0">
+              <a:effectLst>
+                <a:innerShdw blurRad="63500" dist="50800" dir="13500000">
+                  <a:prstClr val="black">
+                    <a:alpha val="50000"/>
+                  </a:prstClr>
+                </a:innerShdw>
+              </a:effectLst>
+              <a:latin typeface="Hiragino Maru Gothic Pro W4" panose="020F0400000000000000" pitchFamily="34" charset="-128"/>
+              <a:ea typeface="Hiragino Maru Gothic Pro W4" panose="020F0400000000000000" pitchFamily="34" charset="-128"/>
+            </a:endParaRPr>
+          </a:p>
+        </p:txBody>
+      </p:sp>
+    </p:spTree>
+    <p:extLst>
+      <p:ext uri="{BB962C8B-B14F-4D97-AF65-F5344CB8AC3E}">
+        <p14:creationId xmlns:p14="http://schemas.microsoft.com/office/powerpoint/2010/main" val="2561644835"/>
+      </p:ext>
+    </p:extLst>
+  </p:cSld>
+  <p:clrMapOvr>
+    <a:masterClrMapping/>
+  </p:clrMapOvr>
+  <mc:AlternateContent xmlns:mc="http://schemas.openxmlformats.org/markup-compatibility/2006" xmlns:p14="http://schemas.microsoft.com/office/powerpoint/2010/main">
+    <mc:Choice Requires="p14">
+      <p:transition spd="med" p14:dur="700">
+        <p:fade/>
+      </p:transition>
+    </mc:Choice>
+    <mc:Fallback xmlns="">
+      <p:transition spd="med">
+        <p:fade/>
+      </p:transition>
+    </mc:Fallback>
+  </mc:AlternateContent>
+</p:sld>
+</file>
+
+<file path=ppt/slides/slide23.xml><?xml version="1.0" encoding="utf-8"?>
+<p:sld xmlns:a="http://schemas.openxmlformats.org/drawingml/2006/main" xmlns:r="http://schemas.openxmlformats.org/officeDocument/2006/relationships" xmlns:p="http://schemas.openxmlformats.org/presentationml/2006/main">
+  <p:cSld>
+    <p:spTree>
+      <p:nvGrpSpPr>
+        <p:cNvPr id="1" name=""/>
+        <p:cNvGrpSpPr/>
+        <p:nvPr/>
+      </p:nvGrpSpPr>
+      <p:grpSpPr>
+        <a:xfrm>
+          <a:off x="0" y="0"/>
+          <a:ext cx="0" cy="0"/>
+          <a:chOff x="0" y="0"/>
+          <a:chExt cx="0" cy="0"/>
+        </a:xfrm>
+      </p:grpSpPr>
+      <p:sp>
+        <p:nvSpPr>
+          <p:cNvPr id="2" name="タイトル 1">
+            <a:extLst>
+              <a:ext uri="{FF2B5EF4-FFF2-40B4-BE49-F238E27FC236}">
+                <a16:creationId xmlns:a16="http://schemas.microsoft.com/office/drawing/2014/main" id="{4BEF2D4F-28AD-C84D-A4AC-A607D5B45D24}"/>
+              </a:ext>
+            </a:extLst>
+          </p:cNvPr>
+          <p:cNvSpPr>
+            <a:spLocks noGrp="1"/>
+          </p:cNvSpPr>
+          <p:nvPr>
+            <p:ph type="title"/>
+          </p:nvPr>
+        </p:nvSpPr>
+        <p:spPr/>
+        <p:txBody>
+          <a:bodyPr/>
+          <a:lstStyle/>
+          <a:p>
+            <a:r>
+              <a:rPr lang="en-US" altLang="ja-JP" dirty="0">
+                <a:solidFill>
+                  <a:schemeClr val="accent5">
+                    <a:lumMod val="50000"/>
+                  </a:schemeClr>
+                </a:solidFill>
+                <a:latin typeface="Hiragino Maru Gothic Pro W4" panose="020F0400000000000000" pitchFamily="34" charset="-128"/>
+                <a:ea typeface="Hiragino Maru Gothic Pro W4" panose="020F0400000000000000" pitchFamily="34" charset="-128"/>
+              </a:rPr>
+              <a:t>①JWC</a:t>
+            </a:r>
+            <a:r>
+              <a:rPr lang="ja-JP" altLang="en-US">
+                <a:solidFill>
+                  <a:schemeClr val="accent5">
+                    <a:lumMod val="50000"/>
+                  </a:schemeClr>
+                </a:solidFill>
+                <a:latin typeface="Hiragino Maru Gothic Pro W4" panose="020F0400000000000000" pitchFamily="34" charset="-128"/>
+                <a:ea typeface="Hiragino Maru Gothic Pro W4" panose="020F0400000000000000" pitchFamily="34" charset="-128"/>
+              </a:rPr>
+              <a:t>オフシーズン</a:t>
+            </a:r>
+            <a:r>
+              <a:rPr lang="en-US" altLang="ja-JP" dirty="0">
+                <a:solidFill>
+                  <a:schemeClr val="accent5">
+                    <a:lumMod val="50000"/>
+                  </a:schemeClr>
+                </a:solidFill>
+                <a:latin typeface="Hiragino Maru Gothic Pro W4" panose="020F0400000000000000" pitchFamily="34" charset="-128"/>
+                <a:ea typeface="Hiragino Maru Gothic Pro W4" panose="020F0400000000000000" pitchFamily="34" charset="-128"/>
+              </a:rPr>
+              <a:t>×</a:t>
+            </a:r>
+            <a:r>
+              <a:rPr lang="ja-JP" altLang="en-US">
+                <a:solidFill>
+                  <a:schemeClr val="accent5">
+                    <a:lumMod val="50000"/>
+                  </a:schemeClr>
+                </a:solidFill>
+                <a:latin typeface="Hiragino Maru Gothic Pro W4" panose="020F0400000000000000" pitchFamily="34" charset="-128"/>
+                <a:ea typeface="Hiragino Maru Gothic Pro W4" panose="020F0400000000000000" pitchFamily="34" charset="-128"/>
+              </a:rPr>
+              <a:t>野良戦期間</a:t>
+            </a:r>
+            <a:endParaRPr kumimoji="1" lang="ja-JP" altLang="en-US">
+              <a:solidFill>
+                <a:schemeClr val="accent5">
+                  <a:lumMod val="50000"/>
+                </a:schemeClr>
+              </a:solidFill>
+              <a:latin typeface="Hiragino Maru Gothic Pro W4" panose="020F0400000000000000" pitchFamily="34" charset="-128"/>
+              <a:ea typeface="Hiragino Maru Gothic Pro W4" panose="020F0400000000000000" pitchFamily="34" charset="-128"/>
+            </a:endParaRPr>
+          </a:p>
+        </p:txBody>
+      </p:sp>
+      <p:sp>
+        <p:nvSpPr>
+          <p:cNvPr id="3" name="コンテンツ プレースホルダー 2">
+            <a:extLst>
+              <a:ext uri="{FF2B5EF4-FFF2-40B4-BE49-F238E27FC236}">
+                <a16:creationId xmlns:a16="http://schemas.microsoft.com/office/drawing/2014/main" id="{01E773B8-156E-4743-8E4A-3ED5FB7CC4E2}"/>
+              </a:ext>
+            </a:extLst>
+          </p:cNvPr>
+          <p:cNvSpPr>
+            <a:spLocks noGrp="1"/>
+          </p:cNvSpPr>
+          <p:nvPr>
+            <p:ph idx="1"/>
+          </p:nvPr>
+        </p:nvSpPr>
+        <p:spPr>
+          <a:xfrm>
+            <a:off x="838200" y="1588575"/>
+            <a:ext cx="10515600" cy="4588387"/>
+          </a:xfrm>
+        </p:spPr>
+        <p:txBody>
+          <a:bodyPr>
+            <a:normAutofit/>
+          </a:bodyPr>
+          <a:lstStyle/>
+          <a:p>
+            <a:pPr marL="388620" indent="-342900"/>
+            <a:r>
+              <a:rPr lang="ja-JP" altLang="en-US" sz="2400">
+                <a:solidFill>
+                  <a:srgbClr val="FF0000"/>
+                </a:solidFill>
+                <a:latin typeface="Hiragino Maru Gothic Pro W4" panose="020F0400000000000000" pitchFamily="34" charset="-128"/>
+                <a:ea typeface="Hiragino Maru Gothic Pro W4" panose="020F0400000000000000" pitchFamily="34" charset="-128"/>
+              </a:rPr>
+              <a:t>両クランとも自立できているので協力体制は不要</a:t>
+            </a:r>
+            <a:r>
+              <a:rPr lang="en-US" altLang="ja-JP" sz="2000" dirty="0">
+                <a:solidFill>
+                  <a:srgbClr val="FF0000"/>
+                </a:solidFill>
+                <a:latin typeface="Hiragino Maru Gothic Pro W4" panose="020F0400000000000000" pitchFamily="34" charset="-128"/>
+                <a:ea typeface="Hiragino Maru Gothic Pro W4" panose="020F0400000000000000" pitchFamily="34" charset="-128"/>
+              </a:rPr>
+              <a:t>(</a:t>
+            </a:r>
+            <a:r>
+              <a:rPr lang="ja-JP" altLang="en-US" sz="2000">
+                <a:solidFill>
+                  <a:srgbClr val="FF0000"/>
+                </a:solidFill>
+                <a:latin typeface="Hiragino Maru Gothic Pro W4" panose="020F0400000000000000" pitchFamily="34" charset="-128"/>
+                <a:ea typeface="Hiragino Maru Gothic Pro W4" panose="020F0400000000000000" pitchFamily="34" charset="-128"/>
+              </a:rPr>
+              <a:t>なはず</a:t>
+            </a:r>
+            <a:r>
+              <a:rPr lang="en-US" altLang="ja-JP" sz="2000" dirty="0">
+                <a:solidFill>
+                  <a:srgbClr val="FF0000"/>
+                </a:solidFill>
+                <a:latin typeface="Hiragino Maru Gothic Pro W4" panose="020F0400000000000000" pitchFamily="34" charset="-128"/>
+                <a:ea typeface="Hiragino Maru Gothic Pro W4" panose="020F0400000000000000" pitchFamily="34" charset="-128"/>
+              </a:rPr>
+              <a:t>)</a:t>
+            </a:r>
+          </a:p>
+          <a:p>
+            <a:pPr marL="388620" indent="-342900"/>
+            <a:r>
+              <a:rPr lang="en-US" altLang="ja-JP" sz="2000" dirty="0">
+                <a:solidFill>
+                  <a:schemeClr val="accent5">
+                    <a:lumMod val="50000"/>
+                  </a:schemeClr>
+                </a:solidFill>
+                <a:latin typeface="Hiragino Maru Gothic Pro W4" panose="020F0400000000000000" pitchFamily="34" charset="-128"/>
+                <a:ea typeface="Hiragino Maru Gothic Pro W4" panose="020F0400000000000000" pitchFamily="34" charset="-128"/>
+              </a:rPr>
+              <a:t>(</a:t>
+            </a:r>
+            <a:r>
+              <a:rPr lang="ja-JP" altLang="en-US" sz="2000">
+                <a:solidFill>
+                  <a:schemeClr val="accent5">
+                    <a:lumMod val="50000"/>
+                  </a:schemeClr>
+                </a:solidFill>
+                <a:latin typeface="Hiragino Maru Gothic Pro W4" panose="020F0400000000000000" pitchFamily="34" charset="-128"/>
+                <a:ea typeface="Hiragino Maru Gothic Pro W4" panose="020F0400000000000000" pitchFamily="34" charset="-128"/>
+              </a:rPr>
+              <a:t>東方メンバーではあるが</a:t>
+            </a:r>
+            <a:r>
+              <a:rPr lang="en-US" altLang="ja-JP" sz="2000" dirty="0">
+                <a:solidFill>
+                  <a:schemeClr val="accent5">
+                    <a:lumMod val="50000"/>
+                  </a:schemeClr>
+                </a:solidFill>
+                <a:latin typeface="Hiragino Maru Gothic Pro W4" panose="020F0400000000000000" pitchFamily="34" charset="-128"/>
+                <a:ea typeface="Hiragino Maru Gothic Pro W4" panose="020F0400000000000000" pitchFamily="34" charset="-128"/>
+              </a:rPr>
+              <a:t>)</a:t>
+            </a:r>
+            <a:r>
+              <a:rPr lang="ja-JP" altLang="en-US" sz="2400">
+                <a:solidFill>
+                  <a:schemeClr val="accent5">
+                    <a:lumMod val="50000"/>
+                  </a:schemeClr>
+                </a:solidFill>
+                <a:latin typeface="Hiragino Maru Gothic Pro W4" panose="020F0400000000000000" pitchFamily="34" charset="-128"/>
+                <a:ea typeface="Hiragino Maru Gothic Pro W4" panose="020F0400000000000000" pitchFamily="34" charset="-128"/>
+              </a:rPr>
+              <a:t>まほらまで活動してくれていた</a:t>
+            </a:r>
+            <a:br>
+              <a:rPr lang="en-US" altLang="ja-JP" sz="2400" dirty="0">
+                <a:solidFill>
+                  <a:schemeClr val="accent5">
+                    <a:lumMod val="50000"/>
+                  </a:schemeClr>
+                </a:solidFill>
+                <a:latin typeface="Hiragino Maru Gothic Pro W4" panose="020F0400000000000000" pitchFamily="34" charset="-128"/>
+                <a:ea typeface="Hiragino Maru Gothic Pro W4" panose="020F0400000000000000" pitchFamily="34" charset="-128"/>
+              </a:rPr>
+            </a:br>
+            <a:r>
+              <a:rPr lang="ja-JP" altLang="en-US" sz="2400">
+                <a:solidFill>
+                  <a:schemeClr val="accent5">
+                    <a:lumMod val="50000"/>
+                  </a:schemeClr>
+                </a:solidFill>
+                <a:latin typeface="Hiragino Maru Gothic Pro W4" panose="020F0400000000000000" pitchFamily="34" charset="-128"/>
+                <a:ea typeface="Hiragino Maru Gothic Pro W4" panose="020F0400000000000000" pitchFamily="34" charset="-128"/>
+              </a:rPr>
+              <a:t>魔王様・くい助さん・黒桜さんに関しては、今まで通り</a:t>
+            </a:r>
+            <a:br>
+              <a:rPr lang="en-US" altLang="ja-JP" sz="2400" dirty="0">
+                <a:solidFill>
+                  <a:schemeClr val="accent5">
+                    <a:lumMod val="50000"/>
+                  </a:schemeClr>
+                </a:solidFill>
+                <a:latin typeface="Hiragino Maru Gothic Pro W4" panose="020F0400000000000000" pitchFamily="34" charset="-128"/>
+                <a:ea typeface="Hiragino Maru Gothic Pro W4" panose="020F0400000000000000" pitchFamily="34" charset="-128"/>
+              </a:rPr>
+            </a:br>
+            <a:r>
+              <a:rPr lang="ja-JP" altLang="en-US" sz="2400">
+                <a:solidFill>
+                  <a:schemeClr val="accent5">
+                    <a:lumMod val="50000"/>
+                  </a:schemeClr>
+                </a:solidFill>
+                <a:latin typeface="Hiragino Maru Gothic Pro W4" panose="020F0400000000000000" pitchFamily="34" charset="-128"/>
+                <a:ea typeface="Hiragino Maru Gothic Pro W4" panose="020F0400000000000000" pitchFamily="34" charset="-128"/>
+              </a:rPr>
+              <a:t>まほらまにて活動いただく</a:t>
+            </a:r>
+            <a:endParaRPr lang="en-US" altLang="ja-JP" sz="2400" dirty="0">
+              <a:solidFill>
+                <a:schemeClr val="accent5">
+                  <a:lumMod val="50000"/>
+                </a:schemeClr>
+              </a:solidFill>
+              <a:latin typeface="Hiragino Maru Gothic Pro W4" panose="020F0400000000000000" pitchFamily="34" charset="-128"/>
+              <a:ea typeface="Hiragino Maru Gothic Pro W4" panose="020F0400000000000000" pitchFamily="34" charset="-128"/>
+            </a:endParaRPr>
+          </a:p>
+          <a:p>
+            <a:pPr marL="388620" indent="-342900"/>
+            <a:r>
+              <a:rPr lang="en-US" altLang="ja-JP" sz="2400" dirty="0">
+                <a:solidFill>
+                  <a:schemeClr val="accent5">
+                    <a:lumMod val="50000"/>
+                  </a:schemeClr>
+                </a:solidFill>
+                <a:latin typeface="Hiragino Maru Gothic Pro W4" panose="020F0400000000000000" pitchFamily="34" charset="-128"/>
+                <a:ea typeface="Hiragino Maru Gothic Pro W4" panose="020F0400000000000000" pitchFamily="34" charset="-128"/>
+              </a:rPr>
+              <a:t>121</a:t>
+            </a:r>
+            <a:r>
+              <a:rPr lang="ja-JP" altLang="en-US" sz="2400">
+                <a:solidFill>
+                  <a:schemeClr val="accent5">
+                    <a:lumMod val="50000"/>
+                  </a:schemeClr>
+                </a:solidFill>
+                <a:latin typeface="Hiragino Maru Gothic Pro W4" panose="020F0400000000000000" pitchFamily="34" charset="-128"/>
+                <a:ea typeface="Hiragino Maru Gothic Pro W4" panose="020F0400000000000000" pitchFamily="34" charset="-128"/>
+              </a:rPr>
+              <a:t>さんに関しては要相談とする</a:t>
+            </a:r>
+            <a:endParaRPr lang="en-US" altLang="ja-JP" sz="2000" dirty="0">
+              <a:solidFill>
+                <a:schemeClr val="accent5">
+                  <a:lumMod val="50000"/>
+                </a:schemeClr>
+              </a:solidFill>
+              <a:latin typeface="Hiragino Maru Gothic Pro W4" panose="020F0400000000000000" pitchFamily="34" charset="-128"/>
+              <a:ea typeface="Hiragino Maru Gothic Pro W4" panose="020F0400000000000000" pitchFamily="34" charset="-128"/>
+            </a:endParaRPr>
+          </a:p>
+          <a:p>
+            <a:pPr marL="388620" indent="-342900"/>
+            <a:endParaRPr lang="en-US" altLang="ja-JP" sz="2400" dirty="0">
+              <a:solidFill>
+                <a:schemeClr val="accent5">
+                  <a:lumMod val="50000"/>
+                </a:schemeClr>
+              </a:solidFill>
+              <a:latin typeface="Hiragino Maru Gothic Pro W4" panose="020F0400000000000000" pitchFamily="34" charset="-128"/>
+              <a:ea typeface="Hiragino Maru Gothic Pro W4" panose="020F0400000000000000" pitchFamily="34" charset="-128"/>
+            </a:endParaRPr>
+          </a:p>
+        </p:txBody>
+      </p:sp>
+      <p:sp>
+        <p:nvSpPr>
+          <p:cNvPr id="4" name="スライド番号プレースホルダー 3">
+            <a:extLst>
+              <a:ext uri="{FF2B5EF4-FFF2-40B4-BE49-F238E27FC236}">
+                <a16:creationId xmlns:a16="http://schemas.microsoft.com/office/drawing/2014/main" id="{34C04C8D-49C3-874E-864D-A6289CA1E427}"/>
+              </a:ext>
+            </a:extLst>
+          </p:cNvPr>
+          <p:cNvSpPr>
+            <a:spLocks noGrp="1"/>
+          </p:cNvSpPr>
+          <p:nvPr>
+            <p:ph type="sldNum" sz="quarter" idx="12"/>
+          </p:nvPr>
+        </p:nvSpPr>
+        <p:spPr/>
+        <p:txBody>
+          <a:bodyPr/>
+          <a:lstStyle/>
+          <a:p>
+            <a:pPr rtl="0"/>
+            <a:fld id="{E31375A4-56A4-47D6-9801-1991572033F7}" type="slidenum">
+              <a:rPr lang="en-US" altLang="ja-JP" noProof="0" smtClean="0">
+                <a:solidFill>
+                  <a:srgbClr val="002060"/>
+                </a:solidFill>
+                <a:latin typeface="Hiragino Maru Gothic Pro W4" panose="020F0400000000000000" pitchFamily="34" charset="-128"/>
+                <a:ea typeface="Hiragino Maru Gothic Pro W4" panose="020F0400000000000000" pitchFamily="34" charset="-128"/>
+              </a:rPr>
+              <a:t>23</a:t>
+            </a:fld>
+            <a:endParaRPr lang="ja-JP" altLang="en-US" noProof="0" dirty="0">
+              <a:solidFill>
+                <a:srgbClr val="002060"/>
+              </a:solidFill>
+              <a:latin typeface="Hiragino Maru Gothic Pro W4" panose="020F0400000000000000" pitchFamily="34" charset="-128"/>
+              <a:ea typeface="Hiragino Maru Gothic Pro W4" panose="020F0400000000000000" pitchFamily="34" charset="-128"/>
+            </a:endParaRPr>
+          </a:p>
+        </p:txBody>
+      </p:sp>
+    </p:spTree>
+    <p:extLst>
+      <p:ext uri="{BB962C8B-B14F-4D97-AF65-F5344CB8AC3E}">
+        <p14:creationId xmlns:p14="http://schemas.microsoft.com/office/powerpoint/2010/main" val="3764517135"/>
+      </p:ext>
+    </p:extLst>
+  </p:cSld>
+  <p:clrMapOvr>
+    <a:masterClrMapping/>
+  </p:clrMapOvr>
+  <mc:AlternateContent xmlns:mc="http://schemas.openxmlformats.org/markup-compatibility/2006" xmlns:p14="http://schemas.microsoft.com/office/powerpoint/2010/main">
+    <mc:Choice Requires="p14">
+      <p:transition spd="med" p14:dur="700">
+        <p:fade/>
+      </p:transition>
+    </mc:Choice>
+    <mc:Fallback xmlns="">
+      <p:transition spd="med">
+        <p:fade/>
+      </p:transition>
+    </mc:Fallback>
+  </mc:AlternateContent>
+</p:sld>
+</file>
+
+<file path=ppt/slides/slide24.xml><?xml version="1.0" encoding="utf-8"?>
+<p:sld xmlns:a="http://schemas.openxmlformats.org/drawingml/2006/main" xmlns:r="http://schemas.openxmlformats.org/officeDocument/2006/relationships" xmlns:p="http://schemas.openxmlformats.org/presentationml/2006/main">
+  <p:cSld>
+    <p:spTree>
+      <p:nvGrpSpPr>
+        <p:cNvPr id="1" name=""/>
+        <p:cNvGrpSpPr/>
+        <p:nvPr/>
+      </p:nvGrpSpPr>
+      <p:grpSpPr>
+        <a:xfrm>
+          <a:off x="0" y="0"/>
+          <a:ext cx="0" cy="0"/>
+          <a:chOff x="0" y="0"/>
+          <a:chExt cx="0" cy="0"/>
+        </a:xfrm>
+      </p:grpSpPr>
+      <p:sp>
+        <p:nvSpPr>
+          <p:cNvPr id="2" name="タイトル 1">
+            <a:extLst>
+              <a:ext uri="{FF2B5EF4-FFF2-40B4-BE49-F238E27FC236}">
+                <a16:creationId xmlns:a16="http://schemas.microsoft.com/office/drawing/2014/main" id="{4BEF2D4F-28AD-C84D-A4AC-A607D5B45D24}"/>
+              </a:ext>
+            </a:extLst>
+          </p:cNvPr>
+          <p:cNvSpPr>
+            <a:spLocks noGrp="1"/>
+          </p:cNvSpPr>
+          <p:nvPr>
+            <p:ph type="title"/>
+          </p:nvPr>
+        </p:nvSpPr>
+        <p:spPr/>
+        <p:txBody>
+          <a:bodyPr/>
+          <a:lstStyle/>
+          <a:p>
+            <a:r>
+              <a:rPr lang="en-US" altLang="ja-JP" dirty="0">
+                <a:solidFill>
+                  <a:schemeClr val="accent5">
+                    <a:lumMod val="50000"/>
+                  </a:schemeClr>
+                </a:solidFill>
+                <a:latin typeface="Hiragino Maru Gothic Pro W4" panose="020F0400000000000000" pitchFamily="34" charset="-128"/>
+                <a:ea typeface="Hiragino Maru Gothic Pro W4" panose="020F0400000000000000" pitchFamily="34" charset="-128"/>
+              </a:rPr>
+              <a:t>②JWC</a:t>
+            </a:r>
+            <a:r>
+              <a:rPr lang="ja-JP" altLang="en-US">
+                <a:solidFill>
+                  <a:schemeClr val="accent5">
+                    <a:lumMod val="50000"/>
+                  </a:schemeClr>
+                </a:solidFill>
+                <a:latin typeface="Hiragino Maru Gothic Pro W4" panose="020F0400000000000000" pitchFamily="34" charset="-128"/>
+                <a:ea typeface="Hiragino Maru Gothic Pro W4" panose="020F0400000000000000" pitchFamily="34" charset="-128"/>
+              </a:rPr>
+              <a:t>オフシーズン</a:t>
+            </a:r>
+            <a:r>
+              <a:rPr lang="en-US" altLang="ja-JP" dirty="0">
+                <a:solidFill>
+                  <a:schemeClr val="accent5">
+                    <a:lumMod val="50000"/>
+                  </a:schemeClr>
+                </a:solidFill>
+                <a:latin typeface="Hiragino Maru Gothic Pro W4" panose="020F0400000000000000" pitchFamily="34" charset="-128"/>
+                <a:ea typeface="Hiragino Maru Gothic Pro W4" panose="020F0400000000000000" pitchFamily="34" charset="-128"/>
+              </a:rPr>
+              <a:t>×</a:t>
+            </a:r>
+            <a:r>
+              <a:rPr lang="ja-JP" altLang="en-US">
+                <a:solidFill>
+                  <a:schemeClr val="accent5">
+                    <a:lumMod val="50000"/>
+                  </a:schemeClr>
+                </a:solidFill>
+                <a:latin typeface="Hiragino Maru Gothic Pro W4" panose="020F0400000000000000" pitchFamily="34" charset="-128"/>
+                <a:ea typeface="Hiragino Maru Gothic Pro W4" panose="020F0400000000000000" pitchFamily="34" charset="-128"/>
+              </a:rPr>
+              <a:t>リーグ期間</a:t>
+            </a:r>
+            <a:endParaRPr kumimoji="1" lang="ja-JP" altLang="en-US">
+              <a:solidFill>
+                <a:schemeClr val="accent5">
+                  <a:lumMod val="50000"/>
+                </a:schemeClr>
+              </a:solidFill>
+              <a:latin typeface="Hiragino Maru Gothic Pro W4" panose="020F0400000000000000" pitchFamily="34" charset="-128"/>
+              <a:ea typeface="Hiragino Maru Gothic Pro W4" panose="020F0400000000000000" pitchFamily="34" charset="-128"/>
+            </a:endParaRPr>
+          </a:p>
+        </p:txBody>
+      </p:sp>
+      <p:sp>
+        <p:nvSpPr>
+          <p:cNvPr id="3" name="コンテンツ プレースホルダー 2">
+            <a:extLst>
+              <a:ext uri="{FF2B5EF4-FFF2-40B4-BE49-F238E27FC236}">
+                <a16:creationId xmlns:a16="http://schemas.microsoft.com/office/drawing/2014/main" id="{01E773B8-156E-4743-8E4A-3ED5FB7CC4E2}"/>
+              </a:ext>
+            </a:extLst>
+          </p:cNvPr>
+          <p:cNvSpPr>
+            <a:spLocks noGrp="1"/>
+          </p:cNvSpPr>
+          <p:nvPr>
+            <p:ph idx="1"/>
+          </p:nvPr>
+        </p:nvSpPr>
+        <p:spPr>
+          <a:xfrm>
+            <a:off x="838200" y="1588575"/>
+            <a:ext cx="10515600" cy="4588387"/>
+          </a:xfrm>
+        </p:spPr>
+        <p:txBody>
+          <a:bodyPr>
+            <a:normAutofit/>
+          </a:bodyPr>
+          <a:lstStyle/>
+          <a:p>
+            <a:pPr marL="388620" indent="-342900"/>
+            <a:r>
+              <a:rPr lang="ja-JP" altLang="en-US" sz="2400">
+                <a:solidFill>
+                  <a:srgbClr val="FF0000"/>
+                </a:solidFill>
+                <a:latin typeface="Hiragino Maru Gothic Pro W4" panose="020F0400000000000000" pitchFamily="34" charset="-128"/>
+                <a:ea typeface="Hiragino Maru Gothic Pro W4" panose="020F0400000000000000" pitchFamily="34" charset="-128"/>
+              </a:rPr>
+              <a:t>まほらまは東方をサポートする</a:t>
+            </a:r>
+            <a:endParaRPr lang="en-US" altLang="ja-JP" sz="2000" dirty="0">
+              <a:solidFill>
+                <a:srgbClr val="FF0000"/>
+              </a:solidFill>
+              <a:latin typeface="Hiragino Maru Gothic Pro W4" panose="020F0400000000000000" pitchFamily="34" charset="-128"/>
+              <a:ea typeface="Hiragino Maru Gothic Pro W4" panose="020F0400000000000000" pitchFamily="34" charset="-128"/>
+            </a:endParaRPr>
+          </a:p>
+          <a:p>
+            <a:pPr marL="388620" indent="-342900"/>
+            <a:r>
+              <a:rPr lang="ja-JP" altLang="en-US" sz="2400">
+                <a:solidFill>
+                  <a:schemeClr val="accent5">
+                    <a:lumMod val="50000"/>
+                  </a:schemeClr>
+                </a:solidFill>
+                <a:latin typeface="Hiragino Maru Gothic Pro W4" panose="020F0400000000000000" pitchFamily="34" charset="-128"/>
+                <a:ea typeface="Hiragino Maru Gothic Pro W4" panose="020F0400000000000000" pitchFamily="34" charset="-128"/>
+              </a:rPr>
+              <a:t>チャンピオンリーグで戦っている東方は、</a:t>
+            </a:r>
+            <a:br>
+              <a:rPr lang="en-US" altLang="ja-JP" sz="2400" dirty="0">
+                <a:solidFill>
+                  <a:schemeClr val="accent5">
+                    <a:lumMod val="50000"/>
+                  </a:schemeClr>
+                </a:solidFill>
+                <a:latin typeface="Hiragino Maru Gothic Pro W4" panose="020F0400000000000000" pitchFamily="34" charset="-128"/>
+                <a:ea typeface="Hiragino Maru Gothic Pro W4" panose="020F0400000000000000" pitchFamily="34" charset="-128"/>
+              </a:rPr>
+            </a:br>
+            <a:r>
+              <a:rPr lang="ja-JP" altLang="en-US" sz="2400">
+                <a:solidFill>
+                  <a:schemeClr val="accent5">
+                    <a:lumMod val="50000"/>
+                  </a:schemeClr>
+                </a:solidFill>
+                <a:latin typeface="Hiragino Maru Gothic Pro W4" panose="020F0400000000000000" pitchFamily="34" charset="-128"/>
+                <a:ea typeface="Hiragino Maru Gothic Pro W4" panose="020F0400000000000000" pitchFamily="34" charset="-128"/>
+              </a:rPr>
+              <a:t>最高タウンホール帯のガチメンバーが不足している。</a:t>
+            </a:r>
+            <a:br>
+              <a:rPr lang="en-US" altLang="ja-JP" sz="2400" dirty="0">
+                <a:solidFill>
+                  <a:schemeClr val="accent5">
+                    <a:lumMod val="50000"/>
+                  </a:schemeClr>
+                </a:solidFill>
+                <a:latin typeface="Hiragino Maru Gothic Pro W4" panose="020F0400000000000000" pitchFamily="34" charset="-128"/>
+                <a:ea typeface="Hiragino Maru Gothic Pro W4" panose="020F0400000000000000" pitchFamily="34" charset="-128"/>
+              </a:rPr>
+            </a:br>
+            <a:r>
+              <a:rPr lang="ja-JP" altLang="en-US" sz="2400">
+                <a:solidFill>
+                  <a:schemeClr val="accent5">
+                    <a:lumMod val="50000"/>
+                  </a:schemeClr>
+                </a:solidFill>
+                <a:latin typeface="Hiragino Maru Gothic Pro W4" panose="020F0400000000000000" pitchFamily="34" charset="-128"/>
+                <a:ea typeface="Hiragino Maru Gothic Pro W4" panose="020F0400000000000000" pitchFamily="34" charset="-128"/>
+              </a:rPr>
+              <a:t>不足分をまほらまで募りリーグ期間中、東方に応援にいく</a:t>
+            </a:r>
+            <a:br>
+              <a:rPr lang="en-US" altLang="ja-JP" sz="2400" dirty="0">
+                <a:solidFill>
+                  <a:schemeClr val="accent5">
+                    <a:lumMod val="50000"/>
+                  </a:schemeClr>
+                </a:solidFill>
+                <a:latin typeface="Hiragino Maru Gothic Pro W4" panose="020F0400000000000000" pitchFamily="34" charset="-128"/>
+                <a:ea typeface="Hiragino Maru Gothic Pro W4" panose="020F0400000000000000" pitchFamily="34" charset="-128"/>
+              </a:rPr>
+            </a:br>
+            <a:r>
+              <a:rPr lang="en-US" altLang="ja-JP" sz="2000" dirty="0">
+                <a:solidFill>
+                  <a:schemeClr val="accent5">
+                    <a:lumMod val="50000"/>
+                  </a:schemeClr>
+                </a:solidFill>
+                <a:latin typeface="Hiragino Maru Gothic Pro W4" panose="020F0400000000000000" pitchFamily="34" charset="-128"/>
+                <a:ea typeface="Hiragino Maru Gothic Pro W4" panose="020F0400000000000000" pitchFamily="34" charset="-128"/>
+              </a:rPr>
+              <a:t>(</a:t>
+            </a:r>
+            <a:r>
+              <a:rPr lang="ja-JP" altLang="en-US" sz="2000">
+                <a:solidFill>
+                  <a:schemeClr val="accent5">
+                    <a:lumMod val="50000"/>
+                  </a:schemeClr>
+                </a:solidFill>
+                <a:latin typeface="Hiragino Maru Gothic Pro W4" panose="020F0400000000000000" pitchFamily="34" charset="-128"/>
+                <a:ea typeface="Hiragino Maru Gothic Pro W4" panose="020F0400000000000000" pitchFamily="34" charset="-128"/>
+              </a:rPr>
+              <a:t>メンバーはそのときによる。ハンターさんやふるさんやロッタさんや</a:t>
+            </a:r>
+            <a:r>
+              <a:rPr lang="en-US" altLang="ja-JP" sz="2000" dirty="0" err="1">
+                <a:solidFill>
+                  <a:schemeClr val="accent5">
+                    <a:lumMod val="50000"/>
+                  </a:schemeClr>
+                </a:solidFill>
+                <a:latin typeface="Hiragino Maru Gothic Pro W4" panose="020F0400000000000000" pitchFamily="34" charset="-128"/>
+                <a:ea typeface="Hiragino Maru Gothic Pro W4" panose="020F0400000000000000" pitchFamily="34" charset="-128"/>
+              </a:rPr>
+              <a:t>bigtree</a:t>
+            </a:r>
+            <a:r>
+              <a:rPr lang="ja-JP" altLang="en-US" sz="2000">
+                <a:solidFill>
+                  <a:schemeClr val="accent5">
+                    <a:lumMod val="50000"/>
+                  </a:schemeClr>
+                </a:solidFill>
+                <a:latin typeface="Hiragino Maru Gothic Pro W4" panose="020F0400000000000000" pitchFamily="34" charset="-128"/>
+                <a:ea typeface="Hiragino Maru Gothic Pro W4" panose="020F0400000000000000" pitchFamily="34" charset="-128"/>
+              </a:rPr>
+              <a:t>等</a:t>
+            </a:r>
+            <a:r>
+              <a:rPr lang="en-US" altLang="ja-JP" sz="2000" dirty="0">
+                <a:solidFill>
+                  <a:schemeClr val="accent5">
+                    <a:lumMod val="50000"/>
+                  </a:schemeClr>
+                </a:solidFill>
+                <a:latin typeface="Hiragino Maru Gothic Pro W4" panose="020F0400000000000000" pitchFamily="34" charset="-128"/>
+                <a:ea typeface="Hiragino Maru Gothic Pro W4" panose="020F0400000000000000" pitchFamily="34" charset="-128"/>
+              </a:rPr>
+              <a:t>)</a:t>
+            </a:r>
+          </a:p>
+          <a:p>
+            <a:pPr marL="388620" indent="-342900"/>
+            <a:r>
+              <a:rPr lang="ja-JP" altLang="en-US" sz="2400">
+                <a:solidFill>
+                  <a:schemeClr val="accent5">
+                    <a:lumMod val="50000"/>
+                  </a:schemeClr>
+                </a:solidFill>
+                <a:latin typeface="Hiragino Maru Gothic Pro W4" panose="020F0400000000000000" pitchFamily="34" charset="-128"/>
+                <a:ea typeface="Hiragino Maru Gothic Pro W4" panose="020F0400000000000000" pitchFamily="34" charset="-128"/>
+              </a:rPr>
+              <a:t>逆に東方メンバーでリーグに出れない方の受け入れをまほらまで</a:t>
+            </a:r>
+            <a:br>
+              <a:rPr lang="en-US" altLang="ja-JP" sz="2400" dirty="0">
+                <a:solidFill>
+                  <a:schemeClr val="accent5">
+                    <a:lumMod val="50000"/>
+                  </a:schemeClr>
+                </a:solidFill>
+                <a:latin typeface="Hiragino Maru Gothic Pro W4" panose="020F0400000000000000" pitchFamily="34" charset="-128"/>
+                <a:ea typeface="Hiragino Maru Gothic Pro W4" panose="020F0400000000000000" pitchFamily="34" charset="-128"/>
+              </a:rPr>
+            </a:br>
+            <a:r>
+              <a:rPr lang="ja-JP" altLang="en-US" sz="2400">
+                <a:solidFill>
+                  <a:schemeClr val="accent5">
+                    <a:lumMod val="50000"/>
+                  </a:schemeClr>
+                </a:solidFill>
+                <a:latin typeface="Hiragino Maru Gothic Pro W4" panose="020F0400000000000000" pitchFamily="34" charset="-128"/>
+                <a:ea typeface="Hiragino Maru Gothic Pro W4" panose="020F0400000000000000" pitchFamily="34" charset="-128"/>
+              </a:rPr>
+              <a:t>実施するのも良い</a:t>
+            </a:r>
+            <a:r>
+              <a:rPr lang="en-US" altLang="ja-JP" sz="2000" dirty="0">
+                <a:solidFill>
+                  <a:schemeClr val="accent5">
+                    <a:lumMod val="50000"/>
+                  </a:schemeClr>
+                </a:solidFill>
+                <a:latin typeface="Hiragino Maru Gothic Pro W4" panose="020F0400000000000000" pitchFamily="34" charset="-128"/>
+                <a:ea typeface="Hiragino Maru Gothic Pro W4" panose="020F0400000000000000" pitchFamily="34" charset="-128"/>
+              </a:rPr>
+              <a:t> (</a:t>
+            </a:r>
+            <a:r>
+              <a:rPr lang="ja-JP" altLang="en-US" sz="2000">
+                <a:solidFill>
+                  <a:schemeClr val="accent5">
+                    <a:lumMod val="50000"/>
+                  </a:schemeClr>
+                </a:solidFill>
+                <a:latin typeface="Hiragino Maru Gothic Pro W4" panose="020F0400000000000000" pitchFamily="34" charset="-128"/>
+                <a:ea typeface="Hiragino Maru Gothic Pro W4" panose="020F0400000000000000" pitchFamily="34" charset="-128"/>
+              </a:rPr>
+              <a:t>ただしメダル目当て星８交代制を受け入れてくれる方に限る</a:t>
+            </a:r>
+            <a:r>
+              <a:rPr lang="en-US" altLang="ja-JP" sz="2000" dirty="0">
+                <a:solidFill>
+                  <a:schemeClr val="accent5">
+                    <a:lumMod val="50000"/>
+                  </a:schemeClr>
+                </a:solidFill>
+                <a:latin typeface="Hiragino Maru Gothic Pro W4" panose="020F0400000000000000" pitchFamily="34" charset="-128"/>
+                <a:ea typeface="Hiragino Maru Gothic Pro W4" panose="020F0400000000000000" pitchFamily="34" charset="-128"/>
+              </a:rPr>
+              <a:t>)</a:t>
+            </a:r>
+          </a:p>
+          <a:p>
+            <a:pPr marL="388620" indent="-342900"/>
+            <a:endParaRPr lang="en-US" altLang="ja-JP" sz="2400" dirty="0">
+              <a:solidFill>
+                <a:schemeClr val="accent5">
+                  <a:lumMod val="50000"/>
+                </a:schemeClr>
+              </a:solidFill>
+              <a:latin typeface="Hiragino Maru Gothic Pro W4" panose="020F0400000000000000" pitchFamily="34" charset="-128"/>
+              <a:ea typeface="Hiragino Maru Gothic Pro W4" panose="020F0400000000000000" pitchFamily="34" charset="-128"/>
+            </a:endParaRPr>
+          </a:p>
+        </p:txBody>
+      </p:sp>
+      <p:sp>
+        <p:nvSpPr>
+          <p:cNvPr id="4" name="スライド番号プレースホルダー 3">
+            <a:extLst>
+              <a:ext uri="{FF2B5EF4-FFF2-40B4-BE49-F238E27FC236}">
+                <a16:creationId xmlns:a16="http://schemas.microsoft.com/office/drawing/2014/main" id="{34C04C8D-49C3-874E-864D-A6289CA1E427}"/>
+              </a:ext>
+            </a:extLst>
+          </p:cNvPr>
+          <p:cNvSpPr>
+            <a:spLocks noGrp="1"/>
+          </p:cNvSpPr>
+          <p:nvPr>
+            <p:ph type="sldNum" sz="quarter" idx="12"/>
+          </p:nvPr>
+        </p:nvSpPr>
+        <p:spPr/>
+        <p:txBody>
+          <a:bodyPr/>
+          <a:lstStyle/>
+          <a:p>
+            <a:pPr rtl="0"/>
+            <a:fld id="{E31375A4-56A4-47D6-9801-1991572033F7}" type="slidenum">
+              <a:rPr lang="en-US" altLang="ja-JP" noProof="0" smtClean="0">
+                <a:solidFill>
+                  <a:srgbClr val="002060"/>
+                </a:solidFill>
+                <a:latin typeface="Hiragino Maru Gothic Pro W4" panose="020F0400000000000000" pitchFamily="34" charset="-128"/>
+                <a:ea typeface="Hiragino Maru Gothic Pro W4" panose="020F0400000000000000" pitchFamily="34" charset="-128"/>
+              </a:rPr>
+              <a:t>24</a:t>
+            </a:fld>
+            <a:endParaRPr lang="ja-JP" altLang="en-US" noProof="0" dirty="0">
+              <a:solidFill>
+                <a:srgbClr val="002060"/>
+              </a:solidFill>
+              <a:latin typeface="Hiragino Maru Gothic Pro W4" panose="020F0400000000000000" pitchFamily="34" charset="-128"/>
+              <a:ea typeface="Hiragino Maru Gothic Pro W4" panose="020F0400000000000000" pitchFamily="34" charset="-128"/>
+            </a:endParaRPr>
+          </a:p>
+        </p:txBody>
+      </p:sp>
+    </p:spTree>
+    <p:extLst>
+      <p:ext uri="{BB962C8B-B14F-4D97-AF65-F5344CB8AC3E}">
+        <p14:creationId xmlns:p14="http://schemas.microsoft.com/office/powerpoint/2010/main" val="2037858084"/>
+      </p:ext>
+    </p:extLst>
+  </p:cSld>
+  <p:clrMapOvr>
+    <a:masterClrMapping/>
+  </p:clrMapOvr>
+  <mc:AlternateContent xmlns:mc="http://schemas.openxmlformats.org/markup-compatibility/2006" xmlns:p14="http://schemas.microsoft.com/office/powerpoint/2010/main">
+    <mc:Choice Requires="p14">
+      <p:transition spd="med" p14:dur="700">
+        <p:fade/>
+      </p:transition>
+    </mc:Choice>
+    <mc:Fallback xmlns="">
+      <p:transition spd="med">
+        <p:fade/>
+      </p:transition>
+    </mc:Fallback>
+  </mc:AlternateContent>
+</p:sld>
+</file>
+
+<file path=ppt/slides/slide25.xml><?xml version="1.0" encoding="utf-8"?>
+<p:sld xmlns:a="http://schemas.openxmlformats.org/drawingml/2006/main" xmlns:r="http://schemas.openxmlformats.org/officeDocument/2006/relationships" xmlns:p="http://schemas.openxmlformats.org/presentationml/2006/main">
+  <p:cSld>
+    <p:spTree>
+      <p:nvGrpSpPr>
+        <p:cNvPr id="1" name=""/>
+        <p:cNvGrpSpPr/>
+        <p:nvPr/>
+      </p:nvGrpSpPr>
+      <p:grpSpPr>
+        <a:xfrm>
+          <a:off x="0" y="0"/>
+          <a:ext cx="0" cy="0"/>
+          <a:chOff x="0" y="0"/>
+          <a:chExt cx="0" cy="0"/>
+        </a:xfrm>
+      </p:grpSpPr>
+      <p:sp>
+        <p:nvSpPr>
+          <p:cNvPr id="2" name="タイトル 1">
+            <a:extLst>
+              <a:ext uri="{FF2B5EF4-FFF2-40B4-BE49-F238E27FC236}">
+                <a16:creationId xmlns:a16="http://schemas.microsoft.com/office/drawing/2014/main" id="{4BEF2D4F-28AD-C84D-A4AC-A607D5B45D24}"/>
+              </a:ext>
+            </a:extLst>
+          </p:cNvPr>
+          <p:cNvSpPr>
+            <a:spLocks noGrp="1"/>
+          </p:cNvSpPr>
+          <p:nvPr>
+            <p:ph type="title"/>
+          </p:nvPr>
+        </p:nvSpPr>
+        <p:spPr/>
+        <p:txBody>
+          <a:bodyPr/>
+          <a:lstStyle/>
+          <a:p>
+            <a:r>
+              <a:rPr lang="en-US" altLang="ja-JP" dirty="0">
+                <a:solidFill>
+                  <a:schemeClr val="accent5">
+                    <a:lumMod val="50000"/>
+                  </a:schemeClr>
+                </a:solidFill>
+                <a:latin typeface="Hiragino Maru Gothic Pro W4" panose="020F0400000000000000" pitchFamily="34" charset="-128"/>
+                <a:ea typeface="Hiragino Maru Gothic Pro W4" panose="020F0400000000000000" pitchFamily="34" charset="-128"/>
+              </a:rPr>
+              <a:t>③JWC</a:t>
+            </a:r>
+            <a:r>
+              <a:rPr lang="ja-JP" altLang="en-US">
+                <a:solidFill>
+                  <a:schemeClr val="accent5">
+                    <a:lumMod val="50000"/>
+                  </a:schemeClr>
+                </a:solidFill>
+                <a:latin typeface="Hiragino Maru Gothic Pro W4" panose="020F0400000000000000" pitchFamily="34" charset="-128"/>
+                <a:ea typeface="Hiragino Maru Gothic Pro W4" panose="020F0400000000000000" pitchFamily="34" charset="-128"/>
+              </a:rPr>
+              <a:t>オンシーズン</a:t>
+            </a:r>
+            <a:r>
+              <a:rPr lang="en-US" altLang="ja-JP" dirty="0">
+                <a:solidFill>
+                  <a:schemeClr val="accent5">
+                    <a:lumMod val="50000"/>
+                  </a:schemeClr>
+                </a:solidFill>
+                <a:latin typeface="Hiragino Maru Gothic Pro W4" panose="020F0400000000000000" pitchFamily="34" charset="-128"/>
+                <a:ea typeface="Hiragino Maru Gothic Pro W4" panose="020F0400000000000000" pitchFamily="34" charset="-128"/>
+              </a:rPr>
+              <a:t>×</a:t>
+            </a:r>
+            <a:r>
+              <a:rPr lang="ja-JP" altLang="en-US">
+                <a:solidFill>
+                  <a:schemeClr val="accent5">
+                    <a:lumMod val="50000"/>
+                  </a:schemeClr>
+                </a:solidFill>
+                <a:latin typeface="Hiragino Maru Gothic Pro W4" panose="020F0400000000000000" pitchFamily="34" charset="-128"/>
+                <a:ea typeface="Hiragino Maru Gothic Pro W4" panose="020F0400000000000000" pitchFamily="34" charset="-128"/>
+              </a:rPr>
+              <a:t>野良戦期間</a:t>
+            </a:r>
+            <a:endParaRPr kumimoji="1" lang="ja-JP" altLang="en-US">
+              <a:solidFill>
+                <a:schemeClr val="accent5">
+                  <a:lumMod val="50000"/>
+                </a:schemeClr>
+              </a:solidFill>
+              <a:latin typeface="Hiragino Maru Gothic Pro W4" panose="020F0400000000000000" pitchFamily="34" charset="-128"/>
+              <a:ea typeface="Hiragino Maru Gothic Pro W4" panose="020F0400000000000000" pitchFamily="34" charset="-128"/>
+            </a:endParaRPr>
+          </a:p>
+        </p:txBody>
+      </p:sp>
+      <p:sp>
+        <p:nvSpPr>
+          <p:cNvPr id="3" name="コンテンツ プレースホルダー 2">
+            <a:extLst>
+              <a:ext uri="{FF2B5EF4-FFF2-40B4-BE49-F238E27FC236}">
+                <a16:creationId xmlns:a16="http://schemas.microsoft.com/office/drawing/2014/main" id="{01E773B8-156E-4743-8E4A-3ED5FB7CC4E2}"/>
+              </a:ext>
+            </a:extLst>
+          </p:cNvPr>
+          <p:cNvSpPr>
+            <a:spLocks noGrp="1"/>
+          </p:cNvSpPr>
+          <p:nvPr>
+            <p:ph idx="1"/>
+          </p:nvPr>
+        </p:nvSpPr>
+        <p:spPr>
+          <a:xfrm>
+            <a:off x="838200" y="1588575"/>
+            <a:ext cx="10515600" cy="4588387"/>
+          </a:xfrm>
+        </p:spPr>
+        <p:txBody>
+          <a:bodyPr>
+            <a:normAutofit/>
+          </a:bodyPr>
+          <a:lstStyle/>
+          <a:p>
+            <a:pPr marL="388620" indent="-342900"/>
+            <a:r>
+              <a:rPr lang="ja-JP" altLang="en-US" sz="2400">
+                <a:solidFill>
+                  <a:srgbClr val="FF0000"/>
+                </a:solidFill>
+                <a:latin typeface="Hiragino Maru Gothic Pro W4" panose="020F0400000000000000" pitchFamily="34" charset="-128"/>
+                <a:ea typeface="Hiragino Maru Gothic Pro W4" panose="020F0400000000000000" pitchFamily="34" charset="-128"/>
+              </a:rPr>
+              <a:t>東方はまほらまをサポートする</a:t>
+            </a:r>
+            <a:endParaRPr lang="en-US" altLang="ja-JP" sz="2400" dirty="0">
+              <a:solidFill>
+                <a:srgbClr val="FF0000"/>
+              </a:solidFill>
+              <a:latin typeface="Hiragino Maru Gothic Pro W4" panose="020F0400000000000000" pitchFamily="34" charset="-128"/>
+              <a:ea typeface="Hiragino Maru Gothic Pro W4" panose="020F0400000000000000" pitchFamily="34" charset="-128"/>
+            </a:endParaRPr>
+          </a:p>
+          <a:p>
+            <a:pPr marL="388620" indent="-342900"/>
+            <a:r>
+              <a:rPr lang="ja-JP" altLang="en-US" sz="2400">
+                <a:solidFill>
+                  <a:srgbClr val="FF0000"/>
+                </a:solidFill>
+                <a:latin typeface="Hiragino Maru Gothic Pro W4" panose="020F0400000000000000" pitchFamily="34" charset="-128"/>
+                <a:ea typeface="Hiragino Maru Gothic Pro W4" panose="020F0400000000000000" pitchFamily="34" charset="-128"/>
+              </a:rPr>
+              <a:t>東方の</a:t>
+            </a:r>
+            <a:r>
+              <a:rPr lang="en-US" altLang="ja-JP" sz="2400" dirty="0">
+                <a:solidFill>
+                  <a:srgbClr val="FF0000"/>
+                </a:solidFill>
+                <a:latin typeface="Hiragino Maru Gothic Pro W4" panose="020F0400000000000000" pitchFamily="34" charset="-128"/>
+                <a:ea typeface="Hiragino Maru Gothic Pro W4" panose="020F0400000000000000" pitchFamily="34" charset="-128"/>
+              </a:rPr>
+              <a:t>JWC</a:t>
+            </a:r>
+            <a:r>
+              <a:rPr lang="ja-JP" altLang="en-US" sz="2400">
+                <a:solidFill>
+                  <a:srgbClr val="FF0000"/>
+                </a:solidFill>
+                <a:latin typeface="Hiragino Maru Gothic Pro W4" panose="020F0400000000000000" pitchFamily="34" charset="-128"/>
+                <a:ea typeface="Hiragino Maru Gothic Pro W4" panose="020F0400000000000000" pitchFamily="34" charset="-128"/>
+              </a:rPr>
+              <a:t>参戦者は、期間中、まほらまで活動していただく</a:t>
+            </a:r>
+            <a:br>
+              <a:rPr lang="en-US" altLang="ja-JP" sz="2400" dirty="0">
+                <a:solidFill>
+                  <a:srgbClr val="FF0000"/>
+                </a:solidFill>
+                <a:latin typeface="Hiragino Maru Gothic Pro W4" panose="020F0400000000000000" pitchFamily="34" charset="-128"/>
+                <a:ea typeface="Hiragino Maru Gothic Pro W4" panose="020F0400000000000000" pitchFamily="34" charset="-128"/>
+              </a:rPr>
+            </a:br>
+            <a:r>
+              <a:rPr lang="en-US" altLang="ja-JP" sz="2000" dirty="0">
+                <a:solidFill>
+                  <a:srgbClr val="FF0000"/>
+                </a:solidFill>
+                <a:latin typeface="Hiragino Maru Gothic Pro W4" panose="020F0400000000000000" pitchFamily="34" charset="-128"/>
+                <a:ea typeface="Hiragino Maru Gothic Pro W4" panose="020F0400000000000000" pitchFamily="34" charset="-128"/>
+              </a:rPr>
+              <a:t>(JWC</a:t>
+            </a:r>
+            <a:r>
+              <a:rPr lang="ja-JP" altLang="en-US" sz="2000">
+                <a:solidFill>
+                  <a:srgbClr val="FF0000"/>
+                </a:solidFill>
+                <a:latin typeface="Hiragino Maru Gothic Pro W4" panose="020F0400000000000000" pitchFamily="34" charset="-128"/>
+                <a:ea typeface="Hiragino Maru Gothic Pro W4" panose="020F0400000000000000" pitchFamily="34" charset="-128"/>
+              </a:rPr>
+              <a:t>ルール上、まほらまでの活動実績が必要になるので</a:t>
+            </a:r>
+            <a:r>
+              <a:rPr lang="en-US" altLang="ja-JP" sz="2000" dirty="0">
+                <a:solidFill>
+                  <a:srgbClr val="FF0000"/>
+                </a:solidFill>
+                <a:latin typeface="Hiragino Maru Gothic Pro W4" panose="020F0400000000000000" pitchFamily="34" charset="-128"/>
+                <a:ea typeface="Hiragino Maru Gothic Pro W4" panose="020F0400000000000000" pitchFamily="34" charset="-128"/>
+              </a:rPr>
+              <a:t>)</a:t>
+            </a:r>
+          </a:p>
+          <a:p>
+            <a:pPr marL="388620" indent="-342900"/>
+            <a:r>
+              <a:rPr lang="ja-JP" altLang="en-US" sz="2400">
+                <a:solidFill>
+                  <a:schemeClr val="accent5">
+                    <a:lumMod val="50000"/>
+                  </a:schemeClr>
+                </a:solidFill>
+                <a:latin typeface="Hiragino Maru Gothic Pro W4" panose="020F0400000000000000" pitchFamily="34" charset="-128"/>
+                <a:ea typeface="Hiragino Maru Gothic Pro W4" panose="020F0400000000000000" pitchFamily="34" charset="-128"/>
+              </a:rPr>
+              <a:t>ただし、東方リーダーのひこにゃんさんに関しては、</a:t>
+            </a:r>
+            <a:br>
+              <a:rPr lang="en-US" altLang="ja-JP" sz="2400" dirty="0">
+                <a:solidFill>
+                  <a:schemeClr val="accent5">
+                    <a:lumMod val="50000"/>
+                  </a:schemeClr>
+                </a:solidFill>
+                <a:latin typeface="Hiragino Maru Gothic Pro W4" panose="020F0400000000000000" pitchFamily="34" charset="-128"/>
+                <a:ea typeface="Hiragino Maru Gothic Pro W4" panose="020F0400000000000000" pitchFamily="34" charset="-128"/>
+              </a:rPr>
+            </a:br>
+            <a:r>
+              <a:rPr lang="ja-JP" altLang="en-US" sz="2400">
+                <a:solidFill>
+                  <a:schemeClr val="accent5">
+                    <a:lumMod val="50000"/>
+                  </a:schemeClr>
+                </a:solidFill>
+                <a:latin typeface="Hiragino Maru Gothic Pro W4" panose="020F0400000000000000" pitchFamily="34" charset="-128"/>
+                <a:ea typeface="Hiragino Maru Gothic Pro W4" panose="020F0400000000000000" pitchFamily="34" charset="-128"/>
+              </a:rPr>
+              <a:t>クラン運営の関係で</a:t>
+            </a:r>
+            <a:r>
+              <a:rPr lang="en-US" altLang="ja-JP" sz="2400" dirty="0">
+                <a:solidFill>
+                  <a:schemeClr val="accent5">
+                    <a:lumMod val="50000"/>
+                  </a:schemeClr>
+                </a:solidFill>
+                <a:latin typeface="Hiragino Maru Gothic Pro W4" panose="020F0400000000000000" pitchFamily="34" charset="-128"/>
+                <a:ea typeface="Hiragino Maru Gothic Pro W4" panose="020F0400000000000000" pitchFamily="34" charset="-128"/>
+              </a:rPr>
+              <a:t>JWC</a:t>
+            </a:r>
+            <a:r>
+              <a:rPr lang="ja-JP" altLang="en-US" sz="2400">
+                <a:solidFill>
+                  <a:schemeClr val="accent5">
+                    <a:lumMod val="50000"/>
+                  </a:schemeClr>
+                </a:solidFill>
+                <a:latin typeface="Hiragino Maru Gothic Pro W4" panose="020F0400000000000000" pitchFamily="34" charset="-128"/>
+                <a:ea typeface="Hiragino Maru Gothic Pro W4" panose="020F0400000000000000" pitchFamily="34" charset="-128"/>
+              </a:rPr>
+              <a:t>戦以外は東方で活動する。</a:t>
+            </a:r>
+            <a:br>
+              <a:rPr lang="en-US" altLang="ja-JP" sz="2400" dirty="0">
+                <a:solidFill>
+                  <a:schemeClr val="accent5">
+                    <a:lumMod val="50000"/>
+                  </a:schemeClr>
+                </a:solidFill>
+                <a:latin typeface="Hiragino Maru Gothic Pro W4" panose="020F0400000000000000" pitchFamily="34" charset="-128"/>
+                <a:ea typeface="Hiragino Maru Gothic Pro W4" panose="020F0400000000000000" pitchFamily="34" charset="-128"/>
+              </a:rPr>
+            </a:br>
+            <a:r>
+              <a:rPr lang="en-US" altLang="ja-JP" sz="2000" dirty="0">
+                <a:solidFill>
+                  <a:schemeClr val="accent5">
+                    <a:lumMod val="50000"/>
+                  </a:schemeClr>
+                </a:solidFill>
+                <a:latin typeface="Hiragino Maru Gothic Pro W4" panose="020F0400000000000000" pitchFamily="34" charset="-128"/>
+                <a:ea typeface="Hiragino Maru Gothic Pro W4" panose="020F0400000000000000" pitchFamily="34" charset="-128"/>
+              </a:rPr>
+              <a:t>(</a:t>
+            </a:r>
+            <a:r>
+              <a:rPr lang="ja-JP" altLang="en-US" sz="2000">
+                <a:solidFill>
+                  <a:schemeClr val="accent5">
+                    <a:lumMod val="50000"/>
+                  </a:schemeClr>
+                </a:solidFill>
+                <a:latin typeface="Hiragino Maru Gothic Pro W4" panose="020F0400000000000000" pitchFamily="34" charset="-128"/>
+                <a:ea typeface="Hiragino Maru Gothic Pro W4" panose="020F0400000000000000" pitchFamily="34" charset="-128"/>
+              </a:rPr>
+              <a:t>もし、東方</a:t>
+            </a:r>
+            <a:r>
+              <a:rPr lang="en-US" altLang="ja-JP" sz="2000" dirty="0">
+                <a:solidFill>
+                  <a:schemeClr val="accent5">
+                    <a:lumMod val="50000"/>
+                  </a:schemeClr>
+                </a:solidFill>
+                <a:latin typeface="Hiragino Maru Gothic Pro W4" panose="020F0400000000000000" pitchFamily="34" charset="-128"/>
+                <a:ea typeface="Hiragino Maru Gothic Pro W4" panose="020F0400000000000000" pitchFamily="34" charset="-128"/>
+              </a:rPr>
+              <a:t>(15)</a:t>
+            </a:r>
+            <a:r>
+              <a:rPr lang="ja-JP" altLang="en-US" sz="2000">
+                <a:solidFill>
+                  <a:schemeClr val="accent5">
+                    <a:lumMod val="50000"/>
+                  </a:schemeClr>
+                </a:solidFill>
+                <a:latin typeface="Hiragino Maru Gothic Pro W4" panose="020F0400000000000000" pitchFamily="34" charset="-128"/>
+                <a:ea typeface="Hiragino Maru Gothic Pro W4" panose="020F0400000000000000" pitchFamily="34" charset="-128"/>
+              </a:rPr>
+              <a:t>のゆうフラさんが参戦してくれる場合もこれに該当</a:t>
+            </a:r>
+            <a:r>
+              <a:rPr lang="en-US" altLang="ja-JP" sz="2000" dirty="0">
+                <a:solidFill>
+                  <a:schemeClr val="accent5">
+                    <a:lumMod val="50000"/>
+                  </a:schemeClr>
+                </a:solidFill>
+                <a:latin typeface="Hiragino Maru Gothic Pro W4" panose="020F0400000000000000" pitchFamily="34" charset="-128"/>
+                <a:ea typeface="Hiragino Maru Gothic Pro W4" panose="020F0400000000000000" pitchFamily="34" charset="-128"/>
+              </a:rPr>
+              <a:t>)</a:t>
+            </a:r>
+          </a:p>
+          <a:p>
+            <a:pPr marL="388620" indent="-342900"/>
+            <a:r>
+              <a:rPr lang="ja-JP" altLang="en-US" sz="2400">
+                <a:solidFill>
+                  <a:schemeClr val="accent5">
+                    <a:lumMod val="50000"/>
+                  </a:schemeClr>
+                </a:solidFill>
+                <a:latin typeface="Hiragino Maru Gothic Pro W4" panose="020F0400000000000000" pitchFamily="34" charset="-128"/>
+                <a:ea typeface="Hiragino Maru Gothic Pro W4" panose="020F0400000000000000" pitchFamily="34" charset="-128"/>
+              </a:rPr>
+              <a:t>ひこにゃんさんと相談事項：</a:t>
+            </a:r>
+            <a:br>
+              <a:rPr lang="en-US" altLang="ja-JP" sz="2400" dirty="0">
+                <a:solidFill>
+                  <a:schemeClr val="accent5">
+                    <a:lumMod val="50000"/>
+                  </a:schemeClr>
+                </a:solidFill>
+                <a:latin typeface="Hiragino Maru Gothic Pro W4" panose="020F0400000000000000" pitchFamily="34" charset="-128"/>
+                <a:ea typeface="Hiragino Maru Gothic Pro W4" panose="020F0400000000000000" pitchFamily="34" charset="-128"/>
+              </a:rPr>
+            </a:br>
+            <a:r>
+              <a:rPr lang="ja-JP" altLang="en-US" sz="2400">
+                <a:solidFill>
+                  <a:schemeClr val="accent5">
+                    <a:lumMod val="50000"/>
+                  </a:schemeClr>
+                </a:solidFill>
+                <a:latin typeface="Hiragino Maru Gothic Pro W4" panose="020F0400000000000000" pitchFamily="34" charset="-128"/>
+                <a:ea typeface="Hiragino Maru Gothic Pro W4" panose="020F0400000000000000" pitchFamily="34" charset="-128"/>
+              </a:rPr>
+              <a:t>だいさん、ころ助さん、トビダシさんに</a:t>
+            </a:r>
+            <a:r>
+              <a:rPr lang="en-US" altLang="ja-JP" sz="2400" dirty="0">
+                <a:solidFill>
+                  <a:schemeClr val="accent5">
+                    <a:lumMod val="50000"/>
+                  </a:schemeClr>
+                </a:solidFill>
+                <a:latin typeface="Hiragino Maru Gothic Pro W4" panose="020F0400000000000000" pitchFamily="34" charset="-128"/>
+                <a:ea typeface="Hiragino Maru Gothic Pro W4" panose="020F0400000000000000" pitchFamily="34" charset="-128"/>
+              </a:rPr>
+              <a:t>JWC</a:t>
+            </a:r>
+            <a:r>
+              <a:rPr lang="ja-JP" altLang="en-US" sz="2400">
+                <a:solidFill>
+                  <a:schemeClr val="accent5">
+                    <a:lumMod val="50000"/>
+                  </a:schemeClr>
+                </a:solidFill>
+                <a:latin typeface="Hiragino Maru Gothic Pro W4" panose="020F0400000000000000" pitchFamily="34" charset="-128"/>
+                <a:ea typeface="Hiragino Maru Gothic Pro W4" panose="020F0400000000000000" pitchFamily="34" charset="-128"/>
+              </a:rPr>
+              <a:t>参戦いただく場合・・・</a:t>
+            </a:r>
+            <a:endParaRPr lang="en-US" altLang="ja-JP" sz="2400" dirty="0">
+              <a:solidFill>
+                <a:schemeClr val="accent5">
+                  <a:lumMod val="50000"/>
+                </a:schemeClr>
+              </a:solidFill>
+              <a:latin typeface="Hiragino Maru Gothic Pro W4" panose="020F0400000000000000" pitchFamily="34" charset="-128"/>
+              <a:ea typeface="Hiragino Maru Gothic Pro W4" panose="020F0400000000000000" pitchFamily="34" charset="-128"/>
+            </a:endParaRPr>
+          </a:p>
+        </p:txBody>
+      </p:sp>
+      <p:sp>
+        <p:nvSpPr>
+          <p:cNvPr id="4" name="スライド番号プレースホルダー 3">
+            <a:extLst>
+              <a:ext uri="{FF2B5EF4-FFF2-40B4-BE49-F238E27FC236}">
+                <a16:creationId xmlns:a16="http://schemas.microsoft.com/office/drawing/2014/main" id="{34C04C8D-49C3-874E-864D-A6289CA1E427}"/>
+              </a:ext>
+            </a:extLst>
+          </p:cNvPr>
+          <p:cNvSpPr>
+            <a:spLocks noGrp="1"/>
+          </p:cNvSpPr>
+          <p:nvPr>
+            <p:ph type="sldNum" sz="quarter" idx="12"/>
+          </p:nvPr>
+        </p:nvSpPr>
+        <p:spPr/>
+        <p:txBody>
+          <a:bodyPr/>
+          <a:lstStyle/>
+          <a:p>
+            <a:pPr rtl="0"/>
+            <a:fld id="{E31375A4-56A4-47D6-9801-1991572033F7}" type="slidenum">
+              <a:rPr lang="en-US" altLang="ja-JP" noProof="0" smtClean="0">
+                <a:solidFill>
+                  <a:srgbClr val="002060"/>
+                </a:solidFill>
+                <a:latin typeface="Hiragino Maru Gothic Pro W4" panose="020F0400000000000000" pitchFamily="34" charset="-128"/>
+                <a:ea typeface="Hiragino Maru Gothic Pro W4" panose="020F0400000000000000" pitchFamily="34" charset="-128"/>
+              </a:rPr>
+              <a:t>25</a:t>
+            </a:fld>
+            <a:endParaRPr lang="ja-JP" altLang="en-US" noProof="0" dirty="0">
+              <a:solidFill>
+                <a:srgbClr val="002060"/>
+              </a:solidFill>
+              <a:latin typeface="Hiragino Maru Gothic Pro W4" panose="020F0400000000000000" pitchFamily="34" charset="-128"/>
+              <a:ea typeface="Hiragino Maru Gothic Pro W4" panose="020F0400000000000000" pitchFamily="34" charset="-128"/>
+            </a:endParaRPr>
+          </a:p>
+        </p:txBody>
+      </p:sp>
+    </p:spTree>
+    <p:extLst>
+      <p:ext uri="{BB962C8B-B14F-4D97-AF65-F5344CB8AC3E}">
+        <p14:creationId xmlns:p14="http://schemas.microsoft.com/office/powerpoint/2010/main" val="2367141155"/>
+      </p:ext>
+    </p:extLst>
+  </p:cSld>
+  <p:clrMapOvr>
+    <a:masterClrMapping/>
+  </p:clrMapOvr>
+  <mc:AlternateContent xmlns:mc="http://schemas.openxmlformats.org/markup-compatibility/2006" xmlns:p14="http://schemas.microsoft.com/office/powerpoint/2010/main">
+    <mc:Choice Requires="p14">
+      <p:transition spd="med" p14:dur="700">
+        <p:fade/>
+      </p:transition>
+    </mc:Choice>
+    <mc:Fallback xmlns="">
+      <p:transition spd="med">
+        <p:fade/>
+      </p:transition>
+    </mc:Fallback>
+  </mc:AlternateContent>
+</p:sld>
+</file>
+
+<file path=ppt/slides/slide26.xml><?xml version="1.0" encoding="utf-8"?>
+<p:sld xmlns:a="http://schemas.openxmlformats.org/drawingml/2006/main" xmlns:r="http://schemas.openxmlformats.org/officeDocument/2006/relationships" xmlns:p="http://schemas.openxmlformats.org/presentationml/2006/main">
+  <p:cSld>
+    <p:spTree>
+      <p:nvGrpSpPr>
+        <p:cNvPr id="1" name=""/>
+        <p:cNvGrpSpPr/>
+        <p:nvPr/>
+      </p:nvGrpSpPr>
+      <p:grpSpPr>
+        <a:xfrm>
+          <a:off x="0" y="0"/>
+          <a:ext cx="0" cy="0"/>
+          <a:chOff x="0" y="0"/>
+          <a:chExt cx="0" cy="0"/>
+        </a:xfrm>
+      </p:grpSpPr>
+      <p:sp>
+        <p:nvSpPr>
+          <p:cNvPr id="2" name="タイトル 1">
+            <a:extLst>
+              <a:ext uri="{FF2B5EF4-FFF2-40B4-BE49-F238E27FC236}">
+                <a16:creationId xmlns:a16="http://schemas.microsoft.com/office/drawing/2014/main" id="{4BEF2D4F-28AD-C84D-A4AC-A607D5B45D24}"/>
+              </a:ext>
+            </a:extLst>
+          </p:cNvPr>
+          <p:cNvSpPr>
+            <a:spLocks noGrp="1"/>
+          </p:cNvSpPr>
+          <p:nvPr>
+            <p:ph type="title"/>
+          </p:nvPr>
+        </p:nvSpPr>
+        <p:spPr/>
+        <p:txBody>
+          <a:bodyPr/>
+          <a:lstStyle/>
+          <a:p>
+            <a:r>
+              <a:rPr lang="en-US" altLang="ja-JP" dirty="0">
+                <a:solidFill>
+                  <a:schemeClr val="accent5">
+                    <a:lumMod val="50000"/>
+                  </a:schemeClr>
+                </a:solidFill>
+                <a:latin typeface="Hiragino Maru Gothic Pro W4" panose="020F0400000000000000" pitchFamily="34" charset="-128"/>
+                <a:ea typeface="Hiragino Maru Gothic Pro W4" panose="020F0400000000000000" pitchFamily="34" charset="-128"/>
+              </a:rPr>
+              <a:t>④JWC</a:t>
+            </a:r>
+            <a:r>
+              <a:rPr lang="ja-JP" altLang="en-US">
+                <a:solidFill>
+                  <a:schemeClr val="accent5">
+                    <a:lumMod val="50000"/>
+                  </a:schemeClr>
+                </a:solidFill>
+                <a:latin typeface="Hiragino Maru Gothic Pro W4" panose="020F0400000000000000" pitchFamily="34" charset="-128"/>
+                <a:ea typeface="Hiragino Maru Gothic Pro W4" panose="020F0400000000000000" pitchFamily="34" charset="-128"/>
+              </a:rPr>
+              <a:t>オンシーズン</a:t>
+            </a:r>
+            <a:r>
+              <a:rPr lang="en-US" altLang="ja-JP" dirty="0">
+                <a:solidFill>
+                  <a:schemeClr val="accent5">
+                    <a:lumMod val="50000"/>
+                  </a:schemeClr>
+                </a:solidFill>
+                <a:latin typeface="Hiragino Maru Gothic Pro W4" panose="020F0400000000000000" pitchFamily="34" charset="-128"/>
+                <a:ea typeface="Hiragino Maru Gothic Pro W4" panose="020F0400000000000000" pitchFamily="34" charset="-128"/>
+              </a:rPr>
+              <a:t>×</a:t>
+            </a:r>
+            <a:r>
+              <a:rPr lang="ja-JP" altLang="en-US">
+                <a:solidFill>
+                  <a:schemeClr val="accent5">
+                    <a:lumMod val="50000"/>
+                  </a:schemeClr>
+                </a:solidFill>
+                <a:latin typeface="Hiragino Maru Gothic Pro W4" panose="020F0400000000000000" pitchFamily="34" charset="-128"/>
+                <a:ea typeface="Hiragino Maru Gothic Pro W4" panose="020F0400000000000000" pitchFamily="34" charset="-128"/>
+              </a:rPr>
+              <a:t>リーグ期間</a:t>
+            </a:r>
+            <a:endParaRPr kumimoji="1" lang="ja-JP" altLang="en-US">
+              <a:solidFill>
+                <a:schemeClr val="accent5">
+                  <a:lumMod val="50000"/>
+                </a:schemeClr>
+              </a:solidFill>
+              <a:latin typeface="Hiragino Maru Gothic Pro W4" panose="020F0400000000000000" pitchFamily="34" charset="-128"/>
+              <a:ea typeface="Hiragino Maru Gothic Pro W4" panose="020F0400000000000000" pitchFamily="34" charset="-128"/>
+            </a:endParaRPr>
+          </a:p>
+        </p:txBody>
+      </p:sp>
+      <p:sp>
+        <p:nvSpPr>
+          <p:cNvPr id="3" name="コンテンツ プレースホルダー 2">
+            <a:extLst>
+              <a:ext uri="{FF2B5EF4-FFF2-40B4-BE49-F238E27FC236}">
+                <a16:creationId xmlns:a16="http://schemas.microsoft.com/office/drawing/2014/main" id="{01E773B8-156E-4743-8E4A-3ED5FB7CC4E2}"/>
+              </a:ext>
+            </a:extLst>
+          </p:cNvPr>
+          <p:cNvSpPr>
+            <a:spLocks noGrp="1"/>
+          </p:cNvSpPr>
+          <p:nvPr>
+            <p:ph idx="1"/>
+          </p:nvPr>
+        </p:nvSpPr>
+        <p:spPr>
+          <a:xfrm>
+            <a:off x="838200" y="1588575"/>
+            <a:ext cx="10515600" cy="4588387"/>
+          </a:xfrm>
+        </p:spPr>
+        <p:txBody>
+          <a:bodyPr>
+            <a:normAutofit/>
+          </a:bodyPr>
+          <a:lstStyle/>
+          <a:p>
+            <a:pPr marL="388620" indent="-342900"/>
+            <a:r>
+              <a:rPr lang="ja-JP" altLang="en-US" sz="2400">
+                <a:solidFill>
+                  <a:srgbClr val="FF0000"/>
+                </a:solidFill>
+                <a:latin typeface="Hiragino Maru Gothic Pro W4" panose="020F0400000000000000" pitchFamily="34" charset="-128"/>
+                <a:ea typeface="Hiragino Maru Gothic Pro W4" panose="020F0400000000000000" pitchFamily="34" charset="-128"/>
+              </a:rPr>
+              <a:t>まほらまは東方をサポートする</a:t>
+            </a:r>
+            <a:endParaRPr lang="en-US" altLang="ja-JP" sz="2000" dirty="0">
+              <a:solidFill>
+                <a:srgbClr val="FF0000"/>
+              </a:solidFill>
+              <a:latin typeface="Hiragino Maru Gothic Pro W4" panose="020F0400000000000000" pitchFamily="34" charset="-128"/>
+              <a:ea typeface="Hiragino Maru Gothic Pro W4" panose="020F0400000000000000" pitchFamily="34" charset="-128"/>
+            </a:endParaRPr>
+          </a:p>
+          <a:p>
+            <a:pPr marL="388620" indent="-342900"/>
+            <a:r>
+              <a:rPr lang="ja-JP" altLang="en-US" sz="2400">
+                <a:solidFill>
+                  <a:schemeClr val="accent5">
+                    <a:lumMod val="50000"/>
+                  </a:schemeClr>
+                </a:solidFill>
+                <a:latin typeface="Hiragino Maru Gothic Pro W4" panose="020F0400000000000000" pitchFamily="34" charset="-128"/>
+                <a:ea typeface="Hiragino Maru Gothic Pro W4" panose="020F0400000000000000" pitchFamily="34" charset="-128"/>
+              </a:rPr>
+              <a:t>「</a:t>
+            </a:r>
+            <a:r>
+              <a:rPr lang="en-US" altLang="ja-JP" sz="2400" dirty="0">
+                <a:solidFill>
+                  <a:schemeClr val="accent5">
+                    <a:lumMod val="50000"/>
+                  </a:schemeClr>
+                </a:solidFill>
+                <a:latin typeface="Hiragino Maru Gothic Pro W4" panose="020F0400000000000000" pitchFamily="34" charset="-128"/>
+                <a:ea typeface="Hiragino Maru Gothic Pro W4" panose="020F0400000000000000" pitchFamily="34" charset="-128"/>
+              </a:rPr>
+              <a:t>②JWC</a:t>
+            </a:r>
+            <a:r>
+              <a:rPr lang="ja-JP" altLang="en-US" sz="2400">
+                <a:solidFill>
+                  <a:schemeClr val="accent5">
+                    <a:lumMod val="50000"/>
+                  </a:schemeClr>
+                </a:solidFill>
+                <a:latin typeface="Hiragino Maru Gothic Pro W4" panose="020F0400000000000000" pitchFamily="34" charset="-128"/>
+                <a:ea typeface="Hiragino Maru Gothic Pro W4" panose="020F0400000000000000" pitchFamily="34" charset="-128"/>
+              </a:rPr>
+              <a:t>オフシーズン</a:t>
+            </a:r>
+            <a:r>
+              <a:rPr lang="en-US" altLang="ja-JP" sz="2400" dirty="0">
+                <a:solidFill>
+                  <a:schemeClr val="accent5">
+                    <a:lumMod val="50000"/>
+                  </a:schemeClr>
+                </a:solidFill>
+                <a:latin typeface="Hiragino Maru Gothic Pro W4" panose="020F0400000000000000" pitchFamily="34" charset="-128"/>
+                <a:ea typeface="Hiragino Maru Gothic Pro W4" panose="020F0400000000000000" pitchFamily="34" charset="-128"/>
+              </a:rPr>
+              <a:t>×</a:t>
+            </a:r>
+            <a:r>
+              <a:rPr lang="ja-JP" altLang="en-US" sz="2400">
+                <a:solidFill>
+                  <a:schemeClr val="accent5">
+                    <a:lumMod val="50000"/>
+                  </a:schemeClr>
+                </a:solidFill>
+                <a:latin typeface="Hiragino Maru Gothic Pro W4" panose="020F0400000000000000" pitchFamily="34" charset="-128"/>
+                <a:ea typeface="Hiragino Maru Gothic Pro W4" panose="020F0400000000000000" pitchFamily="34" charset="-128"/>
+              </a:rPr>
+              <a:t>リーグ戦期間」と同様</a:t>
+            </a:r>
+            <a:endParaRPr lang="en-US" altLang="ja-JP" sz="2400" dirty="0">
+              <a:solidFill>
+                <a:schemeClr val="accent5">
+                  <a:lumMod val="50000"/>
+                </a:schemeClr>
+              </a:solidFill>
+              <a:latin typeface="Hiragino Maru Gothic Pro W4" panose="020F0400000000000000" pitchFamily="34" charset="-128"/>
+              <a:ea typeface="Hiragino Maru Gothic Pro W4" panose="020F0400000000000000" pitchFamily="34" charset="-128"/>
+            </a:endParaRPr>
+          </a:p>
+        </p:txBody>
+      </p:sp>
+      <p:sp>
+        <p:nvSpPr>
+          <p:cNvPr id="4" name="スライド番号プレースホルダー 3">
+            <a:extLst>
+              <a:ext uri="{FF2B5EF4-FFF2-40B4-BE49-F238E27FC236}">
+                <a16:creationId xmlns:a16="http://schemas.microsoft.com/office/drawing/2014/main" id="{34C04C8D-49C3-874E-864D-A6289CA1E427}"/>
+              </a:ext>
+            </a:extLst>
+          </p:cNvPr>
+          <p:cNvSpPr>
+            <a:spLocks noGrp="1"/>
+          </p:cNvSpPr>
+          <p:nvPr>
+            <p:ph type="sldNum" sz="quarter" idx="12"/>
+          </p:nvPr>
+        </p:nvSpPr>
+        <p:spPr/>
+        <p:txBody>
+          <a:bodyPr/>
+          <a:lstStyle/>
+          <a:p>
+            <a:pPr rtl="0"/>
+            <a:fld id="{E31375A4-56A4-47D6-9801-1991572033F7}" type="slidenum">
+              <a:rPr lang="en-US" altLang="ja-JP" noProof="0" smtClean="0">
+                <a:solidFill>
+                  <a:srgbClr val="002060"/>
+                </a:solidFill>
+                <a:latin typeface="Hiragino Maru Gothic Pro W4" panose="020F0400000000000000" pitchFamily="34" charset="-128"/>
+                <a:ea typeface="Hiragino Maru Gothic Pro W4" panose="020F0400000000000000" pitchFamily="34" charset="-128"/>
+              </a:rPr>
+              <a:t>26</a:t>
+            </a:fld>
+            <a:endParaRPr lang="ja-JP" altLang="en-US" noProof="0" dirty="0">
+              <a:solidFill>
+                <a:srgbClr val="002060"/>
+              </a:solidFill>
+              <a:latin typeface="Hiragino Maru Gothic Pro W4" panose="020F0400000000000000" pitchFamily="34" charset="-128"/>
+              <a:ea typeface="Hiragino Maru Gothic Pro W4" panose="020F0400000000000000" pitchFamily="34" charset="-128"/>
+            </a:endParaRPr>
+          </a:p>
+        </p:txBody>
+      </p:sp>
+    </p:spTree>
+    <p:extLst>
+      <p:ext uri="{BB962C8B-B14F-4D97-AF65-F5344CB8AC3E}">
+        <p14:creationId xmlns:p14="http://schemas.microsoft.com/office/powerpoint/2010/main" val="3290915551"/>
+      </p:ext>
+    </p:extLst>
+  </p:cSld>
+  <p:clrMapOvr>
+    <a:masterClrMapping/>
+  </p:clrMapOvr>
+  <mc:AlternateContent xmlns:mc="http://schemas.openxmlformats.org/markup-compatibility/2006" xmlns:p14="http://schemas.microsoft.com/office/powerpoint/2010/main">
+    <mc:Choice Requires="p14">
+      <p:transition spd="med" p14:dur="700">
+        <p:fade/>
+      </p:transition>
+    </mc:Choice>
+    <mc:Fallback xmlns="">
+      <p:transition spd="med">
+        <p:fade/>
+      </p:transition>
+    </mc:Fallback>
+  </mc:AlternateContent>
+</p:sld>
+</file>
+
+<file path=ppt/slides/slide27.xml><?xml version="1.0" encoding="utf-8"?>
+<p:sld xmlns:a="http://schemas.openxmlformats.org/drawingml/2006/main" xmlns:r="http://schemas.openxmlformats.org/officeDocument/2006/relationships" xmlns:p="http://schemas.openxmlformats.org/presentationml/2006/main">
+  <p:cSld>
+    <p:spTree>
+      <p:nvGrpSpPr>
+        <p:cNvPr id="1" name=""/>
+        <p:cNvGrpSpPr/>
+        <p:nvPr/>
+      </p:nvGrpSpPr>
+      <p:grpSpPr>
+        <a:xfrm>
+          <a:off x="0" y="0"/>
+          <a:ext cx="0" cy="0"/>
+          <a:chOff x="0" y="0"/>
+          <a:chExt cx="0" cy="0"/>
+        </a:xfrm>
+      </p:grpSpPr>
+      <p:sp>
+        <p:nvSpPr>
+          <p:cNvPr id="2" name="タイトル 1">
+            <a:extLst>
+              <a:ext uri="{FF2B5EF4-FFF2-40B4-BE49-F238E27FC236}">
+                <a16:creationId xmlns:a16="http://schemas.microsoft.com/office/drawing/2014/main" id="{4BEF2D4F-28AD-C84D-A4AC-A607D5B45D24}"/>
+              </a:ext>
+            </a:extLst>
+          </p:cNvPr>
+          <p:cNvSpPr>
+            <a:spLocks noGrp="1"/>
+          </p:cNvSpPr>
+          <p:nvPr>
+            <p:ph type="title"/>
+          </p:nvPr>
+        </p:nvSpPr>
+        <p:spPr/>
+        <p:txBody>
+          <a:bodyPr/>
+          <a:lstStyle/>
+          <a:p>
+            <a:r>
+              <a:rPr lang="ja-JP" altLang="en-US">
+                <a:solidFill>
+                  <a:schemeClr val="accent5">
+                    <a:lumMod val="50000"/>
+                  </a:schemeClr>
+                </a:solidFill>
+                <a:latin typeface="Hiragino Maru Gothic Pro W4" panose="020F0400000000000000" pitchFamily="34" charset="-128"/>
+                <a:ea typeface="Hiragino Maru Gothic Pro W4" panose="020F0400000000000000" pitchFamily="34" charset="-128"/>
+              </a:rPr>
+              <a:t>その他</a:t>
+            </a:r>
+            <a:endParaRPr kumimoji="1" lang="ja-JP" altLang="en-US">
+              <a:solidFill>
+                <a:schemeClr val="accent5">
+                  <a:lumMod val="50000"/>
+                </a:schemeClr>
+              </a:solidFill>
+              <a:latin typeface="Hiragino Maru Gothic Pro W4" panose="020F0400000000000000" pitchFamily="34" charset="-128"/>
+              <a:ea typeface="Hiragino Maru Gothic Pro W4" panose="020F0400000000000000" pitchFamily="34" charset="-128"/>
+            </a:endParaRPr>
+          </a:p>
+        </p:txBody>
+      </p:sp>
+      <p:sp>
+        <p:nvSpPr>
+          <p:cNvPr id="3" name="コンテンツ プレースホルダー 2">
+            <a:extLst>
+              <a:ext uri="{FF2B5EF4-FFF2-40B4-BE49-F238E27FC236}">
+                <a16:creationId xmlns:a16="http://schemas.microsoft.com/office/drawing/2014/main" id="{01E773B8-156E-4743-8E4A-3ED5FB7CC4E2}"/>
+              </a:ext>
+            </a:extLst>
+          </p:cNvPr>
+          <p:cNvSpPr>
+            <a:spLocks noGrp="1"/>
+          </p:cNvSpPr>
+          <p:nvPr>
+            <p:ph idx="1"/>
+          </p:nvPr>
+        </p:nvSpPr>
+        <p:spPr>
+          <a:xfrm>
+            <a:off x="838200" y="1588575"/>
+            <a:ext cx="10515600" cy="4588387"/>
+          </a:xfrm>
+        </p:spPr>
+        <p:txBody>
+          <a:bodyPr>
+            <a:normAutofit/>
+          </a:bodyPr>
+          <a:lstStyle/>
+          <a:p>
+            <a:pPr marL="388620" indent="-342900"/>
+            <a:r>
+              <a:rPr lang="ja-JP" altLang="en-US" sz="2400">
+                <a:solidFill>
+                  <a:schemeClr val="accent5">
+                    <a:lumMod val="50000"/>
+                  </a:schemeClr>
+                </a:solidFill>
+                <a:latin typeface="Hiragino Maru Gothic Pro W4" panose="020F0400000000000000" pitchFamily="34" charset="-128"/>
+                <a:ea typeface="Hiragino Maru Gothic Pro W4" panose="020F0400000000000000" pitchFamily="34" charset="-128"/>
+              </a:rPr>
+              <a:t>援軍やクラゲ応援が必要な場合</a:t>
+            </a:r>
+            <a:br>
+              <a:rPr lang="en-US" altLang="ja-JP" sz="2400" dirty="0">
+                <a:solidFill>
+                  <a:schemeClr val="accent5">
+                    <a:lumMod val="50000"/>
+                  </a:schemeClr>
+                </a:solidFill>
+                <a:latin typeface="Hiragino Maru Gothic Pro W4" panose="020F0400000000000000" pitchFamily="34" charset="-128"/>
+                <a:ea typeface="Hiragino Maru Gothic Pro W4" panose="020F0400000000000000" pitchFamily="34" charset="-128"/>
+              </a:rPr>
+            </a:br>
+            <a:r>
+              <a:rPr lang="ja-JP" altLang="en-US" sz="2000">
+                <a:solidFill>
+                  <a:schemeClr val="accent5">
+                    <a:lumMod val="50000"/>
+                  </a:schemeClr>
+                </a:solidFill>
+                <a:latin typeface="Hiragino Maru Gothic Pro W4" panose="020F0400000000000000" pitchFamily="34" charset="-128"/>
+                <a:ea typeface="Hiragino Maru Gothic Pro W4" panose="020F0400000000000000" pitchFamily="34" charset="-128"/>
+              </a:rPr>
+              <a:t>→</a:t>
+            </a:r>
+            <a:r>
+              <a:rPr lang="en-US" altLang="ja-JP" sz="2000" dirty="0">
+                <a:solidFill>
+                  <a:schemeClr val="accent5">
+                    <a:lumMod val="50000"/>
+                  </a:schemeClr>
+                </a:solidFill>
+                <a:latin typeface="Hiragino Maru Gothic Pro W4" panose="020F0400000000000000" pitchFamily="34" charset="-128"/>
+                <a:ea typeface="Hiragino Maru Gothic Pro W4" panose="020F0400000000000000" pitchFamily="34" charset="-128"/>
+              </a:rPr>
+              <a:t> discord</a:t>
+            </a:r>
+            <a:r>
+              <a:rPr lang="ja-JP" altLang="en-US" sz="2000">
+                <a:solidFill>
+                  <a:schemeClr val="accent5">
+                    <a:lumMod val="50000"/>
+                  </a:schemeClr>
+                </a:solidFill>
+                <a:latin typeface="Hiragino Maru Gothic Pro W4" panose="020F0400000000000000" pitchFamily="34" charset="-128"/>
+                <a:ea typeface="Hiragino Maru Gothic Pro W4" panose="020F0400000000000000" pitchFamily="34" charset="-128"/>
+              </a:rPr>
+              <a:t>でやりとりして柔軟に対応</a:t>
+            </a:r>
+            <a:endParaRPr lang="en-US" altLang="ja-JP" sz="2000" dirty="0">
+              <a:solidFill>
+                <a:schemeClr val="accent5">
+                  <a:lumMod val="50000"/>
+                </a:schemeClr>
+              </a:solidFill>
+              <a:latin typeface="Hiragino Maru Gothic Pro W4" panose="020F0400000000000000" pitchFamily="34" charset="-128"/>
+              <a:ea typeface="Hiragino Maru Gothic Pro W4" panose="020F0400000000000000" pitchFamily="34" charset="-128"/>
+            </a:endParaRPr>
+          </a:p>
+          <a:p>
+            <a:pPr marL="388620" indent="-342900"/>
+            <a:r>
+              <a:rPr lang="ja-JP" altLang="en-US" sz="2400">
+                <a:solidFill>
+                  <a:schemeClr val="accent5">
+                    <a:lumMod val="50000"/>
+                  </a:schemeClr>
+                </a:solidFill>
+                <a:latin typeface="Hiragino Maru Gothic Pro W4" panose="020F0400000000000000" pitchFamily="34" charset="-128"/>
+                <a:ea typeface="Hiragino Maru Gothic Pro W4" panose="020F0400000000000000" pitchFamily="34" charset="-128"/>
+              </a:rPr>
+              <a:t>まほらまが海外リーグに挑戦する場合</a:t>
+            </a:r>
+            <a:br>
+              <a:rPr lang="en-US" altLang="ja-JP" sz="2400" dirty="0">
+                <a:solidFill>
+                  <a:schemeClr val="accent5">
+                    <a:lumMod val="50000"/>
+                  </a:schemeClr>
+                </a:solidFill>
+                <a:latin typeface="Hiragino Maru Gothic Pro W4" panose="020F0400000000000000" pitchFamily="34" charset="-128"/>
+                <a:ea typeface="Hiragino Maru Gothic Pro W4" panose="020F0400000000000000" pitchFamily="34" charset="-128"/>
+              </a:rPr>
+            </a:br>
+            <a:r>
+              <a:rPr lang="ja-JP" altLang="en-US" sz="2000">
+                <a:solidFill>
+                  <a:schemeClr val="accent5">
+                    <a:lumMod val="50000"/>
+                  </a:schemeClr>
+                </a:solidFill>
+                <a:latin typeface="Hiragino Maru Gothic Pro W4" panose="020F0400000000000000" pitchFamily="34" charset="-128"/>
+                <a:ea typeface="Hiragino Maru Gothic Pro W4" panose="020F0400000000000000" pitchFamily="34" charset="-128"/>
+              </a:rPr>
+              <a:t>→</a:t>
+            </a:r>
+            <a:r>
+              <a:rPr lang="en-US" altLang="ja-JP" sz="2000" dirty="0">
+                <a:solidFill>
+                  <a:schemeClr val="accent5">
+                    <a:lumMod val="50000"/>
+                  </a:schemeClr>
+                </a:solidFill>
+                <a:latin typeface="Hiragino Maru Gothic Pro W4" panose="020F0400000000000000" pitchFamily="34" charset="-128"/>
+                <a:ea typeface="Hiragino Maru Gothic Pro W4" panose="020F0400000000000000" pitchFamily="34" charset="-128"/>
+              </a:rPr>
+              <a:t> </a:t>
+            </a:r>
+            <a:r>
+              <a:rPr lang="ja-JP" altLang="en-US" sz="2000">
+                <a:solidFill>
+                  <a:schemeClr val="accent5">
+                    <a:lumMod val="50000"/>
+                  </a:schemeClr>
+                </a:solidFill>
+                <a:latin typeface="Hiragino Maru Gothic Pro W4" panose="020F0400000000000000" pitchFamily="34" charset="-128"/>
+                <a:ea typeface="Hiragino Maru Gothic Pro W4" panose="020F0400000000000000" pitchFamily="34" charset="-128"/>
+              </a:rPr>
+              <a:t>要相談</a:t>
+            </a:r>
+            <a:endParaRPr lang="en-US" altLang="ja-JP" sz="2000" dirty="0">
+              <a:solidFill>
+                <a:schemeClr val="accent5">
+                  <a:lumMod val="50000"/>
+                </a:schemeClr>
+              </a:solidFill>
+              <a:latin typeface="Hiragino Maru Gothic Pro W4" panose="020F0400000000000000" pitchFamily="34" charset="-128"/>
+              <a:ea typeface="Hiragino Maru Gothic Pro W4" panose="020F0400000000000000" pitchFamily="34" charset="-128"/>
+            </a:endParaRPr>
+          </a:p>
+          <a:p>
+            <a:pPr marL="388620" indent="-342900"/>
+            <a:r>
+              <a:rPr lang="ja-JP" altLang="en-US" sz="2400">
+                <a:solidFill>
+                  <a:schemeClr val="accent5">
+                    <a:lumMod val="50000"/>
+                  </a:schemeClr>
+                </a:solidFill>
+                <a:latin typeface="Hiragino Maru Gothic Pro W4" panose="020F0400000000000000" pitchFamily="34" charset="-128"/>
+                <a:ea typeface="Hiragino Maru Gothic Pro W4" panose="020F0400000000000000" pitchFamily="34" charset="-128"/>
+              </a:rPr>
+              <a:t>まほらま</a:t>
+            </a:r>
+            <a:r>
+              <a:rPr lang="en-US" altLang="ja-JP" sz="2400" dirty="0">
+                <a:solidFill>
+                  <a:schemeClr val="accent5">
+                    <a:lumMod val="50000"/>
+                  </a:schemeClr>
+                </a:solidFill>
+                <a:latin typeface="Hiragino Maru Gothic Pro W4" panose="020F0400000000000000" pitchFamily="34" charset="-128"/>
+                <a:ea typeface="Hiragino Maru Gothic Pro W4" panose="020F0400000000000000" pitchFamily="34" charset="-128"/>
+              </a:rPr>
+              <a:t>/</a:t>
+            </a:r>
+            <a:r>
+              <a:rPr lang="ja-JP" altLang="en-US" sz="2400">
+                <a:solidFill>
+                  <a:schemeClr val="accent5">
+                    <a:lumMod val="50000"/>
+                  </a:schemeClr>
+                </a:solidFill>
+                <a:latin typeface="Hiragino Maru Gothic Pro W4" panose="020F0400000000000000" pitchFamily="34" charset="-128"/>
+                <a:ea typeface="Hiragino Maru Gothic Pro W4" panose="020F0400000000000000" pitchFamily="34" charset="-128"/>
+              </a:rPr>
+              <a:t>東方を行き来するメンバー</a:t>
+            </a:r>
+            <a:br>
+              <a:rPr lang="en-US" altLang="ja-JP" sz="2400" dirty="0">
+                <a:solidFill>
+                  <a:schemeClr val="accent5">
+                    <a:lumMod val="50000"/>
+                  </a:schemeClr>
+                </a:solidFill>
+                <a:latin typeface="Hiragino Maru Gothic Pro W4" panose="020F0400000000000000" pitchFamily="34" charset="-128"/>
+                <a:ea typeface="Hiragino Maru Gothic Pro W4" panose="020F0400000000000000" pitchFamily="34" charset="-128"/>
+              </a:rPr>
+            </a:br>
+            <a:r>
+              <a:rPr lang="ja-JP" altLang="en-US" sz="2000">
+                <a:solidFill>
+                  <a:schemeClr val="accent5">
+                    <a:lumMod val="50000"/>
+                  </a:schemeClr>
+                </a:solidFill>
+                <a:latin typeface="Hiragino Maru Gothic Pro W4" panose="020F0400000000000000" pitchFamily="34" charset="-128"/>
+                <a:ea typeface="Hiragino Maru Gothic Pro W4" panose="020F0400000000000000" pitchFamily="34" charset="-128"/>
+              </a:rPr>
+              <a:t>→「郷に入れば郷に従え」をしっかり意識すること</a:t>
+            </a:r>
+            <a:endParaRPr lang="en-US" altLang="ja-JP" sz="2000" dirty="0">
+              <a:solidFill>
+                <a:schemeClr val="accent5">
+                  <a:lumMod val="50000"/>
+                </a:schemeClr>
+              </a:solidFill>
+              <a:latin typeface="Hiragino Maru Gothic Pro W4" panose="020F0400000000000000" pitchFamily="34" charset="-128"/>
+              <a:ea typeface="Hiragino Maru Gothic Pro W4" panose="020F0400000000000000" pitchFamily="34" charset="-128"/>
+            </a:endParaRPr>
+          </a:p>
+          <a:p>
+            <a:pPr marL="845820" lvl="1" indent="-342900"/>
+            <a:r>
+              <a:rPr lang="ja-JP" altLang="en-US" sz="2000">
+                <a:solidFill>
+                  <a:schemeClr val="accent5">
+                    <a:lumMod val="50000"/>
+                  </a:schemeClr>
+                </a:solidFill>
+                <a:latin typeface="Hiragino Maru Gothic Pro W4" panose="020F0400000000000000" pitchFamily="34" charset="-128"/>
+                <a:ea typeface="Hiragino Maru Gothic Pro W4" panose="020F0400000000000000" pitchFamily="34" charset="-128"/>
+              </a:rPr>
+              <a:t>まほらまルール：</a:t>
+            </a:r>
+            <a:r>
+              <a:rPr lang="en-US" altLang="ja-JP" sz="2000" dirty="0">
+                <a:solidFill>
+                  <a:schemeClr val="accent5">
+                    <a:lumMod val="50000"/>
+                  </a:schemeClr>
+                </a:solidFill>
+                <a:latin typeface="Hiragino Maru Gothic Pro W4" panose="020F0400000000000000" pitchFamily="34" charset="-128"/>
+                <a:ea typeface="Hiragino Maru Gothic Pro W4" panose="020F0400000000000000" pitchFamily="34" charset="-128"/>
+                <a:hlinkClick r:id="rId2"/>
+              </a:rPr>
+              <a:t>http://mah0rama.livedoor.blog/archives/20951053.html</a:t>
+            </a:r>
+            <a:endParaRPr lang="en-US" altLang="ja-JP" sz="2000" dirty="0">
+              <a:solidFill>
+                <a:schemeClr val="accent5">
+                  <a:lumMod val="50000"/>
+                </a:schemeClr>
+              </a:solidFill>
+              <a:latin typeface="Hiragino Maru Gothic Pro W4" panose="020F0400000000000000" pitchFamily="34" charset="-128"/>
+              <a:ea typeface="Hiragino Maru Gothic Pro W4" panose="020F0400000000000000" pitchFamily="34" charset="-128"/>
+            </a:endParaRPr>
+          </a:p>
+          <a:p>
+            <a:pPr marL="845820" lvl="1" indent="-342900"/>
+            <a:r>
+              <a:rPr lang="ja-JP" altLang="en-US" sz="2000">
+                <a:solidFill>
+                  <a:schemeClr val="accent5">
+                    <a:lumMod val="50000"/>
+                  </a:schemeClr>
+                </a:solidFill>
+                <a:latin typeface="Hiragino Maru Gothic Pro W4" panose="020F0400000000000000" pitchFamily="34" charset="-128"/>
+                <a:ea typeface="Hiragino Maru Gothic Pro W4" panose="020F0400000000000000" pitchFamily="34" charset="-128"/>
+              </a:rPr>
+              <a:t>東方ルール：クラン説明参照</a:t>
+            </a:r>
+            <a:endParaRPr lang="en-US" altLang="ja-JP" sz="2000" dirty="0">
+              <a:solidFill>
+                <a:schemeClr val="accent5">
+                  <a:lumMod val="50000"/>
+                </a:schemeClr>
+              </a:solidFill>
+              <a:latin typeface="Hiragino Maru Gothic Pro W4" panose="020F0400000000000000" pitchFamily="34" charset="-128"/>
+              <a:ea typeface="Hiragino Maru Gothic Pro W4" panose="020F0400000000000000" pitchFamily="34" charset="-128"/>
+            </a:endParaRPr>
+          </a:p>
+        </p:txBody>
+      </p:sp>
+      <p:sp>
+        <p:nvSpPr>
+          <p:cNvPr id="4" name="スライド番号プレースホルダー 3">
+            <a:extLst>
+              <a:ext uri="{FF2B5EF4-FFF2-40B4-BE49-F238E27FC236}">
+                <a16:creationId xmlns:a16="http://schemas.microsoft.com/office/drawing/2014/main" id="{34C04C8D-49C3-874E-864D-A6289CA1E427}"/>
+              </a:ext>
+            </a:extLst>
+          </p:cNvPr>
+          <p:cNvSpPr>
+            <a:spLocks noGrp="1"/>
+          </p:cNvSpPr>
+          <p:nvPr>
+            <p:ph type="sldNum" sz="quarter" idx="12"/>
+          </p:nvPr>
+        </p:nvSpPr>
+        <p:spPr/>
+        <p:txBody>
+          <a:bodyPr/>
+          <a:lstStyle/>
+          <a:p>
+            <a:pPr rtl="0"/>
+            <a:fld id="{E31375A4-56A4-47D6-9801-1991572033F7}" type="slidenum">
+              <a:rPr lang="en-US" altLang="ja-JP" noProof="0" smtClean="0">
+                <a:solidFill>
+                  <a:srgbClr val="002060"/>
+                </a:solidFill>
+                <a:latin typeface="Hiragino Maru Gothic Pro W4" panose="020F0400000000000000" pitchFamily="34" charset="-128"/>
+                <a:ea typeface="Hiragino Maru Gothic Pro W4" panose="020F0400000000000000" pitchFamily="34" charset="-128"/>
+              </a:rPr>
+              <a:t>27</a:t>
+            </a:fld>
+            <a:endParaRPr lang="ja-JP" altLang="en-US" noProof="0" dirty="0">
+              <a:solidFill>
+                <a:srgbClr val="002060"/>
+              </a:solidFill>
+              <a:latin typeface="Hiragino Maru Gothic Pro W4" panose="020F0400000000000000" pitchFamily="34" charset="-128"/>
+              <a:ea typeface="Hiragino Maru Gothic Pro W4" panose="020F0400000000000000" pitchFamily="34" charset="-128"/>
+            </a:endParaRPr>
+          </a:p>
+        </p:txBody>
+      </p:sp>
+    </p:spTree>
+    <p:extLst>
+      <p:ext uri="{BB962C8B-B14F-4D97-AF65-F5344CB8AC3E}">
+        <p14:creationId xmlns:p14="http://schemas.microsoft.com/office/powerpoint/2010/main" val="2852762545"/>
       </p:ext>
     </p:extLst>
   </p:cSld>
@@ -10068,7 +15809,7 @@
                 <a:latin typeface="Hiragino Maru Gothic Pro W4" panose="020F0400000000000000" pitchFamily="34" charset="-128"/>
                 <a:ea typeface="Hiragino Maru Gothic Pro W4" panose="020F0400000000000000" pitchFamily="34" charset="-128"/>
               </a:rPr>
-              <a:t>案５、ファミリークラン化</a:t>
+              <a:t>案５、東方＆まほらまで協力関係を結ぶ</a:t>
             </a:r>
             <a:endParaRPr kumimoji="1" lang="ja-JP" altLang="en-US">
               <a:solidFill>

--- a/東方とまほらまの今後について.pptx
+++ b/東方とまほらまの今後について.pptx
@@ -5,10 +5,10 @@
     <p:sldMasterId id="2147483828" r:id="rId1"/>
   </p:sldMasterIdLst>
   <p:notesMasterIdLst>
-    <p:notesMasterId r:id="rId29"/>
+    <p:notesMasterId r:id="rId37"/>
   </p:notesMasterIdLst>
   <p:handoutMasterIdLst>
-    <p:handoutMasterId r:id="rId30"/>
+    <p:handoutMasterId r:id="rId38"/>
   </p:handoutMasterIdLst>
   <p:sldIdLst>
     <p:sldId id="256" r:id="rId2"/>
@@ -32,12 +32,20 @@
     <p:sldId id="331" r:id="rId20"/>
     <p:sldId id="332" r:id="rId21"/>
     <p:sldId id="333" r:id="rId22"/>
-    <p:sldId id="335" r:id="rId23"/>
-    <p:sldId id="336" r:id="rId24"/>
-    <p:sldId id="337" r:id="rId25"/>
-    <p:sldId id="338" r:id="rId26"/>
-    <p:sldId id="339" r:id="rId27"/>
-    <p:sldId id="340" r:id="rId28"/>
+    <p:sldId id="334" r:id="rId23"/>
+    <p:sldId id="335" r:id="rId24"/>
+    <p:sldId id="336" r:id="rId25"/>
+    <p:sldId id="337" r:id="rId26"/>
+    <p:sldId id="338" r:id="rId27"/>
+    <p:sldId id="339" r:id="rId28"/>
+    <p:sldId id="347" r:id="rId29"/>
+    <p:sldId id="340" r:id="rId30"/>
+    <p:sldId id="341" r:id="rId31"/>
+    <p:sldId id="342" r:id="rId32"/>
+    <p:sldId id="343" r:id="rId33"/>
+    <p:sldId id="344" r:id="rId34"/>
+    <p:sldId id="345" r:id="rId35"/>
+    <p:sldId id="346" r:id="rId36"/>
   </p:sldIdLst>
   <p:sldSz cx="12192000" cy="6858000"/>
   <p:notesSz cx="6858000" cy="9144000"/>
@@ -248,7 +256,7 @@
                 <a:latin typeface="ＭＳ 明朝" panose="02020609040205080304" pitchFamily="17" charset="-128"/>
                 <a:ea typeface="ＭＳ 明朝" panose="02020609040205080304" pitchFamily="17" charset="-128"/>
               </a:rPr>
-              <a:t>2021年4月10日</a:t>
+              <a:t>2021年4月13日</a:t>
             </a:fld>
             <a:endParaRPr lang="en-US">
               <a:latin typeface="ＭＳ 明朝" panose="02020609040205080304" pitchFamily="17" charset="-128"/>
@@ -435,7 +443,7 @@
             <a:fld id="{30389980-3DE9-4702-8CE7-20043EFDAF6C}" type="datetime4">
               <a:rPr lang="ja-JP" altLang="en-US" smtClean="0"/>
               <a:pPr/>
-              <a:t>2021年4月10日</a:t>
+              <a:t>2021年4月13日</a:t>
             </a:fld>
             <a:endParaRPr lang="en-US"/>
           </a:p>
@@ -890,7 +898,7 @@
           <a:p>
             <a:fld id="{5ADD3B2F-B41F-7942-990C-7D7FFD69CA5F}" type="datetimeFigureOut">
               <a:rPr kumimoji="1" lang="ja-JP" altLang="en-US" smtClean="0"/>
-              <a:t>2021/4/10</a:t>
+              <a:t>2021/4/13</a:t>
             </a:fld>
             <a:endParaRPr kumimoji="1" lang="ja-JP" altLang="en-US"/>
           </a:p>
@@ -5748,8 +5756,116 @@
         </p:blipFill>
         <p:spPr>
           <a:xfrm>
-            <a:off x="1402674" y="3072688"/>
-            <a:ext cx="3020628" cy="2901392"/>
+            <a:off x="1219794" y="3160915"/>
+            <a:ext cx="2576371" cy="2474672"/>
+          </a:xfrm>
+          <a:prstGeom prst="rect">
+            <a:avLst/>
+          </a:prstGeom>
+        </p:spPr>
+      </p:pic>
+      <p:pic>
+        <p:nvPicPr>
+          <p:cNvPr id="6" name="図 5" descr="テキスト&#10;&#10;自動的に生成された説明">
+            <a:extLst>
+              <a:ext uri="{FF2B5EF4-FFF2-40B4-BE49-F238E27FC236}">
+                <a16:creationId xmlns:a16="http://schemas.microsoft.com/office/drawing/2014/main" id="{93D655CF-5017-DF46-A0B2-F4DFAE9ADF9C}"/>
+              </a:ext>
+            </a:extLst>
+          </p:cNvPr>
+          <p:cNvPicPr>
+            <a:picLocks noChangeAspect="1"/>
+          </p:cNvPicPr>
+          <p:nvPr/>
+        </p:nvPicPr>
+        <p:blipFill>
+          <a:blip r:embed="rId3">
+            <a:extLst>
+              <a:ext uri="{28A0092B-C50C-407E-A947-70E740481C1C}">
+                <a14:useLocalDpi xmlns:a14="http://schemas.microsoft.com/office/drawing/2010/main" val="0"/>
+              </a:ext>
+            </a:extLst>
+          </a:blip>
+          <a:stretch>
+            <a:fillRect/>
+          </a:stretch>
+        </p:blipFill>
+        <p:spPr>
+          <a:xfrm>
+            <a:off x="3986665" y="3243956"/>
+            <a:ext cx="3833632" cy="2512289"/>
+          </a:xfrm>
+          <a:prstGeom prst="rect">
+            <a:avLst/>
+          </a:prstGeom>
+        </p:spPr>
+      </p:pic>
+      <p:pic>
+        <p:nvPicPr>
+          <p:cNvPr id="9" name="図 8" descr="テキスト&#10;&#10;自動的に生成された説明">
+            <a:extLst>
+              <a:ext uri="{FF2B5EF4-FFF2-40B4-BE49-F238E27FC236}">
+                <a16:creationId xmlns:a16="http://schemas.microsoft.com/office/drawing/2014/main" id="{9ECAAA69-8A74-C64D-AB77-A3DE8630A86F}"/>
+              </a:ext>
+            </a:extLst>
+          </p:cNvPr>
+          <p:cNvPicPr>
+            <a:picLocks noChangeAspect="1"/>
+          </p:cNvPicPr>
+          <p:nvPr/>
+        </p:nvPicPr>
+        <p:blipFill>
+          <a:blip r:embed="rId4">
+            <a:extLst>
+              <a:ext uri="{28A0092B-C50C-407E-A947-70E740481C1C}">
+                <a14:useLocalDpi xmlns:a14="http://schemas.microsoft.com/office/drawing/2010/main" val="0"/>
+              </a:ext>
+            </a:extLst>
+          </a:blip>
+          <a:stretch>
+            <a:fillRect/>
+          </a:stretch>
+        </p:blipFill>
+        <p:spPr>
+          <a:xfrm>
+            <a:off x="7820297" y="3243956"/>
+            <a:ext cx="3262879" cy="1171290"/>
+          </a:xfrm>
+          <a:prstGeom prst="rect">
+            <a:avLst/>
+          </a:prstGeom>
+        </p:spPr>
+      </p:pic>
+      <p:pic>
+        <p:nvPicPr>
+          <p:cNvPr id="11" name="図 10" descr="テキスト, 手紙&#10;&#10;自動的に生成された説明">
+            <a:extLst>
+              <a:ext uri="{FF2B5EF4-FFF2-40B4-BE49-F238E27FC236}">
+                <a16:creationId xmlns:a16="http://schemas.microsoft.com/office/drawing/2014/main" id="{CBA8ED04-A7C2-1B4D-B703-C954C42AFD03}"/>
+              </a:ext>
+            </a:extLst>
+          </p:cNvPr>
+          <p:cNvPicPr>
+            <a:picLocks noChangeAspect="1"/>
+          </p:cNvPicPr>
+          <p:nvPr/>
+        </p:nvPicPr>
+        <p:blipFill>
+          <a:blip r:embed="rId5">
+            <a:extLst>
+              <a:ext uri="{28A0092B-C50C-407E-A947-70E740481C1C}">
+                <a14:useLocalDpi xmlns:a14="http://schemas.microsoft.com/office/drawing/2010/main" val="0"/>
+              </a:ext>
+            </a:extLst>
+          </a:blip>
+          <a:stretch>
+            <a:fillRect/>
+          </a:stretch>
+        </p:blipFill>
+        <p:spPr>
+          <a:xfrm>
+            <a:off x="7820297" y="4482914"/>
+            <a:ext cx="3262879" cy="1179538"/>
           </a:xfrm>
           <a:prstGeom prst="rect">
             <a:avLst/>
@@ -6372,7 +6488,7 @@
                 <a:latin typeface="Hiragino Maru Gothic Pro W4" panose="020F0400000000000000" pitchFamily="34" charset="-128"/>
                 <a:ea typeface="Hiragino Maru Gothic Pro W4" panose="020F0400000000000000" pitchFamily="34" charset="-128"/>
               </a:rPr>
-              <a:t>あっちゃんが思っていた形</a:t>
+              <a:t>あっちゃんが思っている形</a:t>
             </a:r>
             <a:r>
               <a:rPr lang="en-US" altLang="ja-JP" dirty="0">
@@ -10606,7 +10722,7 @@
         </p:spPr>
         <p:txBody>
           <a:bodyPr>
-            <a:normAutofit fontScale="90000"/>
+            <a:normAutofit/>
           </a:bodyPr>
           <a:lstStyle/>
           <a:p>
@@ -10620,7 +10736,7 @@
                 <a:latin typeface="Hiragino Maru Gothic Pro W4" panose="020F0400000000000000" pitchFamily="34" charset="-128"/>
                 <a:ea typeface="Hiragino Maru Gothic Pro W4" panose="020F0400000000000000" pitchFamily="34" charset="-128"/>
               </a:rPr>
-              <a:t>案５、</a:t>
+              <a:t>案５で進んでいくと</a:t>
             </a:r>
             <a:br>
               <a:rPr lang="en-US" altLang="ja-JP" dirty="0">
@@ -10643,30 +10759,7 @@
                 <a:latin typeface="Hiragino Maru Gothic Pro W4" panose="020F0400000000000000" pitchFamily="34" charset="-128"/>
                 <a:ea typeface="Hiragino Maru Gothic Pro W4" panose="020F0400000000000000" pitchFamily="34" charset="-128"/>
               </a:rPr>
-              <a:t>東方＆まほらまで協力関係を</a:t>
-            </a:r>
-            <a:br>
-              <a:rPr lang="en-US" altLang="ja-JP" dirty="0">
-                <a:solidFill>
-                  <a:schemeClr val="accent5">
-                    <a:lumMod val="50000"/>
-                  </a:schemeClr>
-                </a:solidFill>
-                <a:latin typeface="Hiragino Maru Gothic Pro W4" panose="020F0400000000000000" pitchFamily="34" charset="-128"/>
-                <a:ea typeface="Hiragino Maru Gothic Pro W4" panose="020F0400000000000000" pitchFamily="34" charset="-128"/>
-              </a:rPr>
-            </a:br>
-            <a:r>
-              <a:rPr lang="ja-JP" altLang="en-US">
-                <a:solidFill>
-                  <a:schemeClr val="accent5">
-                    <a:lumMod val="50000"/>
-                  </a:schemeClr>
-                </a:solidFill>
-                <a:latin typeface="Hiragino Maru Gothic Pro W4" panose="020F0400000000000000" pitchFamily="34" charset="-128"/>
-                <a:ea typeface="Hiragino Maru Gothic Pro W4" panose="020F0400000000000000" pitchFamily="34" charset="-128"/>
-              </a:rPr>
-              <a:t>結ぶの具体的な話</a:t>
+              <a:t>思いきや・・・</a:t>
             </a:r>
             <a:br>
               <a:rPr lang="en-US" altLang="ja-JP" dirty="0">
@@ -10741,7 +10834,7 @@
     </p:spTree>
     <p:extLst>
       <p:ext uri="{BB962C8B-B14F-4D97-AF65-F5344CB8AC3E}">
-        <p14:creationId xmlns:p14="http://schemas.microsoft.com/office/powerpoint/2010/main" val="4207341120"/>
+        <p14:creationId xmlns:p14="http://schemas.microsoft.com/office/powerpoint/2010/main" val="1053180485"/>
       </p:ext>
     </p:extLst>
   </p:cSld>
@@ -10811,20 +10904,29 @@
                 <a:latin typeface="Hiragino Maru Gothic Pro W4" panose="020F0400000000000000" pitchFamily="34" charset="-128"/>
                 <a:ea typeface="Hiragino Maru Gothic Pro W4" panose="020F0400000000000000" pitchFamily="34" charset="-128"/>
               </a:rPr>
-              <a:t>対外</a:t>
-            </a:r>
-            <a:r>
-              <a:rPr kumimoji="1" lang="ja-JP" altLang="en-US">
-                <a:solidFill>
-                  <a:schemeClr val="accent5">
-                    <a:lumMod val="50000"/>
-                  </a:schemeClr>
-                </a:solidFill>
-                <a:latin typeface="Hiragino Maru Gothic Pro W4" panose="020F0400000000000000" pitchFamily="34" charset="-128"/>
-                <a:ea typeface="Hiragino Maru Gothic Pro W4" panose="020F0400000000000000" pitchFamily="34" charset="-128"/>
-              </a:rPr>
-              <a:t>的にファミリークランを謳うか？</a:t>
-            </a:r>
+              <a:t>ひこにゃんさんの想い </a:t>
+            </a:r>
+            <a:r>
+              <a:rPr lang="en-US" altLang="ja-JP" dirty="0">
+                <a:solidFill>
+                  <a:schemeClr val="accent5">
+                    <a:lumMod val="50000"/>
+                  </a:schemeClr>
+                </a:solidFill>
+                <a:latin typeface="Hiragino Maru Gothic Pro W4" panose="020F0400000000000000" pitchFamily="34" charset="-128"/>
+                <a:ea typeface="Hiragino Maru Gothic Pro W4" panose="020F0400000000000000" pitchFamily="34" charset="-128"/>
+              </a:rPr>
+              <a:t>(2021/04/11)</a:t>
+            </a:r>
+            <a:endParaRPr kumimoji="1" lang="ja-JP" altLang="en-US">
+              <a:solidFill>
+                <a:schemeClr val="accent5">
+                  <a:lumMod val="50000"/>
+                </a:schemeClr>
+              </a:solidFill>
+              <a:latin typeface="Hiragino Maru Gothic Pro W4" panose="020F0400000000000000" pitchFamily="34" charset="-128"/>
+              <a:ea typeface="Hiragino Maru Gothic Pro W4" panose="020F0400000000000000" pitchFamily="34" charset="-128"/>
+            </a:endParaRPr>
           </a:p>
         </p:txBody>
       </p:sp>
@@ -10856,185 +10958,20 @@
           </a:bodyPr>
           <a:lstStyle/>
           <a:p>
-            <a:pPr marL="45720" indent="0">
-              <a:buNone/>
-            </a:pPr>
+            <a:pPr marL="331470" indent="-285750"/>
             <a:r>
               <a:rPr lang="ja-JP" altLang="en-US" sz="2400">
                 <a:solidFill>
-                  <a:srgbClr val="FF0000"/>
-                </a:solidFill>
-                <a:latin typeface="Hiragino Maru Gothic Pro W4" panose="020F0400000000000000" pitchFamily="34" charset="-128"/>
-                <a:ea typeface="Hiragino Maru Gothic Pro W4" panose="020F0400000000000000" pitchFamily="34" charset="-128"/>
-              </a:rPr>
-              <a:t>謳わない。</a:t>
+                  <a:schemeClr val="accent5">
+                    <a:lumMod val="50000"/>
+                  </a:schemeClr>
+                </a:solidFill>
+                <a:latin typeface="Hiragino Maru Gothic Pro W4" panose="020F0400000000000000" pitchFamily="34" charset="-128"/>
+                <a:ea typeface="Hiragino Maru Gothic Pro W4" panose="020F0400000000000000" pitchFamily="34" charset="-128"/>
+              </a:rPr>
+              <a:t>案４：新規クラン立ち上げについてもう一回考えたいなー</a:t>
             </a:r>
             <a:endParaRPr lang="en-US" altLang="ja-JP" sz="2400" dirty="0">
-              <a:solidFill>
-                <a:srgbClr val="FF0000"/>
-              </a:solidFill>
-              <a:latin typeface="Hiragino Maru Gothic Pro W4" panose="020F0400000000000000" pitchFamily="34" charset="-128"/>
-              <a:ea typeface="Hiragino Maru Gothic Pro W4" panose="020F0400000000000000" pitchFamily="34" charset="-128"/>
-            </a:endParaRPr>
-          </a:p>
-          <a:p>
-            <a:pPr marL="45720" indent="0">
-              <a:buNone/>
-            </a:pPr>
-            <a:r>
-              <a:rPr lang="ja-JP" altLang="en-US" sz="2400">
-                <a:solidFill>
-                  <a:schemeClr val="accent5">
-                    <a:lumMod val="50000"/>
-                  </a:schemeClr>
-                </a:solidFill>
-                <a:latin typeface="Hiragino Maru Gothic Pro W4" panose="020F0400000000000000" pitchFamily="34" charset="-128"/>
-                <a:ea typeface="Hiragino Maru Gothic Pro W4" panose="020F0400000000000000" pitchFamily="34" charset="-128"/>
-              </a:rPr>
-              <a:t>東方でも東方</a:t>
-            </a:r>
-            <a:r>
-              <a:rPr lang="en-US" altLang="ja-JP" sz="2400" dirty="0">
-                <a:solidFill>
-                  <a:schemeClr val="accent5">
-                    <a:lumMod val="50000"/>
-                  </a:schemeClr>
-                </a:solidFill>
-                <a:latin typeface="Hiragino Maru Gothic Pro W4" panose="020F0400000000000000" pitchFamily="34" charset="-128"/>
-                <a:ea typeface="Hiragino Maru Gothic Pro W4" panose="020F0400000000000000" pitchFamily="34" charset="-128"/>
-              </a:rPr>
-              <a:t>(16)</a:t>
-            </a:r>
-            <a:r>
-              <a:rPr lang="ja-JP" altLang="en-US" sz="2400">
-                <a:solidFill>
-                  <a:schemeClr val="accent5">
-                    <a:lumMod val="50000"/>
-                  </a:schemeClr>
-                </a:solidFill>
-                <a:latin typeface="Hiragino Maru Gothic Pro W4" panose="020F0400000000000000" pitchFamily="34" charset="-128"/>
-                <a:ea typeface="Hiragino Maru Gothic Pro W4" panose="020F0400000000000000" pitchFamily="34" charset="-128"/>
-              </a:rPr>
-              <a:t>と東方</a:t>
-            </a:r>
-            <a:r>
-              <a:rPr lang="en-US" altLang="ja-JP" sz="2400" dirty="0">
-                <a:solidFill>
-                  <a:schemeClr val="accent5">
-                    <a:lumMod val="50000"/>
-                  </a:schemeClr>
-                </a:solidFill>
-                <a:latin typeface="Hiragino Maru Gothic Pro W4" panose="020F0400000000000000" pitchFamily="34" charset="-128"/>
-                <a:ea typeface="Hiragino Maru Gothic Pro W4" panose="020F0400000000000000" pitchFamily="34" charset="-128"/>
-              </a:rPr>
-              <a:t>(15)</a:t>
-            </a:r>
-            <a:r>
-              <a:rPr lang="ja-JP" altLang="en-US" sz="2400">
-                <a:solidFill>
-                  <a:schemeClr val="accent5">
-                    <a:lumMod val="50000"/>
-                  </a:schemeClr>
-                </a:solidFill>
-                <a:latin typeface="Hiragino Maru Gothic Pro W4" panose="020F0400000000000000" pitchFamily="34" charset="-128"/>
-                <a:ea typeface="Hiragino Maru Gothic Pro W4" panose="020F0400000000000000" pitchFamily="34" charset="-128"/>
-              </a:rPr>
-              <a:t>というクランが存在しており、</a:t>
-            </a:r>
-            <a:br>
-              <a:rPr lang="en-US" altLang="ja-JP" sz="2400" dirty="0">
-                <a:solidFill>
-                  <a:schemeClr val="accent5">
-                    <a:lumMod val="50000"/>
-                  </a:schemeClr>
-                </a:solidFill>
-                <a:latin typeface="Hiragino Maru Gothic Pro W4" panose="020F0400000000000000" pitchFamily="34" charset="-128"/>
-                <a:ea typeface="Hiragino Maru Gothic Pro W4" panose="020F0400000000000000" pitchFamily="34" charset="-128"/>
-              </a:rPr>
-            </a:br>
-            <a:r>
-              <a:rPr lang="ja-JP" altLang="en-US" sz="2400">
-                <a:solidFill>
-                  <a:schemeClr val="accent5">
-                    <a:lumMod val="50000"/>
-                  </a:schemeClr>
-                </a:solidFill>
-                <a:latin typeface="Hiragino Maru Gothic Pro W4" panose="020F0400000000000000" pitchFamily="34" charset="-128"/>
-                <a:ea typeface="Hiragino Maru Gothic Pro W4" panose="020F0400000000000000" pitchFamily="34" charset="-128"/>
-              </a:rPr>
-              <a:t>両クランは協力関係にある。そこの関係性が崩れる危険性も</a:t>
-            </a:r>
-            <a:br>
-              <a:rPr lang="en-US" altLang="ja-JP" sz="2400" dirty="0">
-                <a:solidFill>
-                  <a:schemeClr val="accent5">
-                    <a:lumMod val="50000"/>
-                  </a:schemeClr>
-                </a:solidFill>
-                <a:latin typeface="Hiragino Maru Gothic Pro W4" panose="020F0400000000000000" pitchFamily="34" charset="-128"/>
-                <a:ea typeface="Hiragino Maru Gothic Pro W4" panose="020F0400000000000000" pitchFamily="34" charset="-128"/>
-              </a:rPr>
-            </a:br>
-            <a:r>
-              <a:rPr lang="ja-JP" altLang="en-US" sz="2400">
-                <a:solidFill>
-                  <a:schemeClr val="accent5">
-                    <a:lumMod val="50000"/>
-                  </a:schemeClr>
-                </a:solidFill>
-                <a:latin typeface="Hiragino Maru Gothic Pro W4" panose="020F0400000000000000" pitchFamily="34" charset="-128"/>
-                <a:ea typeface="Hiragino Maru Gothic Pro W4" panose="020F0400000000000000" pitchFamily="34" charset="-128"/>
-              </a:rPr>
-              <a:t>無きにしもあらずなので謳わない。</a:t>
-            </a:r>
-            <a:br>
-              <a:rPr lang="en-US" altLang="ja-JP" sz="2400" dirty="0">
-                <a:solidFill>
-                  <a:schemeClr val="accent5">
-                    <a:lumMod val="50000"/>
-                  </a:schemeClr>
-                </a:solidFill>
-                <a:latin typeface="Hiragino Maru Gothic Pro W4" panose="020F0400000000000000" pitchFamily="34" charset="-128"/>
-                <a:ea typeface="Hiragino Maru Gothic Pro W4" panose="020F0400000000000000" pitchFamily="34" charset="-128"/>
-              </a:rPr>
-            </a:br>
-            <a:r>
-              <a:rPr lang="ja-JP" altLang="en-US" sz="2000">
-                <a:solidFill>
-                  <a:schemeClr val="accent5">
-                    <a:lumMod val="50000"/>
-                  </a:schemeClr>
-                </a:solidFill>
-                <a:latin typeface="Hiragino Maru Gothic Pro W4" panose="020F0400000000000000" pitchFamily="34" charset="-128"/>
-                <a:ea typeface="Hiragino Maru Gothic Pro W4" panose="020F0400000000000000" pitchFamily="34" charset="-128"/>
-              </a:rPr>
-              <a:t>補足：この資料で「東方」と記載している場合、東方</a:t>
-            </a:r>
-            <a:r>
-              <a:rPr lang="en-US" altLang="ja-JP" sz="2000" dirty="0">
-                <a:solidFill>
-                  <a:schemeClr val="accent5">
-                    <a:lumMod val="50000"/>
-                  </a:schemeClr>
-                </a:solidFill>
-                <a:latin typeface="Hiragino Maru Gothic Pro W4" panose="020F0400000000000000" pitchFamily="34" charset="-128"/>
-                <a:ea typeface="Hiragino Maru Gothic Pro W4" panose="020F0400000000000000" pitchFamily="34" charset="-128"/>
-              </a:rPr>
-              <a:t>(16)</a:t>
-            </a:r>
-            <a:r>
-              <a:rPr lang="ja-JP" altLang="en-US" sz="2000">
-                <a:solidFill>
-                  <a:schemeClr val="accent5">
-                    <a:lumMod val="50000"/>
-                  </a:schemeClr>
-                </a:solidFill>
-                <a:latin typeface="Hiragino Maru Gothic Pro W4" panose="020F0400000000000000" pitchFamily="34" charset="-128"/>
-                <a:ea typeface="Hiragino Maru Gothic Pro W4" panose="020F0400000000000000" pitchFamily="34" charset="-128"/>
-              </a:rPr>
-              <a:t>を示す。</a:t>
-            </a:r>
-            <a:endParaRPr lang="en-US" altLang="ja-JP" sz="2000" dirty="0">
               <a:solidFill>
                 <a:schemeClr val="accent5">
                   <a:lumMod val="50000"/>
@@ -11045,9 +10982,7 @@
             </a:endParaRPr>
           </a:p>
           <a:p>
-            <a:pPr marL="45720" indent="0">
-              <a:buNone/>
-            </a:pPr>
+            <a:pPr marL="331470" indent="-285750"/>
             <a:r>
               <a:rPr lang="ja-JP" altLang="en-US" sz="2400">
                 <a:solidFill>
@@ -11058,31 +10993,7 @@
                 <a:latin typeface="Hiragino Maru Gothic Pro W4" panose="020F0400000000000000" pitchFamily="34" charset="-128"/>
                 <a:ea typeface="Hiragino Maru Gothic Pro W4" panose="020F0400000000000000" pitchFamily="34" charset="-128"/>
               </a:rPr>
-              <a:t>また、</a:t>
-            </a:r>
-            <a:r>
-              <a:rPr lang="en-US" altLang="ja-JP" sz="2400" dirty="0">
-                <a:solidFill>
-                  <a:schemeClr val="accent5">
-                    <a:lumMod val="50000"/>
-                  </a:schemeClr>
-                </a:solidFill>
-                <a:latin typeface="Hiragino Maru Gothic Pro W4" panose="020F0400000000000000" pitchFamily="34" charset="-128"/>
-                <a:ea typeface="Hiragino Maru Gothic Pro W4" panose="020F0400000000000000" pitchFamily="34" charset="-128"/>
-              </a:rPr>
-              <a:t>JWC</a:t>
-            </a:r>
-            <a:r>
-              <a:rPr lang="ja-JP" altLang="en-US" sz="2400">
-                <a:solidFill>
-                  <a:schemeClr val="accent5">
-                    <a:lumMod val="50000"/>
-                  </a:schemeClr>
-                </a:solidFill>
-                <a:latin typeface="Hiragino Maru Gothic Pro W4" panose="020F0400000000000000" pitchFamily="34" charset="-128"/>
-                <a:ea typeface="Hiragino Maru Gothic Pro W4" panose="020F0400000000000000" pitchFamily="34" charset="-128"/>
-              </a:rPr>
-              <a:t>の参戦における東方日陰問題に関しても、</a:t>
+              <a:t>案５だと現状維持にはなるけど、</a:t>
             </a:r>
             <a:br>
               <a:rPr lang="en-US" altLang="ja-JP" sz="2400" dirty="0">
@@ -11096,6 +11007,18 @@
               </a:rPr>
             </a:br>
             <a:r>
+              <a:rPr lang="en-US" altLang="ja-JP" sz="2400" dirty="0">
+                <a:solidFill>
+                  <a:schemeClr val="accent5">
+                    <a:lumMod val="50000"/>
+                  </a:schemeClr>
+                </a:solidFill>
+                <a:latin typeface="Hiragino Maru Gothic Pro W4" panose="020F0400000000000000" pitchFamily="34" charset="-128"/>
+                <a:ea typeface="Hiragino Maru Gothic Pro W4" panose="020F0400000000000000" pitchFamily="34" charset="-128"/>
+              </a:rPr>
+              <a:t>TH14</a:t>
+            </a:r>
+            <a:r>
               <a:rPr lang="ja-JP" altLang="en-US" sz="2400">
                 <a:solidFill>
                   <a:schemeClr val="accent5">
@@ -11105,7 +11028,7 @@
                 <a:latin typeface="Hiragino Maru Gothic Pro W4" panose="020F0400000000000000" pitchFamily="34" charset="-128"/>
                 <a:ea typeface="Hiragino Maru Gothic Pro W4" panose="020F0400000000000000" pitchFamily="34" charset="-128"/>
               </a:rPr>
-              <a:t>東方メンバーの方々は特に気にしていないようなので、</a:t>
+              <a:t>ファーミングが終わったタイミングで、</a:t>
             </a:r>
             <a:br>
               <a:rPr lang="en-US" altLang="ja-JP" sz="2400" dirty="0">
@@ -11128,7 +11051,31 @@
                 <a:latin typeface="Hiragino Maru Gothic Pro W4" panose="020F0400000000000000" pitchFamily="34" charset="-128"/>
                 <a:ea typeface="Hiragino Maru Gothic Pro W4" panose="020F0400000000000000" pitchFamily="34" charset="-128"/>
               </a:rPr>
-              <a:t>対外的にファミリークランを謳って知名度を上げる必要性も低い。</a:t>
+              <a:t>東方主要メンバーはガチ戦やりたくなって崩壊するのは目に見えている</a:t>
+            </a:r>
+            <a:endParaRPr lang="en-US" altLang="ja-JP" sz="2400" dirty="0">
+              <a:solidFill>
+                <a:schemeClr val="accent5">
+                  <a:lumMod val="50000"/>
+                </a:schemeClr>
+              </a:solidFill>
+              <a:latin typeface="Hiragino Maru Gothic Pro W4" panose="020F0400000000000000" pitchFamily="34" charset="-128"/>
+              <a:ea typeface="Hiragino Maru Gothic Pro W4" panose="020F0400000000000000" pitchFamily="34" charset="-128"/>
+            </a:endParaRPr>
+          </a:p>
+          <a:p>
+            <a:pPr marL="331470" indent="-285750"/>
+            <a:r>
+              <a:rPr lang="ja-JP" altLang="en-US" sz="2400">
+                <a:solidFill>
+                  <a:schemeClr val="accent5">
+                    <a:lumMod val="50000"/>
+                  </a:schemeClr>
+                </a:solidFill>
+                <a:latin typeface="Hiragino Maru Gothic Pro W4" panose="020F0400000000000000" pitchFamily="34" charset="-128"/>
+                <a:ea typeface="Hiragino Maru Gothic Pro W4" panose="020F0400000000000000" pitchFamily="34" charset="-128"/>
+              </a:rPr>
+              <a:t>ひこにゃんさんもリーダー責務と東方体制に疲れてきている、</a:t>
             </a:r>
             <a:br>
               <a:rPr lang="en-US" altLang="ja-JP" sz="2400" dirty="0">
@@ -11142,60 +11089,71 @@
               </a:rPr>
             </a:br>
             <a:r>
-              <a:rPr lang="en-US" altLang="ja-JP" sz="2000" dirty="0">
-                <a:solidFill>
-                  <a:schemeClr val="accent5">
-                    <a:lumMod val="50000"/>
-                  </a:schemeClr>
-                </a:solidFill>
-                <a:latin typeface="Hiragino Maru Gothic Pro W4" panose="020F0400000000000000" pitchFamily="34" charset="-128"/>
-                <a:ea typeface="Hiragino Maru Gothic Pro W4" panose="020F0400000000000000" pitchFamily="34" charset="-128"/>
-              </a:rPr>
-              <a:t>(</a:t>
-            </a:r>
-            <a:r>
-              <a:rPr lang="ja-JP" altLang="en-US" sz="2000">
-                <a:solidFill>
-                  <a:schemeClr val="accent5">
-                    <a:lumMod val="50000"/>
-                  </a:schemeClr>
-                </a:solidFill>
-                <a:latin typeface="Hiragino Maru Gothic Pro W4" panose="020F0400000000000000" pitchFamily="34" charset="-128"/>
-                <a:ea typeface="Hiragino Maru Gothic Pro W4" panose="020F0400000000000000" pitchFamily="34" charset="-128"/>
-              </a:rPr>
-              <a:t>外部からややこしく見られるし・・・</a:t>
-            </a:r>
-            <a:r>
-              <a:rPr lang="en-US" altLang="ja-JP" sz="2000" dirty="0">
-                <a:solidFill>
-                  <a:schemeClr val="accent5">
-                    <a:lumMod val="50000"/>
-                  </a:schemeClr>
-                </a:solidFill>
-                <a:latin typeface="Hiragino Maru Gothic Pro W4" panose="020F0400000000000000" pitchFamily="34" charset="-128"/>
-                <a:ea typeface="Hiragino Maru Gothic Pro W4" panose="020F0400000000000000" pitchFamily="34" charset="-128"/>
-              </a:rPr>
-              <a:t>)</a:t>
-            </a:r>
-          </a:p>
-          <a:p>
-            <a:pPr marL="45720" indent="0">
-              <a:buNone/>
-            </a:pPr>
-            <a:r>
               <a:rPr lang="ja-JP" altLang="en-US" sz="2400">
                 <a:solidFill>
-                  <a:srgbClr val="FF0000"/>
-                </a:solidFill>
-                <a:latin typeface="Hiragino Maru Gothic Pro W4" panose="020F0400000000000000" pitchFamily="34" charset="-128"/>
-                <a:ea typeface="Hiragino Maru Gothic Pro W4" panose="020F0400000000000000" pitchFamily="34" charset="-128"/>
-              </a:rPr>
-              <a:t>なので、東方＆まほらま間ではファミリークランは謳わずに、</a:t>
+                  <a:schemeClr val="accent5">
+                    <a:lumMod val="50000"/>
+                  </a:schemeClr>
+                </a:solidFill>
+                <a:latin typeface="Hiragino Maru Gothic Pro W4" panose="020F0400000000000000" pitchFamily="34" charset="-128"/>
+                <a:ea typeface="Hiragino Maru Gothic Pro W4" panose="020F0400000000000000" pitchFamily="34" charset="-128"/>
+              </a:rPr>
+              <a:t>幕を下ろす良いタイミングなのかもしれない</a:t>
+            </a:r>
+            <a:endParaRPr lang="en-US" altLang="ja-JP" sz="2400" dirty="0">
+              <a:solidFill>
+                <a:schemeClr val="accent5">
+                  <a:lumMod val="50000"/>
+                </a:schemeClr>
+              </a:solidFill>
+              <a:latin typeface="Hiragino Maru Gothic Pro W4" panose="020F0400000000000000" pitchFamily="34" charset="-128"/>
+              <a:ea typeface="Hiragino Maru Gothic Pro W4" panose="020F0400000000000000" pitchFamily="34" charset="-128"/>
+            </a:endParaRPr>
+          </a:p>
+          <a:p>
+            <a:pPr marL="331470" indent="-285750"/>
+            <a:r>
+              <a:rPr lang="ja-JP" altLang="en-US" sz="2400">
+                <a:solidFill>
+                  <a:schemeClr val="accent5">
+                    <a:lumMod val="50000"/>
+                  </a:schemeClr>
+                </a:solidFill>
+                <a:latin typeface="Hiragino Maru Gothic Pro W4" panose="020F0400000000000000" pitchFamily="34" charset="-128"/>
+                <a:ea typeface="Hiragino Maru Gothic Pro W4" panose="020F0400000000000000" pitchFamily="34" charset="-128"/>
+              </a:rPr>
+              <a:t>そして新規クランでゼロからやっていくのも楽しそうなんだよね</a:t>
+            </a:r>
+            <a:endParaRPr lang="en-US" altLang="ja-JP" sz="2400" dirty="0">
+              <a:solidFill>
+                <a:schemeClr val="accent5">
+                  <a:lumMod val="50000"/>
+                </a:schemeClr>
+              </a:solidFill>
+              <a:latin typeface="Hiragino Maru Gothic Pro W4" panose="020F0400000000000000" pitchFamily="34" charset="-128"/>
+              <a:ea typeface="Hiragino Maru Gothic Pro W4" panose="020F0400000000000000" pitchFamily="34" charset="-128"/>
+            </a:endParaRPr>
+          </a:p>
+          <a:p>
+            <a:pPr marL="331470" indent="-285750"/>
+            <a:r>
+              <a:rPr lang="ja-JP" altLang="en-US" sz="2400">
+                <a:solidFill>
+                  <a:schemeClr val="accent5">
+                    <a:lumMod val="50000"/>
+                  </a:schemeClr>
+                </a:solidFill>
+                <a:latin typeface="Hiragino Maru Gothic Pro W4" panose="020F0400000000000000" pitchFamily="34" charset="-128"/>
+                <a:ea typeface="Hiragino Maru Gothic Pro W4" panose="020F0400000000000000" pitchFamily="34" charset="-128"/>
+              </a:rPr>
+              <a:t>だが、案４でいくと</a:t>
             </a:r>
             <a:br>
               <a:rPr lang="en-US" altLang="ja-JP" sz="2400" dirty="0">
                 <a:solidFill>
-                  <a:srgbClr val="FF0000"/>
+                  <a:schemeClr val="accent5">
+                    <a:lumMod val="50000"/>
+                  </a:schemeClr>
                 </a:solidFill>
                 <a:latin typeface="Hiragino Maru Gothic Pro W4" panose="020F0400000000000000" pitchFamily="34" charset="-128"/>
                 <a:ea typeface="Hiragino Maru Gothic Pro W4" panose="020F0400000000000000" pitchFamily="34" charset="-128"/>
@@ -11204,16 +11162,139 @@
             <a:r>
               <a:rPr lang="ja-JP" altLang="en-US" sz="2400">
                 <a:solidFill>
-                  <a:srgbClr val="FF0000"/>
-                </a:solidFill>
-                <a:latin typeface="Hiragino Maru Gothic Pro W4" panose="020F0400000000000000" pitchFamily="34" charset="-128"/>
-                <a:ea typeface="Hiragino Maru Gothic Pro W4" panose="020F0400000000000000" pitchFamily="34" charset="-128"/>
-              </a:rPr>
-              <a:t>「お互い仲良くしています」という関係性に留める形とする。</a:t>
+                  <a:schemeClr val="accent5">
+                    <a:lumMod val="50000"/>
+                  </a:schemeClr>
+                </a:solidFill>
+                <a:latin typeface="Hiragino Maru Gothic Pro W4" panose="020F0400000000000000" pitchFamily="34" charset="-128"/>
+                <a:ea typeface="Hiragino Maru Gothic Pro W4" panose="020F0400000000000000" pitchFamily="34" charset="-128"/>
+              </a:rPr>
+              <a:t>新規クランに移動する人以外</a:t>
+            </a:r>
+            <a:r>
+              <a:rPr lang="en-US" altLang="ja-JP" sz="2400" dirty="0">
+                <a:solidFill>
+                  <a:schemeClr val="accent5">
+                    <a:lumMod val="50000"/>
+                  </a:schemeClr>
+                </a:solidFill>
+                <a:latin typeface="Hiragino Maru Gothic Pro W4" panose="020F0400000000000000" pitchFamily="34" charset="-128"/>
+                <a:ea typeface="Hiragino Maru Gothic Pro W4" panose="020F0400000000000000" pitchFamily="34" charset="-128"/>
+              </a:rPr>
+              <a:t>(</a:t>
+            </a:r>
+            <a:r>
+              <a:rPr lang="ja-JP" altLang="en-US" sz="2400">
+                <a:solidFill>
+                  <a:schemeClr val="accent5">
+                    <a:lumMod val="50000"/>
+                  </a:schemeClr>
+                </a:solidFill>
+                <a:latin typeface="Hiragino Maru Gothic Pro W4" panose="020F0400000000000000" pitchFamily="34" charset="-128"/>
+                <a:ea typeface="Hiragino Maru Gothic Pro W4" panose="020F0400000000000000" pitchFamily="34" charset="-128"/>
+              </a:rPr>
+              <a:t>具体的には</a:t>
+            </a:r>
+            <a:r>
+              <a:rPr lang="en-US" altLang="ja-JP" sz="2400" dirty="0">
+                <a:solidFill>
+                  <a:schemeClr val="accent5">
+                    <a:lumMod val="50000"/>
+                  </a:schemeClr>
+                </a:solidFill>
+                <a:latin typeface="Hiragino Maru Gothic Pro W4" panose="020F0400000000000000" pitchFamily="34" charset="-128"/>
+                <a:ea typeface="Hiragino Maru Gothic Pro W4" panose="020F0400000000000000" pitchFamily="34" charset="-128"/>
+              </a:rPr>
+              <a:t>TH12</a:t>
+            </a:r>
+            <a:r>
+              <a:rPr lang="ja-JP" altLang="en-US" sz="2400">
+                <a:solidFill>
+                  <a:schemeClr val="accent5">
+                    <a:lumMod val="50000"/>
+                  </a:schemeClr>
+                </a:solidFill>
+                <a:latin typeface="Hiragino Maru Gothic Pro W4" panose="020F0400000000000000" pitchFamily="34" charset="-128"/>
+                <a:ea typeface="Hiragino Maru Gothic Pro W4" panose="020F0400000000000000" pitchFamily="34" charset="-128"/>
+              </a:rPr>
+              <a:t>以下の人たち</a:t>
+            </a:r>
+            <a:r>
+              <a:rPr lang="en-US" altLang="ja-JP" sz="2400" dirty="0">
+                <a:solidFill>
+                  <a:schemeClr val="accent5">
+                    <a:lumMod val="50000"/>
+                  </a:schemeClr>
+                </a:solidFill>
+                <a:latin typeface="Hiragino Maru Gothic Pro W4" panose="020F0400000000000000" pitchFamily="34" charset="-128"/>
+                <a:ea typeface="Hiragino Maru Gothic Pro W4" panose="020F0400000000000000" pitchFamily="34" charset="-128"/>
+              </a:rPr>
+              <a:t>)</a:t>
+            </a:r>
+            <a:r>
+              <a:rPr lang="ja-JP" altLang="en-US" sz="2400">
+                <a:solidFill>
+                  <a:schemeClr val="accent5">
+                    <a:lumMod val="50000"/>
+                  </a:schemeClr>
+                </a:solidFill>
+                <a:latin typeface="Hiragino Maru Gothic Pro W4" panose="020F0400000000000000" pitchFamily="34" charset="-128"/>
+                <a:ea typeface="Hiragino Maru Gothic Pro W4" panose="020F0400000000000000" pitchFamily="34" charset="-128"/>
+              </a:rPr>
+              <a:t>、</a:t>
+            </a:r>
+            <a:br>
+              <a:rPr lang="en-US" altLang="ja-JP" sz="2400" dirty="0">
+                <a:solidFill>
+                  <a:schemeClr val="accent5">
+                    <a:lumMod val="50000"/>
+                  </a:schemeClr>
+                </a:solidFill>
+                <a:latin typeface="Hiragino Maru Gothic Pro W4" panose="020F0400000000000000" pitchFamily="34" charset="-128"/>
+                <a:ea typeface="Hiragino Maru Gothic Pro W4" panose="020F0400000000000000" pitchFamily="34" charset="-128"/>
+              </a:rPr>
+            </a:br>
+            <a:r>
+              <a:rPr lang="ja-JP" altLang="en-US" sz="2400">
+                <a:solidFill>
+                  <a:schemeClr val="accent5">
+                    <a:lumMod val="50000"/>
+                  </a:schemeClr>
+                </a:solidFill>
+                <a:latin typeface="Hiragino Maru Gothic Pro W4" panose="020F0400000000000000" pitchFamily="34" charset="-128"/>
+                <a:ea typeface="Hiragino Maru Gothic Pro W4" panose="020F0400000000000000" pitchFamily="34" charset="-128"/>
+              </a:rPr>
+              <a:t>切り捨てみたいな感じになってしまう気がするので悩み中</a:t>
             </a:r>
             <a:endParaRPr lang="en-US" altLang="ja-JP" sz="2400" dirty="0">
               <a:solidFill>
-                <a:srgbClr val="FF0000"/>
+                <a:schemeClr val="accent5">
+                  <a:lumMod val="50000"/>
+                </a:schemeClr>
+              </a:solidFill>
+              <a:latin typeface="Hiragino Maru Gothic Pro W4" panose="020F0400000000000000" pitchFamily="34" charset="-128"/>
+              <a:ea typeface="Hiragino Maru Gothic Pro W4" panose="020F0400000000000000" pitchFamily="34" charset="-128"/>
+            </a:endParaRPr>
+          </a:p>
+          <a:p>
+            <a:pPr marL="331470" indent="-285750"/>
+            <a:endParaRPr lang="en-US" altLang="ja-JP" sz="2400" dirty="0">
+              <a:solidFill>
+                <a:schemeClr val="accent5">
+                  <a:lumMod val="50000"/>
+                </a:schemeClr>
+              </a:solidFill>
+              <a:latin typeface="Hiragino Maru Gothic Pro W4" panose="020F0400000000000000" pitchFamily="34" charset="-128"/>
+              <a:ea typeface="Hiragino Maru Gothic Pro W4" panose="020F0400000000000000" pitchFamily="34" charset="-128"/>
+            </a:endParaRPr>
+          </a:p>
+          <a:p>
+            <a:pPr marL="331470" indent="-285750"/>
+            <a:endParaRPr lang="en-US" altLang="ja-JP" sz="2400" dirty="0">
+              <a:solidFill>
+                <a:schemeClr val="accent5">
+                  <a:lumMod val="50000"/>
+                </a:schemeClr>
               </a:solidFill>
               <a:latin typeface="Hiragino Maru Gothic Pro W4" panose="020F0400000000000000" pitchFamily="34" charset="-128"/>
               <a:ea typeface="Hiragino Maru Gothic Pro W4" panose="020F0400000000000000" pitchFamily="34" charset="-128"/>
@@ -11266,7 +11347,7 @@
     </p:spTree>
     <p:extLst>
       <p:ext uri="{BB962C8B-B14F-4D97-AF65-F5344CB8AC3E}">
-        <p14:creationId xmlns:p14="http://schemas.microsoft.com/office/powerpoint/2010/main" val="1355915047"/>
+        <p14:creationId xmlns:p14="http://schemas.microsoft.com/office/powerpoint/2010/main" val="1716268367"/>
       </p:ext>
     </p:extLst>
   </p:cSld>
@@ -11310,7 +11391,7 @@
           <p:cNvPr id="2" name="タイトル 1">
             <a:extLst>
               <a:ext uri="{FF2B5EF4-FFF2-40B4-BE49-F238E27FC236}">
-                <a16:creationId xmlns:a16="http://schemas.microsoft.com/office/drawing/2014/main" id="{4BEF2D4F-28AD-C84D-A4AC-A607D5B45D24}"/>
+                <a16:creationId xmlns:a16="http://schemas.microsoft.com/office/drawing/2014/main" id="{05E27039-9568-144A-9E91-3B61FB565D2A}"/>
               </a:ext>
             </a:extLst>
           </p:cNvPr>
@@ -11318,61 +11399,81 @@
             <a:spLocks noGrp="1"/>
           </p:cNvSpPr>
           <p:nvPr>
-            <p:ph type="title"/>
-          </p:nvPr>
-        </p:nvSpPr>
-        <p:spPr/>
-        <p:txBody>
-          <a:bodyPr/>
-          <a:lstStyle/>
-          <a:p>
-            <a:r>
-              <a:rPr kumimoji="1" lang="ja-JP" altLang="en-US">
-                <a:solidFill>
-                  <a:schemeClr val="accent5">
-                    <a:lumMod val="50000"/>
-                  </a:schemeClr>
-                </a:solidFill>
-                <a:latin typeface="Hiragino Maru Gothic Pro W4" panose="020F0400000000000000" pitchFamily="34" charset="-128"/>
-                <a:ea typeface="Hiragino Maru Gothic Pro W4" panose="020F0400000000000000" pitchFamily="34" charset="-128"/>
-              </a:rPr>
-              <a:t>基本的な考え方</a:t>
-            </a:r>
-          </a:p>
-        </p:txBody>
-      </p:sp>
-      <p:sp>
-        <p:nvSpPr>
-          <p:cNvPr id="3" name="コンテンツ プレースホルダー 2">
-            <a:extLst>
-              <a:ext uri="{FF2B5EF4-FFF2-40B4-BE49-F238E27FC236}">
-                <a16:creationId xmlns:a16="http://schemas.microsoft.com/office/drawing/2014/main" id="{01E773B8-156E-4743-8E4A-3ED5FB7CC4E2}"/>
-              </a:ext>
-            </a:extLst>
-          </p:cNvPr>
-          <p:cNvSpPr>
-            <a:spLocks noGrp="1"/>
-          </p:cNvSpPr>
-          <p:nvPr>
-            <p:ph idx="1"/>
+            <p:ph type="ctrTitle"/>
           </p:nvPr>
         </p:nvSpPr>
         <p:spPr>
           <a:xfrm>
-            <a:off x="838200" y="1588575"/>
-            <a:ext cx="10515600" cy="4588387"/>
+            <a:off x="1306286" y="1187630"/>
+            <a:ext cx="9570720" cy="3173122"/>
           </a:xfrm>
         </p:spPr>
         <p:txBody>
           <a:bodyPr>
-            <a:normAutofit/>
+            <a:normAutofit fontScale="90000"/>
           </a:bodyPr>
           <a:lstStyle/>
           <a:p>
-            <a:pPr marL="45720" indent="0">
-              <a:buNone/>
-            </a:pPr>
-            <a:endParaRPr lang="en-US" altLang="ja-JP" sz="2400" dirty="0">
+            <a:r>
+              <a:rPr lang="ja-JP" altLang="en-US">
+                <a:solidFill>
+                  <a:schemeClr val="accent5">
+                    <a:lumMod val="50000"/>
+                  </a:schemeClr>
+                </a:solidFill>
+                <a:latin typeface="Hiragino Maru Gothic Pro W4" panose="020F0400000000000000" pitchFamily="34" charset="-128"/>
+                <a:ea typeface="Hiragino Maru Gothic Pro W4" panose="020F0400000000000000" pitchFamily="34" charset="-128"/>
+              </a:rPr>
+              <a:t>どうやら、ひこにゃんさんは背中を押してほしいようだ</a:t>
+            </a:r>
+            <a:br>
+              <a:rPr lang="en-US" altLang="ja-JP" dirty="0">
+                <a:solidFill>
+                  <a:schemeClr val="accent5">
+                    <a:lumMod val="50000"/>
+                  </a:schemeClr>
+                </a:solidFill>
+                <a:latin typeface="Hiragino Maru Gothic Pro W4" panose="020F0400000000000000" pitchFamily="34" charset="-128"/>
+                <a:ea typeface="Hiragino Maru Gothic Pro W4" panose="020F0400000000000000" pitchFamily="34" charset="-128"/>
+              </a:rPr>
+            </a:br>
+            <a:r>
+              <a:rPr lang="en-US" altLang="ja-JP" dirty="0">
+                <a:solidFill>
+                  <a:schemeClr val="accent5">
+                    <a:lumMod val="50000"/>
+                  </a:schemeClr>
+                </a:solidFill>
+                <a:latin typeface="Hiragino Maru Gothic Pro W4" panose="020F0400000000000000" pitchFamily="34" charset="-128"/>
+                <a:ea typeface="Hiragino Maru Gothic Pro W4" panose="020F0400000000000000" pitchFamily="34" charset="-128"/>
+              </a:rPr>
+              <a:t>(</a:t>
+            </a:r>
+            <a:r>
+              <a:rPr lang="ja-JP" altLang="en-US">
+                <a:solidFill>
+                  <a:schemeClr val="accent5">
+                    <a:lumMod val="50000"/>
+                  </a:schemeClr>
+                </a:solidFill>
+                <a:latin typeface="Hiragino Maru Gothic Pro W4" panose="020F0400000000000000" pitchFamily="34" charset="-128"/>
+                <a:ea typeface="Hiragino Maru Gothic Pro W4" panose="020F0400000000000000" pitchFamily="34" charset="-128"/>
+              </a:rPr>
+              <a:t>案４で</a:t>
+            </a:r>
+            <a:r>
+              <a:rPr lang="en-US" altLang="ja-JP" dirty="0">
+                <a:solidFill>
+                  <a:schemeClr val="accent5">
+                    <a:lumMod val="50000"/>
+                  </a:schemeClr>
+                </a:solidFill>
+                <a:latin typeface="Hiragino Maru Gothic Pro W4" panose="020F0400000000000000" pitchFamily="34" charset="-128"/>
+                <a:ea typeface="Hiragino Maru Gothic Pro W4" panose="020F0400000000000000" pitchFamily="34" charset="-128"/>
+              </a:rPr>
+              <a:t>)</a:t>
+            </a:r>
+            <a:endParaRPr kumimoji="1" lang="ja-JP" altLang="en-US">
               <a:solidFill>
                 <a:schemeClr val="accent5">
                   <a:lumMod val="50000"/>
@@ -11389,7 +11490,7 @@
           <p:cNvPr id="4" name="スライド番号プレースホルダー 3">
             <a:extLst>
               <a:ext uri="{FF2B5EF4-FFF2-40B4-BE49-F238E27FC236}">
-                <a16:creationId xmlns:a16="http://schemas.microsoft.com/office/drawing/2014/main" id="{34C04C8D-49C3-874E-864D-A6289CA1E427}"/>
+                <a16:creationId xmlns:a16="http://schemas.microsoft.com/office/drawing/2014/main" id="{FFA60BD1-FA32-484F-807E-37BB2EC217BB}"/>
               </a:ext>
             </a:extLst>
           </p:cNvPr>
@@ -11400,7 +11501,12 @@
             <p:ph type="sldNum" sz="quarter" idx="12"/>
           </p:nvPr>
         </p:nvSpPr>
-        <p:spPr/>
+        <p:spPr>
+          <a:xfrm>
+            <a:off x="8610600" y="6356350"/>
+            <a:ext cx="2743200" cy="365125"/>
+          </a:xfrm>
+        </p:spPr>
         <p:txBody>
           <a:bodyPr/>
           <a:lstStyle/>
@@ -11426,619 +11532,10 @@
           </a:p>
         </p:txBody>
       </p:sp>
-      <p:sp>
-        <p:nvSpPr>
-          <p:cNvPr id="6" name="正方形/長方形 5">
-            <a:extLst>
-              <a:ext uri="{FF2B5EF4-FFF2-40B4-BE49-F238E27FC236}">
-                <a16:creationId xmlns:a16="http://schemas.microsoft.com/office/drawing/2014/main" id="{44F5B0D1-8C9D-9D42-B067-7A4669BE58FD}"/>
-              </a:ext>
-            </a:extLst>
-          </p:cNvPr>
-          <p:cNvSpPr/>
-          <p:nvPr/>
-        </p:nvSpPr>
-        <p:spPr>
-          <a:xfrm>
-            <a:off x="1567549" y="2160734"/>
-            <a:ext cx="4824550" cy="2287168"/>
-          </a:xfrm>
-          <a:prstGeom prst="rect">
-            <a:avLst/>
-          </a:prstGeom>
-        </p:spPr>
-        <p:style>
-          <a:lnRef idx="0">
-            <a:schemeClr val="accent6"/>
-          </a:lnRef>
-          <a:fillRef idx="3">
-            <a:schemeClr val="accent6"/>
-          </a:fillRef>
-          <a:effectRef idx="3">
-            <a:schemeClr val="accent6"/>
-          </a:effectRef>
-          <a:fontRef idx="minor">
-            <a:schemeClr val="lt1"/>
-          </a:fontRef>
-        </p:style>
-        <p:txBody>
-          <a:bodyPr rtlCol="0" anchor="ctr"/>
-          <a:lstStyle/>
-          <a:p>
-            <a:pPr algn="ctr"/>
-            <a:r>
-              <a:rPr lang="en-US" altLang="ja-JP" sz="2400" dirty="0">
-                <a:latin typeface="Hiragino Maru Gothic Pro W4" panose="020F0400000000000000" pitchFamily="34" charset="-128"/>
-                <a:ea typeface="Hiragino Maru Gothic Pro W4" panose="020F0400000000000000" pitchFamily="34" charset="-128"/>
-              </a:rPr>
-              <a:t>① </a:t>
-            </a:r>
-            <a:r>
-              <a:rPr lang="ja-JP" altLang="en-US" sz="2400">
-                <a:latin typeface="Hiragino Maru Gothic Pro W4" panose="020F0400000000000000" pitchFamily="34" charset="-128"/>
-                <a:ea typeface="Hiragino Maru Gothic Pro W4" panose="020F0400000000000000" pitchFamily="34" charset="-128"/>
-              </a:rPr>
-              <a:t>特に無し</a:t>
-            </a:r>
-            <a:endParaRPr lang="en-US" altLang="ja-JP" sz="2400" dirty="0">
-              <a:latin typeface="Hiragino Maru Gothic Pro W4" panose="020F0400000000000000" pitchFamily="34" charset="-128"/>
-              <a:ea typeface="Hiragino Maru Gothic Pro W4" panose="020F0400000000000000" pitchFamily="34" charset="-128"/>
-            </a:endParaRPr>
-          </a:p>
-        </p:txBody>
-      </p:sp>
-      <p:sp>
-        <p:nvSpPr>
-          <p:cNvPr id="10" name="正方形/長方形 9">
-            <a:extLst>
-              <a:ext uri="{FF2B5EF4-FFF2-40B4-BE49-F238E27FC236}">
-                <a16:creationId xmlns:a16="http://schemas.microsoft.com/office/drawing/2014/main" id="{18C00CC0-6B48-4045-BD99-69FA1E70773E}"/>
-              </a:ext>
-            </a:extLst>
-          </p:cNvPr>
-          <p:cNvSpPr/>
-          <p:nvPr/>
-        </p:nvSpPr>
-        <p:spPr>
-          <a:xfrm>
-            <a:off x="1567549" y="4502331"/>
-            <a:ext cx="4824550" cy="1620202"/>
-          </a:xfrm>
-          <a:prstGeom prst="rect">
-            <a:avLst/>
-          </a:prstGeom>
-        </p:spPr>
-        <p:style>
-          <a:lnRef idx="0">
-            <a:schemeClr val="accent4"/>
-          </a:lnRef>
-          <a:fillRef idx="3">
-            <a:schemeClr val="accent4"/>
-          </a:fillRef>
-          <a:effectRef idx="3">
-            <a:schemeClr val="accent4"/>
-          </a:effectRef>
-          <a:fontRef idx="minor">
-            <a:schemeClr val="lt1"/>
-          </a:fontRef>
-        </p:style>
-        <p:txBody>
-          <a:bodyPr rtlCol="0" anchor="ctr"/>
-          <a:lstStyle/>
-          <a:p>
-            <a:pPr algn="ctr"/>
-            <a:r>
-              <a:rPr lang="en-US" altLang="ja-JP" sz="2400" dirty="0">
-                <a:latin typeface="Hiragino Maru Gothic Pro W4" panose="020F0400000000000000" pitchFamily="34" charset="-128"/>
-                <a:ea typeface="Hiragino Maru Gothic Pro W4" panose="020F0400000000000000" pitchFamily="34" charset="-128"/>
-              </a:rPr>
-              <a:t>② </a:t>
-            </a:r>
-            <a:r>
-              <a:rPr lang="ja-JP" altLang="en-US" sz="2400">
-                <a:latin typeface="Hiragino Maru Gothic Pro W4" panose="020F0400000000000000" pitchFamily="34" charset="-128"/>
-                <a:ea typeface="Hiragino Maru Gothic Pro W4" panose="020F0400000000000000" pitchFamily="34" charset="-128"/>
-              </a:rPr>
-              <a:t>まほらま→東方</a:t>
-            </a:r>
-            <a:r>
-              <a:rPr lang="en-US" altLang="ja-JP" sz="2400" dirty="0">
-                <a:latin typeface="Hiragino Maru Gothic Pro W4" panose="020F0400000000000000" pitchFamily="34" charset="-128"/>
-                <a:ea typeface="Hiragino Maru Gothic Pro W4" panose="020F0400000000000000" pitchFamily="34" charset="-128"/>
-              </a:rPr>
-              <a:t> </a:t>
-            </a:r>
-            <a:r>
-              <a:rPr lang="ja-JP" altLang="en-US" sz="2400">
-                <a:latin typeface="Hiragino Maru Gothic Pro W4" panose="020F0400000000000000" pitchFamily="34" charset="-128"/>
-                <a:ea typeface="Hiragino Maru Gothic Pro W4" panose="020F0400000000000000" pitchFamily="34" charset="-128"/>
-              </a:rPr>
-              <a:t>サポート</a:t>
-            </a:r>
-            <a:endParaRPr lang="en-US" altLang="ja-JP" sz="2400" dirty="0">
-              <a:latin typeface="Hiragino Maru Gothic Pro W4" panose="020F0400000000000000" pitchFamily="34" charset="-128"/>
-              <a:ea typeface="Hiragino Maru Gothic Pro W4" panose="020F0400000000000000" pitchFamily="34" charset="-128"/>
-            </a:endParaRPr>
-          </a:p>
-        </p:txBody>
-      </p:sp>
-      <p:sp>
-        <p:nvSpPr>
-          <p:cNvPr id="12" name="正方形/長方形 11">
-            <a:extLst>
-              <a:ext uri="{FF2B5EF4-FFF2-40B4-BE49-F238E27FC236}">
-                <a16:creationId xmlns:a16="http://schemas.microsoft.com/office/drawing/2014/main" id="{89C7DC49-C989-D74E-A020-00DA984420CF}"/>
-              </a:ext>
-            </a:extLst>
-          </p:cNvPr>
-          <p:cNvSpPr/>
-          <p:nvPr/>
-        </p:nvSpPr>
-        <p:spPr>
-          <a:xfrm>
-            <a:off x="6453052" y="2160734"/>
-            <a:ext cx="4824550" cy="2287168"/>
-          </a:xfrm>
-          <a:prstGeom prst="rect">
-            <a:avLst/>
-          </a:prstGeom>
-        </p:spPr>
-        <p:style>
-          <a:lnRef idx="0">
-            <a:schemeClr val="accent1"/>
-          </a:lnRef>
-          <a:fillRef idx="3">
-            <a:schemeClr val="accent1"/>
-          </a:fillRef>
-          <a:effectRef idx="3">
-            <a:schemeClr val="accent1"/>
-          </a:effectRef>
-          <a:fontRef idx="minor">
-            <a:schemeClr val="lt1"/>
-          </a:fontRef>
-        </p:style>
-        <p:txBody>
-          <a:bodyPr rtlCol="0" anchor="ctr"/>
-          <a:lstStyle/>
-          <a:p>
-            <a:pPr algn="ctr"/>
-            <a:r>
-              <a:rPr lang="en-US" altLang="ja-JP" sz="2400" dirty="0">
-                <a:latin typeface="Hiragino Maru Gothic Pro W4" panose="020F0400000000000000" pitchFamily="34" charset="-128"/>
-                <a:ea typeface="Hiragino Maru Gothic Pro W4" panose="020F0400000000000000" pitchFamily="34" charset="-128"/>
-              </a:rPr>
-              <a:t>③ </a:t>
-            </a:r>
-            <a:r>
-              <a:rPr lang="ja-JP" altLang="en-US" sz="2400">
-                <a:latin typeface="Hiragino Maru Gothic Pro W4" panose="020F0400000000000000" pitchFamily="34" charset="-128"/>
-                <a:ea typeface="Hiragino Maru Gothic Pro W4" panose="020F0400000000000000" pitchFamily="34" charset="-128"/>
-              </a:rPr>
-              <a:t>東方→まほらま</a:t>
-            </a:r>
-            <a:r>
-              <a:rPr lang="en-US" altLang="ja-JP" sz="2400" dirty="0">
-                <a:latin typeface="Hiragino Maru Gothic Pro W4" panose="020F0400000000000000" pitchFamily="34" charset="-128"/>
-                <a:ea typeface="Hiragino Maru Gothic Pro W4" panose="020F0400000000000000" pitchFamily="34" charset="-128"/>
-              </a:rPr>
-              <a:t> </a:t>
-            </a:r>
-            <a:r>
-              <a:rPr lang="ja-JP" altLang="en-US" sz="2400">
-                <a:latin typeface="Hiragino Maru Gothic Pro W4" panose="020F0400000000000000" pitchFamily="34" charset="-128"/>
-                <a:ea typeface="Hiragino Maru Gothic Pro W4" panose="020F0400000000000000" pitchFamily="34" charset="-128"/>
-              </a:rPr>
-              <a:t>サポート</a:t>
-            </a:r>
-            <a:endParaRPr lang="en-US" altLang="ja-JP" sz="2400" dirty="0">
-              <a:latin typeface="Hiragino Maru Gothic Pro W4" panose="020F0400000000000000" pitchFamily="34" charset="-128"/>
-              <a:ea typeface="Hiragino Maru Gothic Pro W4" panose="020F0400000000000000" pitchFamily="34" charset="-128"/>
-            </a:endParaRPr>
-          </a:p>
-        </p:txBody>
-      </p:sp>
-      <p:sp>
-        <p:nvSpPr>
-          <p:cNvPr id="13" name="正方形/長方形 12">
-            <a:extLst>
-              <a:ext uri="{FF2B5EF4-FFF2-40B4-BE49-F238E27FC236}">
-                <a16:creationId xmlns:a16="http://schemas.microsoft.com/office/drawing/2014/main" id="{86B27419-B781-A14F-80D2-6313A2C2881C}"/>
-              </a:ext>
-            </a:extLst>
-          </p:cNvPr>
-          <p:cNvSpPr/>
-          <p:nvPr/>
-        </p:nvSpPr>
-        <p:spPr>
-          <a:xfrm>
-            <a:off x="6453052" y="4502331"/>
-            <a:ext cx="4824550" cy="1620202"/>
-          </a:xfrm>
-          <a:prstGeom prst="rect">
-            <a:avLst/>
-          </a:prstGeom>
-        </p:spPr>
-        <p:style>
-          <a:lnRef idx="0">
-            <a:schemeClr val="accent2"/>
-          </a:lnRef>
-          <a:fillRef idx="3">
-            <a:schemeClr val="accent2"/>
-          </a:fillRef>
-          <a:effectRef idx="3">
-            <a:schemeClr val="accent2"/>
-          </a:effectRef>
-          <a:fontRef idx="minor">
-            <a:schemeClr val="lt1"/>
-          </a:fontRef>
-        </p:style>
-        <p:txBody>
-          <a:bodyPr rtlCol="0" anchor="ctr"/>
-          <a:lstStyle/>
-          <a:p>
-            <a:pPr algn="ctr"/>
-            <a:r>
-              <a:rPr lang="en-US" altLang="ja-JP" sz="2400" dirty="0">
-                <a:latin typeface="Hiragino Maru Gothic Pro W4" panose="020F0400000000000000" pitchFamily="34" charset="-128"/>
-                <a:ea typeface="Hiragino Maru Gothic Pro W4" panose="020F0400000000000000" pitchFamily="34" charset="-128"/>
-              </a:rPr>
-              <a:t>④ </a:t>
-            </a:r>
-            <a:r>
-              <a:rPr lang="ja-JP" altLang="en-US" sz="2400">
-                <a:latin typeface="Hiragino Maru Gothic Pro W4" panose="020F0400000000000000" pitchFamily="34" charset="-128"/>
-                <a:ea typeface="Hiragino Maru Gothic Pro W4" panose="020F0400000000000000" pitchFamily="34" charset="-128"/>
-              </a:rPr>
-              <a:t>まほらま→東方</a:t>
-            </a:r>
-            <a:r>
-              <a:rPr lang="en-US" altLang="ja-JP" sz="2400" dirty="0">
-                <a:latin typeface="Hiragino Maru Gothic Pro W4" panose="020F0400000000000000" pitchFamily="34" charset="-128"/>
-                <a:ea typeface="Hiragino Maru Gothic Pro W4" panose="020F0400000000000000" pitchFamily="34" charset="-128"/>
-              </a:rPr>
-              <a:t> </a:t>
-            </a:r>
-            <a:r>
-              <a:rPr lang="ja-JP" altLang="en-US" sz="2400">
-                <a:latin typeface="Hiragino Maru Gothic Pro W4" panose="020F0400000000000000" pitchFamily="34" charset="-128"/>
-                <a:ea typeface="Hiragino Maru Gothic Pro W4" panose="020F0400000000000000" pitchFamily="34" charset="-128"/>
-              </a:rPr>
-              <a:t>サポート</a:t>
-            </a:r>
-            <a:br>
-              <a:rPr lang="en-US" altLang="ja-JP" sz="2400" dirty="0">
-                <a:latin typeface="Hiragino Maru Gothic Pro W4" panose="020F0400000000000000" pitchFamily="34" charset="-128"/>
-                <a:ea typeface="Hiragino Maru Gothic Pro W4" panose="020F0400000000000000" pitchFamily="34" charset="-128"/>
-              </a:rPr>
-            </a:br>
-            <a:r>
-              <a:rPr lang="en-US" altLang="ja-JP" sz="2400" dirty="0">
-                <a:latin typeface="Hiragino Maru Gothic Pro W4" panose="020F0400000000000000" pitchFamily="34" charset="-128"/>
-                <a:ea typeface="Hiragino Maru Gothic Pro W4" panose="020F0400000000000000" pitchFamily="34" charset="-128"/>
-              </a:rPr>
-              <a:t>(JWC</a:t>
-            </a:r>
-            <a:r>
-              <a:rPr lang="ja-JP" altLang="en-US" sz="2400">
-                <a:latin typeface="Hiragino Maru Gothic Pro W4" panose="020F0400000000000000" pitchFamily="34" charset="-128"/>
-                <a:ea typeface="Hiragino Maru Gothic Pro W4" panose="020F0400000000000000" pitchFamily="34" charset="-128"/>
-              </a:rPr>
-              <a:t>戦はリーグ期間中無し前提</a:t>
-            </a:r>
-            <a:r>
-              <a:rPr lang="en-US" altLang="ja-JP" sz="2400" dirty="0">
-                <a:latin typeface="Hiragino Maru Gothic Pro W4" panose="020F0400000000000000" pitchFamily="34" charset="-128"/>
-                <a:ea typeface="Hiragino Maru Gothic Pro W4" panose="020F0400000000000000" pitchFamily="34" charset="-128"/>
-              </a:rPr>
-              <a:t>)</a:t>
-            </a:r>
-          </a:p>
-        </p:txBody>
-      </p:sp>
-      <p:sp>
-        <p:nvSpPr>
-          <p:cNvPr id="9" name="正方形/長方形 8">
-            <a:extLst>
-              <a:ext uri="{FF2B5EF4-FFF2-40B4-BE49-F238E27FC236}">
-                <a16:creationId xmlns:a16="http://schemas.microsoft.com/office/drawing/2014/main" id="{DCC2E1EB-35D1-AD43-9655-DF1B6D634622}"/>
-              </a:ext>
-            </a:extLst>
-          </p:cNvPr>
-          <p:cNvSpPr/>
-          <p:nvPr/>
-        </p:nvSpPr>
-        <p:spPr>
-          <a:xfrm>
-            <a:off x="1567549" y="1593081"/>
-            <a:ext cx="4824550" cy="510192"/>
-          </a:xfrm>
-          <a:prstGeom prst="rect">
-            <a:avLst/>
-          </a:prstGeom>
-        </p:spPr>
-        <p:style>
-          <a:lnRef idx="0">
-            <a:schemeClr val="dk1"/>
-          </a:lnRef>
-          <a:fillRef idx="3">
-            <a:schemeClr val="dk1"/>
-          </a:fillRef>
-          <a:effectRef idx="3">
-            <a:schemeClr val="dk1"/>
-          </a:effectRef>
-          <a:fontRef idx="minor">
-            <a:schemeClr val="lt1"/>
-          </a:fontRef>
-        </p:style>
-        <p:txBody>
-          <a:bodyPr rtlCol="0" anchor="ctr"/>
-          <a:lstStyle/>
-          <a:p>
-            <a:pPr algn="ctr"/>
-            <a:r>
-              <a:rPr lang="en-US" altLang="ja-JP" sz="2400" dirty="0">
-                <a:effectLst>
-                  <a:innerShdw blurRad="63500" dist="50800" dir="13500000">
-                    <a:prstClr val="black">
-                      <a:alpha val="50000"/>
-                    </a:prstClr>
-                  </a:innerShdw>
-                </a:effectLst>
-                <a:latin typeface="Hiragino Maru Gothic Pro W4" panose="020F0400000000000000" pitchFamily="34" charset="-128"/>
-                <a:ea typeface="Hiragino Maru Gothic Pro W4" panose="020F0400000000000000" pitchFamily="34" charset="-128"/>
-              </a:rPr>
-              <a:t>JWC</a:t>
-            </a:r>
-            <a:r>
-              <a:rPr lang="ja-JP" altLang="en-US" sz="2400">
-                <a:effectLst>
-                  <a:innerShdw blurRad="63500" dist="50800" dir="13500000">
-                    <a:prstClr val="black">
-                      <a:alpha val="50000"/>
-                    </a:prstClr>
-                  </a:innerShdw>
-                </a:effectLst>
-                <a:latin typeface="Hiragino Maru Gothic Pro W4" panose="020F0400000000000000" pitchFamily="34" charset="-128"/>
-                <a:ea typeface="Hiragino Maru Gothic Pro W4" panose="020F0400000000000000" pitchFamily="34" charset="-128"/>
-              </a:rPr>
-              <a:t>オフシーズン</a:t>
-            </a:r>
-            <a:endParaRPr lang="en-US" altLang="ja-JP" sz="2400" dirty="0">
-              <a:effectLst>
-                <a:innerShdw blurRad="63500" dist="50800" dir="13500000">
-                  <a:prstClr val="black">
-                    <a:alpha val="50000"/>
-                  </a:prstClr>
-                </a:innerShdw>
-              </a:effectLst>
-              <a:latin typeface="Hiragino Maru Gothic Pro W4" panose="020F0400000000000000" pitchFamily="34" charset="-128"/>
-              <a:ea typeface="Hiragino Maru Gothic Pro W4" panose="020F0400000000000000" pitchFamily="34" charset="-128"/>
-            </a:endParaRPr>
-          </a:p>
-        </p:txBody>
-      </p:sp>
-      <p:sp>
-        <p:nvSpPr>
-          <p:cNvPr id="11" name="正方形/長方形 10">
-            <a:extLst>
-              <a:ext uri="{FF2B5EF4-FFF2-40B4-BE49-F238E27FC236}">
-                <a16:creationId xmlns:a16="http://schemas.microsoft.com/office/drawing/2014/main" id="{C5BF9ECA-4F8D-1046-84C0-EBFA7381A2A1}"/>
-              </a:ext>
-            </a:extLst>
-          </p:cNvPr>
-          <p:cNvSpPr/>
-          <p:nvPr/>
-        </p:nvSpPr>
-        <p:spPr>
-          <a:xfrm>
-            <a:off x="6453052" y="1588575"/>
-            <a:ext cx="4824550" cy="510192"/>
-          </a:xfrm>
-          <a:prstGeom prst="rect">
-            <a:avLst/>
-          </a:prstGeom>
-        </p:spPr>
-        <p:style>
-          <a:lnRef idx="0">
-            <a:schemeClr val="dk1"/>
-          </a:lnRef>
-          <a:fillRef idx="3">
-            <a:schemeClr val="dk1"/>
-          </a:fillRef>
-          <a:effectRef idx="3">
-            <a:schemeClr val="dk1"/>
-          </a:effectRef>
-          <a:fontRef idx="minor">
-            <a:schemeClr val="lt1"/>
-          </a:fontRef>
-        </p:style>
-        <p:txBody>
-          <a:bodyPr rtlCol="0" anchor="ctr"/>
-          <a:lstStyle/>
-          <a:p>
-            <a:pPr algn="ctr"/>
-            <a:r>
-              <a:rPr lang="en-US" altLang="ja-JP" sz="2400" dirty="0">
-                <a:effectLst>
-                  <a:innerShdw blurRad="63500" dist="50800" dir="13500000">
-                    <a:prstClr val="black">
-                      <a:alpha val="50000"/>
-                    </a:prstClr>
-                  </a:innerShdw>
-                </a:effectLst>
-                <a:latin typeface="Hiragino Maru Gothic Pro W4" panose="020F0400000000000000" pitchFamily="34" charset="-128"/>
-                <a:ea typeface="Hiragino Maru Gothic Pro W4" panose="020F0400000000000000" pitchFamily="34" charset="-128"/>
-              </a:rPr>
-              <a:t>JWC</a:t>
-            </a:r>
-            <a:r>
-              <a:rPr lang="ja-JP" altLang="en-US" sz="2400">
-                <a:effectLst>
-                  <a:innerShdw blurRad="63500" dist="50800" dir="13500000">
-                    <a:prstClr val="black">
-                      <a:alpha val="50000"/>
-                    </a:prstClr>
-                  </a:innerShdw>
-                </a:effectLst>
-                <a:latin typeface="Hiragino Maru Gothic Pro W4" panose="020F0400000000000000" pitchFamily="34" charset="-128"/>
-                <a:ea typeface="Hiragino Maru Gothic Pro W4" panose="020F0400000000000000" pitchFamily="34" charset="-128"/>
-              </a:rPr>
-              <a:t>オンシーズン</a:t>
-            </a:r>
-            <a:endParaRPr lang="en-US" altLang="ja-JP" sz="2400" dirty="0">
-              <a:effectLst>
-                <a:innerShdw blurRad="63500" dist="50800" dir="13500000">
-                  <a:prstClr val="black">
-                    <a:alpha val="50000"/>
-                  </a:prstClr>
-                </a:innerShdw>
-              </a:effectLst>
-              <a:latin typeface="Hiragino Maru Gothic Pro W4" panose="020F0400000000000000" pitchFamily="34" charset="-128"/>
-              <a:ea typeface="Hiragino Maru Gothic Pro W4" panose="020F0400000000000000" pitchFamily="34" charset="-128"/>
-            </a:endParaRPr>
-          </a:p>
-        </p:txBody>
-      </p:sp>
-      <p:sp>
-        <p:nvSpPr>
-          <p:cNvPr id="14" name="正方形/長方形 13">
-            <a:extLst>
-              <a:ext uri="{FF2B5EF4-FFF2-40B4-BE49-F238E27FC236}">
-                <a16:creationId xmlns:a16="http://schemas.microsoft.com/office/drawing/2014/main" id="{4883BD44-2332-AE4B-9EC5-7F2F660BD415}"/>
-              </a:ext>
-            </a:extLst>
-          </p:cNvPr>
-          <p:cNvSpPr/>
-          <p:nvPr/>
-        </p:nvSpPr>
-        <p:spPr>
-          <a:xfrm>
-            <a:off x="914398" y="2160734"/>
-            <a:ext cx="592198" cy="2287168"/>
-          </a:xfrm>
-          <a:prstGeom prst="rect">
-            <a:avLst/>
-          </a:prstGeom>
-        </p:spPr>
-        <p:style>
-          <a:lnRef idx="0">
-            <a:schemeClr val="dk1"/>
-          </a:lnRef>
-          <a:fillRef idx="3">
-            <a:schemeClr val="dk1"/>
-          </a:fillRef>
-          <a:effectRef idx="3">
-            <a:schemeClr val="dk1"/>
-          </a:effectRef>
-          <a:fontRef idx="minor">
-            <a:schemeClr val="lt1"/>
-          </a:fontRef>
-        </p:style>
-        <p:txBody>
-          <a:bodyPr vert="eaVert" rtlCol="0" anchor="ctr"/>
-          <a:lstStyle/>
-          <a:p>
-            <a:pPr algn="ctr"/>
-            <a:r>
-              <a:rPr lang="ja-JP" altLang="en-US" sz="2400">
-                <a:effectLst>
-                  <a:innerShdw blurRad="63500" dist="50800" dir="13500000">
-                    <a:prstClr val="black">
-                      <a:alpha val="50000"/>
-                    </a:prstClr>
-                  </a:innerShdw>
-                </a:effectLst>
-                <a:latin typeface="Hiragino Maru Gothic Pro W4" panose="020F0400000000000000" pitchFamily="34" charset="-128"/>
-                <a:ea typeface="Hiragino Maru Gothic Pro W4" panose="020F0400000000000000" pitchFamily="34" charset="-128"/>
-              </a:rPr>
-              <a:t>野良戦期間</a:t>
-            </a:r>
-            <a:endParaRPr lang="en-US" altLang="ja-JP" sz="2400" dirty="0">
-              <a:effectLst>
-                <a:innerShdw blurRad="63500" dist="50800" dir="13500000">
-                  <a:prstClr val="black">
-                    <a:alpha val="50000"/>
-                  </a:prstClr>
-                </a:innerShdw>
-              </a:effectLst>
-              <a:latin typeface="Hiragino Maru Gothic Pro W4" panose="020F0400000000000000" pitchFamily="34" charset="-128"/>
-              <a:ea typeface="Hiragino Maru Gothic Pro W4" panose="020F0400000000000000" pitchFamily="34" charset="-128"/>
-            </a:endParaRPr>
-          </a:p>
-        </p:txBody>
-      </p:sp>
-      <p:sp>
-        <p:nvSpPr>
-          <p:cNvPr id="16" name="正方形/長方形 15">
-            <a:extLst>
-              <a:ext uri="{FF2B5EF4-FFF2-40B4-BE49-F238E27FC236}">
-                <a16:creationId xmlns:a16="http://schemas.microsoft.com/office/drawing/2014/main" id="{D96A6077-E02E-0943-9519-ED542C077AD5}"/>
-              </a:ext>
-            </a:extLst>
-          </p:cNvPr>
-          <p:cNvSpPr/>
-          <p:nvPr/>
-        </p:nvSpPr>
-        <p:spPr>
-          <a:xfrm>
-            <a:off x="914398" y="4502331"/>
-            <a:ext cx="592198" cy="1620201"/>
-          </a:xfrm>
-          <a:prstGeom prst="rect">
-            <a:avLst/>
-          </a:prstGeom>
-        </p:spPr>
-        <p:style>
-          <a:lnRef idx="0">
-            <a:schemeClr val="dk1"/>
-          </a:lnRef>
-          <a:fillRef idx="3">
-            <a:schemeClr val="dk1"/>
-          </a:fillRef>
-          <a:effectRef idx="3">
-            <a:schemeClr val="dk1"/>
-          </a:effectRef>
-          <a:fontRef idx="minor">
-            <a:schemeClr val="lt1"/>
-          </a:fontRef>
-        </p:style>
-        <p:txBody>
-          <a:bodyPr vert="eaVert" rtlCol="0" anchor="ctr"/>
-          <a:lstStyle/>
-          <a:p>
-            <a:pPr algn="ctr"/>
-            <a:r>
-              <a:rPr lang="ja-JP" altLang="en-US" sz="2400">
-                <a:effectLst>
-                  <a:innerShdw blurRad="63500" dist="50800" dir="13500000">
-                    <a:prstClr val="black">
-                      <a:alpha val="50000"/>
-                    </a:prstClr>
-                  </a:innerShdw>
-                </a:effectLst>
-                <a:latin typeface="Hiragino Maru Gothic Pro W4" panose="020F0400000000000000" pitchFamily="34" charset="-128"/>
-                <a:ea typeface="Hiragino Maru Gothic Pro W4" panose="020F0400000000000000" pitchFamily="34" charset="-128"/>
-              </a:rPr>
-              <a:t>リーグ期間</a:t>
-            </a:r>
-            <a:endParaRPr lang="en-US" altLang="ja-JP" sz="2400" dirty="0">
-              <a:effectLst>
-                <a:innerShdw blurRad="63500" dist="50800" dir="13500000">
-                  <a:prstClr val="black">
-                    <a:alpha val="50000"/>
-                  </a:prstClr>
-                </a:innerShdw>
-              </a:effectLst>
-              <a:latin typeface="Hiragino Maru Gothic Pro W4" panose="020F0400000000000000" pitchFamily="34" charset="-128"/>
-              <a:ea typeface="Hiragino Maru Gothic Pro W4" panose="020F0400000000000000" pitchFamily="34" charset="-128"/>
-            </a:endParaRPr>
-          </a:p>
-        </p:txBody>
-      </p:sp>
     </p:spTree>
     <p:extLst>
       <p:ext uri="{BB962C8B-B14F-4D97-AF65-F5344CB8AC3E}">
-        <p14:creationId xmlns:p14="http://schemas.microsoft.com/office/powerpoint/2010/main" val="2561644835"/>
+        <p14:creationId xmlns:p14="http://schemas.microsoft.com/office/powerpoint/2010/main" val="4293519374"/>
       </p:ext>
     </p:extLst>
   </p:cSld>
@@ -12099,6 +11596,18 @@
           <a:lstStyle/>
           <a:p>
             <a:r>
+              <a:rPr lang="ja-JP" altLang="en-US">
+                <a:solidFill>
+                  <a:schemeClr val="accent5">
+                    <a:lumMod val="50000"/>
+                  </a:schemeClr>
+                </a:solidFill>
+                <a:latin typeface="Hiragino Maru Gothic Pro W4" panose="020F0400000000000000" pitchFamily="34" charset="-128"/>
+                <a:ea typeface="Hiragino Maru Gothic Pro W4" panose="020F0400000000000000" pitchFamily="34" charset="-128"/>
+              </a:rPr>
+              <a:t>ならば背中を押す </a:t>
+            </a:r>
+            <a:r>
               <a:rPr lang="en-US" altLang="ja-JP" dirty="0">
                 <a:solidFill>
                   <a:schemeClr val="accent5">
@@ -12108,271 +11617,9 @@
                 <a:latin typeface="Hiragino Maru Gothic Pro W4" panose="020F0400000000000000" pitchFamily="34" charset="-128"/>
                 <a:ea typeface="Hiragino Maru Gothic Pro W4" panose="020F0400000000000000" pitchFamily="34" charset="-128"/>
               </a:rPr>
-              <a:t>①JWC</a:t>
-            </a:r>
-            <a:r>
-              <a:rPr lang="ja-JP" altLang="en-US">
-                <a:solidFill>
-                  <a:schemeClr val="accent5">
-                    <a:lumMod val="50000"/>
-                  </a:schemeClr>
-                </a:solidFill>
-                <a:latin typeface="Hiragino Maru Gothic Pro W4" panose="020F0400000000000000" pitchFamily="34" charset="-128"/>
-                <a:ea typeface="Hiragino Maru Gothic Pro W4" panose="020F0400000000000000" pitchFamily="34" charset="-128"/>
-              </a:rPr>
-              <a:t>オフシーズン</a:t>
-            </a:r>
-            <a:r>
-              <a:rPr lang="en-US" altLang="ja-JP" dirty="0">
-                <a:solidFill>
-                  <a:schemeClr val="accent5">
-                    <a:lumMod val="50000"/>
-                  </a:schemeClr>
-                </a:solidFill>
-                <a:latin typeface="Hiragino Maru Gothic Pro W4" panose="020F0400000000000000" pitchFamily="34" charset="-128"/>
-                <a:ea typeface="Hiragino Maru Gothic Pro W4" panose="020F0400000000000000" pitchFamily="34" charset="-128"/>
-              </a:rPr>
-              <a:t>×</a:t>
-            </a:r>
-            <a:r>
-              <a:rPr lang="ja-JP" altLang="en-US">
-                <a:solidFill>
-                  <a:schemeClr val="accent5">
-                    <a:lumMod val="50000"/>
-                  </a:schemeClr>
-                </a:solidFill>
-                <a:latin typeface="Hiragino Maru Gothic Pro W4" panose="020F0400000000000000" pitchFamily="34" charset="-128"/>
-                <a:ea typeface="Hiragino Maru Gothic Pro W4" panose="020F0400000000000000" pitchFamily="34" charset="-128"/>
-              </a:rPr>
-              <a:t>野良戦期間</a:t>
+              <a:t>(2021/04/11)</a:t>
             </a:r>
             <a:endParaRPr kumimoji="1" lang="ja-JP" altLang="en-US">
-              <a:solidFill>
-                <a:schemeClr val="accent5">
-                  <a:lumMod val="50000"/>
-                </a:schemeClr>
-              </a:solidFill>
-              <a:latin typeface="Hiragino Maru Gothic Pro W4" panose="020F0400000000000000" pitchFamily="34" charset="-128"/>
-              <a:ea typeface="Hiragino Maru Gothic Pro W4" panose="020F0400000000000000" pitchFamily="34" charset="-128"/>
-            </a:endParaRPr>
-          </a:p>
-        </p:txBody>
-      </p:sp>
-      <p:sp>
-        <p:nvSpPr>
-          <p:cNvPr id="3" name="コンテンツ プレースホルダー 2">
-            <a:extLst>
-              <a:ext uri="{FF2B5EF4-FFF2-40B4-BE49-F238E27FC236}">
-                <a16:creationId xmlns:a16="http://schemas.microsoft.com/office/drawing/2014/main" id="{01E773B8-156E-4743-8E4A-3ED5FB7CC4E2}"/>
-              </a:ext>
-            </a:extLst>
-          </p:cNvPr>
-          <p:cNvSpPr>
-            <a:spLocks noGrp="1"/>
-          </p:cNvSpPr>
-          <p:nvPr>
-            <p:ph idx="1"/>
-          </p:nvPr>
-        </p:nvSpPr>
-        <p:spPr>
-          <a:xfrm>
-            <a:off x="838200" y="1588575"/>
-            <a:ext cx="10515600" cy="4588387"/>
-          </a:xfrm>
-        </p:spPr>
-        <p:txBody>
-          <a:bodyPr>
-            <a:normAutofit/>
-          </a:bodyPr>
-          <a:lstStyle/>
-          <a:p>
-            <a:pPr marL="388620" indent="-342900"/>
-            <a:r>
-              <a:rPr lang="ja-JP" altLang="en-US" sz="2400">
-                <a:solidFill>
-                  <a:srgbClr val="FF0000"/>
-                </a:solidFill>
-                <a:latin typeface="Hiragino Maru Gothic Pro W4" panose="020F0400000000000000" pitchFamily="34" charset="-128"/>
-                <a:ea typeface="Hiragino Maru Gothic Pro W4" panose="020F0400000000000000" pitchFamily="34" charset="-128"/>
-              </a:rPr>
-              <a:t>両クランとも自立できているので協力体制は不要</a:t>
-            </a:r>
-            <a:r>
-              <a:rPr lang="en-US" altLang="ja-JP" sz="2000" dirty="0">
-                <a:solidFill>
-                  <a:srgbClr val="FF0000"/>
-                </a:solidFill>
-                <a:latin typeface="Hiragino Maru Gothic Pro W4" panose="020F0400000000000000" pitchFamily="34" charset="-128"/>
-                <a:ea typeface="Hiragino Maru Gothic Pro W4" panose="020F0400000000000000" pitchFamily="34" charset="-128"/>
-              </a:rPr>
-              <a:t>(</a:t>
-            </a:r>
-            <a:r>
-              <a:rPr lang="ja-JP" altLang="en-US" sz="2000">
-                <a:solidFill>
-                  <a:srgbClr val="FF0000"/>
-                </a:solidFill>
-                <a:latin typeface="Hiragino Maru Gothic Pro W4" panose="020F0400000000000000" pitchFamily="34" charset="-128"/>
-                <a:ea typeface="Hiragino Maru Gothic Pro W4" panose="020F0400000000000000" pitchFamily="34" charset="-128"/>
-              </a:rPr>
-              <a:t>なはず</a:t>
-            </a:r>
-            <a:r>
-              <a:rPr lang="en-US" altLang="ja-JP" sz="2000" dirty="0">
-                <a:solidFill>
-                  <a:srgbClr val="FF0000"/>
-                </a:solidFill>
-                <a:latin typeface="Hiragino Maru Gothic Pro W4" panose="020F0400000000000000" pitchFamily="34" charset="-128"/>
-                <a:ea typeface="Hiragino Maru Gothic Pro W4" panose="020F0400000000000000" pitchFamily="34" charset="-128"/>
-              </a:rPr>
-              <a:t>)</a:t>
-            </a:r>
-          </a:p>
-          <a:p>
-            <a:pPr marL="388620" indent="-342900"/>
-            <a:r>
-              <a:rPr lang="en-US" altLang="ja-JP" sz="2000" dirty="0">
-                <a:solidFill>
-                  <a:schemeClr val="accent5">
-                    <a:lumMod val="50000"/>
-                  </a:schemeClr>
-                </a:solidFill>
-                <a:latin typeface="Hiragino Maru Gothic Pro W4" panose="020F0400000000000000" pitchFamily="34" charset="-128"/>
-                <a:ea typeface="Hiragino Maru Gothic Pro W4" panose="020F0400000000000000" pitchFamily="34" charset="-128"/>
-              </a:rPr>
-              <a:t>(</a:t>
-            </a:r>
-            <a:r>
-              <a:rPr lang="ja-JP" altLang="en-US" sz="2000">
-                <a:solidFill>
-                  <a:schemeClr val="accent5">
-                    <a:lumMod val="50000"/>
-                  </a:schemeClr>
-                </a:solidFill>
-                <a:latin typeface="Hiragino Maru Gothic Pro W4" panose="020F0400000000000000" pitchFamily="34" charset="-128"/>
-                <a:ea typeface="Hiragino Maru Gothic Pro W4" panose="020F0400000000000000" pitchFamily="34" charset="-128"/>
-              </a:rPr>
-              <a:t>東方メンバーではあるが</a:t>
-            </a:r>
-            <a:r>
-              <a:rPr lang="en-US" altLang="ja-JP" sz="2000" dirty="0">
-                <a:solidFill>
-                  <a:schemeClr val="accent5">
-                    <a:lumMod val="50000"/>
-                  </a:schemeClr>
-                </a:solidFill>
-                <a:latin typeface="Hiragino Maru Gothic Pro W4" panose="020F0400000000000000" pitchFamily="34" charset="-128"/>
-                <a:ea typeface="Hiragino Maru Gothic Pro W4" panose="020F0400000000000000" pitchFamily="34" charset="-128"/>
-              </a:rPr>
-              <a:t>)</a:t>
-            </a:r>
-            <a:r>
-              <a:rPr lang="ja-JP" altLang="en-US" sz="2400">
-                <a:solidFill>
-                  <a:schemeClr val="accent5">
-                    <a:lumMod val="50000"/>
-                  </a:schemeClr>
-                </a:solidFill>
-                <a:latin typeface="Hiragino Maru Gothic Pro W4" panose="020F0400000000000000" pitchFamily="34" charset="-128"/>
-                <a:ea typeface="Hiragino Maru Gothic Pro W4" panose="020F0400000000000000" pitchFamily="34" charset="-128"/>
-              </a:rPr>
-              <a:t>まほらまで活動してくれていた</a:t>
-            </a:r>
-            <a:br>
-              <a:rPr lang="en-US" altLang="ja-JP" sz="2400" dirty="0">
-                <a:solidFill>
-                  <a:schemeClr val="accent5">
-                    <a:lumMod val="50000"/>
-                  </a:schemeClr>
-                </a:solidFill>
-                <a:latin typeface="Hiragino Maru Gothic Pro W4" panose="020F0400000000000000" pitchFamily="34" charset="-128"/>
-                <a:ea typeface="Hiragino Maru Gothic Pro W4" panose="020F0400000000000000" pitchFamily="34" charset="-128"/>
-              </a:rPr>
-            </a:br>
-            <a:r>
-              <a:rPr lang="ja-JP" altLang="en-US" sz="2400">
-                <a:solidFill>
-                  <a:schemeClr val="accent5">
-                    <a:lumMod val="50000"/>
-                  </a:schemeClr>
-                </a:solidFill>
-                <a:latin typeface="Hiragino Maru Gothic Pro W4" panose="020F0400000000000000" pitchFamily="34" charset="-128"/>
-                <a:ea typeface="Hiragino Maru Gothic Pro W4" panose="020F0400000000000000" pitchFamily="34" charset="-128"/>
-              </a:rPr>
-              <a:t>魔王様・くい助さん・黒桜さんに関しては、今まで通り</a:t>
-            </a:r>
-            <a:br>
-              <a:rPr lang="en-US" altLang="ja-JP" sz="2400" dirty="0">
-                <a:solidFill>
-                  <a:schemeClr val="accent5">
-                    <a:lumMod val="50000"/>
-                  </a:schemeClr>
-                </a:solidFill>
-                <a:latin typeface="Hiragino Maru Gothic Pro W4" panose="020F0400000000000000" pitchFamily="34" charset="-128"/>
-                <a:ea typeface="Hiragino Maru Gothic Pro W4" panose="020F0400000000000000" pitchFamily="34" charset="-128"/>
-              </a:rPr>
-            </a:br>
-            <a:r>
-              <a:rPr lang="ja-JP" altLang="en-US" sz="2400">
-                <a:solidFill>
-                  <a:schemeClr val="accent5">
-                    <a:lumMod val="50000"/>
-                  </a:schemeClr>
-                </a:solidFill>
-                <a:latin typeface="Hiragino Maru Gothic Pro W4" panose="020F0400000000000000" pitchFamily="34" charset="-128"/>
-                <a:ea typeface="Hiragino Maru Gothic Pro W4" panose="020F0400000000000000" pitchFamily="34" charset="-128"/>
-              </a:rPr>
-              <a:t>まほらまにて活動いただく</a:t>
-            </a:r>
-            <a:endParaRPr lang="en-US" altLang="ja-JP" sz="2400" dirty="0">
-              <a:solidFill>
-                <a:schemeClr val="accent5">
-                  <a:lumMod val="50000"/>
-                </a:schemeClr>
-              </a:solidFill>
-              <a:latin typeface="Hiragino Maru Gothic Pro W4" panose="020F0400000000000000" pitchFamily="34" charset="-128"/>
-              <a:ea typeface="Hiragino Maru Gothic Pro W4" panose="020F0400000000000000" pitchFamily="34" charset="-128"/>
-            </a:endParaRPr>
-          </a:p>
-          <a:p>
-            <a:pPr marL="388620" indent="-342900"/>
-            <a:r>
-              <a:rPr lang="en-US" altLang="ja-JP" sz="2400" dirty="0">
-                <a:solidFill>
-                  <a:schemeClr val="accent5">
-                    <a:lumMod val="50000"/>
-                  </a:schemeClr>
-                </a:solidFill>
-                <a:latin typeface="Hiragino Maru Gothic Pro W4" panose="020F0400000000000000" pitchFamily="34" charset="-128"/>
-                <a:ea typeface="Hiragino Maru Gothic Pro W4" panose="020F0400000000000000" pitchFamily="34" charset="-128"/>
-              </a:rPr>
-              <a:t>121</a:t>
-            </a:r>
-            <a:r>
-              <a:rPr lang="ja-JP" altLang="en-US" sz="2400">
-                <a:solidFill>
-                  <a:schemeClr val="accent5">
-                    <a:lumMod val="50000"/>
-                  </a:schemeClr>
-                </a:solidFill>
-                <a:latin typeface="Hiragino Maru Gothic Pro W4" panose="020F0400000000000000" pitchFamily="34" charset="-128"/>
-                <a:ea typeface="Hiragino Maru Gothic Pro W4" panose="020F0400000000000000" pitchFamily="34" charset="-128"/>
-              </a:rPr>
-              <a:t>さんに関しては要相談とする</a:t>
-            </a:r>
-            <a:endParaRPr lang="en-US" altLang="ja-JP" sz="2000" dirty="0">
-              <a:solidFill>
-                <a:schemeClr val="accent5">
-                  <a:lumMod val="50000"/>
-                </a:schemeClr>
-              </a:solidFill>
-              <a:latin typeface="Hiragino Maru Gothic Pro W4" panose="020F0400000000000000" pitchFamily="34" charset="-128"/>
-              <a:ea typeface="Hiragino Maru Gothic Pro W4" panose="020F0400000000000000" pitchFamily="34" charset="-128"/>
-            </a:endParaRPr>
-          </a:p>
-          <a:p>
-            <a:pPr marL="388620" indent="-342900"/>
-            <a:endParaRPr lang="en-US" altLang="ja-JP" sz="2400" dirty="0">
               <a:solidFill>
                 <a:schemeClr val="accent5">
                   <a:lumMod val="50000"/>
@@ -12426,10 +11673,56 @@
           </a:p>
         </p:txBody>
       </p:sp>
+      <p:pic>
+        <p:nvPicPr>
+          <p:cNvPr id="6" name="図 5" descr="グラフィカル ユーザー インターフェイス, テキスト&#10;&#10;自動的に生成された説明">
+            <a:extLst>
+              <a:ext uri="{FF2B5EF4-FFF2-40B4-BE49-F238E27FC236}">
+                <a16:creationId xmlns:a16="http://schemas.microsoft.com/office/drawing/2014/main" id="{9115A0B9-D3D5-8440-99F4-1310B3AABF21}"/>
+              </a:ext>
+            </a:extLst>
+          </p:cNvPr>
+          <p:cNvPicPr>
+            <a:picLocks noChangeAspect="1"/>
+          </p:cNvPicPr>
+          <p:nvPr/>
+        </p:nvPicPr>
+        <p:blipFill>
+          <a:blip r:embed="rId2">
+            <a:extLst>
+              <a:ext uri="{28A0092B-C50C-407E-A947-70E740481C1C}">
+                <a14:useLocalDpi xmlns:a14="http://schemas.microsoft.com/office/drawing/2010/main" val="0"/>
+              </a:ext>
+            </a:extLst>
+          </a:blip>
+          <a:stretch>
+            <a:fillRect/>
+          </a:stretch>
+        </p:blipFill>
+        <p:spPr>
+          <a:xfrm>
+            <a:off x="1242060" y="1409187"/>
+            <a:ext cx="9707880" cy="4682185"/>
+          </a:xfrm>
+          <a:prstGeom prst="rect">
+            <a:avLst/>
+          </a:prstGeom>
+          <a:ln>
+            <a:noFill/>
+          </a:ln>
+          <a:effectLst>
+            <a:outerShdw blurRad="292100" dist="139700" dir="2700000" algn="tl" rotWithShape="0">
+              <a:srgbClr val="333333">
+                <a:alpha val="65000"/>
+              </a:srgbClr>
+            </a:outerShdw>
+          </a:effectLst>
+        </p:spPr>
+      </p:pic>
     </p:spTree>
     <p:extLst>
       <p:ext uri="{BB962C8B-B14F-4D97-AF65-F5344CB8AC3E}">
-        <p14:creationId xmlns:p14="http://schemas.microsoft.com/office/powerpoint/2010/main" val="3764517135"/>
+        <p14:creationId xmlns:p14="http://schemas.microsoft.com/office/powerpoint/2010/main" val="4095832598"/>
       </p:ext>
     </p:extLst>
   </p:cSld>
@@ -12473,7 +11766,7 @@
           <p:cNvPr id="2" name="タイトル 1">
             <a:extLst>
               <a:ext uri="{FF2B5EF4-FFF2-40B4-BE49-F238E27FC236}">
-                <a16:creationId xmlns:a16="http://schemas.microsoft.com/office/drawing/2014/main" id="{4BEF2D4F-28AD-C84D-A4AC-A607D5B45D24}"/>
+                <a16:creationId xmlns:a16="http://schemas.microsoft.com/office/drawing/2014/main" id="{05E27039-9568-144A-9E91-3B61FB565D2A}"/>
               </a:ext>
             </a:extLst>
           </p:cNvPr>
@@ -12481,15 +11774,34 @@
             <a:spLocks noGrp="1"/>
           </p:cNvSpPr>
           <p:nvPr>
-            <p:ph type="title"/>
+            <p:ph type="ctrTitle"/>
           </p:nvPr>
         </p:nvSpPr>
-        <p:spPr/>
+        <p:spPr>
+          <a:xfrm>
+            <a:off x="1306286" y="1187630"/>
+            <a:ext cx="9570720" cy="3173122"/>
+          </a:xfrm>
+        </p:spPr>
         <p:txBody>
-          <a:bodyPr/>
+          <a:bodyPr>
+            <a:normAutofit/>
+          </a:bodyPr>
           <a:lstStyle/>
           <a:p>
             <a:r>
+              <a:rPr lang="ja-JP" altLang="en-US">
+                <a:solidFill>
+                  <a:schemeClr val="accent5">
+                    <a:lumMod val="50000"/>
+                  </a:schemeClr>
+                </a:solidFill>
+                <a:latin typeface="Hiragino Maru Gothic Pro W4" panose="020F0400000000000000" pitchFamily="34" charset="-128"/>
+                <a:ea typeface="Hiragino Maru Gothic Pro W4" panose="020F0400000000000000" pitchFamily="34" charset="-128"/>
+              </a:rPr>
+              <a:t>案４、</a:t>
+            </a:r>
+            <a:br>
               <a:rPr lang="en-US" altLang="ja-JP" dirty="0">
                 <a:solidFill>
                   <a:schemeClr val="accent5">
@@ -12499,8 +11811,7 @@
                 <a:latin typeface="Hiragino Maru Gothic Pro W4" panose="020F0400000000000000" pitchFamily="34" charset="-128"/>
                 <a:ea typeface="Hiragino Maru Gothic Pro W4" panose="020F0400000000000000" pitchFamily="34" charset="-128"/>
               </a:rPr>
-              <a:t>②JWC</a:t>
-            </a:r>
+            </a:br>
             <a:r>
               <a:rPr lang="ja-JP" altLang="en-US">
                 <a:solidFill>
@@ -12511,9 +11822,9 @@
                 <a:latin typeface="Hiragino Maru Gothic Pro W4" panose="020F0400000000000000" pitchFamily="34" charset="-128"/>
                 <a:ea typeface="Hiragino Maru Gothic Pro W4" panose="020F0400000000000000" pitchFamily="34" charset="-128"/>
               </a:rPr>
-              <a:t>オフシーズン</a:t>
-            </a:r>
-            <a:r>
+              <a:t>新規クラン立ち上げ</a:t>
+            </a:r>
+            <a:br>
               <a:rPr lang="en-US" altLang="ja-JP" dirty="0">
                 <a:solidFill>
                   <a:schemeClr val="accent5">
@@ -12523,8 +11834,7 @@
                 <a:latin typeface="Hiragino Maru Gothic Pro W4" panose="020F0400000000000000" pitchFamily="34" charset="-128"/>
                 <a:ea typeface="Hiragino Maru Gothic Pro W4" panose="020F0400000000000000" pitchFamily="34" charset="-128"/>
               </a:rPr>
-              <a:t>×</a:t>
-            </a:r>
+            </a:br>
             <a:r>
               <a:rPr lang="ja-JP" altLang="en-US">
                 <a:solidFill>
@@ -12535,7 +11845,7 @@
                 <a:latin typeface="Hiragino Maru Gothic Pro W4" panose="020F0400000000000000" pitchFamily="34" charset="-128"/>
                 <a:ea typeface="Hiragino Maru Gothic Pro W4" panose="020F0400000000000000" pitchFamily="34" charset="-128"/>
               </a:rPr>
-              <a:t>リーグ期間</a:t>
+              <a:t>具体的な話</a:t>
             </a:r>
             <a:endParaRPr kumimoji="1" lang="ja-JP" altLang="en-US">
               <a:solidFill>
@@ -12551,277 +11861,10 @@
       </p:sp>
       <p:sp>
         <p:nvSpPr>
-          <p:cNvPr id="3" name="コンテンツ プレースホルダー 2">
-            <a:extLst>
-              <a:ext uri="{FF2B5EF4-FFF2-40B4-BE49-F238E27FC236}">
-                <a16:creationId xmlns:a16="http://schemas.microsoft.com/office/drawing/2014/main" id="{01E773B8-156E-4743-8E4A-3ED5FB7CC4E2}"/>
-              </a:ext>
-            </a:extLst>
-          </p:cNvPr>
-          <p:cNvSpPr>
-            <a:spLocks noGrp="1"/>
-          </p:cNvSpPr>
-          <p:nvPr>
-            <p:ph idx="1"/>
-          </p:nvPr>
-        </p:nvSpPr>
-        <p:spPr>
-          <a:xfrm>
-            <a:off x="838200" y="1588575"/>
-            <a:ext cx="10515600" cy="4588387"/>
-          </a:xfrm>
-        </p:spPr>
-        <p:txBody>
-          <a:bodyPr>
-            <a:normAutofit/>
-          </a:bodyPr>
-          <a:lstStyle/>
-          <a:p>
-            <a:pPr marL="388620" indent="-342900"/>
-            <a:r>
-              <a:rPr lang="ja-JP" altLang="en-US" sz="2400">
-                <a:solidFill>
-                  <a:srgbClr val="FF0000"/>
-                </a:solidFill>
-                <a:latin typeface="Hiragino Maru Gothic Pro W4" panose="020F0400000000000000" pitchFamily="34" charset="-128"/>
-                <a:ea typeface="Hiragino Maru Gothic Pro W4" panose="020F0400000000000000" pitchFamily="34" charset="-128"/>
-              </a:rPr>
-              <a:t>まほらまは東方をサポートする</a:t>
-            </a:r>
-            <a:endParaRPr lang="en-US" altLang="ja-JP" sz="2000" dirty="0">
-              <a:solidFill>
-                <a:srgbClr val="FF0000"/>
-              </a:solidFill>
-              <a:latin typeface="Hiragino Maru Gothic Pro W4" panose="020F0400000000000000" pitchFamily="34" charset="-128"/>
-              <a:ea typeface="Hiragino Maru Gothic Pro W4" panose="020F0400000000000000" pitchFamily="34" charset="-128"/>
-            </a:endParaRPr>
-          </a:p>
-          <a:p>
-            <a:pPr marL="388620" indent="-342900"/>
-            <a:r>
-              <a:rPr lang="ja-JP" altLang="en-US" sz="2400">
-                <a:solidFill>
-                  <a:schemeClr val="accent5">
-                    <a:lumMod val="50000"/>
-                  </a:schemeClr>
-                </a:solidFill>
-                <a:latin typeface="Hiragino Maru Gothic Pro W4" panose="020F0400000000000000" pitchFamily="34" charset="-128"/>
-                <a:ea typeface="Hiragino Maru Gothic Pro W4" panose="020F0400000000000000" pitchFamily="34" charset="-128"/>
-              </a:rPr>
-              <a:t>チャンピオンリーグで戦っている東方は、</a:t>
-            </a:r>
-            <a:br>
-              <a:rPr lang="en-US" altLang="ja-JP" sz="2400" dirty="0">
-                <a:solidFill>
-                  <a:schemeClr val="accent5">
-                    <a:lumMod val="50000"/>
-                  </a:schemeClr>
-                </a:solidFill>
-                <a:latin typeface="Hiragino Maru Gothic Pro W4" panose="020F0400000000000000" pitchFamily="34" charset="-128"/>
-                <a:ea typeface="Hiragino Maru Gothic Pro W4" panose="020F0400000000000000" pitchFamily="34" charset="-128"/>
-              </a:rPr>
-            </a:br>
-            <a:r>
-              <a:rPr lang="ja-JP" altLang="en-US" sz="2400">
-                <a:solidFill>
-                  <a:schemeClr val="accent5">
-                    <a:lumMod val="50000"/>
-                  </a:schemeClr>
-                </a:solidFill>
-                <a:latin typeface="Hiragino Maru Gothic Pro W4" panose="020F0400000000000000" pitchFamily="34" charset="-128"/>
-                <a:ea typeface="Hiragino Maru Gothic Pro W4" panose="020F0400000000000000" pitchFamily="34" charset="-128"/>
-              </a:rPr>
-              <a:t>最高タウンホール帯のガチメンバーが不足している。</a:t>
-            </a:r>
-            <a:br>
-              <a:rPr lang="en-US" altLang="ja-JP" sz="2400" dirty="0">
-                <a:solidFill>
-                  <a:schemeClr val="accent5">
-                    <a:lumMod val="50000"/>
-                  </a:schemeClr>
-                </a:solidFill>
-                <a:latin typeface="Hiragino Maru Gothic Pro W4" panose="020F0400000000000000" pitchFamily="34" charset="-128"/>
-                <a:ea typeface="Hiragino Maru Gothic Pro W4" panose="020F0400000000000000" pitchFamily="34" charset="-128"/>
-              </a:rPr>
-            </a:br>
-            <a:r>
-              <a:rPr lang="ja-JP" altLang="en-US" sz="2400">
-                <a:solidFill>
-                  <a:schemeClr val="accent5">
-                    <a:lumMod val="50000"/>
-                  </a:schemeClr>
-                </a:solidFill>
-                <a:latin typeface="Hiragino Maru Gothic Pro W4" panose="020F0400000000000000" pitchFamily="34" charset="-128"/>
-                <a:ea typeface="Hiragino Maru Gothic Pro W4" panose="020F0400000000000000" pitchFamily="34" charset="-128"/>
-              </a:rPr>
-              <a:t>不足分をまほらまで募りリーグ期間中、東方に応援にいく</a:t>
-            </a:r>
-            <a:br>
-              <a:rPr lang="en-US" altLang="ja-JP" sz="2400" dirty="0">
-                <a:solidFill>
-                  <a:schemeClr val="accent5">
-                    <a:lumMod val="50000"/>
-                  </a:schemeClr>
-                </a:solidFill>
-                <a:latin typeface="Hiragino Maru Gothic Pro W4" panose="020F0400000000000000" pitchFamily="34" charset="-128"/>
-                <a:ea typeface="Hiragino Maru Gothic Pro W4" panose="020F0400000000000000" pitchFamily="34" charset="-128"/>
-              </a:rPr>
-            </a:br>
-            <a:r>
-              <a:rPr lang="en-US" altLang="ja-JP" sz="2000" dirty="0">
-                <a:solidFill>
-                  <a:schemeClr val="accent5">
-                    <a:lumMod val="50000"/>
-                  </a:schemeClr>
-                </a:solidFill>
-                <a:latin typeface="Hiragino Maru Gothic Pro W4" panose="020F0400000000000000" pitchFamily="34" charset="-128"/>
-                <a:ea typeface="Hiragino Maru Gothic Pro W4" panose="020F0400000000000000" pitchFamily="34" charset="-128"/>
-              </a:rPr>
-              <a:t>(</a:t>
-            </a:r>
-            <a:r>
-              <a:rPr lang="ja-JP" altLang="en-US" sz="2000">
-                <a:solidFill>
-                  <a:schemeClr val="accent5">
-                    <a:lumMod val="50000"/>
-                  </a:schemeClr>
-                </a:solidFill>
-                <a:latin typeface="Hiragino Maru Gothic Pro W4" panose="020F0400000000000000" pitchFamily="34" charset="-128"/>
-                <a:ea typeface="Hiragino Maru Gothic Pro W4" panose="020F0400000000000000" pitchFamily="34" charset="-128"/>
-              </a:rPr>
-              <a:t>メンバーはそのときによる。ハンターさんやふるさんやロッタさんや</a:t>
-            </a:r>
-            <a:r>
-              <a:rPr lang="en-US" altLang="ja-JP" sz="2000" dirty="0" err="1">
-                <a:solidFill>
-                  <a:schemeClr val="accent5">
-                    <a:lumMod val="50000"/>
-                  </a:schemeClr>
-                </a:solidFill>
-                <a:latin typeface="Hiragino Maru Gothic Pro W4" panose="020F0400000000000000" pitchFamily="34" charset="-128"/>
-                <a:ea typeface="Hiragino Maru Gothic Pro W4" panose="020F0400000000000000" pitchFamily="34" charset="-128"/>
-              </a:rPr>
-              <a:t>bigtree</a:t>
-            </a:r>
-            <a:r>
-              <a:rPr lang="ja-JP" altLang="en-US" sz="2000">
-                <a:solidFill>
-                  <a:schemeClr val="accent5">
-                    <a:lumMod val="50000"/>
-                  </a:schemeClr>
-                </a:solidFill>
-                <a:latin typeface="Hiragino Maru Gothic Pro W4" panose="020F0400000000000000" pitchFamily="34" charset="-128"/>
-                <a:ea typeface="Hiragino Maru Gothic Pro W4" panose="020F0400000000000000" pitchFamily="34" charset="-128"/>
-              </a:rPr>
-              <a:t>等</a:t>
-            </a:r>
-            <a:r>
-              <a:rPr lang="en-US" altLang="ja-JP" sz="2000" dirty="0">
-                <a:solidFill>
-                  <a:schemeClr val="accent5">
-                    <a:lumMod val="50000"/>
-                  </a:schemeClr>
-                </a:solidFill>
-                <a:latin typeface="Hiragino Maru Gothic Pro W4" panose="020F0400000000000000" pitchFamily="34" charset="-128"/>
-                <a:ea typeface="Hiragino Maru Gothic Pro W4" panose="020F0400000000000000" pitchFamily="34" charset="-128"/>
-              </a:rPr>
-              <a:t>)</a:t>
-            </a:r>
-          </a:p>
-          <a:p>
-            <a:pPr marL="388620" indent="-342900"/>
-            <a:r>
-              <a:rPr lang="ja-JP" altLang="en-US" sz="2400">
-                <a:solidFill>
-                  <a:schemeClr val="accent5">
-                    <a:lumMod val="50000"/>
-                  </a:schemeClr>
-                </a:solidFill>
-                <a:latin typeface="Hiragino Maru Gothic Pro W4" panose="020F0400000000000000" pitchFamily="34" charset="-128"/>
-                <a:ea typeface="Hiragino Maru Gothic Pro W4" panose="020F0400000000000000" pitchFamily="34" charset="-128"/>
-              </a:rPr>
-              <a:t>逆に東方メンバーでリーグに出れない方の受け入れをまほらまで</a:t>
-            </a:r>
-            <a:br>
-              <a:rPr lang="en-US" altLang="ja-JP" sz="2400" dirty="0">
-                <a:solidFill>
-                  <a:schemeClr val="accent5">
-                    <a:lumMod val="50000"/>
-                  </a:schemeClr>
-                </a:solidFill>
-                <a:latin typeface="Hiragino Maru Gothic Pro W4" panose="020F0400000000000000" pitchFamily="34" charset="-128"/>
-                <a:ea typeface="Hiragino Maru Gothic Pro W4" panose="020F0400000000000000" pitchFamily="34" charset="-128"/>
-              </a:rPr>
-            </a:br>
-            <a:r>
-              <a:rPr lang="ja-JP" altLang="en-US" sz="2400">
-                <a:solidFill>
-                  <a:schemeClr val="accent5">
-                    <a:lumMod val="50000"/>
-                  </a:schemeClr>
-                </a:solidFill>
-                <a:latin typeface="Hiragino Maru Gothic Pro W4" panose="020F0400000000000000" pitchFamily="34" charset="-128"/>
-                <a:ea typeface="Hiragino Maru Gothic Pro W4" panose="020F0400000000000000" pitchFamily="34" charset="-128"/>
-              </a:rPr>
-              <a:t>実施するのも良い</a:t>
-            </a:r>
-            <a:r>
-              <a:rPr lang="en-US" altLang="ja-JP" sz="2000" dirty="0">
-                <a:solidFill>
-                  <a:schemeClr val="accent5">
-                    <a:lumMod val="50000"/>
-                  </a:schemeClr>
-                </a:solidFill>
-                <a:latin typeface="Hiragino Maru Gothic Pro W4" panose="020F0400000000000000" pitchFamily="34" charset="-128"/>
-                <a:ea typeface="Hiragino Maru Gothic Pro W4" panose="020F0400000000000000" pitchFamily="34" charset="-128"/>
-              </a:rPr>
-              <a:t> (</a:t>
-            </a:r>
-            <a:r>
-              <a:rPr lang="ja-JP" altLang="en-US" sz="2000">
-                <a:solidFill>
-                  <a:schemeClr val="accent5">
-                    <a:lumMod val="50000"/>
-                  </a:schemeClr>
-                </a:solidFill>
-                <a:latin typeface="Hiragino Maru Gothic Pro W4" panose="020F0400000000000000" pitchFamily="34" charset="-128"/>
-                <a:ea typeface="Hiragino Maru Gothic Pro W4" panose="020F0400000000000000" pitchFamily="34" charset="-128"/>
-              </a:rPr>
-              <a:t>ただしメダル目当て星８交代制を受け入れてくれる方に限る</a:t>
-            </a:r>
-            <a:r>
-              <a:rPr lang="en-US" altLang="ja-JP" sz="2000" dirty="0">
-                <a:solidFill>
-                  <a:schemeClr val="accent5">
-                    <a:lumMod val="50000"/>
-                  </a:schemeClr>
-                </a:solidFill>
-                <a:latin typeface="Hiragino Maru Gothic Pro W4" panose="020F0400000000000000" pitchFamily="34" charset="-128"/>
-                <a:ea typeface="Hiragino Maru Gothic Pro W4" panose="020F0400000000000000" pitchFamily="34" charset="-128"/>
-              </a:rPr>
-              <a:t>)</a:t>
-            </a:r>
-          </a:p>
-          <a:p>
-            <a:pPr marL="388620" indent="-342900"/>
-            <a:endParaRPr lang="en-US" altLang="ja-JP" sz="2400" dirty="0">
-              <a:solidFill>
-                <a:schemeClr val="accent5">
-                  <a:lumMod val="50000"/>
-                </a:schemeClr>
-              </a:solidFill>
-              <a:latin typeface="Hiragino Maru Gothic Pro W4" panose="020F0400000000000000" pitchFamily="34" charset="-128"/>
-              <a:ea typeface="Hiragino Maru Gothic Pro W4" panose="020F0400000000000000" pitchFamily="34" charset="-128"/>
-            </a:endParaRPr>
-          </a:p>
-        </p:txBody>
-      </p:sp>
-      <p:sp>
-        <p:nvSpPr>
           <p:cNvPr id="4" name="スライド番号プレースホルダー 3">
             <a:extLst>
               <a:ext uri="{FF2B5EF4-FFF2-40B4-BE49-F238E27FC236}">
-                <a16:creationId xmlns:a16="http://schemas.microsoft.com/office/drawing/2014/main" id="{34C04C8D-49C3-874E-864D-A6289CA1E427}"/>
+                <a16:creationId xmlns:a16="http://schemas.microsoft.com/office/drawing/2014/main" id="{FFA60BD1-FA32-484F-807E-37BB2EC217BB}"/>
               </a:ext>
             </a:extLst>
           </p:cNvPr>
@@ -12832,7 +11875,12 @@
             <p:ph type="sldNum" sz="quarter" idx="12"/>
           </p:nvPr>
         </p:nvSpPr>
-        <p:spPr/>
+        <p:spPr>
+          <a:xfrm>
+            <a:off x="8610600" y="6356350"/>
+            <a:ext cx="2743200" cy="365125"/>
+          </a:xfrm>
+        </p:spPr>
         <p:txBody>
           <a:bodyPr/>
           <a:lstStyle/>
@@ -12861,7 +11909,7 @@
     </p:spTree>
     <p:extLst>
       <p:ext uri="{BB962C8B-B14F-4D97-AF65-F5344CB8AC3E}">
-        <p14:creationId xmlns:p14="http://schemas.microsoft.com/office/powerpoint/2010/main" val="2037858084"/>
+        <p14:creationId xmlns:p14="http://schemas.microsoft.com/office/powerpoint/2010/main" val="2264405178"/>
       </p:ext>
     </p:extLst>
   </p:cSld>
@@ -12922,18 +11970,6 @@
           <a:lstStyle/>
           <a:p>
             <a:r>
-              <a:rPr lang="en-US" altLang="ja-JP" dirty="0">
-                <a:solidFill>
-                  <a:schemeClr val="accent5">
-                    <a:lumMod val="50000"/>
-                  </a:schemeClr>
-                </a:solidFill>
-                <a:latin typeface="Hiragino Maru Gothic Pro W4" panose="020F0400000000000000" pitchFamily="34" charset="-128"/>
-                <a:ea typeface="Hiragino Maru Gothic Pro W4" panose="020F0400000000000000" pitchFamily="34" charset="-128"/>
-              </a:rPr>
-              <a:t>③JWC</a:t>
-            </a:r>
-            <a:r>
               <a:rPr lang="ja-JP" altLang="en-US">
                 <a:solidFill>
                   <a:schemeClr val="accent5">
@@ -12943,358 +11979,9 @@
                 <a:latin typeface="Hiragino Maru Gothic Pro W4" panose="020F0400000000000000" pitchFamily="34" charset="-128"/>
                 <a:ea typeface="Hiragino Maru Gothic Pro W4" panose="020F0400000000000000" pitchFamily="34" charset="-128"/>
               </a:rPr>
-              <a:t>オンシーズン</a:t>
-            </a:r>
-            <a:r>
-              <a:rPr lang="en-US" altLang="ja-JP" dirty="0">
-                <a:solidFill>
-                  <a:schemeClr val="accent5">
-                    <a:lumMod val="50000"/>
-                  </a:schemeClr>
-                </a:solidFill>
-                <a:latin typeface="Hiragino Maru Gothic Pro W4" panose="020F0400000000000000" pitchFamily="34" charset="-128"/>
-                <a:ea typeface="Hiragino Maru Gothic Pro W4" panose="020F0400000000000000" pitchFamily="34" charset="-128"/>
-              </a:rPr>
-              <a:t>×</a:t>
-            </a:r>
-            <a:r>
-              <a:rPr lang="ja-JP" altLang="en-US">
-                <a:solidFill>
-                  <a:schemeClr val="accent5">
-                    <a:lumMod val="50000"/>
-                  </a:schemeClr>
-                </a:solidFill>
-                <a:latin typeface="Hiragino Maru Gothic Pro W4" panose="020F0400000000000000" pitchFamily="34" charset="-128"/>
-                <a:ea typeface="Hiragino Maru Gothic Pro W4" panose="020F0400000000000000" pitchFamily="34" charset="-128"/>
-              </a:rPr>
-              <a:t>野良戦期間</a:t>
+              <a:t>組織変更ざっくり</a:t>
             </a:r>
             <a:endParaRPr kumimoji="1" lang="ja-JP" altLang="en-US">
-              <a:solidFill>
-                <a:schemeClr val="accent5">
-                  <a:lumMod val="50000"/>
-                </a:schemeClr>
-              </a:solidFill>
-              <a:latin typeface="Hiragino Maru Gothic Pro W4" panose="020F0400000000000000" pitchFamily="34" charset="-128"/>
-              <a:ea typeface="Hiragino Maru Gothic Pro W4" panose="020F0400000000000000" pitchFamily="34" charset="-128"/>
-            </a:endParaRPr>
-          </a:p>
-        </p:txBody>
-      </p:sp>
-      <p:sp>
-        <p:nvSpPr>
-          <p:cNvPr id="3" name="コンテンツ プレースホルダー 2">
-            <a:extLst>
-              <a:ext uri="{FF2B5EF4-FFF2-40B4-BE49-F238E27FC236}">
-                <a16:creationId xmlns:a16="http://schemas.microsoft.com/office/drawing/2014/main" id="{01E773B8-156E-4743-8E4A-3ED5FB7CC4E2}"/>
-              </a:ext>
-            </a:extLst>
-          </p:cNvPr>
-          <p:cNvSpPr>
-            <a:spLocks noGrp="1"/>
-          </p:cNvSpPr>
-          <p:nvPr>
-            <p:ph idx="1"/>
-          </p:nvPr>
-        </p:nvSpPr>
-        <p:spPr>
-          <a:xfrm>
-            <a:off x="838200" y="1588575"/>
-            <a:ext cx="10515600" cy="4588387"/>
-          </a:xfrm>
-        </p:spPr>
-        <p:txBody>
-          <a:bodyPr>
-            <a:normAutofit/>
-          </a:bodyPr>
-          <a:lstStyle/>
-          <a:p>
-            <a:pPr marL="388620" indent="-342900"/>
-            <a:r>
-              <a:rPr lang="ja-JP" altLang="en-US" sz="2400">
-                <a:solidFill>
-                  <a:srgbClr val="FF0000"/>
-                </a:solidFill>
-                <a:latin typeface="Hiragino Maru Gothic Pro W4" panose="020F0400000000000000" pitchFamily="34" charset="-128"/>
-                <a:ea typeface="Hiragino Maru Gothic Pro W4" panose="020F0400000000000000" pitchFamily="34" charset="-128"/>
-              </a:rPr>
-              <a:t>東方はまほらまをサポートする</a:t>
-            </a:r>
-            <a:endParaRPr lang="en-US" altLang="ja-JP" sz="2400" dirty="0">
-              <a:solidFill>
-                <a:srgbClr val="FF0000"/>
-              </a:solidFill>
-              <a:latin typeface="Hiragino Maru Gothic Pro W4" panose="020F0400000000000000" pitchFamily="34" charset="-128"/>
-              <a:ea typeface="Hiragino Maru Gothic Pro W4" panose="020F0400000000000000" pitchFamily="34" charset="-128"/>
-            </a:endParaRPr>
-          </a:p>
-          <a:p>
-            <a:pPr marL="388620" indent="-342900"/>
-            <a:r>
-              <a:rPr lang="ja-JP" altLang="en-US" sz="2400">
-                <a:solidFill>
-                  <a:srgbClr val="FF0000"/>
-                </a:solidFill>
-                <a:latin typeface="Hiragino Maru Gothic Pro W4" panose="020F0400000000000000" pitchFamily="34" charset="-128"/>
-                <a:ea typeface="Hiragino Maru Gothic Pro W4" panose="020F0400000000000000" pitchFamily="34" charset="-128"/>
-              </a:rPr>
-              <a:t>東方の</a:t>
-            </a:r>
-            <a:r>
-              <a:rPr lang="en-US" altLang="ja-JP" sz="2400" dirty="0">
-                <a:solidFill>
-                  <a:srgbClr val="FF0000"/>
-                </a:solidFill>
-                <a:latin typeface="Hiragino Maru Gothic Pro W4" panose="020F0400000000000000" pitchFamily="34" charset="-128"/>
-                <a:ea typeface="Hiragino Maru Gothic Pro W4" panose="020F0400000000000000" pitchFamily="34" charset="-128"/>
-              </a:rPr>
-              <a:t>JWC</a:t>
-            </a:r>
-            <a:r>
-              <a:rPr lang="ja-JP" altLang="en-US" sz="2400">
-                <a:solidFill>
-                  <a:srgbClr val="FF0000"/>
-                </a:solidFill>
-                <a:latin typeface="Hiragino Maru Gothic Pro W4" panose="020F0400000000000000" pitchFamily="34" charset="-128"/>
-                <a:ea typeface="Hiragino Maru Gothic Pro W4" panose="020F0400000000000000" pitchFamily="34" charset="-128"/>
-              </a:rPr>
-              <a:t>参戦者は、期間中、まほらまで活動していただく</a:t>
-            </a:r>
-            <a:br>
-              <a:rPr lang="en-US" altLang="ja-JP" sz="2400" dirty="0">
-                <a:solidFill>
-                  <a:srgbClr val="FF0000"/>
-                </a:solidFill>
-                <a:latin typeface="Hiragino Maru Gothic Pro W4" panose="020F0400000000000000" pitchFamily="34" charset="-128"/>
-                <a:ea typeface="Hiragino Maru Gothic Pro W4" panose="020F0400000000000000" pitchFamily="34" charset="-128"/>
-              </a:rPr>
-            </a:br>
-            <a:r>
-              <a:rPr lang="en-US" altLang="ja-JP" sz="2000" dirty="0">
-                <a:solidFill>
-                  <a:srgbClr val="FF0000"/>
-                </a:solidFill>
-                <a:latin typeface="Hiragino Maru Gothic Pro W4" panose="020F0400000000000000" pitchFamily="34" charset="-128"/>
-                <a:ea typeface="Hiragino Maru Gothic Pro W4" panose="020F0400000000000000" pitchFamily="34" charset="-128"/>
-              </a:rPr>
-              <a:t>(JWC</a:t>
-            </a:r>
-            <a:r>
-              <a:rPr lang="ja-JP" altLang="en-US" sz="2000">
-                <a:solidFill>
-                  <a:srgbClr val="FF0000"/>
-                </a:solidFill>
-                <a:latin typeface="Hiragino Maru Gothic Pro W4" panose="020F0400000000000000" pitchFamily="34" charset="-128"/>
-                <a:ea typeface="Hiragino Maru Gothic Pro W4" panose="020F0400000000000000" pitchFamily="34" charset="-128"/>
-              </a:rPr>
-              <a:t>ルール上、まほらまでの活動実績が必要になるので</a:t>
-            </a:r>
-            <a:r>
-              <a:rPr lang="en-US" altLang="ja-JP" sz="2000" dirty="0">
-                <a:solidFill>
-                  <a:srgbClr val="FF0000"/>
-                </a:solidFill>
-                <a:latin typeface="Hiragino Maru Gothic Pro W4" panose="020F0400000000000000" pitchFamily="34" charset="-128"/>
-                <a:ea typeface="Hiragino Maru Gothic Pro W4" panose="020F0400000000000000" pitchFamily="34" charset="-128"/>
-              </a:rPr>
-              <a:t>)</a:t>
-            </a:r>
-          </a:p>
-          <a:p>
-            <a:pPr marL="388620" indent="-342900"/>
-            <a:r>
-              <a:rPr lang="ja-JP" altLang="en-US" sz="2400">
-                <a:solidFill>
-                  <a:schemeClr val="accent5">
-                    <a:lumMod val="50000"/>
-                  </a:schemeClr>
-                </a:solidFill>
-                <a:latin typeface="Hiragino Maru Gothic Pro W4" panose="020F0400000000000000" pitchFamily="34" charset="-128"/>
-                <a:ea typeface="Hiragino Maru Gothic Pro W4" panose="020F0400000000000000" pitchFamily="34" charset="-128"/>
-              </a:rPr>
-              <a:t>ただし、東方リーダーのひこにゃんさんに関しては、</a:t>
-            </a:r>
-            <a:br>
-              <a:rPr lang="en-US" altLang="ja-JP" sz="2400" dirty="0">
-                <a:solidFill>
-                  <a:schemeClr val="accent5">
-                    <a:lumMod val="50000"/>
-                  </a:schemeClr>
-                </a:solidFill>
-                <a:latin typeface="Hiragino Maru Gothic Pro W4" panose="020F0400000000000000" pitchFamily="34" charset="-128"/>
-                <a:ea typeface="Hiragino Maru Gothic Pro W4" panose="020F0400000000000000" pitchFamily="34" charset="-128"/>
-              </a:rPr>
-            </a:br>
-            <a:r>
-              <a:rPr lang="ja-JP" altLang="en-US" sz="2400">
-                <a:solidFill>
-                  <a:schemeClr val="accent5">
-                    <a:lumMod val="50000"/>
-                  </a:schemeClr>
-                </a:solidFill>
-                <a:latin typeface="Hiragino Maru Gothic Pro W4" panose="020F0400000000000000" pitchFamily="34" charset="-128"/>
-                <a:ea typeface="Hiragino Maru Gothic Pro W4" panose="020F0400000000000000" pitchFamily="34" charset="-128"/>
-              </a:rPr>
-              <a:t>クラン運営の関係で</a:t>
-            </a:r>
-            <a:r>
-              <a:rPr lang="en-US" altLang="ja-JP" sz="2400" dirty="0">
-                <a:solidFill>
-                  <a:schemeClr val="accent5">
-                    <a:lumMod val="50000"/>
-                  </a:schemeClr>
-                </a:solidFill>
-                <a:latin typeface="Hiragino Maru Gothic Pro W4" panose="020F0400000000000000" pitchFamily="34" charset="-128"/>
-                <a:ea typeface="Hiragino Maru Gothic Pro W4" panose="020F0400000000000000" pitchFamily="34" charset="-128"/>
-              </a:rPr>
-              <a:t>JWC</a:t>
-            </a:r>
-            <a:r>
-              <a:rPr lang="ja-JP" altLang="en-US" sz="2400">
-                <a:solidFill>
-                  <a:schemeClr val="accent5">
-                    <a:lumMod val="50000"/>
-                  </a:schemeClr>
-                </a:solidFill>
-                <a:latin typeface="Hiragino Maru Gothic Pro W4" panose="020F0400000000000000" pitchFamily="34" charset="-128"/>
-                <a:ea typeface="Hiragino Maru Gothic Pro W4" panose="020F0400000000000000" pitchFamily="34" charset="-128"/>
-              </a:rPr>
-              <a:t>戦以外は東方で活動する。</a:t>
-            </a:r>
-            <a:br>
-              <a:rPr lang="en-US" altLang="ja-JP" sz="2400" dirty="0">
-                <a:solidFill>
-                  <a:schemeClr val="accent5">
-                    <a:lumMod val="50000"/>
-                  </a:schemeClr>
-                </a:solidFill>
-                <a:latin typeface="Hiragino Maru Gothic Pro W4" panose="020F0400000000000000" pitchFamily="34" charset="-128"/>
-                <a:ea typeface="Hiragino Maru Gothic Pro W4" panose="020F0400000000000000" pitchFamily="34" charset="-128"/>
-              </a:rPr>
-            </a:br>
-            <a:r>
-              <a:rPr lang="en-US" altLang="ja-JP" sz="2000" dirty="0">
-                <a:solidFill>
-                  <a:schemeClr val="accent5">
-                    <a:lumMod val="50000"/>
-                  </a:schemeClr>
-                </a:solidFill>
-                <a:latin typeface="Hiragino Maru Gothic Pro W4" panose="020F0400000000000000" pitchFamily="34" charset="-128"/>
-                <a:ea typeface="Hiragino Maru Gothic Pro W4" panose="020F0400000000000000" pitchFamily="34" charset="-128"/>
-              </a:rPr>
-              <a:t>(</a:t>
-            </a:r>
-            <a:r>
-              <a:rPr lang="ja-JP" altLang="en-US" sz="2000">
-                <a:solidFill>
-                  <a:schemeClr val="accent5">
-                    <a:lumMod val="50000"/>
-                  </a:schemeClr>
-                </a:solidFill>
-                <a:latin typeface="Hiragino Maru Gothic Pro W4" panose="020F0400000000000000" pitchFamily="34" charset="-128"/>
-                <a:ea typeface="Hiragino Maru Gothic Pro W4" panose="020F0400000000000000" pitchFamily="34" charset="-128"/>
-              </a:rPr>
-              <a:t>もし、東方</a:t>
-            </a:r>
-            <a:r>
-              <a:rPr lang="en-US" altLang="ja-JP" sz="2000" dirty="0">
-                <a:solidFill>
-                  <a:schemeClr val="accent5">
-                    <a:lumMod val="50000"/>
-                  </a:schemeClr>
-                </a:solidFill>
-                <a:latin typeface="Hiragino Maru Gothic Pro W4" panose="020F0400000000000000" pitchFamily="34" charset="-128"/>
-                <a:ea typeface="Hiragino Maru Gothic Pro W4" panose="020F0400000000000000" pitchFamily="34" charset="-128"/>
-              </a:rPr>
-              <a:t>(15)</a:t>
-            </a:r>
-            <a:r>
-              <a:rPr lang="ja-JP" altLang="en-US" sz="2000">
-                <a:solidFill>
-                  <a:schemeClr val="accent5">
-                    <a:lumMod val="50000"/>
-                  </a:schemeClr>
-                </a:solidFill>
-                <a:latin typeface="Hiragino Maru Gothic Pro W4" panose="020F0400000000000000" pitchFamily="34" charset="-128"/>
-                <a:ea typeface="Hiragino Maru Gothic Pro W4" panose="020F0400000000000000" pitchFamily="34" charset="-128"/>
-              </a:rPr>
-              <a:t>のゆうフラさんが参戦してくれる場合もこれに該当</a:t>
-            </a:r>
-            <a:r>
-              <a:rPr lang="en-US" altLang="ja-JP" sz="2000" dirty="0">
-                <a:solidFill>
-                  <a:schemeClr val="accent5">
-                    <a:lumMod val="50000"/>
-                  </a:schemeClr>
-                </a:solidFill>
-                <a:latin typeface="Hiragino Maru Gothic Pro W4" panose="020F0400000000000000" pitchFamily="34" charset="-128"/>
-                <a:ea typeface="Hiragino Maru Gothic Pro W4" panose="020F0400000000000000" pitchFamily="34" charset="-128"/>
-              </a:rPr>
-              <a:t>)</a:t>
-            </a:r>
-          </a:p>
-          <a:p>
-            <a:pPr marL="388620" indent="-342900"/>
-            <a:r>
-              <a:rPr lang="ja-JP" altLang="en-US" sz="2400">
-                <a:solidFill>
-                  <a:schemeClr val="accent5">
-                    <a:lumMod val="50000"/>
-                  </a:schemeClr>
-                </a:solidFill>
-                <a:latin typeface="Hiragino Maru Gothic Pro W4" panose="020F0400000000000000" pitchFamily="34" charset="-128"/>
-                <a:ea typeface="Hiragino Maru Gothic Pro W4" panose="020F0400000000000000" pitchFamily="34" charset="-128"/>
-              </a:rPr>
-              <a:t>ひこにゃんさんと相談事項：</a:t>
-            </a:r>
-            <a:br>
-              <a:rPr lang="en-US" altLang="ja-JP" sz="2400" dirty="0">
-                <a:solidFill>
-                  <a:schemeClr val="accent5">
-                    <a:lumMod val="50000"/>
-                  </a:schemeClr>
-                </a:solidFill>
-                <a:latin typeface="Hiragino Maru Gothic Pro W4" panose="020F0400000000000000" pitchFamily="34" charset="-128"/>
-                <a:ea typeface="Hiragino Maru Gothic Pro W4" panose="020F0400000000000000" pitchFamily="34" charset="-128"/>
-              </a:rPr>
-            </a:br>
-            <a:r>
-              <a:rPr lang="ja-JP" altLang="en-US" sz="2400">
-                <a:solidFill>
-                  <a:schemeClr val="accent5">
-                    <a:lumMod val="50000"/>
-                  </a:schemeClr>
-                </a:solidFill>
-                <a:latin typeface="Hiragino Maru Gothic Pro W4" panose="020F0400000000000000" pitchFamily="34" charset="-128"/>
-                <a:ea typeface="Hiragino Maru Gothic Pro W4" panose="020F0400000000000000" pitchFamily="34" charset="-128"/>
-              </a:rPr>
-              <a:t>だいさん、ころ助さん、トビダシさんに</a:t>
-            </a:r>
-            <a:r>
-              <a:rPr lang="en-US" altLang="ja-JP" sz="2400" dirty="0">
-                <a:solidFill>
-                  <a:schemeClr val="accent5">
-                    <a:lumMod val="50000"/>
-                  </a:schemeClr>
-                </a:solidFill>
-                <a:latin typeface="Hiragino Maru Gothic Pro W4" panose="020F0400000000000000" pitchFamily="34" charset="-128"/>
-                <a:ea typeface="Hiragino Maru Gothic Pro W4" panose="020F0400000000000000" pitchFamily="34" charset="-128"/>
-              </a:rPr>
-              <a:t>JWC</a:t>
-            </a:r>
-            <a:r>
-              <a:rPr lang="ja-JP" altLang="en-US" sz="2400">
-                <a:solidFill>
-                  <a:schemeClr val="accent5">
-                    <a:lumMod val="50000"/>
-                  </a:schemeClr>
-                </a:solidFill>
-                <a:latin typeface="Hiragino Maru Gothic Pro W4" panose="020F0400000000000000" pitchFamily="34" charset="-128"/>
-                <a:ea typeface="Hiragino Maru Gothic Pro W4" panose="020F0400000000000000" pitchFamily="34" charset="-128"/>
-              </a:rPr>
-              <a:t>参戦いただく場合・・・</a:t>
-            </a:r>
-            <a:endParaRPr lang="en-US" altLang="ja-JP" sz="2400" dirty="0">
               <a:solidFill>
                 <a:schemeClr val="accent5">
                   <a:lumMod val="50000"/>
@@ -13348,10 +12035,1225 @@
           </a:p>
         </p:txBody>
       </p:sp>
+      <p:sp>
+        <p:nvSpPr>
+          <p:cNvPr id="10" name="正方形/長方形 9">
+            <a:extLst>
+              <a:ext uri="{FF2B5EF4-FFF2-40B4-BE49-F238E27FC236}">
+                <a16:creationId xmlns:a16="http://schemas.microsoft.com/office/drawing/2014/main" id="{17F5F2E3-BE55-D247-974D-715C18D48C31}"/>
+              </a:ext>
+            </a:extLst>
+          </p:cNvPr>
+          <p:cNvSpPr/>
+          <p:nvPr/>
+        </p:nvSpPr>
+        <p:spPr>
+          <a:xfrm>
+            <a:off x="951412" y="1380921"/>
+            <a:ext cx="3142622" cy="2322385"/>
+          </a:xfrm>
+          <a:prstGeom prst="rect">
+            <a:avLst/>
+          </a:prstGeom>
+        </p:spPr>
+        <p:style>
+          <a:lnRef idx="0">
+            <a:schemeClr val="accent5"/>
+          </a:lnRef>
+          <a:fillRef idx="3">
+            <a:schemeClr val="accent5"/>
+          </a:fillRef>
+          <a:effectRef idx="3">
+            <a:schemeClr val="accent5"/>
+          </a:effectRef>
+          <a:fontRef idx="minor">
+            <a:schemeClr val="lt1"/>
+          </a:fontRef>
+        </p:style>
+        <p:txBody>
+          <a:bodyPr rtlCol="0" anchor="t"/>
+          <a:lstStyle/>
+          <a:p>
+            <a:pPr algn="ctr"/>
+            <a:r>
+              <a:rPr kumimoji="1" lang="ja-JP" altLang="en-US" sz="2000">
+                <a:latin typeface="Hiragino Maru Gothic Pro W4" panose="020F0400000000000000" pitchFamily="34" charset="-128"/>
+                <a:ea typeface="Hiragino Maru Gothic Pro W4" panose="020F0400000000000000" pitchFamily="34" charset="-128"/>
+              </a:rPr>
+              <a:t>まほら</a:t>
+            </a:r>
+            <a:r>
+              <a:rPr lang="ja-JP" altLang="en-US" sz="2000">
+                <a:latin typeface="Hiragino Maru Gothic Pro W4" panose="020F0400000000000000" pitchFamily="34" charset="-128"/>
+                <a:ea typeface="Hiragino Maru Gothic Pro W4" panose="020F0400000000000000" pitchFamily="34" charset="-128"/>
+              </a:rPr>
+              <a:t>ま</a:t>
+            </a:r>
+            <a:endParaRPr kumimoji="1" lang="en-US" altLang="ja-JP" sz="2000" dirty="0">
+              <a:latin typeface="Hiragino Maru Gothic Pro W4" panose="020F0400000000000000" pitchFamily="34" charset="-128"/>
+              <a:ea typeface="Hiragino Maru Gothic Pro W4" panose="020F0400000000000000" pitchFamily="34" charset="-128"/>
+            </a:endParaRPr>
+          </a:p>
+        </p:txBody>
+      </p:sp>
+      <p:sp>
+        <p:nvSpPr>
+          <p:cNvPr id="11" name="正方形/長方形 10">
+            <a:extLst>
+              <a:ext uri="{FF2B5EF4-FFF2-40B4-BE49-F238E27FC236}">
+                <a16:creationId xmlns:a16="http://schemas.microsoft.com/office/drawing/2014/main" id="{5ABE4BD0-C2A1-5E41-AF30-DDBAEF02A3CC}"/>
+              </a:ext>
+            </a:extLst>
+          </p:cNvPr>
+          <p:cNvSpPr/>
+          <p:nvPr/>
+        </p:nvSpPr>
+        <p:spPr>
+          <a:xfrm>
+            <a:off x="939850" y="3826092"/>
+            <a:ext cx="3149417" cy="2322385"/>
+          </a:xfrm>
+          <a:prstGeom prst="rect">
+            <a:avLst/>
+          </a:prstGeom>
+        </p:spPr>
+        <p:style>
+          <a:lnRef idx="0">
+            <a:schemeClr val="accent2"/>
+          </a:lnRef>
+          <a:fillRef idx="3">
+            <a:schemeClr val="accent2"/>
+          </a:fillRef>
+          <a:effectRef idx="3">
+            <a:schemeClr val="accent2"/>
+          </a:effectRef>
+          <a:fontRef idx="minor">
+            <a:schemeClr val="lt1"/>
+          </a:fontRef>
+        </p:style>
+        <p:txBody>
+          <a:bodyPr rtlCol="0" anchor="t"/>
+          <a:lstStyle/>
+          <a:p>
+            <a:pPr algn="ctr"/>
+            <a:r>
+              <a:rPr kumimoji="1" lang="ja-JP" altLang="en-US" sz="2000">
+                <a:latin typeface="Hiragino Maru Gothic Pro W4" panose="020F0400000000000000" pitchFamily="34" charset="-128"/>
+                <a:ea typeface="Hiragino Maru Gothic Pro W4" panose="020F0400000000000000" pitchFamily="34" charset="-128"/>
+              </a:rPr>
+              <a:t>東方</a:t>
+            </a:r>
+            <a:endParaRPr lang="en-US" altLang="ja-JP" sz="2000" dirty="0">
+              <a:latin typeface="Hiragino Maru Gothic Pro W4" panose="020F0400000000000000" pitchFamily="34" charset="-128"/>
+              <a:ea typeface="Hiragino Maru Gothic Pro W4" panose="020F0400000000000000" pitchFamily="34" charset="-128"/>
+            </a:endParaRPr>
+          </a:p>
+          <a:p>
+            <a:pPr algn="ctr"/>
+            <a:endParaRPr lang="en-US" altLang="ja-JP" sz="2000" dirty="0">
+              <a:latin typeface="Hiragino Maru Gothic Pro W4" panose="020F0400000000000000" pitchFamily="34" charset="-128"/>
+              <a:ea typeface="Hiragino Maru Gothic Pro W4" panose="020F0400000000000000" pitchFamily="34" charset="-128"/>
+            </a:endParaRPr>
+          </a:p>
+        </p:txBody>
+      </p:sp>
+      <p:sp>
+        <p:nvSpPr>
+          <p:cNvPr id="12" name="角丸四角形 11">
+            <a:extLst>
+              <a:ext uri="{FF2B5EF4-FFF2-40B4-BE49-F238E27FC236}">
+                <a16:creationId xmlns:a16="http://schemas.microsoft.com/office/drawing/2014/main" id="{0B0997F0-A49B-424C-8039-D5537CDF004E}"/>
+              </a:ext>
+            </a:extLst>
+          </p:cNvPr>
+          <p:cNvSpPr/>
+          <p:nvPr/>
+        </p:nvSpPr>
+        <p:spPr>
+          <a:xfrm>
+            <a:off x="1147791" y="1879167"/>
+            <a:ext cx="2733540" cy="457193"/>
+          </a:xfrm>
+          <a:prstGeom prst="roundRect">
+            <a:avLst/>
+          </a:prstGeom>
+        </p:spPr>
+        <p:style>
+          <a:lnRef idx="3">
+            <a:schemeClr val="lt1"/>
+          </a:lnRef>
+          <a:fillRef idx="1">
+            <a:schemeClr val="accent5"/>
+          </a:fillRef>
+          <a:effectRef idx="1">
+            <a:schemeClr val="accent5"/>
+          </a:effectRef>
+          <a:fontRef idx="minor">
+            <a:schemeClr val="lt1"/>
+          </a:fontRef>
+        </p:style>
+        <p:txBody>
+          <a:bodyPr rtlCol="0" anchor="ctr"/>
+          <a:lstStyle/>
+          <a:p>
+            <a:pPr algn="ctr"/>
+            <a:r>
+              <a:rPr kumimoji="1" lang="en-US" altLang="ja-JP" sz="1600" dirty="0">
+                <a:latin typeface="Hiragino Maru Gothic Pro W4" panose="020F0400000000000000" pitchFamily="34" charset="-128"/>
+                <a:ea typeface="Hiragino Maru Gothic Pro W4" panose="020F0400000000000000" pitchFamily="34" charset="-128"/>
+              </a:rPr>
+              <a:t>TH13-14</a:t>
+            </a:r>
+            <a:r>
+              <a:rPr kumimoji="1" lang="ja-JP" altLang="en-US" sz="1600">
+                <a:latin typeface="Hiragino Maru Gothic Pro W4" panose="020F0400000000000000" pitchFamily="34" charset="-128"/>
+                <a:ea typeface="Hiragino Maru Gothic Pro W4" panose="020F0400000000000000" pitchFamily="34" charset="-128"/>
+              </a:rPr>
+              <a:t>：アクティブ勢</a:t>
+            </a:r>
+          </a:p>
+        </p:txBody>
+      </p:sp>
+      <p:sp>
+        <p:nvSpPr>
+          <p:cNvPr id="13" name="角丸四角形 12">
+            <a:extLst>
+              <a:ext uri="{FF2B5EF4-FFF2-40B4-BE49-F238E27FC236}">
+                <a16:creationId xmlns:a16="http://schemas.microsoft.com/office/drawing/2014/main" id="{82EBB42A-B756-D94A-BABF-F937A82FAD18}"/>
+              </a:ext>
+            </a:extLst>
+          </p:cNvPr>
+          <p:cNvSpPr/>
+          <p:nvPr/>
+        </p:nvSpPr>
+        <p:spPr>
+          <a:xfrm>
+            <a:off x="1147789" y="2459146"/>
+            <a:ext cx="2733540" cy="457193"/>
+          </a:xfrm>
+          <a:prstGeom prst="roundRect">
+            <a:avLst/>
+          </a:prstGeom>
+        </p:spPr>
+        <p:style>
+          <a:lnRef idx="3">
+            <a:schemeClr val="lt1"/>
+          </a:lnRef>
+          <a:fillRef idx="1">
+            <a:schemeClr val="accent5"/>
+          </a:fillRef>
+          <a:effectRef idx="1">
+            <a:schemeClr val="accent5"/>
+          </a:effectRef>
+          <a:fontRef idx="minor">
+            <a:schemeClr val="lt1"/>
+          </a:fontRef>
+        </p:style>
+        <p:txBody>
+          <a:bodyPr rtlCol="0" anchor="ctr"/>
+          <a:lstStyle/>
+          <a:p>
+            <a:pPr algn="ctr"/>
+            <a:r>
+              <a:rPr kumimoji="1" lang="en-US" altLang="ja-JP" sz="1600" dirty="0">
+                <a:latin typeface="Hiragino Maru Gothic Pro W4" panose="020F0400000000000000" pitchFamily="34" charset="-128"/>
+                <a:ea typeface="Hiragino Maru Gothic Pro W4" panose="020F0400000000000000" pitchFamily="34" charset="-128"/>
+              </a:rPr>
+              <a:t>TH12</a:t>
+            </a:r>
+            <a:r>
+              <a:rPr kumimoji="1" lang="ja-JP" altLang="en-US" sz="1600">
+                <a:latin typeface="Hiragino Maru Gothic Pro W4" panose="020F0400000000000000" pitchFamily="34" charset="-128"/>
+                <a:ea typeface="Hiragino Maru Gothic Pro W4" panose="020F0400000000000000" pitchFamily="34" charset="-128"/>
+              </a:rPr>
+              <a:t>以下：アクティブ勢</a:t>
+            </a:r>
+          </a:p>
+        </p:txBody>
+      </p:sp>
+      <p:sp>
+        <p:nvSpPr>
+          <p:cNvPr id="14" name="角丸四角形 13">
+            <a:extLst>
+              <a:ext uri="{FF2B5EF4-FFF2-40B4-BE49-F238E27FC236}">
+                <a16:creationId xmlns:a16="http://schemas.microsoft.com/office/drawing/2014/main" id="{8A043FC6-E660-0D42-9B2F-81E58F69DE0E}"/>
+              </a:ext>
+            </a:extLst>
+          </p:cNvPr>
+          <p:cNvSpPr/>
+          <p:nvPr/>
+        </p:nvSpPr>
+        <p:spPr>
+          <a:xfrm>
+            <a:off x="1147789" y="3039125"/>
+            <a:ext cx="2733540" cy="457193"/>
+          </a:xfrm>
+          <a:prstGeom prst="roundRect">
+            <a:avLst/>
+          </a:prstGeom>
+        </p:spPr>
+        <p:style>
+          <a:lnRef idx="3">
+            <a:schemeClr val="lt1"/>
+          </a:lnRef>
+          <a:fillRef idx="1">
+            <a:schemeClr val="accent5"/>
+          </a:fillRef>
+          <a:effectRef idx="1">
+            <a:schemeClr val="accent5"/>
+          </a:effectRef>
+          <a:fontRef idx="minor">
+            <a:schemeClr val="lt1"/>
+          </a:fontRef>
+        </p:style>
+        <p:txBody>
+          <a:bodyPr rtlCol="0" anchor="ctr"/>
+          <a:lstStyle/>
+          <a:p>
+            <a:pPr algn="ctr"/>
+            <a:r>
+              <a:rPr kumimoji="1" lang="ja-JP" altLang="en-US" sz="1600">
+                <a:latin typeface="Hiragino Maru Gothic Pro W4" panose="020F0400000000000000" pitchFamily="34" charset="-128"/>
+                <a:ea typeface="Hiragino Maru Gothic Pro W4" panose="020F0400000000000000" pitchFamily="34" charset="-128"/>
+              </a:rPr>
+              <a:t>ゆったりしたい勢</a:t>
+            </a:r>
+          </a:p>
+        </p:txBody>
+      </p:sp>
+      <p:sp>
+        <p:nvSpPr>
+          <p:cNvPr id="21" name="角丸四角形 20">
+            <a:extLst>
+              <a:ext uri="{FF2B5EF4-FFF2-40B4-BE49-F238E27FC236}">
+                <a16:creationId xmlns:a16="http://schemas.microsoft.com/office/drawing/2014/main" id="{EA24A44D-BC10-AA4E-8994-F71F02050A9B}"/>
+              </a:ext>
+            </a:extLst>
+          </p:cNvPr>
+          <p:cNvSpPr/>
+          <p:nvPr/>
+        </p:nvSpPr>
+        <p:spPr>
+          <a:xfrm>
+            <a:off x="1147789" y="4270604"/>
+            <a:ext cx="2733540" cy="457193"/>
+          </a:xfrm>
+          <a:prstGeom prst="roundRect">
+            <a:avLst/>
+          </a:prstGeom>
+        </p:spPr>
+        <p:style>
+          <a:lnRef idx="3">
+            <a:schemeClr val="lt1"/>
+          </a:lnRef>
+          <a:fillRef idx="1">
+            <a:schemeClr val="accent2"/>
+          </a:fillRef>
+          <a:effectRef idx="1">
+            <a:schemeClr val="accent2"/>
+          </a:effectRef>
+          <a:fontRef idx="minor">
+            <a:schemeClr val="lt1"/>
+          </a:fontRef>
+        </p:style>
+        <p:txBody>
+          <a:bodyPr rtlCol="0" anchor="ctr"/>
+          <a:lstStyle/>
+          <a:p>
+            <a:pPr algn="ctr"/>
+            <a:r>
+              <a:rPr kumimoji="1" lang="en-US" altLang="ja-JP" sz="1600" dirty="0">
+                <a:latin typeface="Hiragino Maru Gothic Pro W4" panose="020F0400000000000000" pitchFamily="34" charset="-128"/>
+                <a:ea typeface="Hiragino Maru Gothic Pro W4" panose="020F0400000000000000" pitchFamily="34" charset="-128"/>
+              </a:rPr>
+              <a:t>TH13-14</a:t>
+            </a:r>
+            <a:r>
+              <a:rPr kumimoji="1" lang="ja-JP" altLang="en-US" sz="1600">
+                <a:latin typeface="Hiragino Maru Gothic Pro W4" panose="020F0400000000000000" pitchFamily="34" charset="-128"/>
+                <a:ea typeface="Hiragino Maru Gothic Pro W4" panose="020F0400000000000000" pitchFamily="34" charset="-128"/>
+              </a:rPr>
+              <a:t>：アクティブ勢</a:t>
+            </a:r>
+          </a:p>
+        </p:txBody>
+      </p:sp>
+      <p:sp>
+        <p:nvSpPr>
+          <p:cNvPr id="22" name="角丸四角形 21">
+            <a:extLst>
+              <a:ext uri="{FF2B5EF4-FFF2-40B4-BE49-F238E27FC236}">
+                <a16:creationId xmlns:a16="http://schemas.microsoft.com/office/drawing/2014/main" id="{776A7B72-1651-8244-BDAB-F2089293C859}"/>
+              </a:ext>
+            </a:extLst>
+          </p:cNvPr>
+          <p:cNvSpPr/>
+          <p:nvPr/>
+        </p:nvSpPr>
+        <p:spPr>
+          <a:xfrm>
+            <a:off x="1147787" y="4850583"/>
+            <a:ext cx="2733540" cy="457193"/>
+          </a:xfrm>
+          <a:prstGeom prst="roundRect">
+            <a:avLst/>
+          </a:prstGeom>
+        </p:spPr>
+        <p:style>
+          <a:lnRef idx="3">
+            <a:schemeClr val="lt1"/>
+          </a:lnRef>
+          <a:fillRef idx="1">
+            <a:schemeClr val="accent2"/>
+          </a:fillRef>
+          <a:effectRef idx="1">
+            <a:schemeClr val="accent2"/>
+          </a:effectRef>
+          <a:fontRef idx="minor">
+            <a:schemeClr val="lt1"/>
+          </a:fontRef>
+        </p:style>
+        <p:txBody>
+          <a:bodyPr rtlCol="0" anchor="ctr"/>
+          <a:lstStyle/>
+          <a:p>
+            <a:pPr algn="ctr"/>
+            <a:r>
+              <a:rPr kumimoji="1" lang="en-US" altLang="ja-JP" sz="1600" dirty="0">
+                <a:latin typeface="Hiragino Maru Gothic Pro W4" panose="020F0400000000000000" pitchFamily="34" charset="-128"/>
+                <a:ea typeface="Hiragino Maru Gothic Pro W4" panose="020F0400000000000000" pitchFamily="34" charset="-128"/>
+              </a:rPr>
+              <a:t>TH12</a:t>
+            </a:r>
+            <a:r>
+              <a:rPr kumimoji="1" lang="ja-JP" altLang="en-US" sz="1600">
+                <a:latin typeface="Hiragino Maru Gothic Pro W4" panose="020F0400000000000000" pitchFamily="34" charset="-128"/>
+                <a:ea typeface="Hiragino Maru Gothic Pro W4" panose="020F0400000000000000" pitchFamily="34" charset="-128"/>
+              </a:rPr>
+              <a:t>以下：アクティブ勢</a:t>
+            </a:r>
+          </a:p>
+        </p:txBody>
+      </p:sp>
+      <p:sp>
+        <p:nvSpPr>
+          <p:cNvPr id="23" name="角丸四角形 22">
+            <a:extLst>
+              <a:ext uri="{FF2B5EF4-FFF2-40B4-BE49-F238E27FC236}">
+                <a16:creationId xmlns:a16="http://schemas.microsoft.com/office/drawing/2014/main" id="{FA2B4284-7878-9D4C-8977-5D5CC9D3D1C0}"/>
+              </a:ext>
+            </a:extLst>
+          </p:cNvPr>
+          <p:cNvSpPr/>
+          <p:nvPr/>
+        </p:nvSpPr>
+        <p:spPr>
+          <a:xfrm>
+            <a:off x="1147787" y="5430562"/>
+            <a:ext cx="2733540" cy="457193"/>
+          </a:xfrm>
+          <a:prstGeom prst="roundRect">
+            <a:avLst/>
+          </a:prstGeom>
+        </p:spPr>
+        <p:style>
+          <a:lnRef idx="3">
+            <a:schemeClr val="lt1"/>
+          </a:lnRef>
+          <a:fillRef idx="1">
+            <a:schemeClr val="accent2"/>
+          </a:fillRef>
+          <a:effectRef idx="1">
+            <a:schemeClr val="accent2"/>
+          </a:effectRef>
+          <a:fontRef idx="minor">
+            <a:schemeClr val="lt1"/>
+          </a:fontRef>
+        </p:style>
+        <p:txBody>
+          <a:bodyPr rtlCol="0" anchor="ctr"/>
+          <a:lstStyle/>
+          <a:p>
+            <a:pPr algn="ctr"/>
+            <a:r>
+              <a:rPr kumimoji="1" lang="ja-JP" altLang="en-US" sz="1600">
+                <a:latin typeface="Hiragino Maru Gothic Pro W4" panose="020F0400000000000000" pitchFamily="34" charset="-128"/>
+                <a:ea typeface="Hiragino Maru Gothic Pro W4" panose="020F0400000000000000" pitchFamily="34" charset="-128"/>
+              </a:rPr>
+              <a:t>ゆったりしたい勢</a:t>
+            </a:r>
+          </a:p>
+        </p:txBody>
+      </p:sp>
+      <p:sp>
+        <p:nvSpPr>
+          <p:cNvPr id="24" name="右矢印 23">
+            <a:extLst>
+              <a:ext uri="{FF2B5EF4-FFF2-40B4-BE49-F238E27FC236}">
+                <a16:creationId xmlns:a16="http://schemas.microsoft.com/office/drawing/2014/main" id="{11DDD6C5-B885-C147-8430-0962103B5D70}"/>
+              </a:ext>
+            </a:extLst>
+          </p:cNvPr>
+          <p:cNvSpPr/>
+          <p:nvPr/>
+        </p:nvSpPr>
+        <p:spPr>
+          <a:xfrm>
+            <a:off x="4320480" y="3314293"/>
+            <a:ext cx="978408" cy="809614"/>
+          </a:xfrm>
+          <a:prstGeom prst="rightArrow">
+            <a:avLst/>
+          </a:prstGeom>
+        </p:spPr>
+        <p:style>
+          <a:lnRef idx="0">
+            <a:schemeClr val="accent4"/>
+          </a:lnRef>
+          <a:fillRef idx="3">
+            <a:schemeClr val="accent4"/>
+          </a:fillRef>
+          <a:effectRef idx="3">
+            <a:schemeClr val="accent4"/>
+          </a:effectRef>
+          <a:fontRef idx="minor">
+            <a:schemeClr val="lt1"/>
+          </a:fontRef>
+        </p:style>
+        <p:txBody>
+          <a:bodyPr rtlCol="0" anchor="ctr"/>
+          <a:lstStyle/>
+          <a:p>
+            <a:pPr algn="ctr"/>
+            <a:endParaRPr kumimoji="1" lang="ja-JP" altLang="en-US"/>
+          </a:p>
+        </p:txBody>
+      </p:sp>
+      <p:sp>
+        <p:nvSpPr>
+          <p:cNvPr id="25" name="正方形/長方形 24">
+            <a:extLst>
+              <a:ext uri="{FF2B5EF4-FFF2-40B4-BE49-F238E27FC236}">
+                <a16:creationId xmlns:a16="http://schemas.microsoft.com/office/drawing/2014/main" id="{67B5EC37-3D61-B04A-A0F0-C22A1852C1AE}"/>
+              </a:ext>
+            </a:extLst>
+          </p:cNvPr>
+          <p:cNvSpPr/>
+          <p:nvPr/>
+        </p:nvSpPr>
+        <p:spPr>
+          <a:xfrm>
+            <a:off x="5499050" y="1397005"/>
+            <a:ext cx="5741537" cy="1842584"/>
+          </a:xfrm>
+          <a:prstGeom prst="rect">
+            <a:avLst/>
+          </a:prstGeom>
+        </p:spPr>
+        <p:style>
+          <a:lnRef idx="0">
+            <a:schemeClr val="accent1"/>
+          </a:lnRef>
+          <a:fillRef idx="3">
+            <a:schemeClr val="accent1"/>
+          </a:fillRef>
+          <a:effectRef idx="3">
+            <a:schemeClr val="accent1"/>
+          </a:effectRef>
+          <a:fontRef idx="minor">
+            <a:schemeClr val="lt1"/>
+          </a:fontRef>
+        </p:style>
+        <p:txBody>
+          <a:bodyPr rtlCol="0" anchor="t"/>
+          <a:lstStyle/>
+          <a:p>
+            <a:pPr algn="ctr"/>
+            <a:r>
+              <a:rPr kumimoji="1" lang="ja-JP" altLang="en-US" sz="2000">
+                <a:latin typeface="Hiragino Maru Gothic Pro W4" panose="020F0400000000000000" pitchFamily="34" charset="-128"/>
+                <a:ea typeface="Hiragino Maru Gothic Pro W4" panose="020F0400000000000000" pitchFamily="34" charset="-128"/>
+              </a:rPr>
+              <a:t>新クラン</a:t>
+            </a:r>
+            <a:r>
+              <a:rPr kumimoji="1" lang="en-US" altLang="ja-JP" sz="2000" dirty="0">
+                <a:latin typeface="Hiragino Maru Gothic Pro W4" panose="020F0400000000000000" pitchFamily="34" charset="-128"/>
+                <a:ea typeface="Hiragino Maru Gothic Pro W4" panose="020F0400000000000000" pitchFamily="34" charset="-128"/>
+              </a:rPr>
+              <a:t>(</a:t>
+            </a:r>
+            <a:r>
+              <a:rPr kumimoji="1" lang="ja-JP" altLang="en-US" sz="2000">
+                <a:latin typeface="Hiragino Maru Gothic Pro W4" panose="020F0400000000000000" pitchFamily="34" charset="-128"/>
+                <a:ea typeface="Hiragino Maru Gothic Pro W4" panose="020F0400000000000000" pitchFamily="34" charset="-128"/>
+              </a:rPr>
+              <a:t>アクティブクラン</a:t>
+            </a:r>
+            <a:r>
+              <a:rPr kumimoji="1" lang="en-US" altLang="ja-JP" sz="2000" dirty="0">
+                <a:latin typeface="Hiragino Maru Gothic Pro W4" panose="020F0400000000000000" pitchFamily="34" charset="-128"/>
+                <a:ea typeface="Hiragino Maru Gothic Pro W4" panose="020F0400000000000000" pitchFamily="34" charset="-128"/>
+              </a:rPr>
+              <a:t>)</a:t>
+            </a:r>
+            <a:br>
+              <a:rPr kumimoji="1" lang="en-US" altLang="ja-JP" sz="2000" dirty="0">
+                <a:latin typeface="Hiragino Maru Gothic Pro W4" panose="020F0400000000000000" pitchFamily="34" charset="-128"/>
+                <a:ea typeface="Hiragino Maru Gothic Pro W4" panose="020F0400000000000000" pitchFamily="34" charset="-128"/>
+              </a:rPr>
+            </a:br>
+            <a:r>
+              <a:rPr kumimoji="1" lang="en-US" altLang="ja-JP" sz="2000" dirty="0">
+                <a:solidFill>
+                  <a:srgbClr val="FF0000"/>
+                </a:solidFill>
+                <a:latin typeface="Hiragino Maru Gothic Pro W4" panose="020F0400000000000000" pitchFamily="34" charset="-128"/>
+                <a:ea typeface="Hiragino Maru Gothic Pro W4" panose="020F0400000000000000" pitchFamily="34" charset="-128"/>
+              </a:rPr>
+              <a:t>※</a:t>
+            </a:r>
+            <a:r>
+              <a:rPr kumimoji="1" lang="ja-JP" altLang="en-US" sz="2000">
+                <a:solidFill>
+                  <a:srgbClr val="FF0000"/>
+                </a:solidFill>
+                <a:latin typeface="Hiragino Maru Gothic Pro W4" panose="020F0400000000000000" pitchFamily="34" charset="-128"/>
+                <a:ea typeface="Hiragino Maru Gothic Pro W4" panose="020F0400000000000000" pitchFamily="34" charset="-128"/>
+              </a:rPr>
+              <a:t>クラン方針、リーダー、未定</a:t>
+            </a:r>
+            <a:endParaRPr kumimoji="1" lang="en-US" altLang="ja-JP" sz="2000" dirty="0">
+              <a:solidFill>
+                <a:srgbClr val="FF0000"/>
+              </a:solidFill>
+              <a:latin typeface="Hiragino Maru Gothic Pro W4" panose="020F0400000000000000" pitchFamily="34" charset="-128"/>
+              <a:ea typeface="Hiragino Maru Gothic Pro W4" panose="020F0400000000000000" pitchFamily="34" charset="-128"/>
+            </a:endParaRPr>
+          </a:p>
+        </p:txBody>
+      </p:sp>
+      <p:sp>
+        <p:nvSpPr>
+          <p:cNvPr id="26" name="角丸四角形 25">
+            <a:extLst>
+              <a:ext uri="{FF2B5EF4-FFF2-40B4-BE49-F238E27FC236}">
+                <a16:creationId xmlns:a16="http://schemas.microsoft.com/office/drawing/2014/main" id="{BE24FFA8-17F4-9B4B-85BA-EA19FA94FED1}"/>
+              </a:ext>
+            </a:extLst>
+          </p:cNvPr>
+          <p:cNvSpPr/>
+          <p:nvPr/>
+        </p:nvSpPr>
+        <p:spPr>
+          <a:xfrm>
+            <a:off x="5785105" y="2101917"/>
+            <a:ext cx="5057066" cy="457193"/>
+          </a:xfrm>
+          <a:prstGeom prst="roundRect">
+            <a:avLst/>
+          </a:prstGeom>
+        </p:spPr>
+        <p:style>
+          <a:lnRef idx="3">
+            <a:schemeClr val="lt1"/>
+          </a:lnRef>
+          <a:fillRef idx="1">
+            <a:schemeClr val="accent5"/>
+          </a:fillRef>
+          <a:effectRef idx="1">
+            <a:schemeClr val="accent5"/>
+          </a:effectRef>
+          <a:fontRef idx="minor">
+            <a:schemeClr val="lt1"/>
+          </a:fontRef>
+        </p:style>
+        <p:txBody>
+          <a:bodyPr rtlCol="0" anchor="ctr"/>
+          <a:lstStyle/>
+          <a:p>
+            <a:pPr algn="ctr"/>
+            <a:r>
+              <a:rPr kumimoji="1" lang="en-US" altLang="ja-JP" sz="1600" dirty="0">
+                <a:latin typeface="Hiragino Maru Gothic Pro W4" panose="020F0400000000000000" pitchFamily="34" charset="-128"/>
+                <a:ea typeface="Hiragino Maru Gothic Pro W4" panose="020F0400000000000000" pitchFamily="34" charset="-128"/>
+              </a:rPr>
+              <a:t>TH13-14</a:t>
+            </a:r>
+            <a:r>
+              <a:rPr kumimoji="1" lang="ja-JP" altLang="en-US" sz="1600">
+                <a:latin typeface="Hiragino Maru Gothic Pro W4" panose="020F0400000000000000" pitchFamily="34" charset="-128"/>
+                <a:ea typeface="Hiragino Maru Gothic Pro W4" panose="020F0400000000000000" pitchFamily="34" charset="-128"/>
+              </a:rPr>
+              <a:t>：アクティブ勢</a:t>
+            </a:r>
+            <a:r>
+              <a:rPr kumimoji="1" lang="en-US" altLang="ja-JP" sz="1600" dirty="0">
+                <a:latin typeface="Hiragino Maru Gothic Pro W4" panose="020F0400000000000000" pitchFamily="34" charset="-128"/>
+                <a:ea typeface="Hiragino Maru Gothic Pro W4" panose="020F0400000000000000" pitchFamily="34" charset="-128"/>
+              </a:rPr>
+              <a:t> (</a:t>
+            </a:r>
+            <a:r>
+              <a:rPr lang="en-US" altLang="ja-JP" sz="1600" dirty="0">
+                <a:latin typeface="Hiragino Maru Gothic Pro W4" panose="020F0400000000000000" pitchFamily="34" charset="-128"/>
+                <a:ea typeface="Hiragino Maru Gothic Pro W4" panose="020F0400000000000000" pitchFamily="34" charset="-128"/>
+              </a:rPr>
+              <a:t>from </a:t>
+            </a:r>
+            <a:r>
+              <a:rPr lang="ja-JP" altLang="en-US" sz="1600">
+                <a:latin typeface="Hiragino Maru Gothic Pro W4" panose="020F0400000000000000" pitchFamily="34" charset="-128"/>
+                <a:ea typeface="Hiragino Maru Gothic Pro W4" panose="020F0400000000000000" pitchFamily="34" charset="-128"/>
+              </a:rPr>
+              <a:t>まほらま</a:t>
+            </a:r>
+            <a:r>
+              <a:rPr lang="en-US" altLang="ja-JP" sz="1600" dirty="0">
+                <a:latin typeface="Hiragino Maru Gothic Pro W4" panose="020F0400000000000000" pitchFamily="34" charset="-128"/>
+                <a:ea typeface="Hiragino Maru Gothic Pro W4" panose="020F0400000000000000" pitchFamily="34" charset="-128"/>
+              </a:rPr>
+              <a:t>)</a:t>
+            </a:r>
+            <a:endParaRPr kumimoji="1" lang="ja-JP" altLang="en-US" sz="1600">
+              <a:latin typeface="Hiragino Maru Gothic Pro W4" panose="020F0400000000000000" pitchFamily="34" charset="-128"/>
+              <a:ea typeface="Hiragino Maru Gothic Pro W4" panose="020F0400000000000000" pitchFamily="34" charset="-128"/>
+            </a:endParaRPr>
+          </a:p>
+        </p:txBody>
+      </p:sp>
+      <p:sp>
+        <p:nvSpPr>
+          <p:cNvPr id="27" name="角丸四角形 26">
+            <a:extLst>
+              <a:ext uri="{FF2B5EF4-FFF2-40B4-BE49-F238E27FC236}">
+                <a16:creationId xmlns:a16="http://schemas.microsoft.com/office/drawing/2014/main" id="{AD19C939-D059-4F47-BF39-BDEB350E1492}"/>
+              </a:ext>
+            </a:extLst>
+          </p:cNvPr>
+          <p:cNvSpPr/>
+          <p:nvPr/>
+        </p:nvSpPr>
+        <p:spPr>
+          <a:xfrm>
+            <a:off x="5785105" y="2644197"/>
+            <a:ext cx="5057066" cy="457193"/>
+          </a:xfrm>
+          <a:prstGeom prst="roundRect">
+            <a:avLst/>
+          </a:prstGeom>
+        </p:spPr>
+        <p:style>
+          <a:lnRef idx="3">
+            <a:schemeClr val="lt1"/>
+          </a:lnRef>
+          <a:fillRef idx="1">
+            <a:schemeClr val="accent2"/>
+          </a:fillRef>
+          <a:effectRef idx="1">
+            <a:schemeClr val="accent2"/>
+          </a:effectRef>
+          <a:fontRef idx="minor">
+            <a:schemeClr val="lt1"/>
+          </a:fontRef>
+        </p:style>
+        <p:txBody>
+          <a:bodyPr rtlCol="0" anchor="ctr"/>
+          <a:lstStyle/>
+          <a:p>
+            <a:pPr algn="ctr"/>
+            <a:r>
+              <a:rPr kumimoji="1" lang="en-US" altLang="ja-JP" sz="1600" dirty="0">
+                <a:latin typeface="Hiragino Maru Gothic Pro W4" panose="020F0400000000000000" pitchFamily="34" charset="-128"/>
+                <a:ea typeface="Hiragino Maru Gothic Pro W4" panose="020F0400000000000000" pitchFamily="34" charset="-128"/>
+              </a:rPr>
+              <a:t>TH13-14</a:t>
+            </a:r>
+            <a:r>
+              <a:rPr kumimoji="1" lang="ja-JP" altLang="en-US" sz="1600">
+                <a:latin typeface="Hiragino Maru Gothic Pro W4" panose="020F0400000000000000" pitchFamily="34" charset="-128"/>
+                <a:ea typeface="Hiragino Maru Gothic Pro W4" panose="020F0400000000000000" pitchFamily="34" charset="-128"/>
+              </a:rPr>
+              <a:t>：アクティブ勢 </a:t>
+            </a:r>
+            <a:r>
+              <a:rPr lang="en-US" altLang="ja-JP" sz="1600" dirty="0">
+                <a:latin typeface="Hiragino Maru Gothic Pro W4" panose="020F0400000000000000" pitchFamily="34" charset="-128"/>
+                <a:ea typeface="Hiragino Maru Gothic Pro W4" panose="020F0400000000000000" pitchFamily="34" charset="-128"/>
+              </a:rPr>
+              <a:t>(from </a:t>
+            </a:r>
+            <a:r>
+              <a:rPr lang="ja-JP" altLang="en-US" sz="1600">
+                <a:latin typeface="Hiragino Maru Gothic Pro W4" panose="020F0400000000000000" pitchFamily="34" charset="-128"/>
+                <a:ea typeface="Hiragino Maru Gothic Pro W4" panose="020F0400000000000000" pitchFamily="34" charset="-128"/>
+              </a:rPr>
+              <a:t>東方</a:t>
+            </a:r>
+            <a:r>
+              <a:rPr lang="en-US" altLang="ja-JP" sz="1600" dirty="0">
+                <a:latin typeface="Hiragino Maru Gothic Pro W4" panose="020F0400000000000000" pitchFamily="34" charset="-128"/>
+                <a:ea typeface="Hiragino Maru Gothic Pro W4" panose="020F0400000000000000" pitchFamily="34" charset="-128"/>
+              </a:rPr>
+              <a:t>)</a:t>
+            </a:r>
+            <a:endParaRPr kumimoji="1" lang="ja-JP" altLang="en-US" sz="1600">
+              <a:latin typeface="Hiragino Maru Gothic Pro W4" panose="020F0400000000000000" pitchFamily="34" charset="-128"/>
+              <a:ea typeface="Hiragino Maru Gothic Pro W4" panose="020F0400000000000000" pitchFamily="34" charset="-128"/>
+            </a:endParaRPr>
+          </a:p>
+        </p:txBody>
+      </p:sp>
+      <p:sp>
+        <p:nvSpPr>
+          <p:cNvPr id="30" name="正方形/長方形 29">
+            <a:extLst>
+              <a:ext uri="{FF2B5EF4-FFF2-40B4-BE49-F238E27FC236}">
+                <a16:creationId xmlns:a16="http://schemas.microsoft.com/office/drawing/2014/main" id="{1DFFFC2D-38D3-914A-B351-0D6A71717C09}"/>
+              </a:ext>
+            </a:extLst>
+          </p:cNvPr>
+          <p:cNvSpPr/>
+          <p:nvPr/>
+        </p:nvSpPr>
+        <p:spPr>
+          <a:xfrm>
+            <a:off x="5499049" y="3314293"/>
+            <a:ext cx="5741537" cy="2834184"/>
+          </a:xfrm>
+          <a:prstGeom prst="rect">
+            <a:avLst/>
+          </a:prstGeom>
+        </p:spPr>
+        <p:style>
+          <a:lnRef idx="0">
+            <a:schemeClr val="accent6"/>
+          </a:lnRef>
+          <a:fillRef idx="3">
+            <a:schemeClr val="accent6"/>
+          </a:fillRef>
+          <a:effectRef idx="3">
+            <a:schemeClr val="accent6"/>
+          </a:effectRef>
+          <a:fontRef idx="minor">
+            <a:schemeClr val="lt1"/>
+          </a:fontRef>
+        </p:style>
+        <p:txBody>
+          <a:bodyPr rtlCol="0" anchor="t"/>
+          <a:lstStyle/>
+          <a:p>
+            <a:pPr algn="ctr"/>
+            <a:r>
+              <a:rPr kumimoji="1" lang="ja-JP" altLang="en-US" sz="2000">
+                <a:latin typeface="Hiragino Maru Gothic Pro W4" panose="020F0400000000000000" pitchFamily="34" charset="-128"/>
+                <a:ea typeface="Hiragino Maru Gothic Pro W4" panose="020F0400000000000000" pitchFamily="34" charset="-128"/>
+              </a:rPr>
+              <a:t>新クラン</a:t>
+            </a:r>
+            <a:r>
+              <a:rPr kumimoji="1" lang="en-US" altLang="ja-JP" sz="2000" dirty="0">
+                <a:latin typeface="Hiragino Maru Gothic Pro W4" panose="020F0400000000000000" pitchFamily="34" charset="-128"/>
+                <a:ea typeface="Hiragino Maru Gothic Pro W4" panose="020F0400000000000000" pitchFamily="34" charset="-128"/>
+              </a:rPr>
+              <a:t>(</a:t>
+            </a:r>
+            <a:r>
+              <a:rPr kumimoji="1" lang="ja-JP" altLang="en-US" sz="2000">
+                <a:latin typeface="Hiragino Maru Gothic Pro W4" panose="020F0400000000000000" pitchFamily="34" charset="-128"/>
+                <a:ea typeface="Hiragino Maru Gothic Pro W4" panose="020F0400000000000000" pitchFamily="34" charset="-128"/>
+              </a:rPr>
+              <a:t>ファーミングクラン</a:t>
+            </a:r>
+            <a:r>
+              <a:rPr kumimoji="1" lang="en-US" altLang="ja-JP" sz="2000" dirty="0">
+                <a:latin typeface="Hiragino Maru Gothic Pro W4" panose="020F0400000000000000" pitchFamily="34" charset="-128"/>
+                <a:ea typeface="Hiragino Maru Gothic Pro W4" panose="020F0400000000000000" pitchFamily="34" charset="-128"/>
+              </a:rPr>
+              <a:t>)</a:t>
+            </a:r>
+            <a:br>
+              <a:rPr lang="en-US" altLang="ja-JP" sz="2000" dirty="0">
+                <a:latin typeface="Hiragino Maru Gothic Pro W4" panose="020F0400000000000000" pitchFamily="34" charset="-128"/>
+                <a:ea typeface="Hiragino Maru Gothic Pro W4" panose="020F0400000000000000" pitchFamily="34" charset="-128"/>
+              </a:rPr>
+            </a:br>
+            <a:r>
+              <a:rPr lang="en-US" altLang="ja-JP" sz="2000" dirty="0">
+                <a:solidFill>
+                  <a:srgbClr val="FF0000"/>
+                </a:solidFill>
+                <a:latin typeface="Hiragino Maru Gothic Pro W4" panose="020F0400000000000000" pitchFamily="34" charset="-128"/>
+                <a:ea typeface="Hiragino Maru Gothic Pro W4" panose="020F0400000000000000" pitchFamily="34" charset="-128"/>
+              </a:rPr>
+              <a:t>※</a:t>
+            </a:r>
+            <a:r>
+              <a:rPr lang="ja-JP" altLang="en-US" sz="2000">
+                <a:solidFill>
+                  <a:srgbClr val="FF0000"/>
+                </a:solidFill>
+                <a:latin typeface="Hiragino Maru Gothic Pro W4" panose="020F0400000000000000" pitchFamily="34" charset="-128"/>
+                <a:ea typeface="Hiragino Maru Gothic Pro W4" panose="020F0400000000000000" pitchFamily="34" charset="-128"/>
+              </a:rPr>
+              <a:t>クラン方針、リーダー、未定</a:t>
+            </a:r>
+            <a:endParaRPr kumimoji="1" lang="en-US" altLang="ja-JP" sz="2000" dirty="0">
+              <a:solidFill>
+                <a:srgbClr val="FF0000"/>
+              </a:solidFill>
+              <a:latin typeface="Hiragino Maru Gothic Pro W4" panose="020F0400000000000000" pitchFamily="34" charset="-128"/>
+              <a:ea typeface="Hiragino Maru Gothic Pro W4" panose="020F0400000000000000" pitchFamily="34" charset="-128"/>
+            </a:endParaRPr>
+          </a:p>
+        </p:txBody>
+      </p:sp>
+      <p:sp>
+        <p:nvSpPr>
+          <p:cNvPr id="31" name="角丸四角形 30">
+            <a:extLst>
+              <a:ext uri="{FF2B5EF4-FFF2-40B4-BE49-F238E27FC236}">
+                <a16:creationId xmlns:a16="http://schemas.microsoft.com/office/drawing/2014/main" id="{F5D9E317-34C1-6A45-AAF0-E609591BF49E}"/>
+              </a:ext>
+            </a:extLst>
+          </p:cNvPr>
+          <p:cNvSpPr/>
+          <p:nvPr/>
+        </p:nvSpPr>
+        <p:spPr>
+          <a:xfrm>
+            <a:off x="5785104" y="4036170"/>
+            <a:ext cx="5057067" cy="457193"/>
+          </a:xfrm>
+          <a:prstGeom prst="roundRect">
+            <a:avLst/>
+          </a:prstGeom>
+        </p:spPr>
+        <p:style>
+          <a:lnRef idx="3">
+            <a:schemeClr val="lt1"/>
+          </a:lnRef>
+          <a:fillRef idx="1">
+            <a:schemeClr val="accent5"/>
+          </a:fillRef>
+          <a:effectRef idx="1">
+            <a:schemeClr val="accent5"/>
+          </a:effectRef>
+          <a:fontRef idx="minor">
+            <a:schemeClr val="lt1"/>
+          </a:fontRef>
+        </p:style>
+        <p:txBody>
+          <a:bodyPr rtlCol="0" anchor="ctr"/>
+          <a:lstStyle/>
+          <a:p>
+            <a:pPr algn="ctr"/>
+            <a:r>
+              <a:rPr kumimoji="1" lang="en-US" altLang="ja-JP" sz="1600" dirty="0">
+                <a:latin typeface="Hiragino Maru Gothic Pro W4" panose="020F0400000000000000" pitchFamily="34" charset="-128"/>
+                <a:ea typeface="Hiragino Maru Gothic Pro W4" panose="020F0400000000000000" pitchFamily="34" charset="-128"/>
+              </a:rPr>
+              <a:t>TH12</a:t>
+            </a:r>
+            <a:r>
+              <a:rPr kumimoji="1" lang="ja-JP" altLang="en-US" sz="1600">
+                <a:latin typeface="Hiragino Maru Gothic Pro W4" panose="020F0400000000000000" pitchFamily="34" charset="-128"/>
+                <a:ea typeface="Hiragino Maru Gothic Pro W4" panose="020F0400000000000000" pitchFamily="34" charset="-128"/>
+              </a:rPr>
+              <a:t>以下：アクティブ勢</a:t>
+            </a:r>
+            <a:r>
+              <a:rPr kumimoji="1" lang="en-US" altLang="ja-JP" sz="1600" dirty="0">
+                <a:latin typeface="Hiragino Maru Gothic Pro W4" panose="020F0400000000000000" pitchFamily="34" charset="-128"/>
+                <a:ea typeface="Hiragino Maru Gothic Pro W4" panose="020F0400000000000000" pitchFamily="34" charset="-128"/>
+              </a:rPr>
+              <a:t> </a:t>
+            </a:r>
+            <a:r>
+              <a:rPr lang="en-US" altLang="ja-JP" sz="1600" dirty="0">
+                <a:latin typeface="Hiragino Maru Gothic Pro W4" panose="020F0400000000000000" pitchFamily="34" charset="-128"/>
+                <a:ea typeface="Hiragino Maru Gothic Pro W4" panose="020F0400000000000000" pitchFamily="34" charset="-128"/>
+              </a:rPr>
+              <a:t>(from </a:t>
+            </a:r>
+            <a:r>
+              <a:rPr lang="ja-JP" altLang="en-US" sz="1600">
+                <a:latin typeface="Hiragino Maru Gothic Pro W4" panose="020F0400000000000000" pitchFamily="34" charset="-128"/>
+                <a:ea typeface="Hiragino Maru Gothic Pro W4" panose="020F0400000000000000" pitchFamily="34" charset="-128"/>
+              </a:rPr>
+              <a:t>まほらま</a:t>
+            </a:r>
+            <a:r>
+              <a:rPr lang="en-US" altLang="ja-JP" sz="1600" dirty="0">
+                <a:latin typeface="Hiragino Maru Gothic Pro W4" panose="020F0400000000000000" pitchFamily="34" charset="-128"/>
+                <a:ea typeface="Hiragino Maru Gothic Pro W4" panose="020F0400000000000000" pitchFamily="34" charset="-128"/>
+              </a:rPr>
+              <a:t>)</a:t>
+            </a:r>
+            <a:endParaRPr kumimoji="1" lang="ja-JP" altLang="en-US" sz="1600">
+              <a:latin typeface="Hiragino Maru Gothic Pro W4" panose="020F0400000000000000" pitchFamily="34" charset="-128"/>
+              <a:ea typeface="Hiragino Maru Gothic Pro W4" panose="020F0400000000000000" pitchFamily="34" charset="-128"/>
+            </a:endParaRPr>
+          </a:p>
+        </p:txBody>
+      </p:sp>
+      <p:sp>
+        <p:nvSpPr>
+          <p:cNvPr id="32" name="角丸四角形 31">
+            <a:extLst>
+              <a:ext uri="{FF2B5EF4-FFF2-40B4-BE49-F238E27FC236}">
+                <a16:creationId xmlns:a16="http://schemas.microsoft.com/office/drawing/2014/main" id="{C7FA3089-AFBB-0749-89C5-F3F53FFD1C5C}"/>
+              </a:ext>
+            </a:extLst>
+          </p:cNvPr>
+          <p:cNvSpPr/>
+          <p:nvPr/>
+        </p:nvSpPr>
+        <p:spPr>
+          <a:xfrm>
+            <a:off x="5785104" y="4544530"/>
+            <a:ext cx="5057067" cy="457193"/>
+          </a:xfrm>
+          <a:prstGeom prst="roundRect">
+            <a:avLst/>
+          </a:prstGeom>
+        </p:spPr>
+        <p:style>
+          <a:lnRef idx="3">
+            <a:schemeClr val="lt1"/>
+          </a:lnRef>
+          <a:fillRef idx="1">
+            <a:schemeClr val="accent5"/>
+          </a:fillRef>
+          <a:effectRef idx="1">
+            <a:schemeClr val="accent5"/>
+          </a:effectRef>
+          <a:fontRef idx="minor">
+            <a:schemeClr val="lt1"/>
+          </a:fontRef>
+        </p:style>
+        <p:txBody>
+          <a:bodyPr rtlCol="0" anchor="ctr"/>
+          <a:lstStyle/>
+          <a:p>
+            <a:pPr algn="ctr"/>
+            <a:r>
+              <a:rPr kumimoji="1" lang="ja-JP" altLang="en-US" sz="1600">
+                <a:latin typeface="Hiragino Maru Gothic Pro W4" panose="020F0400000000000000" pitchFamily="34" charset="-128"/>
+                <a:ea typeface="Hiragino Maru Gothic Pro W4" panose="020F0400000000000000" pitchFamily="34" charset="-128"/>
+              </a:rPr>
+              <a:t>ゆったりしたい勢</a:t>
+            </a:r>
+            <a:r>
+              <a:rPr kumimoji="1" lang="en-US" altLang="ja-JP" sz="1600" dirty="0">
+                <a:latin typeface="Hiragino Maru Gothic Pro W4" panose="020F0400000000000000" pitchFamily="34" charset="-128"/>
+                <a:ea typeface="Hiragino Maru Gothic Pro W4" panose="020F0400000000000000" pitchFamily="34" charset="-128"/>
+              </a:rPr>
+              <a:t> </a:t>
+            </a:r>
+            <a:r>
+              <a:rPr lang="en-US" altLang="ja-JP" sz="1600" dirty="0">
+                <a:latin typeface="Hiragino Maru Gothic Pro W4" panose="020F0400000000000000" pitchFamily="34" charset="-128"/>
+                <a:ea typeface="Hiragino Maru Gothic Pro W4" panose="020F0400000000000000" pitchFamily="34" charset="-128"/>
+              </a:rPr>
+              <a:t>(from </a:t>
+            </a:r>
+            <a:r>
+              <a:rPr lang="ja-JP" altLang="en-US" sz="1600">
+                <a:latin typeface="Hiragino Maru Gothic Pro W4" panose="020F0400000000000000" pitchFamily="34" charset="-128"/>
+                <a:ea typeface="Hiragino Maru Gothic Pro W4" panose="020F0400000000000000" pitchFamily="34" charset="-128"/>
+              </a:rPr>
+              <a:t>まほらま</a:t>
+            </a:r>
+            <a:r>
+              <a:rPr lang="en-US" altLang="ja-JP" sz="1600" dirty="0">
+                <a:latin typeface="Hiragino Maru Gothic Pro W4" panose="020F0400000000000000" pitchFamily="34" charset="-128"/>
+                <a:ea typeface="Hiragino Maru Gothic Pro W4" panose="020F0400000000000000" pitchFamily="34" charset="-128"/>
+              </a:rPr>
+              <a:t>)</a:t>
+            </a:r>
+            <a:endParaRPr kumimoji="1" lang="ja-JP" altLang="en-US" sz="1600">
+              <a:latin typeface="Hiragino Maru Gothic Pro W4" panose="020F0400000000000000" pitchFamily="34" charset="-128"/>
+              <a:ea typeface="Hiragino Maru Gothic Pro W4" panose="020F0400000000000000" pitchFamily="34" charset="-128"/>
+            </a:endParaRPr>
+          </a:p>
+        </p:txBody>
+      </p:sp>
+      <p:sp>
+        <p:nvSpPr>
+          <p:cNvPr id="33" name="角丸四角形 32">
+            <a:extLst>
+              <a:ext uri="{FF2B5EF4-FFF2-40B4-BE49-F238E27FC236}">
+                <a16:creationId xmlns:a16="http://schemas.microsoft.com/office/drawing/2014/main" id="{B470A90E-C488-F34B-AC66-F1C95DE2DC13}"/>
+              </a:ext>
+            </a:extLst>
+          </p:cNvPr>
+          <p:cNvSpPr/>
+          <p:nvPr/>
+        </p:nvSpPr>
+        <p:spPr>
+          <a:xfrm>
+            <a:off x="5785104" y="5054762"/>
+            <a:ext cx="5057067" cy="457193"/>
+          </a:xfrm>
+          <a:prstGeom prst="roundRect">
+            <a:avLst/>
+          </a:prstGeom>
+        </p:spPr>
+        <p:style>
+          <a:lnRef idx="3">
+            <a:schemeClr val="lt1"/>
+          </a:lnRef>
+          <a:fillRef idx="1">
+            <a:schemeClr val="accent2"/>
+          </a:fillRef>
+          <a:effectRef idx="1">
+            <a:schemeClr val="accent2"/>
+          </a:effectRef>
+          <a:fontRef idx="minor">
+            <a:schemeClr val="lt1"/>
+          </a:fontRef>
+        </p:style>
+        <p:txBody>
+          <a:bodyPr rtlCol="0" anchor="ctr"/>
+          <a:lstStyle/>
+          <a:p>
+            <a:pPr algn="ctr"/>
+            <a:r>
+              <a:rPr kumimoji="1" lang="en-US" altLang="ja-JP" sz="1600" dirty="0">
+                <a:latin typeface="Hiragino Maru Gothic Pro W4" panose="020F0400000000000000" pitchFamily="34" charset="-128"/>
+                <a:ea typeface="Hiragino Maru Gothic Pro W4" panose="020F0400000000000000" pitchFamily="34" charset="-128"/>
+              </a:rPr>
+              <a:t>TH12</a:t>
+            </a:r>
+            <a:r>
+              <a:rPr kumimoji="1" lang="ja-JP" altLang="en-US" sz="1600">
+                <a:latin typeface="Hiragino Maru Gothic Pro W4" panose="020F0400000000000000" pitchFamily="34" charset="-128"/>
+                <a:ea typeface="Hiragino Maru Gothic Pro W4" panose="020F0400000000000000" pitchFamily="34" charset="-128"/>
+              </a:rPr>
+              <a:t>以下：アクティブ勢</a:t>
+            </a:r>
+            <a:r>
+              <a:rPr kumimoji="1" lang="en-US" altLang="ja-JP" sz="1600" dirty="0">
+                <a:latin typeface="Hiragino Maru Gothic Pro W4" panose="020F0400000000000000" pitchFamily="34" charset="-128"/>
+                <a:ea typeface="Hiragino Maru Gothic Pro W4" panose="020F0400000000000000" pitchFamily="34" charset="-128"/>
+              </a:rPr>
+              <a:t> </a:t>
+            </a:r>
+            <a:r>
+              <a:rPr lang="en-US" altLang="ja-JP" sz="1600" dirty="0">
+                <a:latin typeface="Hiragino Maru Gothic Pro W4" panose="020F0400000000000000" pitchFamily="34" charset="-128"/>
+                <a:ea typeface="Hiragino Maru Gothic Pro W4" panose="020F0400000000000000" pitchFamily="34" charset="-128"/>
+              </a:rPr>
+              <a:t>(from </a:t>
+            </a:r>
+            <a:r>
+              <a:rPr lang="ja-JP" altLang="en-US" sz="1600">
+                <a:latin typeface="Hiragino Maru Gothic Pro W4" panose="020F0400000000000000" pitchFamily="34" charset="-128"/>
+                <a:ea typeface="Hiragino Maru Gothic Pro W4" panose="020F0400000000000000" pitchFamily="34" charset="-128"/>
+              </a:rPr>
+              <a:t>東方</a:t>
+            </a:r>
+            <a:r>
+              <a:rPr lang="en-US" altLang="ja-JP" sz="1600" dirty="0">
+                <a:latin typeface="Hiragino Maru Gothic Pro W4" panose="020F0400000000000000" pitchFamily="34" charset="-128"/>
+                <a:ea typeface="Hiragino Maru Gothic Pro W4" panose="020F0400000000000000" pitchFamily="34" charset="-128"/>
+              </a:rPr>
+              <a:t>)</a:t>
+            </a:r>
+            <a:endParaRPr kumimoji="1" lang="ja-JP" altLang="en-US" sz="1600">
+              <a:latin typeface="Hiragino Maru Gothic Pro W4" panose="020F0400000000000000" pitchFamily="34" charset="-128"/>
+              <a:ea typeface="Hiragino Maru Gothic Pro W4" panose="020F0400000000000000" pitchFamily="34" charset="-128"/>
+            </a:endParaRPr>
+          </a:p>
+        </p:txBody>
+      </p:sp>
+      <p:sp>
+        <p:nvSpPr>
+          <p:cNvPr id="34" name="角丸四角形 33">
+            <a:extLst>
+              <a:ext uri="{FF2B5EF4-FFF2-40B4-BE49-F238E27FC236}">
+                <a16:creationId xmlns:a16="http://schemas.microsoft.com/office/drawing/2014/main" id="{370A3D1A-48D2-5747-B02C-774911172AE5}"/>
+              </a:ext>
+            </a:extLst>
+          </p:cNvPr>
+          <p:cNvSpPr/>
+          <p:nvPr/>
+        </p:nvSpPr>
+        <p:spPr>
+          <a:xfrm>
+            <a:off x="5785104" y="5564994"/>
+            <a:ext cx="5057067" cy="457193"/>
+          </a:xfrm>
+          <a:prstGeom prst="roundRect">
+            <a:avLst/>
+          </a:prstGeom>
+        </p:spPr>
+        <p:style>
+          <a:lnRef idx="3">
+            <a:schemeClr val="lt1"/>
+          </a:lnRef>
+          <a:fillRef idx="1">
+            <a:schemeClr val="accent2"/>
+          </a:fillRef>
+          <a:effectRef idx="1">
+            <a:schemeClr val="accent2"/>
+          </a:effectRef>
+          <a:fontRef idx="minor">
+            <a:schemeClr val="lt1"/>
+          </a:fontRef>
+        </p:style>
+        <p:txBody>
+          <a:bodyPr rtlCol="0" anchor="ctr"/>
+          <a:lstStyle/>
+          <a:p>
+            <a:pPr algn="ctr"/>
+            <a:r>
+              <a:rPr kumimoji="1" lang="ja-JP" altLang="en-US" sz="1600">
+                <a:latin typeface="Hiragino Maru Gothic Pro W4" panose="020F0400000000000000" pitchFamily="34" charset="-128"/>
+                <a:ea typeface="Hiragino Maru Gothic Pro W4" panose="020F0400000000000000" pitchFamily="34" charset="-128"/>
+              </a:rPr>
+              <a:t>ゆったりしたい勢</a:t>
+            </a:r>
+            <a:r>
+              <a:rPr kumimoji="1" lang="en-US" altLang="ja-JP" sz="1600" dirty="0">
+                <a:latin typeface="Hiragino Maru Gothic Pro W4" panose="020F0400000000000000" pitchFamily="34" charset="-128"/>
+                <a:ea typeface="Hiragino Maru Gothic Pro W4" panose="020F0400000000000000" pitchFamily="34" charset="-128"/>
+              </a:rPr>
+              <a:t> </a:t>
+            </a:r>
+            <a:r>
+              <a:rPr lang="en-US" altLang="ja-JP" sz="1600" dirty="0">
+                <a:latin typeface="Hiragino Maru Gothic Pro W4" panose="020F0400000000000000" pitchFamily="34" charset="-128"/>
+                <a:ea typeface="Hiragino Maru Gothic Pro W4" panose="020F0400000000000000" pitchFamily="34" charset="-128"/>
+              </a:rPr>
+              <a:t>(from </a:t>
+            </a:r>
+            <a:r>
+              <a:rPr lang="ja-JP" altLang="en-US" sz="1600">
+                <a:latin typeface="Hiragino Maru Gothic Pro W4" panose="020F0400000000000000" pitchFamily="34" charset="-128"/>
+                <a:ea typeface="Hiragino Maru Gothic Pro W4" panose="020F0400000000000000" pitchFamily="34" charset="-128"/>
+              </a:rPr>
+              <a:t>東方</a:t>
+            </a:r>
+            <a:r>
+              <a:rPr lang="en-US" altLang="ja-JP" sz="1600" dirty="0">
+                <a:latin typeface="Hiragino Maru Gothic Pro W4" panose="020F0400000000000000" pitchFamily="34" charset="-128"/>
+                <a:ea typeface="Hiragino Maru Gothic Pro W4" panose="020F0400000000000000" pitchFamily="34" charset="-128"/>
+              </a:rPr>
+              <a:t>)</a:t>
+            </a:r>
+            <a:endParaRPr kumimoji="1" lang="ja-JP" altLang="en-US" sz="1600">
+              <a:latin typeface="Hiragino Maru Gothic Pro W4" panose="020F0400000000000000" pitchFamily="34" charset="-128"/>
+              <a:ea typeface="Hiragino Maru Gothic Pro W4" panose="020F0400000000000000" pitchFamily="34" charset="-128"/>
+            </a:endParaRPr>
+          </a:p>
+        </p:txBody>
+      </p:sp>
     </p:spTree>
     <p:extLst>
       <p:ext uri="{BB962C8B-B14F-4D97-AF65-F5344CB8AC3E}">
-        <p14:creationId xmlns:p14="http://schemas.microsoft.com/office/powerpoint/2010/main" val="2367141155"/>
+        <p14:creationId xmlns:p14="http://schemas.microsoft.com/office/powerpoint/2010/main" val="1002766772"/>
       </p:ext>
     </p:extLst>
   </p:cSld>
@@ -13412,18 +13314,6 @@
           <a:lstStyle/>
           <a:p>
             <a:r>
-              <a:rPr lang="en-US" altLang="ja-JP" dirty="0">
-                <a:solidFill>
-                  <a:schemeClr val="accent5">
-                    <a:lumMod val="50000"/>
-                  </a:schemeClr>
-                </a:solidFill>
-                <a:latin typeface="Hiragino Maru Gothic Pro W4" panose="020F0400000000000000" pitchFamily="34" charset="-128"/>
-                <a:ea typeface="Hiragino Maru Gothic Pro W4" panose="020F0400000000000000" pitchFamily="34" charset="-128"/>
-              </a:rPr>
-              <a:t>④JWC</a:t>
-            </a:r>
-            <a:r>
               <a:rPr lang="ja-JP" altLang="en-US">
                 <a:solidFill>
                   <a:schemeClr val="accent5">
@@ -13433,31 +13323,7 @@
                 <a:latin typeface="Hiragino Maru Gothic Pro W4" panose="020F0400000000000000" pitchFamily="34" charset="-128"/>
                 <a:ea typeface="Hiragino Maru Gothic Pro W4" panose="020F0400000000000000" pitchFamily="34" charset="-128"/>
               </a:rPr>
-              <a:t>オンシーズン</a:t>
-            </a:r>
-            <a:r>
-              <a:rPr lang="en-US" altLang="ja-JP" dirty="0">
-                <a:solidFill>
-                  <a:schemeClr val="accent5">
-                    <a:lumMod val="50000"/>
-                  </a:schemeClr>
-                </a:solidFill>
-                <a:latin typeface="Hiragino Maru Gothic Pro W4" panose="020F0400000000000000" pitchFamily="34" charset="-128"/>
-                <a:ea typeface="Hiragino Maru Gothic Pro W4" panose="020F0400000000000000" pitchFamily="34" charset="-128"/>
-              </a:rPr>
-              <a:t>×</a:t>
-            </a:r>
-            <a:r>
-              <a:rPr lang="ja-JP" altLang="en-US">
-                <a:solidFill>
-                  <a:schemeClr val="accent5">
-                    <a:lumMod val="50000"/>
-                  </a:schemeClr>
-                </a:solidFill>
-                <a:latin typeface="Hiragino Maru Gothic Pro W4" panose="020F0400000000000000" pitchFamily="34" charset="-128"/>
-                <a:ea typeface="Hiragino Maru Gothic Pro W4" panose="020F0400000000000000" pitchFamily="34" charset="-128"/>
-              </a:rPr>
-              <a:t>リーグ期間</a:t>
+              <a:t>組織変更するために段取り</a:t>
             </a:r>
             <a:endParaRPr kumimoji="1" lang="ja-JP" altLang="en-US">
               <a:solidFill>
@@ -13499,16 +13365,237 @@
           </a:bodyPr>
           <a:lstStyle/>
           <a:p>
-            <a:pPr marL="388620" indent="-342900"/>
-            <a:r>
-              <a:rPr lang="ja-JP" altLang="en-US" sz="2400">
+            <a:pPr marL="560070" indent="-514350">
+              <a:buFont typeface="+mj-lt"/>
+              <a:buAutoNum type="arabicPeriod"/>
+            </a:pPr>
+            <a:r>
+              <a:rPr lang="ja-JP" altLang="en-US">
+                <a:solidFill>
+                  <a:schemeClr val="accent5">
+                    <a:lumMod val="50000"/>
+                  </a:schemeClr>
+                </a:solidFill>
+                <a:latin typeface="Hiragino Maru Gothic Pro W4" panose="020F0400000000000000" pitchFamily="34" charset="-128"/>
+                <a:ea typeface="Hiragino Maru Gothic Pro W4" panose="020F0400000000000000" pitchFamily="34" charset="-128"/>
+              </a:rPr>
+              <a:t>まほらま側の</a:t>
+            </a:r>
+            <a:r>
+              <a:rPr lang="en-US" altLang="ja-JP" dirty="0">
+                <a:solidFill>
+                  <a:schemeClr val="accent5">
+                    <a:lumMod val="50000"/>
+                  </a:schemeClr>
+                </a:solidFill>
+                <a:latin typeface="Hiragino Maru Gothic Pro W4" panose="020F0400000000000000" pitchFamily="34" charset="-128"/>
+                <a:ea typeface="Hiragino Maru Gothic Pro W4" panose="020F0400000000000000" pitchFamily="34" charset="-128"/>
+              </a:rPr>
+              <a:t>GO</a:t>
+            </a:r>
+            <a:r>
+              <a:rPr lang="ja-JP" altLang="en-US">
+                <a:solidFill>
+                  <a:schemeClr val="accent5">
+                    <a:lumMod val="50000"/>
+                  </a:schemeClr>
+                </a:solidFill>
+                <a:latin typeface="Hiragino Maru Gothic Pro W4" panose="020F0400000000000000" pitchFamily="34" charset="-128"/>
+                <a:ea typeface="Hiragino Maru Gothic Pro W4" panose="020F0400000000000000" pitchFamily="34" charset="-128"/>
+              </a:rPr>
+              <a:t>サイン</a:t>
+            </a:r>
+            <a:r>
+              <a:rPr lang="en-US" altLang="ja-JP" dirty="0">
+                <a:solidFill>
+                  <a:schemeClr val="accent5">
+                    <a:lumMod val="50000"/>
+                  </a:schemeClr>
+                </a:solidFill>
+                <a:latin typeface="Hiragino Maru Gothic Pro W4" panose="020F0400000000000000" pitchFamily="34" charset="-128"/>
+                <a:ea typeface="Hiragino Maru Gothic Pro W4" panose="020F0400000000000000" pitchFamily="34" charset="-128"/>
+              </a:rPr>
+              <a:t> </a:t>
+            </a:r>
+            <a:r>
+              <a:rPr lang="ja-JP" altLang="en-US">
+                <a:solidFill>
+                  <a:schemeClr val="accent5">
+                    <a:lumMod val="50000"/>
+                  </a:schemeClr>
+                </a:solidFill>
+                <a:latin typeface="Hiragino Maru Gothic Pro W4" panose="020F0400000000000000" pitchFamily="34" charset="-128"/>
+                <a:ea typeface="Hiragino Maru Gothic Pro W4" panose="020F0400000000000000" pitchFamily="34" charset="-128"/>
+              </a:rPr>
+              <a:t>→</a:t>
+            </a:r>
+            <a:r>
+              <a:rPr lang="en-US" altLang="ja-JP" dirty="0">
+                <a:solidFill>
+                  <a:schemeClr val="accent5">
+                    <a:lumMod val="50000"/>
+                  </a:schemeClr>
+                </a:solidFill>
+                <a:latin typeface="Hiragino Maru Gothic Pro W4" panose="020F0400000000000000" pitchFamily="34" charset="-128"/>
+                <a:ea typeface="Hiragino Maru Gothic Pro W4" panose="020F0400000000000000" pitchFamily="34" charset="-128"/>
+              </a:rPr>
+              <a:t> </a:t>
+            </a:r>
+            <a:r>
+              <a:rPr lang="ja-JP" altLang="en-US">
+                <a:solidFill>
+                  <a:schemeClr val="accent5">
+                    <a:lumMod val="50000"/>
+                  </a:schemeClr>
+                </a:solidFill>
+                <a:latin typeface="Hiragino Maru Gothic Pro W4" panose="020F0400000000000000" pitchFamily="34" charset="-128"/>
+                <a:ea typeface="Hiragino Maru Gothic Pro W4" panose="020F0400000000000000" pitchFamily="34" charset="-128"/>
+              </a:rPr>
+              <a:t>あっちゃんから</a:t>
+            </a:r>
+            <a:r>
+              <a:rPr lang="en-US" altLang="ja-JP" dirty="0">
+                <a:solidFill>
+                  <a:schemeClr val="accent5">
+                    <a:lumMod val="50000"/>
+                  </a:schemeClr>
+                </a:solidFill>
+                <a:latin typeface="Hiragino Maru Gothic Pro W4" panose="020F0400000000000000" pitchFamily="34" charset="-128"/>
+                <a:ea typeface="Hiragino Maru Gothic Pro W4" panose="020F0400000000000000" pitchFamily="34" charset="-128"/>
+              </a:rPr>
+              <a:t>GO</a:t>
+            </a:r>
+            <a:r>
+              <a:rPr lang="ja-JP" altLang="en-US">
+                <a:solidFill>
+                  <a:schemeClr val="accent5">
+                    <a:lumMod val="50000"/>
+                  </a:schemeClr>
+                </a:solidFill>
+                <a:latin typeface="Hiragino Maru Gothic Pro W4" panose="020F0400000000000000" pitchFamily="34" charset="-128"/>
+                <a:ea typeface="Hiragino Maru Gothic Pro W4" panose="020F0400000000000000" pitchFamily="34" charset="-128"/>
+              </a:rPr>
+              <a:t>出てる</a:t>
+            </a:r>
+            <a:endParaRPr lang="en-US" altLang="ja-JP" dirty="0">
+              <a:solidFill>
+                <a:schemeClr val="accent5">
+                  <a:lumMod val="50000"/>
+                </a:schemeClr>
+              </a:solidFill>
+              <a:latin typeface="Hiragino Maru Gothic Pro W4" panose="020F0400000000000000" pitchFamily="34" charset="-128"/>
+              <a:ea typeface="Hiragino Maru Gothic Pro W4" panose="020F0400000000000000" pitchFamily="34" charset="-128"/>
+            </a:endParaRPr>
+          </a:p>
+          <a:p>
+            <a:pPr marL="560070" indent="-514350">
+              <a:buFont typeface="+mj-lt"/>
+              <a:buAutoNum type="arabicPeriod"/>
+            </a:pPr>
+            <a:r>
+              <a:rPr lang="ja-JP" altLang="en-US">
+                <a:solidFill>
+                  <a:schemeClr val="accent5">
+                    <a:lumMod val="50000"/>
+                  </a:schemeClr>
+                </a:solidFill>
+                <a:latin typeface="Hiragino Maru Gothic Pro W4" panose="020F0400000000000000" pitchFamily="34" charset="-128"/>
+                <a:ea typeface="Hiragino Maru Gothic Pro W4" panose="020F0400000000000000" pitchFamily="34" charset="-128"/>
+              </a:rPr>
+              <a:t>東方側の</a:t>
+            </a:r>
+            <a:r>
+              <a:rPr lang="en-US" altLang="ja-JP" dirty="0">
+                <a:solidFill>
+                  <a:schemeClr val="accent5">
+                    <a:lumMod val="50000"/>
+                  </a:schemeClr>
+                </a:solidFill>
+                <a:latin typeface="Hiragino Maru Gothic Pro W4" panose="020F0400000000000000" pitchFamily="34" charset="-128"/>
+                <a:ea typeface="Hiragino Maru Gothic Pro W4" panose="020F0400000000000000" pitchFamily="34" charset="-128"/>
+              </a:rPr>
+              <a:t>GO</a:t>
+            </a:r>
+            <a:r>
+              <a:rPr lang="ja-JP" altLang="en-US">
+                <a:solidFill>
+                  <a:schemeClr val="accent5">
+                    <a:lumMod val="50000"/>
+                  </a:schemeClr>
+                </a:solidFill>
+                <a:latin typeface="Hiragino Maru Gothic Pro W4" panose="020F0400000000000000" pitchFamily="34" charset="-128"/>
+                <a:ea typeface="Hiragino Maru Gothic Pro W4" panose="020F0400000000000000" pitchFamily="34" charset="-128"/>
+              </a:rPr>
+              <a:t>サイン</a:t>
+            </a:r>
+            <a:r>
+              <a:rPr lang="en-US" altLang="ja-JP" dirty="0">
+                <a:solidFill>
+                  <a:schemeClr val="accent5">
+                    <a:lumMod val="50000"/>
+                  </a:schemeClr>
+                </a:solidFill>
+                <a:latin typeface="Hiragino Maru Gothic Pro W4" panose="020F0400000000000000" pitchFamily="34" charset="-128"/>
+                <a:ea typeface="Hiragino Maru Gothic Pro W4" panose="020F0400000000000000" pitchFamily="34" charset="-128"/>
+              </a:rPr>
+              <a:t> </a:t>
+            </a:r>
+            <a:r>
+              <a:rPr lang="ja-JP" altLang="en-US">
+                <a:solidFill>
+                  <a:schemeClr val="accent5">
+                    <a:lumMod val="50000"/>
+                  </a:schemeClr>
+                </a:solidFill>
+                <a:latin typeface="Hiragino Maru Gothic Pro W4" panose="020F0400000000000000" pitchFamily="34" charset="-128"/>
+                <a:ea typeface="Hiragino Maru Gothic Pro W4" panose="020F0400000000000000" pitchFamily="34" charset="-128"/>
+              </a:rPr>
+              <a:t>→</a:t>
+            </a:r>
+            <a:r>
+              <a:rPr lang="en-US" altLang="ja-JP" dirty="0">
+                <a:solidFill>
+                  <a:schemeClr val="accent5">
+                    <a:lumMod val="50000"/>
+                  </a:schemeClr>
+                </a:solidFill>
+                <a:latin typeface="Hiragino Maru Gothic Pro W4" panose="020F0400000000000000" pitchFamily="34" charset="-128"/>
+                <a:ea typeface="Hiragino Maru Gothic Pro W4" panose="020F0400000000000000" pitchFamily="34" charset="-128"/>
+              </a:rPr>
+              <a:t> </a:t>
+            </a:r>
+            <a:r>
+              <a:rPr lang="ja-JP" altLang="en-US">
                 <a:solidFill>
                   <a:srgbClr val="FF0000"/>
                 </a:solidFill>
                 <a:latin typeface="Hiragino Maru Gothic Pro W4" panose="020F0400000000000000" pitchFamily="34" charset="-128"/>
                 <a:ea typeface="Hiragino Maru Gothic Pro W4" panose="020F0400000000000000" pitchFamily="34" charset="-128"/>
               </a:rPr>
-              <a:t>まほらまは東方をサポートする</a:t>
+              <a:t>ひこにゃんさん調整中</a:t>
+            </a:r>
+            <a:endParaRPr lang="en-US" altLang="ja-JP" dirty="0">
+              <a:solidFill>
+                <a:srgbClr val="FF0000"/>
+              </a:solidFill>
+              <a:latin typeface="Hiragino Maru Gothic Pro W4" panose="020F0400000000000000" pitchFamily="34" charset="-128"/>
+              <a:ea typeface="Hiragino Maru Gothic Pro W4" panose="020F0400000000000000" pitchFamily="34" charset="-128"/>
+            </a:endParaRPr>
+          </a:p>
+          <a:p>
+            <a:pPr marL="560070" indent="-514350">
+              <a:buFont typeface="+mj-lt"/>
+              <a:buAutoNum type="arabicPeriod"/>
+            </a:pPr>
+            <a:r>
+              <a:rPr lang="ja-JP" altLang="en-US">
+                <a:solidFill>
+                  <a:srgbClr val="FF0000"/>
+                </a:solidFill>
+                <a:latin typeface="Hiragino Maru Gothic Pro W4" panose="020F0400000000000000" pitchFamily="34" charset="-128"/>
+                <a:ea typeface="Hiragino Maru Gothic Pro W4" panose="020F0400000000000000" pitchFamily="34" charset="-128"/>
+              </a:rPr>
+              <a:t>２つの新クランのリーダーをそれぞれ決める</a:t>
             </a:r>
             <a:endParaRPr lang="en-US" altLang="ja-JP" sz="2000" dirty="0">
               <a:solidFill>
@@ -13519,68 +13606,208 @@
             </a:endParaRPr>
           </a:p>
           <a:p>
-            <a:pPr marL="388620" indent="-342900"/>
-            <a:r>
-              <a:rPr lang="ja-JP" altLang="en-US" sz="2400">
-                <a:solidFill>
-                  <a:schemeClr val="accent5">
-                    <a:lumMod val="50000"/>
-                  </a:schemeClr>
-                </a:solidFill>
-                <a:latin typeface="Hiragino Maru Gothic Pro W4" panose="020F0400000000000000" pitchFamily="34" charset="-128"/>
-                <a:ea typeface="Hiragino Maru Gothic Pro W4" panose="020F0400000000000000" pitchFamily="34" charset="-128"/>
-              </a:rPr>
-              <a:t>「</a:t>
-            </a:r>
-            <a:r>
-              <a:rPr lang="en-US" altLang="ja-JP" sz="2400" dirty="0">
-                <a:solidFill>
-                  <a:schemeClr val="accent5">
-                    <a:lumMod val="50000"/>
-                  </a:schemeClr>
-                </a:solidFill>
-                <a:latin typeface="Hiragino Maru Gothic Pro W4" panose="020F0400000000000000" pitchFamily="34" charset="-128"/>
-                <a:ea typeface="Hiragino Maru Gothic Pro W4" panose="020F0400000000000000" pitchFamily="34" charset="-128"/>
-              </a:rPr>
-              <a:t>②JWC</a:t>
-            </a:r>
-            <a:r>
-              <a:rPr lang="ja-JP" altLang="en-US" sz="2400">
-                <a:solidFill>
-                  <a:schemeClr val="accent5">
-                    <a:lumMod val="50000"/>
-                  </a:schemeClr>
-                </a:solidFill>
-                <a:latin typeface="Hiragino Maru Gothic Pro W4" panose="020F0400000000000000" pitchFamily="34" charset="-128"/>
-                <a:ea typeface="Hiragino Maru Gothic Pro W4" panose="020F0400000000000000" pitchFamily="34" charset="-128"/>
-              </a:rPr>
-              <a:t>オフシーズン</a:t>
-            </a:r>
-            <a:r>
-              <a:rPr lang="en-US" altLang="ja-JP" sz="2400" dirty="0">
-                <a:solidFill>
-                  <a:schemeClr val="accent5">
-                    <a:lumMod val="50000"/>
-                  </a:schemeClr>
-                </a:solidFill>
-                <a:latin typeface="Hiragino Maru Gothic Pro W4" panose="020F0400000000000000" pitchFamily="34" charset="-128"/>
-                <a:ea typeface="Hiragino Maru Gothic Pro W4" panose="020F0400000000000000" pitchFamily="34" charset="-128"/>
-              </a:rPr>
-              <a:t>×</a:t>
-            </a:r>
-            <a:r>
-              <a:rPr lang="ja-JP" altLang="en-US" sz="2400">
-                <a:solidFill>
-                  <a:schemeClr val="accent5">
-                    <a:lumMod val="50000"/>
-                  </a:schemeClr>
-                </a:solidFill>
-                <a:latin typeface="Hiragino Maru Gothic Pro W4" panose="020F0400000000000000" pitchFamily="34" charset="-128"/>
-                <a:ea typeface="Hiragino Maru Gothic Pro W4" panose="020F0400000000000000" pitchFamily="34" charset="-128"/>
-              </a:rPr>
-              <a:t>リーグ戦期間」と同様</a:t>
-            </a:r>
-            <a:endParaRPr lang="en-US" altLang="ja-JP" sz="2400" dirty="0">
+            <a:pPr marL="560070" indent="-514350">
+              <a:buFont typeface="+mj-lt"/>
+              <a:buAutoNum type="arabicPeriod"/>
+            </a:pPr>
+            <a:r>
+              <a:rPr lang="ja-JP" altLang="en-US">
+                <a:solidFill>
+                  <a:srgbClr val="FF0000"/>
+                </a:solidFill>
+                <a:latin typeface="Hiragino Maru Gothic Pro W4" panose="020F0400000000000000" pitchFamily="34" charset="-128"/>
+                <a:ea typeface="Hiragino Maru Gothic Pro W4" panose="020F0400000000000000" pitchFamily="34" charset="-128"/>
+              </a:rPr>
+              <a:t>２つの新クランの方針を明確する</a:t>
+            </a:r>
+            <a:br>
+              <a:rPr lang="en-US" altLang="ja-JP" dirty="0">
+                <a:solidFill>
+                  <a:srgbClr val="FF0000"/>
+                </a:solidFill>
+                <a:latin typeface="Hiragino Maru Gothic Pro W4" panose="020F0400000000000000" pitchFamily="34" charset="-128"/>
+                <a:ea typeface="Hiragino Maru Gothic Pro W4" panose="020F0400000000000000" pitchFamily="34" charset="-128"/>
+              </a:rPr>
+            </a:br>
+            <a:r>
+              <a:rPr lang="ja-JP" altLang="en-US" sz="2000">
+                <a:solidFill>
+                  <a:srgbClr val="FF0000"/>
+                </a:solidFill>
+                <a:latin typeface="Hiragino Maru Gothic Pro W4" panose="020F0400000000000000" pitchFamily="34" charset="-128"/>
+                <a:ea typeface="Hiragino Maru Gothic Pro W4" panose="020F0400000000000000" pitchFamily="34" charset="-128"/>
+              </a:rPr>
+              <a:t>→新クランのリーダーが責任をもって決めること</a:t>
+            </a:r>
+            <a:endParaRPr lang="en-US" altLang="ja-JP" sz="2000" dirty="0">
+              <a:solidFill>
+                <a:srgbClr val="FF0000"/>
+              </a:solidFill>
+              <a:latin typeface="Hiragino Maru Gothic Pro W4" panose="020F0400000000000000" pitchFamily="34" charset="-128"/>
+              <a:ea typeface="Hiragino Maru Gothic Pro W4" panose="020F0400000000000000" pitchFamily="34" charset="-128"/>
+            </a:endParaRPr>
+          </a:p>
+          <a:p>
+            <a:pPr marL="560070" indent="-514350">
+              <a:buFont typeface="+mj-lt"/>
+              <a:buAutoNum type="arabicPeriod"/>
+            </a:pPr>
+            <a:r>
+              <a:rPr lang="ja-JP" altLang="en-US">
+                <a:solidFill>
+                  <a:srgbClr val="FF0000"/>
+                </a:solidFill>
+                <a:latin typeface="Hiragino Maru Gothic Pro W4" panose="020F0400000000000000" pitchFamily="34" charset="-128"/>
+                <a:ea typeface="Hiragino Maru Gothic Pro W4" panose="020F0400000000000000" pitchFamily="34" charset="-128"/>
+              </a:rPr>
+              <a:t>具体的な組織変更計画を立てる</a:t>
+            </a:r>
+            <a:br>
+              <a:rPr lang="en-US" altLang="ja-JP" dirty="0">
+                <a:solidFill>
+                  <a:srgbClr val="FF0000"/>
+                </a:solidFill>
+                <a:latin typeface="Hiragino Maru Gothic Pro W4" panose="020F0400000000000000" pitchFamily="34" charset="-128"/>
+                <a:ea typeface="Hiragino Maru Gothic Pro W4" panose="020F0400000000000000" pitchFamily="34" charset="-128"/>
+              </a:rPr>
+            </a:br>
+            <a:r>
+              <a:rPr lang="ja-JP" altLang="en-US" sz="2000">
+                <a:solidFill>
+                  <a:srgbClr val="FF0000"/>
+                </a:solidFill>
+                <a:latin typeface="Hiragino Maru Gothic Pro W4" panose="020F0400000000000000" pitchFamily="34" charset="-128"/>
+                <a:ea typeface="Hiragino Maru Gothic Pro W4" panose="020F0400000000000000" pitchFamily="34" charset="-128"/>
+              </a:rPr>
+              <a:t>→あっちゃん、ひこにゃんさん、新クランのリーダー間で調整しながら決めること</a:t>
+            </a:r>
+            <a:endParaRPr lang="en-US" altLang="ja-JP" sz="2000" dirty="0">
+              <a:solidFill>
+                <a:srgbClr val="FF0000"/>
+              </a:solidFill>
+              <a:latin typeface="Hiragino Maru Gothic Pro W4" panose="020F0400000000000000" pitchFamily="34" charset="-128"/>
+              <a:ea typeface="Hiragino Maru Gothic Pro W4" panose="020F0400000000000000" pitchFamily="34" charset="-128"/>
+            </a:endParaRPr>
+          </a:p>
+          <a:p>
+            <a:pPr marL="560070" indent="-514350">
+              <a:buFont typeface="+mj-lt"/>
+              <a:buAutoNum type="arabicPeriod"/>
+            </a:pPr>
+            <a:r>
+              <a:rPr lang="ja-JP" altLang="en-US">
+                <a:solidFill>
+                  <a:srgbClr val="FF0000"/>
+                </a:solidFill>
+                <a:latin typeface="Hiragino Maru Gothic Pro W4" panose="020F0400000000000000" pitchFamily="34" charset="-128"/>
+                <a:ea typeface="Hiragino Maru Gothic Pro W4" panose="020F0400000000000000" pitchFamily="34" charset="-128"/>
+              </a:rPr>
+              <a:t>まほらまメンバー、東方メンバーへの展開</a:t>
+            </a:r>
+            <a:endParaRPr lang="en-US" altLang="ja-JP" dirty="0">
+              <a:solidFill>
+                <a:srgbClr val="FF0000"/>
+              </a:solidFill>
+              <a:latin typeface="Hiragino Maru Gothic Pro W4" panose="020F0400000000000000" pitchFamily="34" charset="-128"/>
+              <a:ea typeface="Hiragino Maru Gothic Pro W4" panose="020F0400000000000000" pitchFamily="34" charset="-128"/>
+            </a:endParaRPr>
+          </a:p>
+          <a:p>
+            <a:pPr marL="560070" indent="-514350">
+              <a:buFont typeface="+mj-lt"/>
+              <a:buAutoNum type="arabicPeriod"/>
+            </a:pPr>
+            <a:r>
+              <a:rPr lang="ja-JP" altLang="en-US">
+                <a:solidFill>
+                  <a:srgbClr val="FF0000"/>
+                </a:solidFill>
+                <a:latin typeface="Hiragino Maru Gothic Pro W4" panose="020F0400000000000000" pitchFamily="34" charset="-128"/>
+                <a:ea typeface="Hiragino Maru Gothic Pro W4" panose="020F0400000000000000" pitchFamily="34" charset="-128"/>
+              </a:rPr>
+              <a:t>組織変更実施</a:t>
+            </a:r>
+            <a:r>
+              <a:rPr lang="en-US" altLang="ja-JP" sz="2000" dirty="0">
+                <a:solidFill>
+                  <a:srgbClr val="FF0000"/>
+                </a:solidFill>
+                <a:latin typeface="Hiragino Maru Gothic Pro W4" panose="020F0400000000000000" pitchFamily="34" charset="-128"/>
+                <a:ea typeface="Hiragino Maru Gothic Pro W4" panose="020F0400000000000000" pitchFamily="34" charset="-128"/>
+              </a:rPr>
+              <a:t> (2021</a:t>
+            </a:r>
+            <a:r>
+              <a:rPr lang="ja-JP" altLang="en-US" sz="2000">
+                <a:solidFill>
+                  <a:srgbClr val="FF0000"/>
+                </a:solidFill>
+                <a:latin typeface="Hiragino Maru Gothic Pro W4" panose="020F0400000000000000" pitchFamily="34" charset="-128"/>
+                <a:ea typeface="Hiragino Maru Gothic Pro W4" panose="020F0400000000000000" pitchFamily="34" charset="-128"/>
+              </a:rPr>
+              <a:t>年</a:t>
+            </a:r>
+            <a:r>
+              <a:rPr lang="en-US" altLang="ja-JP" sz="2000" dirty="0">
+                <a:solidFill>
+                  <a:srgbClr val="FF0000"/>
+                </a:solidFill>
+                <a:latin typeface="Hiragino Maru Gothic Pro W4" panose="020F0400000000000000" pitchFamily="34" charset="-128"/>
+                <a:ea typeface="Hiragino Maru Gothic Pro W4" panose="020F0400000000000000" pitchFamily="34" charset="-128"/>
+              </a:rPr>
+              <a:t>5</a:t>
+            </a:r>
+            <a:r>
+              <a:rPr lang="ja-JP" altLang="en-US" sz="2000">
+                <a:solidFill>
+                  <a:srgbClr val="FF0000"/>
+                </a:solidFill>
+                <a:latin typeface="Hiragino Maru Gothic Pro W4" panose="020F0400000000000000" pitchFamily="34" charset="-128"/>
+                <a:ea typeface="Hiragino Maru Gothic Pro W4" panose="020F0400000000000000" pitchFamily="34" charset="-128"/>
+              </a:rPr>
+              <a:t>月頃からゆるりと予定</a:t>
+            </a:r>
+            <a:r>
+              <a:rPr lang="en-US" altLang="ja-JP" sz="2000" dirty="0">
+                <a:solidFill>
+                  <a:srgbClr val="FF0000"/>
+                </a:solidFill>
+                <a:latin typeface="Hiragino Maru Gothic Pro W4" panose="020F0400000000000000" pitchFamily="34" charset="-128"/>
+                <a:ea typeface="Hiragino Maru Gothic Pro W4" panose="020F0400000000000000" pitchFamily="34" charset="-128"/>
+              </a:rPr>
+              <a:t>)</a:t>
+            </a:r>
+          </a:p>
+          <a:p>
+            <a:pPr marL="560070" indent="-514350">
+              <a:buFont typeface="+mj-lt"/>
+              <a:buAutoNum type="arabicPeriod"/>
+            </a:pPr>
+            <a:endParaRPr lang="en-US" altLang="ja-JP" dirty="0">
+              <a:solidFill>
+                <a:schemeClr val="accent5">
+                  <a:lumMod val="50000"/>
+                </a:schemeClr>
+              </a:solidFill>
+              <a:latin typeface="Hiragino Maru Gothic Pro W4" panose="020F0400000000000000" pitchFamily="34" charset="-128"/>
+              <a:ea typeface="Hiragino Maru Gothic Pro W4" panose="020F0400000000000000" pitchFamily="34" charset="-128"/>
+            </a:endParaRPr>
+          </a:p>
+          <a:p>
+            <a:pPr marL="502920" indent="-457200"/>
+            <a:endParaRPr lang="en-US" altLang="ja-JP" dirty="0">
+              <a:solidFill>
+                <a:schemeClr val="accent5">
+                  <a:lumMod val="50000"/>
+                </a:schemeClr>
+              </a:solidFill>
+              <a:latin typeface="Hiragino Maru Gothic Pro W4" panose="020F0400000000000000" pitchFamily="34" charset="-128"/>
+              <a:ea typeface="Hiragino Maru Gothic Pro W4" panose="020F0400000000000000" pitchFamily="34" charset="-128"/>
+            </a:endParaRPr>
+          </a:p>
+          <a:p>
+            <a:pPr marL="502920" indent="-457200"/>
+            <a:endParaRPr lang="en-US" altLang="ja-JP" dirty="0">
               <a:solidFill>
                 <a:schemeClr val="accent5">
                   <a:lumMod val="50000"/>
@@ -13617,7 +13844,9 @@
             <a:fld id="{E31375A4-56A4-47D6-9801-1991572033F7}" type="slidenum">
               <a:rPr lang="en-US" altLang="ja-JP" noProof="0" smtClean="0">
                 <a:solidFill>
-                  <a:srgbClr val="002060"/>
+                  <a:schemeClr val="accent5">
+                    <a:lumMod val="50000"/>
+                  </a:schemeClr>
                 </a:solidFill>
                 <a:latin typeface="Hiragino Maru Gothic Pro W4" panose="020F0400000000000000" pitchFamily="34" charset="-128"/>
                 <a:ea typeface="Hiragino Maru Gothic Pro W4" panose="020F0400000000000000" pitchFamily="34" charset="-128"/>
@@ -13626,7 +13855,9 @@
             </a:fld>
             <a:endParaRPr lang="ja-JP" altLang="en-US" noProof="0" dirty="0">
               <a:solidFill>
-                <a:srgbClr val="002060"/>
+                <a:schemeClr val="accent5">
+                  <a:lumMod val="50000"/>
+                </a:schemeClr>
               </a:solidFill>
               <a:latin typeface="Hiragino Maru Gothic Pro W4" panose="020F0400000000000000" pitchFamily="34" charset="-128"/>
               <a:ea typeface="Hiragino Maru Gothic Pro W4" panose="020F0400000000000000" pitchFamily="34" charset="-128"/>
@@ -13637,7 +13868,7 @@
     </p:spTree>
     <p:extLst>
       <p:ext uri="{BB962C8B-B14F-4D97-AF65-F5344CB8AC3E}">
-        <p14:creationId xmlns:p14="http://schemas.microsoft.com/office/powerpoint/2010/main" val="3290915551"/>
+        <p14:creationId xmlns:p14="http://schemas.microsoft.com/office/powerpoint/2010/main" val="383660786"/>
       </p:ext>
     </p:extLst>
   </p:cSld>
@@ -13681,6 +13912,408 @@
           <p:cNvPr id="2" name="タイトル 1">
             <a:extLst>
               <a:ext uri="{FF2B5EF4-FFF2-40B4-BE49-F238E27FC236}">
+                <a16:creationId xmlns:a16="http://schemas.microsoft.com/office/drawing/2014/main" id="{05E27039-9568-144A-9E91-3B61FB565D2A}"/>
+              </a:ext>
+            </a:extLst>
+          </p:cNvPr>
+          <p:cNvSpPr>
+            <a:spLocks noGrp="1"/>
+          </p:cNvSpPr>
+          <p:nvPr>
+            <p:ph type="ctrTitle"/>
+          </p:nvPr>
+        </p:nvSpPr>
+        <p:spPr>
+          <a:xfrm>
+            <a:off x="1306286" y="1187630"/>
+            <a:ext cx="9570720" cy="3173122"/>
+          </a:xfrm>
+        </p:spPr>
+        <p:txBody>
+          <a:bodyPr>
+            <a:normAutofit/>
+          </a:bodyPr>
+          <a:lstStyle/>
+          <a:p>
+            <a:r>
+              <a:rPr lang="ja-JP" altLang="en-US">
+                <a:solidFill>
+                  <a:schemeClr val="accent5">
+                    <a:lumMod val="50000"/>
+                  </a:schemeClr>
+                </a:solidFill>
+                <a:latin typeface="Hiragino Maru Gothic Pro W4" panose="020F0400000000000000" pitchFamily="34" charset="-128"/>
+                <a:ea typeface="Hiragino Maru Gothic Pro W4" panose="020F0400000000000000" pitchFamily="34" charset="-128"/>
+              </a:rPr>
+              <a:t>以降のページはボツ</a:t>
+            </a:r>
+            <a:br>
+              <a:rPr lang="en-US" altLang="ja-JP" dirty="0">
+                <a:solidFill>
+                  <a:schemeClr val="accent5">
+                    <a:lumMod val="50000"/>
+                  </a:schemeClr>
+                </a:solidFill>
+                <a:latin typeface="Hiragino Maru Gothic Pro W4" panose="020F0400000000000000" pitchFamily="34" charset="-128"/>
+                <a:ea typeface="Hiragino Maru Gothic Pro W4" panose="020F0400000000000000" pitchFamily="34" charset="-128"/>
+              </a:rPr>
+            </a:br>
+            <a:endParaRPr kumimoji="1" lang="ja-JP" altLang="en-US">
+              <a:solidFill>
+                <a:schemeClr val="accent5">
+                  <a:lumMod val="50000"/>
+                </a:schemeClr>
+              </a:solidFill>
+              <a:latin typeface="Hiragino Maru Gothic Pro W4" panose="020F0400000000000000" pitchFamily="34" charset="-128"/>
+              <a:ea typeface="Hiragino Maru Gothic Pro W4" panose="020F0400000000000000" pitchFamily="34" charset="-128"/>
+            </a:endParaRPr>
+          </a:p>
+        </p:txBody>
+      </p:sp>
+      <p:sp>
+        <p:nvSpPr>
+          <p:cNvPr id="4" name="スライド番号プレースホルダー 3">
+            <a:extLst>
+              <a:ext uri="{FF2B5EF4-FFF2-40B4-BE49-F238E27FC236}">
+                <a16:creationId xmlns:a16="http://schemas.microsoft.com/office/drawing/2014/main" id="{FFA60BD1-FA32-484F-807E-37BB2EC217BB}"/>
+              </a:ext>
+            </a:extLst>
+          </p:cNvPr>
+          <p:cNvSpPr>
+            <a:spLocks noGrp="1"/>
+          </p:cNvSpPr>
+          <p:nvPr>
+            <p:ph type="sldNum" sz="quarter" idx="12"/>
+          </p:nvPr>
+        </p:nvSpPr>
+        <p:spPr>
+          <a:xfrm>
+            <a:off x="8610600" y="6356350"/>
+            <a:ext cx="2743200" cy="365125"/>
+          </a:xfrm>
+        </p:spPr>
+        <p:txBody>
+          <a:bodyPr/>
+          <a:lstStyle/>
+          <a:p>
+            <a:pPr rtl="0"/>
+            <a:fld id="{E31375A4-56A4-47D6-9801-1991572033F7}" type="slidenum">
+              <a:rPr lang="en-US" altLang="ja-JP" noProof="0" smtClean="0">
+                <a:solidFill>
+                  <a:srgbClr val="002060"/>
+                </a:solidFill>
+                <a:latin typeface="Hiragino Maru Gothic Pro W4" panose="020F0400000000000000" pitchFamily="34" charset="-128"/>
+                <a:ea typeface="Hiragino Maru Gothic Pro W4" panose="020F0400000000000000" pitchFamily="34" charset="-128"/>
+              </a:rPr>
+              <a:t>27</a:t>
+            </a:fld>
+            <a:endParaRPr lang="ja-JP" altLang="en-US" noProof="0" dirty="0">
+              <a:solidFill>
+                <a:srgbClr val="002060"/>
+              </a:solidFill>
+              <a:latin typeface="Hiragino Maru Gothic Pro W4" panose="020F0400000000000000" pitchFamily="34" charset="-128"/>
+              <a:ea typeface="Hiragino Maru Gothic Pro W4" panose="020F0400000000000000" pitchFamily="34" charset="-128"/>
+            </a:endParaRPr>
+          </a:p>
+        </p:txBody>
+      </p:sp>
+    </p:spTree>
+    <p:extLst>
+      <p:ext uri="{BB962C8B-B14F-4D97-AF65-F5344CB8AC3E}">
+        <p14:creationId xmlns:p14="http://schemas.microsoft.com/office/powerpoint/2010/main" val="3462771541"/>
+      </p:ext>
+    </p:extLst>
+  </p:cSld>
+  <p:clrMapOvr>
+    <a:masterClrMapping/>
+  </p:clrMapOvr>
+  <mc:AlternateContent xmlns:mc="http://schemas.openxmlformats.org/markup-compatibility/2006" xmlns:p14="http://schemas.microsoft.com/office/powerpoint/2010/main">
+    <mc:Choice Requires="p14">
+      <p:transition spd="med" p14:dur="700">
+        <p:fade/>
+      </p:transition>
+    </mc:Choice>
+    <mc:Fallback xmlns="">
+      <p:transition spd="med">
+        <p:fade/>
+      </p:transition>
+    </mc:Fallback>
+  </mc:AlternateContent>
+</p:sld>
+</file>
+
+<file path=ppt/slides/slide28.xml><?xml version="1.0" encoding="utf-8"?>
+<p:sld xmlns:a="http://schemas.openxmlformats.org/drawingml/2006/main" xmlns:r="http://schemas.openxmlformats.org/officeDocument/2006/relationships" xmlns:p="http://schemas.openxmlformats.org/presentationml/2006/main">
+  <p:cSld>
+    <p:spTree>
+      <p:nvGrpSpPr>
+        <p:cNvPr id="1" name=""/>
+        <p:cNvGrpSpPr/>
+        <p:nvPr/>
+      </p:nvGrpSpPr>
+      <p:grpSpPr>
+        <a:xfrm>
+          <a:off x="0" y="0"/>
+          <a:ext cx="0" cy="0"/>
+          <a:chOff x="0" y="0"/>
+          <a:chExt cx="0" cy="0"/>
+        </a:xfrm>
+      </p:grpSpPr>
+      <p:sp>
+        <p:nvSpPr>
+          <p:cNvPr id="2" name="タイトル 1">
+            <a:extLst>
+              <a:ext uri="{FF2B5EF4-FFF2-40B4-BE49-F238E27FC236}">
+                <a16:creationId xmlns:a16="http://schemas.microsoft.com/office/drawing/2014/main" id="{05E27039-9568-144A-9E91-3B61FB565D2A}"/>
+              </a:ext>
+            </a:extLst>
+          </p:cNvPr>
+          <p:cNvSpPr>
+            <a:spLocks noGrp="1"/>
+          </p:cNvSpPr>
+          <p:nvPr>
+            <p:ph type="ctrTitle"/>
+          </p:nvPr>
+        </p:nvSpPr>
+        <p:spPr>
+          <a:xfrm>
+            <a:off x="1306286" y="1187630"/>
+            <a:ext cx="9570720" cy="3173122"/>
+          </a:xfrm>
+        </p:spPr>
+        <p:txBody>
+          <a:bodyPr>
+            <a:normAutofit fontScale="90000"/>
+          </a:bodyPr>
+          <a:lstStyle/>
+          <a:p>
+            <a:r>
+              <a:rPr lang="ja-JP" altLang="en-US">
+                <a:solidFill>
+                  <a:schemeClr val="accent5">
+                    <a:lumMod val="50000"/>
+                  </a:schemeClr>
+                </a:solidFill>
+                <a:latin typeface="Hiragino Maru Gothic Pro W4" panose="020F0400000000000000" pitchFamily="34" charset="-128"/>
+                <a:ea typeface="Hiragino Maru Gothic Pro W4" panose="020F0400000000000000" pitchFamily="34" charset="-128"/>
+              </a:rPr>
+              <a:t>案５、</a:t>
+            </a:r>
+            <a:br>
+              <a:rPr lang="en-US" altLang="ja-JP" dirty="0">
+                <a:solidFill>
+                  <a:schemeClr val="accent5">
+                    <a:lumMod val="50000"/>
+                  </a:schemeClr>
+                </a:solidFill>
+                <a:latin typeface="Hiragino Maru Gothic Pro W4" panose="020F0400000000000000" pitchFamily="34" charset="-128"/>
+                <a:ea typeface="Hiragino Maru Gothic Pro W4" panose="020F0400000000000000" pitchFamily="34" charset="-128"/>
+              </a:rPr>
+            </a:br>
+            <a:r>
+              <a:rPr lang="ja-JP" altLang="en-US">
+                <a:solidFill>
+                  <a:schemeClr val="accent5">
+                    <a:lumMod val="50000"/>
+                  </a:schemeClr>
+                </a:solidFill>
+                <a:latin typeface="Hiragino Maru Gothic Pro W4" panose="020F0400000000000000" pitchFamily="34" charset="-128"/>
+                <a:ea typeface="Hiragino Maru Gothic Pro W4" panose="020F0400000000000000" pitchFamily="34" charset="-128"/>
+              </a:rPr>
+              <a:t>東方＆まほらまで協力関係を</a:t>
+            </a:r>
+            <a:br>
+              <a:rPr lang="en-US" altLang="ja-JP" dirty="0">
+                <a:solidFill>
+                  <a:schemeClr val="accent5">
+                    <a:lumMod val="50000"/>
+                  </a:schemeClr>
+                </a:solidFill>
+                <a:latin typeface="Hiragino Maru Gothic Pro W4" panose="020F0400000000000000" pitchFamily="34" charset="-128"/>
+                <a:ea typeface="Hiragino Maru Gothic Pro W4" panose="020F0400000000000000" pitchFamily="34" charset="-128"/>
+              </a:rPr>
+            </a:br>
+            <a:r>
+              <a:rPr lang="ja-JP" altLang="en-US">
+                <a:solidFill>
+                  <a:schemeClr val="accent5">
+                    <a:lumMod val="50000"/>
+                  </a:schemeClr>
+                </a:solidFill>
+                <a:latin typeface="Hiragino Maru Gothic Pro W4" panose="020F0400000000000000" pitchFamily="34" charset="-128"/>
+                <a:ea typeface="Hiragino Maru Gothic Pro W4" panose="020F0400000000000000" pitchFamily="34" charset="-128"/>
+              </a:rPr>
+              <a:t>結ぶの具体的な話</a:t>
+            </a:r>
+            <a:br>
+              <a:rPr lang="en-US" altLang="ja-JP" dirty="0">
+                <a:solidFill>
+                  <a:schemeClr val="accent5">
+                    <a:lumMod val="50000"/>
+                  </a:schemeClr>
+                </a:solidFill>
+                <a:latin typeface="Hiragino Maru Gothic Pro W4" panose="020F0400000000000000" pitchFamily="34" charset="-128"/>
+                <a:ea typeface="Hiragino Maru Gothic Pro W4" panose="020F0400000000000000" pitchFamily="34" charset="-128"/>
+              </a:rPr>
+            </a:br>
+            <a:endParaRPr kumimoji="1" lang="ja-JP" altLang="en-US">
+              <a:solidFill>
+                <a:schemeClr val="accent5">
+                  <a:lumMod val="50000"/>
+                </a:schemeClr>
+              </a:solidFill>
+              <a:latin typeface="Hiragino Maru Gothic Pro W4" panose="020F0400000000000000" pitchFamily="34" charset="-128"/>
+              <a:ea typeface="Hiragino Maru Gothic Pro W4" panose="020F0400000000000000" pitchFamily="34" charset="-128"/>
+            </a:endParaRPr>
+          </a:p>
+        </p:txBody>
+      </p:sp>
+      <p:sp>
+        <p:nvSpPr>
+          <p:cNvPr id="4" name="スライド番号プレースホルダー 3">
+            <a:extLst>
+              <a:ext uri="{FF2B5EF4-FFF2-40B4-BE49-F238E27FC236}">
+                <a16:creationId xmlns:a16="http://schemas.microsoft.com/office/drawing/2014/main" id="{FFA60BD1-FA32-484F-807E-37BB2EC217BB}"/>
+              </a:ext>
+            </a:extLst>
+          </p:cNvPr>
+          <p:cNvSpPr>
+            <a:spLocks noGrp="1"/>
+          </p:cNvSpPr>
+          <p:nvPr>
+            <p:ph type="sldNum" sz="quarter" idx="12"/>
+          </p:nvPr>
+        </p:nvSpPr>
+        <p:spPr>
+          <a:xfrm>
+            <a:off x="8610600" y="6356350"/>
+            <a:ext cx="2743200" cy="365125"/>
+          </a:xfrm>
+        </p:spPr>
+        <p:txBody>
+          <a:bodyPr/>
+          <a:lstStyle/>
+          <a:p>
+            <a:pPr rtl="0"/>
+            <a:fld id="{E31375A4-56A4-47D6-9801-1991572033F7}" type="slidenum">
+              <a:rPr lang="en-US" altLang="ja-JP" noProof="0" smtClean="0">
+                <a:solidFill>
+                  <a:srgbClr val="002060"/>
+                </a:solidFill>
+                <a:latin typeface="Hiragino Maru Gothic Pro W4" panose="020F0400000000000000" pitchFamily="34" charset="-128"/>
+                <a:ea typeface="Hiragino Maru Gothic Pro W4" panose="020F0400000000000000" pitchFamily="34" charset="-128"/>
+              </a:rPr>
+              <a:t>28</a:t>
+            </a:fld>
+            <a:endParaRPr lang="ja-JP" altLang="en-US" noProof="0" dirty="0">
+              <a:solidFill>
+                <a:srgbClr val="002060"/>
+              </a:solidFill>
+              <a:latin typeface="Hiragino Maru Gothic Pro W4" panose="020F0400000000000000" pitchFamily="34" charset="-128"/>
+              <a:ea typeface="Hiragino Maru Gothic Pro W4" panose="020F0400000000000000" pitchFamily="34" charset="-128"/>
+            </a:endParaRPr>
+          </a:p>
+        </p:txBody>
+      </p:sp>
+      <p:sp>
+        <p:nvSpPr>
+          <p:cNvPr id="3" name="正方形/長方形 2">
+            <a:extLst>
+              <a:ext uri="{FF2B5EF4-FFF2-40B4-BE49-F238E27FC236}">
+                <a16:creationId xmlns:a16="http://schemas.microsoft.com/office/drawing/2014/main" id="{B77B9943-FA08-584F-B4AA-C0A6110D0F29}"/>
+              </a:ext>
+            </a:extLst>
+          </p:cNvPr>
+          <p:cNvSpPr/>
+          <p:nvPr/>
+        </p:nvSpPr>
+        <p:spPr>
+          <a:xfrm>
+            <a:off x="444137" y="369024"/>
+            <a:ext cx="11225349" cy="5301346"/>
+          </a:xfrm>
+          <a:prstGeom prst="rect">
+            <a:avLst/>
+          </a:prstGeom>
+          <a:solidFill>
+            <a:schemeClr val="dk1">
+              <a:alpha val="50000"/>
+            </a:schemeClr>
+          </a:solidFill>
+          <a:ln>
+            <a:noFill/>
+          </a:ln>
+        </p:spPr>
+        <p:style>
+          <a:lnRef idx="0">
+            <a:scrgbClr r="0" g="0" b="0"/>
+          </a:lnRef>
+          <a:fillRef idx="0">
+            <a:scrgbClr r="0" g="0" b="0"/>
+          </a:fillRef>
+          <a:effectRef idx="0">
+            <a:scrgbClr r="0" g="0" b="0"/>
+          </a:effectRef>
+          <a:fontRef idx="minor">
+            <a:schemeClr val="lt1"/>
+          </a:fontRef>
+        </p:style>
+        <p:txBody>
+          <a:bodyPr rtlCol="0" anchor="ctr"/>
+          <a:lstStyle/>
+          <a:p>
+            <a:pPr algn="ctr"/>
+            <a:endParaRPr kumimoji="1" lang="ja-JP" altLang="en-US"/>
+          </a:p>
+        </p:txBody>
+      </p:sp>
+    </p:spTree>
+    <p:extLst>
+      <p:ext uri="{BB962C8B-B14F-4D97-AF65-F5344CB8AC3E}">
+        <p14:creationId xmlns:p14="http://schemas.microsoft.com/office/powerpoint/2010/main" val="2718024741"/>
+      </p:ext>
+    </p:extLst>
+  </p:cSld>
+  <p:clrMapOvr>
+    <a:masterClrMapping/>
+  </p:clrMapOvr>
+  <mc:AlternateContent xmlns:mc="http://schemas.openxmlformats.org/markup-compatibility/2006" xmlns:p14="http://schemas.microsoft.com/office/powerpoint/2010/main">
+    <mc:Choice Requires="p14">
+      <p:transition spd="med" p14:dur="700">
+        <p:fade/>
+      </p:transition>
+    </mc:Choice>
+    <mc:Fallback xmlns="">
+      <p:transition spd="med">
+        <p:fade/>
+      </p:transition>
+    </mc:Fallback>
+  </mc:AlternateContent>
+</p:sld>
+</file>
+
+<file path=ppt/slides/slide29.xml><?xml version="1.0" encoding="utf-8"?>
+<p:sld xmlns:a="http://schemas.openxmlformats.org/drawingml/2006/main" xmlns:r="http://schemas.openxmlformats.org/officeDocument/2006/relationships" xmlns:p="http://schemas.openxmlformats.org/presentationml/2006/main">
+  <p:cSld>
+    <p:spTree>
+      <p:nvGrpSpPr>
+        <p:cNvPr id="1" name=""/>
+        <p:cNvGrpSpPr/>
+        <p:nvPr/>
+      </p:nvGrpSpPr>
+      <p:grpSpPr>
+        <a:xfrm>
+          <a:off x="0" y="0"/>
+          <a:ext cx="0" cy="0"/>
+          <a:chOff x="0" y="0"/>
+          <a:chExt cx="0" cy="0"/>
+        </a:xfrm>
+      </p:grpSpPr>
+      <p:sp>
+        <p:nvSpPr>
+          <p:cNvPr id="2" name="タイトル 1">
+            <a:extLst>
+              <a:ext uri="{FF2B5EF4-FFF2-40B4-BE49-F238E27FC236}">
                 <a16:creationId xmlns:a16="http://schemas.microsoft.com/office/drawing/2014/main" id="{4BEF2D4F-28AD-C84D-A4AC-A607D5B45D24}"/>
               </a:ext>
             </a:extLst>
@@ -13707,17 +14340,20 @@
                 <a:latin typeface="Hiragino Maru Gothic Pro W4" panose="020F0400000000000000" pitchFamily="34" charset="-128"/>
                 <a:ea typeface="Hiragino Maru Gothic Pro W4" panose="020F0400000000000000" pitchFamily="34" charset="-128"/>
               </a:rPr>
-              <a:t>その他</a:t>
-            </a:r>
-            <a:endParaRPr kumimoji="1" lang="ja-JP" altLang="en-US">
-              <a:solidFill>
-                <a:schemeClr val="accent5">
-                  <a:lumMod val="50000"/>
-                </a:schemeClr>
-              </a:solidFill>
-              <a:latin typeface="Hiragino Maru Gothic Pro W4" panose="020F0400000000000000" pitchFamily="34" charset="-128"/>
-              <a:ea typeface="Hiragino Maru Gothic Pro W4" panose="020F0400000000000000" pitchFamily="34" charset="-128"/>
-            </a:endParaRPr>
+              <a:t>対外</a:t>
+            </a:r>
+            <a:r>
+              <a:rPr kumimoji="1" lang="ja-JP" altLang="en-US">
+                <a:solidFill>
+                  <a:schemeClr val="accent5">
+                    <a:lumMod val="50000"/>
+                  </a:schemeClr>
+                </a:solidFill>
+                <a:latin typeface="Hiragino Maru Gothic Pro W4" panose="020F0400000000000000" pitchFamily="34" charset="-128"/>
+                <a:ea typeface="Hiragino Maru Gothic Pro W4" panose="020F0400000000000000" pitchFamily="34" charset="-128"/>
+              </a:rPr>
+              <a:t>的にファミリークランを謳うか？</a:t>
+            </a:r>
           </a:p>
         </p:txBody>
       </p:sp>
@@ -13749,18 +14385,90 @@
           </a:bodyPr>
           <a:lstStyle/>
           <a:p>
-            <a:pPr marL="388620" indent="-342900"/>
+            <a:pPr marL="45720" indent="0">
+              <a:buNone/>
+            </a:pPr>
             <a:r>
               <a:rPr lang="ja-JP" altLang="en-US" sz="2400">
                 <a:solidFill>
-                  <a:schemeClr val="accent5">
-                    <a:lumMod val="50000"/>
-                  </a:schemeClr>
-                </a:solidFill>
-                <a:latin typeface="Hiragino Maru Gothic Pro W4" panose="020F0400000000000000" pitchFamily="34" charset="-128"/>
-                <a:ea typeface="Hiragino Maru Gothic Pro W4" panose="020F0400000000000000" pitchFamily="34" charset="-128"/>
-              </a:rPr>
-              <a:t>援軍やクラゲ応援が必要な場合</a:t>
+                  <a:srgbClr val="FF0000"/>
+                </a:solidFill>
+                <a:latin typeface="Hiragino Maru Gothic Pro W4" panose="020F0400000000000000" pitchFamily="34" charset="-128"/>
+                <a:ea typeface="Hiragino Maru Gothic Pro W4" panose="020F0400000000000000" pitchFamily="34" charset="-128"/>
+              </a:rPr>
+              <a:t>謳わない。</a:t>
+            </a:r>
+            <a:endParaRPr lang="en-US" altLang="ja-JP" sz="2400" dirty="0">
+              <a:solidFill>
+                <a:srgbClr val="FF0000"/>
+              </a:solidFill>
+              <a:latin typeface="Hiragino Maru Gothic Pro W4" panose="020F0400000000000000" pitchFamily="34" charset="-128"/>
+              <a:ea typeface="Hiragino Maru Gothic Pro W4" panose="020F0400000000000000" pitchFamily="34" charset="-128"/>
+            </a:endParaRPr>
+          </a:p>
+          <a:p>
+            <a:pPr marL="45720" indent="0">
+              <a:buNone/>
+            </a:pPr>
+            <a:r>
+              <a:rPr lang="ja-JP" altLang="en-US" sz="2400">
+                <a:solidFill>
+                  <a:schemeClr val="accent5">
+                    <a:lumMod val="50000"/>
+                  </a:schemeClr>
+                </a:solidFill>
+                <a:latin typeface="Hiragino Maru Gothic Pro W4" panose="020F0400000000000000" pitchFamily="34" charset="-128"/>
+                <a:ea typeface="Hiragino Maru Gothic Pro W4" panose="020F0400000000000000" pitchFamily="34" charset="-128"/>
+              </a:rPr>
+              <a:t>東方でも東方</a:t>
+            </a:r>
+            <a:r>
+              <a:rPr lang="en-US" altLang="ja-JP" sz="2400" dirty="0">
+                <a:solidFill>
+                  <a:schemeClr val="accent5">
+                    <a:lumMod val="50000"/>
+                  </a:schemeClr>
+                </a:solidFill>
+                <a:latin typeface="Hiragino Maru Gothic Pro W4" panose="020F0400000000000000" pitchFamily="34" charset="-128"/>
+                <a:ea typeface="Hiragino Maru Gothic Pro W4" panose="020F0400000000000000" pitchFamily="34" charset="-128"/>
+              </a:rPr>
+              <a:t>(16)</a:t>
+            </a:r>
+            <a:r>
+              <a:rPr lang="ja-JP" altLang="en-US" sz="2400">
+                <a:solidFill>
+                  <a:schemeClr val="accent5">
+                    <a:lumMod val="50000"/>
+                  </a:schemeClr>
+                </a:solidFill>
+                <a:latin typeface="Hiragino Maru Gothic Pro W4" panose="020F0400000000000000" pitchFamily="34" charset="-128"/>
+                <a:ea typeface="Hiragino Maru Gothic Pro W4" panose="020F0400000000000000" pitchFamily="34" charset="-128"/>
+              </a:rPr>
+              <a:t>と東方</a:t>
+            </a:r>
+            <a:r>
+              <a:rPr lang="en-US" altLang="ja-JP" sz="2400" dirty="0">
+                <a:solidFill>
+                  <a:schemeClr val="accent5">
+                    <a:lumMod val="50000"/>
+                  </a:schemeClr>
+                </a:solidFill>
+                <a:latin typeface="Hiragino Maru Gothic Pro W4" panose="020F0400000000000000" pitchFamily="34" charset="-128"/>
+                <a:ea typeface="Hiragino Maru Gothic Pro W4" panose="020F0400000000000000" pitchFamily="34" charset="-128"/>
+              </a:rPr>
+              <a:t>(15)</a:t>
+            </a:r>
+            <a:r>
+              <a:rPr lang="ja-JP" altLang="en-US" sz="2400">
+                <a:solidFill>
+                  <a:schemeClr val="accent5">
+                    <a:lumMod val="50000"/>
+                  </a:schemeClr>
+                </a:solidFill>
+                <a:latin typeface="Hiragino Maru Gothic Pro W4" panose="020F0400000000000000" pitchFamily="34" charset="-128"/>
+                <a:ea typeface="Hiragino Maru Gothic Pro W4" panose="020F0400000000000000" pitchFamily="34" charset="-128"/>
+              </a:rPr>
+              <a:t>というクランが存在しており、</a:t>
             </a:r>
             <a:br>
               <a:rPr lang="en-US" altLang="ja-JP" sz="2400" dirty="0">
@@ -13774,6 +14482,52 @@
               </a:rPr>
             </a:br>
             <a:r>
+              <a:rPr lang="ja-JP" altLang="en-US" sz="2400">
+                <a:solidFill>
+                  <a:schemeClr val="accent5">
+                    <a:lumMod val="50000"/>
+                  </a:schemeClr>
+                </a:solidFill>
+                <a:latin typeface="Hiragino Maru Gothic Pro W4" panose="020F0400000000000000" pitchFamily="34" charset="-128"/>
+                <a:ea typeface="Hiragino Maru Gothic Pro W4" panose="020F0400000000000000" pitchFamily="34" charset="-128"/>
+              </a:rPr>
+              <a:t>両クランは協力関係にある。そこの関係性が崩れる危険性も</a:t>
+            </a:r>
+            <a:br>
+              <a:rPr lang="en-US" altLang="ja-JP" sz="2400" dirty="0">
+                <a:solidFill>
+                  <a:schemeClr val="accent5">
+                    <a:lumMod val="50000"/>
+                  </a:schemeClr>
+                </a:solidFill>
+                <a:latin typeface="Hiragino Maru Gothic Pro W4" panose="020F0400000000000000" pitchFamily="34" charset="-128"/>
+                <a:ea typeface="Hiragino Maru Gothic Pro W4" panose="020F0400000000000000" pitchFamily="34" charset="-128"/>
+              </a:rPr>
+            </a:br>
+            <a:r>
+              <a:rPr lang="ja-JP" altLang="en-US" sz="2400">
+                <a:solidFill>
+                  <a:schemeClr val="accent5">
+                    <a:lumMod val="50000"/>
+                  </a:schemeClr>
+                </a:solidFill>
+                <a:latin typeface="Hiragino Maru Gothic Pro W4" panose="020F0400000000000000" pitchFamily="34" charset="-128"/>
+                <a:ea typeface="Hiragino Maru Gothic Pro W4" panose="020F0400000000000000" pitchFamily="34" charset="-128"/>
+              </a:rPr>
+              <a:t>無きにしもあらずなので謳わない。</a:t>
+            </a:r>
+            <a:br>
+              <a:rPr lang="en-US" altLang="ja-JP" sz="2400" dirty="0">
+                <a:solidFill>
+                  <a:schemeClr val="accent5">
+                    <a:lumMod val="50000"/>
+                  </a:schemeClr>
+                </a:solidFill>
+                <a:latin typeface="Hiragino Maru Gothic Pro W4" panose="020F0400000000000000" pitchFamily="34" charset="-128"/>
+                <a:ea typeface="Hiragino Maru Gothic Pro W4" panose="020F0400000000000000" pitchFamily="34" charset="-128"/>
+              </a:rPr>
+            </a:br>
+            <a:r>
               <a:rPr lang="ja-JP" altLang="en-US" sz="2000">
                 <a:solidFill>
                   <a:schemeClr val="accent5">
@@ -13783,7 +14537,7 @@
                 <a:latin typeface="Hiragino Maru Gothic Pro W4" panose="020F0400000000000000" pitchFamily="34" charset="-128"/>
                 <a:ea typeface="Hiragino Maru Gothic Pro W4" panose="020F0400000000000000" pitchFamily="34" charset="-128"/>
               </a:rPr>
-              <a:t>→</a:t>
+              <a:t>補足：この資料で「東方」と記載している場合、東方</a:t>
             </a:r>
             <a:r>
               <a:rPr lang="en-US" altLang="ja-JP" sz="2000" dirty="0">
@@ -13795,7 +14549,7 @@
                 <a:latin typeface="Hiragino Maru Gothic Pro W4" panose="020F0400000000000000" pitchFamily="34" charset="-128"/>
                 <a:ea typeface="Hiragino Maru Gothic Pro W4" panose="020F0400000000000000" pitchFamily="34" charset="-128"/>
               </a:rPr>
-              <a:t> discord</a:t>
+              <a:t>(16)</a:t>
             </a:r>
             <a:r>
               <a:rPr lang="ja-JP" altLang="en-US" sz="2000">
@@ -13807,7 +14561,7 @@
                 <a:latin typeface="Hiragino Maru Gothic Pro W4" panose="020F0400000000000000" pitchFamily="34" charset="-128"/>
                 <a:ea typeface="Hiragino Maru Gothic Pro W4" panose="020F0400000000000000" pitchFamily="34" charset="-128"/>
               </a:rPr>
-              <a:t>でやりとりして柔軟に対応</a:t>
+              <a:t>を示す。</a:t>
             </a:r>
             <a:endParaRPr lang="en-US" altLang="ja-JP" sz="2000" dirty="0">
               <a:solidFill>
@@ -13820,7 +14574,9 @@
             </a:endParaRPr>
           </a:p>
           <a:p>
-            <a:pPr marL="388620" indent="-342900"/>
+            <a:pPr marL="45720" indent="0">
+              <a:buNone/>
+            </a:pPr>
             <a:r>
               <a:rPr lang="ja-JP" altLang="en-US" sz="2400">
                 <a:solidFill>
@@ -13831,7 +14587,31 @@
                 <a:latin typeface="Hiragino Maru Gothic Pro W4" panose="020F0400000000000000" pitchFamily="34" charset="-128"/>
                 <a:ea typeface="Hiragino Maru Gothic Pro W4" panose="020F0400000000000000" pitchFamily="34" charset="-128"/>
               </a:rPr>
-              <a:t>まほらまが海外リーグに挑戦する場合</a:t>
+              <a:t>また、</a:t>
+            </a:r>
+            <a:r>
+              <a:rPr lang="en-US" altLang="ja-JP" sz="2400" dirty="0">
+                <a:solidFill>
+                  <a:schemeClr val="accent5">
+                    <a:lumMod val="50000"/>
+                  </a:schemeClr>
+                </a:solidFill>
+                <a:latin typeface="Hiragino Maru Gothic Pro W4" panose="020F0400000000000000" pitchFamily="34" charset="-128"/>
+                <a:ea typeface="Hiragino Maru Gothic Pro W4" panose="020F0400000000000000" pitchFamily="34" charset="-128"/>
+              </a:rPr>
+              <a:t>JWC</a:t>
+            </a:r>
+            <a:r>
+              <a:rPr lang="ja-JP" altLang="en-US" sz="2400">
+                <a:solidFill>
+                  <a:schemeClr val="accent5">
+                    <a:lumMod val="50000"/>
+                  </a:schemeClr>
+                </a:solidFill>
+                <a:latin typeface="Hiragino Maru Gothic Pro W4" panose="020F0400000000000000" pitchFamily="34" charset="-128"/>
+                <a:ea typeface="Hiragino Maru Gothic Pro W4" panose="020F0400000000000000" pitchFamily="34" charset="-128"/>
+              </a:rPr>
+              <a:t>の参戦における東方日陰問題に関しても、</a:t>
             </a:r>
             <a:br>
               <a:rPr lang="en-US" altLang="ja-JP" sz="2400" dirty="0">
@@ -13845,54 +14625,6 @@
               </a:rPr>
             </a:br>
             <a:r>
-              <a:rPr lang="ja-JP" altLang="en-US" sz="2000">
-                <a:solidFill>
-                  <a:schemeClr val="accent5">
-                    <a:lumMod val="50000"/>
-                  </a:schemeClr>
-                </a:solidFill>
-                <a:latin typeface="Hiragino Maru Gothic Pro W4" panose="020F0400000000000000" pitchFamily="34" charset="-128"/>
-                <a:ea typeface="Hiragino Maru Gothic Pro W4" panose="020F0400000000000000" pitchFamily="34" charset="-128"/>
-              </a:rPr>
-              <a:t>→</a:t>
-            </a:r>
-            <a:r>
-              <a:rPr lang="en-US" altLang="ja-JP" sz="2000" dirty="0">
-                <a:solidFill>
-                  <a:schemeClr val="accent5">
-                    <a:lumMod val="50000"/>
-                  </a:schemeClr>
-                </a:solidFill>
-                <a:latin typeface="Hiragino Maru Gothic Pro W4" panose="020F0400000000000000" pitchFamily="34" charset="-128"/>
-                <a:ea typeface="Hiragino Maru Gothic Pro W4" panose="020F0400000000000000" pitchFamily="34" charset="-128"/>
-              </a:rPr>
-              <a:t> </a:t>
-            </a:r>
-            <a:r>
-              <a:rPr lang="ja-JP" altLang="en-US" sz="2000">
-                <a:solidFill>
-                  <a:schemeClr val="accent5">
-                    <a:lumMod val="50000"/>
-                  </a:schemeClr>
-                </a:solidFill>
-                <a:latin typeface="Hiragino Maru Gothic Pro W4" panose="020F0400000000000000" pitchFamily="34" charset="-128"/>
-                <a:ea typeface="Hiragino Maru Gothic Pro W4" panose="020F0400000000000000" pitchFamily="34" charset="-128"/>
-              </a:rPr>
-              <a:t>要相談</a:t>
-            </a:r>
-            <a:endParaRPr lang="en-US" altLang="ja-JP" sz="2000" dirty="0">
-              <a:solidFill>
-                <a:schemeClr val="accent5">
-                  <a:lumMod val="50000"/>
-                </a:schemeClr>
-              </a:solidFill>
-              <a:latin typeface="Hiragino Maru Gothic Pro W4" panose="020F0400000000000000" pitchFamily="34" charset="-128"/>
-              <a:ea typeface="Hiragino Maru Gothic Pro W4" panose="020F0400000000000000" pitchFamily="34" charset="-128"/>
-            </a:endParaRPr>
-          </a:p>
-          <a:p>
-            <a:pPr marL="388620" indent="-342900"/>
-            <a:r>
               <a:rPr lang="ja-JP" altLang="en-US" sz="2400">
                 <a:solidFill>
                   <a:schemeClr val="accent5">
@@ -13902,31 +14634,7 @@
                 <a:latin typeface="Hiragino Maru Gothic Pro W4" panose="020F0400000000000000" pitchFamily="34" charset="-128"/>
                 <a:ea typeface="Hiragino Maru Gothic Pro W4" panose="020F0400000000000000" pitchFamily="34" charset="-128"/>
               </a:rPr>
-              <a:t>まほらま</a:t>
-            </a:r>
-            <a:r>
-              <a:rPr lang="en-US" altLang="ja-JP" sz="2400" dirty="0">
-                <a:solidFill>
-                  <a:schemeClr val="accent5">
-                    <a:lumMod val="50000"/>
-                  </a:schemeClr>
-                </a:solidFill>
-                <a:latin typeface="Hiragino Maru Gothic Pro W4" panose="020F0400000000000000" pitchFamily="34" charset="-128"/>
-                <a:ea typeface="Hiragino Maru Gothic Pro W4" panose="020F0400000000000000" pitchFamily="34" charset="-128"/>
-              </a:rPr>
-              <a:t>/</a:t>
-            </a:r>
-            <a:r>
-              <a:rPr lang="ja-JP" altLang="en-US" sz="2400">
-                <a:solidFill>
-                  <a:schemeClr val="accent5">
-                    <a:lumMod val="50000"/>
-                  </a:schemeClr>
-                </a:solidFill>
-                <a:latin typeface="Hiragino Maru Gothic Pro W4" panose="020F0400000000000000" pitchFamily="34" charset="-128"/>
-                <a:ea typeface="Hiragino Maru Gothic Pro W4" panose="020F0400000000000000" pitchFamily="34" charset="-128"/>
-              </a:rPr>
-              <a:t>東方を行き来するメンバー</a:t>
+              <a:t>東方メンバーの方々は特に気にしていないようなので、</a:t>
             </a:r>
             <a:br>
               <a:rPr lang="en-US" altLang="ja-JP" sz="2400" dirty="0">
@@ -13940,6 +14648,41 @@
               </a:rPr>
             </a:br>
             <a:r>
+              <a:rPr lang="ja-JP" altLang="en-US" sz="2400">
+                <a:solidFill>
+                  <a:schemeClr val="accent5">
+                    <a:lumMod val="50000"/>
+                  </a:schemeClr>
+                </a:solidFill>
+                <a:latin typeface="Hiragino Maru Gothic Pro W4" panose="020F0400000000000000" pitchFamily="34" charset="-128"/>
+                <a:ea typeface="Hiragino Maru Gothic Pro W4" panose="020F0400000000000000" pitchFamily="34" charset="-128"/>
+              </a:rPr>
+              <a:t>対外的にファミリークランを謳って知名度を上げる必要性も低い。</a:t>
+            </a:r>
+            <a:br>
+              <a:rPr lang="en-US" altLang="ja-JP" sz="2400" dirty="0">
+                <a:solidFill>
+                  <a:schemeClr val="accent5">
+                    <a:lumMod val="50000"/>
+                  </a:schemeClr>
+                </a:solidFill>
+                <a:latin typeface="Hiragino Maru Gothic Pro W4" panose="020F0400000000000000" pitchFamily="34" charset="-128"/>
+                <a:ea typeface="Hiragino Maru Gothic Pro W4" panose="020F0400000000000000" pitchFamily="34" charset="-128"/>
+              </a:rPr>
+            </a:br>
+            <a:r>
+              <a:rPr lang="en-US" altLang="ja-JP" sz="2000" dirty="0">
+                <a:solidFill>
+                  <a:schemeClr val="accent5">
+                    <a:lumMod val="50000"/>
+                  </a:schemeClr>
+                </a:solidFill>
+                <a:latin typeface="Hiragino Maru Gothic Pro W4" panose="020F0400000000000000" pitchFamily="34" charset="-128"/>
+                <a:ea typeface="Hiragino Maru Gothic Pro W4" panose="020F0400000000000000" pitchFamily="34" charset="-128"/>
+              </a:rPr>
+              <a:t>(</a:t>
+            </a:r>
+            <a:r>
               <a:rPr lang="ja-JP" altLang="en-US" sz="2000">
                 <a:solidFill>
                   <a:schemeClr val="accent5">
@@ -13949,74 +14692,57 @@
                 <a:latin typeface="Hiragino Maru Gothic Pro W4" panose="020F0400000000000000" pitchFamily="34" charset="-128"/>
                 <a:ea typeface="Hiragino Maru Gothic Pro W4" panose="020F0400000000000000" pitchFamily="34" charset="-128"/>
               </a:rPr>
-              <a:t>→「郷に入れば郷に従え」をしっかり意識すること</a:t>
-            </a:r>
-            <a:endParaRPr lang="en-US" altLang="ja-JP" sz="2000" dirty="0">
+              <a:t>外部からややこしく見られるし・・・</a:t>
+            </a:r>
+            <a:r>
+              <a:rPr lang="en-US" altLang="ja-JP" sz="2000" dirty="0">
+                <a:solidFill>
+                  <a:schemeClr val="accent5">
+                    <a:lumMod val="50000"/>
+                  </a:schemeClr>
+                </a:solidFill>
+                <a:latin typeface="Hiragino Maru Gothic Pro W4" panose="020F0400000000000000" pitchFamily="34" charset="-128"/>
+                <a:ea typeface="Hiragino Maru Gothic Pro W4" panose="020F0400000000000000" pitchFamily="34" charset="-128"/>
+              </a:rPr>
+              <a:t>)</a:t>
+            </a:r>
+          </a:p>
+          <a:p>
+            <a:pPr marL="45720" indent="0">
+              <a:buNone/>
+            </a:pPr>
+            <a:r>
+              <a:rPr lang="ja-JP" altLang="en-US" sz="2400">
+                <a:solidFill>
+                  <a:srgbClr val="FF0000"/>
+                </a:solidFill>
+                <a:latin typeface="Hiragino Maru Gothic Pro W4" panose="020F0400000000000000" pitchFamily="34" charset="-128"/>
+                <a:ea typeface="Hiragino Maru Gothic Pro W4" panose="020F0400000000000000" pitchFamily="34" charset="-128"/>
+              </a:rPr>
+              <a:t>なので、東方＆まほらま間ではファミリークランは謳わずに、</a:t>
+            </a:r>
+            <a:br>
+              <a:rPr lang="en-US" altLang="ja-JP" sz="2400" dirty="0">
+                <a:solidFill>
+                  <a:srgbClr val="FF0000"/>
+                </a:solidFill>
+                <a:latin typeface="Hiragino Maru Gothic Pro W4" panose="020F0400000000000000" pitchFamily="34" charset="-128"/>
+                <a:ea typeface="Hiragino Maru Gothic Pro W4" panose="020F0400000000000000" pitchFamily="34" charset="-128"/>
+              </a:rPr>
+            </a:br>
+            <a:r>
+              <a:rPr lang="ja-JP" altLang="en-US" sz="2400">
+                <a:solidFill>
+                  <a:srgbClr val="FF0000"/>
+                </a:solidFill>
+                <a:latin typeface="Hiragino Maru Gothic Pro W4" panose="020F0400000000000000" pitchFamily="34" charset="-128"/>
+                <a:ea typeface="Hiragino Maru Gothic Pro W4" panose="020F0400000000000000" pitchFamily="34" charset="-128"/>
+              </a:rPr>
+              <a:t>「お互い仲良くしています」という関係性に留める形とする。</a:t>
+            </a:r>
+            <a:endParaRPr lang="en-US" altLang="ja-JP" sz="2400" dirty="0">
               <a:solidFill>
-                <a:schemeClr val="accent5">
-                  <a:lumMod val="50000"/>
-                </a:schemeClr>
-              </a:solidFill>
-              <a:latin typeface="Hiragino Maru Gothic Pro W4" panose="020F0400000000000000" pitchFamily="34" charset="-128"/>
-              <a:ea typeface="Hiragino Maru Gothic Pro W4" panose="020F0400000000000000" pitchFamily="34" charset="-128"/>
-            </a:endParaRPr>
-          </a:p>
-          <a:p>
-            <a:pPr marL="845820" lvl="1" indent="-342900"/>
-            <a:r>
-              <a:rPr lang="ja-JP" altLang="en-US" sz="2000">
-                <a:solidFill>
-                  <a:schemeClr val="accent5">
-                    <a:lumMod val="50000"/>
-                  </a:schemeClr>
-                </a:solidFill>
-                <a:latin typeface="Hiragino Maru Gothic Pro W4" panose="020F0400000000000000" pitchFamily="34" charset="-128"/>
-                <a:ea typeface="Hiragino Maru Gothic Pro W4" panose="020F0400000000000000" pitchFamily="34" charset="-128"/>
-              </a:rPr>
-              <a:t>まほらまルール：</a:t>
-            </a:r>
-            <a:r>
-              <a:rPr lang="en-US" altLang="ja-JP" sz="2000" dirty="0">
-                <a:solidFill>
-                  <a:schemeClr val="accent5">
-                    <a:lumMod val="50000"/>
-                  </a:schemeClr>
-                </a:solidFill>
-                <a:latin typeface="Hiragino Maru Gothic Pro W4" panose="020F0400000000000000" pitchFamily="34" charset="-128"/>
-                <a:ea typeface="Hiragino Maru Gothic Pro W4" panose="020F0400000000000000" pitchFamily="34" charset="-128"/>
-                <a:hlinkClick r:id="rId2"/>
-              </a:rPr>
-              <a:t>http://mah0rama.livedoor.blog/archives/20951053.html</a:t>
-            </a:r>
-            <a:endParaRPr lang="en-US" altLang="ja-JP" sz="2000" dirty="0">
-              <a:solidFill>
-                <a:schemeClr val="accent5">
-                  <a:lumMod val="50000"/>
-                </a:schemeClr>
-              </a:solidFill>
-              <a:latin typeface="Hiragino Maru Gothic Pro W4" panose="020F0400000000000000" pitchFamily="34" charset="-128"/>
-              <a:ea typeface="Hiragino Maru Gothic Pro W4" panose="020F0400000000000000" pitchFamily="34" charset="-128"/>
-            </a:endParaRPr>
-          </a:p>
-          <a:p>
-            <a:pPr marL="845820" lvl="1" indent="-342900"/>
-            <a:r>
-              <a:rPr lang="ja-JP" altLang="en-US" sz="2000">
-                <a:solidFill>
-                  <a:schemeClr val="accent5">
-                    <a:lumMod val="50000"/>
-                  </a:schemeClr>
-                </a:solidFill>
-                <a:latin typeface="Hiragino Maru Gothic Pro W4" panose="020F0400000000000000" pitchFamily="34" charset="-128"/>
-                <a:ea typeface="Hiragino Maru Gothic Pro W4" panose="020F0400000000000000" pitchFamily="34" charset="-128"/>
-              </a:rPr>
-              <a:t>東方ルール：クラン説明参照</a:t>
-            </a:r>
-            <a:endParaRPr lang="en-US" altLang="ja-JP" sz="2000" dirty="0">
-              <a:solidFill>
-                <a:schemeClr val="accent5">
-                  <a:lumMod val="50000"/>
-                </a:schemeClr>
+                <a:srgbClr val="FF0000"/>
               </a:solidFill>
               <a:latin typeface="Hiragino Maru Gothic Pro W4" panose="020F0400000000000000" pitchFamily="34" charset="-128"/>
               <a:ea typeface="Hiragino Maru Gothic Pro W4" panose="020F0400000000000000" pitchFamily="34" charset="-128"/>
@@ -14054,7 +14780,7 @@
                 <a:latin typeface="Hiragino Maru Gothic Pro W4" panose="020F0400000000000000" pitchFamily="34" charset="-128"/>
                 <a:ea typeface="Hiragino Maru Gothic Pro W4" panose="020F0400000000000000" pitchFamily="34" charset="-128"/>
               </a:rPr>
-              <a:t>27</a:t>
+              <a:t>29</a:t>
             </a:fld>
             <a:endParaRPr lang="ja-JP" altLang="en-US" noProof="0" dirty="0">
               <a:solidFill>
@@ -14066,10 +14792,62 @@
           </a:p>
         </p:txBody>
       </p:sp>
+      <p:sp>
+        <p:nvSpPr>
+          <p:cNvPr id="5" name="正方形/長方形 4">
+            <a:extLst>
+              <a:ext uri="{FF2B5EF4-FFF2-40B4-BE49-F238E27FC236}">
+                <a16:creationId xmlns:a16="http://schemas.microsoft.com/office/drawing/2014/main" id="{80CDFB72-43E8-F141-B69D-99DBB5E9EAFE}"/>
+              </a:ext>
+            </a:extLst>
+          </p:cNvPr>
+          <p:cNvSpPr/>
+          <p:nvPr/>
+        </p:nvSpPr>
+        <p:spPr>
+          <a:xfrm>
+            <a:off x="444137" y="369024"/>
+            <a:ext cx="11225349" cy="5807938"/>
+          </a:xfrm>
+          <a:prstGeom prst="rect">
+            <a:avLst/>
+          </a:prstGeom>
+          <a:solidFill>
+            <a:schemeClr val="dk1">
+              <a:alpha val="50000"/>
+            </a:schemeClr>
+          </a:solidFill>
+          <a:ln>
+            <a:noFill/>
+          </a:ln>
+        </p:spPr>
+        <p:style>
+          <a:lnRef idx="0">
+            <a:scrgbClr r="0" g="0" b="0"/>
+          </a:lnRef>
+          <a:fillRef idx="0">
+            <a:scrgbClr r="0" g="0" b="0"/>
+          </a:fillRef>
+          <a:effectRef idx="0">
+            <a:scrgbClr r="0" g="0" b="0"/>
+          </a:effectRef>
+          <a:fontRef idx="minor">
+            <a:schemeClr val="lt1"/>
+          </a:fontRef>
+        </p:style>
+        <p:txBody>
+          <a:bodyPr rtlCol="0" anchor="ctr"/>
+          <a:lstStyle/>
+          <a:p>
+            <a:pPr algn="ctr"/>
+            <a:endParaRPr kumimoji="1" lang="ja-JP" altLang="en-US"/>
+          </a:p>
+        </p:txBody>
+      </p:sp>
     </p:spTree>
     <p:extLst>
       <p:ext uri="{BB962C8B-B14F-4D97-AF65-F5344CB8AC3E}">
-        <p14:creationId xmlns:p14="http://schemas.microsoft.com/office/powerpoint/2010/main" val="2852762545"/>
+        <p14:creationId xmlns:p14="http://schemas.microsoft.com/office/powerpoint/2010/main" val="890651205"/>
       </p:ext>
     </p:extLst>
   </p:cSld>
@@ -14615,6 +15393,3121 @@
     <p:extLst>
       <p:ext uri="{BB962C8B-B14F-4D97-AF65-F5344CB8AC3E}">
         <p14:creationId xmlns:p14="http://schemas.microsoft.com/office/powerpoint/2010/main" val="1052175864"/>
+      </p:ext>
+    </p:extLst>
+  </p:cSld>
+  <p:clrMapOvr>
+    <a:masterClrMapping/>
+  </p:clrMapOvr>
+  <mc:AlternateContent xmlns:mc="http://schemas.openxmlformats.org/markup-compatibility/2006" xmlns:p14="http://schemas.microsoft.com/office/powerpoint/2010/main">
+    <mc:Choice Requires="p14">
+      <p:transition spd="med" p14:dur="700">
+        <p:fade/>
+      </p:transition>
+    </mc:Choice>
+    <mc:Fallback xmlns="">
+      <p:transition spd="med">
+        <p:fade/>
+      </p:transition>
+    </mc:Fallback>
+  </mc:AlternateContent>
+</p:sld>
+</file>
+
+<file path=ppt/slides/slide30.xml><?xml version="1.0" encoding="utf-8"?>
+<p:sld xmlns:a="http://schemas.openxmlformats.org/drawingml/2006/main" xmlns:r="http://schemas.openxmlformats.org/officeDocument/2006/relationships" xmlns:p="http://schemas.openxmlformats.org/presentationml/2006/main">
+  <p:cSld>
+    <p:spTree>
+      <p:nvGrpSpPr>
+        <p:cNvPr id="1" name=""/>
+        <p:cNvGrpSpPr/>
+        <p:nvPr/>
+      </p:nvGrpSpPr>
+      <p:grpSpPr>
+        <a:xfrm>
+          <a:off x="0" y="0"/>
+          <a:ext cx="0" cy="0"/>
+          <a:chOff x="0" y="0"/>
+          <a:chExt cx="0" cy="0"/>
+        </a:xfrm>
+      </p:grpSpPr>
+      <p:sp>
+        <p:nvSpPr>
+          <p:cNvPr id="2" name="タイトル 1">
+            <a:extLst>
+              <a:ext uri="{FF2B5EF4-FFF2-40B4-BE49-F238E27FC236}">
+                <a16:creationId xmlns:a16="http://schemas.microsoft.com/office/drawing/2014/main" id="{4BEF2D4F-28AD-C84D-A4AC-A607D5B45D24}"/>
+              </a:ext>
+            </a:extLst>
+          </p:cNvPr>
+          <p:cNvSpPr>
+            <a:spLocks noGrp="1"/>
+          </p:cNvSpPr>
+          <p:nvPr>
+            <p:ph type="title"/>
+          </p:nvPr>
+        </p:nvSpPr>
+        <p:spPr/>
+        <p:txBody>
+          <a:bodyPr/>
+          <a:lstStyle/>
+          <a:p>
+            <a:r>
+              <a:rPr kumimoji="1" lang="ja-JP" altLang="en-US">
+                <a:solidFill>
+                  <a:schemeClr val="accent5">
+                    <a:lumMod val="50000"/>
+                  </a:schemeClr>
+                </a:solidFill>
+                <a:latin typeface="Hiragino Maru Gothic Pro W4" panose="020F0400000000000000" pitchFamily="34" charset="-128"/>
+                <a:ea typeface="Hiragino Maru Gothic Pro W4" panose="020F0400000000000000" pitchFamily="34" charset="-128"/>
+              </a:rPr>
+              <a:t>基本的な考え方</a:t>
+            </a:r>
+          </a:p>
+        </p:txBody>
+      </p:sp>
+      <p:sp>
+        <p:nvSpPr>
+          <p:cNvPr id="3" name="コンテンツ プレースホルダー 2">
+            <a:extLst>
+              <a:ext uri="{FF2B5EF4-FFF2-40B4-BE49-F238E27FC236}">
+                <a16:creationId xmlns:a16="http://schemas.microsoft.com/office/drawing/2014/main" id="{01E773B8-156E-4743-8E4A-3ED5FB7CC4E2}"/>
+              </a:ext>
+            </a:extLst>
+          </p:cNvPr>
+          <p:cNvSpPr>
+            <a:spLocks noGrp="1"/>
+          </p:cNvSpPr>
+          <p:nvPr>
+            <p:ph idx="1"/>
+          </p:nvPr>
+        </p:nvSpPr>
+        <p:spPr>
+          <a:xfrm>
+            <a:off x="838200" y="1588575"/>
+            <a:ext cx="10515600" cy="4588387"/>
+          </a:xfrm>
+        </p:spPr>
+        <p:txBody>
+          <a:bodyPr>
+            <a:normAutofit/>
+          </a:bodyPr>
+          <a:lstStyle/>
+          <a:p>
+            <a:pPr marL="45720" indent="0">
+              <a:buNone/>
+            </a:pPr>
+            <a:endParaRPr lang="en-US" altLang="ja-JP" sz="2400" dirty="0">
+              <a:solidFill>
+                <a:schemeClr val="accent5">
+                  <a:lumMod val="50000"/>
+                </a:schemeClr>
+              </a:solidFill>
+              <a:latin typeface="Hiragino Maru Gothic Pro W4" panose="020F0400000000000000" pitchFamily="34" charset="-128"/>
+              <a:ea typeface="Hiragino Maru Gothic Pro W4" panose="020F0400000000000000" pitchFamily="34" charset="-128"/>
+            </a:endParaRPr>
+          </a:p>
+        </p:txBody>
+      </p:sp>
+      <p:sp>
+        <p:nvSpPr>
+          <p:cNvPr id="4" name="スライド番号プレースホルダー 3">
+            <a:extLst>
+              <a:ext uri="{FF2B5EF4-FFF2-40B4-BE49-F238E27FC236}">
+                <a16:creationId xmlns:a16="http://schemas.microsoft.com/office/drawing/2014/main" id="{34C04C8D-49C3-874E-864D-A6289CA1E427}"/>
+              </a:ext>
+            </a:extLst>
+          </p:cNvPr>
+          <p:cNvSpPr>
+            <a:spLocks noGrp="1"/>
+          </p:cNvSpPr>
+          <p:nvPr>
+            <p:ph type="sldNum" sz="quarter" idx="12"/>
+          </p:nvPr>
+        </p:nvSpPr>
+        <p:spPr/>
+        <p:txBody>
+          <a:bodyPr/>
+          <a:lstStyle/>
+          <a:p>
+            <a:pPr rtl="0"/>
+            <a:fld id="{E31375A4-56A4-47D6-9801-1991572033F7}" type="slidenum">
+              <a:rPr lang="en-US" altLang="ja-JP" noProof="0" smtClean="0">
+                <a:solidFill>
+                  <a:srgbClr val="002060"/>
+                </a:solidFill>
+                <a:latin typeface="Hiragino Maru Gothic Pro W4" panose="020F0400000000000000" pitchFamily="34" charset="-128"/>
+                <a:ea typeface="Hiragino Maru Gothic Pro W4" panose="020F0400000000000000" pitchFamily="34" charset="-128"/>
+              </a:rPr>
+              <a:t>30</a:t>
+            </a:fld>
+            <a:endParaRPr lang="ja-JP" altLang="en-US" noProof="0" dirty="0">
+              <a:solidFill>
+                <a:srgbClr val="002060"/>
+              </a:solidFill>
+              <a:latin typeface="Hiragino Maru Gothic Pro W4" panose="020F0400000000000000" pitchFamily="34" charset="-128"/>
+              <a:ea typeface="Hiragino Maru Gothic Pro W4" panose="020F0400000000000000" pitchFamily="34" charset="-128"/>
+            </a:endParaRPr>
+          </a:p>
+        </p:txBody>
+      </p:sp>
+      <p:sp>
+        <p:nvSpPr>
+          <p:cNvPr id="6" name="正方形/長方形 5">
+            <a:extLst>
+              <a:ext uri="{FF2B5EF4-FFF2-40B4-BE49-F238E27FC236}">
+                <a16:creationId xmlns:a16="http://schemas.microsoft.com/office/drawing/2014/main" id="{44F5B0D1-8C9D-9D42-B067-7A4669BE58FD}"/>
+              </a:ext>
+            </a:extLst>
+          </p:cNvPr>
+          <p:cNvSpPr/>
+          <p:nvPr/>
+        </p:nvSpPr>
+        <p:spPr>
+          <a:xfrm>
+            <a:off x="1567549" y="2160734"/>
+            <a:ext cx="4824550" cy="2287168"/>
+          </a:xfrm>
+          <a:prstGeom prst="rect">
+            <a:avLst/>
+          </a:prstGeom>
+        </p:spPr>
+        <p:style>
+          <a:lnRef idx="0">
+            <a:schemeClr val="accent6"/>
+          </a:lnRef>
+          <a:fillRef idx="3">
+            <a:schemeClr val="accent6"/>
+          </a:fillRef>
+          <a:effectRef idx="3">
+            <a:schemeClr val="accent6"/>
+          </a:effectRef>
+          <a:fontRef idx="minor">
+            <a:schemeClr val="lt1"/>
+          </a:fontRef>
+        </p:style>
+        <p:txBody>
+          <a:bodyPr rtlCol="0" anchor="ctr"/>
+          <a:lstStyle/>
+          <a:p>
+            <a:pPr algn="ctr"/>
+            <a:r>
+              <a:rPr lang="en-US" altLang="ja-JP" sz="2400" dirty="0">
+                <a:latin typeface="Hiragino Maru Gothic Pro W4" panose="020F0400000000000000" pitchFamily="34" charset="-128"/>
+                <a:ea typeface="Hiragino Maru Gothic Pro W4" panose="020F0400000000000000" pitchFamily="34" charset="-128"/>
+              </a:rPr>
+              <a:t>① </a:t>
+            </a:r>
+            <a:r>
+              <a:rPr lang="ja-JP" altLang="en-US" sz="2400">
+                <a:latin typeface="Hiragino Maru Gothic Pro W4" panose="020F0400000000000000" pitchFamily="34" charset="-128"/>
+                <a:ea typeface="Hiragino Maru Gothic Pro W4" panose="020F0400000000000000" pitchFamily="34" charset="-128"/>
+              </a:rPr>
+              <a:t>特に無し</a:t>
+            </a:r>
+            <a:endParaRPr lang="en-US" altLang="ja-JP" sz="2400" dirty="0">
+              <a:latin typeface="Hiragino Maru Gothic Pro W4" panose="020F0400000000000000" pitchFamily="34" charset="-128"/>
+              <a:ea typeface="Hiragino Maru Gothic Pro W4" panose="020F0400000000000000" pitchFamily="34" charset="-128"/>
+            </a:endParaRPr>
+          </a:p>
+        </p:txBody>
+      </p:sp>
+      <p:sp>
+        <p:nvSpPr>
+          <p:cNvPr id="10" name="正方形/長方形 9">
+            <a:extLst>
+              <a:ext uri="{FF2B5EF4-FFF2-40B4-BE49-F238E27FC236}">
+                <a16:creationId xmlns:a16="http://schemas.microsoft.com/office/drawing/2014/main" id="{18C00CC0-6B48-4045-BD99-69FA1E70773E}"/>
+              </a:ext>
+            </a:extLst>
+          </p:cNvPr>
+          <p:cNvSpPr/>
+          <p:nvPr/>
+        </p:nvSpPr>
+        <p:spPr>
+          <a:xfrm>
+            <a:off x="1567549" y="4502331"/>
+            <a:ext cx="4824550" cy="1620202"/>
+          </a:xfrm>
+          <a:prstGeom prst="rect">
+            <a:avLst/>
+          </a:prstGeom>
+        </p:spPr>
+        <p:style>
+          <a:lnRef idx="0">
+            <a:schemeClr val="accent4"/>
+          </a:lnRef>
+          <a:fillRef idx="3">
+            <a:schemeClr val="accent4"/>
+          </a:fillRef>
+          <a:effectRef idx="3">
+            <a:schemeClr val="accent4"/>
+          </a:effectRef>
+          <a:fontRef idx="minor">
+            <a:schemeClr val="lt1"/>
+          </a:fontRef>
+        </p:style>
+        <p:txBody>
+          <a:bodyPr rtlCol="0" anchor="ctr"/>
+          <a:lstStyle/>
+          <a:p>
+            <a:pPr algn="ctr"/>
+            <a:r>
+              <a:rPr lang="en-US" altLang="ja-JP" sz="2400" dirty="0">
+                <a:latin typeface="Hiragino Maru Gothic Pro W4" panose="020F0400000000000000" pitchFamily="34" charset="-128"/>
+                <a:ea typeface="Hiragino Maru Gothic Pro W4" panose="020F0400000000000000" pitchFamily="34" charset="-128"/>
+              </a:rPr>
+              <a:t>② </a:t>
+            </a:r>
+            <a:r>
+              <a:rPr lang="ja-JP" altLang="en-US" sz="2400">
+                <a:latin typeface="Hiragino Maru Gothic Pro W4" panose="020F0400000000000000" pitchFamily="34" charset="-128"/>
+                <a:ea typeface="Hiragino Maru Gothic Pro W4" panose="020F0400000000000000" pitchFamily="34" charset="-128"/>
+              </a:rPr>
+              <a:t>まほらま→東方</a:t>
+            </a:r>
+            <a:r>
+              <a:rPr lang="en-US" altLang="ja-JP" sz="2400" dirty="0">
+                <a:latin typeface="Hiragino Maru Gothic Pro W4" panose="020F0400000000000000" pitchFamily="34" charset="-128"/>
+                <a:ea typeface="Hiragino Maru Gothic Pro W4" panose="020F0400000000000000" pitchFamily="34" charset="-128"/>
+              </a:rPr>
+              <a:t> </a:t>
+            </a:r>
+            <a:r>
+              <a:rPr lang="ja-JP" altLang="en-US" sz="2400">
+                <a:latin typeface="Hiragino Maru Gothic Pro W4" panose="020F0400000000000000" pitchFamily="34" charset="-128"/>
+                <a:ea typeface="Hiragino Maru Gothic Pro W4" panose="020F0400000000000000" pitchFamily="34" charset="-128"/>
+              </a:rPr>
+              <a:t>サポート</a:t>
+            </a:r>
+            <a:endParaRPr lang="en-US" altLang="ja-JP" sz="2400" dirty="0">
+              <a:latin typeface="Hiragino Maru Gothic Pro W4" panose="020F0400000000000000" pitchFamily="34" charset="-128"/>
+              <a:ea typeface="Hiragino Maru Gothic Pro W4" panose="020F0400000000000000" pitchFamily="34" charset="-128"/>
+            </a:endParaRPr>
+          </a:p>
+        </p:txBody>
+      </p:sp>
+      <p:sp>
+        <p:nvSpPr>
+          <p:cNvPr id="12" name="正方形/長方形 11">
+            <a:extLst>
+              <a:ext uri="{FF2B5EF4-FFF2-40B4-BE49-F238E27FC236}">
+                <a16:creationId xmlns:a16="http://schemas.microsoft.com/office/drawing/2014/main" id="{89C7DC49-C989-D74E-A020-00DA984420CF}"/>
+              </a:ext>
+            </a:extLst>
+          </p:cNvPr>
+          <p:cNvSpPr/>
+          <p:nvPr/>
+        </p:nvSpPr>
+        <p:spPr>
+          <a:xfrm>
+            <a:off x="6453052" y="2160734"/>
+            <a:ext cx="4824550" cy="2287168"/>
+          </a:xfrm>
+          <a:prstGeom prst="rect">
+            <a:avLst/>
+          </a:prstGeom>
+        </p:spPr>
+        <p:style>
+          <a:lnRef idx="0">
+            <a:schemeClr val="accent1"/>
+          </a:lnRef>
+          <a:fillRef idx="3">
+            <a:schemeClr val="accent1"/>
+          </a:fillRef>
+          <a:effectRef idx="3">
+            <a:schemeClr val="accent1"/>
+          </a:effectRef>
+          <a:fontRef idx="minor">
+            <a:schemeClr val="lt1"/>
+          </a:fontRef>
+        </p:style>
+        <p:txBody>
+          <a:bodyPr rtlCol="0" anchor="ctr"/>
+          <a:lstStyle/>
+          <a:p>
+            <a:pPr algn="ctr"/>
+            <a:r>
+              <a:rPr lang="en-US" altLang="ja-JP" sz="2400" dirty="0">
+                <a:latin typeface="Hiragino Maru Gothic Pro W4" panose="020F0400000000000000" pitchFamily="34" charset="-128"/>
+                <a:ea typeface="Hiragino Maru Gothic Pro W4" panose="020F0400000000000000" pitchFamily="34" charset="-128"/>
+              </a:rPr>
+              <a:t>③ </a:t>
+            </a:r>
+            <a:r>
+              <a:rPr lang="ja-JP" altLang="en-US" sz="2400">
+                <a:latin typeface="Hiragino Maru Gothic Pro W4" panose="020F0400000000000000" pitchFamily="34" charset="-128"/>
+                <a:ea typeface="Hiragino Maru Gothic Pro W4" panose="020F0400000000000000" pitchFamily="34" charset="-128"/>
+              </a:rPr>
+              <a:t>東方→まほらま</a:t>
+            </a:r>
+            <a:r>
+              <a:rPr lang="en-US" altLang="ja-JP" sz="2400" dirty="0">
+                <a:latin typeface="Hiragino Maru Gothic Pro W4" panose="020F0400000000000000" pitchFamily="34" charset="-128"/>
+                <a:ea typeface="Hiragino Maru Gothic Pro W4" panose="020F0400000000000000" pitchFamily="34" charset="-128"/>
+              </a:rPr>
+              <a:t> </a:t>
+            </a:r>
+            <a:r>
+              <a:rPr lang="ja-JP" altLang="en-US" sz="2400">
+                <a:latin typeface="Hiragino Maru Gothic Pro W4" panose="020F0400000000000000" pitchFamily="34" charset="-128"/>
+                <a:ea typeface="Hiragino Maru Gothic Pro W4" panose="020F0400000000000000" pitchFamily="34" charset="-128"/>
+              </a:rPr>
+              <a:t>サポート</a:t>
+            </a:r>
+            <a:endParaRPr lang="en-US" altLang="ja-JP" sz="2400" dirty="0">
+              <a:latin typeface="Hiragino Maru Gothic Pro W4" panose="020F0400000000000000" pitchFamily="34" charset="-128"/>
+              <a:ea typeface="Hiragino Maru Gothic Pro W4" panose="020F0400000000000000" pitchFamily="34" charset="-128"/>
+            </a:endParaRPr>
+          </a:p>
+        </p:txBody>
+      </p:sp>
+      <p:sp>
+        <p:nvSpPr>
+          <p:cNvPr id="13" name="正方形/長方形 12">
+            <a:extLst>
+              <a:ext uri="{FF2B5EF4-FFF2-40B4-BE49-F238E27FC236}">
+                <a16:creationId xmlns:a16="http://schemas.microsoft.com/office/drawing/2014/main" id="{86B27419-B781-A14F-80D2-6313A2C2881C}"/>
+              </a:ext>
+            </a:extLst>
+          </p:cNvPr>
+          <p:cNvSpPr/>
+          <p:nvPr/>
+        </p:nvSpPr>
+        <p:spPr>
+          <a:xfrm>
+            <a:off x="6453052" y="4502331"/>
+            <a:ext cx="4824550" cy="1620202"/>
+          </a:xfrm>
+          <a:prstGeom prst="rect">
+            <a:avLst/>
+          </a:prstGeom>
+        </p:spPr>
+        <p:style>
+          <a:lnRef idx="0">
+            <a:schemeClr val="accent2"/>
+          </a:lnRef>
+          <a:fillRef idx="3">
+            <a:schemeClr val="accent2"/>
+          </a:fillRef>
+          <a:effectRef idx="3">
+            <a:schemeClr val="accent2"/>
+          </a:effectRef>
+          <a:fontRef idx="minor">
+            <a:schemeClr val="lt1"/>
+          </a:fontRef>
+        </p:style>
+        <p:txBody>
+          <a:bodyPr rtlCol="0" anchor="ctr"/>
+          <a:lstStyle/>
+          <a:p>
+            <a:pPr algn="ctr"/>
+            <a:r>
+              <a:rPr lang="en-US" altLang="ja-JP" sz="2400" dirty="0">
+                <a:latin typeface="Hiragino Maru Gothic Pro W4" panose="020F0400000000000000" pitchFamily="34" charset="-128"/>
+                <a:ea typeface="Hiragino Maru Gothic Pro W4" panose="020F0400000000000000" pitchFamily="34" charset="-128"/>
+              </a:rPr>
+              <a:t>④ </a:t>
+            </a:r>
+            <a:r>
+              <a:rPr lang="ja-JP" altLang="en-US" sz="2400">
+                <a:latin typeface="Hiragino Maru Gothic Pro W4" panose="020F0400000000000000" pitchFamily="34" charset="-128"/>
+                <a:ea typeface="Hiragino Maru Gothic Pro W4" panose="020F0400000000000000" pitchFamily="34" charset="-128"/>
+              </a:rPr>
+              <a:t>まほらま→東方</a:t>
+            </a:r>
+            <a:r>
+              <a:rPr lang="en-US" altLang="ja-JP" sz="2400" dirty="0">
+                <a:latin typeface="Hiragino Maru Gothic Pro W4" panose="020F0400000000000000" pitchFamily="34" charset="-128"/>
+                <a:ea typeface="Hiragino Maru Gothic Pro W4" panose="020F0400000000000000" pitchFamily="34" charset="-128"/>
+              </a:rPr>
+              <a:t> </a:t>
+            </a:r>
+            <a:r>
+              <a:rPr lang="ja-JP" altLang="en-US" sz="2400">
+                <a:latin typeface="Hiragino Maru Gothic Pro W4" panose="020F0400000000000000" pitchFamily="34" charset="-128"/>
+                <a:ea typeface="Hiragino Maru Gothic Pro W4" panose="020F0400000000000000" pitchFamily="34" charset="-128"/>
+              </a:rPr>
+              <a:t>サポート</a:t>
+            </a:r>
+            <a:br>
+              <a:rPr lang="en-US" altLang="ja-JP" sz="2400" dirty="0">
+                <a:latin typeface="Hiragino Maru Gothic Pro W4" panose="020F0400000000000000" pitchFamily="34" charset="-128"/>
+                <a:ea typeface="Hiragino Maru Gothic Pro W4" panose="020F0400000000000000" pitchFamily="34" charset="-128"/>
+              </a:rPr>
+            </a:br>
+            <a:r>
+              <a:rPr lang="en-US" altLang="ja-JP" sz="2400" dirty="0">
+                <a:latin typeface="Hiragino Maru Gothic Pro W4" panose="020F0400000000000000" pitchFamily="34" charset="-128"/>
+                <a:ea typeface="Hiragino Maru Gothic Pro W4" panose="020F0400000000000000" pitchFamily="34" charset="-128"/>
+              </a:rPr>
+              <a:t>(JWC</a:t>
+            </a:r>
+            <a:r>
+              <a:rPr lang="ja-JP" altLang="en-US" sz="2400">
+                <a:latin typeface="Hiragino Maru Gothic Pro W4" panose="020F0400000000000000" pitchFamily="34" charset="-128"/>
+                <a:ea typeface="Hiragino Maru Gothic Pro W4" panose="020F0400000000000000" pitchFamily="34" charset="-128"/>
+              </a:rPr>
+              <a:t>戦はリーグ期間中無し前提</a:t>
+            </a:r>
+            <a:r>
+              <a:rPr lang="en-US" altLang="ja-JP" sz="2400" dirty="0">
+                <a:latin typeface="Hiragino Maru Gothic Pro W4" panose="020F0400000000000000" pitchFamily="34" charset="-128"/>
+                <a:ea typeface="Hiragino Maru Gothic Pro W4" panose="020F0400000000000000" pitchFamily="34" charset="-128"/>
+              </a:rPr>
+              <a:t>)</a:t>
+            </a:r>
+          </a:p>
+        </p:txBody>
+      </p:sp>
+      <p:sp>
+        <p:nvSpPr>
+          <p:cNvPr id="9" name="正方形/長方形 8">
+            <a:extLst>
+              <a:ext uri="{FF2B5EF4-FFF2-40B4-BE49-F238E27FC236}">
+                <a16:creationId xmlns:a16="http://schemas.microsoft.com/office/drawing/2014/main" id="{DCC2E1EB-35D1-AD43-9655-DF1B6D634622}"/>
+              </a:ext>
+            </a:extLst>
+          </p:cNvPr>
+          <p:cNvSpPr/>
+          <p:nvPr/>
+        </p:nvSpPr>
+        <p:spPr>
+          <a:xfrm>
+            <a:off x="1567549" y="1593081"/>
+            <a:ext cx="4824550" cy="510192"/>
+          </a:xfrm>
+          <a:prstGeom prst="rect">
+            <a:avLst/>
+          </a:prstGeom>
+        </p:spPr>
+        <p:style>
+          <a:lnRef idx="0">
+            <a:schemeClr val="dk1"/>
+          </a:lnRef>
+          <a:fillRef idx="3">
+            <a:schemeClr val="dk1"/>
+          </a:fillRef>
+          <a:effectRef idx="3">
+            <a:schemeClr val="dk1"/>
+          </a:effectRef>
+          <a:fontRef idx="minor">
+            <a:schemeClr val="lt1"/>
+          </a:fontRef>
+        </p:style>
+        <p:txBody>
+          <a:bodyPr rtlCol="0" anchor="ctr"/>
+          <a:lstStyle/>
+          <a:p>
+            <a:pPr algn="ctr"/>
+            <a:r>
+              <a:rPr lang="en-US" altLang="ja-JP" sz="2400" dirty="0">
+                <a:effectLst>
+                  <a:innerShdw blurRad="63500" dist="50800" dir="13500000">
+                    <a:prstClr val="black">
+                      <a:alpha val="50000"/>
+                    </a:prstClr>
+                  </a:innerShdw>
+                </a:effectLst>
+                <a:latin typeface="Hiragino Maru Gothic Pro W4" panose="020F0400000000000000" pitchFamily="34" charset="-128"/>
+                <a:ea typeface="Hiragino Maru Gothic Pro W4" panose="020F0400000000000000" pitchFamily="34" charset="-128"/>
+              </a:rPr>
+              <a:t>JWC</a:t>
+            </a:r>
+            <a:r>
+              <a:rPr lang="ja-JP" altLang="en-US" sz="2400">
+                <a:effectLst>
+                  <a:innerShdw blurRad="63500" dist="50800" dir="13500000">
+                    <a:prstClr val="black">
+                      <a:alpha val="50000"/>
+                    </a:prstClr>
+                  </a:innerShdw>
+                </a:effectLst>
+                <a:latin typeface="Hiragino Maru Gothic Pro W4" panose="020F0400000000000000" pitchFamily="34" charset="-128"/>
+                <a:ea typeface="Hiragino Maru Gothic Pro W4" panose="020F0400000000000000" pitchFamily="34" charset="-128"/>
+              </a:rPr>
+              <a:t>オフシーズン</a:t>
+            </a:r>
+            <a:endParaRPr lang="en-US" altLang="ja-JP" sz="2400" dirty="0">
+              <a:effectLst>
+                <a:innerShdw blurRad="63500" dist="50800" dir="13500000">
+                  <a:prstClr val="black">
+                    <a:alpha val="50000"/>
+                  </a:prstClr>
+                </a:innerShdw>
+              </a:effectLst>
+              <a:latin typeface="Hiragino Maru Gothic Pro W4" panose="020F0400000000000000" pitchFamily="34" charset="-128"/>
+              <a:ea typeface="Hiragino Maru Gothic Pro W4" panose="020F0400000000000000" pitchFamily="34" charset="-128"/>
+            </a:endParaRPr>
+          </a:p>
+        </p:txBody>
+      </p:sp>
+      <p:sp>
+        <p:nvSpPr>
+          <p:cNvPr id="11" name="正方形/長方形 10">
+            <a:extLst>
+              <a:ext uri="{FF2B5EF4-FFF2-40B4-BE49-F238E27FC236}">
+                <a16:creationId xmlns:a16="http://schemas.microsoft.com/office/drawing/2014/main" id="{C5BF9ECA-4F8D-1046-84C0-EBFA7381A2A1}"/>
+              </a:ext>
+            </a:extLst>
+          </p:cNvPr>
+          <p:cNvSpPr/>
+          <p:nvPr/>
+        </p:nvSpPr>
+        <p:spPr>
+          <a:xfrm>
+            <a:off x="6453052" y="1588575"/>
+            <a:ext cx="4824550" cy="510192"/>
+          </a:xfrm>
+          <a:prstGeom prst="rect">
+            <a:avLst/>
+          </a:prstGeom>
+        </p:spPr>
+        <p:style>
+          <a:lnRef idx="0">
+            <a:schemeClr val="dk1"/>
+          </a:lnRef>
+          <a:fillRef idx="3">
+            <a:schemeClr val="dk1"/>
+          </a:fillRef>
+          <a:effectRef idx="3">
+            <a:schemeClr val="dk1"/>
+          </a:effectRef>
+          <a:fontRef idx="minor">
+            <a:schemeClr val="lt1"/>
+          </a:fontRef>
+        </p:style>
+        <p:txBody>
+          <a:bodyPr rtlCol="0" anchor="ctr"/>
+          <a:lstStyle/>
+          <a:p>
+            <a:pPr algn="ctr"/>
+            <a:r>
+              <a:rPr lang="en-US" altLang="ja-JP" sz="2400" dirty="0">
+                <a:effectLst>
+                  <a:innerShdw blurRad="63500" dist="50800" dir="13500000">
+                    <a:prstClr val="black">
+                      <a:alpha val="50000"/>
+                    </a:prstClr>
+                  </a:innerShdw>
+                </a:effectLst>
+                <a:latin typeface="Hiragino Maru Gothic Pro W4" panose="020F0400000000000000" pitchFamily="34" charset="-128"/>
+                <a:ea typeface="Hiragino Maru Gothic Pro W4" panose="020F0400000000000000" pitchFamily="34" charset="-128"/>
+              </a:rPr>
+              <a:t>JWC</a:t>
+            </a:r>
+            <a:r>
+              <a:rPr lang="ja-JP" altLang="en-US" sz="2400">
+                <a:effectLst>
+                  <a:innerShdw blurRad="63500" dist="50800" dir="13500000">
+                    <a:prstClr val="black">
+                      <a:alpha val="50000"/>
+                    </a:prstClr>
+                  </a:innerShdw>
+                </a:effectLst>
+                <a:latin typeface="Hiragino Maru Gothic Pro W4" panose="020F0400000000000000" pitchFamily="34" charset="-128"/>
+                <a:ea typeface="Hiragino Maru Gothic Pro W4" panose="020F0400000000000000" pitchFamily="34" charset="-128"/>
+              </a:rPr>
+              <a:t>オンシーズン</a:t>
+            </a:r>
+            <a:endParaRPr lang="en-US" altLang="ja-JP" sz="2400" dirty="0">
+              <a:effectLst>
+                <a:innerShdw blurRad="63500" dist="50800" dir="13500000">
+                  <a:prstClr val="black">
+                    <a:alpha val="50000"/>
+                  </a:prstClr>
+                </a:innerShdw>
+              </a:effectLst>
+              <a:latin typeface="Hiragino Maru Gothic Pro W4" panose="020F0400000000000000" pitchFamily="34" charset="-128"/>
+              <a:ea typeface="Hiragino Maru Gothic Pro W4" panose="020F0400000000000000" pitchFamily="34" charset="-128"/>
+            </a:endParaRPr>
+          </a:p>
+        </p:txBody>
+      </p:sp>
+      <p:sp>
+        <p:nvSpPr>
+          <p:cNvPr id="14" name="正方形/長方形 13">
+            <a:extLst>
+              <a:ext uri="{FF2B5EF4-FFF2-40B4-BE49-F238E27FC236}">
+                <a16:creationId xmlns:a16="http://schemas.microsoft.com/office/drawing/2014/main" id="{4883BD44-2332-AE4B-9EC5-7F2F660BD415}"/>
+              </a:ext>
+            </a:extLst>
+          </p:cNvPr>
+          <p:cNvSpPr/>
+          <p:nvPr/>
+        </p:nvSpPr>
+        <p:spPr>
+          <a:xfrm>
+            <a:off x="914398" y="2160734"/>
+            <a:ext cx="592198" cy="2287168"/>
+          </a:xfrm>
+          <a:prstGeom prst="rect">
+            <a:avLst/>
+          </a:prstGeom>
+        </p:spPr>
+        <p:style>
+          <a:lnRef idx="0">
+            <a:schemeClr val="dk1"/>
+          </a:lnRef>
+          <a:fillRef idx="3">
+            <a:schemeClr val="dk1"/>
+          </a:fillRef>
+          <a:effectRef idx="3">
+            <a:schemeClr val="dk1"/>
+          </a:effectRef>
+          <a:fontRef idx="minor">
+            <a:schemeClr val="lt1"/>
+          </a:fontRef>
+        </p:style>
+        <p:txBody>
+          <a:bodyPr vert="eaVert" rtlCol="0" anchor="ctr"/>
+          <a:lstStyle/>
+          <a:p>
+            <a:pPr algn="ctr"/>
+            <a:r>
+              <a:rPr lang="ja-JP" altLang="en-US" sz="2400">
+                <a:effectLst>
+                  <a:innerShdw blurRad="63500" dist="50800" dir="13500000">
+                    <a:prstClr val="black">
+                      <a:alpha val="50000"/>
+                    </a:prstClr>
+                  </a:innerShdw>
+                </a:effectLst>
+                <a:latin typeface="Hiragino Maru Gothic Pro W4" panose="020F0400000000000000" pitchFamily="34" charset="-128"/>
+                <a:ea typeface="Hiragino Maru Gothic Pro W4" panose="020F0400000000000000" pitchFamily="34" charset="-128"/>
+              </a:rPr>
+              <a:t>野良戦期間</a:t>
+            </a:r>
+            <a:endParaRPr lang="en-US" altLang="ja-JP" sz="2400" dirty="0">
+              <a:effectLst>
+                <a:innerShdw blurRad="63500" dist="50800" dir="13500000">
+                  <a:prstClr val="black">
+                    <a:alpha val="50000"/>
+                  </a:prstClr>
+                </a:innerShdw>
+              </a:effectLst>
+              <a:latin typeface="Hiragino Maru Gothic Pro W4" panose="020F0400000000000000" pitchFamily="34" charset="-128"/>
+              <a:ea typeface="Hiragino Maru Gothic Pro W4" panose="020F0400000000000000" pitchFamily="34" charset="-128"/>
+            </a:endParaRPr>
+          </a:p>
+        </p:txBody>
+      </p:sp>
+      <p:sp>
+        <p:nvSpPr>
+          <p:cNvPr id="16" name="正方形/長方形 15">
+            <a:extLst>
+              <a:ext uri="{FF2B5EF4-FFF2-40B4-BE49-F238E27FC236}">
+                <a16:creationId xmlns:a16="http://schemas.microsoft.com/office/drawing/2014/main" id="{D96A6077-E02E-0943-9519-ED542C077AD5}"/>
+              </a:ext>
+            </a:extLst>
+          </p:cNvPr>
+          <p:cNvSpPr/>
+          <p:nvPr/>
+        </p:nvSpPr>
+        <p:spPr>
+          <a:xfrm>
+            <a:off x="914398" y="4502331"/>
+            <a:ext cx="592198" cy="1620201"/>
+          </a:xfrm>
+          <a:prstGeom prst="rect">
+            <a:avLst/>
+          </a:prstGeom>
+        </p:spPr>
+        <p:style>
+          <a:lnRef idx="0">
+            <a:schemeClr val="dk1"/>
+          </a:lnRef>
+          <a:fillRef idx="3">
+            <a:schemeClr val="dk1"/>
+          </a:fillRef>
+          <a:effectRef idx="3">
+            <a:schemeClr val="dk1"/>
+          </a:effectRef>
+          <a:fontRef idx="minor">
+            <a:schemeClr val="lt1"/>
+          </a:fontRef>
+        </p:style>
+        <p:txBody>
+          <a:bodyPr vert="eaVert" rtlCol="0" anchor="ctr"/>
+          <a:lstStyle/>
+          <a:p>
+            <a:pPr algn="ctr"/>
+            <a:r>
+              <a:rPr lang="ja-JP" altLang="en-US" sz="2400">
+                <a:effectLst>
+                  <a:innerShdw blurRad="63500" dist="50800" dir="13500000">
+                    <a:prstClr val="black">
+                      <a:alpha val="50000"/>
+                    </a:prstClr>
+                  </a:innerShdw>
+                </a:effectLst>
+                <a:latin typeface="Hiragino Maru Gothic Pro W4" panose="020F0400000000000000" pitchFamily="34" charset="-128"/>
+                <a:ea typeface="Hiragino Maru Gothic Pro W4" panose="020F0400000000000000" pitchFamily="34" charset="-128"/>
+              </a:rPr>
+              <a:t>リーグ期間</a:t>
+            </a:r>
+            <a:endParaRPr lang="en-US" altLang="ja-JP" sz="2400" dirty="0">
+              <a:effectLst>
+                <a:innerShdw blurRad="63500" dist="50800" dir="13500000">
+                  <a:prstClr val="black">
+                    <a:alpha val="50000"/>
+                  </a:prstClr>
+                </a:innerShdw>
+              </a:effectLst>
+              <a:latin typeface="Hiragino Maru Gothic Pro W4" panose="020F0400000000000000" pitchFamily="34" charset="-128"/>
+              <a:ea typeface="Hiragino Maru Gothic Pro W4" panose="020F0400000000000000" pitchFamily="34" charset="-128"/>
+            </a:endParaRPr>
+          </a:p>
+        </p:txBody>
+      </p:sp>
+      <p:sp>
+        <p:nvSpPr>
+          <p:cNvPr id="15" name="正方形/長方形 14">
+            <a:extLst>
+              <a:ext uri="{FF2B5EF4-FFF2-40B4-BE49-F238E27FC236}">
+                <a16:creationId xmlns:a16="http://schemas.microsoft.com/office/drawing/2014/main" id="{0DE4E701-3E82-3144-AD31-FBD6FF142C97}"/>
+              </a:ext>
+            </a:extLst>
+          </p:cNvPr>
+          <p:cNvSpPr/>
+          <p:nvPr/>
+        </p:nvSpPr>
+        <p:spPr>
+          <a:xfrm>
+            <a:off x="444137" y="369024"/>
+            <a:ext cx="11225349" cy="5807938"/>
+          </a:xfrm>
+          <a:prstGeom prst="rect">
+            <a:avLst/>
+          </a:prstGeom>
+          <a:solidFill>
+            <a:schemeClr val="dk1">
+              <a:alpha val="50000"/>
+            </a:schemeClr>
+          </a:solidFill>
+          <a:ln>
+            <a:noFill/>
+          </a:ln>
+        </p:spPr>
+        <p:style>
+          <a:lnRef idx="0">
+            <a:scrgbClr r="0" g="0" b="0"/>
+          </a:lnRef>
+          <a:fillRef idx="0">
+            <a:scrgbClr r="0" g="0" b="0"/>
+          </a:fillRef>
+          <a:effectRef idx="0">
+            <a:scrgbClr r="0" g="0" b="0"/>
+          </a:effectRef>
+          <a:fontRef idx="minor">
+            <a:schemeClr val="lt1"/>
+          </a:fontRef>
+        </p:style>
+        <p:txBody>
+          <a:bodyPr rtlCol="0" anchor="ctr"/>
+          <a:lstStyle/>
+          <a:p>
+            <a:pPr algn="ctr"/>
+            <a:endParaRPr kumimoji="1" lang="ja-JP" altLang="en-US"/>
+          </a:p>
+        </p:txBody>
+      </p:sp>
+    </p:spTree>
+    <p:extLst>
+      <p:ext uri="{BB962C8B-B14F-4D97-AF65-F5344CB8AC3E}">
+        <p14:creationId xmlns:p14="http://schemas.microsoft.com/office/powerpoint/2010/main" val="3535356195"/>
+      </p:ext>
+    </p:extLst>
+  </p:cSld>
+  <p:clrMapOvr>
+    <a:masterClrMapping/>
+  </p:clrMapOvr>
+  <mc:AlternateContent xmlns:mc="http://schemas.openxmlformats.org/markup-compatibility/2006" xmlns:p14="http://schemas.microsoft.com/office/powerpoint/2010/main">
+    <mc:Choice Requires="p14">
+      <p:transition spd="med" p14:dur="700">
+        <p:fade/>
+      </p:transition>
+    </mc:Choice>
+    <mc:Fallback xmlns="">
+      <p:transition spd="med">
+        <p:fade/>
+      </p:transition>
+    </mc:Fallback>
+  </mc:AlternateContent>
+</p:sld>
+</file>
+
+<file path=ppt/slides/slide31.xml><?xml version="1.0" encoding="utf-8"?>
+<p:sld xmlns:a="http://schemas.openxmlformats.org/drawingml/2006/main" xmlns:r="http://schemas.openxmlformats.org/officeDocument/2006/relationships" xmlns:p="http://schemas.openxmlformats.org/presentationml/2006/main">
+  <p:cSld>
+    <p:spTree>
+      <p:nvGrpSpPr>
+        <p:cNvPr id="1" name=""/>
+        <p:cNvGrpSpPr/>
+        <p:nvPr/>
+      </p:nvGrpSpPr>
+      <p:grpSpPr>
+        <a:xfrm>
+          <a:off x="0" y="0"/>
+          <a:ext cx="0" cy="0"/>
+          <a:chOff x="0" y="0"/>
+          <a:chExt cx="0" cy="0"/>
+        </a:xfrm>
+      </p:grpSpPr>
+      <p:sp>
+        <p:nvSpPr>
+          <p:cNvPr id="2" name="タイトル 1">
+            <a:extLst>
+              <a:ext uri="{FF2B5EF4-FFF2-40B4-BE49-F238E27FC236}">
+                <a16:creationId xmlns:a16="http://schemas.microsoft.com/office/drawing/2014/main" id="{4BEF2D4F-28AD-C84D-A4AC-A607D5B45D24}"/>
+              </a:ext>
+            </a:extLst>
+          </p:cNvPr>
+          <p:cNvSpPr>
+            <a:spLocks noGrp="1"/>
+          </p:cNvSpPr>
+          <p:nvPr>
+            <p:ph type="title"/>
+          </p:nvPr>
+        </p:nvSpPr>
+        <p:spPr/>
+        <p:txBody>
+          <a:bodyPr/>
+          <a:lstStyle/>
+          <a:p>
+            <a:r>
+              <a:rPr lang="en-US" altLang="ja-JP" dirty="0">
+                <a:solidFill>
+                  <a:schemeClr val="accent5">
+                    <a:lumMod val="50000"/>
+                  </a:schemeClr>
+                </a:solidFill>
+                <a:latin typeface="Hiragino Maru Gothic Pro W4" panose="020F0400000000000000" pitchFamily="34" charset="-128"/>
+                <a:ea typeface="Hiragino Maru Gothic Pro W4" panose="020F0400000000000000" pitchFamily="34" charset="-128"/>
+              </a:rPr>
+              <a:t>①JWC</a:t>
+            </a:r>
+            <a:r>
+              <a:rPr lang="ja-JP" altLang="en-US">
+                <a:solidFill>
+                  <a:schemeClr val="accent5">
+                    <a:lumMod val="50000"/>
+                  </a:schemeClr>
+                </a:solidFill>
+                <a:latin typeface="Hiragino Maru Gothic Pro W4" panose="020F0400000000000000" pitchFamily="34" charset="-128"/>
+                <a:ea typeface="Hiragino Maru Gothic Pro W4" panose="020F0400000000000000" pitchFamily="34" charset="-128"/>
+              </a:rPr>
+              <a:t>オフシーズン</a:t>
+            </a:r>
+            <a:r>
+              <a:rPr lang="en-US" altLang="ja-JP" dirty="0">
+                <a:solidFill>
+                  <a:schemeClr val="accent5">
+                    <a:lumMod val="50000"/>
+                  </a:schemeClr>
+                </a:solidFill>
+                <a:latin typeface="Hiragino Maru Gothic Pro W4" panose="020F0400000000000000" pitchFamily="34" charset="-128"/>
+                <a:ea typeface="Hiragino Maru Gothic Pro W4" panose="020F0400000000000000" pitchFamily="34" charset="-128"/>
+              </a:rPr>
+              <a:t>×</a:t>
+            </a:r>
+            <a:r>
+              <a:rPr lang="ja-JP" altLang="en-US">
+                <a:solidFill>
+                  <a:schemeClr val="accent5">
+                    <a:lumMod val="50000"/>
+                  </a:schemeClr>
+                </a:solidFill>
+                <a:latin typeface="Hiragino Maru Gothic Pro W4" panose="020F0400000000000000" pitchFamily="34" charset="-128"/>
+                <a:ea typeface="Hiragino Maru Gothic Pro W4" panose="020F0400000000000000" pitchFamily="34" charset="-128"/>
+              </a:rPr>
+              <a:t>野良戦期間</a:t>
+            </a:r>
+            <a:endParaRPr kumimoji="1" lang="ja-JP" altLang="en-US">
+              <a:solidFill>
+                <a:schemeClr val="accent5">
+                  <a:lumMod val="50000"/>
+                </a:schemeClr>
+              </a:solidFill>
+              <a:latin typeface="Hiragino Maru Gothic Pro W4" panose="020F0400000000000000" pitchFamily="34" charset="-128"/>
+              <a:ea typeface="Hiragino Maru Gothic Pro W4" panose="020F0400000000000000" pitchFamily="34" charset="-128"/>
+            </a:endParaRPr>
+          </a:p>
+        </p:txBody>
+      </p:sp>
+      <p:sp>
+        <p:nvSpPr>
+          <p:cNvPr id="3" name="コンテンツ プレースホルダー 2">
+            <a:extLst>
+              <a:ext uri="{FF2B5EF4-FFF2-40B4-BE49-F238E27FC236}">
+                <a16:creationId xmlns:a16="http://schemas.microsoft.com/office/drawing/2014/main" id="{01E773B8-156E-4743-8E4A-3ED5FB7CC4E2}"/>
+              </a:ext>
+            </a:extLst>
+          </p:cNvPr>
+          <p:cNvSpPr>
+            <a:spLocks noGrp="1"/>
+          </p:cNvSpPr>
+          <p:nvPr>
+            <p:ph idx="1"/>
+          </p:nvPr>
+        </p:nvSpPr>
+        <p:spPr>
+          <a:xfrm>
+            <a:off x="838200" y="1588575"/>
+            <a:ext cx="10515600" cy="4588387"/>
+          </a:xfrm>
+        </p:spPr>
+        <p:txBody>
+          <a:bodyPr>
+            <a:normAutofit/>
+          </a:bodyPr>
+          <a:lstStyle/>
+          <a:p>
+            <a:pPr marL="388620" indent="-342900"/>
+            <a:r>
+              <a:rPr lang="ja-JP" altLang="en-US" sz="2400">
+                <a:solidFill>
+                  <a:srgbClr val="FF0000"/>
+                </a:solidFill>
+                <a:latin typeface="Hiragino Maru Gothic Pro W4" panose="020F0400000000000000" pitchFamily="34" charset="-128"/>
+                <a:ea typeface="Hiragino Maru Gothic Pro W4" panose="020F0400000000000000" pitchFamily="34" charset="-128"/>
+              </a:rPr>
+              <a:t>両クランとも自立できているので協力体制は不要</a:t>
+            </a:r>
+            <a:r>
+              <a:rPr lang="en-US" altLang="ja-JP" sz="2000" dirty="0">
+                <a:solidFill>
+                  <a:srgbClr val="FF0000"/>
+                </a:solidFill>
+                <a:latin typeface="Hiragino Maru Gothic Pro W4" panose="020F0400000000000000" pitchFamily="34" charset="-128"/>
+                <a:ea typeface="Hiragino Maru Gothic Pro W4" panose="020F0400000000000000" pitchFamily="34" charset="-128"/>
+              </a:rPr>
+              <a:t>(</a:t>
+            </a:r>
+            <a:r>
+              <a:rPr lang="ja-JP" altLang="en-US" sz="2000">
+                <a:solidFill>
+                  <a:srgbClr val="FF0000"/>
+                </a:solidFill>
+                <a:latin typeface="Hiragino Maru Gothic Pro W4" panose="020F0400000000000000" pitchFamily="34" charset="-128"/>
+                <a:ea typeface="Hiragino Maru Gothic Pro W4" panose="020F0400000000000000" pitchFamily="34" charset="-128"/>
+              </a:rPr>
+              <a:t>なはず</a:t>
+            </a:r>
+            <a:r>
+              <a:rPr lang="en-US" altLang="ja-JP" sz="2000" dirty="0">
+                <a:solidFill>
+                  <a:srgbClr val="FF0000"/>
+                </a:solidFill>
+                <a:latin typeface="Hiragino Maru Gothic Pro W4" panose="020F0400000000000000" pitchFamily="34" charset="-128"/>
+                <a:ea typeface="Hiragino Maru Gothic Pro W4" panose="020F0400000000000000" pitchFamily="34" charset="-128"/>
+              </a:rPr>
+              <a:t>)</a:t>
+            </a:r>
+          </a:p>
+          <a:p>
+            <a:pPr marL="388620" indent="-342900"/>
+            <a:r>
+              <a:rPr lang="en-US" altLang="ja-JP" sz="2000" dirty="0">
+                <a:solidFill>
+                  <a:schemeClr val="accent5">
+                    <a:lumMod val="50000"/>
+                  </a:schemeClr>
+                </a:solidFill>
+                <a:latin typeface="Hiragino Maru Gothic Pro W4" panose="020F0400000000000000" pitchFamily="34" charset="-128"/>
+                <a:ea typeface="Hiragino Maru Gothic Pro W4" panose="020F0400000000000000" pitchFamily="34" charset="-128"/>
+              </a:rPr>
+              <a:t>(</a:t>
+            </a:r>
+            <a:r>
+              <a:rPr lang="ja-JP" altLang="en-US" sz="2000">
+                <a:solidFill>
+                  <a:schemeClr val="accent5">
+                    <a:lumMod val="50000"/>
+                  </a:schemeClr>
+                </a:solidFill>
+                <a:latin typeface="Hiragino Maru Gothic Pro W4" panose="020F0400000000000000" pitchFamily="34" charset="-128"/>
+                <a:ea typeface="Hiragino Maru Gothic Pro W4" panose="020F0400000000000000" pitchFamily="34" charset="-128"/>
+              </a:rPr>
+              <a:t>東方メンバーではあるが</a:t>
+            </a:r>
+            <a:r>
+              <a:rPr lang="en-US" altLang="ja-JP" sz="2000" dirty="0">
+                <a:solidFill>
+                  <a:schemeClr val="accent5">
+                    <a:lumMod val="50000"/>
+                  </a:schemeClr>
+                </a:solidFill>
+                <a:latin typeface="Hiragino Maru Gothic Pro W4" panose="020F0400000000000000" pitchFamily="34" charset="-128"/>
+                <a:ea typeface="Hiragino Maru Gothic Pro W4" panose="020F0400000000000000" pitchFamily="34" charset="-128"/>
+              </a:rPr>
+              <a:t>)</a:t>
+            </a:r>
+            <a:r>
+              <a:rPr lang="ja-JP" altLang="en-US" sz="2400">
+                <a:solidFill>
+                  <a:schemeClr val="accent5">
+                    <a:lumMod val="50000"/>
+                  </a:schemeClr>
+                </a:solidFill>
+                <a:latin typeface="Hiragino Maru Gothic Pro W4" panose="020F0400000000000000" pitchFamily="34" charset="-128"/>
+                <a:ea typeface="Hiragino Maru Gothic Pro W4" panose="020F0400000000000000" pitchFamily="34" charset="-128"/>
+              </a:rPr>
+              <a:t>まほらまで活動してくれていた</a:t>
+            </a:r>
+            <a:br>
+              <a:rPr lang="en-US" altLang="ja-JP" sz="2400" dirty="0">
+                <a:solidFill>
+                  <a:schemeClr val="accent5">
+                    <a:lumMod val="50000"/>
+                  </a:schemeClr>
+                </a:solidFill>
+                <a:latin typeface="Hiragino Maru Gothic Pro W4" panose="020F0400000000000000" pitchFamily="34" charset="-128"/>
+                <a:ea typeface="Hiragino Maru Gothic Pro W4" panose="020F0400000000000000" pitchFamily="34" charset="-128"/>
+              </a:rPr>
+            </a:br>
+            <a:r>
+              <a:rPr lang="ja-JP" altLang="en-US" sz="2400">
+                <a:solidFill>
+                  <a:schemeClr val="accent5">
+                    <a:lumMod val="50000"/>
+                  </a:schemeClr>
+                </a:solidFill>
+                <a:latin typeface="Hiragino Maru Gothic Pro W4" panose="020F0400000000000000" pitchFamily="34" charset="-128"/>
+                <a:ea typeface="Hiragino Maru Gothic Pro W4" panose="020F0400000000000000" pitchFamily="34" charset="-128"/>
+              </a:rPr>
+              <a:t>魔王様・くい助さん・黒桜さんに関しては、今まで通り</a:t>
+            </a:r>
+            <a:br>
+              <a:rPr lang="en-US" altLang="ja-JP" sz="2400" dirty="0">
+                <a:solidFill>
+                  <a:schemeClr val="accent5">
+                    <a:lumMod val="50000"/>
+                  </a:schemeClr>
+                </a:solidFill>
+                <a:latin typeface="Hiragino Maru Gothic Pro W4" panose="020F0400000000000000" pitchFamily="34" charset="-128"/>
+                <a:ea typeface="Hiragino Maru Gothic Pro W4" panose="020F0400000000000000" pitchFamily="34" charset="-128"/>
+              </a:rPr>
+            </a:br>
+            <a:r>
+              <a:rPr lang="ja-JP" altLang="en-US" sz="2400">
+                <a:solidFill>
+                  <a:schemeClr val="accent5">
+                    <a:lumMod val="50000"/>
+                  </a:schemeClr>
+                </a:solidFill>
+                <a:latin typeface="Hiragino Maru Gothic Pro W4" panose="020F0400000000000000" pitchFamily="34" charset="-128"/>
+                <a:ea typeface="Hiragino Maru Gothic Pro W4" panose="020F0400000000000000" pitchFamily="34" charset="-128"/>
+              </a:rPr>
+              <a:t>まほらまにて活動いただく</a:t>
+            </a:r>
+            <a:endParaRPr lang="en-US" altLang="ja-JP" sz="2400" dirty="0">
+              <a:solidFill>
+                <a:schemeClr val="accent5">
+                  <a:lumMod val="50000"/>
+                </a:schemeClr>
+              </a:solidFill>
+              <a:latin typeface="Hiragino Maru Gothic Pro W4" panose="020F0400000000000000" pitchFamily="34" charset="-128"/>
+              <a:ea typeface="Hiragino Maru Gothic Pro W4" panose="020F0400000000000000" pitchFamily="34" charset="-128"/>
+            </a:endParaRPr>
+          </a:p>
+          <a:p>
+            <a:pPr marL="388620" indent="-342900"/>
+            <a:r>
+              <a:rPr lang="en-US" altLang="ja-JP" sz="2400" dirty="0">
+                <a:solidFill>
+                  <a:schemeClr val="accent5">
+                    <a:lumMod val="50000"/>
+                  </a:schemeClr>
+                </a:solidFill>
+                <a:latin typeface="Hiragino Maru Gothic Pro W4" panose="020F0400000000000000" pitchFamily="34" charset="-128"/>
+                <a:ea typeface="Hiragino Maru Gothic Pro W4" panose="020F0400000000000000" pitchFamily="34" charset="-128"/>
+              </a:rPr>
+              <a:t>121</a:t>
+            </a:r>
+            <a:r>
+              <a:rPr lang="ja-JP" altLang="en-US" sz="2400">
+                <a:solidFill>
+                  <a:schemeClr val="accent5">
+                    <a:lumMod val="50000"/>
+                  </a:schemeClr>
+                </a:solidFill>
+                <a:latin typeface="Hiragino Maru Gothic Pro W4" panose="020F0400000000000000" pitchFamily="34" charset="-128"/>
+                <a:ea typeface="Hiragino Maru Gothic Pro W4" panose="020F0400000000000000" pitchFamily="34" charset="-128"/>
+              </a:rPr>
+              <a:t>さんに関しては要相談とする</a:t>
+            </a:r>
+            <a:endParaRPr lang="en-US" altLang="ja-JP" sz="2000" dirty="0">
+              <a:solidFill>
+                <a:schemeClr val="accent5">
+                  <a:lumMod val="50000"/>
+                </a:schemeClr>
+              </a:solidFill>
+              <a:latin typeface="Hiragino Maru Gothic Pro W4" panose="020F0400000000000000" pitchFamily="34" charset="-128"/>
+              <a:ea typeface="Hiragino Maru Gothic Pro W4" panose="020F0400000000000000" pitchFamily="34" charset="-128"/>
+            </a:endParaRPr>
+          </a:p>
+          <a:p>
+            <a:pPr marL="388620" indent="-342900"/>
+            <a:endParaRPr lang="en-US" altLang="ja-JP" sz="2400" dirty="0">
+              <a:solidFill>
+                <a:schemeClr val="accent5">
+                  <a:lumMod val="50000"/>
+                </a:schemeClr>
+              </a:solidFill>
+              <a:latin typeface="Hiragino Maru Gothic Pro W4" panose="020F0400000000000000" pitchFamily="34" charset="-128"/>
+              <a:ea typeface="Hiragino Maru Gothic Pro W4" panose="020F0400000000000000" pitchFamily="34" charset="-128"/>
+            </a:endParaRPr>
+          </a:p>
+        </p:txBody>
+      </p:sp>
+      <p:sp>
+        <p:nvSpPr>
+          <p:cNvPr id="4" name="スライド番号プレースホルダー 3">
+            <a:extLst>
+              <a:ext uri="{FF2B5EF4-FFF2-40B4-BE49-F238E27FC236}">
+                <a16:creationId xmlns:a16="http://schemas.microsoft.com/office/drawing/2014/main" id="{34C04C8D-49C3-874E-864D-A6289CA1E427}"/>
+              </a:ext>
+            </a:extLst>
+          </p:cNvPr>
+          <p:cNvSpPr>
+            <a:spLocks noGrp="1"/>
+          </p:cNvSpPr>
+          <p:nvPr>
+            <p:ph type="sldNum" sz="quarter" idx="12"/>
+          </p:nvPr>
+        </p:nvSpPr>
+        <p:spPr/>
+        <p:txBody>
+          <a:bodyPr/>
+          <a:lstStyle/>
+          <a:p>
+            <a:pPr rtl="0"/>
+            <a:fld id="{E31375A4-56A4-47D6-9801-1991572033F7}" type="slidenum">
+              <a:rPr lang="en-US" altLang="ja-JP" noProof="0" smtClean="0">
+                <a:solidFill>
+                  <a:srgbClr val="002060"/>
+                </a:solidFill>
+                <a:latin typeface="Hiragino Maru Gothic Pro W4" panose="020F0400000000000000" pitchFamily="34" charset="-128"/>
+                <a:ea typeface="Hiragino Maru Gothic Pro W4" panose="020F0400000000000000" pitchFamily="34" charset="-128"/>
+              </a:rPr>
+              <a:t>31</a:t>
+            </a:fld>
+            <a:endParaRPr lang="ja-JP" altLang="en-US" noProof="0" dirty="0">
+              <a:solidFill>
+                <a:srgbClr val="002060"/>
+              </a:solidFill>
+              <a:latin typeface="Hiragino Maru Gothic Pro W4" panose="020F0400000000000000" pitchFamily="34" charset="-128"/>
+              <a:ea typeface="Hiragino Maru Gothic Pro W4" panose="020F0400000000000000" pitchFamily="34" charset="-128"/>
+            </a:endParaRPr>
+          </a:p>
+        </p:txBody>
+      </p:sp>
+      <p:sp>
+        <p:nvSpPr>
+          <p:cNvPr id="5" name="正方形/長方形 4">
+            <a:extLst>
+              <a:ext uri="{FF2B5EF4-FFF2-40B4-BE49-F238E27FC236}">
+                <a16:creationId xmlns:a16="http://schemas.microsoft.com/office/drawing/2014/main" id="{0259F8B7-AC78-7C4B-9A64-954D61175594}"/>
+              </a:ext>
+            </a:extLst>
+          </p:cNvPr>
+          <p:cNvSpPr/>
+          <p:nvPr/>
+        </p:nvSpPr>
+        <p:spPr>
+          <a:xfrm>
+            <a:off x="444137" y="369024"/>
+            <a:ext cx="11225349" cy="5807938"/>
+          </a:xfrm>
+          <a:prstGeom prst="rect">
+            <a:avLst/>
+          </a:prstGeom>
+          <a:solidFill>
+            <a:schemeClr val="dk1">
+              <a:alpha val="50000"/>
+            </a:schemeClr>
+          </a:solidFill>
+          <a:ln>
+            <a:noFill/>
+          </a:ln>
+        </p:spPr>
+        <p:style>
+          <a:lnRef idx="0">
+            <a:scrgbClr r="0" g="0" b="0"/>
+          </a:lnRef>
+          <a:fillRef idx="0">
+            <a:scrgbClr r="0" g="0" b="0"/>
+          </a:fillRef>
+          <a:effectRef idx="0">
+            <a:scrgbClr r="0" g="0" b="0"/>
+          </a:effectRef>
+          <a:fontRef idx="minor">
+            <a:schemeClr val="lt1"/>
+          </a:fontRef>
+        </p:style>
+        <p:txBody>
+          <a:bodyPr rtlCol="0" anchor="ctr"/>
+          <a:lstStyle/>
+          <a:p>
+            <a:pPr algn="ctr"/>
+            <a:endParaRPr kumimoji="1" lang="ja-JP" altLang="en-US"/>
+          </a:p>
+        </p:txBody>
+      </p:sp>
+    </p:spTree>
+    <p:extLst>
+      <p:ext uri="{BB962C8B-B14F-4D97-AF65-F5344CB8AC3E}">
+        <p14:creationId xmlns:p14="http://schemas.microsoft.com/office/powerpoint/2010/main" val="3683701154"/>
+      </p:ext>
+    </p:extLst>
+  </p:cSld>
+  <p:clrMapOvr>
+    <a:masterClrMapping/>
+  </p:clrMapOvr>
+  <mc:AlternateContent xmlns:mc="http://schemas.openxmlformats.org/markup-compatibility/2006" xmlns:p14="http://schemas.microsoft.com/office/powerpoint/2010/main">
+    <mc:Choice Requires="p14">
+      <p:transition spd="med" p14:dur="700">
+        <p:fade/>
+      </p:transition>
+    </mc:Choice>
+    <mc:Fallback xmlns="">
+      <p:transition spd="med">
+        <p:fade/>
+      </p:transition>
+    </mc:Fallback>
+  </mc:AlternateContent>
+</p:sld>
+</file>
+
+<file path=ppt/slides/slide32.xml><?xml version="1.0" encoding="utf-8"?>
+<p:sld xmlns:a="http://schemas.openxmlformats.org/drawingml/2006/main" xmlns:r="http://schemas.openxmlformats.org/officeDocument/2006/relationships" xmlns:p="http://schemas.openxmlformats.org/presentationml/2006/main">
+  <p:cSld>
+    <p:spTree>
+      <p:nvGrpSpPr>
+        <p:cNvPr id="1" name=""/>
+        <p:cNvGrpSpPr/>
+        <p:nvPr/>
+      </p:nvGrpSpPr>
+      <p:grpSpPr>
+        <a:xfrm>
+          <a:off x="0" y="0"/>
+          <a:ext cx="0" cy="0"/>
+          <a:chOff x="0" y="0"/>
+          <a:chExt cx="0" cy="0"/>
+        </a:xfrm>
+      </p:grpSpPr>
+      <p:sp>
+        <p:nvSpPr>
+          <p:cNvPr id="2" name="タイトル 1">
+            <a:extLst>
+              <a:ext uri="{FF2B5EF4-FFF2-40B4-BE49-F238E27FC236}">
+                <a16:creationId xmlns:a16="http://schemas.microsoft.com/office/drawing/2014/main" id="{4BEF2D4F-28AD-C84D-A4AC-A607D5B45D24}"/>
+              </a:ext>
+            </a:extLst>
+          </p:cNvPr>
+          <p:cNvSpPr>
+            <a:spLocks noGrp="1"/>
+          </p:cNvSpPr>
+          <p:nvPr>
+            <p:ph type="title"/>
+          </p:nvPr>
+        </p:nvSpPr>
+        <p:spPr/>
+        <p:txBody>
+          <a:bodyPr/>
+          <a:lstStyle/>
+          <a:p>
+            <a:r>
+              <a:rPr lang="en-US" altLang="ja-JP" dirty="0">
+                <a:solidFill>
+                  <a:schemeClr val="accent5">
+                    <a:lumMod val="50000"/>
+                  </a:schemeClr>
+                </a:solidFill>
+                <a:latin typeface="Hiragino Maru Gothic Pro W4" panose="020F0400000000000000" pitchFamily="34" charset="-128"/>
+                <a:ea typeface="Hiragino Maru Gothic Pro W4" panose="020F0400000000000000" pitchFamily="34" charset="-128"/>
+              </a:rPr>
+              <a:t>②JWC</a:t>
+            </a:r>
+            <a:r>
+              <a:rPr lang="ja-JP" altLang="en-US">
+                <a:solidFill>
+                  <a:schemeClr val="accent5">
+                    <a:lumMod val="50000"/>
+                  </a:schemeClr>
+                </a:solidFill>
+                <a:latin typeface="Hiragino Maru Gothic Pro W4" panose="020F0400000000000000" pitchFamily="34" charset="-128"/>
+                <a:ea typeface="Hiragino Maru Gothic Pro W4" panose="020F0400000000000000" pitchFamily="34" charset="-128"/>
+              </a:rPr>
+              <a:t>オフシーズン</a:t>
+            </a:r>
+            <a:r>
+              <a:rPr lang="en-US" altLang="ja-JP" dirty="0">
+                <a:solidFill>
+                  <a:schemeClr val="accent5">
+                    <a:lumMod val="50000"/>
+                  </a:schemeClr>
+                </a:solidFill>
+                <a:latin typeface="Hiragino Maru Gothic Pro W4" panose="020F0400000000000000" pitchFamily="34" charset="-128"/>
+                <a:ea typeface="Hiragino Maru Gothic Pro W4" panose="020F0400000000000000" pitchFamily="34" charset="-128"/>
+              </a:rPr>
+              <a:t>×</a:t>
+            </a:r>
+            <a:r>
+              <a:rPr lang="ja-JP" altLang="en-US">
+                <a:solidFill>
+                  <a:schemeClr val="accent5">
+                    <a:lumMod val="50000"/>
+                  </a:schemeClr>
+                </a:solidFill>
+                <a:latin typeface="Hiragino Maru Gothic Pro W4" panose="020F0400000000000000" pitchFamily="34" charset="-128"/>
+                <a:ea typeface="Hiragino Maru Gothic Pro W4" panose="020F0400000000000000" pitchFamily="34" charset="-128"/>
+              </a:rPr>
+              <a:t>リーグ期間</a:t>
+            </a:r>
+            <a:endParaRPr kumimoji="1" lang="ja-JP" altLang="en-US">
+              <a:solidFill>
+                <a:schemeClr val="accent5">
+                  <a:lumMod val="50000"/>
+                </a:schemeClr>
+              </a:solidFill>
+              <a:latin typeface="Hiragino Maru Gothic Pro W4" panose="020F0400000000000000" pitchFamily="34" charset="-128"/>
+              <a:ea typeface="Hiragino Maru Gothic Pro W4" panose="020F0400000000000000" pitchFamily="34" charset="-128"/>
+            </a:endParaRPr>
+          </a:p>
+        </p:txBody>
+      </p:sp>
+      <p:sp>
+        <p:nvSpPr>
+          <p:cNvPr id="3" name="コンテンツ プレースホルダー 2">
+            <a:extLst>
+              <a:ext uri="{FF2B5EF4-FFF2-40B4-BE49-F238E27FC236}">
+                <a16:creationId xmlns:a16="http://schemas.microsoft.com/office/drawing/2014/main" id="{01E773B8-156E-4743-8E4A-3ED5FB7CC4E2}"/>
+              </a:ext>
+            </a:extLst>
+          </p:cNvPr>
+          <p:cNvSpPr>
+            <a:spLocks noGrp="1"/>
+          </p:cNvSpPr>
+          <p:nvPr>
+            <p:ph idx="1"/>
+          </p:nvPr>
+        </p:nvSpPr>
+        <p:spPr>
+          <a:xfrm>
+            <a:off x="838200" y="1588575"/>
+            <a:ext cx="10515600" cy="4588387"/>
+          </a:xfrm>
+        </p:spPr>
+        <p:txBody>
+          <a:bodyPr>
+            <a:normAutofit/>
+          </a:bodyPr>
+          <a:lstStyle/>
+          <a:p>
+            <a:pPr marL="388620" indent="-342900"/>
+            <a:r>
+              <a:rPr lang="ja-JP" altLang="en-US" sz="2400">
+                <a:solidFill>
+                  <a:srgbClr val="FF0000"/>
+                </a:solidFill>
+                <a:latin typeface="Hiragino Maru Gothic Pro W4" panose="020F0400000000000000" pitchFamily="34" charset="-128"/>
+                <a:ea typeface="Hiragino Maru Gothic Pro W4" panose="020F0400000000000000" pitchFamily="34" charset="-128"/>
+              </a:rPr>
+              <a:t>まほらまは東方をサポートする</a:t>
+            </a:r>
+            <a:endParaRPr lang="en-US" altLang="ja-JP" sz="2000" dirty="0">
+              <a:solidFill>
+                <a:srgbClr val="FF0000"/>
+              </a:solidFill>
+              <a:latin typeface="Hiragino Maru Gothic Pro W4" panose="020F0400000000000000" pitchFamily="34" charset="-128"/>
+              <a:ea typeface="Hiragino Maru Gothic Pro W4" panose="020F0400000000000000" pitchFamily="34" charset="-128"/>
+            </a:endParaRPr>
+          </a:p>
+          <a:p>
+            <a:pPr marL="388620" indent="-342900"/>
+            <a:r>
+              <a:rPr lang="ja-JP" altLang="en-US" sz="2400">
+                <a:solidFill>
+                  <a:schemeClr val="accent5">
+                    <a:lumMod val="50000"/>
+                  </a:schemeClr>
+                </a:solidFill>
+                <a:latin typeface="Hiragino Maru Gothic Pro W4" panose="020F0400000000000000" pitchFamily="34" charset="-128"/>
+                <a:ea typeface="Hiragino Maru Gothic Pro W4" panose="020F0400000000000000" pitchFamily="34" charset="-128"/>
+              </a:rPr>
+              <a:t>チャンピオンリーグで戦っている東方は、</a:t>
+            </a:r>
+            <a:br>
+              <a:rPr lang="en-US" altLang="ja-JP" sz="2400" dirty="0">
+                <a:solidFill>
+                  <a:schemeClr val="accent5">
+                    <a:lumMod val="50000"/>
+                  </a:schemeClr>
+                </a:solidFill>
+                <a:latin typeface="Hiragino Maru Gothic Pro W4" panose="020F0400000000000000" pitchFamily="34" charset="-128"/>
+                <a:ea typeface="Hiragino Maru Gothic Pro W4" panose="020F0400000000000000" pitchFamily="34" charset="-128"/>
+              </a:rPr>
+            </a:br>
+            <a:r>
+              <a:rPr lang="ja-JP" altLang="en-US" sz="2400">
+                <a:solidFill>
+                  <a:schemeClr val="accent5">
+                    <a:lumMod val="50000"/>
+                  </a:schemeClr>
+                </a:solidFill>
+                <a:latin typeface="Hiragino Maru Gothic Pro W4" panose="020F0400000000000000" pitchFamily="34" charset="-128"/>
+                <a:ea typeface="Hiragino Maru Gothic Pro W4" panose="020F0400000000000000" pitchFamily="34" charset="-128"/>
+              </a:rPr>
+              <a:t>最高タウンホール帯のガチメンバーが不足している。</a:t>
+            </a:r>
+            <a:br>
+              <a:rPr lang="en-US" altLang="ja-JP" sz="2400" dirty="0">
+                <a:solidFill>
+                  <a:schemeClr val="accent5">
+                    <a:lumMod val="50000"/>
+                  </a:schemeClr>
+                </a:solidFill>
+                <a:latin typeface="Hiragino Maru Gothic Pro W4" panose="020F0400000000000000" pitchFamily="34" charset="-128"/>
+                <a:ea typeface="Hiragino Maru Gothic Pro W4" panose="020F0400000000000000" pitchFamily="34" charset="-128"/>
+              </a:rPr>
+            </a:br>
+            <a:r>
+              <a:rPr lang="ja-JP" altLang="en-US" sz="2400">
+                <a:solidFill>
+                  <a:schemeClr val="accent5">
+                    <a:lumMod val="50000"/>
+                  </a:schemeClr>
+                </a:solidFill>
+                <a:latin typeface="Hiragino Maru Gothic Pro W4" panose="020F0400000000000000" pitchFamily="34" charset="-128"/>
+                <a:ea typeface="Hiragino Maru Gothic Pro W4" panose="020F0400000000000000" pitchFamily="34" charset="-128"/>
+              </a:rPr>
+              <a:t>不足分をまほらまで募りリーグ期間中、東方に応援にいく</a:t>
+            </a:r>
+            <a:br>
+              <a:rPr lang="en-US" altLang="ja-JP" sz="2400" dirty="0">
+                <a:solidFill>
+                  <a:schemeClr val="accent5">
+                    <a:lumMod val="50000"/>
+                  </a:schemeClr>
+                </a:solidFill>
+                <a:latin typeface="Hiragino Maru Gothic Pro W4" panose="020F0400000000000000" pitchFamily="34" charset="-128"/>
+                <a:ea typeface="Hiragino Maru Gothic Pro W4" panose="020F0400000000000000" pitchFamily="34" charset="-128"/>
+              </a:rPr>
+            </a:br>
+            <a:r>
+              <a:rPr lang="en-US" altLang="ja-JP" sz="2000" dirty="0">
+                <a:solidFill>
+                  <a:schemeClr val="accent5">
+                    <a:lumMod val="50000"/>
+                  </a:schemeClr>
+                </a:solidFill>
+                <a:latin typeface="Hiragino Maru Gothic Pro W4" panose="020F0400000000000000" pitchFamily="34" charset="-128"/>
+                <a:ea typeface="Hiragino Maru Gothic Pro W4" panose="020F0400000000000000" pitchFamily="34" charset="-128"/>
+              </a:rPr>
+              <a:t>(</a:t>
+            </a:r>
+            <a:r>
+              <a:rPr lang="ja-JP" altLang="en-US" sz="2000">
+                <a:solidFill>
+                  <a:schemeClr val="accent5">
+                    <a:lumMod val="50000"/>
+                  </a:schemeClr>
+                </a:solidFill>
+                <a:latin typeface="Hiragino Maru Gothic Pro W4" panose="020F0400000000000000" pitchFamily="34" charset="-128"/>
+                <a:ea typeface="Hiragino Maru Gothic Pro W4" panose="020F0400000000000000" pitchFamily="34" charset="-128"/>
+              </a:rPr>
+              <a:t>メンバーはそのときによる。ハンターさんやふるさんやロッタさんや</a:t>
+            </a:r>
+            <a:r>
+              <a:rPr lang="en-US" altLang="ja-JP" sz="2000" dirty="0" err="1">
+                <a:solidFill>
+                  <a:schemeClr val="accent5">
+                    <a:lumMod val="50000"/>
+                  </a:schemeClr>
+                </a:solidFill>
+                <a:latin typeface="Hiragino Maru Gothic Pro W4" panose="020F0400000000000000" pitchFamily="34" charset="-128"/>
+                <a:ea typeface="Hiragino Maru Gothic Pro W4" panose="020F0400000000000000" pitchFamily="34" charset="-128"/>
+              </a:rPr>
+              <a:t>bigtree</a:t>
+            </a:r>
+            <a:r>
+              <a:rPr lang="ja-JP" altLang="en-US" sz="2000">
+                <a:solidFill>
+                  <a:schemeClr val="accent5">
+                    <a:lumMod val="50000"/>
+                  </a:schemeClr>
+                </a:solidFill>
+                <a:latin typeface="Hiragino Maru Gothic Pro W4" panose="020F0400000000000000" pitchFamily="34" charset="-128"/>
+                <a:ea typeface="Hiragino Maru Gothic Pro W4" panose="020F0400000000000000" pitchFamily="34" charset="-128"/>
+              </a:rPr>
+              <a:t>等</a:t>
+            </a:r>
+            <a:r>
+              <a:rPr lang="en-US" altLang="ja-JP" sz="2000" dirty="0">
+                <a:solidFill>
+                  <a:schemeClr val="accent5">
+                    <a:lumMod val="50000"/>
+                  </a:schemeClr>
+                </a:solidFill>
+                <a:latin typeface="Hiragino Maru Gothic Pro W4" panose="020F0400000000000000" pitchFamily="34" charset="-128"/>
+                <a:ea typeface="Hiragino Maru Gothic Pro W4" panose="020F0400000000000000" pitchFamily="34" charset="-128"/>
+              </a:rPr>
+              <a:t>)</a:t>
+            </a:r>
+          </a:p>
+          <a:p>
+            <a:pPr marL="388620" indent="-342900"/>
+            <a:r>
+              <a:rPr lang="ja-JP" altLang="en-US" sz="2400">
+                <a:solidFill>
+                  <a:schemeClr val="accent5">
+                    <a:lumMod val="50000"/>
+                  </a:schemeClr>
+                </a:solidFill>
+                <a:latin typeface="Hiragino Maru Gothic Pro W4" panose="020F0400000000000000" pitchFamily="34" charset="-128"/>
+                <a:ea typeface="Hiragino Maru Gothic Pro W4" panose="020F0400000000000000" pitchFamily="34" charset="-128"/>
+              </a:rPr>
+              <a:t>逆に東方メンバーでリーグに出れない方の受け入れをまほらまで</a:t>
+            </a:r>
+            <a:br>
+              <a:rPr lang="en-US" altLang="ja-JP" sz="2400" dirty="0">
+                <a:solidFill>
+                  <a:schemeClr val="accent5">
+                    <a:lumMod val="50000"/>
+                  </a:schemeClr>
+                </a:solidFill>
+                <a:latin typeface="Hiragino Maru Gothic Pro W4" panose="020F0400000000000000" pitchFamily="34" charset="-128"/>
+                <a:ea typeface="Hiragino Maru Gothic Pro W4" panose="020F0400000000000000" pitchFamily="34" charset="-128"/>
+              </a:rPr>
+            </a:br>
+            <a:r>
+              <a:rPr lang="ja-JP" altLang="en-US" sz="2400">
+                <a:solidFill>
+                  <a:schemeClr val="accent5">
+                    <a:lumMod val="50000"/>
+                  </a:schemeClr>
+                </a:solidFill>
+                <a:latin typeface="Hiragino Maru Gothic Pro W4" panose="020F0400000000000000" pitchFamily="34" charset="-128"/>
+                <a:ea typeface="Hiragino Maru Gothic Pro W4" panose="020F0400000000000000" pitchFamily="34" charset="-128"/>
+              </a:rPr>
+              <a:t>実施するのも良い</a:t>
+            </a:r>
+            <a:r>
+              <a:rPr lang="en-US" altLang="ja-JP" sz="2000" dirty="0">
+                <a:solidFill>
+                  <a:schemeClr val="accent5">
+                    <a:lumMod val="50000"/>
+                  </a:schemeClr>
+                </a:solidFill>
+                <a:latin typeface="Hiragino Maru Gothic Pro W4" panose="020F0400000000000000" pitchFamily="34" charset="-128"/>
+                <a:ea typeface="Hiragino Maru Gothic Pro W4" panose="020F0400000000000000" pitchFamily="34" charset="-128"/>
+              </a:rPr>
+              <a:t> (</a:t>
+            </a:r>
+            <a:r>
+              <a:rPr lang="ja-JP" altLang="en-US" sz="2000">
+                <a:solidFill>
+                  <a:schemeClr val="accent5">
+                    <a:lumMod val="50000"/>
+                  </a:schemeClr>
+                </a:solidFill>
+                <a:latin typeface="Hiragino Maru Gothic Pro W4" panose="020F0400000000000000" pitchFamily="34" charset="-128"/>
+                <a:ea typeface="Hiragino Maru Gothic Pro W4" panose="020F0400000000000000" pitchFamily="34" charset="-128"/>
+              </a:rPr>
+              <a:t>ただしメダル目当て星８交代制を受け入れてくれる方に限る</a:t>
+            </a:r>
+            <a:r>
+              <a:rPr lang="en-US" altLang="ja-JP" sz="2000" dirty="0">
+                <a:solidFill>
+                  <a:schemeClr val="accent5">
+                    <a:lumMod val="50000"/>
+                  </a:schemeClr>
+                </a:solidFill>
+                <a:latin typeface="Hiragino Maru Gothic Pro W4" panose="020F0400000000000000" pitchFamily="34" charset="-128"/>
+                <a:ea typeface="Hiragino Maru Gothic Pro W4" panose="020F0400000000000000" pitchFamily="34" charset="-128"/>
+              </a:rPr>
+              <a:t>)</a:t>
+            </a:r>
+          </a:p>
+          <a:p>
+            <a:pPr marL="388620" indent="-342900"/>
+            <a:endParaRPr lang="en-US" altLang="ja-JP" sz="2400" dirty="0">
+              <a:solidFill>
+                <a:schemeClr val="accent5">
+                  <a:lumMod val="50000"/>
+                </a:schemeClr>
+              </a:solidFill>
+              <a:latin typeface="Hiragino Maru Gothic Pro W4" panose="020F0400000000000000" pitchFamily="34" charset="-128"/>
+              <a:ea typeface="Hiragino Maru Gothic Pro W4" panose="020F0400000000000000" pitchFamily="34" charset="-128"/>
+            </a:endParaRPr>
+          </a:p>
+        </p:txBody>
+      </p:sp>
+      <p:sp>
+        <p:nvSpPr>
+          <p:cNvPr id="4" name="スライド番号プレースホルダー 3">
+            <a:extLst>
+              <a:ext uri="{FF2B5EF4-FFF2-40B4-BE49-F238E27FC236}">
+                <a16:creationId xmlns:a16="http://schemas.microsoft.com/office/drawing/2014/main" id="{34C04C8D-49C3-874E-864D-A6289CA1E427}"/>
+              </a:ext>
+            </a:extLst>
+          </p:cNvPr>
+          <p:cNvSpPr>
+            <a:spLocks noGrp="1"/>
+          </p:cNvSpPr>
+          <p:nvPr>
+            <p:ph type="sldNum" sz="quarter" idx="12"/>
+          </p:nvPr>
+        </p:nvSpPr>
+        <p:spPr/>
+        <p:txBody>
+          <a:bodyPr/>
+          <a:lstStyle/>
+          <a:p>
+            <a:pPr rtl="0"/>
+            <a:fld id="{E31375A4-56A4-47D6-9801-1991572033F7}" type="slidenum">
+              <a:rPr lang="en-US" altLang="ja-JP" noProof="0" smtClean="0">
+                <a:solidFill>
+                  <a:srgbClr val="002060"/>
+                </a:solidFill>
+                <a:latin typeface="Hiragino Maru Gothic Pro W4" panose="020F0400000000000000" pitchFamily="34" charset="-128"/>
+                <a:ea typeface="Hiragino Maru Gothic Pro W4" panose="020F0400000000000000" pitchFamily="34" charset="-128"/>
+              </a:rPr>
+              <a:t>32</a:t>
+            </a:fld>
+            <a:endParaRPr lang="ja-JP" altLang="en-US" noProof="0" dirty="0">
+              <a:solidFill>
+                <a:srgbClr val="002060"/>
+              </a:solidFill>
+              <a:latin typeface="Hiragino Maru Gothic Pro W4" panose="020F0400000000000000" pitchFamily="34" charset="-128"/>
+              <a:ea typeface="Hiragino Maru Gothic Pro W4" panose="020F0400000000000000" pitchFamily="34" charset="-128"/>
+            </a:endParaRPr>
+          </a:p>
+        </p:txBody>
+      </p:sp>
+      <p:sp>
+        <p:nvSpPr>
+          <p:cNvPr id="5" name="正方形/長方形 4">
+            <a:extLst>
+              <a:ext uri="{FF2B5EF4-FFF2-40B4-BE49-F238E27FC236}">
+                <a16:creationId xmlns:a16="http://schemas.microsoft.com/office/drawing/2014/main" id="{4FF7588A-2A07-C94D-8C32-2D2D1E22DBC3}"/>
+              </a:ext>
+            </a:extLst>
+          </p:cNvPr>
+          <p:cNvSpPr/>
+          <p:nvPr/>
+        </p:nvSpPr>
+        <p:spPr>
+          <a:xfrm>
+            <a:off x="444137" y="369024"/>
+            <a:ext cx="11225349" cy="5807938"/>
+          </a:xfrm>
+          <a:prstGeom prst="rect">
+            <a:avLst/>
+          </a:prstGeom>
+          <a:solidFill>
+            <a:schemeClr val="dk1">
+              <a:alpha val="50000"/>
+            </a:schemeClr>
+          </a:solidFill>
+          <a:ln>
+            <a:noFill/>
+          </a:ln>
+        </p:spPr>
+        <p:style>
+          <a:lnRef idx="0">
+            <a:scrgbClr r="0" g="0" b="0"/>
+          </a:lnRef>
+          <a:fillRef idx="0">
+            <a:scrgbClr r="0" g="0" b="0"/>
+          </a:fillRef>
+          <a:effectRef idx="0">
+            <a:scrgbClr r="0" g="0" b="0"/>
+          </a:effectRef>
+          <a:fontRef idx="minor">
+            <a:schemeClr val="lt1"/>
+          </a:fontRef>
+        </p:style>
+        <p:txBody>
+          <a:bodyPr rtlCol="0" anchor="ctr"/>
+          <a:lstStyle/>
+          <a:p>
+            <a:pPr algn="ctr"/>
+            <a:endParaRPr kumimoji="1" lang="ja-JP" altLang="en-US"/>
+          </a:p>
+        </p:txBody>
+      </p:sp>
+    </p:spTree>
+    <p:extLst>
+      <p:ext uri="{BB962C8B-B14F-4D97-AF65-F5344CB8AC3E}">
+        <p14:creationId xmlns:p14="http://schemas.microsoft.com/office/powerpoint/2010/main" val="2426115586"/>
+      </p:ext>
+    </p:extLst>
+  </p:cSld>
+  <p:clrMapOvr>
+    <a:masterClrMapping/>
+  </p:clrMapOvr>
+  <mc:AlternateContent xmlns:mc="http://schemas.openxmlformats.org/markup-compatibility/2006" xmlns:p14="http://schemas.microsoft.com/office/powerpoint/2010/main">
+    <mc:Choice Requires="p14">
+      <p:transition spd="med" p14:dur="700">
+        <p:fade/>
+      </p:transition>
+    </mc:Choice>
+    <mc:Fallback xmlns="">
+      <p:transition spd="med">
+        <p:fade/>
+      </p:transition>
+    </mc:Fallback>
+  </mc:AlternateContent>
+</p:sld>
+</file>
+
+<file path=ppt/slides/slide33.xml><?xml version="1.0" encoding="utf-8"?>
+<p:sld xmlns:a="http://schemas.openxmlformats.org/drawingml/2006/main" xmlns:r="http://schemas.openxmlformats.org/officeDocument/2006/relationships" xmlns:p="http://schemas.openxmlformats.org/presentationml/2006/main">
+  <p:cSld>
+    <p:spTree>
+      <p:nvGrpSpPr>
+        <p:cNvPr id="1" name=""/>
+        <p:cNvGrpSpPr/>
+        <p:nvPr/>
+      </p:nvGrpSpPr>
+      <p:grpSpPr>
+        <a:xfrm>
+          <a:off x="0" y="0"/>
+          <a:ext cx="0" cy="0"/>
+          <a:chOff x="0" y="0"/>
+          <a:chExt cx="0" cy="0"/>
+        </a:xfrm>
+      </p:grpSpPr>
+      <p:sp>
+        <p:nvSpPr>
+          <p:cNvPr id="2" name="タイトル 1">
+            <a:extLst>
+              <a:ext uri="{FF2B5EF4-FFF2-40B4-BE49-F238E27FC236}">
+                <a16:creationId xmlns:a16="http://schemas.microsoft.com/office/drawing/2014/main" id="{4BEF2D4F-28AD-C84D-A4AC-A607D5B45D24}"/>
+              </a:ext>
+            </a:extLst>
+          </p:cNvPr>
+          <p:cNvSpPr>
+            <a:spLocks noGrp="1"/>
+          </p:cNvSpPr>
+          <p:nvPr>
+            <p:ph type="title"/>
+          </p:nvPr>
+        </p:nvSpPr>
+        <p:spPr/>
+        <p:txBody>
+          <a:bodyPr/>
+          <a:lstStyle/>
+          <a:p>
+            <a:r>
+              <a:rPr lang="en-US" altLang="ja-JP" dirty="0">
+                <a:solidFill>
+                  <a:schemeClr val="accent5">
+                    <a:lumMod val="50000"/>
+                  </a:schemeClr>
+                </a:solidFill>
+                <a:latin typeface="Hiragino Maru Gothic Pro W4" panose="020F0400000000000000" pitchFamily="34" charset="-128"/>
+                <a:ea typeface="Hiragino Maru Gothic Pro W4" panose="020F0400000000000000" pitchFamily="34" charset="-128"/>
+              </a:rPr>
+              <a:t>③JWC</a:t>
+            </a:r>
+            <a:r>
+              <a:rPr lang="ja-JP" altLang="en-US">
+                <a:solidFill>
+                  <a:schemeClr val="accent5">
+                    <a:lumMod val="50000"/>
+                  </a:schemeClr>
+                </a:solidFill>
+                <a:latin typeface="Hiragino Maru Gothic Pro W4" panose="020F0400000000000000" pitchFamily="34" charset="-128"/>
+                <a:ea typeface="Hiragino Maru Gothic Pro W4" panose="020F0400000000000000" pitchFamily="34" charset="-128"/>
+              </a:rPr>
+              <a:t>オンシーズン</a:t>
+            </a:r>
+            <a:r>
+              <a:rPr lang="en-US" altLang="ja-JP" dirty="0">
+                <a:solidFill>
+                  <a:schemeClr val="accent5">
+                    <a:lumMod val="50000"/>
+                  </a:schemeClr>
+                </a:solidFill>
+                <a:latin typeface="Hiragino Maru Gothic Pro W4" panose="020F0400000000000000" pitchFamily="34" charset="-128"/>
+                <a:ea typeface="Hiragino Maru Gothic Pro W4" panose="020F0400000000000000" pitchFamily="34" charset="-128"/>
+              </a:rPr>
+              <a:t>×</a:t>
+            </a:r>
+            <a:r>
+              <a:rPr lang="ja-JP" altLang="en-US">
+                <a:solidFill>
+                  <a:schemeClr val="accent5">
+                    <a:lumMod val="50000"/>
+                  </a:schemeClr>
+                </a:solidFill>
+                <a:latin typeface="Hiragino Maru Gothic Pro W4" panose="020F0400000000000000" pitchFamily="34" charset="-128"/>
+                <a:ea typeface="Hiragino Maru Gothic Pro W4" panose="020F0400000000000000" pitchFamily="34" charset="-128"/>
+              </a:rPr>
+              <a:t>野良戦期間</a:t>
+            </a:r>
+            <a:endParaRPr kumimoji="1" lang="ja-JP" altLang="en-US">
+              <a:solidFill>
+                <a:schemeClr val="accent5">
+                  <a:lumMod val="50000"/>
+                </a:schemeClr>
+              </a:solidFill>
+              <a:latin typeface="Hiragino Maru Gothic Pro W4" panose="020F0400000000000000" pitchFamily="34" charset="-128"/>
+              <a:ea typeface="Hiragino Maru Gothic Pro W4" panose="020F0400000000000000" pitchFamily="34" charset="-128"/>
+            </a:endParaRPr>
+          </a:p>
+        </p:txBody>
+      </p:sp>
+      <p:sp>
+        <p:nvSpPr>
+          <p:cNvPr id="3" name="コンテンツ プレースホルダー 2">
+            <a:extLst>
+              <a:ext uri="{FF2B5EF4-FFF2-40B4-BE49-F238E27FC236}">
+                <a16:creationId xmlns:a16="http://schemas.microsoft.com/office/drawing/2014/main" id="{01E773B8-156E-4743-8E4A-3ED5FB7CC4E2}"/>
+              </a:ext>
+            </a:extLst>
+          </p:cNvPr>
+          <p:cNvSpPr>
+            <a:spLocks noGrp="1"/>
+          </p:cNvSpPr>
+          <p:nvPr>
+            <p:ph idx="1"/>
+          </p:nvPr>
+        </p:nvSpPr>
+        <p:spPr>
+          <a:xfrm>
+            <a:off x="838200" y="1588575"/>
+            <a:ext cx="10515600" cy="4588387"/>
+          </a:xfrm>
+        </p:spPr>
+        <p:txBody>
+          <a:bodyPr>
+            <a:normAutofit/>
+          </a:bodyPr>
+          <a:lstStyle/>
+          <a:p>
+            <a:pPr marL="388620" indent="-342900"/>
+            <a:r>
+              <a:rPr lang="ja-JP" altLang="en-US" sz="2400">
+                <a:solidFill>
+                  <a:srgbClr val="FF0000"/>
+                </a:solidFill>
+                <a:latin typeface="Hiragino Maru Gothic Pro W4" panose="020F0400000000000000" pitchFamily="34" charset="-128"/>
+                <a:ea typeface="Hiragino Maru Gothic Pro W4" panose="020F0400000000000000" pitchFamily="34" charset="-128"/>
+              </a:rPr>
+              <a:t>東方はまほらまをサポートする</a:t>
+            </a:r>
+            <a:endParaRPr lang="en-US" altLang="ja-JP" sz="2400" dirty="0">
+              <a:solidFill>
+                <a:srgbClr val="FF0000"/>
+              </a:solidFill>
+              <a:latin typeface="Hiragino Maru Gothic Pro W4" panose="020F0400000000000000" pitchFamily="34" charset="-128"/>
+              <a:ea typeface="Hiragino Maru Gothic Pro W4" panose="020F0400000000000000" pitchFamily="34" charset="-128"/>
+            </a:endParaRPr>
+          </a:p>
+          <a:p>
+            <a:pPr marL="388620" indent="-342900"/>
+            <a:r>
+              <a:rPr lang="ja-JP" altLang="en-US" sz="2400">
+                <a:solidFill>
+                  <a:srgbClr val="FF0000"/>
+                </a:solidFill>
+                <a:latin typeface="Hiragino Maru Gothic Pro W4" panose="020F0400000000000000" pitchFamily="34" charset="-128"/>
+                <a:ea typeface="Hiragino Maru Gothic Pro W4" panose="020F0400000000000000" pitchFamily="34" charset="-128"/>
+              </a:rPr>
+              <a:t>東方の</a:t>
+            </a:r>
+            <a:r>
+              <a:rPr lang="en-US" altLang="ja-JP" sz="2400" dirty="0">
+                <a:solidFill>
+                  <a:srgbClr val="FF0000"/>
+                </a:solidFill>
+                <a:latin typeface="Hiragino Maru Gothic Pro W4" panose="020F0400000000000000" pitchFamily="34" charset="-128"/>
+                <a:ea typeface="Hiragino Maru Gothic Pro W4" panose="020F0400000000000000" pitchFamily="34" charset="-128"/>
+              </a:rPr>
+              <a:t>JWC</a:t>
+            </a:r>
+            <a:r>
+              <a:rPr lang="ja-JP" altLang="en-US" sz="2400">
+                <a:solidFill>
+                  <a:srgbClr val="FF0000"/>
+                </a:solidFill>
+                <a:latin typeface="Hiragino Maru Gothic Pro W4" panose="020F0400000000000000" pitchFamily="34" charset="-128"/>
+                <a:ea typeface="Hiragino Maru Gothic Pro W4" panose="020F0400000000000000" pitchFamily="34" charset="-128"/>
+              </a:rPr>
+              <a:t>参戦者は、期間中、まほらまで活動していただく</a:t>
+            </a:r>
+            <a:br>
+              <a:rPr lang="en-US" altLang="ja-JP" sz="2400" dirty="0">
+                <a:solidFill>
+                  <a:srgbClr val="FF0000"/>
+                </a:solidFill>
+                <a:latin typeface="Hiragino Maru Gothic Pro W4" panose="020F0400000000000000" pitchFamily="34" charset="-128"/>
+                <a:ea typeface="Hiragino Maru Gothic Pro W4" panose="020F0400000000000000" pitchFamily="34" charset="-128"/>
+              </a:rPr>
+            </a:br>
+            <a:r>
+              <a:rPr lang="en-US" altLang="ja-JP" sz="2000" dirty="0">
+                <a:solidFill>
+                  <a:srgbClr val="FF0000"/>
+                </a:solidFill>
+                <a:latin typeface="Hiragino Maru Gothic Pro W4" panose="020F0400000000000000" pitchFamily="34" charset="-128"/>
+                <a:ea typeface="Hiragino Maru Gothic Pro W4" panose="020F0400000000000000" pitchFamily="34" charset="-128"/>
+              </a:rPr>
+              <a:t>(JWC</a:t>
+            </a:r>
+            <a:r>
+              <a:rPr lang="ja-JP" altLang="en-US" sz="2000">
+                <a:solidFill>
+                  <a:srgbClr val="FF0000"/>
+                </a:solidFill>
+                <a:latin typeface="Hiragino Maru Gothic Pro W4" panose="020F0400000000000000" pitchFamily="34" charset="-128"/>
+                <a:ea typeface="Hiragino Maru Gothic Pro W4" panose="020F0400000000000000" pitchFamily="34" charset="-128"/>
+              </a:rPr>
+              <a:t>ルール上、まほらまでの活動実績が必要になるので</a:t>
+            </a:r>
+            <a:r>
+              <a:rPr lang="en-US" altLang="ja-JP" sz="2000" dirty="0">
+                <a:solidFill>
+                  <a:srgbClr val="FF0000"/>
+                </a:solidFill>
+                <a:latin typeface="Hiragino Maru Gothic Pro W4" panose="020F0400000000000000" pitchFamily="34" charset="-128"/>
+                <a:ea typeface="Hiragino Maru Gothic Pro W4" panose="020F0400000000000000" pitchFamily="34" charset="-128"/>
+              </a:rPr>
+              <a:t>)</a:t>
+            </a:r>
+          </a:p>
+          <a:p>
+            <a:pPr marL="388620" indent="-342900"/>
+            <a:r>
+              <a:rPr lang="ja-JP" altLang="en-US" sz="2400">
+                <a:solidFill>
+                  <a:schemeClr val="accent5">
+                    <a:lumMod val="50000"/>
+                  </a:schemeClr>
+                </a:solidFill>
+                <a:latin typeface="Hiragino Maru Gothic Pro W4" panose="020F0400000000000000" pitchFamily="34" charset="-128"/>
+                <a:ea typeface="Hiragino Maru Gothic Pro W4" panose="020F0400000000000000" pitchFamily="34" charset="-128"/>
+              </a:rPr>
+              <a:t>ただし、東方リーダーのひこにゃんさんに関しては、</a:t>
+            </a:r>
+            <a:br>
+              <a:rPr lang="en-US" altLang="ja-JP" sz="2400" dirty="0">
+                <a:solidFill>
+                  <a:schemeClr val="accent5">
+                    <a:lumMod val="50000"/>
+                  </a:schemeClr>
+                </a:solidFill>
+                <a:latin typeface="Hiragino Maru Gothic Pro W4" panose="020F0400000000000000" pitchFamily="34" charset="-128"/>
+                <a:ea typeface="Hiragino Maru Gothic Pro W4" panose="020F0400000000000000" pitchFamily="34" charset="-128"/>
+              </a:rPr>
+            </a:br>
+            <a:r>
+              <a:rPr lang="ja-JP" altLang="en-US" sz="2400">
+                <a:solidFill>
+                  <a:schemeClr val="accent5">
+                    <a:lumMod val="50000"/>
+                  </a:schemeClr>
+                </a:solidFill>
+                <a:latin typeface="Hiragino Maru Gothic Pro W4" panose="020F0400000000000000" pitchFamily="34" charset="-128"/>
+                <a:ea typeface="Hiragino Maru Gothic Pro W4" panose="020F0400000000000000" pitchFamily="34" charset="-128"/>
+              </a:rPr>
+              <a:t>クラン運営の関係で</a:t>
+            </a:r>
+            <a:r>
+              <a:rPr lang="en-US" altLang="ja-JP" sz="2400" dirty="0">
+                <a:solidFill>
+                  <a:schemeClr val="accent5">
+                    <a:lumMod val="50000"/>
+                  </a:schemeClr>
+                </a:solidFill>
+                <a:latin typeface="Hiragino Maru Gothic Pro W4" panose="020F0400000000000000" pitchFamily="34" charset="-128"/>
+                <a:ea typeface="Hiragino Maru Gothic Pro W4" panose="020F0400000000000000" pitchFamily="34" charset="-128"/>
+              </a:rPr>
+              <a:t>JWC</a:t>
+            </a:r>
+            <a:r>
+              <a:rPr lang="ja-JP" altLang="en-US" sz="2400">
+                <a:solidFill>
+                  <a:schemeClr val="accent5">
+                    <a:lumMod val="50000"/>
+                  </a:schemeClr>
+                </a:solidFill>
+                <a:latin typeface="Hiragino Maru Gothic Pro W4" panose="020F0400000000000000" pitchFamily="34" charset="-128"/>
+                <a:ea typeface="Hiragino Maru Gothic Pro W4" panose="020F0400000000000000" pitchFamily="34" charset="-128"/>
+              </a:rPr>
+              <a:t>戦以外は東方で活動する。</a:t>
+            </a:r>
+            <a:br>
+              <a:rPr lang="en-US" altLang="ja-JP" sz="2400" dirty="0">
+                <a:solidFill>
+                  <a:schemeClr val="accent5">
+                    <a:lumMod val="50000"/>
+                  </a:schemeClr>
+                </a:solidFill>
+                <a:latin typeface="Hiragino Maru Gothic Pro W4" panose="020F0400000000000000" pitchFamily="34" charset="-128"/>
+                <a:ea typeface="Hiragino Maru Gothic Pro W4" panose="020F0400000000000000" pitchFamily="34" charset="-128"/>
+              </a:rPr>
+            </a:br>
+            <a:r>
+              <a:rPr lang="en-US" altLang="ja-JP" sz="2000" dirty="0">
+                <a:solidFill>
+                  <a:schemeClr val="accent5">
+                    <a:lumMod val="50000"/>
+                  </a:schemeClr>
+                </a:solidFill>
+                <a:latin typeface="Hiragino Maru Gothic Pro W4" panose="020F0400000000000000" pitchFamily="34" charset="-128"/>
+                <a:ea typeface="Hiragino Maru Gothic Pro W4" panose="020F0400000000000000" pitchFamily="34" charset="-128"/>
+              </a:rPr>
+              <a:t>(</a:t>
+            </a:r>
+            <a:r>
+              <a:rPr lang="ja-JP" altLang="en-US" sz="2000">
+                <a:solidFill>
+                  <a:schemeClr val="accent5">
+                    <a:lumMod val="50000"/>
+                  </a:schemeClr>
+                </a:solidFill>
+                <a:latin typeface="Hiragino Maru Gothic Pro W4" panose="020F0400000000000000" pitchFamily="34" charset="-128"/>
+                <a:ea typeface="Hiragino Maru Gothic Pro W4" panose="020F0400000000000000" pitchFamily="34" charset="-128"/>
+              </a:rPr>
+              <a:t>もし、東方</a:t>
+            </a:r>
+            <a:r>
+              <a:rPr lang="en-US" altLang="ja-JP" sz="2000" dirty="0">
+                <a:solidFill>
+                  <a:schemeClr val="accent5">
+                    <a:lumMod val="50000"/>
+                  </a:schemeClr>
+                </a:solidFill>
+                <a:latin typeface="Hiragino Maru Gothic Pro W4" panose="020F0400000000000000" pitchFamily="34" charset="-128"/>
+                <a:ea typeface="Hiragino Maru Gothic Pro W4" panose="020F0400000000000000" pitchFamily="34" charset="-128"/>
+              </a:rPr>
+              <a:t>(15)</a:t>
+            </a:r>
+            <a:r>
+              <a:rPr lang="ja-JP" altLang="en-US" sz="2000">
+                <a:solidFill>
+                  <a:schemeClr val="accent5">
+                    <a:lumMod val="50000"/>
+                  </a:schemeClr>
+                </a:solidFill>
+                <a:latin typeface="Hiragino Maru Gothic Pro W4" panose="020F0400000000000000" pitchFamily="34" charset="-128"/>
+                <a:ea typeface="Hiragino Maru Gothic Pro W4" panose="020F0400000000000000" pitchFamily="34" charset="-128"/>
+              </a:rPr>
+              <a:t>のゆうフラさんが参戦してくれる場合もこれに該当</a:t>
+            </a:r>
+            <a:r>
+              <a:rPr lang="en-US" altLang="ja-JP" sz="2000" dirty="0">
+                <a:solidFill>
+                  <a:schemeClr val="accent5">
+                    <a:lumMod val="50000"/>
+                  </a:schemeClr>
+                </a:solidFill>
+                <a:latin typeface="Hiragino Maru Gothic Pro W4" panose="020F0400000000000000" pitchFamily="34" charset="-128"/>
+                <a:ea typeface="Hiragino Maru Gothic Pro W4" panose="020F0400000000000000" pitchFamily="34" charset="-128"/>
+              </a:rPr>
+              <a:t>)</a:t>
+            </a:r>
+          </a:p>
+          <a:p>
+            <a:pPr marL="388620" indent="-342900"/>
+            <a:r>
+              <a:rPr lang="ja-JP" altLang="en-US" sz="2400">
+                <a:solidFill>
+                  <a:schemeClr val="accent5">
+                    <a:lumMod val="50000"/>
+                  </a:schemeClr>
+                </a:solidFill>
+                <a:latin typeface="Hiragino Maru Gothic Pro W4" panose="020F0400000000000000" pitchFamily="34" charset="-128"/>
+                <a:ea typeface="Hiragino Maru Gothic Pro W4" panose="020F0400000000000000" pitchFamily="34" charset="-128"/>
+              </a:rPr>
+              <a:t>ひこにゃんさんと相談事項：</a:t>
+            </a:r>
+            <a:br>
+              <a:rPr lang="en-US" altLang="ja-JP" sz="2400" dirty="0">
+                <a:solidFill>
+                  <a:schemeClr val="accent5">
+                    <a:lumMod val="50000"/>
+                  </a:schemeClr>
+                </a:solidFill>
+                <a:latin typeface="Hiragino Maru Gothic Pro W4" panose="020F0400000000000000" pitchFamily="34" charset="-128"/>
+                <a:ea typeface="Hiragino Maru Gothic Pro W4" panose="020F0400000000000000" pitchFamily="34" charset="-128"/>
+              </a:rPr>
+            </a:br>
+            <a:r>
+              <a:rPr lang="ja-JP" altLang="en-US" sz="2400">
+                <a:solidFill>
+                  <a:schemeClr val="accent5">
+                    <a:lumMod val="50000"/>
+                  </a:schemeClr>
+                </a:solidFill>
+                <a:latin typeface="Hiragino Maru Gothic Pro W4" panose="020F0400000000000000" pitchFamily="34" charset="-128"/>
+                <a:ea typeface="Hiragino Maru Gothic Pro W4" panose="020F0400000000000000" pitchFamily="34" charset="-128"/>
+              </a:rPr>
+              <a:t>だいさん、ころ助さん、トビダシさんに</a:t>
+            </a:r>
+            <a:r>
+              <a:rPr lang="en-US" altLang="ja-JP" sz="2400" dirty="0">
+                <a:solidFill>
+                  <a:schemeClr val="accent5">
+                    <a:lumMod val="50000"/>
+                  </a:schemeClr>
+                </a:solidFill>
+                <a:latin typeface="Hiragino Maru Gothic Pro W4" panose="020F0400000000000000" pitchFamily="34" charset="-128"/>
+                <a:ea typeface="Hiragino Maru Gothic Pro W4" panose="020F0400000000000000" pitchFamily="34" charset="-128"/>
+              </a:rPr>
+              <a:t>JWC</a:t>
+            </a:r>
+            <a:r>
+              <a:rPr lang="ja-JP" altLang="en-US" sz="2400">
+                <a:solidFill>
+                  <a:schemeClr val="accent5">
+                    <a:lumMod val="50000"/>
+                  </a:schemeClr>
+                </a:solidFill>
+                <a:latin typeface="Hiragino Maru Gothic Pro W4" panose="020F0400000000000000" pitchFamily="34" charset="-128"/>
+                <a:ea typeface="Hiragino Maru Gothic Pro W4" panose="020F0400000000000000" pitchFamily="34" charset="-128"/>
+              </a:rPr>
+              <a:t>参戦いただく場合・・・</a:t>
+            </a:r>
+            <a:endParaRPr lang="en-US" altLang="ja-JP" sz="2400" dirty="0">
+              <a:solidFill>
+                <a:schemeClr val="accent5">
+                  <a:lumMod val="50000"/>
+                </a:schemeClr>
+              </a:solidFill>
+              <a:latin typeface="Hiragino Maru Gothic Pro W4" panose="020F0400000000000000" pitchFamily="34" charset="-128"/>
+              <a:ea typeface="Hiragino Maru Gothic Pro W4" panose="020F0400000000000000" pitchFamily="34" charset="-128"/>
+            </a:endParaRPr>
+          </a:p>
+        </p:txBody>
+      </p:sp>
+      <p:sp>
+        <p:nvSpPr>
+          <p:cNvPr id="4" name="スライド番号プレースホルダー 3">
+            <a:extLst>
+              <a:ext uri="{FF2B5EF4-FFF2-40B4-BE49-F238E27FC236}">
+                <a16:creationId xmlns:a16="http://schemas.microsoft.com/office/drawing/2014/main" id="{34C04C8D-49C3-874E-864D-A6289CA1E427}"/>
+              </a:ext>
+            </a:extLst>
+          </p:cNvPr>
+          <p:cNvSpPr>
+            <a:spLocks noGrp="1"/>
+          </p:cNvSpPr>
+          <p:nvPr>
+            <p:ph type="sldNum" sz="quarter" idx="12"/>
+          </p:nvPr>
+        </p:nvSpPr>
+        <p:spPr/>
+        <p:txBody>
+          <a:bodyPr/>
+          <a:lstStyle/>
+          <a:p>
+            <a:pPr rtl="0"/>
+            <a:fld id="{E31375A4-56A4-47D6-9801-1991572033F7}" type="slidenum">
+              <a:rPr lang="en-US" altLang="ja-JP" noProof="0" smtClean="0">
+                <a:solidFill>
+                  <a:srgbClr val="002060"/>
+                </a:solidFill>
+                <a:latin typeface="Hiragino Maru Gothic Pro W4" panose="020F0400000000000000" pitchFamily="34" charset="-128"/>
+                <a:ea typeface="Hiragino Maru Gothic Pro W4" panose="020F0400000000000000" pitchFamily="34" charset="-128"/>
+              </a:rPr>
+              <a:t>33</a:t>
+            </a:fld>
+            <a:endParaRPr lang="ja-JP" altLang="en-US" noProof="0" dirty="0">
+              <a:solidFill>
+                <a:srgbClr val="002060"/>
+              </a:solidFill>
+              <a:latin typeface="Hiragino Maru Gothic Pro W4" panose="020F0400000000000000" pitchFamily="34" charset="-128"/>
+              <a:ea typeface="Hiragino Maru Gothic Pro W4" panose="020F0400000000000000" pitchFamily="34" charset="-128"/>
+            </a:endParaRPr>
+          </a:p>
+        </p:txBody>
+      </p:sp>
+      <p:sp>
+        <p:nvSpPr>
+          <p:cNvPr id="5" name="正方形/長方形 4">
+            <a:extLst>
+              <a:ext uri="{FF2B5EF4-FFF2-40B4-BE49-F238E27FC236}">
+                <a16:creationId xmlns:a16="http://schemas.microsoft.com/office/drawing/2014/main" id="{D6839A9E-26B6-1645-9B78-815B84EDA0C8}"/>
+              </a:ext>
+            </a:extLst>
+          </p:cNvPr>
+          <p:cNvSpPr/>
+          <p:nvPr/>
+        </p:nvSpPr>
+        <p:spPr>
+          <a:xfrm>
+            <a:off x="444137" y="369024"/>
+            <a:ext cx="11225349" cy="5807938"/>
+          </a:xfrm>
+          <a:prstGeom prst="rect">
+            <a:avLst/>
+          </a:prstGeom>
+          <a:solidFill>
+            <a:schemeClr val="dk1">
+              <a:alpha val="50000"/>
+            </a:schemeClr>
+          </a:solidFill>
+          <a:ln>
+            <a:noFill/>
+          </a:ln>
+        </p:spPr>
+        <p:style>
+          <a:lnRef idx="0">
+            <a:scrgbClr r="0" g="0" b="0"/>
+          </a:lnRef>
+          <a:fillRef idx="0">
+            <a:scrgbClr r="0" g="0" b="0"/>
+          </a:fillRef>
+          <a:effectRef idx="0">
+            <a:scrgbClr r="0" g="0" b="0"/>
+          </a:effectRef>
+          <a:fontRef idx="minor">
+            <a:schemeClr val="lt1"/>
+          </a:fontRef>
+        </p:style>
+        <p:txBody>
+          <a:bodyPr rtlCol="0" anchor="ctr"/>
+          <a:lstStyle/>
+          <a:p>
+            <a:pPr algn="ctr"/>
+            <a:endParaRPr kumimoji="1" lang="ja-JP" altLang="en-US"/>
+          </a:p>
+        </p:txBody>
+      </p:sp>
+    </p:spTree>
+    <p:extLst>
+      <p:ext uri="{BB962C8B-B14F-4D97-AF65-F5344CB8AC3E}">
+        <p14:creationId xmlns:p14="http://schemas.microsoft.com/office/powerpoint/2010/main" val="786080946"/>
+      </p:ext>
+    </p:extLst>
+  </p:cSld>
+  <p:clrMapOvr>
+    <a:masterClrMapping/>
+  </p:clrMapOvr>
+  <mc:AlternateContent xmlns:mc="http://schemas.openxmlformats.org/markup-compatibility/2006" xmlns:p14="http://schemas.microsoft.com/office/powerpoint/2010/main">
+    <mc:Choice Requires="p14">
+      <p:transition spd="med" p14:dur="700">
+        <p:fade/>
+      </p:transition>
+    </mc:Choice>
+    <mc:Fallback xmlns="">
+      <p:transition spd="med">
+        <p:fade/>
+      </p:transition>
+    </mc:Fallback>
+  </mc:AlternateContent>
+</p:sld>
+</file>
+
+<file path=ppt/slides/slide34.xml><?xml version="1.0" encoding="utf-8"?>
+<p:sld xmlns:a="http://schemas.openxmlformats.org/drawingml/2006/main" xmlns:r="http://schemas.openxmlformats.org/officeDocument/2006/relationships" xmlns:p="http://schemas.openxmlformats.org/presentationml/2006/main">
+  <p:cSld>
+    <p:spTree>
+      <p:nvGrpSpPr>
+        <p:cNvPr id="1" name=""/>
+        <p:cNvGrpSpPr/>
+        <p:nvPr/>
+      </p:nvGrpSpPr>
+      <p:grpSpPr>
+        <a:xfrm>
+          <a:off x="0" y="0"/>
+          <a:ext cx="0" cy="0"/>
+          <a:chOff x="0" y="0"/>
+          <a:chExt cx="0" cy="0"/>
+        </a:xfrm>
+      </p:grpSpPr>
+      <p:sp>
+        <p:nvSpPr>
+          <p:cNvPr id="2" name="タイトル 1">
+            <a:extLst>
+              <a:ext uri="{FF2B5EF4-FFF2-40B4-BE49-F238E27FC236}">
+                <a16:creationId xmlns:a16="http://schemas.microsoft.com/office/drawing/2014/main" id="{4BEF2D4F-28AD-C84D-A4AC-A607D5B45D24}"/>
+              </a:ext>
+            </a:extLst>
+          </p:cNvPr>
+          <p:cNvSpPr>
+            <a:spLocks noGrp="1"/>
+          </p:cNvSpPr>
+          <p:nvPr>
+            <p:ph type="title"/>
+          </p:nvPr>
+        </p:nvSpPr>
+        <p:spPr/>
+        <p:txBody>
+          <a:bodyPr/>
+          <a:lstStyle/>
+          <a:p>
+            <a:r>
+              <a:rPr lang="en-US" altLang="ja-JP" dirty="0">
+                <a:solidFill>
+                  <a:schemeClr val="accent5">
+                    <a:lumMod val="50000"/>
+                  </a:schemeClr>
+                </a:solidFill>
+                <a:latin typeface="Hiragino Maru Gothic Pro W4" panose="020F0400000000000000" pitchFamily="34" charset="-128"/>
+                <a:ea typeface="Hiragino Maru Gothic Pro W4" panose="020F0400000000000000" pitchFamily="34" charset="-128"/>
+              </a:rPr>
+              <a:t>④JWC</a:t>
+            </a:r>
+            <a:r>
+              <a:rPr lang="ja-JP" altLang="en-US">
+                <a:solidFill>
+                  <a:schemeClr val="accent5">
+                    <a:lumMod val="50000"/>
+                  </a:schemeClr>
+                </a:solidFill>
+                <a:latin typeface="Hiragino Maru Gothic Pro W4" panose="020F0400000000000000" pitchFamily="34" charset="-128"/>
+                <a:ea typeface="Hiragino Maru Gothic Pro W4" panose="020F0400000000000000" pitchFamily="34" charset="-128"/>
+              </a:rPr>
+              <a:t>オンシーズン</a:t>
+            </a:r>
+            <a:r>
+              <a:rPr lang="en-US" altLang="ja-JP" dirty="0">
+                <a:solidFill>
+                  <a:schemeClr val="accent5">
+                    <a:lumMod val="50000"/>
+                  </a:schemeClr>
+                </a:solidFill>
+                <a:latin typeface="Hiragino Maru Gothic Pro W4" panose="020F0400000000000000" pitchFamily="34" charset="-128"/>
+                <a:ea typeface="Hiragino Maru Gothic Pro W4" panose="020F0400000000000000" pitchFamily="34" charset="-128"/>
+              </a:rPr>
+              <a:t>×</a:t>
+            </a:r>
+            <a:r>
+              <a:rPr lang="ja-JP" altLang="en-US">
+                <a:solidFill>
+                  <a:schemeClr val="accent5">
+                    <a:lumMod val="50000"/>
+                  </a:schemeClr>
+                </a:solidFill>
+                <a:latin typeface="Hiragino Maru Gothic Pro W4" panose="020F0400000000000000" pitchFamily="34" charset="-128"/>
+                <a:ea typeface="Hiragino Maru Gothic Pro W4" panose="020F0400000000000000" pitchFamily="34" charset="-128"/>
+              </a:rPr>
+              <a:t>リーグ期間</a:t>
+            </a:r>
+            <a:endParaRPr kumimoji="1" lang="ja-JP" altLang="en-US">
+              <a:solidFill>
+                <a:schemeClr val="accent5">
+                  <a:lumMod val="50000"/>
+                </a:schemeClr>
+              </a:solidFill>
+              <a:latin typeface="Hiragino Maru Gothic Pro W4" panose="020F0400000000000000" pitchFamily="34" charset="-128"/>
+              <a:ea typeface="Hiragino Maru Gothic Pro W4" panose="020F0400000000000000" pitchFamily="34" charset="-128"/>
+            </a:endParaRPr>
+          </a:p>
+        </p:txBody>
+      </p:sp>
+      <p:sp>
+        <p:nvSpPr>
+          <p:cNvPr id="3" name="コンテンツ プレースホルダー 2">
+            <a:extLst>
+              <a:ext uri="{FF2B5EF4-FFF2-40B4-BE49-F238E27FC236}">
+                <a16:creationId xmlns:a16="http://schemas.microsoft.com/office/drawing/2014/main" id="{01E773B8-156E-4743-8E4A-3ED5FB7CC4E2}"/>
+              </a:ext>
+            </a:extLst>
+          </p:cNvPr>
+          <p:cNvSpPr>
+            <a:spLocks noGrp="1"/>
+          </p:cNvSpPr>
+          <p:nvPr>
+            <p:ph idx="1"/>
+          </p:nvPr>
+        </p:nvSpPr>
+        <p:spPr>
+          <a:xfrm>
+            <a:off x="838200" y="1588575"/>
+            <a:ext cx="10515600" cy="4588387"/>
+          </a:xfrm>
+        </p:spPr>
+        <p:txBody>
+          <a:bodyPr>
+            <a:normAutofit/>
+          </a:bodyPr>
+          <a:lstStyle/>
+          <a:p>
+            <a:pPr marL="388620" indent="-342900"/>
+            <a:r>
+              <a:rPr lang="ja-JP" altLang="en-US" sz="2400">
+                <a:solidFill>
+                  <a:srgbClr val="FF0000"/>
+                </a:solidFill>
+                <a:latin typeface="Hiragino Maru Gothic Pro W4" panose="020F0400000000000000" pitchFamily="34" charset="-128"/>
+                <a:ea typeface="Hiragino Maru Gothic Pro W4" panose="020F0400000000000000" pitchFamily="34" charset="-128"/>
+              </a:rPr>
+              <a:t>まほらまは東方をサポートする</a:t>
+            </a:r>
+            <a:endParaRPr lang="en-US" altLang="ja-JP" sz="2000" dirty="0">
+              <a:solidFill>
+                <a:srgbClr val="FF0000"/>
+              </a:solidFill>
+              <a:latin typeface="Hiragino Maru Gothic Pro W4" panose="020F0400000000000000" pitchFamily="34" charset="-128"/>
+              <a:ea typeface="Hiragino Maru Gothic Pro W4" panose="020F0400000000000000" pitchFamily="34" charset="-128"/>
+            </a:endParaRPr>
+          </a:p>
+          <a:p>
+            <a:pPr marL="388620" indent="-342900"/>
+            <a:r>
+              <a:rPr lang="ja-JP" altLang="en-US" sz="2400">
+                <a:solidFill>
+                  <a:schemeClr val="accent5">
+                    <a:lumMod val="50000"/>
+                  </a:schemeClr>
+                </a:solidFill>
+                <a:latin typeface="Hiragino Maru Gothic Pro W4" panose="020F0400000000000000" pitchFamily="34" charset="-128"/>
+                <a:ea typeface="Hiragino Maru Gothic Pro W4" panose="020F0400000000000000" pitchFamily="34" charset="-128"/>
+              </a:rPr>
+              <a:t>「</a:t>
+            </a:r>
+            <a:r>
+              <a:rPr lang="en-US" altLang="ja-JP" sz="2400" dirty="0">
+                <a:solidFill>
+                  <a:schemeClr val="accent5">
+                    <a:lumMod val="50000"/>
+                  </a:schemeClr>
+                </a:solidFill>
+                <a:latin typeface="Hiragino Maru Gothic Pro W4" panose="020F0400000000000000" pitchFamily="34" charset="-128"/>
+                <a:ea typeface="Hiragino Maru Gothic Pro W4" panose="020F0400000000000000" pitchFamily="34" charset="-128"/>
+              </a:rPr>
+              <a:t>②JWC</a:t>
+            </a:r>
+            <a:r>
+              <a:rPr lang="ja-JP" altLang="en-US" sz="2400">
+                <a:solidFill>
+                  <a:schemeClr val="accent5">
+                    <a:lumMod val="50000"/>
+                  </a:schemeClr>
+                </a:solidFill>
+                <a:latin typeface="Hiragino Maru Gothic Pro W4" panose="020F0400000000000000" pitchFamily="34" charset="-128"/>
+                <a:ea typeface="Hiragino Maru Gothic Pro W4" panose="020F0400000000000000" pitchFamily="34" charset="-128"/>
+              </a:rPr>
+              <a:t>オフシーズン</a:t>
+            </a:r>
+            <a:r>
+              <a:rPr lang="en-US" altLang="ja-JP" sz="2400" dirty="0">
+                <a:solidFill>
+                  <a:schemeClr val="accent5">
+                    <a:lumMod val="50000"/>
+                  </a:schemeClr>
+                </a:solidFill>
+                <a:latin typeface="Hiragino Maru Gothic Pro W4" panose="020F0400000000000000" pitchFamily="34" charset="-128"/>
+                <a:ea typeface="Hiragino Maru Gothic Pro W4" panose="020F0400000000000000" pitchFamily="34" charset="-128"/>
+              </a:rPr>
+              <a:t>×</a:t>
+            </a:r>
+            <a:r>
+              <a:rPr lang="ja-JP" altLang="en-US" sz="2400">
+                <a:solidFill>
+                  <a:schemeClr val="accent5">
+                    <a:lumMod val="50000"/>
+                  </a:schemeClr>
+                </a:solidFill>
+                <a:latin typeface="Hiragino Maru Gothic Pro W4" panose="020F0400000000000000" pitchFamily="34" charset="-128"/>
+                <a:ea typeface="Hiragino Maru Gothic Pro W4" panose="020F0400000000000000" pitchFamily="34" charset="-128"/>
+              </a:rPr>
+              <a:t>リーグ戦期間」と同様</a:t>
+            </a:r>
+            <a:endParaRPr lang="en-US" altLang="ja-JP" sz="2400" dirty="0">
+              <a:solidFill>
+                <a:schemeClr val="accent5">
+                  <a:lumMod val="50000"/>
+                </a:schemeClr>
+              </a:solidFill>
+              <a:latin typeface="Hiragino Maru Gothic Pro W4" panose="020F0400000000000000" pitchFamily="34" charset="-128"/>
+              <a:ea typeface="Hiragino Maru Gothic Pro W4" panose="020F0400000000000000" pitchFamily="34" charset="-128"/>
+            </a:endParaRPr>
+          </a:p>
+        </p:txBody>
+      </p:sp>
+      <p:sp>
+        <p:nvSpPr>
+          <p:cNvPr id="4" name="スライド番号プレースホルダー 3">
+            <a:extLst>
+              <a:ext uri="{FF2B5EF4-FFF2-40B4-BE49-F238E27FC236}">
+                <a16:creationId xmlns:a16="http://schemas.microsoft.com/office/drawing/2014/main" id="{34C04C8D-49C3-874E-864D-A6289CA1E427}"/>
+              </a:ext>
+            </a:extLst>
+          </p:cNvPr>
+          <p:cNvSpPr>
+            <a:spLocks noGrp="1"/>
+          </p:cNvSpPr>
+          <p:nvPr>
+            <p:ph type="sldNum" sz="quarter" idx="12"/>
+          </p:nvPr>
+        </p:nvSpPr>
+        <p:spPr/>
+        <p:txBody>
+          <a:bodyPr/>
+          <a:lstStyle/>
+          <a:p>
+            <a:pPr rtl="0"/>
+            <a:fld id="{E31375A4-56A4-47D6-9801-1991572033F7}" type="slidenum">
+              <a:rPr lang="en-US" altLang="ja-JP" noProof="0" smtClean="0">
+                <a:solidFill>
+                  <a:srgbClr val="002060"/>
+                </a:solidFill>
+                <a:latin typeface="Hiragino Maru Gothic Pro W4" panose="020F0400000000000000" pitchFamily="34" charset="-128"/>
+                <a:ea typeface="Hiragino Maru Gothic Pro W4" panose="020F0400000000000000" pitchFamily="34" charset="-128"/>
+              </a:rPr>
+              <a:t>34</a:t>
+            </a:fld>
+            <a:endParaRPr lang="ja-JP" altLang="en-US" noProof="0" dirty="0">
+              <a:solidFill>
+                <a:srgbClr val="002060"/>
+              </a:solidFill>
+              <a:latin typeface="Hiragino Maru Gothic Pro W4" panose="020F0400000000000000" pitchFamily="34" charset="-128"/>
+              <a:ea typeface="Hiragino Maru Gothic Pro W4" panose="020F0400000000000000" pitchFamily="34" charset="-128"/>
+            </a:endParaRPr>
+          </a:p>
+        </p:txBody>
+      </p:sp>
+      <p:sp>
+        <p:nvSpPr>
+          <p:cNvPr id="5" name="正方形/長方形 4">
+            <a:extLst>
+              <a:ext uri="{FF2B5EF4-FFF2-40B4-BE49-F238E27FC236}">
+                <a16:creationId xmlns:a16="http://schemas.microsoft.com/office/drawing/2014/main" id="{9CAB5A04-6F86-AE4E-907F-190885D28A4B}"/>
+              </a:ext>
+            </a:extLst>
+          </p:cNvPr>
+          <p:cNvSpPr/>
+          <p:nvPr/>
+        </p:nvSpPr>
+        <p:spPr>
+          <a:xfrm>
+            <a:off x="444137" y="369024"/>
+            <a:ext cx="11225349" cy="5807938"/>
+          </a:xfrm>
+          <a:prstGeom prst="rect">
+            <a:avLst/>
+          </a:prstGeom>
+          <a:solidFill>
+            <a:schemeClr val="dk1">
+              <a:alpha val="50000"/>
+            </a:schemeClr>
+          </a:solidFill>
+          <a:ln>
+            <a:noFill/>
+          </a:ln>
+        </p:spPr>
+        <p:style>
+          <a:lnRef idx="0">
+            <a:scrgbClr r="0" g="0" b="0"/>
+          </a:lnRef>
+          <a:fillRef idx="0">
+            <a:scrgbClr r="0" g="0" b="0"/>
+          </a:fillRef>
+          <a:effectRef idx="0">
+            <a:scrgbClr r="0" g="0" b="0"/>
+          </a:effectRef>
+          <a:fontRef idx="minor">
+            <a:schemeClr val="lt1"/>
+          </a:fontRef>
+        </p:style>
+        <p:txBody>
+          <a:bodyPr rtlCol="0" anchor="ctr"/>
+          <a:lstStyle/>
+          <a:p>
+            <a:pPr algn="ctr"/>
+            <a:endParaRPr kumimoji="1" lang="ja-JP" altLang="en-US"/>
+          </a:p>
+        </p:txBody>
+      </p:sp>
+    </p:spTree>
+    <p:extLst>
+      <p:ext uri="{BB962C8B-B14F-4D97-AF65-F5344CB8AC3E}">
+        <p14:creationId xmlns:p14="http://schemas.microsoft.com/office/powerpoint/2010/main" val="160830170"/>
+      </p:ext>
+    </p:extLst>
+  </p:cSld>
+  <p:clrMapOvr>
+    <a:masterClrMapping/>
+  </p:clrMapOvr>
+  <mc:AlternateContent xmlns:mc="http://schemas.openxmlformats.org/markup-compatibility/2006" xmlns:p14="http://schemas.microsoft.com/office/powerpoint/2010/main">
+    <mc:Choice Requires="p14">
+      <p:transition spd="med" p14:dur="700">
+        <p:fade/>
+      </p:transition>
+    </mc:Choice>
+    <mc:Fallback xmlns="">
+      <p:transition spd="med">
+        <p:fade/>
+      </p:transition>
+    </mc:Fallback>
+  </mc:AlternateContent>
+</p:sld>
+</file>
+
+<file path=ppt/slides/slide35.xml><?xml version="1.0" encoding="utf-8"?>
+<p:sld xmlns:a="http://schemas.openxmlformats.org/drawingml/2006/main" xmlns:r="http://schemas.openxmlformats.org/officeDocument/2006/relationships" xmlns:p="http://schemas.openxmlformats.org/presentationml/2006/main">
+  <p:cSld>
+    <p:spTree>
+      <p:nvGrpSpPr>
+        <p:cNvPr id="1" name=""/>
+        <p:cNvGrpSpPr/>
+        <p:nvPr/>
+      </p:nvGrpSpPr>
+      <p:grpSpPr>
+        <a:xfrm>
+          <a:off x="0" y="0"/>
+          <a:ext cx="0" cy="0"/>
+          <a:chOff x="0" y="0"/>
+          <a:chExt cx="0" cy="0"/>
+        </a:xfrm>
+      </p:grpSpPr>
+      <p:sp>
+        <p:nvSpPr>
+          <p:cNvPr id="2" name="タイトル 1">
+            <a:extLst>
+              <a:ext uri="{FF2B5EF4-FFF2-40B4-BE49-F238E27FC236}">
+                <a16:creationId xmlns:a16="http://schemas.microsoft.com/office/drawing/2014/main" id="{4BEF2D4F-28AD-C84D-A4AC-A607D5B45D24}"/>
+              </a:ext>
+            </a:extLst>
+          </p:cNvPr>
+          <p:cNvSpPr>
+            <a:spLocks noGrp="1"/>
+          </p:cNvSpPr>
+          <p:nvPr>
+            <p:ph type="title"/>
+          </p:nvPr>
+        </p:nvSpPr>
+        <p:spPr/>
+        <p:txBody>
+          <a:bodyPr/>
+          <a:lstStyle/>
+          <a:p>
+            <a:r>
+              <a:rPr lang="ja-JP" altLang="en-US">
+                <a:solidFill>
+                  <a:schemeClr val="accent5">
+                    <a:lumMod val="50000"/>
+                  </a:schemeClr>
+                </a:solidFill>
+                <a:latin typeface="Hiragino Maru Gothic Pro W4" panose="020F0400000000000000" pitchFamily="34" charset="-128"/>
+                <a:ea typeface="Hiragino Maru Gothic Pro W4" panose="020F0400000000000000" pitchFamily="34" charset="-128"/>
+              </a:rPr>
+              <a:t>その他</a:t>
+            </a:r>
+            <a:endParaRPr kumimoji="1" lang="ja-JP" altLang="en-US">
+              <a:solidFill>
+                <a:schemeClr val="accent5">
+                  <a:lumMod val="50000"/>
+                </a:schemeClr>
+              </a:solidFill>
+              <a:latin typeface="Hiragino Maru Gothic Pro W4" panose="020F0400000000000000" pitchFamily="34" charset="-128"/>
+              <a:ea typeface="Hiragino Maru Gothic Pro W4" panose="020F0400000000000000" pitchFamily="34" charset="-128"/>
+            </a:endParaRPr>
+          </a:p>
+        </p:txBody>
+      </p:sp>
+      <p:sp>
+        <p:nvSpPr>
+          <p:cNvPr id="3" name="コンテンツ プレースホルダー 2">
+            <a:extLst>
+              <a:ext uri="{FF2B5EF4-FFF2-40B4-BE49-F238E27FC236}">
+                <a16:creationId xmlns:a16="http://schemas.microsoft.com/office/drawing/2014/main" id="{01E773B8-156E-4743-8E4A-3ED5FB7CC4E2}"/>
+              </a:ext>
+            </a:extLst>
+          </p:cNvPr>
+          <p:cNvSpPr>
+            <a:spLocks noGrp="1"/>
+          </p:cNvSpPr>
+          <p:nvPr>
+            <p:ph idx="1"/>
+          </p:nvPr>
+        </p:nvSpPr>
+        <p:spPr>
+          <a:xfrm>
+            <a:off x="838200" y="1588575"/>
+            <a:ext cx="10515600" cy="4588387"/>
+          </a:xfrm>
+        </p:spPr>
+        <p:txBody>
+          <a:bodyPr>
+            <a:normAutofit/>
+          </a:bodyPr>
+          <a:lstStyle/>
+          <a:p>
+            <a:pPr marL="388620" indent="-342900"/>
+            <a:r>
+              <a:rPr lang="ja-JP" altLang="en-US" sz="2400">
+                <a:solidFill>
+                  <a:schemeClr val="accent5">
+                    <a:lumMod val="50000"/>
+                  </a:schemeClr>
+                </a:solidFill>
+                <a:latin typeface="Hiragino Maru Gothic Pro W4" panose="020F0400000000000000" pitchFamily="34" charset="-128"/>
+                <a:ea typeface="Hiragino Maru Gothic Pro W4" panose="020F0400000000000000" pitchFamily="34" charset="-128"/>
+              </a:rPr>
+              <a:t>援軍やクラゲ応援が必要な場合</a:t>
+            </a:r>
+            <a:br>
+              <a:rPr lang="en-US" altLang="ja-JP" sz="2400" dirty="0">
+                <a:solidFill>
+                  <a:schemeClr val="accent5">
+                    <a:lumMod val="50000"/>
+                  </a:schemeClr>
+                </a:solidFill>
+                <a:latin typeface="Hiragino Maru Gothic Pro W4" panose="020F0400000000000000" pitchFamily="34" charset="-128"/>
+                <a:ea typeface="Hiragino Maru Gothic Pro W4" panose="020F0400000000000000" pitchFamily="34" charset="-128"/>
+              </a:rPr>
+            </a:br>
+            <a:r>
+              <a:rPr lang="ja-JP" altLang="en-US" sz="2000">
+                <a:solidFill>
+                  <a:schemeClr val="accent5">
+                    <a:lumMod val="50000"/>
+                  </a:schemeClr>
+                </a:solidFill>
+                <a:latin typeface="Hiragino Maru Gothic Pro W4" panose="020F0400000000000000" pitchFamily="34" charset="-128"/>
+                <a:ea typeface="Hiragino Maru Gothic Pro W4" panose="020F0400000000000000" pitchFamily="34" charset="-128"/>
+              </a:rPr>
+              <a:t>→</a:t>
+            </a:r>
+            <a:r>
+              <a:rPr lang="en-US" altLang="ja-JP" sz="2000" dirty="0">
+                <a:solidFill>
+                  <a:schemeClr val="accent5">
+                    <a:lumMod val="50000"/>
+                  </a:schemeClr>
+                </a:solidFill>
+                <a:latin typeface="Hiragino Maru Gothic Pro W4" panose="020F0400000000000000" pitchFamily="34" charset="-128"/>
+                <a:ea typeface="Hiragino Maru Gothic Pro W4" panose="020F0400000000000000" pitchFamily="34" charset="-128"/>
+              </a:rPr>
+              <a:t> discord</a:t>
+            </a:r>
+            <a:r>
+              <a:rPr lang="ja-JP" altLang="en-US" sz="2000">
+                <a:solidFill>
+                  <a:schemeClr val="accent5">
+                    <a:lumMod val="50000"/>
+                  </a:schemeClr>
+                </a:solidFill>
+                <a:latin typeface="Hiragino Maru Gothic Pro W4" panose="020F0400000000000000" pitchFamily="34" charset="-128"/>
+                <a:ea typeface="Hiragino Maru Gothic Pro W4" panose="020F0400000000000000" pitchFamily="34" charset="-128"/>
+              </a:rPr>
+              <a:t>でやりとりして柔軟に対応</a:t>
+            </a:r>
+            <a:endParaRPr lang="en-US" altLang="ja-JP" sz="2000" dirty="0">
+              <a:solidFill>
+                <a:schemeClr val="accent5">
+                  <a:lumMod val="50000"/>
+                </a:schemeClr>
+              </a:solidFill>
+              <a:latin typeface="Hiragino Maru Gothic Pro W4" panose="020F0400000000000000" pitchFamily="34" charset="-128"/>
+              <a:ea typeface="Hiragino Maru Gothic Pro W4" panose="020F0400000000000000" pitchFamily="34" charset="-128"/>
+            </a:endParaRPr>
+          </a:p>
+          <a:p>
+            <a:pPr marL="388620" indent="-342900"/>
+            <a:r>
+              <a:rPr lang="ja-JP" altLang="en-US" sz="2400">
+                <a:solidFill>
+                  <a:schemeClr val="accent5">
+                    <a:lumMod val="50000"/>
+                  </a:schemeClr>
+                </a:solidFill>
+                <a:latin typeface="Hiragino Maru Gothic Pro W4" panose="020F0400000000000000" pitchFamily="34" charset="-128"/>
+                <a:ea typeface="Hiragino Maru Gothic Pro W4" panose="020F0400000000000000" pitchFamily="34" charset="-128"/>
+              </a:rPr>
+              <a:t>まほらまが海外リーグに挑戦する場合</a:t>
+            </a:r>
+            <a:br>
+              <a:rPr lang="en-US" altLang="ja-JP" sz="2400" dirty="0">
+                <a:solidFill>
+                  <a:schemeClr val="accent5">
+                    <a:lumMod val="50000"/>
+                  </a:schemeClr>
+                </a:solidFill>
+                <a:latin typeface="Hiragino Maru Gothic Pro W4" panose="020F0400000000000000" pitchFamily="34" charset="-128"/>
+                <a:ea typeface="Hiragino Maru Gothic Pro W4" panose="020F0400000000000000" pitchFamily="34" charset="-128"/>
+              </a:rPr>
+            </a:br>
+            <a:r>
+              <a:rPr lang="ja-JP" altLang="en-US" sz="2000">
+                <a:solidFill>
+                  <a:schemeClr val="accent5">
+                    <a:lumMod val="50000"/>
+                  </a:schemeClr>
+                </a:solidFill>
+                <a:latin typeface="Hiragino Maru Gothic Pro W4" panose="020F0400000000000000" pitchFamily="34" charset="-128"/>
+                <a:ea typeface="Hiragino Maru Gothic Pro W4" panose="020F0400000000000000" pitchFamily="34" charset="-128"/>
+              </a:rPr>
+              <a:t>→</a:t>
+            </a:r>
+            <a:r>
+              <a:rPr lang="en-US" altLang="ja-JP" sz="2000" dirty="0">
+                <a:solidFill>
+                  <a:schemeClr val="accent5">
+                    <a:lumMod val="50000"/>
+                  </a:schemeClr>
+                </a:solidFill>
+                <a:latin typeface="Hiragino Maru Gothic Pro W4" panose="020F0400000000000000" pitchFamily="34" charset="-128"/>
+                <a:ea typeface="Hiragino Maru Gothic Pro W4" panose="020F0400000000000000" pitchFamily="34" charset="-128"/>
+              </a:rPr>
+              <a:t> </a:t>
+            </a:r>
+            <a:r>
+              <a:rPr lang="ja-JP" altLang="en-US" sz="2000">
+                <a:solidFill>
+                  <a:schemeClr val="accent5">
+                    <a:lumMod val="50000"/>
+                  </a:schemeClr>
+                </a:solidFill>
+                <a:latin typeface="Hiragino Maru Gothic Pro W4" panose="020F0400000000000000" pitchFamily="34" charset="-128"/>
+                <a:ea typeface="Hiragino Maru Gothic Pro W4" panose="020F0400000000000000" pitchFamily="34" charset="-128"/>
+              </a:rPr>
+              <a:t>要相談</a:t>
+            </a:r>
+            <a:endParaRPr lang="en-US" altLang="ja-JP" sz="2000" dirty="0">
+              <a:solidFill>
+                <a:schemeClr val="accent5">
+                  <a:lumMod val="50000"/>
+                </a:schemeClr>
+              </a:solidFill>
+              <a:latin typeface="Hiragino Maru Gothic Pro W4" panose="020F0400000000000000" pitchFamily="34" charset="-128"/>
+              <a:ea typeface="Hiragino Maru Gothic Pro W4" panose="020F0400000000000000" pitchFamily="34" charset="-128"/>
+            </a:endParaRPr>
+          </a:p>
+          <a:p>
+            <a:pPr marL="388620" indent="-342900"/>
+            <a:r>
+              <a:rPr lang="ja-JP" altLang="en-US" sz="2400">
+                <a:solidFill>
+                  <a:schemeClr val="accent5">
+                    <a:lumMod val="50000"/>
+                  </a:schemeClr>
+                </a:solidFill>
+                <a:latin typeface="Hiragino Maru Gothic Pro W4" panose="020F0400000000000000" pitchFamily="34" charset="-128"/>
+                <a:ea typeface="Hiragino Maru Gothic Pro W4" panose="020F0400000000000000" pitchFamily="34" charset="-128"/>
+              </a:rPr>
+              <a:t>まほらま</a:t>
+            </a:r>
+            <a:r>
+              <a:rPr lang="en-US" altLang="ja-JP" sz="2400" dirty="0">
+                <a:solidFill>
+                  <a:schemeClr val="accent5">
+                    <a:lumMod val="50000"/>
+                  </a:schemeClr>
+                </a:solidFill>
+                <a:latin typeface="Hiragino Maru Gothic Pro W4" panose="020F0400000000000000" pitchFamily="34" charset="-128"/>
+                <a:ea typeface="Hiragino Maru Gothic Pro W4" panose="020F0400000000000000" pitchFamily="34" charset="-128"/>
+              </a:rPr>
+              <a:t>/</a:t>
+            </a:r>
+            <a:r>
+              <a:rPr lang="ja-JP" altLang="en-US" sz="2400">
+                <a:solidFill>
+                  <a:schemeClr val="accent5">
+                    <a:lumMod val="50000"/>
+                  </a:schemeClr>
+                </a:solidFill>
+                <a:latin typeface="Hiragino Maru Gothic Pro W4" panose="020F0400000000000000" pitchFamily="34" charset="-128"/>
+                <a:ea typeface="Hiragino Maru Gothic Pro W4" panose="020F0400000000000000" pitchFamily="34" charset="-128"/>
+              </a:rPr>
+              <a:t>東方を行き来するメンバー</a:t>
+            </a:r>
+            <a:br>
+              <a:rPr lang="en-US" altLang="ja-JP" sz="2400" dirty="0">
+                <a:solidFill>
+                  <a:schemeClr val="accent5">
+                    <a:lumMod val="50000"/>
+                  </a:schemeClr>
+                </a:solidFill>
+                <a:latin typeface="Hiragino Maru Gothic Pro W4" panose="020F0400000000000000" pitchFamily="34" charset="-128"/>
+                <a:ea typeface="Hiragino Maru Gothic Pro W4" panose="020F0400000000000000" pitchFamily="34" charset="-128"/>
+              </a:rPr>
+            </a:br>
+            <a:r>
+              <a:rPr lang="ja-JP" altLang="en-US" sz="2000">
+                <a:solidFill>
+                  <a:schemeClr val="accent5">
+                    <a:lumMod val="50000"/>
+                  </a:schemeClr>
+                </a:solidFill>
+                <a:latin typeface="Hiragino Maru Gothic Pro W4" panose="020F0400000000000000" pitchFamily="34" charset="-128"/>
+                <a:ea typeface="Hiragino Maru Gothic Pro W4" panose="020F0400000000000000" pitchFamily="34" charset="-128"/>
+              </a:rPr>
+              <a:t>→「郷に入れば郷に従え」をしっかり意識すること</a:t>
+            </a:r>
+            <a:endParaRPr lang="en-US" altLang="ja-JP" sz="2000" dirty="0">
+              <a:solidFill>
+                <a:schemeClr val="accent5">
+                  <a:lumMod val="50000"/>
+                </a:schemeClr>
+              </a:solidFill>
+              <a:latin typeface="Hiragino Maru Gothic Pro W4" panose="020F0400000000000000" pitchFamily="34" charset="-128"/>
+              <a:ea typeface="Hiragino Maru Gothic Pro W4" panose="020F0400000000000000" pitchFamily="34" charset="-128"/>
+            </a:endParaRPr>
+          </a:p>
+          <a:p>
+            <a:pPr marL="845820" lvl="1" indent="-342900"/>
+            <a:r>
+              <a:rPr lang="ja-JP" altLang="en-US" sz="2000">
+                <a:solidFill>
+                  <a:schemeClr val="accent5">
+                    <a:lumMod val="50000"/>
+                  </a:schemeClr>
+                </a:solidFill>
+                <a:latin typeface="Hiragino Maru Gothic Pro W4" panose="020F0400000000000000" pitchFamily="34" charset="-128"/>
+                <a:ea typeface="Hiragino Maru Gothic Pro W4" panose="020F0400000000000000" pitchFamily="34" charset="-128"/>
+              </a:rPr>
+              <a:t>まほらまルール：</a:t>
+            </a:r>
+            <a:r>
+              <a:rPr lang="en-US" altLang="ja-JP" sz="2000" dirty="0">
+                <a:solidFill>
+                  <a:schemeClr val="accent5">
+                    <a:lumMod val="50000"/>
+                  </a:schemeClr>
+                </a:solidFill>
+                <a:latin typeface="Hiragino Maru Gothic Pro W4" panose="020F0400000000000000" pitchFamily="34" charset="-128"/>
+                <a:ea typeface="Hiragino Maru Gothic Pro W4" panose="020F0400000000000000" pitchFamily="34" charset="-128"/>
+                <a:hlinkClick r:id="rId2"/>
+              </a:rPr>
+              <a:t>http://mah0rama.livedoor.blog/archives/20951053.html</a:t>
+            </a:r>
+            <a:endParaRPr lang="en-US" altLang="ja-JP" sz="2000" dirty="0">
+              <a:solidFill>
+                <a:schemeClr val="accent5">
+                  <a:lumMod val="50000"/>
+                </a:schemeClr>
+              </a:solidFill>
+              <a:latin typeface="Hiragino Maru Gothic Pro W4" panose="020F0400000000000000" pitchFamily="34" charset="-128"/>
+              <a:ea typeface="Hiragino Maru Gothic Pro W4" panose="020F0400000000000000" pitchFamily="34" charset="-128"/>
+            </a:endParaRPr>
+          </a:p>
+          <a:p>
+            <a:pPr marL="845820" lvl="1" indent="-342900"/>
+            <a:r>
+              <a:rPr lang="ja-JP" altLang="en-US" sz="2000">
+                <a:solidFill>
+                  <a:schemeClr val="accent5">
+                    <a:lumMod val="50000"/>
+                  </a:schemeClr>
+                </a:solidFill>
+                <a:latin typeface="Hiragino Maru Gothic Pro W4" panose="020F0400000000000000" pitchFamily="34" charset="-128"/>
+                <a:ea typeface="Hiragino Maru Gothic Pro W4" panose="020F0400000000000000" pitchFamily="34" charset="-128"/>
+              </a:rPr>
+              <a:t>東方ルール：クラン説明参照</a:t>
+            </a:r>
+            <a:endParaRPr lang="en-US" altLang="ja-JP" sz="2000" dirty="0">
+              <a:solidFill>
+                <a:schemeClr val="accent5">
+                  <a:lumMod val="50000"/>
+                </a:schemeClr>
+              </a:solidFill>
+              <a:latin typeface="Hiragino Maru Gothic Pro W4" panose="020F0400000000000000" pitchFamily="34" charset="-128"/>
+              <a:ea typeface="Hiragino Maru Gothic Pro W4" panose="020F0400000000000000" pitchFamily="34" charset="-128"/>
+            </a:endParaRPr>
+          </a:p>
+        </p:txBody>
+      </p:sp>
+      <p:sp>
+        <p:nvSpPr>
+          <p:cNvPr id="4" name="スライド番号プレースホルダー 3">
+            <a:extLst>
+              <a:ext uri="{FF2B5EF4-FFF2-40B4-BE49-F238E27FC236}">
+                <a16:creationId xmlns:a16="http://schemas.microsoft.com/office/drawing/2014/main" id="{34C04C8D-49C3-874E-864D-A6289CA1E427}"/>
+              </a:ext>
+            </a:extLst>
+          </p:cNvPr>
+          <p:cNvSpPr>
+            <a:spLocks noGrp="1"/>
+          </p:cNvSpPr>
+          <p:nvPr>
+            <p:ph type="sldNum" sz="quarter" idx="12"/>
+          </p:nvPr>
+        </p:nvSpPr>
+        <p:spPr/>
+        <p:txBody>
+          <a:bodyPr/>
+          <a:lstStyle/>
+          <a:p>
+            <a:pPr rtl="0"/>
+            <a:fld id="{E31375A4-56A4-47D6-9801-1991572033F7}" type="slidenum">
+              <a:rPr lang="en-US" altLang="ja-JP" noProof="0" smtClean="0">
+                <a:solidFill>
+                  <a:srgbClr val="002060"/>
+                </a:solidFill>
+                <a:latin typeface="Hiragino Maru Gothic Pro W4" panose="020F0400000000000000" pitchFamily="34" charset="-128"/>
+                <a:ea typeface="Hiragino Maru Gothic Pro W4" panose="020F0400000000000000" pitchFamily="34" charset="-128"/>
+              </a:rPr>
+              <a:t>35</a:t>
+            </a:fld>
+            <a:endParaRPr lang="ja-JP" altLang="en-US" noProof="0" dirty="0">
+              <a:solidFill>
+                <a:srgbClr val="002060"/>
+              </a:solidFill>
+              <a:latin typeface="Hiragino Maru Gothic Pro W4" panose="020F0400000000000000" pitchFamily="34" charset="-128"/>
+              <a:ea typeface="Hiragino Maru Gothic Pro W4" panose="020F0400000000000000" pitchFamily="34" charset="-128"/>
+            </a:endParaRPr>
+          </a:p>
+        </p:txBody>
+      </p:sp>
+      <p:sp>
+        <p:nvSpPr>
+          <p:cNvPr id="5" name="正方形/長方形 4">
+            <a:extLst>
+              <a:ext uri="{FF2B5EF4-FFF2-40B4-BE49-F238E27FC236}">
+                <a16:creationId xmlns:a16="http://schemas.microsoft.com/office/drawing/2014/main" id="{AAD481A6-5A82-8C46-8022-E6F29848F0CC}"/>
+              </a:ext>
+            </a:extLst>
+          </p:cNvPr>
+          <p:cNvSpPr/>
+          <p:nvPr/>
+        </p:nvSpPr>
+        <p:spPr>
+          <a:xfrm>
+            <a:off x="444137" y="369024"/>
+            <a:ext cx="11225349" cy="5807938"/>
+          </a:xfrm>
+          <a:prstGeom prst="rect">
+            <a:avLst/>
+          </a:prstGeom>
+          <a:solidFill>
+            <a:schemeClr val="dk1">
+              <a:alpha val="50000"/>
+            </a:schemeClr>
+          </a:solidFill>
+          <a:ln>
+            <a:noFill/>
+          </a:ln>
+        </p:spPr>
+        <p:style>
+          <a:lnRef idx="0">
+            <a:scrgbClr r="0" g="0" b="0"/>
+          </a:lnRef>
+          <a:fillRef idx="0">
+            <a:scrgbClr r="0" g="0" b="0"/>
+          </a:fillRef>
+          <a:effectRef idx="0">
+            <a:scrgbClr r="0" g="0" b="0"/>
+          </a:effectRef>
+          <a:fontRef idx="minor">
+            <a:schemeClr val="lt1"/>
+          </a:fontRef>
+        </p:style>
+        <p:txBody>
+          <a:bodyPr rtlCol="0" anchor="ctr"/>
+          <a:lstStyle/>
+          <a:p>
+            <a:pPr algn="ctr"/>
+            <a:endParaRPr kumimoji="1" lang="ja-JP" altLang="en-US"/>
+          </a:p>
+        </p:txBody>
+      </p:sp>
+    </p:spTree>
+    <p:extLst>
+      <p:ext uri="{BB962C8B-B14F-4D97-AF65-F5344CB8AC3E}">
+        <p14:creationId xmlns:p14="http://schemas.microsoft.com/office/powerpoint/2010/main" val="2853936676"/>
       </p:ext>
     </p:extLst>
   </p:cSld>

--- a/東方とまほらまの今後について.pptx
+++ b/東方とまほらまの今後について.pptx
@@ -12923,7 +12923,7 @@
         <p:spPr>
           <a:xfrm>
             <a:off x="5785104" y="4036170"/>
-            <a:ext cx="5057067" cy="457193"/>
+            <a:ext cx="5057067" cy="322761"/>
           </a:xfrm>
           <a:prstGeom prst="roundRect">
             <a:avLst/>
@@ -13011,8 +13011,8 @@
         </p:nvSpPr>
         <p:spPr>
           <a:xfrm>
-            <a:off x="5785104" y="4544530"/>
-            <a:ext cx="5057067" cy="457193"/>
+            <a:off x="5785104" y="4431479"/>
+            <a:ext cx="5057067" cy="322761"/>
           </a:xfrm>
           <a:prstGeom prst="roundRect">
             <a:avLst/>
@@ -13093,8 +13093,8 @@
         </p:nvSpPr>
         <p:spPr>
           <a:xfrm>
-            <a:off x="5785104" y="5054762"/>
-            <a:ext cx="5057067" cy="457193"/>
+            <a:off x="5785103" y="4836855"/>
+            <a:ext cx="5057067" cy="322761"/>
           </a:xfrm>
           <a:prstGeom prst="roundRect">
             <a:avLst/>
@@ -13182,8 +13182,8 @@
         </p:nvSpPr>
         <p:spPr>
           <a:xfrm>
-            <a:off x="5785104" y="5564994"/>
-            <a:ext cx="5057067" cy="457193"/>
+            <a:off x="5785103" y="5232164"/>
+            <a:ext cx="5057067" cy="322761"/>
           </a:xfrm>
           <a:prstGeom prst="roundRect">
             <a:avLst/>
@@ -13244,6 +13244,123 @@
               <a:t>)</a:t>
             </a:r>
             <a:endParaRPr kumimoji="1" lang="ja-JP" altLang="en-US" sz="1600">
+              <a:latin typeface="Hiragino Maru Gothic Pro W4" panose="020F0400000000000000" pitchFamily="34" charset="-128"/>
+              <a:ea typeface="Hiragino Maru Gothic Pro W4" panose="020F0400000000000000" pitchFamily="34" charset="-128"/>
+            </a:endParaRPr>
+          </a:p>
+        </p:txBody>
+      </p:sp>
+      <p:sp>
+        <p:nvSpPr>
+          <p:cNvPr id="28" name="角丸四角形 27">
+            <a:extLst>
+              <a:ext uri="{FF2B5EF4-FFF2-40B4-BE49-F238E27FC236}">
+                <a16:creationId xmlns:a16="http://schemas.microsoft.com/office/drawing/2014/main" id="{E60A03D5-46FB-0A40-92C5-29B98A5BE4A4}"/>
+              </a:ext>
+            </a:extLst>
+          </p:cNvPr>
+          <p:cNvSpPr/>
+          <p:nvPr/>
+        </p:nvSpPr>
+        <p:spPr>
+          <a:xfrm>
+            <a:off x="5785102" y="5637540"/>
+            <a:ext cx="5057067" cy="322761"/>
+          </a:xfrm>
+          <a:prstGeom prst="roundRect">
+            <a:avLst/>
+          </a:prstGeom>
+        </p:spPr>
+        <p:style>
+          <a:lnRef idx="3">
+            <a:schemeClr val="lt1"/>
+          </a:lnRef>
+          <a:fillRef idx="1">
+            <a:schemeClr val="accent6"/>
+          </a:fillRef>
+          <a:effectRef idx="1">
+            <a:schemeClr val="accent6"/>
+          </a:effectRef>
+          <a:fontRef idx="minor">
+            <a:schemeClr val="lt1"/>
+          </a:fontRef>
+        </p:style>
+        <p:txBody>
+          <a:bodyPr rtlCol="0" anchor="ctr"/>
+          <a:lstStyle/>
+          <a:p>
+            <a:pPr algn="ctr"/>
+            <a:r>
+              <a:rPr lang="en-US" altLang="ja-JP" sz="1600" dirty="0">
+                <a:latin typeface="Hiragino Maru Gothic Pro W4" panose="020F0400000000000000" pitchFamily="34" charset="-128"/>
+                <a:ea typeface="Hiragino Maru Gothic Pro W4" panose="020F0400000000000000" pitchFamily="34" charset="-128"/>
+              </a:rPr>
+              <a:t>TH13</a:t>
+            </a:r>
+            <a:r>
+              <a:rPr lang="ja-JP" altLang="en-US" sz="1600">
+                <a:latin typeface="Hiragino Maru Gothic Pro W4" panose="020F0400000000000000" pitchFamily="34" charset="-128"/>
+                <a:ea typeface="Hiragino Maru Gothic Pro W4" panose="020F0400000000000000" pitchFamily="34" charset="-128"/>
+              </a:rPr>
+              <a:t>以上援軍送り勢</a:t>
+            </a:r>
+            <a:r>
+              <a:rPr kumimoji="1" lang="en-US" altLang="ja-JP" sz="1200" dirty="0">
+                <a:latin typeface="Hiragino Maru Gothic Pro W4" panose="020F0400000000000000" pitchFamily="34" charset="-128"/>
+                <a:ea typeface="Hiragino Maru Gothic Pro W4" panose="020F0400000000000000" pitchFamily="34" charset="-128"/>
+              </a:rPr>
+              <a:t> </a:t>
+            </a:r>
+            <a:r>
+              <a:rPr lang="en-US" altLang="ja-JP" sz="1200" dirty="0">
+                <a:latin typeface="Hiragino Maru Gothic Pro W4" panose="020F0400000000000000" pitchFamily="34" charset="-128"/>
+                <a:ea typeface="Hiragino Maru Gothic Pro W4" panose="020F0400000000000000" pitchFamily="34" charset="-128"/>
+              </a:rPr>
+              <a:t>(</a:t>
+            </a:r>
+            <a:r>
+              <a:rPr lang="ja-JP" altLang="en-US" sz="1200">
+                <a:latin typeface="Hiragino Maru Gothic Pro W4" panose="020F0400000000000000" pitchFamily="34" charset="-128"/>
+                <a:ea typeface="Hiragino Maru Gothic Pro W4" panose="020F0400000000000000" pitchFamily="34" charset="-128"/>
+              </a:rPr>
+              <a:t>有志：あっちゃん、</a:t>
+            </a:r>
+            <a:r>
+              <a:rPr lang="en-US" altLang="ja-JP" sz="1200" dirty="0" err="1">
+                <a:latin typeface="Hiragino Maru Gothic Pro W4" panose="020F0400000000000000" pitchFamily="34" charset="-128"/>
+                <a:ea typeface="Hiragino Maru Gothic Pro W4" panose="020F0400000000000000" pitchFamily="34" charset="-128"/>
+              </a:rPr>
+              <a:t>bigtree</a:t>
+            </a:r>
+            <a:r>
+              <a:rPr lang="ja-JP" altLang="en-US" sz="1200">
+                <a:latin typeface="Hiragino Maru Gothic Pro W4" panose="020F0400000000000000" pitchFamily="34" charset="-128"/>
+                <a:ea typeface="Hiragino Maru Gothic Pro W4" panose="020F0400000000000000" pitchFamily="34" charset="-128"/>
+              </a:rPr>
+              <a:t>サブ</a:t>
+            </a:r>
+            <a:r>
+              <a:rPr lang="en-US" altLang="ja-JP" sz="1200" dirty="0">
+                <a:latin typeface="Hiragino Maru Gothic Pro W4" panose="020F0400000000000000" pitchFamily="34" charset="-128"/>
+                <a:ea typeface="Hiragino Maru Gothic Pro W4" panose="020F0400000000000000" pitchFamily="34" charset="-128"/>
+              </a:rPr>
+              <a:t> </a:t>
+            </a:r>
+            <a:r>
+              <a:rPr lang="ja-JP" altLang="en-US" sz="1200">
+                <a:latin typeface="Hiragino Maru Gothic Pro W4" panose="020F0400000000000000" pitchFamily="34" charset="-128"/>
+                <a:ea typeface="Hiragino Maru Gothic Pro W4" panose="020F0400000000000000" pitchFamily="34" charset="-128"/>
+              </a:rPr>
+              <a:t>等</a:t>
+            </a:r>
+            <a:r>
+              <a:rPr lang="en-US" altLang="ja-JP" sz="1200" dirty="0">
+                <a:latin typeface="Hiragino Maru Gothic Pro W4" panose="020F0400000000000000" pitchFamily="34" charset="-128"/>
+                <a:ea typeface="Hiragino Maru Gothic Pro W4" panose="020F0400000000000000" pitchFamily="34" charset="-128"/>
+              </a:rPr>
+              <a:t>)</a:t>
+            </a:r>
+            <a:endParaRPr kumimoji="1" lang="ja-JP" altLang="en-US" sz="1200">
               <a:latin typeface="Hiragino Maru Gothic Pro W4" panose="020F0400000000000000" pitchFamily="34" charset="-128"/>
               <a:ea typeface="Hiragino Maru Gothic Pro W4" panose="020F0400000000000000" pitchFamily="34" charset="-128"/>
             </a:endParaRPr>

--- a/東方とまほらまの今後について.pptx
+++ b/東方とまほらまの今後について.pptx
@@ -5,10 +5,10 @@
     <p:sldMasterId id="2147483828" r:id="rId1"/>
   </p:sldMasterIdLst>
   <p:notesMasterIdLst>
-    <p:notesMasterId r:id="rId46"/>
+    <p:notesMasterId r:id="rId47"/>
   </p:notesMasterIdLst>
   <p:handoutMasterIdLst>
-    <p:handoutMasterId r:id="rId47"/>
+    <p:handoutMasterId r:id="rId48"/>
   </p:handoutMasterIdLst>
   <p:sldIdLst>
     <p:sldId id="256" r:id="rId2"/>
@@ -43,18 +43,19 @@
     <p:sldId id="337" r:id="rId31"/>
     <p:sldId id="338" r:id="rId32"/>
     <p:sldId id="354" r:id="rId33"/>
-    <p:sldId id="355" r:id="rId34"/>
-    <p:sldId id="356" r:id="rId35"/>
-    <p:sldId id="339" r:id="rId36"/>
-    <p:sldId id="357" r:id="rId37"/>
-    <p:sldId id="347" r:id="rId38"/>
-    <p:sldId id="340" r:id="rId39"/>
-    <p:sldId id="341" r:id="rId40"/>
-    <p:sldId id="342" r:id="rId41"/>
-    <p:sldId id="343" r:id="rId42"/>
-    <p:sldId id="344" r:id="rId43"/>
-    <p:sldId id="345" r:id="rId44"/>
-    <p:sldId id="346" r:id="rId45"/>
+    <p:sldId id="358" r:id="rId34"/>
+    <p:sldId id="355" r:id="rId35"/>
+    <p:sldId id="356" r:id="rId36"/>
+    <p:sldId id="339" r:id="rId37"/>
+    <p:sldId id="357" r:id="rId38"/>
+    <p:sldId id="347" r:id="rId39"/>
+    <p:sldId id="340" r:id="rId40"/>
+    <p:sldId id="341" r:id="rId41"/>
+    <p:sldId id="342" r:id="rId42"/>
+    <p:sldId id="343" r:id="rId43"/>
+    <p:sldId id="344" r:id="rId44"/>
+    <p:sldId id="345" r:id="rId45"/>
+    <p:sldId id="346" r:id="rId46"/>
   </p:sldIdLst>
   <p:sldSz cx="12192000" cy="6858000"/>
   <p:notesSz cx="6858000" cy="9144000"/>
@@ -265,7 +266,7 @@
                 <a:latin typeface="ＭＳ 明朝" panose="02020609040205080304" pitchFamily="17" charset="-128"/>
                 <a:ea typeface="ＭＳ 明朝" panose="02020609040205080304" pitchFamily="17" charset="-128"/>
               </a:rPr>
-              <a:t>2021年4月23日</a:t>
+              <a:t>2021年4月26日</a:t>
             </a:fld>
             <a:endParaRPr lang="en-US">
               <a:latin typeface="ＭＳ 明朝" panose="02020609040205080304" pitchFamily="17" charset="-128"/>
@@ -452,7 +453,7 @@
             <a:fld id="{30389980-3DE9-4702-8CE7-20043EFDAF6C}" type="datetime4">
               <a:rPr lang="ja-JP" altLang="en-US" smtClean="0"/>
               <a:pPr/>
-              <a:t>2021年4月23日</a:t>
+              <a:t>2021年4月26日</a:t>
             </a:fld>
             <a:endParaRPr lang="en-US"/>
           </a:p>
@@ -907,7 +908,7 @@
           <a:p>
             <a:fld id="{5ADD3B2F-B41F-7942-990C-7D7FFD69CA5F}" type="datetimeFigureOut">
               <a:rPr kumimoji="1" lang="ja-JP" altLang="en-US" smtClean="0"/>
-              <a:t>2021/4/23</a:t>
+              <a:t>2021/4/26</a:t>
             </a:fld>
             <a:endParaRPr kumimoji="1" lang="ja-JP" altLang="en-US"/>
           </a:p>
@@ -14500,6 +14501,59 @@
       </p:grpSpPr>
       <p:sp>
         <p:nvSpPr>
+          <p:cNvPr id="29" name="正方形/長方形 28">
+            <a:extLst>
+              <a:ext uri="{FF2B5EF4-FFF2-40B4-BE49-F238E27FC236}">
+                <a16:creationId xmlns:a16="http://schemas.microsoft.com/office/drawing/2014/main" id="{70F1F0F5-1E6C-874F-886F-701786DF7272}"/>
+              </a:ext>
+            </a:extLst>
+          </p:cNvPr>
+          <p:cNvSpPr/>
+          <p:nvPr/>
+        </p:nvSpPr>
+        <p:spPr>
+          <a:xfrm>
+            <a:off x="5286345" y="1380921"/>
+            <a:ext cx="6180667" cy="4767556"/>
+          </a:xfrm>
+          <a:prstGeom prst="rect">
+            <a:avLst/>
+          </a:prstGeom>
+        </p:spPr>
+        <p:style>
+          <a:lnRef idx="0">
+            <a:schemeClr val="accent6"/>
+          </a:lnRef>
+          <a:fillRef idx="3">
+            <a:schemeClr val="accent6"/>
+          </a:fillRef>
+          <a:effectRef idx="3">
+            <a:schemeClr val="accent6"/>
+          </a:effectRef>
+          <a:fontRef idx="minor">
+            <a:schemeClr val="lt1"/>
+          </a:fontRef>
+        </p:style>
+        <p:txBody>
+          <a:bodyPr rtlCol="0" anchor="t"/>
+          <a:lstStyle/>
+          <a:p>
+            <a:pPr algn="ctr"/>
+            <a:r>
+              <a:rPr kumimoji="1" lang="en-US" altLang="ja-JP" sz="2200" dirty="0">
+                <a:solidFill>
+                  <a:schemeClr val="bg1"/>
+                </a:solidFill>
+                <a:latin typeface="Hiragino Maru Gothic Pro W4" panose="020F0400000000000000" pitchFamily="34" charset="-128"/>
+                <a:ea typeface="Hiragino Maru Gothic Pro W4" panose="020F0400000000000000" pitchFamily="34" charset="-128"/>
+              </a:rPr>
+              <a:t>TOMARIGI</a:t>
+            </a:r>
+          </a:p>
+        </p:txBody>
+      </p:sp>
+      <p:sp>
+        <p:nvSpPr>
           <p:cNvPr id="2" name="タイトル 1">
             <a:extLst>
               <a:ext uri="{FF2B5EF4-FFF2-40B4-BE49-F238E27FC236}">
@@ -14639,7 +14693,28 @@
               </a:rPr>
               <a:t>ま</a:t>
             </a:r>
-            <a:endParaRPr kumimoji="1" lang="en-US" altLang="ja-JP" sz="2000" dirty="0">
+            <a:r>
+              <a:rPr lang="en-US" altLang="ja-JP" sz="1600" dirty="0">
+                <a:latin typeface="Hiragino Maru Gothic Pro W4" panose="020F0400000000000000" pitchFamily="34" charset="-128"/>
+                <a:ea typeface="Hiragino Maru Gothic Pro W4" panose="020F0400000000000000" pitchFamily="34" charset="-128"/>
+              </a:rPr>
+              <a:t> (</a:t>
+            </a:r>
+            <a:r>
+              <a:rPr lang="ja-JP" altLang="en-US" sz="1600">
+                <a:latin typeface="Hiragino Maru Gothic Pro W4" panose="020F0400000000000000" pitchFamily="34" charset="-128"/>
+                <a:ea typeface="Hiragino Maru Gothic Pro W4" panose="020F0400000000000000" pitchFamily="34" charset="-128"/>
+              </a:rPr>
+              <a:t>本部、桜支部</a:t>
+            </a:r>
+            <a:r>
+              <a:rPr lang="en-US" altLang="ja-JP" sz="1600" dirty="0">
+                <a:latin typeface="Hiragino Maru Gothic Pro W4" panose="020F0400000000000000" pitchFamily="34" charset="-128"/>
+                <a:ea typeface="Hiragino Maru Gothic Pro W4" panose="020F0400000000000000" pitchFamily="34" charset="-128"/>
+              </a:rPr>
+              <a:t>)</a:t>
+            </a:r>
+            <a:endParaRPr kumimoji="1" lang="en-US" altLang="ja-JP" sz="1600" dirty="0">
               <a:latin typeface="Hiragino Maru Gothic Pro W4" panose="020F0400000000000000" pitchFamily="34" charset="-128"/>
               <a:ea typeface="Hiragino Maru Gothic Pro W4" panose="020F0400000000000000" pitchFamily="34" charset="-128"/>
             </a:endParaRPr>
@@ -14693,7 +14768,14 @@
               </a:rPr>
               <a:t>東方</a:t>
             </a:r>
-            <a:endParaRPr lang="en-US" altLang="ja-JP" sz="2000" dirty="0">
+            <a:r>
+              <a:rPr kumimoji="1" lang="en-US" altLang="ja-JP" sz="1600" dirty="0">
+                <a:latin typeface="Hiragino Maru Gothic Pro W4" panose="020F0400000000000000" pitchFamily="34" charset="-128"/>
+                <a:ea typeface="Hiragino Maru Gothic Pro W4" panose="020F0400000000000000" pitchFamily="34" charset="-128"/>
+              </a:rPr>
+              <a:t> (16)</a:t>
+            </a:r>
+            <a:endParaRPr lang="en-US" altLang="ja-JP" sz="1600" dirty="0">
               <a:latin typeface="Hiragino Maru Gothic Pro W4" panose="020F0400000000000000" pitchFamily="34" charset="-128"/>
               <a:ea typeface="Hiragino Maru Gothic Pro W4" panose="020F0400000000000000" pitchFamily="34" charset="-128"/>
             </a:endParaRPr>
@@ -15049,7 +15131,7 @@
         </p:nvSpPr>
         <p:spPr>
           <a:xfrm>
-            <a:off x="4320480" y="3314293"/>
+            <a:off x="4207267" y="3314293"/>
             <a:ext cx="978408" cy="809614"/>
           </a:xfrm>
           <a:prstGeom prst="rightArrow">
@@ -15093,21 +15175,21 @@
         </p:nvSpPr>
         <p:spPr>
           <a:xfrm>
-            <a:off x="5499050" y="1397005"/>
-            <a:ext cx="5741537" cy="1640237"/>
+            <a:off x="5499050" y="1806325"/>
+            <a:ext cx="5741537" cy="1568932"/>
           </a:xfrm>
           <a:prstGeom prst="rect">
             <a:avLst/>
           </a:prstGeom>
         </p:spPr>
         <p:style>
-          <a:lnRef idx="0">
-            <a:schemeClr val="accent6"/>
+          <a:lnRef idx="3">
+            <a:schemeClr val="lt1"/>
           </a:lnRef>
-          <a:fillRef idx="3">
+          <a:fillRef idx="1">
             <a:schemeClr val="accent6"/>
           </a:fillRef>
-          <a:effectRef idx="3">
+          <a:effectRef idx="1">
             <a:schemeClr val="accent6"/>
           </a:effectRef>
           <a:fontRef idx="minor">
@@ -15127,34 +15209,34 @@
               <a:t>TOMARIGI</a:t>
             </a:r>
             <a:r>
-              <a:rPr lang="en-US" altLang="ja-JP" sz="2000" dirty="0">
+              <a:rPr lang="en-US" altLang="ja-JP" sz="1600" dirty="0">
                 <a:latin typeface="Hiragino Maru Gothic Pro W4" panose="020F0400000000000000" pitchFamily="34" charset="-128"/>
                 <a:ea typeface="Hiragino Maru Gothic Pro W4" panose="020F0400000000000000" pitchFamily="34" charset="-128"/>
               </a:rPr>
               <a:t> </a:t>
             </a:r>
             <a:r>
-              <a:rPr kumimoji="1" lang="en-US" altLang="ja-JP" sz="2000" dirty="0">
+              <a:rPr kumimoji="1" lang="en-US" altLang="ja-JP" sz="1600" dirty="0">
                 <a:latin typeface="Hiragino Maru Gothic Pro W4" panose="020F0400000000000000" pitchFamily="34" charset="-128"/>
                 <a:ea typeface="Hiragino Maru Gothic Pro W4" panose="020F0400000000000000" pitchFamily="34" charset="-128"/>
               </a:rPr>
               <a:t>(</a:t>
             </a:r>
             <a:r>
-              <a:rPr kumimoji="1" lang="ja-JP" altLang="en-US" sz="2000">
+              <a:rPr kumimoji="1" lang="ja-JP" altLang="en-US" sz="1600">
                 <a:latin typeface="Hiragino Maru Gothic Pro W4" panose="020F0400000000000000" pitchFamily="34" charset="-128"/>
                 <a:ea typeface="Hiragino Maru Gothic Pro W4" panose="020F0400000000000000" pitchFamily="34" charset="-128"/>
               </a:rPr>
               <a:t>アクティブクラン</a:t>
             </a:r>
             <a:r>
-              <a:rPr kumimoji="1" lang="en-US" altLang="ja-JP" sz="2000" dirty="0">
+              <a:rPr kumimoji="1" lang="en-US" altLang="ja-JP" sz="1600" dirty="0">
                 <a:latin typeface="Hiragino Maru Gothic Pro W4" panose="020F0400000000000000" pitchFamily="34" charset="-128"/>
                 <a:ea typeface="Hiragino Maru Gothic Pro W4" panose="020F0400000000000000" pitchFamily="34" charset="-128"/>
               </a:rPr>
               <a:t>)</a:t>
             </a:r>
-            <a:endParaRPr kumimoji="1" lang="en-US" altLang="ja-JP" sz="2000" dirty="0">
+            <a:endParaRPr kumimoji="1" lang="en-US" altLang="ja-JP" sz="1600" dirty="0">
               <a:solidFill>
                 <a:srgbClr val="FF0000"/>
               </a:solidFill>
@@ -15178,7 +15260,7 @@
         </p:nvSpPr>
         <p:spPr>
           <a:xfrm>
-            <a:off x="5785105" y="1879167"/>
+            <a:off x="5785105" y="2244941"/>
             <a:ext cx="5057066" cy="457193"/>
           </a:xfrm>
           <a:prstGeom prst="roundRect">
@@ -15267,7 +15349,7 @@
         </p:nvSpPr>
         <p:spPr>
           <a:xfrm>
-            <a:off x="5785105" y="2421447"/>
+            <a:off x="5785105" y="2787221"/>
             <a:ext cx="5057066" cy="457193"/>
           </a:xfrm>
           <a:prstGeom prst="roundRect">
@@ -15349,22 +15431,22 @@
         </p:nvSpPr>
         <p:spPr>
           <a:xfrm>
-            <a:off x="5499049" y="3533093"/>
-            <a:ext cx="5741537" cy="2615383"/>
+            <a:off x="5499049" y="3461977"/>
+            <a:ext cx="5741537" cy="2625314"/>
           </a:xfrm>
           <a:prstGeom prst="rect">
             <a:avLst/>
           </a:prstGeom>
         </p:spPr>
         <p:style>
-          <a:lnRef idx="0">
-            <a:schemeClr val="accent1"/>
+          <a:lnRef idx="3">
+            <a:schemeClr val="lt1"/>
           </a:lnRef>
-          <a:fillRef idx="3">
-            <a:schemeClr val="accent1"/>
+          <a:fillRef idx="1">
+            <a:schemeClr val="accent6"/>
           </a:fillRef>
-          <a:effectRef idx="3">
-            <a:schemeClr val="accent1"/>
+          <a:effectRef idx="1">
+            <a:schemeClr val="accent6"/>
           </a:effectRef>
           <a:fontRef idx="minor">
             <a:schemeClr val="lt1"/>
@@ -15387,58 +15469,78 @@
                 <a:latin typeface="Hiragino Maru Gothic Pro W4" panose="020F0400000000000000" pitchFamily="34" charset="-128"/>
                 <a:ea typeface="Hiragino Maru Gothic Pro W4" panose="020F0400000000000000" pitchFamily="34" charset="-128"/>
               </a:rPr>
-              <a:t> </a:t>
-            </a:r>
-            <a:r>
-              <a:rPr kumimoji="1" lang="en-US" altLang="ja-JP" sz="2000" dirty="0">
+              <a:t>〜</a:t>
+            </a:r>
+            <a:r>
+              <a:rPr lang="ja-JP" altLang="en-US" sz="2000">
+                <a:latin typeface="Hiragino Maru Gothic Pro W4" panose="020F0400000000000000" pitchFamily="34" charset="-128"/>
+                <a:ea typeface="Hiragino Maru Gothic Pro W4" panose="020F0400000000000000" pitchFamily="34" charset="-128"/>
+              </a:rPr>
+              <a:t>摩天楼</a:t>
+            </a:r>
+            <a:r>
+              <a:rPr lang="en-US" altLang="ja-JP" sz="1600" dirty="0">
+                <a:latin typeface="Hiragino Maru Gothic Pro W4" panose="020F0400000000000000" pitchFamily="34" charset="-128"/>
+                <a:ea typeface="Hiragino Maru Gothic Pro W4" panose="020F0400000000000000" pitchFamily="34" charset="-128"/>
+              </a:rPr>
+              <a:t>〜 </a:t>
+            </a:r>
+            <a:r>
+              <a:rPr kumimoji="1" lang="en-US" altLang="ja-JP" sz="1600" dirty="0">
                 <a:latin typeface="Hiragino Maru Gothic Pro W4" panose="020F0400000000000000" pitchFamily="34" charset="-128"/>
                 <a:ea typeface="Hiragino Maru Gothic Pro W4" panose="020F0400000000000000" pitchFamily="34" charset="-128"/>
               </a:rPr>
               <a:t>(</a:t>
             </a:r>
             <a:r>
-              <a:rPr kumimoji="1" lang="ja-JP" altLang="en-US" sz="2000">
+              <a:rPr kumimoji="1" lang="ja-JP" altLang="en-US" sz="1600">
                 <a:latin typeface="Hiragino Maru Gothic Pro W4" panose="020F0400000000000000" pitchFamily="34" charset="-128"/>
                 <a:ea typeface="Hiragino Maru Gothic Pro W4" panose="020F0400000000000000" pitchFamily="34" charset="-128"/>
               </a:rPr>
               <a:t>ファーミングクラン</a:t>
             </a:r>
             <a:r>
-              <a:rPr kumimoji="1" lang="en-US" altLang="ja-JP" sz="2000" dirty="0">
+              <a:rPr kumimoji="1" lang="en-US" altLang="ja-JP" sz="1600" dirty="0">
                 <a:latin typeface="Hiragino Maru Gothic Pro W4" panose="020F0400000000000000" pitchFamily="34" charset="-128"/>
                 <a:ea typeface="Hiragino Maru Gothic Pro W4" panose="020F0400000000000000" pitchFamily="34" charset="-128"/>
               </a:rPr>
               <a:t>)</a:t>
             </a:r>
-            <a:r>
+            <a:br>
               <a:rPr lang="en-US" altLang="ja-JP" sz="2000" dirty="0">
                 <a:latin typeface="Hiragino Maru Gothic Pro W4" panose="020F0400000000000000" pitchFamily="34" charset="-128"/>
                 <a:ea typeface="Hiragino Maru Gothic Pro W4" panose="020F0400000000000000" pitchFamily="34" charset="-128"/>
               </a:rPr>
-              <a:t> </a:t>
-            </a:r>
-            <a:r>
-              <a:rPr kumimoji="1" lang="en-US" altLang="ja-JP" sz="1000" b="1" dirty="0">
+            </a:br>
+            <a:r>
+              <a:rPr kumimoji="1" lang="en-US" altLang="ja-JP" sz="1200" b="1" dirty="0">
                 <a:latin typeface="Hiragino Maru Gothic Pro W4" panose="020F0400000000000000" pitchFamily="34" charset="-128"/>
                 <a:ea typeface="Hiragino Maru Gothic Pro W4" panose="020F0400000000000000" pitchFamily="34" charset="-128"/>
               </a:rPr>
               <a:t>※</a:t>
             </a:r>
             <a:r>
-              <a:rPr lang="ja-JP" altLang="en-US" sz="1000" b="1">
-                <a:latin typeface="Hiragino Maru Gothic Pro W4" panose="020F0400000000000000" pitchFamily="34" charset="-128"/>
-                <a:ea typeface="Hiragino Maru Gothic Pro W4" panose="020F0400000000000000" pitchFamily="34" charset="-128"/>
-              </a:rPr>
-              <a:t>将来、</a:t>
-            </a:r>
-            <a:r>
-              <a:rPr kumimoji="1" lang="ja-JP" altLang="en-US" sz="1000" b="1">
-                <a:latin typeface="Hiragino Maru Gothic Pro W4" panose="020F0400000000000000" pitchFamily="34" charset="-128"/>
-                <a:ea typeface="Hiragino Maru Gothic Pro W4" panose="020F0400000000000000" pitchFamily="34" charset="-128"/>
-              </a:rPr>
-              <a:t>新クラン起こすかも</a:t>
-            </a:r>
-            <a:endParaRPr kumimoji="1" lang="en-US" altLang="ja-JP" sz="1000" b="1" dirty="0">
+              <a:rPr lang="ja-JP" altLang="en-US" sz="1200" b="1">
+                <a:latin typeface="Hiragino Maru Gothic Pro W4" panose="020F0400000000000000" pitchFamily="34" charset="-128"/>
+                <a:ea typeface="Hiragino Maru Gothic Pro W4" panose="020F0400000000000000" pitchFamily="34" charset="-128"/>
+              </a:rPr>
+              <a:t>将来的に</a:t>
+            </a:r>
+            <a:r>
+              <a:rPr kumimoji="1" lang="ja-JP" altLang="en-US" sz="1200" b="1">
+                <a:latin typeface="Hiragino Maru Gothic Pro W4" panose="020F0400000000000000" pitchFamily="34" charset="-128"/>
+                <a:ea typeface="Hiragino Maru Gothic Pro W4" panose="020F0400000000000000" pitchFamily="34" charset="-128"/>
+              </a:rPr>
+              <a:t>新クラン</a:t>
+            </a:r>
+            <a:r>
+              <a:rPr lang="ja-JP" altLang="en-US" sz="1200" b="1">
+                <a:latin typeface="Hiragino Maru Gothic Pro W4" panose="020F0400000000000000" pitchFamily="34" charset="-128"/>
+                <a:ea typeface="Hiragino Maru Gothic Pro W4" panose="020F0400000000000000" pitchFamily="34" charset="-128"/>
+              </a:rPr>
+              <a:t>になります、摩天楼は借り物です</a:t>
+            </a:r>
+            <a:endParaRPr kumimoji="1" lang="en-US" altLang="ja-JP" sz="1200" b="1" dirty="0">
               <a:solidFill>
                 <a:srgbClr val="FF0000"/>
               </a:solidFill>
@@ -15462,7 +15564,7 @@
         </p:nvSpPr>
         <p:spPr>
           <a:xfrm>
-            <a:off x="5785104" y="4036170"/>
+            <a:off x="5785104" y="4069561"/>
             <a:ext cx="5057067" cy="322761"/>
           </a:xfrm>
           <a:prstGeom prst="roundRect">
@@ -15551,7 +15653,7 @@
         </p:nvSpPr>
         <p:spPr>
           <a:xfrm>
-            <a:off x="5785104" y="4431479"/>
+            <a:off x="5785104" y="4464870"/>
             <a:ext cx="5057067" cy="322761"/>
           </a:xfrm>
           <a:prstGeom prst="roundRect">
@@ -15633,7 +15735,7 @@
         </p:nvSpPr>
         <p:spPr>
           <a:xfrm>
-            <a:off x="5785103" y="4836855"/>
+            <a:off x="5785103" y="4870246"/>
             <a:ext cx="5057067" cy="322761"/>
           </a:xfrm>
           <a:prstGeom prst="roundRect">
@@ -15722,7 +15824,7 @@
         </p:nvSpPr>
         <p:spPr>
           <a:xfrm>
-            <a:off x="5785103" y="5232164"/>
+            <a:off x="5785103" y="5265555"/>
             <a:ext cx="5057067" cy="322761"/>
           </a:xfrm>
           <a:prstGeom prst="roundRect">
@@ -15804,7 +15906,7 @@
         </p:nvSpPr>
         <p:spPr>
           <a:xfrm>
-            <a:off x="5785102" y="5637540"/>
+            <a:off x="5785102" y="5670931"/>
             <a:ext cx="5057067" cy="322761"/>
           </a:xfrm>
           <a:prstGeom prst="roundRect">
@@ -15845,161 +15947,37 @@
               <a:t>以上援軍送り勢</a:t>
             </a:r>
             <a:r>
-              <a:rPr kumimoji="1" lang="en-US" altLang="ja-JP" sz="1200" dirty="0">
+              <a:rPr kumimoji="1" lang="en-US" altLang="ja-JP" sz="1600" dirty="0">
                 <a:latin typeface="Hiragino Maru Gothic Pro W4" panose="020F0400000000000000" pitchFamily="34" charset="-128"/>
                 <a:ea typeface="Hiragino Maru Gothic Pro W4" panose="020F0400000000000000" pitchFamily="34" charset="-128"/>
               </a:rPr>
               <a:t> </a:t>
             </a:r>
             <a:r>
-              <a:rPr lang="en-US" altLang="ja-JP" sz="1200" dirty="0">
-                <a:latin typeface="Hiragino Maru Gothic Pro W4" panose="020F0400000000000000" pitchFamily="34" charset="-128"/>
-                <a:ea typeface="Hiragino Maru Gothic Pro W4" panose="020F0400000000000000" pitchFamily="34" charset="-128"/>
-              </a:rPr>
-              <a:t>(</a:t>
-            </a:r>
-            <a:r>
-              <a:rPr lang="ja-JP" altLang="en-US" sz="1200">
-                <a:latin typeface="Hiragino Maru Gothic Pro W4" panose="020F0400000000000000" pitchFamily="34" charset="-128"/>
-                <a:ea typeface="Hiragino Maru Gothic Pro W4" panose="020F0400000000000000" pitchFamily="34" charset="-128"/>
-              </a:rPr>
-              <a:t>有志：あっちゃん、</a:t>
-            </a:r>
-            <a:r>
-              <a:rPr lang="en-US" altLang="ja-JP" sz="1200" dirty="0" err="1">
-                <a:latin typeface="Hiragino Maru Gothic Pro W4" panose="020F0400000000000000" pitchFamily="34" charset="-128"/>
-                <a:ea typeface="Hiragino Maru Gothic Pro W4" panose="020F0400000000000000" pitchFamily="34" charset="-128"/>
-              </a:rPr>
-              <a:t>bigtree</a:t>
-            </a:r>
-            <a:r>
-              <a:rPr lang="ja-JP" altLang="en-US" sz="1200">
-                <a:latin typeface="Hiragino Maru Gothic Pro W4" panose="020F0400000000000000" pitchFamily="34" charset="-128"/>
-                <a:ea typeface="Hiragino Maru Gothic Pro W4" panose="020F0400000000000000" pitchFamily="34" charset="-128"/>
-              </a:rPr>
-              <a:t>サブ</a:t>
-            </a:r>
-            <a:r>
-              <a:rPr lang="en-US" altLang="ja-JP" sz="1200" dirty="0">
-                <a:latin typeface="Hiragino Maru Gothic Pro W4" panose="020F0400000000000000" pitchFamily="34" charset="-128"/>
-                <a:ea typeface="Hiragino Maru Gothic Pro W4" panose="020F0400000000000000" pitchFamily="34" charset="-128"/>
-              </a:rPr>
-              <a:t> </a:t>
-            </a:r>
-            <a:r>
-              <a:rPr lang="ja-JP" altLang="en-US" sz="1200">
-                <a:latin typeface="Hiragino Maru Gothic Pro W4" panose="020F0400000000000000" pitchFamily="34" charset="-128"/>
-                <a:ea typeface="Hiragino Maru Gothic Pro W4" panose="020F0400000000000000" pitchFamily="34" charset="-128"/>
-              </a:rPr>
-              <a:t>等</a:t>
-            </a:r>
-            <a:r>
-              <a:rPr lang="en-US" altLang="ja-JP" sz="1200" dirty="0">
+              <a:rPr lang="en-US" altLang="ja-JP" sz="1600" dirty="0">
+                <a:latin typeface="Hiragino Maru Gothic Pro W4" panose="020F0400000000000000" pitchFamily="34" charset="-128"/>
+                <a:ea typeface="Hiragino Maru Gothic Pro W4" panose="020F0400000000000000" pitchFamily="34" charset="-128"/>
+              </a:rPr>
+              <a:t>(TOMARIGI</a:t>
+            </a:r>
+            <a:r>
+              <a:rPr lang="ja-JP" altLang="en-US" sz="1600">
+                <a:latin typeface="Hiragino Maru Gothic Pro W4" panose="020F0400000000000000" pitchFamily="34" charset="-128"/>
+                <a:ea typeface="Hiragino Maru Gothic Pro W4" panose="020F0400000000000000" pitchFamily="34" charset="-128"/>
+              </a:rPr>
+              <a:t>運営陣</a:t>
+            </a:r>
+            <a:r>
+              <a:rPr lang="en-US" altLang="ja-JP" sz="1600" dirty="0">
                 <a:latin typeface="Hiragino Maru Gothic Pro W4" panose="020F0400000000000000" pitchFamily="34" charset="-128"/>
                 <a:ea typeface="Hiragino Maru Gothic Pro W4" panose="020F0400000000000000" pitchFamily="34" charset="-128"/>
               </a:rPr>
               <a:t>)</a:t>
             </a:r>
-            <a:endParaRPr kumimoji="1" lang="ja-JP" altLang="en-US" sz="1200">
+            <a:endParaRPr kumimoji="1" lang="ja-JP" altLang="en-US" sz="1600">
               <a:latin typeface="Hiragino Maru Gothic Pro W4" panose="020F0400000000000000" pitchFamily="34" charset="-128"/>
               <a:ea typeface="Hiragino Maru Gothic Pro W4" panose="020F0400000000000000" pitchFamily="34" charset="-128"/>
             </a:endParaRPr>
-          </a:p>
-        </p:txBody>
-      </p:sp>
-      <p:pic>
-        <p:nvPicPr>
-          <p:cNvPr id="7" name="グラフィックス 6" descr="環状の矢印 単色塗りつぶし">
-            <a:extLst>
-              <a:ext uri="{FF2B5EF4-FFF2-40B4-BE49-F238E27FC236}">
-                <a16:creationId xmlns:a16="http://schemas.microsoft.com/office/drawing/2014/main" id="{3AADDA43-A118-F347-9346-696FA6E06CDF}"/>
-              </a:ext>
-            </a:extLst>
-          </p:cNvPr>
-          <p:cNvPicPr>
-            <a:picLocks noChangeAspect="1"/>
-          </p:cNvPicPr>
-          <p:nvPr/>
-        </p:nvPicPr>
-        <p:blipFill>
-          <a:blip r:embed="rId2">
-            <a:extLst>
-              <a:ext uri="{28A0092B-C50C-407E-A947-70E740481C1C}">
-                <a14:useLocalDpi xmlns:a14="http://schemas.microsoft.com/office/drawing/2010/main" val="0"/>
-              </a:ext>
-              <a:ext uri="{96DAC541-7B7A-43D3-8B79-37D633B846F1}">
-                <asvg:svgBlip xmlns:asvg="http://schemas.microsoft.com/office/drawing/2016/SVG/main" r:embed="rId3"/>
-              </a:ext>
-            </a:extLst>
-          </a:blip>
-          <a:stretch>
-            <a:fillRect/>
-          </a:stretch>
-        </p:blipFill>
-        <p:spPr>
-          <a:xfrm>
-            <a:off x="6381121" y="3002830"/>
-            <a:ext cx="574272" cy="574272"/>
-          </a:xfrm>
-          <a:prstGeom prst="rect">
-            <a:avLst/>
-          </a:prstGeom>
-          <a:effectLst>
-            <a:outerShdw blurRad="50800" dist="38100" dir="2700000" algn="tl" rotWithShape="0">
-              <a:prstClr val="black">
-                <a:alpha val="40000"/>
-              </a:prstClr>
-            </a:outerShdw>
-          </a:effectLst>
-        </p:spPr>
-      </p:pic>
-      <p:sp>
-        <p:nvSpPr>
-          <p:cNvPr id="8" name="テキスト ボックス 7">
-            <a:extLst>
-              <a:ext uri="{FF2B5EF4-FFF2-40B4-BE49-F238E27FC236}">
-                <a16:creationId xmlns:a16="http://schemas.microsoft.com/office/drawing/2014/main" id="{0305C371-3BF5-7F40-84B5-CE7F188029E9}"/>
-              </a:ext>
-            </a:extLst>
-          </p:cNvPr>
-          <p:cNvSpPr txBox="1"/>
-          <p:nvPr/>
-        </p:nvSpPr>
-        <p:spPr>
-          <a:xfrm>
-            <a:off x="6846126" y="3102439"/>
-            <a:ext cx="4359624" cy="400110"/>
-          </a:xfrm>
-          <a:prstGeom prst="rect">
-            <a:avLst/>
-          </a:prstGeom>
-          <a:noFill/>
-        </p:spPr>
-        <p:txBody>
-          <a:bodyPr wrap="square" rtlCol="0">
-            <a:spAutoFit/>
-          </a:bodyPr>
-          <a:lstStyle/>
-          <a:p>
-            <a:r>
-              <a:rPr kumimoji="1" lang="ja-JP" altLang="en-US" sz="2000">
-                <a:solidFill>
-                  <a:schemeClr val="accent5">
-                    <a:lumMod val="50000"/>
-                  </a:schemeClr>
-                </a:solidFill>
-                <a:effectLst>
-                  <a:outerShdw blurRad="50800" dist="38100" dir="2700000" algn="tl" rotWithShape="0">
-                    <a:prstClr val="black">
-                      <a:alpha val="40000"/>
-                    </a:prstClr>
-                  </a:outerShdw>
-                </a:effectLst>
-                <a:latin typeface="Hiragino Maru Gothic Pro W4" panose="020F0400000000000000" pitchFamily="34" charset="-128"/>
-                <a:ea typeface="Hiragino Maru Gothic Pro W4" panose="020F0400000000000000" pitchFamily="34" charset="-128"/>
-              </a:rPr>
-              <a:t>別クランではあるが協力体制を構築</a:t>
-            </a:r>
           </a:p>
         </p:txBody>
       </p:sp>
@@ -16125,7 +16103,7 @@
             <a:r>
               <a:rPr lang="ja-JP" altLang="en-US">
                 <a:solidFill>
-                  <a:schemeClr val="bg1">
+                  <a:schemeClr val="accent5">
                     <a:lumMod val="50000"/>
                   </a:schemeClr>
                 </a:solidFill>
@@ -16137,7 +16115,7 @@
             <a:r>
               <a:rPr lang="en-US" altLang="ja-JP" dirty="0">
                 <a:solidFill>
-                  <a:schemeClr val="bg1">
+                  <a:schemeClr val="accent5">
                     <a:lumMod val="50000"/>
                   </a:schemeClr>
                 </a:solidFill>
@@ -16149,7 +16127,7 @@
             <a:r>
               <a:rPr lang="ja-JP" altLang="en-US">
                 <a:solidFill>
-                  <a:schemeClr val="bg1">
+                  <a:schemeClr val="accent5">
                     <a:lumMod val="50000"/>
                   </a:schemeClr>
                 </a:solidFill>
@@ -16160,7 +16138,7 @@
             </a:r>
             <a:endParaRPr lang="en-US" altLang="ja-JP" dirty="0">
               <a:solidFill>
-                <a:schemeClr val="bg1">
+                <a:schemeClr val="accent5">
                   <a:lumMod val="50000"/>
                 </a:schemeClr>
               </a:solidFill>
@@ -16176,7 +16154,7 @@
             <a:r>
               <a:rPr lang="ja-JP" altLang="en-US">
                 <a:solidFill>
-                  <a:schemeClr val="bg1">
+                  <a:schemeClr val="accent5">
                     <a:lumMod val="50000"/>
                   </a:schemeClr>
                 </a:solidFill>
@@ -16188,7 +16166,7 @@
             <a:r>
               <a:rPr lang="en-US" altLang="ja-JP" dirty="0">
                 <a:solidFill>
-                  <a:schemeClr val="bg1">
+                  <a:schemeClr val="accent5">
                     <a:lumMod val="50000"/>
                   </a:schemeClr>
                 </a:solidFill>
@@ -16200,7 +16178,7 @@
             <a:r>
               <a:rPr lang="ja-JP" altLang="en-US">
                 <a:solidFill>
-                  <a:schemeClr val="bg1">
+                  <a:schemeClr val="accent5">
                     <a:lumMod val="50000"/>
                   </a:schemeClr>
                 </a:solidFill>
@@ -16211,7 +16189,7 @@
             </a:r>
             <a:endParaRPr lang="en-US" altLang="ja-JP" dirty="0">
               <a:solidFill>
-                <a:schemeClr val="bg1">
+                <a:schemeClr val="accent5">
                   <a:lumMod val="50000"/>
                 </a:schemeClr>
               </a:solidFill>
@@ -16227,7 +16205,7 @@
             <a:r>
               <a:rPr lang="ja-JP" altLang="en-US">
                 <a:solidFill>
-                  <a:schemeClr val="bg1">
+                  <a:schemeClr val="accent5">
                     <a:lumMod val="50000"/>
                   </a:schemeClr>
                 </a:solidFill>
@@ -16238,7 +16216,7 @@
             </a:r>
             <a:endParaRPr lang="en-US" altLang="ja-JP" dirty="0">
               <a:solidFill>
-                <a:schemeClr val="bg1">
+                <a:schemeClr val="accent5">
                   <a:lumMod val="50000"/>
                 </a:schemeClr>
               </a:solidFill>
@@ -16254,7 +16232,7 @@
             <a:r>
               <a:rPr lang="ja-JP" altLang="en-US">
                 <a:solidFill>
-                  <a:schemeClr val="bg1">
+                  <a:schemeClr val="accent5">
                     <a:lumMod val="50000"/>
                   </a:schemeClr>
                 </a:solidFill>
@@ -16265,7 +16243,7 @@
             </a:r>
             <a:endParaRPr lang="en-US" altLang="ja-JP" sz="2000" dirty="0">
               <a:solidFill>
-                <a:schemeClr val="bg1">
+                <a:schemeClr val="accent5">
                   <a:lumMod val="50000"/>
                 </a:schemeClr>
               </a:solidFill>
@@ -16534,6 +16512,48 @@
           <a:chExt cx="0" cy="0"/>
         </a:xfrm>
       </p:grpSpPr>
+      <p:pic>
+        <p:nvPicPr>
+          <p:cNvPr id="6" name="図 5" descr="飛ぶ, 飛行機, 空気, ブルー が含まれている画像&#10;&#10;自動的に生成された説明">
+            <a:extLst>
+              <a:ext uri="{FF2B5EF4-FFF2-40B4-BE49-F238E27FC236}">
+                <a16:creationId xmlns:a16="http://schemas.microsoft.com/office/drawing/2014/main" id="{BC6240F3-D8A2-5D4D-919D-02303D97C350}"/>
+              </a:ext>
+            </a:extLst>
+          </p:cNvPr>
+          <p:cNvPicPr>
+            <a:picLocks noChangeAspect="1"/>
+          </p:cNvPicPr>
+          <p:nvPr/>
+        </p:nvPicPr>
+        <p:blipFill>
+          <a:blip r:embed="rId2">
+            <a:extLst>
+              <a:ext uri="{28A0092B-C50C-407E-A947-70E740481C1C}">
+                <a14:useLocalDpi xmlns:a14="http://schemas.microsoft.com/office/drawing/2010/main" val="0"/>
+              </a:ext>
+            </a:extLst>
+          </a:blip>
+          <a:stretch>
+            <a:fillRect/>
+          </a:stretch>
+        </p:blipFill>
+        <p:spPr>
+          <a:xfrm>
+            <a:off x="7304518" y="1184660"/>
+            <a:ext cx="4338844" cy="2546271"/>
+          </a:xfrm>
+          <a:prstGeom prst="rect">
+            <a:avLst/>
+          </a:prstGeom>
+          <a:ln>
+            <a:noFill/>
+          </a:ln>
+          <a:effectLst>
+            <a:softEdge rad="112500"/>
+          </a:effectLst>
+        </p:spPr>
+      </p:pic>
       <p:sp>
         <p:nvSpPr>
           <p:cNvPr id="2" name="タイトル 1">
@@ -16550,12 +16570,29 @@
             <p:ph type="title"/>
           </p:nvPr>
         </p:nvSpPr>
-        <p:spPr/>
+        <p:spPr>
+          <a:xfrm>
+            <a:off x="838200" y="391251"/>
+            <a:ext cx="10515600" cy="1325563"/>
+          </a:xfrm>
+        </p:spPr>
         <p:txBody>
           <a:bodyPr/>
           <a:lstStyle/>
           <a:p>
             <a:r>
+              <a:rPr lang="en-US" altLang="ja-JP" dirty="0">
+                <a:solidFill>
+                  <a:schemeClr val="accent5">
+                    <a:lumMod val="50000"/>
+                  </a:schemeClr>
+                </a:solidFill>
+                <a:latin typeface="Hiragino Maru Gothic Pro W4" panose="020F0400000000000000" pitchFamily="34" charset="-128"/>
+                <a:ea typeface="Hiragino Maru Gothic Pro W4" panose="020F0400000000000000" pitchFamily="34" charset="-128"/>
+              </a:rPr>
+              <a:t>TOMARIGI </a:t>
+            </a:r>
+            <a:r>
               <a:rPr lang="ja-JP" altLang="en-US">
                 <a:solidFill>
                   <a:schemeClr val="accent5">
@@ -16565,31 +16602,7 @@
                 <a:latin typeface="Hiragino Maru Gothic Pro W4" panose="020F0400000000000000" pitchFamily="34" charset="-128"/>
                 <a:ea typeface="Hiragino Maru Gothic Pro W4" panose="020F0400000000000000" pitchFamily="34" charset="-128"/>
               </a:rPr>
-              <a:t>クラン「</a:t>
-            </a:r>
-            <a:r>
-              <a:rPr lang="en-US" altLang="ja-JP" dirty="0">
-                <a:solidFill>
-                  <a:schemeClr val="accent5">
-                    <a:lumMod val="50000"/>
-                  </a:schemeClr>
-                </a:solidFill>
-                <a:latin typeface="Hiragino Maru Gothic Pro W4" panose="020F0400000000000000" pitchFamily="34" charset="-128"/>
-                <a:ea typeface="Hiragino Maru Gothic Pro W4" panose="020F0400000000000000" pitchFamily="34" charset="-128"/>
-              </a:rPr>
-              <a:t>TOMARIGI</a:t>
-            </a:r>
-            <a:r>
-              <a:rPr lang="ja-JP" altLang="en-US">
-                <a:solidFill>
-                  <a:schemeClr val="accent5">
-                    <a:lumMod val="50000"/>
-                  </a:schemeClr>
-                </a:solidFill>
-                <a:latin typeface="Hiragino Maru Gothic Pro W4" panose="020F0400000000000000" pitchFamily="34" charset="-128"/>
-                <a:ea typeface="Hiragino Maru Gothic Pro W4" panose="020F0400000000000000" pitchFamily="34" charset="-128"/>
-              </a:rPr>
-              <a:t>」について</a:t>
+              <a:t>全体について</a:t>
             </a:r>
             <a:endParaRPr kumimoji="1" lang="ja-JP" altLang="en-US">
               <a:solidFill>
@@ -16635,18 +16648,6 @@
               <a:buNone/>
             </a:pPr>
             <a:r>
-              <a:rPr lang="en-US" altLang="ja-JP" dirty="0">
-                <a:solidFill>
-                  <a:schemeClr val="accent5">
-                    <a:lumMod val="50000"/>
-                  </a:schemeClr>
-                </a:solidFill>
-                <a:latin typeface="Hiragino Maru Gothic Pro W4" panose="020F0400000000000000" pitchFamily="34" charset="-128"/>
-                <a:ea typeface="Hiragino Maru Gothic Pro W4" panose="020F0400000000000000" pitchFamily="34" charset="-128"/>
-              </a:rPr>
-              <a:t>【</a:t>
-            </a:r>
-            <a:r>
               <a:rPr lang="ja-JP" altLang="en-US">
                 <a:solidFill>
                   <a:schemeClr val="accent5">
@@ -16656,46 +16657,7 @@
                 <a:latin typeface="Hiragino Maru Gothic Pro W4" panose="020F0400000000000000" pitchFamily="34" charset="-128"/>
                 <a:ea typeface="Hiragino Maru Gothic Pro W4" panose="020F0400000000000000" pitchFamily="34" charset="-128"/>
               </a:rPr>
-              <a:t>概要</a:t>
-            </a:r>
-            <a:r>
-              <a:rPr lang="en-US" altLang="ja-JP" dirty="0">
-                <a:solidFill>
-                  <a:schemeClr val="accent5">
-                    <a:lumMod val="50000"/>
-                  </a:schemeClr>
-                </a:solidFill>
-                <a:latin typeface="Hiragino Maru Gothic Pro W4" panose="020F0400000000000000" pitchFamily="34" charset="-128"/>
-                <a:ea typeface="Hiragino Maru Gothic Pro W4" panose="020F0400000000000000" pitchFamily="34" charset="-128"/>
-              </a:rPr>
-              <a:t>】</a:t>
-            </a:r>
-          </a:p>
-          <a:p>
-            <a:pPr marL="560070" indent="-514350"/>
-            <a:r>
-              <a:rPr lang="ja-JP" altLang="en-US">
-                <a:solidFill>
-                  <a:schemeClr val="accent5">
-                    <a:lumMod val="50000"/>
-                  </a:schemeClr>
-                </a:solidFill>
-                <a:latin typeface="Hiragino Maru Gothic Pro W4" panose="020F0400000000000000" pitchFamily="34" charset="-128"/>
-                <a:ea typeface="Hiragino Maru Gothic Pro W4" panose="020F0400000000000000" pitchFamily="34" charset="-128"/>
-              </a:rPr>
-              <a:t>リーダー：</a:t>
-            </a:r>
-            <a:r>
-              <a:rPr lang="en-US" altLang="ja-JP" dirty="0" err="1">
-                <a:solidFill>
-                  <a:schemeClr val="accent5">
-                    <a:lumMod val="50000"/>
-                  </a:schemeClr>
-                </a:solidFill>
-                <a:latin typeface="Hiragino Maru Gothic Pro W4" panose="020F0400000000000000" pitchFamily="34" charset="-128"/>
-                <a:ea typeface="Hiragino Maru Gothic Pro W4" panose="020F0400000000000000" pitchFamily="34" charset="-128"/>
-              </a:rPr>
-              <a:t>bigtree</a:t>
+              <a:t>名前の由来は「とまり木」です。</a:t>
             </a:r>
             <a:endParaRPr lang="en-US" altLang="ja-JP" dirty="0">
               <a:solidFill>
@@ -16708,83 +16670,78 @@
             </a:endParaRPr>
           </a:p>
           <a:p>
-            <a:pPr marL="560070" indent="-514350"/>
-            <a:r>
-              <a:rPr lang="en-US" altLang="ja-JP" dirty="0">
-                <a:solidFill>
-                  <a:schemeClr val="accent5">
-                    <a:lumMod val="50000"/>
-                  </a:schemeClr>
-                </a:solidFill>
-                <a:latin typeface="Hiragino Maru Gothic Pro W4" panose="020F0400000000000000" pitchFamily="34" charset="-128"/>
-                <a:ea typeface="Hiragino Maru Gothic Pro W4" panose="020F0400000000000000" pitchFamily="34" charset="-128"/>
-              </a:rPr>
-              <a:t>TH13-14</a:t>
-            </a:r>
-            <a:r>
-              <a:rPr lang="ja-JP" altLang="en-US">
-                <a:solidFill>
-                  <a:schemeClr val="accent5">
-                    <a:lumMod val="50000"/>
-                  </a:schemeClr>
-                </a:solidFill>
-                <a:latin typeface="Hiragino Maru Gothic Pro W4" panose="020F0400000000000000" pitchFamily="34" charset="-128"/>
-                <a:ea typeface="Hiragino Maru Gothic Pro W4" panose="020F0400000000000000" pitchFamily="34" charset="-128"/>
-              </a:rPr>
-              <a:t>のアクティブ勢で集まる</a:t>
-            </a:r>
-            <a:br>
-              <a:rPr lang="en-US" altLang="ja-JP" dirty="0">
-                <a:solidFill>
-                  <a:schemeClr val="accent5">
-                    <a:lumMod val="50000"/>
-                  </a:schemeClr>
-                </a:solidFill>
-                <a:latin typeface="Hiragino Maru Gothic Pro W4" panose="020F0400000000000000" pitchFamily="34" charset="-128"/>
-                <a:ea typeface="Hiragino Maru Gothic Pro W4" panose="020F0400000000000000" pitchFamily="34" charset="-128"/>
-              </a:rPr>
-            </a:br>
-            <a:r>
-              <a:rPr lang="en-US" altLang="ja-JP" sz="2000" dirty="0">
-                <a:solidFill>
-                  <a:schemeClr val="accent5">
-                    <a:lumMod val="50000"/>
-                  </a:schemeClr>
-                </a:solidFill>
-                <a:latin typeface="Hiragino Maru Gothic Pro W4" panose="020F0400000000000000" pitchFamily="34" charset="-128"/>
-                <a:ea typeface="Hiragino Maru Gothic Pro W4" panose="020F0400000000000000" pitchFamily="34" charset="-128"/>
-              </a:rPr>
-              <a:t>(TH12</a:t>
-            </a:r>
-            <a:r>
-              <a:rPr lang="ja-JP" altLang="en-US" sz="2000">
-                <a:solidFill>
-                  <a:schemeClr val="accent5">
-                    <a:lumMod val="50000"/>
-                  </a:schemeClr>
-                </a:solidFill>
-                <a:latin typeface="Hiragino Maru Gothic Pro W4" panose="020F0400000000000000" pitchFamily="34" charset="-128"/>
-                <a:ea typeface="Hiragino Maru Gothic Pro W4" panose="020F0400000000000000" pitchFamily="34" charset="-128"/>
-              </a:rPr>
-              <a:t>以下でも加入したい人は要相談です</a:t>
-            </a:r>
-            <a:r>
-              <a:rPr lang="en-US" altLang="ja-JP" sz="2000" dirty="0">
-                <a:solidFill>
-                  <a:schemeClr val="accent5">
-                    <a:lumMod val="50000"/>
-                  </a:schemeClr>
-                </a:solidFill>
-                <a:latin typeface="Hiragino Maru Gothic Pro W4" panose="020F0400000000000000" pitchFamily="34" charset="-128"/>
-                <a:ea typeface="Hiragino Maru Gothic Pro W4" panose="020F0400000000000000" pitchFamily="34" charset="-128"/>
-              </a:rPr>
-              <a:t>)</a:t>
-            </a:r>
-          </a:p>
-          <a:p>
             <a:pPr marL="45720" indent="0">
               <a:buNone/>
             </a:pPr>
+            <a:r>
+              <a:rPr lang="ja-JP" altLang="en-US">
+                <a:solidFill>
+                  <a:schemeClr val="accent5">
+                    <a:lumMod val="50000"/>
+                  </a:schemeClr>
+                </a:solidFill>
+                <a:latin typeface="Hiragino Maru Gothic Pro W4" panose="020F0400000000000000" pitchFamily="34" charset="-128"/>
+                <a:ea typeface="Hiragino Maru Gothic Pro W4" panose="020F0400000000000000" pitchFamily="34" charset="-128"/>
+              </a:rPr>
+              <a:t>クランメンバーの皆さんを鳥に例えて</a:t>
+            </a:r>
+            <a:br>
+              <a:rPr lang="en-US" altLang="ja-JP" dirty="0">
+                <a:solidFill>
+                  <a:schemeClr val="accent5">
+                    <a:lumMod val="50000"/>
+                  </a:schemeClr>
+                </a:solidFill>
+                <a:latin typeface="Hiragino Maru Gothic Pro W4" panose="020F0400000000000000" pitchFamily="34" charset="-128"/>
+                <a:ea typeface="Hiragino Maru Gothic Pro W4" panose="020F0400000000000000" pitchFamily="34" charset="-128"/>
+              </a:rPr>
+            </a:br>
+            <a:r>
+              <a:rPr lang="ja-JP" altLang="en-US">
+                <a:solidFill>
+                  <a:schemeClr val="accent5">
+                    <a:lumMod val="50000"/>
+                  </a:schemeClr>
+                </a:solidFill>
+                <a:latin typeface="Hiragino Maru Gothic Pro W4" panose="020F0400000000000000" pitchFamily="34" charset="-128"/>
+                <a:ea typeface="Hiragino Maru Gothic Pro W4" panose="020F0400000000000000" pitchFamily="34" charset="-128"/>
+              </a:rPr>
+              <a:t>しっかりと活動できる環境を与えられる</a:t>
+            </a:r>
+            <a:br>
+              <a:rPr lang="en-US" altLang="ja-JP" dirty="0">
+                <a:solidFill>
+                  <a:schemeClr val="accent5">
+                    <a:lumMod val="50000"/>
+                  </a:schemeClr>
+                </a:solidFill>
+                <a:latin typeface="Hiragino Maru Gothic Pro W4" panose="020F0400000000000000" pitchFamily="34" charset="-128"/>
+                <a:ea typeface="Hiragino Maru Gothic Pro W4" panose="020F0400000000000000" pitchFamily="34" charset="-128"/>
+              </a:rPr>
+            </a:br>
+            <a:r>
+              <a:rPr lang="ja-JP" altLang="en-US">
+                <a:solidFill>
+                  <a:schemeClr val="accent5">
+                    <a:lumMod val="50000"/>
+                  </a:schemeClr>
+                </a:solidFill>
+                <a:latin typeface="Hiragino Maru Gothic Pro W4" panose="020F0400000000000000" pitchFamily="34" charset="-128"/>
+                <a:ea typeface="Hiragino Maru Gothic Pro W4" panose="020F0400000000000000" pitchFamily="34" charset="-128"/>
+              </a:rPr>
+              <a:t>クランを目指していきます。</a:t>
+            </a:r>
+            <a:br>
+              <a:rPr lang="en-US" altLang="ja-JP" dirty="0">
+                <a:solidFill>
+                  <a:schemeClr val="accent5">
+                    <a:lumMod val="50000"/>
+                  </a:schemeClr>
+                </a:solidFill>
+                <a:latin typeface="Hiragino Maru Gothic Pro W4" panose="020F0400000000000000" pitchFamily="34" charset="-128"/>
+                <a:ea typeface="Hiragino Maru Gothic Pro W4" panose="020F0400000000000000" pitchFamily="34" charset="-128"/>
+              </a:rPr>
+            </a:br>
             <a:endParaRPr lang="en-US" altLang="ja-JP" dirty="0">
               <a:solidFill>
                 <a:schemeClr val="accent5">
@@ -16796,21 +16753,7 @@
             </a:endParaRPr>
           </a:p>
           <a:p>
-            <a:pPr marL="45720" indent="0">
-              <a:buNone/>
-            </a:pPr>
-            <a:r>
-              <a:rPr lang="en-US" altLang="ja-JP" dirty="0">
-                <a:solidFill>
-                  <a:schemeClr val="accent5">
-                    <a:lumMod val="50000"/>
-                  </a:schemeClr>
-                </a:solidFill>
-                <a:latin typeface="Hiragino Maru Gothic Pro W4" panose="020F0400000000000000" pitchFamily="34" charset="-128"/>
-                <a:ea typeface="Hiragino Maru Gothic Pro W4" panose="020F0400000000000000" pitchFamily="34" charset="-128"/>
-              </a:rPr>
-              <a:t>【</a:t>
-            </a:r>
+            <a:pPr marL="502920" indent="-457200"/>
             <a:r>
               <a:rPr lang="ja-JP" altLang="en-US">
                 <a:solidFill>
@@ -16821,81 +16764,19 @@
                 <a:latin typeface="Hiragino Maru Gothic Pro W4" panose="020F0400000000000000" pitchFamily="34" charset="-128"/>
                 <a:ea typeface="Hiragino Maru Gothic Pro W4" panose="020F0400000000000000" pitchFamily="34" charset="-128"/>
               </a:rPr>
-              <a:t>方針、目指すクランの姿</a:t>
-            </a:r>
-            <a:r>
-              <a:rPr lang="en-US" altLang="ja-JP" dirty="0">
-                <a:solidFill>
-                  <a:schemeClr val="accent5">
-                    <a:lumMod val="50000"/>
-                  </a:schemeClr>
-                </a:solidFill>
-                <a:latin typeface="Hiragino Maru Gothic Pro W4" panose="020F0400000000000000" pitchFamily="34" charset="-128"/>
-                <a:ea typeface="Hiragino Maru Gothic Pro W4" panose="020F0400000000000000" pitchFamily="34" charset="-128"/>
-              </a:rPr>
-              <a:t>】</a:t>
-            </a:r>
-          </a:p>
-          <a:p>
-            <a:pPr marL="502920" indent="-457200"/>
-            <a:r>
-              <a:rPr lang="en-US" altLang="ja-JP" dirty="0">
-                <a:solidFill>
-                  <a:schemeClr val="accent5">
-                    <a:lumMod val="50000"/>
-                  </a:schemeClr>
-                </a:solidFill>
-                <a:latin typeface="Hiragino Maru Gothic Pro W4" panose="020F0400000000000000" pitchFamily="34" charset="-128"/>
-                <a:ea typeface="Hiragino Maru Gothic Pro W4" panose="020F0400000000000000" pitchFamily="34" charset="-128"/>
-              </a:rPr>
-              <a:t>“</a:t>
-            </a:r>
-            <a:r>
-              <a:rPr lang="ja-JP" altLang="en-US">
-                <a:solidFill>
-                  <a:schemeClr val="accent5">
-                    <a:lumMod val="50000"/>
-                  </a:schemeClr>
-                </a:solidFill>
-                <a:latin typeface="Hiragino Maru Gothic Pro W4" panose="020F0400000000000000" pitchFamily="34" charset="-128"/>
-                <a:ea typeface="Hiragino Maru Gothic Pro W4" panose="020F0400000000000000" pitchFamily="34" charset="-128"/>
-              </a:rPr>
-              <a:t>高いモチベーションの人にとって</a:t>
-            </a:r>
-            <a:r>
-              <a:rPr lang="en-US" altLang="ja-JP" dirty="0">
-                <a:solidFill>
-                  <a:schemeClr val="accent5">
-                    <a:lumMod val="50000"/>
-                  </a:schemeClr>
-                </a:solidFill>
-                <a:latin typeface="Hiragino Maru Gothic Pro W4" panose="020F0400000000000000" pitchFamily="34" charset="-128"/>
-                <a:ea typeface="Hiragino Maru Gothic Pro W4" panose="020F0400000000000000" pitchFamily="34" charset="-128"/>
-              </a:rPr>
-              <a:t>”</a:t>
-            </a:r>
-            <a:br>
-              <a:rPr lang="en-US" altLang="ja-JP" dirty="0">
-                <a:solidFill>
-                  <a:schemeClr val="accent5">
-                    <a:lumMod val="50000"/>
-                  </a:schemeClr>
-                </a:solidFill>
-                <a:latin typeface="Hiragino Maru Gothic Pro W4" panose="020F0400000000000000" pitchFamily="34" charset="-128"/>
-                <a:ea typeface="Hiragino Maru Gothic Pro W4" panose="020F0400000000000000" pitchFamily="34" charset="-128"/>
-              </a:rPr>
-            </a:br>
-            <a:r>
-              <a:rPr lang="ja-JP" altLang="en-US">
-                <a:solidFill>
-                  <a:schemeClr val="accent5">
-                    <a:lumMod val="50000"/>
-                  </a:schemeClr>
-                </a:solidFill>
-                <a:latin typeface="Hiragino Maru Gothic Pro W4" panose="020F0400000000000000" pitchFamily="34" charset="-128"/>
-                <a:ea typeface="Hiragino Maru Gothic Pro W4" panose="020F0400000000000000" pitchFamily="34" charset="-128"/>
-              </a:rPr>
-              <a:t>　居心地の良いクランであること</a:t>
+              <a:t>リーダー：</a:t>
+            </a:r>
+            <a:r>
+              <a:rPr lang="en-US" altLang="ja-JP" dirty="0" err="1">
+                <a:solidFill>
+                  <a:schemeClr val="accent5">
+                    <a:lumMod val="50000"/>
+                  </a:schemeClr>
+                </a:solidFill>
+                <a:latin typeface="Hiragino Maru Gothic Pro W4" panose="020F0400000000000000" pitchFamily="34" charset="-128"/>
+                <a:ea typeface="Hiragino Maru Gothic Pro W4" panose="020F0400000000000000" pitchFamily="34" charset="-128"/>
+              </a:rPr>
+              <a:t>bigtree</a:t>
             </a:r>
             <a:endParaRPr lang="en-US" altLang="ja-JP" dirty="0">
               <a:solidFill>
@@ -16919,7 +16800,7 @@
                 <a:latin typeface="Hiragino Maru Gothic Pro W4" panose="020F0400000000000000" pitchFamily="34" charset="-128"/>
                 <a:ea typeface="Hiragino Maru Gothic Pro W4" panose="020F0400000000000000" pitchFamily="34" charset="-128"/>
               </a:rPr>
-              <a:t>強いクランであること</a:t>
+              <a:t>以下２つのクランで構成</a:t>
             </a:r>
             <a:endParaRPr lang="en-US" altLang="ja-JP" dirty="0">
               <a:solidFill>
@@ -16932,9 +16813,121 @@
             </a:endParaRPr>
           </a:p>
           <a:p>
-            <a:pPr marL="45720" indent="0">
-              <a:buNone/>
+            <a:pPr marL="960120" lvl="1" indent="-457200">
+              <a:buFont typeface="Wingdings" pitchFamily="2" charset="2"/>
+              <a:buChar char="ü"/>
             </a:pPr>
+            <a:r>
+              <a:rPr lang="ja-JP" altLang="en-US">
+                <a:solidFill>
+                  <a:schemeClr val="accent5">
+                    <a:lumMod val="50000"/>
+                  </a:schemeClr>
+                </a:solidFill>
+                <a:latin typeface="Hiragino Maru Gothic Pro W4" panose="020F0400000000000000" pitchFamily="34" charset="-128"/>
+                <a:ea typeface="Hiragino Maru Gothic Pro W4" panose="020F0400000000000000" pitchFamily="34" charset="-128"/>
+              </a:rPr>
+              <a:t>アクティブクラン「</a:t>
+            </a:r>
+            <a:r>
+              <a:rPr lang="en-US" altLang="ja-JP" dirty="0">
+                <a:solidFill>
+                  <a:schemeClr val="accent5">
+                    <a:lumMod val="50000"/>
+                  </a:schemeClr>
+                </a:solidFill>
+                <a:latin typeface="Hiragino Maru Gothic Pro W4" panose="020F0400000000000000" pitchFamily="34" charset="-128"/>
+                <a:ea typeface="Hiragino Maru Gothic Pro W4" panose="020F0400000000000000" pitchFamily="34" charset="-128"/>
+              </a:rPr>
+              <a:t>TOMARIGI</a:t>
+            </a:r>
+            <a:r>
+              <a:rPr lang="ja-JP" altLang="en-US">
+                <a:solidFill>
+                  <a:schemeClr val="accent5">
+                    <a:lumMod val="50000"/>
+                  </a:schemeClr>
+                </a:solidFill>
+                <a:latin typeface="Hiragino Maru Gothic Pro W4" panose="020F0400000000000000" pitchFamily="34" charset="-128"/>
+                <a:ea typeface="Hiragino Maru Gothic Pro W4" panose="020F0400000000000000" pitchFamily="34" charset="-128"/>
+              </a:rPr>
+              <a:t>」</a:t>
+            </a:r>
+            <a:endParaRPr lang="en-US" altLang="ja-JP" dirty="0">
+              <a:solidFill>
+                <a:schemeClr val="accent5">
+                  <a:lumMod val="50000"/>
+                </a:schemeClr>
+              </a:solidFill>
+              <a:latin typeface="Hiragino Maru Gothic Pro W4" panose="020F0400000000000000" pitchFamily="34" charset="-128"/>
+              <a:ea typeface="Hiragino Maru Gothic Pro W4" panose="020F0400000000000000" pitchFamily="34" charset="-128"/>
+            </a:endParaRPr>
+          </a:p>
+          <a:p>
+            <a:pPr marL="960120" lvl="1" indent="-457200">
+              <a:buFont typeface="Wingdings" pitchFamily="2" charset="2"/>
+              <a:buChar char="ü"/>
+            </a:pPr>
+            <a:r>
+              <a:rPr lang="ja-JP" altLang="en-US">
+                <a:solidFill>
+                  <a:schemeClr val="accent5">
+                    <a:lumMod val="50000"/>
+                  </a:schemeClr>
+                </a:solidFill>
+                <a:latin typeface="Hiragino Maru Gothic Pro W4" panose="020F0400000000000000" pitchFamily="34" charset="-128"/>
+                <a:ea typeface="Hiragino Maru Gothic Pro W4" panose="020F0400000000000000" pitchFamily="34" charset="-128"/>
+              </a:rPr>
+              <a:t>ファーミングクラン「まほらま</a:t>
+            </a:r>
+            <a:r>
+              <a:rPr lang="en-US" altLang="ja-JP" dirty="0">
+                <a:solidFill>
+                  <a:schemeClr val="accent5">
+                    <a:lumMod val="50000"/>
+                  </a:schemeClr>
+                </a:solidFill>
+                <a:latin typeface="Hiragino Maru Gothic Pro W4" panose="020F0400000000000000" pitchFamily="34" charset="-128"/>
+                <a:ea typeface="Hiragino Maru Gothic Pro W4" panose="020F0400000000000000" pitchFamily="34" charset="-128"/>
+              </a:rPr>
+              <a:t>〜</a:t>
+            </a:r>
+            <a:r>
+              <a:rPr lang="ja-JP" altLang="en-US">
+                <a:solidFill>
+                  <a:schemeClr val="accent5">
+                    <a:lumMod val="50000"/>
+                  </a:schemeClr>
+                </a:solidFill>
+                <a:latin typeface="Hiragino Maru Gothic Pro W4" panose="020F0400000000000000" pitchFamily="34" charset="-128"/>
+                <a:ea typeface="Hiragino Maru Gothic Pro W4" panose="020F0400000000000000" pitchFamily="34" charset="-128"/>
+              </a:rPr>
+              <a:t>摩天楼</a:t>
+            </a:r>
+            <a:r>
+              <a:rPr lang="en-US" altLang="ja-JP" dirty="0">
+                <a:solidFill>
+                  <a:schemeClr val="accent5">
+                    <a:lumMod val="50000"/>
+                  </a:schemeClr>
+                </a:solidFill>
+                <a:latin typeface="Hiragino Maru Gothic Pro W4" panose="020F0400000000000000" pitchFamily="34" charset="-128"/>
+                <a:ea typeface="Hiragino Maru Gothic Pro W4" panose="020F0400000000000000" pitchFamily="34" charset="-128"/>
+              </a:rPr>
+              <a:t>〜</a:t>
+            </a:r>
+            <a:r>
+              <a:rPr lang="ja-JP" altLang="en-US">
+                <a:solidFill>
+                  <a:schemeClr val="accent5">
+                    <a:lumMod val="50000"/>
+                  </a:schemeClr>
+                </a:solidFill>
+                <a:latin typeface="Hiragino Maru Gothic Pro W4" panose="020F0400000000000000" pitchFamily="34" charset="-128"/>
+                <a:ea typeface="Hiragino Maru Gothic Pro W4" panose="020F0400000000000000" pitchFamily="34" charset="-128"/>
+              </a:rPr>
+              <a:t>」</a:t>
+            </a:r>
             <a:endParaRPr lang="en-US" altLang="ja-JP" dirty="0">
               <a:solidFill>
                 <a:schemeClr val="accent5">
@@ -17078,7 +17071,31 @@
                 <a:latin typeface="Hiragino Maru Gothic Pro W4" panose="020F0400000000000000" pitchFamily="34" charset="-128"/>
                 <a:ea typeface="Hiragino Maru Gothic Pro W4" panose="020F0400000000000000" pitchFamily="34" charset="-128"/>
               </a:rPr>
-              <a:t>クラン「まほらま」について</a:t>
+              <a:t>クラン「</a:t>
+            </a:r>
+            <a:r>
+              <a:rPr lang="en-US" altLang="ja-JP" dirty="0">
+                <a:solidFill>
+                  <a:schemeClr val="accent5">
+                    <a:lumMod val="50000"/>
+                  </a:schemeClr>
+                </a:solidFill>
+                <a:latin typeface="Hiragino Maru Gothic Pro W4" panose="020F0400000000000000" pitchFamily="34" charset="-128"/>
+                <a:ea typeface="Hiragino Maru Gothic Pro W4" panose="020F0400000000000000" pitchFamily="34" charset="-128"/>
+              </a:rPr>
+              <a:t>TOMARIGI</a:t>
+            </a:r>
+            <a:r>
+              <a:rPr lang="ja-JP" altLang="en-US">
+                <a:solidFill>
+                  <a:schemeClr val="accent5">
+                    <a:lumMod val="50000"/>
+                  </a:schemeClr>
+                </a:solidFill>
+                <a:latin typeface="Hiragino Maru Gothic Pro W4" panose="020F0400000000000000" pitchFamily="34" charset="-128"/>
+                <a:ea typeface="Hiragino Maru Gothic Pro W4" panose="020F0400000000000000" pitchFamily="34" charset="-128"/>
+              </a:rPr>
+              <a:t>」</a:t>
             </a:r>
             <a:endParaRPr kumimoji="1" lang="ja-JP" altLang="en-US">
               <a:solidFill>
@@ -17163,6 +17180,18 @@
           <a:p>
             <a:pPr marL="560070" indent="-514350"/>
             <a:r>
+              <a:rPr lang="en-US" altLang="ja-JP" dirty="0">
+                <a:solidFill>
+                  <a:schemeClr val="accent5">
+                    <a:lumMod val="50000"/>
+                  </a:schemeClr>
+                </a:solidFill>
+                <a:latin typeface="Hiragino Maru Gothic Pro W4" panose="020F0400000000000000" pitchFamily="34" charset="-128"/>
+                <a:ea typeface="Hiragino Maru Gothic Pro W4" panose="020F0400000000000000" pitchFamily="34" charset="-128"/>
+              </a:rPr>
+              <a:t>TH13</a:t>
+            </a:r>
+            <a:r>
               <a:rPr lang="ja-JP" altLang="en-US">
                 <a:solidFill>
                   <a:schemeClr val="accent5">
@@ -17172,8 +17201,190 @@
                 <a:latin typeface="Hiragino Maru Gothic Pro W4" panose="020F0400000000000000" pitchFamily="34" charset="-128"/>
                 <a:ea typeface="Hiragino Maru Gothic Pro W4" panose="020F0400000000000000" pitchFamily="34" charset="-128"/>
               </a:rPr>
-              <a:t>リーダー：あっちゃん</a:t>
-            </a:r>
+              <a:t>、</a:t>
+            </a:r>
+            <a:r>
+              <a:rPr lang="en-US" altLang="ja-JP" dirty="0">
+                <a:solidFill>
+                  <a:schemeClr val="accent5">
+                    <a:lumMod val="50000"/>
+                  </a:schemeClr>
+                </a:solidFill>
+                <a:latin typeface="Hiragino Maru Gothic Pro W4" panose="020F0400000000000000" pitchFamily="34" charset="-128"/>
+                <a:ea typeface="Hiragino Maru Gothic Pro W4" panose="020F0400000000000000" pitchFamily="34" charset="-128"/>
+              </a:rPr>
+              <a:t>14</a:t>
+            </a:r>
+            <a:r>
+              <a:rPr lang="ja-JP" altLang="en-US">
+                <a:solidFill>
+                  <a:schemeClr val="accent5">
+                    <a:lumMod val="50000"/>
+                  </a:schemeClr>
+                </a:solidFill>
+                <a:latin typeface="Hiragino Maru Gothic Pro W4" panose="020F0400000000000000" pitchFamily="34" charset="-128"/>
+                <a:ea typeface="Hiragino Maru Gothic Pro W4" panose="020F0400000000000000" pitchFamily="34" charset="-128"/>
+              </a:rPr>
+              <a:t>のアクティブ勢で集まる</a:t>
+            </a:r>
+            <a:r>
+              <a:rPr lang="ja-JP" altLang="en-US" dirty="0">
+                <a:solidFill>
+                  <a:schemeClr val="accent5">
+                    <a:lumMod val="50000"/>
+                  </a:schemeClr>
+                </a:solidFill>
+                <a:latin typeface="Hiragino Maru Gothic Pro W4" panose="020F0400000000000000" pitchFamily="34" charset="-128"/>
+                <a:ea typeface="Hiragino Maru Gothic Pro W4" panose="020F0400000000000000" pitchFamily="34" charset="-128"/>
+              </a:rPr>
+              <a:t> </a:t>
+            </a:r>
+            <a:r>
+              <a:rPr lang="en-US" altLang="ja-JP" sz="2000" dirty="0">
+                <a:solidFill>
+                  <a:schemeClr val="accent5">
+                    <a:lumMod val="50000"/>
+                  </a:schemeClr>
+                </a:solidFill>
+                <a:latin typeface="Hiragino Maru Gothic Pro W4" panose="020F0400000000000000" pitchFamily="34" charset="-128"/>
+                <a:ea typeface="Hiragino Maru Gothic Pro W4" panose="020F0400000000000000" pitchFamily="34" charset="-128"/>
+              </a:rPr>
+              <a:t>(TH12</a:t>
+            </a:r>
+            <a:r>
+              <a:rPr lang="ja-JP" altLang="en-US" sz="2000">
+                <a:solidFill>
+                  <a:schemeClr val="accent5">
+                    <a:lumMod val="50000"/>
+                  </a:schemeClr>
+                </a:solidFill>
+                <a:latin typeface="Hiragino Maru Gothic Pro W4" panose="020F0400000000000000" pitchFamily="34" charset="-128"/>
+                <a:ea typeface="Hiragino Maru Gothic Pro W4" panose="020F0400000000000000" pitchFamily="34" charset="-128"/>
+              </a:rPr>
+              <a:t>以下の希望者は要相談</a:t>
+            </a:r>
+            <a:r>
+              <a:rPr lang="en-US" altLang="ja-JP" sz="2000" dirty="0">
+                <a:solidFill>
+                  <a:schemeClr val="accent5">
+                    <a:lumMod val="50000"/>
+                  </a:schemeClr>
+                </a:solidFill>
+                <a:latin typeface="Hiragino Maru Gothic Pro W4" panose="020F0400000000000000" pitchFamily="34" charset="-128"/>
+                <a:ea typeface="Hiragino Maru Gothic Pro W4" panose="020F0400000000000000" pitchFamily="34" charset="-128"/>
+              </a:rPr>
+              <a:t>)</a:t>
+            </a:r>
+          </a:p>
+          <a:p>
+            <a:pPr marL="560070" indent="-514350"/>
+            <a:r>
+              <a:rPr lang="ja-JP" altLang="en-US">
+                <a:solidFill>
+                  <a:schemeClr val="accent5">
+                    <a:lumMod val="50000"/>
+                  </a:schemeClr>
+                </a:solidFill>
+                <a:latin typeface="Hiragino Maru Gothic Pro W4" panose="020F0400000000000000" pitchFamily="34" charset="-128"/>
+                <a:ea typeface="Hiragino Maru Gothic Pro W4" panose="020F0400000000000000" pitchFamily="34" charset="-128"/>
+              </a:rPr>
+              <a:t>将来的に</a:t>
+            </a:r>
+            <a:r>
+              <a:rPr lang="en-US" altLang="ja-JP" dirty="0">
+                <a:solidFill>
+                  <a:schemeClr val="accent5">
+                    <a:lumMod val="50000"/>
+                  </a:schemeClr>
+                </a:solidFill>
+                <a:latin typeface="Hiragino Maru Gothic Pro W4" panose="020F0400000000000000" pitchFamily="34" charset="-128"/>
+                <a:ea typeface="Hiragino Maru Gothic Pro W4" panose="020F0400000000000000" pitchFamily="34" charset="-128"/>
+              </a:rPr>
+              <a:t>TH14</a:t>
+            </a:r>
+            <a:r>
+              <a:rPr lang="ja-JP" altLang="en-US">
+                <a:solidFill>
+                  <a:schemeClr val="accent5">
+                    <a:lumMod val="50000"/>
+                  </a:schemeClr>
+                </a:solidFill>
+                <a:latin typeface="Hiragino Maru Gothic Pro W4" panose="020F0400000000000000" pitchFamily="34" charset="-128"/>
+                <a:ea typeface="Hiragino Maru Gothic Pro W4" panose="020F0400000000000000" pitchFamily="34" charset="-128"/>
+              </a:rPr>
+              <a:t>オンリー化する</a:t>
+            </a:r>
+            <a:r>
+              <a:rPr lang="en-US" altLang="ja-JP" sz="2000" dirty="0">
+                <a:solidFill>
+                  <a:schemeClr val="accent5">
+                    <a:lumMod val="50000"/>
+                  </a:schemeClr>
+                </a:solidFill>
+                <a:latin typeface="Hiragino Maru Gothic Pro W4" panose="020F0400000000000000" pitchFamily="34" charset="-128"/>
+                <a:ea typeface="Hiragino Maru Gothic Pro W4" panose="020F0400000000000000" pitchFamily="34" charset="-128"/>
+              </a:rPr>
+              <a:t> (2021</a:t>
+            </a:r>
+            <a:r>
+              <a:rPr lang="ja-JP" altLang="en-US" sz="2000">
+                <a:solidFill>
+                  <a:schemeClr val="accent5">
+                    <a:lumMod val="50000"/>
+                  </a:schemeClr>
+                </a:solidFill>
+                <a:latin typeface="Hiragino Maru Gothic Pro W4" panose="020F0400000000000000" pitchFamily="34" charset="-128"/>
+                <a:ea typeface="Hiragino Maru Gothic Pro W4" panose="020F0400000000000000" pitchFamily="34" charset="-128"/>
+              </a:rPr>
+              <a:t>年</a:t>
+            </a:r>
+            <a:r>
+              <a:rPr lang="en-US" altLang="ja-JP" sz="2000" dirty="0">
+                <a:solidFill>
+                  <a:schemeClr val="accent5">
+                    <a:lumMod val="50000"/>
+                  </a:schemeClr>
+                </a:solidFill>
+                <a:latin typeface="Hiragino Maru Gothic Pro W4" panose="020F0400000000000000" pitchFamily="34" charset="-128"/>
+                <a:ea typeface="Hiragino Maru Gothic Pro W4" panose="020F0400000000000000" pitchFamily="34" charset="-128"/>
+              </a:rPr>
+              <a:t>12</a:t>
+            </a:r>
+            <a:r>
+              <a:rPr lang="ja-JP" altLang="en-US" sz="2000">
+                <a:solidFill>
+                  <a:schemeClr val="accent5">
+                    <a:lumMod val="50000"/>
+                  </a:schemeClr>
+                </a:solidFill>
+                <a:latin typeface="Hiragino Maru Gothic Pro W4" panose="020F0400000000000000" pitchFamily="34" charset="-128"/>
+                <a:ea typeface="Hiragino Maru Gothic Pro W4" panose="020F0400000000000000" pitchFamily="34" charset="-128"/>
+              </a:rPr>
+              <a:t>月予定</a:t>
+            </a:r>
+            <a:r>
+              <a:rPr lang="en-US" altLang="ja-JP" sz="2000" dirty="0">
+                <a:solidFill>
+                  <a:schemeClr val="accent5">
+                    <a:lumMod val="50000"/>
+                  </a:schemeClr>
+                </a:solidFill>
+                <a:latin typeface="Hiragino Maru Gothic Pro W4" panose="020F0400000000000000" pitchFamily="34" charset="-128"/>
+                <a:ea typeface="Hiragino Maru Gothic Pro W4" panose="020F0400000000000000" pitchFamily="34" charset="-128"/>
+              </a:rPr>
+              <a:t>)</a:t>
+            </a:r>
+            <a:br>
+              <a:rPr lang="en-US" altLang="ja-JP" dirty="0">
+                <a:solidFill>
+                  <a:schemeClr val="accent5">
+                    <a:lumMod val="50000"/>
+                  </a:schemeClr>
+                </a:solidFill>
+                <a:latin typeface="Hiragino Maru Gothic Pro W4" panose="020F0400000000000000" pitchFamily="34" charset="-128"/>
+                <a:ea typeface="Hiragino Maru Gothic Pro W4" panose="020F0400000000000000" pitchFamily="34" charset="-128"/>
+              </a:rPr>
+            </a:br>
             <a:endParaRPr lang="en-US" altLang="ja-JP" dirty="0">
               <a:solidFill>
                 <a:schemeClr val="accent5">
@@ -17185,7 +17396,21 @@
             </a:endParaRPr>
           </a:p>
           <a:p>
-            <a:pPr marL="560070" indent="-514350"/>
+            <a:pPr marL="45720" indent="0">
+              <a:buNone/>
+            </a:pPr>
+            <a:r>
+              <a:rPr lang="en-US" altLang="ja-JP" dirty="0">
+                <a:solidFill>
+                  <a:schemeClr val="accent5">
+                    <a:lumMod val="50000"/>
+                  </a:schemeClr>
+                </a:solidFill>
+                <a:latin typeface="Hiragino Maru Gothic Pro W4" panose="020F0400000000000000" pitchFamily="34" charset="-128"/>
+                <a:ea typeface="Hiragino Maru Gothic Pro W4" panose="020F0400000000000000" pitchFamily="34" charset="-128"/>
+              </a:rPr>
+              <a:t>【</a:t>
+            </a:r>
             <a:r>
               <a:rPr lang="ja-JP" altLang="en-US">
                 <a:solidFill>
@@ -17196,7 +17421,81 @@
                 <a:latin typeface="Hiragino Maru Gothic Pro W4" panose="020F0400000000000000" pitchFamily="34" charset="-128"/>
                 <a:ea typeface="Hiragino Maru Gothic Pro W4" panose="020F0400000000000000" pitchFamily="34" charset="-128"/>
               </a:rPr>
-              <a:t>ファーミング勢で集まる</a:t>
+              <a:t>方針、目指すクランの姿</a:t>
+            </a:r>
+            <a:r>
+              <a:rPr lang="en-US" altLang="ja-JP" dirty="0">
+                <a:solidFill>
+                  <a:schemeClr val="accent5">
+                    <a:lumMod val="50000"/>
+                  </a:schemeClr>
+                </a:solidFill>
+                <a:latin typeface="Hiragino Maru Gothic Pro W4" panose="020F0400000000000000" pitchFamily="34" charset="-128"/>
+                <a:ea typeface="Hiragino Maru Gothic Pro W4" panose="020F0400000000000000" pitchFamily="34" charset="-128"/>
+              </a:rPr>
+              <a:t>】</a:t>
+            </a:r>
+          </a:p>
+          <a:p>
+            <a:pPr marL="502920" indent="-457200"/>
+            <a:r>
+              <a:rPr lang="en-US" altLang="ja-JP" dirty="0">
+                <a:solidFill>
+                  <a:schemeClr val="accent5">
+                    <a:lumMod val="50000"/>
+                  </a:schemeClr>
+                </a:solidFill>
+                <a:latin typeface="Hiragino Maru Gothic Pro W4" panose="020F0400000000000000" pitchFamily="34" charset="-128"/>
+                <a:ea typeface="Hiragino Maru Gothic Pro W4" panose="020F0400000000000000" pitchFamily="34" charset="-128"/>
+              </a:rPr>
+              <a:t>“</a:t>
+            </a:r>
+            <a:r>
+              <a:rPr lang="ja-JP" altLang="en-US">
+                <a:solidFill>
+                  <a:schemeClr val="accent5">
+                    <a:lumMod val="50000"/>
+                  </a:schemeClr>
+                </a:solidFill>
+                <a:latin typeface="Hiragino Maru Gothic Pro W4" panose="020F0400000000000000" pitchFamily="34" charset="-128"/>
+                <a:ea typeface="Hiragino Maru Gothic Pro W4" panose="020F0400000000000000" pitchFamily="34" charset="-128"/>
+              </a:rPr>
+              <a:t>高いモチベーションの人にとって</a:t>
+            </a:r>
+            <a:r>
+              <a:rPr lang="en-US" altLang="ja-JP" dirty="0">
+                <a:solidFill>
+                  <a:schemeClr val="accent5">
+                    <a:lumMod val="50000"/>
+                  </a:schemeClr>
+                </a:solidFill>
+                <a:latin typeface="Hiragino Maru Gothic Pro W4" panose="020F0400000000000000" pitchFamily="34" charset="-128"/>
+                <a:ea typeface="Hiragino Maru Gothic Pro W4" panose="020F0400000000000000" pitchFamily="34" charset="-128"/>
+              </a:rPr>
+              <a:t>”</a:t>
+            </a:r>
+            <a:br>
+              <a:rPr lang="en-US" altLang="ja-JP" dirty="0">
+                <a:solidFill>
+                  <a:schemeClr val="accent5">
+                    <a:lumMod val="50000"/>
+                  </a:schemeClr>
+                </a:solidFill>
+                <a:latin typeface="Hiragino Maru Gothic Pro W4" panose="020F0400000000000000" pitchFamily="34" charset="-128"/>
+                <a:ea typeface="Hiragino Maru Gothic Pro W4" panose="020F0400000000000000" pitchFamily="34" charset="-128"/>
+              </a:rPr>
+            </a:br>
+            <a:r>
+              <a:rPr lang="ja-JP" altLang="en-US">
+                <a:solidFill>
+                  <a:schemeClr val="accent5">
+                    <a:lumMod val="50000"/>
+                  </a:schemeClr>
+                </a:solidFill>
+                <a:latin typeface="Hiragino Maru Gothic Pro W4" panose="020F0400000000000000" pitchFamily="34" charset="-128"/>
+                <a:ea typeface="Hiragino Maru Gothic Pro W4" panose="020F0400000000000000" pitchFamily="34" charset="-128"/>
+              </a:rPr>
+              <a:t>　居心地の良いクランであること</a:t>
             </a:r>
             <a:endParaRPr lang="en-US" altLang="ja-JP" dirty="0">
               <a:solidFill>
@@ -17209,19 +17508,7 @@
             </a:endParaRPr>
           </a:p>
           <a:p>
-            <a:pPr marL="560070" indent="-514350"/>
-            <a:r>
-              <a:rPr lang="en-US" altLang="ja-JP" dirty="0">
-                <a:solidFill>
-                  <a:schemeClr val="accent5">
-                    <a:lumMod val="50000"/>
-                  </a:schemeClr>
-                </a:solidFill>
-                <a:latin typeface="Hiragino Maru Gothic Pro W4" panose="020F0400000000000000" pitchFamily="34" charset="-128"/>
-                <a:ea typeface="Hiragino Maru Gothic Pro W4" panose="020F0400000000000000" pitchFamily="34" charset="-128"/>
-              </a:rPr>
-              <a:t>TH</a:t>
-            </a:r>
+            <a:pPr marL="502920" indent="-457200"/>
             <a:r>
               <a:rPr lang="ja-JP" altLang="en-US">
                 <a:solidFill>
@@ -17232,7 +17519,7 @@
                 <a:latin typeface="Hiragino Maru Gothic Pro W4" panose="020F0400000000000000" pitchFamily="34" charset="-128"/>
                 <a:ea typeface="Hiragino Maru Gothic Pro W4" panose="020F0400000000000000" pitchFamily="34" charset="-128"/>
               </a:rPr>
-              <a:t>帯は問わず</a:t>
+              <a:t>強いクランであること</a:t>
             </a:r>
             <a:endParaRPr lang="en-US" altLang="ja-JP" dirty="0">
               <a:solidFill>
@@ -17245,137 +17532,9 @@
             </a:endParaRPr>
           </a:p>
           <a:p>
-            <a:pPr marL="560070" indent="-514350"/>
-            <a:r>
-              <a:rPr lang="ja-JP" altLang="en-US">
-                <a:solidFill>
-                  <a:schemeClr val="accent5">
-                    <a:lumMod val="50000"/>
-                  </a:schemeClr>
-                </a:solidFill>
-                <a:latin typeface="Hiragino Maru Gothic Pro W4" panose="020F0400000000000000" pitchFamily="34" charset="-128"/>
-                <a:ea typeface="Hiragino Maru Gothic Pro W4" panose="020F0400000000000000" pitchFamily="34" charset="-128"/>
-              </a:rPr>
-              <a:t>将来的に新規クランを作成するかも</a:t>
-            </a:r>
-            <a:r>
-              <a:rPr lang="en-US" altLang="ja-JP" dirty="0">
-                <a:solidFill>
-                  <a:schemeClr val="accent5">
-                    <a:lumMod val="50000"/>
-                  </a:schemeClr>
-                </a:solidFill>
-                <a:latin typeface="Hiragino Maru Gothic Pro W4" panose="020F0400000000000000" pitchFamily="34" charset="-128"/>
-                <a:ea typeface="Hiragino Maru Gothic Pro W4" panose="020F0400000000000000" pitchFamily="34" charset="-128"/>
-              </a:rPr>
-              <a:t> </a:t>
-            </a:r>
-            <a:r>
-              <a:rPr lang="en-US" altLang="ja-JP" sz="2000" dirty="0">
-                <a:solidFill>
-                  <a:schemeClr val="accent5">
-                    <a:lumMod val="50000"/>
-                  </a:schemeClr>
-                </a:solidFill>
-                <a:latin typeface="Hiragino Maru Gothic Pro W4" panose="020F0400000000000000" pitchFamily="34" charset="-128"/>
-                <a:ea typeface="Hiragino Maru Gothic Pro W4" panose="020F0400000000000000" pitchFamily="34" charset="-128"/>
-              </a:rPr>
-              <a:t>(</a:t>
-            </a:r>
-            <a:r>
-              <a:rPr lang="ja-JP" altLang="en-US" sz="2000">
-                <a:solidFill>
-                  <a:schemeClr val="accent5">
-                    <a:lumMod val="50000"/>
-                  </a:schemeClr>
-                </a:solidFill>
-                <a:latin typeface="Hiragino Maru Gothic Pro W4" panose="020F0400000000000000" pitchFamily="34" charset="-128"/>
-                <a:ea typeface="Hiragino Maru Gothic Pro W4" panose="020F0400000000000000" pitchFamily="34" charset="-128"/>
-              </a:rPr>
-              <a:t>まほらまは仮宿</a:t>
-            </a:r>
-            <a:r>
-              <a:rPr lang="en-US" altLang="ja-JP" sz="2000" dirty="0">
-                <a:solidFill>
-                  <a:schemeClr val="accent5">
-                    <a:lumMod val="50000"/>
-                  </a:schemeClr>
-                </a:solidFill>
-                <a:latin typeface="Hiragino Maru Gothic Pro W4" panose="020F0400000000000000" pitchFamily="34" charset="-128"/>
-                <a:ea typeface="Hiragino Maru Gothic Pro W4" panose="020F0400000000000000" pitchFamily="34" charset="-128"/>
-              </a:rPr>
-              <a:t>)</a:t>
-            </a:r>
-          </a:p>
-          <a:p>
             <a:pPr marL="45720" indent="0">
               <a:buNone/>
             </a:pPr>
-            <a:endParaRPr lang="en-US" altLang="ja-JP" dirty="0">
-              <a:solidFill>
-                <a:schemeClr val="accent5">
-                  <a:lumMod val="50000"/>
-                </a:schemeClr>
-              </a:solidFill>
-              <a:latin typeface="Hiragino Maru Gothic Pro W4" panose="020F0400000000000000" pitchFamily="34" charset="-128"/>
-              <a:ea typeface="Hiragino Maru Gothic Pro W4" panose="020F0400000000000000" pitchFamily="34" charset="-128"/>
-            </a:endParaRPr>
-          </a:p>
-          <a:p>
-            <a:pPr marL="45720" indent="0">
-              <a:buNone/>
-            </a:pPr>
-            <a:r>
-              <a:rPr lang="en-US" altLang="ja-JP" dirty="0">
-                <a:solidFill>
-                  <a:schemeClr val="accent5">
-                    <a:lumMod val="50000"/>
-                  </a:schemeClr>
-                </a:solidFill>
-                <a:latin typeface="Hiragino Maru Gothic Pro W4" panose="020F0400000000000000" pitchFamily="34" charset="-128"/>
-                <a:ea typeface="Hiragino Maru Gothic Pro W4" panose="020F0400000000000000" pitchFamily="34" charset="-128"/>
-              </a:rPr>
-              <a:t>【</a:t>
-            </a:r>
-            <a:r>
-              <a:rPr lang="ja-JP" altLang="en-US">
-                <a:solidFill>
-                  <a:schemeClr val="accent5">
-                    <a:lumMod val="50000"/>
-                  </a:schemeClr>
-                </a:solidFill>
-                <a:latin typeface="Hiragino Maru Gothic Pro W4" panose="020F0400000000000000" pitchFamily="34" charset="-128"/>
-                <a:ea typeface="Hiragino Maru Gothic Pro W4" panose="020F0400000000000000" pitchFamily="34" charset="-128"/>
-              </a:rPr>
-              <a:t>方針</a:t>
-            </a:r>
-            <a:r>
-              <a:rPr lang="en-US" altLang="ja-JP" dirty="0">
-                <a:solidFill>
-                  <a:schemeClr val="accent5">
-                    <a:lumMod val="50000"/>
-                  </a:schemeClr>
-                </a:solidFill>
-                <a:latin typeface="Hiragino Maru Gothic Pro W4" panose="020F0400000000000000" pitchFamily="34" charset="-128"/>
-                <a:ea typeface="Hiragino Maru Gothic Pro W4" panose="020F0400000000000000" pitchFamily="34" charset="-128"/>
-              </a:rPr>
-              <a:t>】</a:t>
-            </a:r>
-          </a:p>
-          <a:p>
-            <a:pPr marL="502920" indent="-457200"/>
-            <a:r>
-              <a:rPr lang="ja-JP" altLang="en-US">
-                <a:solidFill>
-                  <a:schemeClr val="accent5">
-                    <a:lumMod val="50000"/>
-                  </a:schemeClr>
-                </a:solidFill>
-                <a:latin typeface="Hiragino Maru Gothic Pro W4" panose="020F0400000000000000" pitchFamily="34" charset="-128"/>
-                <a:ea typeface="Hiragino Maru Gothic Pro W4" panose="020F0400000000000000" pitchFamily="34" charset="-128"/>
-              </a:rPr>
-              <a:t>既存のまほらまファーミングクランと同じ</a:t>
-            </a:r>
             <a:endParaRPr lang="en-US" altLang="ja-JP" dirty="0">
               <a:solidFill>
                 <a:schemeClr val="accent5">
@@ -17449,7 +17608,7 @@
     </p:spTree>
     <p:extLst>
       <p:ext uri="{BB962C8B-B14F-4D97-AF65-F5344CB8AC3E}">
-        <p14:creationId xmlns:p14="http://schemas.microsoft.com/office/powerpoint/2010/main" val="1991784473"/>
+        <p14:creationId xmlns:p14="http://schemas.microsoft.com/office/powerpoint/2010/main" val="4110154179"/>
       </p:ext>
     </p:extLst>
   </p:cSld>
@@ -17519,7 +17678,55 @@
                 <a:latin typeface="Hiragino Maru Gothic Pro W4" panose="020F0400000000000000" pitchFamily="34" charset="-128"/>
                 <a:ea typeface="Hiragino Maru Gothic Pro W4" panose="020F0400000000000000" pitchFamily="34" charset="-128"/>
               </a:rPr>
-              <a:t>新体制への変更</a:t>
+              <a:t>クラン「まほらま</a:t>
+            </a:r>
+            <a:r>
+              <a:rPr lang="en-US" altLang="ja-JP" dirty="0">
+                <a:solidFill>
+                  <a:schemeClr val="accent5">
+                    <a:lumMod val="50000"/>
+                  </a:schemeClr>
+                </a:solidFill>
+                <a:latin typeface="Hiragino Maru Gothic Pro W4" panose="020F0400000000000000" pitchFamily="34" charset="-128"/>
+                <a:ea typeface="Hiragino Maru Gothic Pro W4" panose="020F0400000000000000" pitchFamily="34" charset="-128"/>
+              </a:rPr>
+              <a:t>〜</a:t>
+            </a:r>
+            <a:r>
+              <a:rPr lang="ja-JP" altLang="en-US">
+                <a:solidFill>
+                  <a:schemeClr val="accent5">
+                    <a:lumMod val="50000"/>
+                  </a:schemeClr>
+                </a:solidFill>
+                <a:latin typeface="Hiragino Maru Gothic Pro W4" panose="020F0400000000000000" pitchFamily="34" charset="-128"/>
+                <a:ea typeface="Hiragino Maru Gothic Pro W4" panose="020F0400000000000000" pitchFamily="34" charset="-128"/>
+              </a:rPr>
+              <a:t>摩天楼</a:t>
+            </a:r>
+            <a:r>
+              <a:rPr lang="en-US" altLang="ja-JP" dirty="0">
+                <a:solidFill>
+                  <a:schemeClr val="accent5">
+                    <a:lumMod val="50000"/>
+                  </a:schemeClr>
+                </a:solidFill>
+                <a:latin typeface="Hiragino Maru Gothic Pro W4" panose="020F0400000000000000" pitchFamily="34" charset="-128"/>
+                <a:ea typeface="Hiragino Maru Gothic Pro W4" panose="020F0400000000000000" pitchFamily="34" charset="-128"/>
+              </a:rPr>
+              <a:t>〜</a:t>
+            </a:r>
+            <a:r>
+              <a:rPr lang="ja-JP" altLang="en-US">
+                <a:solidFill>
+                  <a:schemeClr val="accent5">
+                    <a:lumMod val="50000"/>
+                  </a:schemeClr>
+                </a:solidFill>
+                <a:latin typeface="Hiragino Maru Gothic Pro W4" panose="020F0400000000000000" pitchFamily="34" charset="-128"/>
+                <a:ea typeface="Hiragino Maru Gothic Pro W4" panose="020F0400000000000000" pitchFamily="34" charset="-128"/>
+              </a:rPr>
+              <a:t>」</a:t>
             </a:r>
             <a:endParaRPr kumimoji="1" lang="ja-JP" altLang="en-US">
               <a:solidFill>
@@ -17561,6 +17768,47 @@
           </a:bodyPr>
           <a:lstStyle/>
           <a:p>
+            <a:pPr marL="45720" indent="0">
+              <a:buNone/>
+            </a:pPr>
+            <a:r>
+              <a:rPr lang="en-US" altLang="ja-JP" dirty="0">
+                <a:solidFill>
+                  <a:schemeClr val="accent5">
+                    <a:lumMod val="50000"/>
+                  </a:schemeClr>
+                </a:solidFill>
+                <a:latin typeface="Hiragino Maru Gothic Pro W4" panose="020F0400000000000000" pitchFamily="34" charset="-128"/>
+                <a:ea typeface="Hiragino Maru Gothic Pro W4" panose="020F0400000000000000" pitchFamily="34" charset="-128"/>
+              </a:rPr>
+              <a:t>【</a:t>
+            </a:r>
+            <a:r>
+              <a:rPr lang="ja-JP" altLang="en-US">
+                <a:solidFill>
+                  <a:schemeClr val="accent5">
+                    <a:lumMod val="50000"/>
+                  </a:schemeClr>
+                </a:solidFill>
+                <a:latin typeface="Hiragino Maru Gothic Pro W4" panose="020F0400000000000000" pitchFamily="34" charset="-128"/>
+                <a:ea typeface="Hiragino Maru Gothic Pro W4" panose="020F0400000000000000" pitchFamily="34" charset="-128"/>
+              </a:rPr>
+              <a:t>概要</a:t>
+            </a:r>
+            <a:r>
+              <a:rPr lang="en-US" altLang="ja-JP" dirty="0">
+                <a:solidFill>
+                  <a:schemeClr val="accent5">
+                    <a:lumMod val="50000"/>
+                  </a:schemeClr>
+                </a:solidFill>
+                <a:latin typeface="Hiragino Maru Gothic Pro W4" panose="020F0400000000000000" pitchFamily="34" charset="-128"/>
+                <a:ea typeface="Hiragino Maru Gothic Pro W4" panose="020F0400000000000000" pitchFamily="34" charset="-128"/>
+              </a:rPr>
+              <a:t>】</a:t>
+            </a:r>
+          </a:p>
+          <a:p>
             <a:pPr marL="560070" indent="-514350"/>
             <a:r>
               <a:rPr lang="ja-JP" altLang="en-US">
@@ -17572,31 +17820,7 @@
                 <a:latin typeface="Hiragino Maru Gothic Pro W4" panose="020F0400000000000000" pitchFamily="34" charset="-128"/>
                 <a:ea typeface="Hiragino Maru Gothic Pro W4" panose="020F0400000000000000" pitchFamily="34" charset="-128"/>
               </a:rPr>
-              <a:t>タイミング：</a:t>
-            </a:r>
-            <a:r>
-              <a:rPr lang="en-US" altLang="ja-JP" dirty="0">
-                <a:solidFill>
-                  <a:schemeClr val="accent5">
-                    <a:lumMod val="50000"/>
-                  </a:schemeClr>
-                </a:solidFill>
-                <a:latin typeface="Hiragino Maru Gothic Pro W4" panose="020F0400000000000000" pitchFamily="34" charset="-128"/>
-                <a:ea typeface="Hiragino Maru Gothic Pro W4" panose="020F0400000000000000" pitchFamily="34" charset="-128"/>
-              </a:rPr>
-              <a:t>5</a:t>
-            </a:r>
-            <a:r>
-              <a:rPr lang="ja-JP" altLang="en-US">
-                <a:solidFill>
-                  <a:schemeClr val="accent5">
-                    <a:lumMod val="50000"/>
-                  </a:schemeClr>
-                </a:solidFill>
-                <a:latin typeface="Hiragino Maru Gothic Pro W4" panose="020F0400000000000000" pitchFamily="34" charset="-128"/>
-                <a:ea typeface="Hiragino Maru Gothic Pro W4" panose="020F0400000000000000" pitchFamily="34" charset="-128"/>
-              </a:rPr>
-              <a:t>月リーグが終わり次第、移行していく</a:t>
+              <a:t>ファーミング勢で集まる</a:t>
             </a:r>
             <a:endParaRPr lang="en-US" altLang="ja-JP" dirty="0">
               <a:solidFill>
@@ -17611,6 +17835,18 @@
           <a:p>
             <a:pPr marL="560070" indent="-514350"/>
             <a:r>
+              <a:rPr lang="en-US" altLang="ja-JP" dirty="0">
+                <a:solidFill>
+                  <a:schemeClr val="accent5">
+                    <a:lumMod val="50000"/>
+                  </a:schemeClr>
+                </a:solidFill>
+                <a:latin typeface="Hiragino Maru Gothic Pro W4" panose="020F0400000000000000" pitchFamily="34" charset="-128"/>
+                <a:ea typeface="Hiragino Maru Gothic Pro W4" panose="020F0400000000000000" pitchFamily="34" charset="-128"/>
+              </a:rPr>
+              <a:t>TH</a:t>
+            </a:r>
+            <a:r>
               <a:rPr lang="ja-JP" altLang="en-US">
                 <a:solidFill>
                   <a:schemeClr val="accent5">
@@ -17620,7 +17856,7 @@
                 <a:latin typeface="Hiragino Maru Gothic Pro W4" panose="020F0400000000000000" pitchFamily="34" charset="-128"/>
                 <a:ea typeface="Hiragino Maru Gothic Pro W4" panose="020F0400000000000000" pitchFamily="34" charset="-128"/>
               </a:rPr>
-              <a:t>振り分け案</a:t>
+              <a:t>帯は問わない</a:t>
             </a:r>
             <a:endParaRPr lang="en-US" altLang="ja-JP" dirty="0">
               <a:solidFill>
@@ -17633,58 +17869,73 @@
             </a:endParaRPr>
           </a:p>
           <a:p>
+            <a:pPr marL="560070" indent="-514350"/>
+            <a:r>
+              <a:rPr lang="ja-JP" altLang="en-US">
+                <a:solidFill>
+                  <a:schemeClr val="accent5">
+                    <a:lumMod val="50000"/>
+                  </a:schemeClr>
+                </a:solidFill>
+                <a:latin typeface="Hiragino Maru Gothic Pro W4" panose="020F0400000000000000" pitchFamily="34" charset="-128"/>
+                <a:ea typeface="Hiragino Maru Gothic Pro W4" panose="020F0400000000000000" pitchFamily="34" charset="-128"/>
+              </a:rPr>
+              <a:t>将来的に新規クランに移行する</a:t>
+            </a:r>
+            <a:r>
+              <a:rPr lang="en-US" altLang="ja-JP" dirty="0">
+                <a:solidFill>
+                  <a:schemeClr val="accent5">
+                    <a:lumMod val="50000"/>
+                  </a:schemeClr>
+                </a:solidFill>
+                <a:latin typeface="Hiragino Maru Gothic Pro W4" panose="020F0400000000000000" pitchFamily="34" charset="-128"/>
+                <a:ea typeface="Hiragino Maru Gothic Pro W4" panose="020F0400000000000000" pitchFamily="34" charset="-128"/>
+              </a:rPr>
+              <a:t> </a:t>
+            </a:r>
+            <a:r>
+              <a:rPr lang="en-US" altLang="ja-JP" sz="2000" dirty="0">
+                <a:solidFill>
+                  <a:schemeClr val="accent5">
+                    <a:lumMod val="50000"/>
+                  </a:schemeClr>
+                </a:solidFill>
+                <a:latin typeface="Hiragino Maru Gothic Pro W4" panose="020F0400000000000000" pitchFamily="34" charset="-128"/>
+                <a:ea typeface="Hiragino Maru Gothic Pro W4" panose="020F0400000000000000" pitchFamily="34" charset="-128"/>
+              </a:rPr>
+              <a:t>(</a:t>
+            </a:r>
+            <a:r>
+              <a:rPr lang="ja-JP" altLang="en-US" sz="2000">
+                <a:solidFill>
+                  <a:schemeClr val="accent5">
+                    <a:lumMod val="50000"/>
+                  </a:schemeClr>
+                </a:solidFill>
+                <a:latin typeface="Hiragino Maru Gothic Pro W4" panose="020F0400000000000000" pitchFamily="34" charset="-128"/>
+                <a:ea typeface="Hiragino Maru Gothic Pro W4" panose="020F0400000000000000" pitchFamily="34" charset="-128"/>
+              </a:rPr>
+              <a:t>まほらまは仮宿です</a:t>
+            </a:r>
+            <a:r>
+              <a:rPr lang="en-US" altLang="ja-JP" sz="2000" dirty="0">
+                <a:solidFill>
+                  <a:schemeClr val="accent5">
+                    <a:lumMod val="50000"/>
+                  </a:schemeClr>
+                </a:solidFill>
+                <a:latin typeface="Hiragino Maru Gothic Pro W4" panose="020F0400000000000000" pitchFamily="34" charset="-128"/>
+                <a:ea typeface="Hiragino Maru Gothic Pro W4" panose="020F0400000000000000" pitchFamily="34" charset="-128"/>
+              </a:rPr>
+              <a:t>)</a:t>
+            </a:r>
+          </a:p>
+          <a:p>
             <a:pPr marL="45720" indent="0">
               <a:buNone/>
             </a:pPr>
-            <a:r>
-              <a:rPr lang="ja-JP" altLang="en-US" sz="1800">
-                <a:solidFill>
-                  <a:schemeClr val="accent5">
-                    <a:lumMod val="50000"/>
-                  </a:schemeClr>
-                </a:solidFill>
-                <a:latin typeface="Hiragino Maru Gothic Pro W4" panose="020F0400000000000000" pitchFamily="34" charset="-128"/>
-                <a:ea typeface="Hiragino Maru Gothic Pro W4" panose="020F0400000000000000" pitchFamily="34" charset="-128"/>
-              </a:rPr>
-              <a:t>　　　まほらま側：</a:t>
-            </a:r>
-            <a:br>
-              <a:rPr lang="en-US" altLang="ja-JP" sz="1800" dirty="0">
-                <a:solidFill>
-                  <a:schemeClr val="accent5">
-                    <a:lumMod val="50000"/>
-                  </a:schemeClr>
-                </a:solidFill>
-                <a:latin typeface="Hiragino Maru Gothic Pro W4" panose="020F0400000000000000" pitchFamily="34" charset="-128"/>
-                <a:ea typeface="Hiragino Maru Gothic Pro W4" panose="020F0400000000000000" pitchFamily="34" charset="-128"/>
-              </a:rPr>
-            </a:br>
-            <a:r>
-              <a:rPr lang="ja-JP" altLang="en-US" sz="1800">
-                <a:solidFill>
-                  <a:schemeClr val="accent5">
-                    <a:lumMod val="50000"/>
-                  </a:schemeClr>
-                </a:solidFill>
-                <a:latin typeface="Hiragino Maru Gothic Pro W4" panose="020F0400000000000000" pitchFamily="34" charset="-128"/>
-                <a:ea typeface="Hiragino Maru Gothic Pro W4" panose="020F0400000000000000" pitchFamily="34" charset="-128"/>
-              </a:rPr>
-              <a:t>　　　　</a:t>
-            </a:r>
-            <a:r>
-              <a:rPr lang="en-US" altLang="ja-JP" sz="1200" dirty="0">
-                <a:solidFill>
-                  <a:schemeClr val="accent5">
-                    <a:lumMod val="50000"/>
-                  </a:schemeClr>
-                </a:solidFill>
-                <a:latin typeface="Hiragino Maru Gothic Pro W4" panose="020F0400000000000000" pitchFamily="34" charset="-128"/>
-                <a:ea typeface="Hiragino Maru Gothic Pro W4" panose="020F0400000000000000" pitchFamily="34" charset="-128"/>
-                <a:hlinkClick r:id="rId2"/>
-              </a:rPr>
-              <a:t>https://docs.google.com/spreadsheets/d/1JeL2rHp4XRQvi1ME64ftFnnHtRyTQAxk/edit</a:t>
-            </a:r>
-            <a:endParaRPr lang="en-US" altLang="ja-JP" sz="1200" dirty="0">
+            <a:endParaRPr lang="en-US" altLang="ja-JP" dirty="0">
               <a:solidFill>
                 <a:schemeClr val="accent5">
                   <a:lumMod val="50000"/>
@@ -17699,174 +17950,57 @@
               <a:buNone/>
             </a:pPr>
             <a:r>
-              <a:rPr lang="ja-JP" altLang="en-US" sz="1800">
-                <a:solidFill>
-                  <a:schemeClr val="accent5">
-                    <a:lumMod val="50000"/>
-                  </a:schemeClr>
-                </a:solidFill>
-                <a:latin typeface="Hiragino Maru Gothic Pro W4" panose="020F0400000000000000" pitchFamily="34" charset="-128"/>
-                <a:ea typeface="Hiragino Maru Gothic Pro W4" panose="020F0400000000000000" pitchFamily="34" charset="-128"/>
-              </a:rPr>
-              <a:t>　　　東方側：</a:t>
-            </a:r>
-            <a:br>
-              <a:rPr lang="en-US" altLang="ja-JP" sz="1800" dirty="0">
-                <a:solidFill>
-                  <a:schemeClr val="accent5">
-                    <a:lumMod val="50000"/>
-                  </a:schemeClr>
-                </a:solidFill>
-                <a:latin typeface="Hiragino Maru Gothic Pro W4" panose="020F0400000000000000" pitchFamily="34" charset="-128"/>
-                <a:ea typeface="Hiragino Maru Gothic Pro W4" panose="020F0400000000000000" pitchFamily="34" charset="-128"/>
-              </a:rPr>
-            </a:br>
-            <a:r>
-              <a:rPr lang="ja-JP" altLang="en-US" sz="1800">
-                <a:solidFill>
-                  <a:schemeClr val="accent5">
-                    <a:lumMod val="50000"/>
-                  </a:schemeClr>
-                </a:solidFill>
-                <a:latin typeface="Hiragino Maru Gothic Pro W4" panose="020F0400000000000000" pitchFamily="34" charset="-128"/>
-                <a:ea typeface="Hiragino Maru Gothic Pro W4" panose="020F0400000000000000" pitchFamily="34" charset="-128"/>
-              </a:rPr>
-              <a:t>　　　　</a:t>
-            </a:r>
-            <a:r>
-              <a:rPr lang="en-US" altLang="ja-JP" sz="1200" dirty="0">
-                <a:solidFill>
-                  <a:schemeClr val="accent5">
-                    <a:lumMod val="50000"/>
-                  </a:schemeClr>
-                </a:solidFill>
-                <a:latin typeface="Hiragino Maru Gothic Pro W4" panose="020F0400000000000000" pitchFamily="34" charset="-128"/>
-                <a:ea typeface="Hiragino Maru Gothic Pro W4" panose="020F0400000000000000" pitchFamily="34" charset="-128"/>
-                <a:hlinkClick r:id="rId3"/>
-              </a:rPr>
-              <a:t>https://docs.google.com/spreadsheets/d/1yLqrO2bvNzGSbJC3JD5YCJoLRXsjitGWwS4C0eiNtQI/edit?usp=sharing</a:t>
-            </a:r>
-            <a:endParaRPr lang="en-US" altLang="ja-JP" sz="1200" dirty="0">
-              <a:solidFill>
-                <a:schemeClr val="accent5">
-                  <a:lumMod val="50000"/>
-                </a:schemeClr>
-              </a:solidFill>
-              <a:latin typeface="Hiragino Maru Gothic Pro W4" panose="020F0400000000000000" pitchFamily="34" charset="-128"/>
-              <a:ea typeface="Hiragino Maru Gothic Pro W4" panose="020F0400000000000000" pitchFamily="34" charset="-128"/>
-            </a:endParaRPr>
-          </a:p>
-          <a:p>
-            <a:pPr marL="45720" indent="0">
-              <a:buNone/>
-            </a:pPr>
-            <a:r>
-              <a:rPr lang="ja-JP" altLang="en-US" sz="2400">
-                <a:solidFill>
-                  <a:schemeClr val="accent5">
-                    <a:lumMod val="50000"/>
-                  </a:schemeClr>
-                </a:solidFill>
-                <a:latin typeface="Hiragino Maru Gothic Pro W4" panose="020F0400000000000000" pitchFamily="34" charset="-128"/>
-                <a:ea typeface="Hiragino Maru Gothic Pro W4" panose="020F0400000000000000" pitchFamily="34" charset="-128"/>
-              </a:rPr>
-              <a:t>　　皆様ご確認ください。</a:t>
-            </a:r>
-            <a:br>
-              <a:rPr lang="en-US" altLang="ja-JP" sz="2400" dirty="0">
-                <a:solidFill>
-                  <a:schemeClr val="accent5">
-                    <a:lumMod val="50000"/>
-                  </a:schemeClr>
-                </a:solidFill>
-                <a:latin typeface="Hiragino Maru Gothic Pro W4" panose="020F0400000000000000" pitchFamily="34" charset="-128"/>
-                <a:ea typeface="Hiragino Maru Gothic Pro W4" panose="020F0400000000000000" pitchFamily="34" charset="-128"/>
-              </a:rPr>
-            </a:br>
-            <a:r>
-              <a:rPr lang="ja-JP" altLang="en-US" sz="2400">
-                <a:solidFill>
-                  <a:schemeClr val="accent5">
-                    <a:lumMod val="50000"/>
-                  </a:schemeClr>
-                </a:solidFill>
-                <a:latin typeface="Hiragino Maru Gothic Pro W4" panose="020F0400000000000000" pitchFamily="34" charset="-128"/>
-                <a:ea typeface="Hiragino Maru Gothic Pro W4" panose="020F0400000000000000" pitchFamily="34" charset="-128"/>
-              </a:rPr>
-              <a:t>　　一応目安になりますので、私こっちのが良いとかある場合は</a:t>
-            </a:r>
-            <a:br>
-              <a:rPr lang="en-US" altLang="ja-JP" sz="2400" dirty="0">
-                <a:solidFill>
-                  <a:schemeClr val="accent5">
-                    <a:lumMod val="50000"/>
-                  </a:schemeClr>
-                </a:solidFill>
-                <a:latin typeface="Hiragino Maru Gothic Pro W4" panose="020F0400000000000000" pitchFamily="34" charset="-128"/>
-                <a:ea typeface="Hiragino Maru Gothic Pro W4" panose="020F0400000000000000" pitchFamily="34" charset="-128"/>
-              </a:rPr>
-            </a:br>
-            <a:r>
-              <a:rPr lang="ja-JP" altLang="en-US" sz="2400">
-                <a:solidFill>
-                  <a:schemeClr val="accent5">
-                    <a:lumMod val="50000"/>
-                  </a:schemeClr>
-                </a:solidFill>
-                <a:latin typeface="Hiragino Maru Gothic Pro W4" panose="020F0400000000000000" pitchFamily="34" charset="-128"/>
-                <a:ea typeface="Hiragino Maru Gothic Pro W4" panose="020F0400000000000000" pitchFamily="34" charset="-128"/>
-              </a:rPr>
-              <a:t>　　お気軽に</a:t>
-            </a:r>
-            <a:r>
-              <a:rPr lang="en-US" altLang="ja-JP" sz="2400" dirty="0">
-                <a:solidFill>
-                  <a:schemeClr val="accent5">
-                    <a:lumMod val="50000"/>
-                  </a:schemeClr>
-                </a:solidFill>
-                <a:latin typeface="Hiragino Maru Gothic Pro W4" panose="020F0400000000000000" pitchFamily="34" charset="-128"/>
-                <a:ea typeface="Hiragino Maru Gothic Pro W4" panose="020F0400000000000000" pitchFamily="34" charset="-128"/>
-              </a:rPr>
-              <a:t> </a:t>
-            </a:r>
-            <a:r>
-              <a:rPr lang="en-US" altLang="ja-JP" sz="2400" dirty="0" err="1">
-                <a:solidFill>
-                  <a:schemeClr val="accent5">
-                    <a:lumMod val="50000"/>
-                  </a:schemeClr>
-                </a:solidFill>
-                <a:latin typeface="Hiragino Maru Gothic Pro W4" panose="020F0400000000000000" pitchFamily="34" charset="-128"/>
-                <a:ea typeface="Hiragino Maru Gothic Pro W4" panose="020F0400000000000000" pitchFamily="34" charset="-128"/>
-              </a:rPr>
-              <a:t>bigtree</a:t>
-            </a:r>
-            <a:r>
-              <a:rPr lang="en-US" altLang="ja-JP" sz="2400" dirty="0">
-                <a:solidFill>
-                  <a:schemeClr val="accent5">
-                    <a:lumMod val="50000"/>
-                  </a:schemeClr>
-                </a:solidFill>
-                <a:latin typeface="Hiragino Maru Gothic Pro W4" panose="020F0400000000000000" pitchFamily="34" charset="-128"/>
-                <a:ea typeface="Hiragino Maru Gothic Pro W4" panose="020F0400000000000000" pitchFamily="34" charset="-128"/>
-              </a:rPr>
-              <a:t> </a:t>
-            </a:r>
-            <a:r>
-              <a:rPr lang="ja-JP" altLang="en-US" sz="2400">
-                <a:solidFill>
-                  <a:schemeClr val="accent5">
-                    <a:lumMod val="50000"/>
-                  </a:schemeClr>
-                </a:solidFill>
-                <a:latin typeface="Hiragino Maru Gothic Pro W4" panose="020F0400000000000000" pitchFamily="34" charset="-128"/>
-                <a:ea typeface="Hiragino Maru Gothic Pro W4" panose="020F0400000000000000" pitchFamily="34" charset="-128"/>
-              </a:rPr>
-              <a:t>までご連絡ください。</a:t>
-            </a:r>
-            <a:endParaRPr lang="en-US" altLang="ja-JP" sz="2400" dirty="0">
+              <a:rPr lang="en-US" altLang="ja-JP" dirty="0">
+                <a:solidFill>
+                  <a:schemeClr val="accent5">
+                    <a:lumMod val="50000"/>
+                  </a:schemeClr>
+                </a:solidFill>
+                <a:latin typeface="Hiragino Maru Gothic Pro W4" panose="020F0400000000000000" pitchFamily="34" charset="-128"/>
+                <a:ea typeface="Hiragino Maru Gothic Pro W4" panose="020F0400000000000000" pitchFamily="34" charset="-128"/>
+              </a:rPr>
+              <a:t>【</a:t>
+            </a:r>
+            <a:r>
+              <a:rPr lang="ja-JP" altLang="en-US">
+                <a:solidFill>
+                  <a:schemeClr val="accent5">
+                    <a:lumMod val="50000"/>
+                  </a:schemeClr>
+                </a:solidFill>
+                <a:latin typeface="Hiragino Maru Gothic Pro W4" panose="020F0400000000000000" pitchFamily="34" charset="-128"/>
+                <a:ea typeface="Hiragino Maru Gothic Pro W4" panose="020F0400000000000000" pitchFamily="34" charset="-128"/>
+              </a:rPr>
+              <a:t>方針、目指すクランの姿</a:t>
+            </a:r>
+            <a:r>
+              <a:rPr lang="en-US" altLang="ja-JP" dirty="0">
+                <a:solidFill>
+                  <a:schemeClr val="accent5">
+                    <a:lumMod val="50000"/>
+                  </a:schemeClr>
+                </a:solidFill>
+                <a:latin typeface="Hiragino Maru Gothic Pro W4" panose="020F0400000000000000" pitchFamily="34" charset="-128"/>
+                <a:ea typeface="Hiragino Maru Gothic Pro W4" panose="020F0400000000000000" pitchFamily="34" charset="-128"/>
+              </a:rPr>
+              <a:t>】</a:t>
+            </a:r>
+          </a:p>
+          <a:p>
+            <a:pPr marL="502920" indent="-457200"/>
+            <a:r>
+              <a:rPr lang="ja-JP" altLang="en-US">
+                <a:solidFill>
+                  <a:schemeClr val="accent5">
+                    <a:lumMod val="50000"/>
+                  </a:schemeClr>
+                </a:solidFill>
+                <a:latin typeface="Hiragino Maru Gothic Pro W4" panose="020F0400000000000000" pitchFamily="34" charset="-128"/>
+                <a:ea typeface="Hiragino Maru Gothic Pro W4" panose="020F0400000000000000" pitchFamily="34" charset="-128"/>
+              </a:rPr>
+              <a:t>安心してファーミングできるクランであること</a:t>
+            </a:r>
+            <a:endParaRPr lang="en-US" altLang="ja-JP" dirty="0">
               <a:solidFill>
                 <a:schemeClr val="accent5">
                   <a:lumMod val="50000"/>
@@ -17927,7 +18061,7 @@
     </p:spTree>
     <p:extLst>
       <p:ext uri="{BB962C8B-B14F-4D97-AF65-F5344CB8AC3E}">
-        <p14:creationId xmlns:p14="http://schemas.microsoft.com/office/powerpoint/2010/main" val="3774718473"/>
+        <p14:creationId xmlns:p14="http://schemas.microsoft.com/office/powerpoint/2010/main" val="1991784473"/>
       </p:ext>
     </p:extLst>
   </p:cSld>
@@ -17971,7 +18105,7 @@
           <p:cNvPr id="2" name="タイトル 1">
             <a:extLst>
               <a:ext uri="{FF2B5EF4-FFF2-40B4-BE49-F238E27FC236}">
-                <a16:creationId xmlns:a16="http://schemas.microsoft.com/office/drawing/2014/main" id="{05E27039-9568-144A-9E91-3B61FB565D2A}"/>
+                <a16:creationId xmlns:a16="http://schemas.microsoft.com/office/drawing/2014/main" id="{4BEF2D4F-28AD-C84D-A4AC-A607D5B45D24}"/>
               </a:ext>
             </a:extLst>
           </p:cNvPr>
@@ -17979,19 +18113,12 @@
             <a:spLocks noGrp="1"/>
           </p:cNvSpPr>
           <p:nvPr>
-            <p:ph type="ctrTitle"/>
+            <p:ph type="title"/>
           </p:nvPr>
         </p:nvSpPr>
-        <p:spPr>
-          <a:xfrm>
-            <a:off x="1306286" y="1187630"/>
-            <a:ext cx="9570720" cy="3173122"/>
-          </a:xfrm>
-        </p:spPr>
+        <p:spPr/>
         <p:txBody>
-          <a:bodyPr>
-            <a:normAutofit/>
-          </a:bodyPr>
+          <a:bodyPr/>
           <a:lstStyle/>
           <a:p>
             <a:r>
@@ -18004,19 +18131,8 @@
                 <a:latin typeface="Hiragino Maru Gothic Pro W4" panose="020F0400000000000000" pitchFamily="34" charset="-128"/>
                 <a:ea typeface="Hiragino Maru Gothic Pro W4" panose="020F0400000000000000" pitchFamily="34" charset="-128"/>
               </a:rPr>
-              <a:t>以上です</a:t>
-            </a:r>
-            <a:br>
-              <a:rPr lang="en-US" altLang="ja-JP" dirty="0">
-                <a:solidFill>
-                  <a:schemeClr val="accent5">
-                    <a:lumMod val="50000"/>
-                  </a:schemeClr>
-                </a:solidFill>
-                <a:latin typeface="Hiragino Maru Gothic Pro W4" panose="020F0400000000000000" pitchFamily="34" charset="-128"/>
-                <a:ea typeface="Hiragino Maru Gothic Pro W4" panose="020F0400000000000000" pitchFamily="34" charset="-128"/>
-              </a:rPr>
-            </a:br>
+              <a:t>新体制への変更</a:t>
+            </a:r>
             <a:endParaRPr kumimoji="1" lang="ja-JP" altLang="en-US">
               <a:solidFill>
                 <a:schemeClr val="accent5">
@@ -18031,10 +18147,379 @@
       </p:sp>
       <p:sp>
         <p:nvSpPr>
+          <p:cNvPr id="3" name="コンテンツ プレースホルダー 2">
+            <a:extLst>
+              <a:ext uri="{FF2B5EF4-FFF2-40B4-BE49-F238E27FC236}">
+                <a16:creationId xmlns:a16="http://schemas.microsoft.com/office/drawing/2014/main" id="{01E773B8-156E-4743-8E4A-3ED5FB7CC4E2}"/>
+              </a:ext>
+            </a:extLst>
+          </p:cNvPr>
+          <p:cNvSpPr>
+            <a:spLocks noGrp="1"/>
+          </p:cNvSpPr>
+          <p:nvPr>
+            <p:ph idx="1"/>
+          </p:nvPr>
+        </p:nvSpPr>
+        <p:spPr>
+          <a:xfrm>
+            <a:off x="838200" y="1588575"/>
+            <a:ext cx="10515600" cy="4588387"/>
+          </a:xfrm>
+        </p:spPr>
+        <p:txBody>
+          <a:bodyPr>
+            <a:normAutofit/>
+          </a:bodyPr>
+          <a:lstStyle/>
+          <a:p>
+            <a:pPr marL="560070" indent="-514350"/>
+            <a:r>
+              <a:rPr lang="ja-JP" altLang="en-US">
+                <a:solidFill>
+                  <a:schemeClr val="accent5">
+                    <a:lumMod val="50000"/>
+                  </a:schemeClr>
+                </a:solidFill>
+                <a:latin typeface="Hiragino Maru Gothic Pro W4" panose="020F0400000000000000" pitchFamily="34" charset="-128"/>
+                <a:ea typeface="Hiragino Maru Gothic Pro W4" panose="020F0400000000000000" pitchFamily="34" charset="-128"/>
+              </a:rPr>
+              <a:t>タイミング：</a:t>
+            </a:r>
+            <a:r>
+              <a:rPr lang="en-US" altLang="ja-JP" dirty="0">
+                <a:solidFill>
+                  <a:schemeClr val="accent5">
+                    <a:lumMod val="50000"/>
+                  </a:schemeClr>
+                </a:solidFill>
+                <a:latin typeface="Hiragino Maru Gothic Pro W4" panose="020F0400000000000000" pitchFamily="34" charset="-128"/>
+                <a:ea typeface="Hiragino Maru Gothic Pro W4" panose="020F0400000000000000" pitchFamily="34" charset="-128"/>
+              </a:rPr>
+              <a:t>5</a:t>
+            </a:r>
+            <a:r>
+              <a:rPr lang="ja-JP" altLang="en-US">
+                <a:solidFill>
+                  <a:schemeClr val="accent5">
+                    <a:lumMod val="50000"/>
+                  </a:schemeClr>
+                </a:solidFill>
+                <a:latin typeface="Hiragino Maru Gothic Pro W4" panose="020F0400000000000000" pitchFamily="34" charset="-128"/>
+                <a:ea typeface="Hiragino Maru Gothic Pro W4" panose="020F0400000000000000" pitchFamily="34" charset="-128"/>
+              </a:rPr>
+              <a:t>月リーグが終わり次第、移行</a:t>
+            </a:r>
+            <a:endParaRPr lang="en-US" altLang="ja-JP" dirty="0">
+              <a:solidFill>
+                <a:schemeClr val="accent5">
+                  <a:lumMod val="50000"/>
+                </a:schemeClr>
+              </a:solidFill>
+              <a:latin typeface="Hiragino Maru Gothic Pro W4" panose="020F0400000000000000" pitchFamily="34" charset="-128"/>
+              <a:ea typeface="Hiragino Maru Gothic Pro W4" panose="020F0400000000000000" pitchFamily="34" charset="-128"/>
+            </a:endParaRPr>
+          </a:p>
+          <a:p>
+            <a:pPr marL="560070" indent="-514350"/>
+            <a:r>
+              <a:rPr lang="ja-JP" altLang="en-US">
+                <a:solidFill>
+                  <a:schemeClr val="accent5">
+                    <a:lumMod val="50000"/>
+                  </a:schemeClr>
+                </a:solidFill>
+                <a:latin typeface="Hiragino Maru Gothic Pro W4" panose="020F0400000000000000" pitchFamily="34" charset="-128"/>
+                <a:ea typeface="Hiragino Maru Gothic Pro W4" panose="020F0400000000000000" pitchFamily="34" charset="-128"/>
+              </a:rPr>
+              <a:t>振り分け案</a:t>
+            </a:r>
+            <a:endParaRPr lang="en-US" altLang="ja-JP" dirty="0">
+              <a:solidFill>
+                <a:schemeClr val="accent5">
+                  <a:lumMod val="50000"/>
+                </a:schemeClr>
+              </a:solidFill>
+              <a:latin typeface="Hiragino Maru Gothic Pro W4" panose="020F0400000000000000" pitchFamily="34" charset="-128"/>
+              <a:ea typeface="Hiragino Maru Gothic Pro W4" panose="020F0400000000000000" pitchFamily="34" charset="-128"/>
+            </a:endParaRPr>
+          </a:p>
+          <a:p>
+            <a:pPr marL="45720" indent="0">
+              <a:buNone/>
+            </a:pPr>
+            <a:r>
+              <a:rPr lang="ja-JP" altLang="en-US" sz="1800">
+                <a:solidFill>
+                  <a:schemeClr val="accent5">
+                    <a:lumMod val="50000"/>
+                  </a:schemeClr>
+                </a:solidFill>
+                <a:latin typeface="Hiragino Maru Gothic Pro W4" panose="020F0400000000000000" pitchFamily="34" charset="-128"/>
+                <a:ea typeface="Hiragino Maru Gothic Pro W4" panose="020F0400000000000000" pitchFamily="34" charset="-128"/>
+              </a:rPr>
+              <a:t>　　　</a:t>
+            </a:r>
+            <a:r>
+              <a:rPr lang="ja-JP" altLang="en-US" sz="2000">
+                <a:solidFill>
+                  <a:schemeClr val="accent5">
+                    <a:lumMod val="50000"/>
+                  </a:schemeClr>
+                </a:solidFill>
+                <a:latin typeface="Hiragino Maru Gothic Pro W4" panose="020F0400000000000000" pitchFamily="34" charset="-128"/>
+                <a:ea typeface="Hiragino Maru Gothic Pro W4" panose="020F0400000000000000" pitchFamily="34" charset="-128"/>
+              </a:rPr>
+              <a:t>まほらま側：</a:t>
+            </a:r>
+            <a:br>
+              <a:rPr lang="en-US" altLang="ja-JP" sz="2000" dirty="0">
+                <a:solidFill>
+                  <a:schemeClr val="accent5">
+                    <a:lumMod val="50000"/>
+                  </a:schemeClr>
+                </a:solidFill>
+                <a:latin typeface="Hiragino Maru Gothic Pro W4" panose="020F0400000000000000" pitchFamily="34" charset="-128"/>
+                <a:ea typeface="Hiragino Maru Gothic Pro W4" panose="020F0400000000000000" pitchFamily="34" charset="-128"/>
+              </a:rPr>
+            </a:br>
+            <a:r>
+              <a:rPr lang="ja-JP" altLang="en-US" sz="1800">
+                <a:solidFill>
+                  <a:schemeClr val="accent5">
+                    <a:lumMod val="50000"/>
+                  </a:schemeClr>
+                </a:solidFill>
+                <a:latin typeface="Hiragino Maru Gothic Pro W4" panose="020F0400000000000000" pitchFamily="34" charset="-128"/>
+                <a:ea typeface="Hiragino Maru Gothic Pro W4" panose="020F0400000000000000" pitchFamily="34" charset="-128"/>
+              </a:rPr>
+              <a:t>　　　</a:t>
+            </a:r>
+            <a:r>
+              <a:rPr lang="en-US" altLang="ja-JP" sz="1200" dirty="0">
+                <a:solidFill>
+                  <a:schemeClr val="accent5">
+                    <a:lumMod val="50000"/>
+                  </a:schemeClr>
+                </a:solidFill>
+                <a:latin typeface="Hiragino Maru Gothic Pro W4" panose="020F0400000000000000" pitchFamily="34" charset="-128"/>
+                <a:ea typeface="Hiragino Maru Gothic Pro W4" panose="020F0400000000000000" pitchFamily="34" charset="-128"/>
+                <a:hlinkClick r:id="rId2"/>
+              </a:rPr>
+              <a:t>https://docs.google.com/spreadsheets/d/1JeL2rHp4XRQvi1ME64ftFnnHtRyTQAxk/edit</a:t>
+            </a:r>
+            <a:endParaRPr lang="en-US" altLang="ja-JP" sz="1200" dirty="0">
+              <a:solidFill>
+                <a:schemeClr val="accent5">
+                  <a:lumMod val="50000"/>
+                </a:schemeClr>
+              </a:solidFill>
+              <a:latin typeface="Hiragino Maru Gothic Pro W4" panose="020F0400000000000000" pitchFamily="34" charset="-128"/>
+              <a:ea typeface="Hiragino Maru Gothic Pro W4" panose="020F0400000000000000" pitchFamily="34" charset="-128"/>
+            </a:endParaRPr>
+          </a:p>
+          <a:p>
+            <a:pPr marL="45720" indent="0">
+              <a:buNone/>
+            </a:pPr>
+            <a:r>
+              <a:rPr lang="ja-JP" altLang="en-US" sz="1800">
+                <a:solidFill>
+                  <a:schemeClr val="accent5">
+                    <a:lumMod val="50000"/>
+                  </a:schemeClr>
+                </a:solidFill>
+                <a:latin typeface="Hiragino Maru Gothic Pro W4" panose="020F0400000000000000" pitchFamily="34" charset="-128"/>
+                <a:ea typeface="Hiragino Maru Gothic Pro W4" panose="020F0400000000000000" pitchFamily="34" charset="-128"/>
+              </a:rPr>
+              <a:t>　　　</a:t>
+            </a:r>
+            <a:r>
+              <a:rPr lang="ja-JP" altLang="en-US" sz="2000">
+                <a:solidFill>
+                  <a:schemeClr val="accent5">
+                    <a:lumMod val="50000"/>
+                  </a:schemeClr>
+                </a:solidFill>
+                <a:latin typeface="Hiragino Maru Gothic Pro W4" panose="020F0400000000000000" pitchFamily="34" charset="-128"/>
+                <a:ea typeface="Hiragino Maru Gothic Pro W4" panose="020F0400000000000000" pitchFamily="34" charset="-128"/>
+              </a:rPr>
+              <a:t>東方側：</a:t>
+            </a:r>
+            <a:br>
+              <a:rPr lang="en-US" altLang="ja-JP" sz="2000" dirty="0">
+                <a:solidFill>
+                  <a:schemeClr val="accent5">
+                    <a:lumMod val="50000"/>
+                  </a:schemeClr>
+                </a:solidFill>
+                <a:latin typeface="Hiragino Maru Gothic Pro W4" panose="020F0400000000000000" pitchFamily="34" charset="-128"/>
+                <a:ea typeface="Hiragino Maru Gothic Pro W4" panose="020F0400000000000000" pitchFamily="34" charset="-128"/>
+              </a:rPr>
+            </a:br>
+            <a:r>
+              <a:rPr lang="ja-JP" altLang="en-US" sz="1800">
+                <a:solidFill>
+                  <a:schemeClr val="accent5">
+                    <a:lumMod val="50000"/>
+                  </a:schemeClr>
+                </a:solidFill>
+                <a:latin typeface="Hiragino Maru Gothic Pro W4" panose="020F0400000000000000" pitchFamily="34" charset="-128"/>
+                <a:ea typeface="Hiragino Maru Gothic Pro W4" panose="020F0400000000000000" pitchFamily="34" charset="-128"/>
+              </a:rPr>
+              <a:t>　　　</a:t>
+            </a:r>
+            <a:r>
+              <a:rPr lang="en-US" altLang="ja-JP" sz="1200" dirty="0">
+                <a:solidFill>
+                  <a:schemeClr val="accent5">
+                    <a:lumMod val="50000"/>
+                  </a:schemeClr>
+                </a:solidFill>
+                <a:latin typeface="Hiragino Maru Gothic Pro W4" panose="020F0400000000000000" pitchFamily="34" charset="-128"/>
+                <a:ea typeface="Hiragino Maru Gothic Pro W4" panose="020F0400000000000000" pitchFamily="34" charset="-128"/>
+                <a:hlinkClick r:id="rId3"/>
+              </a:rPr>
+              <a:t>https://docs.google.com/spreadsheets/d/1yLqrO2bvNzGSbJC3JD5YCJoLRXsjitGWwS4C0eiNtQI/edit?usp=sharing</a:t>
+            </a:r>
+            <a:endParaRPr lang="en-US" altLang="ja-JP" sz="1200" dirty="0">
+              <a:solidFill>
+                <a:schemeClr val="accent5">
+                  <a:lumMod val="50000"/>
+                </a:schemeClr>
+              </a:solidFill>
+              <a:latin typeface="Hiragino Maru Gothic Pro W4" panose="020F0400000000000000" pitchFamily="34" charset="-128"/>
+              <a:ea typeface="Hiragino Maru Gothic Pro W4" panose="020F0400000000000000" pitchFamily="34" charset="-128"/>
+            </a:endParaRPr>
+          </a:p>
+          <a:p>
+            <a:pPr marL="45720" indent="0">
+              <a:buNone/>
+            </a:pPr>
+            <a:r>
+              <a:rPr lang="ja-JP" altLang="en-US" sz="2400">
+                <a:solidFill>
+                  <a:schemeClr val="accent5">
+                    <a:lumMod val="50000"/>
+                  </a:schemeClr>
+                </a:solidFill>
+                <a:latin typeface="Hiragino Maru Gothic Pro W4" panose="020F0400000000000000" pitchFamily="34" charset="-128"/>
+                <a:ea typeface="Hiragino Maru Gothic Pro W4" panose="020F0400000000000000" pitchFamily="34" charset="-128"/>
+              </a:rPr>
+              <a:t>　　皆様ご確認ください。</a:t>
+            </a:r>
+            <a:br>
+              <a:rPr lang="en-US" altLang="ja-JP" sz="2400" dirty="0">
+                <a:solidFill>
+                  <a:schemeClr val="accent5">
+                    <a:lumMod val="50000"/>
+                  </a:schemeClr>
+                </a:solidFill>
+                <a:latin typeface="Hiragino Maru Gothic Pro W4" panose="020F0400000000000000" pitchFamily="34" charset="-128"/>
+                <a:ea typeface="Hiragino Maru Gothic Pro W4" panose="020F0400000000000000" pitchFamily="34" charset="-128"/>
+              </a:rPr>
+            </a:br>
+            <a:r>
+              <a:rPr lang="ja-JP" altLang="en-US" sz="2400">
+                <a:solidFill>
+                  <a:schemeClr val="accent5">
+                    <a:lumMod val="50000"/>
+                  </a:schemeClr>
+                </a:solidFill>
+                <a:latin typeface="Hiragino Maru Gothic Pro W4" panose="020F0400000000000000" pitchFamily="34" charset="-128"/>
+                <a:ea typeface="Hiragino Maru Gothic Pro W4" panose="020F0400000000000000" pitchFamily="34" charset="-128"/>
+              </a:rPr>
+              <a:t>　　目安になりますので、変更希望がある場合は</a:t>
+            </a:r>
+            <a:br>
+              <a:rPr lang="en-US" altLang="ja-JP" sz="2400" dirty="0">
+                <a:solidFill>
+                  <a:schemeClr val="accent5">
+                    <a:lumMod val="50000"/>
+                  </a:schemeClr>
+                </a:solidFill>
+                <a:latin typeface="Hiragino Maru Gothic Pro W4" panose="020F0400000000000000" pitchFamily="34" charset="-128"/>
+                <a:ea typeface="Hiragino Maru Gothic Pro W4" panose="020F0400000000000000" pitchFamily="34" charset="-128"/>
+              </a:rPr>
+            </a:br>
+            <a:r>
+              <a:rPr lang="ja-JP" altLang="en-US" sz="2400">
+                <a:solidFill>
+                  <a:schemeClr val="accent5">
+                    <a:lumMod val="50000"/>
+                  </a:schemeClr>
+                </a:solidFill>
+                <a:latin typeface="Hiragino Maru Gothic Pro W4" panose="020F0400000000000000" pitchFamily="34" charset="-128"/>
+                <a:ea typeface="Hiragino Maru Gothic Pro W4" panose="020F0400000000000000" pitchFamily="34" charset="-128"/>
+              </a:rPr>
+              <a:t>　　お気軽に</a:t>
+            </a:r>
+            <a:r>
+              <a:rPr lang="en-US" altLang="ja-JP" sz="2400" dirty="0">
+                <a:solidFill>
+                  <a:schemeClr val="accent5">
+                    <a:lumMod val="50000"/>
+                  </a:schemeClr>
+                </a:solidFill>
+                <a:latin typeface="Hiragino Maru Gothic Pro W4" panose="020F0400000000000000" pitchFamily="34" charset="-128"/>
+                <a:ea typeface="Hiragino Maru Gothic Pro W4" panose="020F0400000000000000" pitchFamily="34" charset="-128"/>
+              </a:rPr>
+              <a:t> </a:t>
+            </a:r>
+            <a:r>
+              <a:rPr lang="en-US" altLang="ja-JP" sz="2400" dirty="0" err="1">
+                <a:solidFill>
+                  <a:schemeClr val="accent5">
+                    <a:lumMod val="50000"/>
+                  </a:schemeClr>
+                </a:solidFill>
+                <a:latin typeface="Hiragino Maru Gothic Pro W4" panose="020F0400000000000000" pitchFamily="34" charset="-128"/>
+                <a:ea typeface="Hiragino Maru Gothic Pro W4" panose="020F0400000000000000" pitchFamily="34" charset="-128"/>
+              </a:rPr>
+              <a:t>bigtree</a:t>
+            </a:r>
+            <a:r>
+              <a:rPr lang="en-US" altLang="ja-JP" sz="2400" dirty="0">
+                <a:solidFill>
+                  <a:schemeClr val="accent5">
+                    <a:lumMod val="50000"/>
+                  </a:schemeClr>
+                </a:solidFill>
+                <a:latin typeface="Hiragino Maru Gothic Pro W4" panose="020F0400000000000000" pitchFamily="34" charset="-128"/>
+                <a:ea typeface="Hiragino Maru Gothic Pro W4" panose="020F0400000000000000" pitchFamily="34" charset="-128"/>
+              </a:rPr>
+              <a:t> </a:t>
+            </a:r>
+            <a:r>
+              <a:rPr lang="ja-JP" altLang="en-US" sz="2400">
+                <a:solidFill>
+                  <a:schemeClr val="accent5">
+                    <a:lumMod val="50000"/>
+                  </a:schemeClr>
+                </a:solidFill>
+                <a:latin typeface="Hiragino Maru Gothic Pro W4" panose="020F0400000000000000" pitchFamily="34" charset="-128"/>
+                <a:ea typeface="Hiragino Maru Gothic Pro W4" panose="020F0400000000000000" pitchFamily="34" charset="-128"/>
+              </a:rPr>
+              <a:t>まで連絡ください。</a:t>
+            </a:r>
+            <a:endParaRPr lang="en-US" altLang="ja-JP" sz="2400" dirty="0">
+              <a:solidFill>
+                <a:schemeClr val="accent5">
+                  <a:lumMod val="50000"/>
+                </a:schemeClr>
+              </a:solidFill>
+              <a:latin typeface="Hiragino Maru Gothic Pro W4" panose="020F0400000000000000" pitchFamily="34" charset="-128"/>
+              <a:ea typeface="Hiragino Maru Gothic Pro W4" panose="020F0400000000000000" pitchFamily="34" charset="-128"/>
+            </a:endParaRPr>
+          </a:p>
+        </p:txBody>
+      </p:sp>
+      <p:sp>
+        <p:nvSpPr>
           <p:cNvPr id="4" name="スライド番号プレースホルダー 3">
             <a:extLst>
               <a:ext uri="{FF2B5EF4-FFF2-40B4-BE49-F238E27FC236}">
-                <a16:creationId xmlns:a16="http://schemas.microsoft.com/office/drawing/2014/main" id="{FFA60BD1-FA32-484F-807E-37BB2EC217BB}"/>
+                <a16:creationId xmlns:a16="http://schemas.microsoft.com/office/drawing/2014/main" id="{34C04C8D-49C3-874E-864D-A6289CA1E427}"/>
               </a:ext>
             </a:extLst>
           </p:cNvPr>
@@ -18045,12 +18530,7 @@
             <p:ph type="sldNum" sz="quarter" idx="12"/>
           </p:nvPr>
         </p:nvSpPr>
-        <p:spPr>
-          <a:xfrm>
-            <a:off x="8610600" y="6356350"/>
-            <a:ext cx="2743200" cy="365125"/>
-          </a:xfrm>
-        </p:spPr>
+        <p:spPr/>
         <p:txBody>
           <a:bodyPr/>
           <a:lstStyle/>
@@ -18059,7 +18539,9 @@
             <a:fld id="{E31375A4-56A4-47D6-9801-1991572033F7}" type="slidenum">
               <a:rPr lang="en-US" altLang="ja-JP" noProof="0" smtClean="0">
                 <a:solidFill>
-                  <a:srgbClr val="002060"/>
+                  <a:schemeClr val="accent5">
+                    <a:lumMod val="50000"/>
+                  </a:schemeClr>
                 </a:solidFill>
                 <a:latin typeface="Hiragino Maru Gothic Pro W4" panose="020F0400000000000000" pitchFamily="34" charset="-128"/>
                 <a:ea typeface="Hiragino Maru Gothic Pro W4" panose="020F0400000000000000" pitchFamily="34" charset="-128"/>
@@ -18068,7 +18550,9 @@
             </a:fld>
             <a:endParaRPr lang="ja-JP" altLang="en-US" noProof="0" dirty="0">
               <a:solidFill>
-                <a:srgbClr val="002060"/>
+                <a:schemeClr val="accent5">
+                  <a:lumMod val="50000"/>
+                </a:schemeClr>
               </a:solidFill>
               <a:latin typeface="Hiragino Maru Gothic Pro W4" panose="020F0400000000000000" pitchFamily="34" charset="-128"/>
               <a:ea typeface="Hiragino Maru Gothic Pro W4" panose="020F0400000000000000" pitchFamily="34" charset="-128"/>
@@ -18079,7 +18563,7 @@
     </p:spTree>
     <p:extLst>
       <p:ext uri="{BB962C8B-B14F-4D97-AF65-F5344CB8AC3E}">
-        <p14:creationId xmlns:p14="http://schemas.microsoft.com/office/powerpoint/2010/main" val="3462771541"/>
+        <p14:creationId xmlns:p14="http://schemas.microsoft.com/office/powerpoint/2010/main" val="3774718473"/>
       </p:ext>
     </p:extLst>
   </p:cSld>
@@ -18156,7 +18640,7 @@
                 <a:latin typeface="Hiragino Maru Gothic Pro W4" panose="020F0400000000000000" pitchFamily="34" charset="-128"/>
                 <a:ea typeface="Hiragino Maru Gothic Pro W4" panose="020F0400000000000000" pitchFamily="34" charset="-128"/>
               </a:rPr>
-              <a:t>以降のページはボツ</a:t>
+              <a:t>以上です</a:t>
             </a:r>
             <a:br>
               <a:rPr lang="en-US" altLang="ja-JP" dirty="0">
@@ -18231,7 +18715,7 @@
     </p:spTree>
     <p:extLst>
       <p:ext uri="{BB962C8B-B14F-4D97-AF65-F5344CB8AC3E}">
-        <p14:creationId xmlns:p14="http://schemas.microsoft.com/office/powerpoint/2010/main" val="1782513539"/>
+        <p14:creationId xmlns:p14="http://schemas.microsoft.com/office/powerpoint/2010/main" val="3462771541"/>
       </p:ext>
     </p:extLst>
   </p:cSld>
@@ -18294,7 +18778,7 @@
         </p:spPr>
         <p:txBody>
           <a:bodyPr>
-            <a:normAutofit fontScale="90000"/>
+            <a:normAutofit/>
           </a:bodyPr>
           <a:lstStyle/>
           <a:p>
@@ -18308,53 +18792,7 @@
                 <a:latin typeface="Hiragino Maru Gothic Pro W4" panose="020F0400000000000000" pitchFamily="34" charset="-128"/>
                 <a:ea typeface="Hiragino Maru Gothic Pro W4" panose="020F0400000000000000" pitchFamily="34" charset="-128"/>
               </a:rPr>
-              <a:t>案５、</a:t>
-            </a:r>
-            <a:br>
-              <a:rPr lang="en-US" altLang="ja-JP" dirty="0">
-                <a:solidFill>
-                  <a:schemeClr val="accent5">
-                    <a:lumMod val="50000"/>
-                  </a:schemeClr>
-                </a:solidFill>
-                <a:latin typeface="Hiragino Maru Gothic Pro W4" panose="020F0400000000000000" pitchFamily="34" charset="-128"/>
-                <a:ea typeface="Hiragino Maru Gothic Pro W4" panose="020F0400000000000000" pitchFamily="34" charset="-128"/>
-              </a:rPr>
-            </a:br>
-            <a:r>
-              <a:rPr lang="ja-JP" altLang="en-US">
-                <a:solidFill>
-                  <a:schemeClr val="accent5">
-                    <a:lumMod val="50000"/>
-                  </a:schemeClr>
-                </a:solidFill>
-                <a:latin typeface="Hiragino Maru Gothic Pro W4" panose="020F0400000000000000" pitchFamily="34" charset="-128"/>
-                <a:ea typeface="Hiragino Maru Gothic Pro W4" panose="020F0400000000000000" pitchFamily="34" charset="-128"/>
-              </a:rPr>
-              <a:t>東方＆まほらまで協力関係を</a:t>
-            </a:r>
-            <a:br>
-              <a:rPr lang="en-US" altLang="ja-JP" dirty="0">
-                <a:solidFill>
-                  <a:schemeClr val="accent5">
-                    <a:lumMod val="50000"/>
-                  </a:schemeClr>
-                </a:solidFill>
-                <a:latin typeface="Hiragino Maru Gothic Pro W4" panose="020F0400000000000000" pitchFamily="34" charset="-128"/>
-                <a:ea typeface="Hiragino Maru Gothic Pro W4" panose="020F0400000000000000" pitchFamily="34" charset="-128"/>
-              </a:rPr>
-            </a:br>
-            <a:r>
-              <a:rPr lang="ja-JP" altLang="en-US">
-                <a:solidFill>
-                  <a:schemeClr val="accent5">
-                    <a:lumMod val="50000"/>
-                  </a:schemeClr>
-                </a:solidFill>
-                <a:latin typeface="Hiragino Maru Gothic Pro W4" panose="020F0400000000000000" pitchFamily="34" charset="-128"/>
-                <a:ea typeface="Hiragino Maru Gothic Pro W4" panose="020F0400000000000000" pitchFamily="34" charset="-128"/>
-              </a:rPr>
-              <a:t>結ぶの具体的な話</a:t>
+              <a:t>以降のページはボツ</a:t>
             </a:r>
             <a:br>
               <a:rPr lang="en-US" altLang="ja-JP" dirty="0">
@@ -18415,6 +18853,204 @@
                 <a:ea typeface="Hiragino Maru Gothic Pro W4" panose="020F0400000000000000" pitchFamily="34" charset="-128"/>
               </a:rPr>
               <a:t>37</a:t>
+            </a:fld>
+            <a:endParaRPr lang="ja-JP" altLang="en-US" noProof="0" dirty="0">
+              <a:solidFill>
+                <a:srgbClr val="002060"/>
+              </a:solidFill>
+              <a:latin typeface="Hiragino Maru Gothic Pro W4" panose="020F0400000000000000" pitchFamily="34" charset="-128"/>
+              <a:ea typeface="Hiragino Maru Gothic Pro W4" panose="020F0400000000000000" pitchFamily="34" charset="-128"/>
+            </a:endParaRPr>
+          </a:p>
+        </p:txBody>
+      </p:sp>
+    </p:spTree>
+    <p:extLst>
+      <p:ext uri="{BB962C8B-B14F-4D97-AF65-F5344CB8AC3E}">
+        <p14:creationId xmlns:p14="http://schemas.microsoft.com/office/powerpoint/2010/main" val="1782513539"/>
+      </p:ext>
+    </p:extLst>
+  </p:cSld>
+  <p:clrMapOvr>
+    <a:masterClrMapping/>
+  </p:clrMapOvr>
+  <mc:AlternateContent xmlns:mc="http://schemas.openxmlformats.org/markup-compatibility/2006" xmlns:p14="http://schemas.microsoft.com/office/powerpoint/2010/main">
+    <mc:Choice Requires="p14">
+      <p:transition spd="med" p14:dur="700">
+        <p:fade/>
+      </p:transition>
+    </mc:Choice>
+    <mc:Fallback xmlns="">
+      <p:transition spd="med">
+        <p:fade/>
+      </p:transition>
+    </mc:Fallback>
+  </mc:AlternateContent>
+</p:sld>
+</file>
+
+<file path=ppt/slides/slide38.xml><?xml version="1.0" encoding="utf-8"?>
+<p:sld xmlns:a="http://schemas.openxmlformats.org/drawingml/2006/main" xmlns:r="http://schemas.openxmlformats.org/officeDocument/2006/relationships" xmlns:p="http://schemas.openxmlformats.org/presentationml/2006/main">
+  <p:cSld>
+    <p:spTree>
+      <p:nvGrpSpPr>
+        <p:cNvPr id="1" name=""/>
+        <p:cNvGrpSpPr/>
+        <p:nvPr/>
+      </p:nvGrpSpPr>
+      <p:grpSpPr>
+        <a:xfrm>
+          <a:off x="0" y="0"/>
+          <a:ext cx="0" cy="0"/>
+          <a:chOff x="0" y="0"/>
+          <a:chExt cx="0" cy="0"/>
+        </a:xfrm>
+      </p:grpSpPr>
+      <p:sp>
+        <p:nvSpPr>
+          <p:cNvPr id="2" name="タイトル 1">
+            <a:extLst>
+              <a:ext uri="{FF2B5EF4-FFF2-40B4-BE49-F238E27FC236}">
+                <a16:creationId xmlns:a16="http://schemas.microsoft.com/office/drawing/2014/main" id="{05E27039-9568-144A-9E91-3B61FB565D2A}"/>
+              </a:ext>
+            </a:extLst>
+          </p:cNvPr>
+          <p:cNvSpPr>
+            <a:spLocks noGrp="1"/>
+          </p:cNvSpPr>
+          <p:nvPr>
+            <p:ph type="ctrTitle"/>
+          </p:nvPr>
+        </p:nvSpPr>
+        <p:spPr>
+          <a:xfrm>
+            <a:off x="1306286" y="1187630"/>
+            <a:ext cx="9570720" cy="3173122"/>
+          </a:xfrm>
+        </p:spPr>
+        <p:txBody>
+          <a:bodyPr>
+            <a:normAutofit fontScale="90000"/>
+          </a:bodyPr>
+          <a:lstStyle/>
+          <a:p>
+            <a:r>
+              <a:rPr lang="ja-JP" altLang="en-US">
+                <a:solidFill>
+                  <a:schemeClr val="accent5">
+                    <a:lumMod val="50000"/>
+                  </a:schemeClr>
+                </a:solidFill>
+                <a:latin typeface="Hiragino Maru Gothic Pro W4" panose="020F0400000000000000" pitchFamily="34" charset="-128"/>
+                <a:ea typeface="Hiragino Maru Gothic Pro W4" panose="020F0400000000000000" pitchFamily="34" charset="-128"/>
+              </a:rPr>
+              <a:t>案５、</a:t>
+            </a:r>
+            <a:br>
+              <a:rPr lang="en-US" altLang="ja-JP" dirty="0">
+                <a:solidFill>
+                  <a:schemeClr val="accent5">
+                    <a:lumMod val="50000"/>
+                  </a:schemeClr>
+                </a:solidFill>
+                <a:latin typeface="Hiragino Maru Gothic Pro W4" panose="020F0400000000000000" pitchFamily="34" charset="-128"/>
+                <a:ea typeface="Hiragino Maru Gothic Pro W4" panose="020F0400000000000000" pitchFamily="34" charset="-128"/>
+              </a:rPr>
+            </a:br>
+            <a:r>
+              <a:rPr lang="ja-JP" altLang="en-US">
+                <a:solidFill>
+                  <a:schemeClr val="accent5">
+                    <a:lumMod val="50000"/>
+                  </a:schemeClr>
+                </a:solidFill>
+                <a:latin typeface="Hiragino Maru Gothic Pro W4" panose="020F0400000000000000" pitchFamily="34" charset="-128"/>
+                <a:ea typeface="Hiragino Maru Gothic Pro W4" panose="020F0400000000000000" pitchFamily="34" charset="-128"/>
+              </a:rPr>
+              <a:t>東方＆まほらまで協力関係を</a:t>
+            </a:r>
+            <a:br>
+              <a:rPr lang="en-US" altLang="ja-JP" dirty="0">
+                <a:solidFill>
+                  <a:schemeClr val="accent5">
+                    <a:lumMod val="50000"/>
+                  </a:schemeClr>
+                </a:solidFill>
+                <a:latin typeface="Hiragino Maru Gothic Pro W4" panose="020F0400000000000000" pitchFamily="34" charset="-128"/>
+                <a:ea typeface="Hiragino Maru Gothic Pro W4" panose="020F0400000000000000" pitchFamily="34" charset="-128"/>
+              </a:rPr>
+            </a:br>
+            <a:r>
+              <a:rPr lang="ja-JP" altLang="en-US">
+                <a:solidFill>
+                  <a:schemeClr val="accent5">
+                    <a:lumMod val="50000"/>
+                  </a:schemeClr>
+                </a:solidFill>
+                <a:latin typeface="Hiragino Maru Gothic Pro W4" panose="020F0400000000000000" pitchFamily="34" charset="-128"/>
+                <a:ea typeface="Hiragino Maru Gothic Pro W4" panose="020F0400000000000000" pitchFamily="34" charset="-128"/>
+              </a:rPr>
+              <a:t>結ぶの具体的な話</a:t>
+            </a:r>
+            <a:br>
+              <a:rPr lang="en-US" altLang="ja-JP" dirty="0">
+                <a:solidFill>
+                  <a:schemeClr val="accent5">
+                    <a:lumMod val="50000"/>
+                  </a:schemeClr>
+                </a:solidFill>
+                <a:latin typeface="Hiragino Maru Gothic Pro W4" panose="020F0400000000000000" pitchFamily="34" charset="-128"/>
+                <a:ea typeface="Hiragino Maru Gothic Pro W4" panose="020F0400000000000000" pitchFamily="34" charset="-128"/>
+              </a:rPr>
+            </a:br>
+            <a:endParaRPr kumimoji="1" lang="ja-JP" altLang="en-US">
+              <a:solidFill>
+                <a:schemeClr val="accent5">
+                  <a:lumMod val="50000"/>
+                </a:schemeClr>
+              </a:solidFill>
+              <a:latin typeface="Hiragino Maru Gothic Pro W4" panose="020F0400000000000000" pitchFamily="34" charset="-128"/>
+              <a:ea typeface="Hiragino Maru Gothic Pro W4" panose="020F0400000000000000" pitchFamily="34" charset="-128"/>
+            </a:endParaRPr>
+          </a:p>
+        </p:txBody>
+      </p:sp>
+      <p:sp>
+        <p:nvSpPr>
+          <p:cNvPr id="4" name="スライド番号プレースホルダー 3">
+            <a:extLst>
+              <a:ext uri="{FF2B5EF4-FFF2-40B4-BE49-F238E27FC236}">
+                <a16:creationId xmlns:a16="http://schemas.microsoft.com/office/drawing/2014/main" id="{FFA60BD1-FA32-484F-807E-37BB2EC217BB}"/>
+              </a:ext>
+            </a:extLst>
+          </p:cNvPr>
+          <p:cNvSpPr>
+            <a:spLocks noGrp="1"/>
+          </p:cNvSpPr>
+          <p:nvPr>
+            <p:ph type="sldNum" sz="quarter" idx="12"/>
+          </p:nvPr>
+        </p:nvSpPr>
+        <p:spPr>
+          <a:xfrm>
+            <a:off x="8610600" y="6356350"/>
+            <a:ext cx="2743200" cy="365125"/>
+          </a:xfrm>
+        </p:spPr>
+        <p:txBody>
+          <a:bodyPr/>
+          <a:lstStyle/>
+          <a:p>
+            <a:pPr rtl="0"/>
+            <a:fld id="{E31375A4-56A4-47D6-9801-1991572033F7}" type="slidenum">
+              <a:rPr lang="en-US" altLang="ja-JP" noProof="0" smtClean="0">
+                <a:solidFill>
+                  <a:srgbClr val="002060"/>
+                </a:solidFill>
+                <a:latin typeface="Hiragino Maru Gothic Pro W4" panose="020F0400000000000000" pitchFamily="34" charset="-128"/>
+                <a:ea typeface="Hiragino Maru Gothic Pro W4" panose="020F0400000000000000" pitchFamily="34" charset="-128"/>
+              </a:rPr>
+              <a:t>38</a:t>
             </a:fld>
             <a:endParaRPr lang="ja-JP" altLang="en-US" noProof="0" dirty="0">
               <a:solidFill>
@@ -18482,583 +19118,6 @@
     <p:extLst>
       <p:ext uri="{BB962C8B-B14F-4D97-AF65-F5344CB8AC3E}">
         <p14:creationId xmlns:p14="http://schemas.microsoft.com/office/powerpoint/2010/main" val="2718024741"/>
-      </p:ext>
-    </p:extLst>
-  </p:cSld>
-  <p:clrMapOvr>
-    <a:masterClrMapping/>
-  </p:clrMapOvr>
-  <mc:AlternateContent xmlns:mc="http://schemas.openxmlformats.org/markup-compatibility/2006" xmlns:p14="http://schemas.microsoft.com/office/powerpoint/2010/main">
-    <mc:Choice Requires="p14">
-      <p:transition spd="med" p14:dur="700">
-        <p:fade/>
-      </p:transition>
-    </mc:Choice>
-    <mc:Fallback xmlns="">
-      <p:transition spd="med">
-        <p:fade/>
-      </p:transition>
-    </mc:Fallback>
-  </mc:AlternateContent>
-</p:sld>
-</file>
-
-<file path=ppt/slides/slide38.xml><?xml version="1.0" encoding="utf-8"?>
-<p:sld xmlns:a="http://schemas.openxmlformats.org/drawingml/2006/main" xmlns:r="http://schemas.openxmlformats.org/officeDocument/2006/relationships" xmlns:p="http://schemas.openxmlformats.org/presentationml/2006/main">
-  <p:cSld>
-    <p:spTree>
-      <p:nvGrpSpPr>
-        <p:cNvPr id="1" name=""/>
-        <p:cNvGrpSpPr/>
-        <p:nvPr/>
-      </p:nvGrpSpPr>
-      <p:grpSpPr>
-        <a:xfrm>
-          <a:off x="0" y="0"/>
-          <a:ext cx="0" cy="0"/>
-          <a:chOff x="0" y="0"/>
-          <a:chExt cx="0" cy="0"/>
-        </a:xfrm>
-      </p:grpSpPr>
-      <p:sp>
-        <p:nvSpPr>
-          <p:cNvPr id="2" name="タイトル 1">
-            <a:extLst>
-              <a:ext uri="{FF2B5EF4-FFF2-40B4-BE49-F238E27FC236}">
-                <a16:creationId xmlns:a16="http://schemas.microsoft.com/office/drawing/2014/main" id="{4BEF2D4F-28AD-C84D-A4AC-A607D5B45D24}"/>
-              </a:ext>
-            </a:extLst>
-          </p:cNvPr>
-          <p:cNvSpPr>
-            <a:spLocks noGrp="1"/>
-          </p:cNvSpPr>
-          <p:nvPr>
-            <p:ph type="title"/>
-          </p:nvPr>
-        </p:nvSpPr>
-        <p:spPr/>
-        <p:txBody>
-          <a:bodyPr/>
-          <a:lstStyle/>
-          <a:p>
-            <a:r>
-              <a:rPr lang="ja-JP" altLang="en-US">
-                <a:solidFill>
-                  <a:schemeClr val="accent5">
-                    <a:lumMod val="50000"/>
-                  </a:schemeClr>
-                </a:solidFill>
-                <a:latin typeface="Hiragino Maru Gothic Pro W4" panose="020F0400000000000000" pitchFamily="34" charset="-128"/>
-                <a:ea typeface="Hiragino Maru Gothic Pro W4" panose="020F0400000000000000" pitchFamily="34" charset="-128"/>
-              </a:rPr>
-              <a:t>対外</a:t>
-            </a:r>
-            <a:r>
-              <a:rPr kumimoji="1" lang="ja-JP" altLang="en-US">
-                <a:solidFill>
-                  <a:schemeClr val="accent5">
-                    <a:lumMod val="50000"/>
-                  </a:schemeClr>
-                </a:solidFill>
-                <a:latin typeface="Hiragino Maru Gothic Pro W4" panose="020F0400000000000000" pitchFamily="34" charset="-128"/>
-                <a:ea typeface="Hiragino Maru Gothic Pro W4" panose="020F0400000000000000" pitchFamily="34" charset="-128"/>
-              </a:rPr>
-              <a:t>的にファミリークランを謳うか？</a:t>
-            </a:r>
-          </a:p>
-        </p:txBody>
-      </p:sp>
-      <p:sp>
-        <p:nvSpPr>
-          <p:cNvPr id="3" name="コンテンツ プレースホルダー 2">
-            <a:extLst>
-              <a:ext uri="{FF2B5EF4-FFF2-40B4-BE49-F238E27FC236}">
-                <a16:creationId xmlns:a16="http://schemas.microsoft.com/office/drawing/2014/main" id="{01E773B8-156E-4743-8E4A-3ED5FB7CC4E2}"/>
-              </a:ext>
-            </a:extLst>
-          </p:cNvPr>
-          <p:cNvSpPr>
-            <a:spLocks noGrp="1"/>
-          </p:cNvSpPr>
-          <p:nvPr>
-            <p:ph idx="1"/>
-          </p:nvPr>
-        </p:nvSpPr>
-        <p:spPr>
-          <a:xfrm>
-            <a:off x="838200" y="1588575"/>
-            <a:ext cx="10515600" cy="4588387"/>
-          </a:xfrm>
-        </p:spPr>
-        <p:txBody>
-          <a:bodyPr>
-            <a:normAutofit/>
-          </a:bodyPr>
-          <a:lstStyle/>
-          <a:p>
-            <a:pPr marL="45720" indent="0">
-              <a:buNone/>
-            </a:pPr>
-            <a:r>
-              <a:rPr lang="ja-JP" altLang="en-US" sz="2400">
-                <a:solidFill>
-                  <a:srgbClr val="FF0000"/>
-                </a:solidFill>
-                <a:latin typeface="Hiragino Maru Gothic Pro W4" panose="020F0400000000000000" pitchFamily="34" charset="-128"/>
-                <a:ea typeface="Hiragino Maru Gothic Pro W4" panose="020F0400000000000000" pitchFamily="34" charset="-128"/>
-              </a:rPr>
-              <a:t>謳わない。</a:t>
-            </a:r>
-            <a:endParaRPr lang="en-US" altLang="ja-JP" sz="2400" dirty="0">
-              <a:solidFill>
-                <a:srgbClr val="FF0000"/>
-              </a:solidFill>
-              <a:latin typeface="Hiragino Maru Gothic Pro W4" panose="020F0400000000000000" pitchFamily="34" charset="-128"/>
-              <a:ea typeface="Hiragino Maru Gothic Pro W4" panose="020F0400000000000000" pitchFamily="34" charset="-128"/>
-            </a:endParaRPr>
-          </a:p>
-          <a:p>
-            <a:pPr marL="45720" indent="0">
-              <a:buNone/>
-            </a:pPr>
-            <a:r>
-              <a:rPr lang="ja-JP" altLang="en-US" sz="2400">
-                <a:solidFill>
-                  <a:schemeClr val="accent5">
-                    <a:lumMod val="50000"/>
-                  </a:schemeClr>
-                </a:solidFill>
-                <a:latin typeface="Hiragino Maru Gothic Pro W4" panose="020F0400000000000000" pitchFamily="34" charset="-128"/>
-                <a:ea typeface="Hiragino Maru Gothic Pro W4" panose="020F0400000000000000" pitchFamily="34" charset="-128"/>
-              </a:rPr>
-              <a:t>東方でも東方</a:t>
-            </a:r>
-            <a:r>
-              <a:rPr lang="en-US" altLang="ja-JP" sz="2400" dirty="0">
-                <a:solidFill>
-                  <a:schemeClr val="accent5">
-                    <a:lumMod val="50000"/>
-                  </a:schemeClr>
-                </a:solidFill>
-                <a:latin typeface="Hiragino Maru Gothic Pro W4" panose="020F0400000000000000" pitchFamily="34" charset="-128"/>
-                <a:ea typeface="Hiragino Maru Gothic Pro W4" panose="020F0400000000000000" pitchFamily="34" charset="-128"/>
-              </a:rPr>
-              <a:t>(16)</a:t>
-            </a:r>
-            <a:r>
-              <a:rPr lang="ja-JP" altLang="en-US" sz="2400">
-                <a:solidFill>
-                  <a:schemeClr val="accent5">
-                    <a:lumMod val="50000"/>
-                  </a:schemeClr>
-                </a:solidFill>
-                <a:latin typeface="Hiragino Maru Gothic Pro W4" panose="020F0400000000000000" pitchFamily="34" charset="-128"/>
-                <a:ea typeface="Hiragino Maru Gothic Pro W4" panose="020F0400000000000000" pitchFamily="34" charset="-128"/>
-              </a:rPr>
-              <a:t>と東方</a:t>
-            </a:r>
-            <a:r>
-              <a:rPr lang="en-US" altLang="ja-JP" sz="2400" dirty="0">
-                <a:solidFill>
-                  <a:schemeClr val="accent5">
-                    <a:lumMod val="50000"/>
-                  </a:schemeClr>
-                </a:solidFill>
-                <a:latin typeface="Hiragino Maru Gothic Pro W4" panose="020F0400000000000000" pitchFamily="34" charset="-128"/>
-                <a:ea typeface="Hiragino Maru Gothic Pro W4" panose="020F0400000000000000" pitchFamily="34" charset="-128"/>
-              </a:rPr>
-              <a:t>(15)</a:t>
-            </a:r>
-            <a:r>
-              <a:rPr lang="ja-JP" altLang="en-US" sz="2400">
-                <a:solidFill>
-                  <a:schemeClr val="accent5">
-                    <a:lumMod val="50000"/>
-                  </a:schemeClr>
-                </a:solidFill>
-                <a:latin typeface="Hiragino Maru Gothic Pro W4" panose="020F0400000000000000" pitchFamily="34" charset="-128"/>
-                <a:ea typeface="Hiragino Maru Gothic Pro W4" panose="020F0400000000000000" pitchFamily="34" charset="-128"/>
-              </a:rPr>
-              <a:t>というクランが存在しており、</a:t>
-            </a:r>
-            <a:br>
-              <a:rPr lang="en-US" altLang="ja-JP" sz="2400" dirty="0">
-                <a:solidFill>
-                  <a:schemeClr val="accent5">
-                    <a:lumMod val="50000"/>
-                  </a:schemeClr>
-                </a:solidFill>
-                <a:latin typeface="Hiragino Maru Gothic Pro W4" panose="020F0400000000000000" pitchFamily="34" charset="-128"/>
-                <a:ea typeface="Hiragino Maru Gothic Pro W4" panose="020F0400000000000000" pitchFamily="34" charset="-128"/>
-              </a:rPr>
-            </a:br>
-            <a:r>
-              <a:rPr lang="ja-JP" altLang="en-US" sz="2400">
-                <a:solidFill>
-                  <a:schemeClr val="accent5">
-                    <a:lumMod val="50000"/>
-                  </a:schemeClr>
-                </a:solidFill>
-                <a:latin typeface="Hiragino Maru Gothic Pro W4" panose="020F0400000000000000" pitchFamily="34" charset="-128"/>
-                <a:ea typeface="Hiragino Maru Gothic Pro W4" panose="020F0400000000000000" pitchFamily="34" charset="-128"/>
-              </a:rPr>
-              <a:t>両クランは協力関係にある。そこの関係性が崩れる危険性も</a:t>
-            </a:r>
-            <a:br>
-              <a:rPr lang="en-US" altLang="ja-JP" sz="2400" dirty="0">
-                <a:solidFill>
-                  <a:schemeClr val="accent5">
-                    <a:lumMod val="50000"/>
-                  </a:schemeClr>
-                </a:solidFill>
-                <a:latin typeface="Hiragino Maru Gothic Pro W4" panose="020F0400000000000000" pitchFamily="34" charset="-128"/>
-                <a:ea typeface="Hiragino Maru Gothic Pro W4" panose="020F0400000000000000" pitchFamily="34" charset="-128"/>
-              </a:rPr>
-            </a:br>
-            <a:r>
-              <a:rPr lang="ja-JP" altLang="en-US" sz="2400">
-                <a:solidFill>
-                  <a:schemeClr val="accent5">
-                    <a:lumMod val="50000"/>
-                  </a:schemeClr>
-                </a:solidFill>
-                <a:latin typeface="Hiragino Maru Gothic Pro W4" panose="020F0400000000000000" pitchFamily="34" charset="-128"/>
-                <a:ea typeface="Hiragino Maru Gothic Pro W4" panose="020F0400000000000000" pitchFamily="34" charset="-128"/>
-              </a:rPr>
-              <a:t>無きにしもあらずなので謳わない。</a:t>
-            </a:r>
-            <a:br>
-              <a:rPr lang="en-US" altLang="ja-JP" sz="2400" dirty="0">
-                <a:solidFill>
-                  <a:schemeClr val="accent5">
-                    <a:lumMod val="50000"/>
-                  </a:schemeClr>
-                </a:solidFill>
-                <a:latin typeface="Hiragino Maru Gothic Pro W4" panose="020F0400000000000000" pitchFamily="34" charset="-128"/>
-                <a:ea typeface="Hiragino Maru Gothic Pro W4" panose="020F0400000000000000" pitchFamily="34" charset="-128"/>
-              </a:rPr>
-            </a:br>
-            <a:r>
-              <a:rPr lang="ja-JP" altLang="en-US" sz="2000">
-                <a:solidFill>
-                  <a:schemeClr val="accent5">
-                    <a:lumMod val="50000"/>
-                  </a:schemeClr>
-                </a:solidFill>
-                <a:latin typeface="Hiragino Maru Gothic Pro W4" panose="020F0400000000000000" pitchFamily="34" charset="-128"/>
-                <a:ea typeface="Hiragino Maru Gothic Pro W4" panose="020F0400000000000000" pitchFamily="34" charset="-128"/>
-              </a:rPr>
-              <a:t>補足：この資料で「東方」と記載している場合、東方</a:t>
-            </a:r>
-            <a:r>
-              <a:rPr lang="en-US" altLang="ja-JP" sz="2000" dirty="0">
-                <a:solidFill>
-                  <a:schemeClr val="accent5">
-                    <a:lumMod val="50000"/>
-                  </a:schemeClr>
-                </a:solidFill>
-                <a:latin typeface="Hiragino Maru Gothic Pro W4" panose="020F0400000000000000" pitchFamily="34" charset="-128"/>
-                <a:ea typeface="Hiragino Maru Gothic Pro W4" panose="020F0400000000000000" pitchFamily="34" charset="-128"/>
-              </a:rPr>
-              <a:t>(16)</a:t>
-            </a:r>
-            <a:r>
-              <a:rPr lang="ja-JP" altLang="en-US" sz="2000">
-                <a:solidFill>
-                  <a:schemeClr val="accent5">
-                    <a:lumMod val="50000"/>
-                  </a:schemeClr>
-                </a:solidFill>
-                <a:latin typeface="Hiragino Maru Gothic Pro W4" panose="020F0400000000000000" pitchFamily="34" charset="-128"/>
-                <a:ea typeface="Hiragino Maru Gothic Pro W4" panose="020F0400000000000000" pitchFamily="34" charset="-128"/>
-              </a:rPr>
-              <a:t>を示す。</a:t>
-            </a:r>
-            <a:endParaRPr lang="en-US" altLang="ja-JP" sz="2000" dirty="0">
-              <a:solidFill>
-                <a:schemeClr val="accent5">
-                  <a:lumMod val="50000"/>
-                </a:schemeClr>
-              </a:solidFill>
-              <a:latin typeface="Hiragino Maru Gothic Pro W4" panose="020F0400000000000000" pitchFamily="34" charset="-128"/>
-              <a:ea typeface="Hiragino Maru Gothic Pro W4" panose="020F0400000000000000" pitchFamily="34" charset="-128"/>
-            </a:endParaRPr>
-          </a:p>
-          <a:p>
-            <a:pPr marL="45720" indent="0">
-              <a:buNone/>
-            </a:pPr>
-            <a:r>
-              <a:rPr lang="ja-JP" altLang="en-US" sz="2400">
-                <a:solidFill>
-                  <a:schemeClr val="accent5">
-                    <a:lumMod val="50000"/>
-                  </a:schemeClr>
-                </a:solidFill>
-                <a:latin typeface="Hiragino Maru Gothic Pro W4" panose="020F0400000000000000" pitchFamily="34" charset="-128"/>
-                <a:ea typeface="Hiragino Maru Gothic Pro W4" panose="020F0400000000000000" pitchFamily="34" charset="-128"/>
-              </a:rPr>
-              <a:t>また、</a:t>
-            </a:r>
-            <a:r>
-              <a:rPr lang="en-US" altLang="ja-JP" sz="2400" dirty="0">
-                <a:solidFill>
-                  <a:schemeClr val="accent5">
-                    <a:lumMod val="50000"/>
-                  </a:schemeClr>
-                </a:solidFill>
-                <a:latin typeface="Hiragino Maru Gothic Pro W4" panose="020F0400000000000000" pitchFamily="34" charset="-128"/>
-                <a:ea typeface="Hiragino Maru Gothic Pro W4" panose="020F0400000000000000" pitchFamily="34" charset="-128"/>
-              </a:rPr>
-              <a:t>JWC</a:t>
-            </a:r>
-            <a:r>
-              <a:rPr lang="ja-JP" altLang="en-US" sz="2400">
-                <a:solidFill>
-                  <a:schemeClr val="accent5">
-                    <a:lumMod val="50000"/>
-                  </a:schemeClr>
-                </a:solidFill>
-                <a:latin typeface="Hiragino Maru Gothic Pro W4" panose="020F0400000000000000" pitchFamily="34" charset="-128"/>
-                <a:ea typeface="Hiragino Maru Gothic Pro W4" panose="020F0400000000000000" pitchFamily="34" charset="-128"/>
-              </a:rPr>
-              <a:t>の参戦における東方日陰問題に関しても、</a:t>
-            </a:r>
-            <a:br>
-              <a:rPr lang="en-US" altLang="ja-JP" sz="2400" dirty="0">
-                <a:solidFill>
-                  <a:schemeClr val="accent5">
-                    <a:lumMod val="50000"/>
-                  </a:schemeClr>
-                </a:solidFill>
-                <a:latin typeface="Hiragino Maru Gothic Pro W4" panose="020F0400000000000000" pitchFamily="34" charset="-128"/>
-                <a:ea typeface="Hiragino Maru Gothic Pro W4" panose="020F0400000000000000" pitchFamily="34" charset="-128"/>
-              </a:rPr>
-            </a:br>
-            <a:r>
-              <a:rPr lang="ja-JP" altLang="en-US" sz="2400">
-                <a:solidFill>
-                  <a:schemeClr val="accent5">
-                    <a:lumMod val="50000"/>
-                  </a:schemeClr>
-                </a:solidFill>
-                <a:latin typeface="Hiragino Maru Gothic Pro W4" panose="020F0400000000000000" pitchFamily="34" charset="-128"/>
-                <a:ea typeface="Hiragino Maru Gothic Pro W4" panose="020F0400000000000000" pitchFamily="34" charset="-128"/>
-              </a:rPr>
-              <a:t>東方メンバーの方々は特に気にしていないようなので、</a:t>
-            </a:r>
-            <a:br>
-              <a:rPr lang="en-US" altLang="ja-JP" sz="2400" dirty="0">
-                <a:solidFill>
-                  <a:schemeClr val="accent5">
-                    <a:lumMod val="50000"/>
-                  </a:schemeClr>
-                </a:solidFill>
-                <a:latin typeface="Hiragino Maru Gothic Pro W4" panose="020F0400000000000000" pitchFamily="34" charset="-128"/>
-                <a:ea typeface="Hiragino Maru Gothic Pro W4" panose="020F0400000000000000" pitchFamily="34" charset="-128"/>
-              </a:rPr>
-            </a:br>
-            <a:r>
-              <a:rPr lang="ja-JP" altLang="en-US" sz="2400">
-                <a:solidFill>
-                  <a:schemeClr val="accent5">
-                    <a:lumMod val="50000"/>
-                  </a:schemeClr>
-                </a:solidFill>
-                <a:latin typeface="Hiragino Maru Gothic Pro W4" panose="020F0400000000000000" pitchFamily="34" charset="-128"/>
-                <a:ea typeface="Hiragino Maru Gothic Pro W4" panose="020F0400000000000000" pitchFamily="34" charset="-128"/>
-              </a:rPr>
-              <a:t>対外的にファミリークランを謳って知名度を上げる必要性も低い。</a:t>
-            </a:r>
-            <a:br>
-              <a:rPr lang="en-US" altLang="ja-JP" sz="2400" dirty="0">
-                <a:solidFill>
-                  <a:schemeClr val="accent5">
-                    <a:lumMod val="50000"/>
-                  </a:schemeClr>
-                </a:solidFill>
-                <a:latin typeface="Hiragino Maru Gothic Pro W4" panose="020F0400000000000000" pitchFamily="34" charset="-128"/>
-                <a:ea typeface="Hiragino Maru Gothic Pro W4" panose="020F0400000000000000" pitchFamily="34" charset="-128"/>
-              </a:rPr>
-            </a:br>
-            <a:r>
-              <a:rPr lang="en-US" altLang="ja-JP" sz="2000" dirty="0">
-                <a:solidFill>
-                  <a:schemeClr val="accent5">
-                    <a:lumMod val="50000"/>
-                  </a:schemeClr>
-                </a:solidFill>
-                <a:latin typeface="Hiragino Maru Gothic Pro W4" panose="020F0400000000000000" pitchFamily="34" charset="-128"/>
-                <a:ea typeface="Hiragino Maru Gothic Pro W4" panose="020F0400000000000000" pitchFamily="34" charset="-128"/>
-              </a:rPr>
-              <a:t>(</a:t>
-            </a:r>
-            <a:r>
-              <a:rPr lang="ja-JP" altLang="en-US" sz="2000">
-                <a:solidFill>
-                  <a:schemeClr val="accent5">
-                    <a:lumMod val="50000"/>
-                  </a:schemeClr>
-                </a:solidFill>
-                <a:latin typeface="Hiragino Maru Gothic Pro W4" panose="020F0400000000000000" pitchFamily="34" charset="-128"/>
-                <a:ea typeface="Hiragino Maru Gothic Pro W4" panose="020F0400000000000000" pitchFamily="34" charset="-128"/>
-              </a:rPr>
-              <a:t>外部からややこしく見られるし・・・</a:t>
-            </a:r>
-            <a:r>
-              <a:rPr lang="en-US" altLang="ja-JP" sz="2000" dirty="0">
-                <a:solidFill>
-                  <a:schemeClr val="accent5">
-                    <a:lumMod val="50000"/>
-                  </a:schemeClr>
-                </a:solidFill>
-                <a:latin typeface="Hiragino Maru Gothic Pro W4" panose="020F0400000000000000" pitchFamily="34" charset="-128"/>
-                <a:ea typeface="Hiragino Maru Gothic Pro W4" panose="020F0400000000000000" pitchFamily="34" charset="-128"/>
-              </a:rPr>
-              <a:t>)</a:t>
-            </a:r>
-          </a:p>
-          <a:p>
-            <a:pPr marL="45720" indent="0">
-              <a:buNone/>
-            </a:pPr>
-            <a:r>
-              <a:rPr lang="ja-JP" altLang="en-US" sz="2400">
-                <a:solidFill>
-                  <a:srgbClr val="FF0000"/>
-                </a:solidFill>
-                <a:latin typeface="Hiragino Maru Gothic Pro W4" panose="020F0400000000000000" pitchFamily="34" charset="-128"/>
-                <a:ea typeface="Hiragino Maru Gothic Pro W4" panose="020F0400000000000000" pitchFamily="34" charset="-128"/>
-              </a:rPr>
-              <a:t>なので、東方＆まほらま間ではファミリークランは謳わずに、</a:t>
-            </a:r>
-            <a:br>
-              <a:rPr lang="en-US" altLang="ja-JP" sz="2400" dirty="0">
-                <a:solidFill>
-                  <a:srgbClr val="FF0000"/>
-                </a:solidFill>
-                <a:latin typeface="Hiragino Maru Gothic Pro W4" panose="020F0400000000000000" pitchFamily="34" charset="-128"/>
-                <a:ea typeface="Hiragino Maru Gothic Pro W4" panose="020F0400000000000000" pitchFamily="34" charset="-128"/>
-              </a:rPr>
-            </a:br>
-            <a:r>
-              <a:rPr lang="ja-JP" altLang="en-US" sz="2400">
-                <a:solidFill>
-                  <a:srgbClr val="FF0000"/>
-                </a:solidFill>
-                <a:latin typeface="Hiragino Maru Gothic Pro W4" panose="020F0400000000000000" pitchFamily="34" charset="-128"/>
-                <a:ea typeface="Hiragino Maru Gothic Pro W4" panose="020F0400000000000000" pitchFamily="34" charset="-128"/>
-              </a:rPr>
-              <a:t>「お互い仲良くしています」という関係性に留める形とする。</a:t>
-            </a:r>
-            <a:endParaRPr lang="en-US" altLang="ja-JP" sz="2400" dirty="0">
-              <a:solidFill>
-                <a:srgbClr val="FF0000"/>
-              </a:solidFill>
-              <a:latin typeface="Hiragino Maru Gothic Pro W4" panose="020F0400000000000000" pitchFamily="34" charset="-128"/>
-              <a:ea typeface="Hiragino Maru Gothic Pro W4" panose="020F0400000000000000" pitchFamily="34" charset="-128"/>
-            </a:endParaRPr>
-          </a:p>
-        </p:txBody>
-      </p:sp>
-      <p:sp>
-        <p:nvSpPr>
-          <p:cNvPr id="4" name="スライド番号プレースホルダー 3">
-            <a:extLst>
-              <a:ext uri="{FF2B5EF4-FFF2-40B4-BE49-F238E27FC236}">
-                <a16:creationId xmlns:a16="http://schemas.microsoft.com/office/drawing/2014/main" id="{34C04C8D-49C3-874E-864D-A6289CA1E427}"/>
-              </a:ext>
-            </a:extLst>
-          </p:cNvPr>
-          <p:cNvSpPr>
-            <a:spLocks noGrp="1"/>
-          </p:cNvSpPr>
-          <p:nvPr>
-            <p:ph type="sldNum" sz="quarter" idx="12"/>
-          </p:nvPr>
-        </p:nvSpPr>
-        <p:spPr/>
-        <p:txBody>
-          <a:bodyPr/>
-          <a:lstStyle/>
-          <a:p>
-            <a:pPr rtl="0"/>
-            <a:fld id="{E31375A4-56A4-47D6-9801-1991572033F7}" type="slidenum">
-              <a:rPr lang="en-US" altLang="ja-JP" noProof="0" smtClean="0">
-                <a:solidFill>
-                  <a:srgbClr val="002060"/>
-                </a:solidFill>
-                <a:latin typeface="Hiragino Maru Gothic Pro W4" panose="020F0400000000000000" pitchFamily="34" charset="-128"/>
-                <a:ea typeface="Hiragino Maru Gothic Pro W4" panose="020F0400000000000000" pitchFamily="34" charset="-128"/>
-              </a:rPr>
-              <a:t>38</a:t>
-            </a:fld>
-            <a:endParaRPr lang="ja-JP" altLang="en-US" noProof="0" dirty="0">
-              <a:solidFill>
-                <a:srgbClr val="002060"/>
-              </a:solidFill>
-              <a:latin typeface="Hiragino Maru Gothic Pro W4" panose="020F0400000000000000" pitchFamily="34" charset="-128"/>
-              <a:ea typeface="Hiragino Maru Gothic Pro W4" panose="020F0400000000000000" pitchFamily="34" charset="-128"/>
-            </a:endParaRPr>
-          </a:p>
-        </p:txBody>
-      </p:sp>
-      <p:sp>
-        <p:nvSpPr>
-          <p:cNvPr id="5" name="正方形/長方形 4">
-            <a:extLst>
-              <a:ext uri="{FF2B5EF4-FFF2-40B4-BE49-F238E27FC236}">
-                <a16:creationId xmlns:a16="http://schemas.microsoft.com/office/drawing/2014/main" id="{80CDFB72-43E8-F141-B69D-99DBB5E9EAFE}"/>
-              </a:ext>
-            </a:extLst>
-          </p:cNvPr>
-          <p:cNvSpPr/>
-          <p:nvPr/>
-        </p:nvSpPr>
-        <p:spPr>
-          <a:xfrm>
-            <a:off x="444137" y="369024"/>
-            <a:ext cx="11225349" cy="5807938"/>
-          </a:xfrm>
-          <a:prstGeom prst="rect">
-            <a:avLst/>
-          </a:prstGeom>
-          <a:solidFill>
-            <a:schemeClr val="dk1">
-              <a:alpha val="50000"/>
-            </a:schemeClr>
-          </a:solidFill>
-          <a:ln>
-            <a:noFill/>
-          </a:ln>
-        </p:spPr>
-        <p:style>
-          <a:lnRef idx="0">
-            <a:scrgbClr r="0" g="0" b="0"/>
-          </a:lnRef>
-          <a:fillRef idx="0">
-            <a:scrgbClr r="0" g="0" b="0"/>
-          </a:fillRef>
-          <a:effectRef idx="0">
-            <a:scrgbClr r="0" g="0" b="0"/>
-          </a:effectRef>
-          <a:fontRef idx="minor">
-            <a:schemeClr val="lt1"/>
-          </a:fontRef>
-        </p:style>
-        <p:txBody>
-          <a:bodyPr rtlCol="0" anchor="ctr"/>
-          <a:lstStyle/>
-          <a:p>
-            <a:pPr algn="ctr"/>
-            <a:endParaRPr kumimoji="1" lang="ja-JP" altLang="en-US"/>
-          </a:p>
-        </p:txBody>
-      </p:sp>
-    </p:spTree>
-    <p:extLst>
-      <p:ext uri="{BB962C8B-B14F-4D97-AF65-F5344CB8AC3E}">
-        <p14:creationId xmlns:p14="http://schemas.microsoft.com/office/powerpoint/2010/main" val="890651205"/>
       </p:ext>
     </p:extLst>
   </p:cSld>
@@ -19119,6 +19178,18 @@
           <a:lstStyle/>
           <a:p>
             <a:r>
+              <a:rPr lang="ja-JP" altLang="en-US">
+                <a:solidFill>
+                  <a:schemeClr val="accent5">
+                    <a:lumMod val="50000"/>
+                  </a:schemeClr>
+                </a:solidFill>
+                <a:latin typeface="Hiragino Maru Gothic Pro W4" panose="020F0400000000000000" pitchFamily="34" charset="-128"/>
+                <a:ea typeface="Hiragino Maru Gothic Pro W4" panose="020F0400000000000000" pitchFamily="34" charset="-128"/>
+              </a:rPr>
+              <a:t>対外</a:t>
+            </a:r>
+            <a:r>
               <a:rPr kumimoji="1" lang="ja-JP" altLang="en-US">
                 <a:solidFill>
                   <a:schemeClr val="accent5">
@@ -19128,7 +19199,7 @@
                 <a:latin typeface="Hiragino Maru Gothic Pro W4" panose="020F0400000000000000" pitchFamily="34" charset="-128"/>
                 <a:ea typeface="Hiragino Maru Gothic Pro W4" panose="020F0400000000000000" pitchFamily="34" charset="-128"/>
               </a:rPr>
-              <a:t>基本的な考え方</a:t>
+              <a:t>的にファミリークランを謳うか？</a:t>
             </a:r>
           </a:p>
         </p:txBody>
@@ -19164,11 +19235,361 @@
             <a:pPr marL="45720" indent="0">
               <a:buNone/>
             </a:pPr>
+            <a:r>
+              <a:rPr lang="ja-JP" altLang="en-US" sz="2400">
+                <a:solidFill>
+                  <a:srgbClr val="FF0000"/>
+                </a:solidFill>
+                <a:latin typeface="Hiragino Maru Gothic Pro W4" panose="020F0400000000000000" pitchFamily="34" charset="-128"/>
+                <a:ea typeface="Hiragino Maru Gothic Pro W4" panose="020F0400000000000000" pitchFamily="34" charset="-128"/>
+              </a:rPr>
+              <a:t>謳わない。</a:t>
+            </a:r>
             <a:endParaRPr lang="en-US" altLang="ja-JP" sz="2400" dirty="0">
+              <a:solidFill>
+                <a:srgbClr val="FF0000"/>
+              </a:solidFill>
+              <a:latin typeface="Hiragino Maru Gothic Pro W4" panose="020F0400000000000000" pitchFamily="34" charset="-128"/>
+              <a:ea typeface="Hiragino Maru Gothic Pro W4" panose="020F0400000000000000" pitchFamily="34" charset="-128"/>
+            </a:endParaRPr>
+          </a:p>
+          <a:p>
+            <a:pPr marL="45720" indent="0">
+              <a:buNone/>
+            </a:pPr>
+            <a:r>
+              <a:rPr lang="ja-JP" altLang="en-US" sz="2400">
+                <a:solidFill>
+                  <a:schemeClr val="accent5">
+                    <a:lumMod val="50000"/>
+                  </a:schemeClr>
+                </a:solidFill>
+                <a:latin typeface="Hiragino Maru Gothic Pro W4" panose="020F0400000000000000" pitchFamily="34" charset="-128"/>
+                <a:ea typeface="Hiragino Maru Gothic Pro W4" panose="020F0400000000000000" pitchFamily="34" charset="-128"/>
+              </a:rPr>
+              <a:t>東方でも東方</a:t>
+            </a:r>
+            <a:r>
+              <a:rPr lang="en-US" altLang="ja-JP" sz="2400" dirty="0">
+                <a:solidFill>
+                  <a:schemeClr val="accent5">
+                    <a:lumMod val="50000"/>
+                  </a:schemeClr>
+                </a:solidFill>
+                <a:latin typeface="Hiragino Maru Gothic Pro W4" panose="020F0400000000000000" pitchFamily="34" charset="-128"/>
+                <a:ea typeface="Hiragino Maru Gothic Pro W4" panose="020F0400000000000000" pitchFamily="34" charset="-128"/>
+              </a:rPr>
+              <a:t>(16)</a:t>
+            </a:r>
+            <a:r>
+              <a:rPr lang="ja-JP" altLang="en-US" sz="2400">
+                <a:solidFill>
+                  <a:schemeClr val="accent5">
+                    <a:lumMod val="50000"/>
+                  </a:schemeClr>
+                </a:solidFill>
+                <a:latin typeface="Hiragino Maru Gothic Pro W4" panose="020F0400000000000000" pitchFamily="34" charset="-128"/>
+                <a:ea typeface="Hiragino Maru Gothic Pro W4" panose="020F0400000000000000" pitchFamily="34" charset="-128"/>
+              </a:rPr>
+              <a:t>と東方</a:t>
+            </a:r>
+            <a:r>
+              <a:rPr lang="en-US" altLang="ja-JP" sz="2400" dirty="0">
+                <a:solidFill>
+                  <a:schemeClr val="accent5">
+                    <a:lumMod val="50000"/>
+                  </a:schemeClr>
+                </a:solidFill>
+                <a:latin typeface="Hiragino Maru Gothic Pro W4" panose="020F0400000000000000" pitchFamily="34" charset="-128"/>
+                <a:ea typeface="Hiragino Maru Gothic Pro W4" panose="020F0400000000000000" pitchFamily="34" charset="-128"/>
+              </a:rPr>
+              <a:t>(15)</a:t>
+            </a:r>
+            <a:r>
+              <a:rPr lang="ja-JP" altLang="en-US" sz="2400">
+                <a:solidFill>
+                  <a:schemeClr val="accent5">
+                    <a:lumMod val="50000"/>
+                  </a:schemeClr>
+                </a:solidFill>
+                <a:latin typeface="Hiragino Maru Gothic Pro W4" panose="020F0400000000000000" pitchFamily="34" charset="-128"/>
+                <a:ea typeface="Hiragino Maru Gothic Pro W4" panose="020F0400000000000000" pitchFamily="34" charset="-128"/>
+              </a:rPr>
+              <a:t>というクランが存在しており、</a:t>
+            </a:r>
+            <a:br>
+              <a:rPr lang="en-US" altLang="ja-JP" sz="2400" dirty="0">
+                <a:solidFill>
+                  <a:schemeClr val="accent5">
+                    <a:lumMod val="50000"/>
+                  </a:schemeClr>
+                </a:solidFill>
+                <a:latin typeface="Hiragino Maru Gothic Pro W4" panose="020F0400000000000000" pitchFamily="34" charset="-128"/>
+                <a:ea typeface="Hiragino Maru Gothic Pro W4" panose="020F0400000000000000" pitchFamily="34" charset="-128"/>
+              </a:rPr>
+            </a:br>
+            <a:r>
+              <a:rPr lang="ja-JP" altLang="en-US" sz="2400">
+                <a:solidFill>
+                  <a:schemeClr val="accent5">
+                    <a:lumMod val="50000"/>
+                  </a:schemeClr>
+                </a:solidFill>
+                <a:latin typeface="Hiragino Maru Gothic Pro W4" panose="020F0400000000000000" pitchFamily="34" charset="-128"/>
+                <a:ea typeface="Hiragino Maru Gothic Pro W4" panose="020F0400000000000000" pitchFamily="34" charset="-128"/>
+              </a:rPr>
+              <a:t>両クランは協力関係にある。そこの関係性が崩れる危険性も</a:t>
+            </a:r>
+            <a:br>
+              <a:rPr lang="en-US" altLang="ja-JP" sz="2400" dirty="0">
+                <a:solidFill>
+                  <a:schemeClr val="accent5">
+                    <a:lumMod val="50000"/>
+                  </a:schemeClr>
+                </a:solidFill>
+                <a:latin typeface="Hiragino Maru Gothic Pro W4" panose="020F0400000000000000" pitchFamily="34" charset="-128"/>
+                <a:ea typeface="Hiragino Maru Gothic Pro W4" panose="020F0400000000000000" pitchFamily="34" charset="-128"/>
+              </a:rPr>
+            </a:br>
+            <a:r>
+              <a:rPr lang="ja-JP" altLang="en-US" sz="2400">
+                <a:solidFill>
+                  <a:schemeClr val="accent5">
+                    <a:lumMod val="50000"/>
+                  </a:schemeClr>
+                </a:solidFill>
+                <a:latin typeface="Hiragino Maru Gothic Pro W4" panose="020F0400000000000000" pitchFamily="34" charset="-128"/>
+                <a:ea typeface="Hiragino Maru Gothic Pro W4" panose="020F0400000000000000" pitchFamily="34" charset="-128"/>
+              </a:rPr>
+              <a:t>無きにしもあらずなので謳わない。</a:t>
+            </a:r>
+            <a:br>
+              <a:rPr lang="en-US" altLang="ja-JP" sz="2400" dirty="0">
+                <a:solidFill>
+                  <a:schemeClr val="accent5">
+                    <a:lumMod val="50000"/>
+                  </a:schemeClr>
+                </a:solidFill>
+                <a:latin typeface="Hiragino Maru Gothic Pro W4" panose="020F0400000000000000" pitchFamily="34" charset="-128"/>
+                <a:ea typeface="Hiragino Maru Gothic Pro W4" panose="020F0400000000000000" pitchFamily="34" charset="-128"/>
+              </a:rPr>
+            </a:br>
+            <a:r>
+              <a:rPr lang="ja-JP" altLang="en-US" sz="2000">
+                <a:solidFill>
+                  <a:schemeClr val="accent5">
+                    <a:lumMod val="50000"/>
+                  </a:schemeClr>
+                </a:solidFill>
+                <a:latin typeface="Hiragino Maru Gothic Pro W4" panose="020F0400000000000000" pitchFamily="34" charset="-128"/>
+                <a:ea typeface="Hiragino Maru Gothic Pro W4" panose="020F0400000000000000" pitchFamily="34" charset="-128"/>
+              </a:rPr>
+              <a:t>補足：この資料で「東方」と記載している場合、東方</a:t>
+            </a:r>
+            <a:r>
+              <a:rPr lang="en-US" altLang="ja-JP" sz="2000" dirty="0">
+                <a:solidFill>
+                  <a:schemeClr val="accent5">
+                    <a:lumMod val="50000"/>
+                  </a:schemeClr>
+                </a:solidFill>
+                <a:latin typeface="Hiragino Maru Gothic Pro W4" panose="020F0400000000000000" pitchFamily="34" charset="-128"/>
+                <a:ea typeface="Hiragino Maru Gothic Pro W4" panose="020F0400000000000000" pitchFamily="34" charset="-128"/>
+              </a:rPr>
+              <a:t>(16)</a:t>
+            </a:r>
+            <a:r>
+              <a:rPr lang="ja-JP" altLang="en-US" sz="2000">
+                <a:solidFill>
+                  <a:schemeClr val="accent5">
+                    <a:lumMod val="50000"/>
+                  </a:schemeClr>
+                </a:solidFill>
+                <a:latin typeface="Hiragino Maru Gothic Pro W4" panose="020F0400000000000000" pitchFamily="34" charset="-128"/>
+                <a:ea typeface="Hiragino Maru Gothic Pro W4" panose="020F0400000000000000" pitchFamily="34" charset="-128"/>
+              </a:rPr>
+              <a:t>を示す。</a:t>
+            </a:r>
+            <a:endParaRPr lang="en-US" altLang="ja-JP" sz="2000" dirty="0">
               <a:solidFill>
                 <a:schemeClr val="accent5">
                   <a:lumMod val="50000"/>
                 </a:schemeClr>
+              </a:solidFill>
+              <a:latin typeface="Hiragino Maru Gothic Pro W4" panose="020F0400000000000000" pitchFamily="34" charset="-128"/>
+              <a:ea typeface="Hiragino Maru Gothic Pro W4" panose="020F0400000000000000" pitchFamily="34" charset="-128"/>
+            </a:endParaRPr>
+          </a:p>
+          <a:p>
+            <a:pPr marL="45720" indent="0">
+              <a:buNone/>
+            </a:pPr>
+            <a:r>
+              <a:rPr lang="ja-JP" altLang="en-US" sz="2400">
+                <a:solidFill>
+                  <a:schemeClr val="accent5">
+                    <a:lumMod val="50000"/>
+                  </a:schemeClr>
+                </a:solidFill>
+                <a:latin typeface="Hiragino Maru Gothic Pro W4" panose="020F0400000000000000" pitchFamily="34" charset="-128"/>
+                <a:ea typeface="Hiragino Maru Gothic Pro W4" panose="020F0400000000000000" pitchFamily="34" charset="-128"/>
+              </a:rPr>
+              <a:t>また、</a:t>
+            </a:r>
+            <a:r>
+              <a:rPr lang="en-US" altLang="ja-JP" sz="2400" dirty="0">
+                <a:solidFill>
+                  <a:schemeClr val="accent5">
+                    <a:lumMod val="50000"/>
+                  </a:schemeClr>
+                </a:solidFill>
+                <a:latin typeface="Hiragino Maru Gothic Pro W4" panose="020F0400000000000000" pitchFamily="34" charset="-128"/>
+                <a:ea typeface="Hiragino Maru Gothic Pro W4" panose="020F0400000000000000" pitchFamily="34" charset="-128"/>
+              </a:rPr>
+              <a:t>JWC</a:t>
+            </a:r>
+            <a:r>
+              <a:rPr lang="ja-JP" altLang="en-US" sz="2400">
+                <a:solidFill>
+                  <a:schemeClr val="accent5">
+                    <a:lumMod val="50000"/>
+                  </a:schemeClr>
+                </a:solidFill>
+                <a:latin typeface="Hiragino Maru Gothic Pro W4" panose="020F0400000000000000" pitchFamily="34" charset="-128"/>
+                <a:ea typeface="Hiragino Maru Gothic Pro W4" panose="020F0400000000000000" pitchFamily="34" charset="-128"/>
+              </a:rPr>
+              <a:t>の参戦における東方日陰問題に関しても、</a:t>
+            </a:r>
+            <a:br>
+              <a:rPr lang="en-US" altLang="ja-JP" sz="2400" dirty="0">
+                <a:solidFill>
+                  <a:schemeClr val="accent5">
+                    <a:lumMod val="50000"/>
+                  </a:schemeClr>
+                </a:solidFill>
+                <a:latin typeface="Hiragino Maru Gothic Pro W4" panose="020F0400000000000000" pitchFamily="34" charset="-128"/>
+                <a:ea typeface="Hiragino Maru Gothic Pro W4" panose="020F0400000000000000" pitchFamily="34" charset="-128"/>
+              </a:rPr>
+            </a:br>
+            <a:r>
+              <a:rPr lang="ja-JP" altLang="en-US" sz="2400">
+                <a:solidFill>
+                  <a:schemeClr val="accent5">
+                    <a:lumMod val="50000"/>
+                  </a:schemeClr>
+                </a:solidFill>
+                <a:latin typeface="Hiragino Maru Gothic Pro W4" panose="020F0400000000000000" pitchFamily="34" charset="-128"/>
+                <a:ea typeface="Hiragino Maru Gothic Pro W4" panose="020F0400000000000000" pitchFamily="34" charset="-128"/>
+              </a:rPr>
+              <a:t>東方メンバーの方々は特に気にしていないようなので、</a:t>
+            </a:r>
+            <a:br>
+              <a:rPr lang="en-US" altLang="ja-JP" sz="2400" dirty="0">
+                <a:solidFill>
+                  <a:schemeClr val="accent5">
+                    <a:lumMod val="50000"/>
+                  </a:schemeClr>
+                </a:solidFill>
+                <a:latin typeface="Hiragino Maru Gothic Pro W4" panose="020F0400000000000000" pitchFamily="34" charset="-128"/>
+                <a:ea typeface="Hiragino Maru Gothic Pro W4" panose="020F0400000000000000" pitchFamily="34" charset="-128"/>
+              </a:rPr>
+            </a:br>
+            <a:r>
+              <a:rPr lang="ja-JP" altLang="en-US" sz="2400">
+                <a:solidFill>
+                  <a:schemeClr val="accent5">
+                    <a:lumMod val="50000"/>
+                  </a:schemeClr>
+                </a:solidFill>
+                <a:latin typeface="Hiragino Maru Gothic Pro W4" panose="020F0400000000000000" pitchFamily="34" charset="-128"/>
+                <a:ea typeface="Hiragino Maru Gothic Pro W4" panose="020F0400000000000000" pitchFamily="34" charset="-128"/>
+              </a:rPr>
+              <a:t>対外的にファミリークランを謳って知名度を上げる必要性も低い。</a:t>
+            </a:r>
+            <a:br>
+              <a:rPr lang="en-US" altLang="ja-JP" sz="2400" dirty="0">
+                <a:solidFill>
+                  <a:schemeClr val="accent5">
+                    <a:lumMod val="50000"/>
+                  </a:schemeClr>
+                </a:solidFill>
+                <a:latin typeface="Hiragino Maru Gothic Pro W4" panose="020F0400000000000000" pitchFamily="34" charset="-128"/>
+                <a:ea typeface="Hiragino Maru Gothic Pro W4" panose="020F0400000000000000" pitchFamily="34" charset="-128"/>
+              </a:rPr>
+            </a:br>
+            <a:r>
+              <a:rPr lang="en-US" altLang="ja-JP" sz="2000" dirty="0">
+                <a:solidFill>
+                  <a:schemeClr val="accent5">
+                    <a:lumMod val="50000"/>
+                  </a:schemeClr>
+                </a:solidFill>
+                <a:latin typeface="Hiragino Maru Gothic Pro W4" panose="020F0400000000000000" pitchFamily="34" charset="-128"/>
+                <a:ea typeface="Hiragino Maru Gothic Pro W4" panose="020F0400000000000000" pitchFamily="34" charset="-128"/>
+              </a:rPr>
+              <a:t>(</a:t>
+            </a:r>
+            <a:r>
+              <a:rPr lang="ja-JP" altLang="en-US" sz="2000">
+                <a:solidFill>
+                  <a:schemeClr val="accent5">
+                    <a:lumMod val="50000"/>
+                  </a:schemeClr>
+                </a:solidFill>
+                <a:latin typeface="Hiragino Maru Gothic Pro W4" panose="020F0400000000000000" pitchFamily="34" charset="-128"/>
+                <a:ea typeface="Hiragino Maru Gothic Pro W4" panose="020F0400000000000000" pitchFamily="34" charset="-128"/>
+              </a:rPr>
+              <a:t>外部からややこしく見られるし・・・</a:t>
+            </a:r>
+            <a:r>
+              <a:rPr lang="en-US" altLang="ja-JP" sz="2000" dirty="0">
+                <a:solidFill>
+                  <a:schemeClr val="accent5">
+                    <a:lumMod val="50000"/>
+                  </a:schemeClr>
+                </a:solidFill>
+                <a:latin typeface="Hiragino Maru Gothic Pro W4" panose="020F0400000000000000" pitchFamily="34" charset="-128"/>
+                <a:ea typeface="Hiragino Maru Gothic Pro W4" panose="020F0400000000000000" pitchFamily="34" charset="-128"/>
+              </a:rPr>
+              <a:t>)</a:t>
+            </a:r>
+          </a:p>
+          <a:p>
+            <a:pPr marL="45720" indent="0">
+              <a:buNone/>
+            </a:pPr>
+            <a:r>
+              <a:rPr lang="ja-JP" altLang="en-US" sz="2400">
+                <a:solidFill>
+                  <a:srgbClr val="FF0000"/>
+                </a:solidFill>
+                <a:latin typeface="Hiragino Maru Gothic Pro W4" panose="020F0400000000000000" pitchFamily="34" charset="-128"/>
+                <a:ea typeface="Hiragino Maru Gothic Pro W4" panose="020F0400000000000000" pitchFamily="34" charset="-128"/>
+              </a:rPr>
+              <a:t>なので、東方＆まほらま間ではファミリークランは謳わずに、</a:t>
+            </a:r>
+            <a:br>
+              <a:rPr lang="en-US" altLang="ja-JP" sz="2400" dirty="0">
+                <a:solidFill>
+                  <a:srgbClr val="FF0000"/>
+                </a:solidFill>
+                <a:latin typeface="Hiragino Maru Gothic Pro W4" panose="020F0400000000000000" pitchFamily="34" charset="-128"/>
+                <a:ea typeface="Hiragino Maru Gothic Pro W4" panose="020F0400000000000000" pitchFamily="34" charset="-128"/>
+              </a:rPr>
+            </a:br>
+            <a:r>
+              <a:rPr lang="ja-JP" altLang="en-US" sz="2400">
+                <a:solidFill>
+                  <a:srgbClr val="FF0000"/>
+                </a:solidFill>
+                <a:latin typeface="Hiragino Maru Gothic Pro W4" panose="020F0400000000000000" pitchFamily="34" charset="-128"/>
+                <a:ea typeface="Hiragino Maru Gothic Pro W4" panose="020F0400000000000000" pitchFamily="34" charset="-128"/>
+              </a:rPr>
+              <a:t>「お互い仲良くしています」という関係性に留める形とする。</a:t>
+            </a:r>
+            <a:endParaRPr lang="en-US" altLang="ja-JP" sz="2400" dirty="0">
+              <a:solidFill>
+                <a:srgbClr val="FF0000"/>
               </a:solidFill>
               <a:latin typeface="Hiragino Maru Gothic Pro W4" panose="020F0400000000000000" pitchFamily="34" charset="-128"/>
               <a:ea typeface="Hiragino Maru Gothic Pro W4" panose="020F0400000000000000" pitchFamily="34" charset="-128"/>
@@ -19220,619 +19641,10 @@
       </p:sp>
       <p:sp>
         <p:nvSpPr>
-          <p:cNvPr id="6" name="正方形/長方形 5">
+          <p:cNvPr id="5" name="正方形/長方形 4">
             <a:extLst>
               <a:ext uri="{FF2B5EF4-FFF2-40B4-BE49-F238E27FC236}">
-                <a16:creationId xmlns:a16="http://schemas.microsoft.com/office/drawing/2014/main" id="{44F5B0D1-8C9D-9D42-B067-7A4669BE58FD}"/>
-              </a:ext>
-            </a:extLst>
-          </p:cNvPr>
-          <p:cNvSpPr/>
-          <p:nvPr/>
-        </p:nvSpPr>
-        <p:spPr>
-          <a:xfrm>
-            <a:off x="1567549" y="2160734"/>
-            <a:ext cx="4824550" cy="2287168"/>
-          </a:xfrm>
-          <a:prstGeom prst="rect">
-            <a:avLst/>
-          </a:prstGeom>
-        </p:spPr>
-        <p:style>
-          <a:lnRef idx="0">
-            <a:schemeClr val="accent6"/>
-          </a:lnRef>
-          <a:fillRef idx="3">
-            <a:schemeClr val="accent6"/>
-          </a:fillRef>
-          <a:effectRef idx="3">
-            <a:schemeClr val="accent6"/>
-          </a:effectRef>
-          <a:fontRef idx="minor">
-            <a:schemeClr val="lt1"/>
-          </a:fontRef>
-        </p:style>
-        <p:txBody>
-          <a:bodyPr rtlCol="0" anchor="ctr"/>
-          <a:lstStyle/>
-          <a:p>
-            <a:pPr algn="ctr"/>
-            <a:r>
-              <a:rPr lang="en-US" altLang="ja-JP" sz="2400" dirty="0">
-                <a:latin typeface="Hiragino Maru Gothic Pro W4" panose="020F0400000000000000" pitchFamily="34" charset="-128"/>
-                <a:ea typeface="Hiragino Maru Gothic Pro W4" panose="020F0400000000000000" pitchFamily="34" charset="-128"/>
-              </a:rPr>
-              <a:t>① </a:t>
-            </a:r>
-            <a:r>
-              <a:rPr lang="ja-JP" altLang="en-US" sz="2400">
-                <a:latin typeface="Hiragino Maru Gothic Pro W4" panose="020F0400000000000000" pitchFamily="34" charset="-128"/>
-                <a:ea typeface="Hiragino Maru Gothic Pro W4" panose="020F0400000000000000" pitchFamily="34" charset="-128"/>
-              </a:rPr>
-              <a:t>特に無し</a:t>
-            </a:r>
-            <a:endParaRPr lang="en-US" altLang="ja-JP" sz="2400" dirty="0">
-              <a:latin typeface="Hiragino Maru Gothic Pro W4" panose="020F0400000000000000" pitchFamily="34" charset="-128"/>
-              <a:ea typeface="Hiragino Maru Gothic Pro W4" panose="020F0400000000000000" pitchFamily="34" charset="-128"/>
-            </a:endParaRPr>
-          </a:p>
-        </p:txBody>
-      </p:sp>
-      <p:sp>
-        <p:nvSpPr>
-          <p:cNvPr id="10" name="正方形/長方形 9">
-            <a:extLst>
-              <a:ext uri="{FF2B5EF4-FFF2-40B4-BE49-F238E27FC236}">
-                <a16:creationId xmlns:a16="http://schemas.microsoft.com/office/drawing/2014/main" id="{18C00CC0-6B48-4045-BD99-69FA1E70773E}"/>
-              </a:ext>
-            </a:extLst>
-          </p:cNvPr>
-          <p:cNvSpPr/>
-          <p:nvPr/>
-        </p:nvSpPr>
-        <p:spPr>
-          <a:xfrm>
-            <a:off x="1567549" y="4502331"/>
-            <a:ext cx="4824550" cy="1620202"/>
-          </a:xfrm>
-          <a:prstGeom prst="rect">
-            <a:avLst/>
-          </a:prstGeom>
-        </p:spPr>
-        <p:style>
-          <a:lnRef idx="0">
-            <a:schemeClr val="accent4"/>
-          </a:lnRef>
-          <a:fillRef idx="3">
-            <a:schemeClr val="accent4"/>
-          </a:fillRef>
-          <a:effectRef idx="3">
-            <a:schemeClr val="accent4"/>
-          </a:effectRef>
-          <a:fontRef idx="minor">
-            <a:schemeClr val="lt1"/>
-          </a:fontRef>
-        </p:style>
-        <p:txBody>
-          <a:bodyPr rtlCol="0" anchor="ctr"/>
-          <a:lstStyle/>
-          <a:p>
-            <a:pPr algn="ctr"/>
-            <a:r>
-              <a:rPr lang="en-US" altLang="ja-JP" sz="2400" dirty="0">
-                <a:latin typeface="Hiragino Maru Gothic Pro W4" panose="020F0400000000000000" pitchFamily="34" charset="-128"/>
-                <a:ea typeface="Hiragino Maru Gothic Pro W4" panose="020F0400000000000000" pitchFamily="34" charset="-128"/>
-              </a:rPr>
-              <a:t>② </a:t>
-            </a:r>
-            <a:r>
-              <a:rPr lang="ja-JP" altLang="en-US" sz="2400">
-                <a:latin typeface="Hiragino Maru Gothic Pro W4" panose="020F0400000000000000" pitchFamily="34" charset="-128"/>
-                <a:ea typeface="Hiragino Maru Gothic Pro W4" panose="020F0400000000000000" pitchFamily="34" charset="-128"/>
-              </a:rPr>
-              <a:t>まほらま→東方</a:t>
-            </a:r>
-            <a:r>
-              <a:rPr lang="en-US" altLang="ja-JP" sz="2400" dirty="0">
-                <a:latin typeface="Hiragino Maru Gothic Pro W4" panose="020F0400000000000000" pitchFamily="34" charset="-128"/>
-                <a:ea typeface="Hiragino Maru Gothic Pro W4" panose="020F0400000000000000" pitchFamily="34" charset="-128"/>
-              </a:rPr>
-              <a:t> </a:t>
-            </a:r>
-            <a:r>
-              <a:rPr lang="ja-JP" altLang="en-US" sz="2400">
-                <a:latin typeface="Hiragino Maru Gothic Pro W4" panose="020F0400000000000000" pitchFamily="34" charset="-128"/>
-                <a:ea typeface="Hiragino Maru Gothic Pro W4" panose="020F0400000000000000" pitchFamily="34" charset="-128"/>
-              </a:rPr>
-              <a:t>サポート</a:t>
-            </a:r>
-            <a:endParaRPr lang="en-US" altLang="ja-JP" sz="2400" dirty="0">
-              <a:latin typeface="Hiragino Maru Gothic Pro W4" panose="020F0400000000000000" pitchFamily="34" charset="-128"/>
-              <a:ea typeface="Hiragino Maru Gothic Pro W4" panose="020F0400000000000000" pitchFamily="34" charset="-128"/>
-            </a:endParaRPr>
-          </a:p>
-        </p:txBody>
-      </p:sp>
-      <p:sp>
-        <p:nvSpPr>
-          <p:cNvPr id="12" name="正方形/長方形 11">
-            <a:extLst>
-              <a:ext uri="{FF2B5EF4-FFF2-40B4-BE49-F238E27FC236}">
-                <a16:creationId xmlns:a16="http://schemas.microsoft.com/office/drawing/2014/main" id="{89C7DC49-C989-D74E-A020-00DA984420CF}"/>
-              </a:ext>
-            </a:extLst>
-          </p:cNvPr>
-          <p:cNvSpPr/>
-          <p:nvPr/>
-        </p:nvSpPr>
-        <p:spPr>
-          <a:xfrm>
-            <a:off x="6453052" y="2160734"/>
-            <a:ext cx="4824550" cy="2287168"/>
-          </a:xfrm>
-          <a:prstGeom prst="rect">
-            <a:avLst/>
-          </a:prstGeom>
-        </p:spPr>
-        <p:style>
-          <a:lnRef idx="0">
-            <a:schemeClr val="accent1"/>
-          </a:lnRef>
-          <a:fillRef idx="3">
-            <a:schemeClr val="accent1"/>
-          </a:fillRef>
-          <a:effectRef idx="3">
-            <a:schemeClr val="accent1"/>
-          </a:effectRef>
-          <a:fontRef idx="minor">
-            <a:schemeClr val="lt1"/>
-          </a:fontRef>
-        </p:style>
-        <p:txBody>
-          <a:bodyPr rtlCol="0" anchor="ctr"/>
-          <a:lstStyle/>
-          <a:p>
-            <a:pPr algn="ctr"/>
-            <a:r>
-              <a:rPr lang="en-US" altLang="ja-JP" sz="2400" dirty="0">
-                <a:latin typeface="Hiragino Maru Gothic Pro W4" panose="020F0400000000000000" pitchFamily="34" charset="-128"/>
-                <a:ea typeface="Hiragino Maru Gothic Pro W4" panose="020F0400000000000000" pitchFamily="34" charset="-128"/>
-              </a:rPr>
-              <a:t>③ </a:t>
-            </a:r>
-            <a:r>
-              <a:rPr lang="ja-JP" altLang="en-US" sz="2400">
-                <a:latin typeface="Hiragino Maru Gothic Pro W4" panose="020F0400000000000000" pitchFamily="34" charset="-128"/>
-                <a:ea typeface="Hiragino Maru Gothic Pro W4" panose="020F0400000000000000" pitchFamily="34" charset="-128"/>
-              </a:rPr>
-              <a:t>東方→まほらま</a:t>
-            </a:r>
-            <a:r>
-              <a:rPr lang="en-US" altLang="ja-JP" sz="2400" dirty="0">
-                <a:latin typeface="Hiragino Maru Gothic Pro W4" panose="020F0400000000000000" pitchFamily="34" charset="-128"/>
-                <a:ea typeface="Hiragino Maru Gothic Pro W4" panose="020F0400000000000000" pitchFamily="34" charset="-128"/>
-              </a:rPr>
-              <a:t> </a:t>
-            </a:r>
-            <a:r>
-              <a:rPr lang="ja-JP" altLang="en-US" sz="2400">
-                <a:latin typeface="Hiragino Maru Gothic Pro W4" panose="020F0400000000000000" pitchFamily="34" charset="-128"/>
-                <a:ea typeface="Hiragino Maru Gothic Pro W4" panose="020F0400000000000000" pitchFamily="34" charset="-128"/>
-              </a:rPr>
-              <a:t>サポート</a:t>
-            </a:r>
-            <a:endParaRPr lang="en-US" altLang="ja-JP" sz="2400" dirty="0">
-              <a:latin typeface="Hiragino Maru Gothic Pro W4" panose="020F0400000000000000" pitchFamily="34" charset="-128"/>
-              <a:ea typeface="Hiragino Maru Gothic Pro W4" panose="020F0400000000000000" pitchFamily="34" charset="-128"/>
-            </a:endParaRPr>
-          </a:p>
-        </p:txBody>
-      </p:sp>
-      <p:sp>
-        <p:nvSpPr>
-          <p:cNvPr id="13" name="正方形/長方形 12">
-            <a:extLst>
-              <a:ext uri="{FF2B5EF4-FFF2-40B4-BE49-F238E27FC236}">
-                <a16:creationId xmlns:a16="http://schemas.microsoft.com/office/drawing/2014/main" id="{86B27419-B781-A14F-80D2-6313A2C2881C}"/>
-              </a:ext>
-            </a:extLst>
-          </p:cNvPr>
-          <p:cNvSpPr/>
-          <p:nvPr/>
-        </p:nvSpPr>
-        <p:spPr>
-          <a:xfrm>
-            <a:off x="6453052" y="4502331"/>
-            <a:ext cx="4824550" cy="1620202"/>
-          </a:xfrm>
-          <a:prstGeom prst="rect">
-            <a:avLst/>
-          </a:prstGeom>
-        </p:spPr>
-        <p:style>
-          <a:lnRef idx="0">
-            <a:schemeClr val="accent2"/>
-          </a:lnRef>
-          <a:fillRef idx="3">
-            <a:schemeClr val="accent2"/>
-          </a:fillRef>
-          <a:effectRef idx="3">
-            <a:schemeClr val="accent2"/>
-          </a:effectRef>
-          <a:fontRef idx="minor">
-            <a:schemeClr val="lt1"/>
-          </a:fontRef>
-        </p:style>
-        <p:txBody>
-          <a:bodyPr rtlCol="0" anchor="ctr"/>
-          <a:lstStyle/>
-          <a:p>
-            <a:pPr algn="ctr"/>
-            <a:r>
-              <a:rPr lang="en-US" altLang="ja-JP" sz="2400" dirty="0">
-                <a:latin typeface="Hiragino Maru Gothic Pro W4" panose="020F0400000000000000" pitchFamily="34" charset="-128"/>
-                <a:ea typeface="Hiragino Maru Gothic Pro W4" panose="020F0400000000000000" pitchFamily="34" charset="-128"/>
-              </a:rPr>
-              <a:t>④ </a:t>
-            </a:r>
-            <a:r>
-              <a:rPr lang="ja-JP" altLang="en-US" sz="2400">
-                <a:latin typeface="Hiragino Maru Gothic Pro W4" panose="020F0400000000000000" pitchFamily="34" charset="-128"/>
-                <a:ea typeface="Hiragino Maru Gothic Pro W4" panose="020F0400000000000000" pitchFamily="34" charset="-128"/>
-              </a:rPr>
-              <a:t>まほらま→東方</a:t>
-            </a:r>
-            <a:r>
-              <a:rPr lang="en-US" altLang="ja-JP" sz="2400" dirty="0">
-                <a:latin typeface="Hiragino Maru Gothic Pro W4" panose="020F0400000000000000" pitchFamily="34" charset="-128"/>
-                <a:ea typeface="Hiragino Maru Gothic Pro W4" panose="020F0400000000000000" pitchFamily="34" charset="-128"/>
-              </a:rPr>
-              <a:t> </a:t>
-            </a:r>
-            <a:r>
-              <a:rPr lang="ja-JP" altLang="en-US" sz="2400">
-                <a:latin typeface="Hiragino Maru Gothic Pro W4" panose="020F0400000000000000" pitchFamily="34" charset="-128"/>
-                <a:ea typeface="Hiragino Maru Gothic Pro W4" panose="020F0400000000000000" pitchFamily="34" charset="-128"/>
-              </a:rPr>
-              <a:t>サポート</a:t>
-            </a:r>
-            <a:br>
-              <a:rPr lang="en-US" altLang="ja-JP" sz="2400" dirty="0">
-                <a:latin typeface="Hiragino Maru Gothic Pro W4" panose="020F0400000000000000" pitchFamily="34" charset="-128"/>
-                <a:ea typeface="Hiragino Maru Gothic Pro W4" panose="020F0400000000000000" pitchFamily="34" charset="-128"/>
-              </a:rPr>
-            </a:br>
-            <a:r>
-              <a:rPr lang="en-US" altLang="ja-JP" sz="2400" dirty="0">
-                <a:latin typeface="Hiragino Maru Gothic Pro W4" panose="020F0400000000000000" pitchFamily="34" charset="-128"/>
-                <a:ea typeface="Hiragino Maru Gothic Pro W4" panose="020F0400000000000000" pitchFamily="34" charset="-128"/>
-              </a:rPr>
-              <a:t>(JWC</a:t>
-            </a:r>
-            <a:r>
-              <a:rPr lang="ja-JP" altLang="en-US" sz="2400">
-                <a:latin typeface="Hiragino Maru Gothic Pro W4" panose="020F0400000000000000" pitchFamily="34" charset="-128"/>
-                <a:ea typeface="Hiragino Maru Gothic Pro W4" panose="020F0400000000000000" pitchFamily="34" charset="-128"/>
-              </a:rPr>
-              <a:t>戦はリーグ期間中無し前提</a:t>
-            </a:r>
-            <a:r>
-              <a:rPr lang="en-US" altLang="ja-JP" sz="2400" dirty="0">
-                <a:latin typeface="Hiragino Maru Gothic Pro W4" panose="020F0400000000000000" pitchFamily="34" charset="-128"/>
-                <a:ea typeface="Hiragino Maru Gothic Pro W4" panose="020F0400000000000000" pitchFamily="34" charset="-128"/>
-              </a:rPr>
-              <a:t>)</a:t>
-            </a:r>
-          </a:p>
-        </p:txBody>
-      </p:sp>
-      <p:sp>
-        <p:nvSpPr>
-          <p:cNvPr id="9" name="正方形/長方形 8">
-            <a:extLst>
-              <a:ext uri="{FF2B5EF4-FFF2-40B4-BE49-F238E27FC236}">
-                <a16:creationId xmlns:a16="http://schemas.microsoft.com/office/drawing/2014/main" id="{DCC2E1EB-35D1-AD43-9655-DF1B6D634622}"/>
-              </a:ext>
-            </a:extLst>
-          </p:cNvPr>
-          <p:cNvSpPr/>
-          <p:nvPr/>
-        </p:nvSpPr>
-        <p:spPr>
-          <a:xfrm>
-            <a:off x="1567549" y="1593081"/>
-            <a:ext cx="4824550" cy="510192"/>
-          </a:xfrm>
-          <a:prstGeom prst="rect">
-            <a:avLst/>
-          </a:prstGeom>
-        </p:spPr>
-        <p:style>
-          <a:lnRef idx="0">
-            <a:schemeClr val="dk1"/>
-          </a:lnRef>
-          <a:fillRef idx="3">
-            <a:schemeClr val="dk1"/>
-          </a:fillRef>
-          <a:effectRef idx="3">
-            <a:schemeClr val="dk1"/>
-          </a:effectRef>
-          <a:fontRef idx="minor">
-            <a:schemeClr val="lt1"/>
-          </a:fontRef>
-        </p:style>
-        <p:txBody>
-          <a:bodyPr rtlCol="0" anchor="ctr"/>
-          <a:lstStyle/>
-          <a:p>
-            <a:pPr algn="ctr"/>
-            <a:r>
-              <a:rPr lang="en-US" altLang="ja-JP" sz="2400" dirty="0">
-                <a:effectLst>
-                  <a:innerShdw blurRad="63500" dist="50800" dir="13500000">
-                    <a:prstClr val="black">
-                      <a:alpha val="50000"/>
-                    </a:prstClr>
-                  </a:innerShdw>
-                </a:effectLst>
-                <a:latin typeface="Hiragino Maru Gothic Pro W4" panose="020F0400000000000000" pitchFamily="34" charset="-128"/>
-                <a:ea typeface="Hiragino Maru Gothic Pro W4" panose="020F0400000000000000" pitchFamily="34" charset="-128"/>
-              </a:rPr>
-              <a:t>JWC</a:t>
-            </a:r>
-            <a:r>
-              <a:rPr lang="ja-JP" altLang="en-US" sz="2400">
-                <a:effectLst>
-                  <a:innerShdw blurRad="63500" dist="50800" dir="13500000">
-                    <a:prstClr val="black">
-                      <a:alpha val="50000"/>
-                    </a:prstClr>
-                  </a:innerShdw>
-                </a:effectLst>
-                <a:latin typeface="Hiragino Maru Gothic Pro W4" panose="020F0400000000000000" pitchFamily="34" charset="-128"/>
-                <a:ea typeface="Hiragino Maru Gothic Pro W4" panose="020F0400000000000000" pitchFamily="34" charset="-128"/>
-              </a:rPr>
-              <a:t>オフシーズン</a:t>
-            </a:r>
-            <a:endParaRPr lang="en-US" altLang="ja-JP" sz="2400" dirty="0">
-              <a:effectLst>
-                <a:innerShdw blurRad="63500" dist="50800" dir="13500000">
-                  <a:prstClr val="black">
-                    <a:alpha val="50000"/>
-                  </a:prstClr>
-                </a:innerShdw>
-              </a:effectLst>
-              <a:latin typeface="Hiragino Maru Gothic Pro W4" panose="020F0400000000000000" pitchFamily="34" charset="-128"/>
-              <a:ea typeface="Hiragino Maru Gothic Pro W4" panose="020F0400000000000000" pitchFamily="34" charset="-128"/>
-            </a:endParaRPr>
-          </a:p>
-        </p:txBody>
-      </p:sp>
-      <p:sp>
-        <p:nvSpPr>
-          <p:cNvPr id="11" name="正方形/長方形 10">
-            <a:extLst>
-              <a:ext uri="{FF2B5EF4-FFF2-40B4-BE49-F238E27FC236}">
-                <a16:creationId xmlns:a16="http://schemas.microsoft.com/office/drawing/2014/main" id="{C5BF9ECA-4F8D-1046-84C0-EBFA7381A2A1}"/>
-              </a:ext>
-            </a:extLst>
-          </p:cNvPr>
-          <p:cNvSpPr/>
-          <p:nvPr/>
-        </p:nvSpPr>
-        <p:spPr>
-          <a:xfrm>
-            <a:off x="6453052" y="1588575"/>
-            <a:ext cx="4824550" cy="510192"/>
-          </a:xfrm>
-          <a:prstGeom prst="rect">
-            <a:avLst/>
-          </a:prstGeom>
-        </p:spPr>
-        <p:style>
-          <a:lnRef idx="0">
-            <a:schemeClr val="dk1"/>
-          </a:lnRef>
-          <a:fillRef idx="3">
-            <a:schemeClr val="dk1"/>
-          </a:fillRef>
-          <a:effectRef idx="3">
-            <a:schemeClr val="dk1"/>
-          </a:effectRef>
-          <a:fontRef idx="minor">
-            <a:schemeClr val="lt1"/>
-          </a:fontRef>
-        </p:style>
-        <p:txBody>
-          <a:bodyPr rtlCol="0" anchor="ctr"/>
-          <a:lstStyle/>
-          <a:p>
-            <a:pPr algn="ctr"/>
-            <a:r>
-              <a:rPr lang="en-US" altLang="ja-JP" sz="2400" dirty="0">
-                <a:effectLst>
-                  <a:innerShdw blurRad="63500" dist="50800" dir="13500000">
-                    <a:prstClr val="black">
-                      <a:alpha val="50000"/>
-                    </a:prstClr>
-                  </a:innerShdw>
-                </a:effectLst>
-                <a:latin typeface="Hiragino Maru Gothic Pro W4" panose="020F0400000000000000" pitchFamily="34" charset="-128"/>
-                <a:ea typeface="Hiragino Maru Gothic Pro W4" panose="020F0400000000000000" pitchFamily="34" charset="-128"/>
-              </a:rPr>
-              <a:t>JWC</a:t>
-            </a:r>
-            <a:r>
-              <a:rPr lang="ja-JP" altLang="en-US" sz="2400">
-                <a:effectLst>
-                  <a:innerShdw blurRad="63500" dist="50800" dir="13500000">
-                    <a:prstClr val="black">
-                      <a:alpha val="50000"/>
-                    </a:prstClr>
-                  </a:innerShdw>
-                </a:effectLst>
-                <a:latin typeface="Hiragino Maru Gothic Pro W4" panose="020F0400000000000000" pitchFamily="34" charset="-128"/>
-                <a:ea typeface="Hiragino Maru Gothic Pro W4" panose="020F0400000000000000" pitchFamily="34" charset="-128"/>
-              </a:rPr>
-              <a:t>オンシーズン</a:t>
-            </a:r>
-            <a:endParaRPr lang="en-US" altLang="ja-JP" sz="2400" dirty="0">
-              <a:effectLst>
-                <a:innerShdw blurRad="63500" dist="50800" dir="13500000">
-                  <a:prstClr val="black">
-                    <a:alpha val="50000"/>
-                  </a:prstClr>
-                </a:innerShdw>
-              </a:effectLst>
-              <a:latin typeface="Hiragino Maru Gothic Pro W4" panose="020F0400000000000000" pitchFamily="34" charset="-128"/>
-              <a:ea typeface="Hiragino Maru Gothic Pro W4" panose="020F0400000000000000" pitchFamily="34" charset="-128"/>
-            </a:endParaRPr>
-          </a:p>
-        </p:txBody>
-      </p:sp>
-      <p:sp>
-        <p:nvSpPr>
-          <p:cNvPr id="14" name="正方形/長方形 13">
-            <a:extLst>
-              <a:ext uri="{FF2B5EF4-FFF2-40B4-BE49-F238E27FC236}">
-                <a16:creationId xmlns:a16="http://schemas.microsoft.com/office/drawing/2014/main" id="{4883BD44-2332-AE4B-9EC5-7F2F660BD415}"/>
-              </a:ext>
-            </a:extLst>
-          </p:cNvPr>
-          <p:cNvSpPr/>
-          <p:nvPr/>
-        </p:nvSpPr>
-        <p:spPr>
-          <a:xfrm>
-            <a:off x="914398" y="2160734"/>
-            <a:ext cx="592198" cy="2287168"/>
-          </a:xfrm>
-          <a:prstGeom prst="rect">
-            <a:avLst/>
-          </a:prstGeom>
-        </p:spPr>
-        <p:style>
-          <a:lnRef idx="0">
-            <a:schemeClr val="dk1"/>
-          </a:lnRef>
-          <a:fillRef idx="3">
-            <a:schemeClr val="dk1"/>
-          </a:fillRef>
-          <a:effectRef idx="3">
-            <a:schemeClr val="dk1"/>
-          </a:effectRef>
-          <a:fontRef idx="minor">
-            <a:schemeClr val="lt1"/>
-          </a:fontRef>
-        </p:style>
-        <p:txBody>
-          <a:bodyPr vert="eaVert" rtlCol="0" anchor="ctr"/>
-          <a:lstStyle/>
-          <a:p>
-            <a:pPr algn="ctr"/>
-            <a:r>
-              <a:rPr lang="ja-JP" altLang="en-US" sz="2400">
-                <a:effectLst>
-                  <a:innerShdw blurRad="63500" dist="50800" dir="13500000">
-                    <a:prstClr val="black">
-                      <a:alpha val="50000"/>
-                    </a:prstClr>
-                  </a:innerShdw>
-                </a:effectLst>
-                <a:latin typeface="Hiragino Maru Gothic Pro W4" panose="020F0400000000000000" pitchFamily="34" charset="-128"/>
-                <a:ea typeface="Hiragino Maru Gothic Pro W4" panose="020F0400000000000000" pitchFamily="34" charset="-128"/>
-              </a:rPr>
-              <a:t>野良戦期間</a:t>
-            </a:r>
-            <a:endParaRPr lang="en-US" altLang="ja-JP" sz="2400" dirty="0">
-              <a:effectLst>
-                <a:innerShdw blurRad="63500" dist="50800" dir="13500000">
-                  <a:prstClr val="black">
-                    <a:alpha val="50000"/>
-                  </a:prstClr>
-                </a:innerShdw>
-              </a:effectLst>
-              <a:latin typeface="Hiragino Maru Gothic Pro W4" panose="020F0400000000000000" pitchFamily="34" charset="-128"/>
-              <a:ea typeface="Hiragino Maru Gothic Pro W4" panose="020F0400000000000000" pitchFamily="34" charset="-128"/>
-            </a:endParaRPr>
-          </a:p>
-        </p:txBody>
-      </p:sp>
-      <p:sp>
-        <p:nvSpPr>
-          <p:cNvPr id="16" name="正方形/長方形 15">
-            <a:extLst>
-              <a:ext uri="{FF2B5EF4-FFF2-40B4-BE49-F238E27FC236}">
-                <a16:creationId xmlns:a16="http://schemas.microsoft.com/office/drawing/2014/main" id="{D96A6077-E02E-0943-9519-ED542C077AD5}"/>
-              </a:ext>
-            </a:extLst>
-          </p:cNvPr>
-          <p:cNvSpPr/>
-          <p:nvPr/>
-        </p:nvSpPr>
-        <p:spPr>
-          <a:xfrm>
-            <a:off x="914398" y="4502331"/>
-            <a:ext cx="592198" cy="1620201"/>
-          </a:xfrm>
-          <a:prstGeom prst="rect">
-            <a:avLst/>
-          </a:prstGeom>
-        </p:spPr>
-        <p:style>
-          <a:lnRef idx="0">
-            <a:schemeClr val="dk1"/>
-          </a:lnRef>
-          <a:fillRef idx="3">
-            <a:schemeClr val="dk1"/>
-          </a:fillRef>
-          <a:effectRef idx="3">
-            <a:schemeClr val="dk1"/>
-          </a:effectRef>
-          <a:fontRef idx="minor">
-            <a:schemeClr val="lt1"/>
-          </a:fontRef>
-        </p:style>
-        <p:txBody>
-          <a:bodyPr vert="eaVert" rtlCol="0" anchor="ctr"/>
-          <a:lstStyle/>
-          <a:p>
-            <a:pPr algn="ctr"/>
-            <a:r>
-              <a:rPr lang="ja-JP" altLang="en-US" sz="2400">
-                <a:effectLst>
-                  <a:innerShdw blurRad="63500" dist="50800" dir="13500000">
-                    <a:prstClr val="black">
-                      <a:alpha val="50000"/>
-                    </a:prstClr>
-                  </a:innerShdw>
-                </a:effectLst>
-                <a:latin typeface="Hiragino Maru Gothic Pro W4" panose="020F0400000000000000" pitchFamily="34" charset="-128"/>
-                <a:ea typeface="Hiragino Maru Gothic Pro W4" panose="020F0400000000000000" pitchFamily="34" charset="-128"/>
-              </a:rPr>
-              <a:t>リーグ期間</a:t>
-            </a:r>
-            <a:endParaRPr lang="en-US" altLang="ja-JP" sz="2400" dirty="0">
-              <a:effectLst>
-                <a:innerShdw blurRad="63500" dist="50800" dir="13500000">
-                  <a:prstClr val="black">
-                    <a:alpha val="50000"/>
-                  </a:prstClr>
-                </a:innerShdw>
-              </a:effectLst>
-              <a:latin typeface="Hiragino Maru Gothic Pro W4" panose="020F0400000000000000" pitchFamily="34" charset="-128"/>
-              <a:ea typeface="Hiragino Maru Gothic Pro W4" panose="020F0400000000000000" pitchFamily="34" charset="-128"/>
-            </a:endParaRPr>
-          </a:p>
-        </p:txBody>
-      </p:sp>
-      <p:sp>
-        <p:nvSpPr>
-          <p:cNvPr id="15" name="正方形/長方形 14">
-            <a:extLst>
-              <a:ext uri="{FF2B5EF4-FFF2-40B4-BE49-F238E27FC236}">
-                <a16:creationId xmlns:a16="http://schemas.microsoft.com/office/drawing/2014/main" id="{0DE4E701-3E82-3144-AD31-FBD6FF142C97}"/>
+                <a16:creationId xmlns:a16="http://schemas.microsoft.com/office/drawing/2014/main" id="{80CDFB72-43E8-F141-B69D-99DBB5E9EAFE}"/>
               </a:ext>
             </a:extLst>
           </p:cNvPr>
@@ -19882,7 +19694,7 @@
     </p:spTree>
     <p:extLst>
       <p:ext uri="{BB962C8B-B14F-4D97-AF65-F5344CB8AC3E}">
-        <p14:creationId xmlns:p14="http://schemas.microsoft.com/office/powerpoint/2010/main" val="3535356195"/>
+        <p14:creationId xmlns:p14="http://schemas.microsoft.com/office/powerpoint/2010/main" val="890651205"/>
       </p:ext>
     </p:extLst>
   </p:cSld>
@@ -20283,62 +20095,17 @@
           <a:lstStyle/>
           <a:p>
             <a:r>
-              <a:rPr lang="en-US" altLang="ja-JP" dirty="0">
-                <a:solidFill>
-                  <a:schemeClr val="accent5">
-                    <a:lumMod val="50000"/>
-                  </a:schemeClr>
-                </a:solidFill>
-                <a:latin typeface="Hiragino Maru Gothic Pro W4" panose="020F0400000000000000" pitchFamily="34" charset="-128"/>
-                <a:ea typeface="Hiragino Maru Gothic Pro W4" panose="020F0400000000000000" pitchFamily="34" charset="-128"/>
-              </a:rPr>
-              <a:t>①JWC</a:t>
-            </a:r>
-            <a:r>
-              <a:rPr lang="ja-JP" altLang="en-US">
-                <a:solidFill>
-                  <a:schemeClr val="accent5">
-                    <a:lumMod val="50000"/>
-                  </a:schemeClr>
-                </a:solidFill>
-                <a:latin typeface="Hiragino Maru Gothic Pro W4" panose="020F0400000000000000" pitchFamily="34" charset="-128"/>
-                <a:ea typeface="Hiragino Maru Gothic Pro W4" panose="020F0400000000000000" pitchFamily="34" charset="-128"/>
-              </a:rPr>
-              <a:t>オフシーズン</a:t>
-            </a:r>
-            <a:r>
-              <a:rPr lang="en-US" altLang="ja-JP" dirty="0">
-                <a:solidFill>
-                  <a:schemeClr val="accent5">
-                    <a:lumMod val="50000"/>
-                  </a:schemeClr>
-                </a:solidFill>
-                <a:latin typeface="Hiragino Maru Gothic Pro W4" panose="020F0400000000000000" pitchFamily="34" charset="-128"/>
-                <a:ea typeface="Hiragino Maru Gothic Pro W4" panose="020F0400000000000000" pitchFamily="34" charset="-128"/>
-              </a:rPr>
-              <a:t>×</a:t>
-            </a:r>
-            <a:r>
-              <a:rPr lang="ja-JP" altLang="en-US">
-                <a:solidFill>
-                  <a:schemeClr val="accent5">
-                    <a:lumMod val="50000"/>
-                  </a:schemeClr>
-                </a:solidFill>
-                <a:latin typeface="Hiragino Maru Gothic Pro W4" panose="020F0400000000000000" pitchFamily="34" charset="-128"/>
-                <a:ea typeface="Hiragino Maru Gothic Pro W4" panose="020F0400000000000000" pitchFamily="34" charset="-128"/>
-              </a:rPr>
-              <a:t>野良戦期間</a:t>
-            </a:r>
-            <a:endParaRPr kumimoji="1" lang="ja-JP" altLang="en-US">
-              <a:solidFill>
-                <a:schemeClr val="accent5">
-                  <a:lumMod val="50000"/>
-                </a:schemeClr>
-              </a:solidFill>
-              <a:latin typeface="Hiragino Maru Gothic Pro W4" panose="020F0400000000000000" pitchFamily="34" charset="-128"/>
-              <a:ea typeface="Hiragino Maru Gothic Pro W4" panose="020F0400000000000000" pitchFamily="34" charset="-128"/>
-            </a:endParaRPr>
+              <a:rPr kumimoji="1" lang="ja-JP" altLang="en-US">
+                <a:solidFill>
+                  <a:schemeClr val="accent5">
+                    <a:lumMod val="50000"/>
+                  </a:schemeClr>
+                </a:solidFill>
+                <a:latin typeface="Hiragino Maru Gothic Pro W4" panose="020F0400000000000000" pitchFamily="34" charset="-128"/>
+                <a:ea typeface="Hiragino Maru Gothic Pro W4" panose="020F0400000000000000" pitchFamily="34" charset="-128"/>
+              </a:rPr>
+              <a:t>基本的な考え方</a:t>
+            </a:r>
           </a:p>
         </p:txBody>
       </p:sp>
@@ -20370,192 +20137,9 @@
           </a:bodyPr>
           <a:lstStyle/>
           <a:p>
-            <a:pPr marL="388620" indent="-342900"/>
-            <a:r>
-              <a:rPr lang="ja-JP" altLang="en-US" sz="2400">
-                <a:solidFill>
-                  <a:srgbClr val="FF0000"/>
-                </a:solidFill>
-                <a:latin typeface="Hiragino Maru Gothic Pro W4" panose="020F0400000000000000" pitchFamily="34" charset="-128"/>
-                <a:ea typeface="Hiragino Maru Gothic Pro W4" panose="020F0400000000000000" pitchFamily="34" charset="-128"/>
-              </a:rPr>
-              <a:t>両クランとも自立できているので協力体制は不要</a:t>
-            </a:r>
-            <a:r>
-              <a:rPr lang="en-US" altLang="ja-JP" sz="2000" dirty="0">
-                <a:solidFill>
-                  <a:srgbClr val="FF0000"/>
-                </a:solidFill>
-                <a:latin typeface="Hiragino Maru Gothic Pro W4" panose="020F0400000000000000" pitchFamily="34" charset="-128"/>
-                <a:ea typeface="Hiragino Maru Gothic Pro W4" panose="020F0400000000000000" pitchFamily="34" charset="-128"/>
-              </a:rPr>
-              <a:t>(</a:t>
-            </a:r>
-            <a:r>
-              <a:rPr lang="ja-JP" altLang="en-US" sz="2000">
-                <a:solidFill>
-                  <a:srgbClr val="FF0000"/>
-                </a:solidFill>
-                <a:latin typeface="Hiragino Maru Gothic Pro W4" panose="020F0400000000000000" pitchFamily="34" charset="-128"/>
-                <a:ea typeface="Hiragino Maru Gothic Pro W4" panose="020F0400000000000000" pitchFamily="34" charset="-128"/>
-              </a:rPr>
-              <a:t>なはず</a:t>
-            </a:r>
-            <a:r>
-              <a:rPr lang="en-US" altLang="ja-JP" sz="2000" dirty="0">
-                <a:solidFill>
-                  <a:srgbClr val="FF0000"/>
-                </a:solidFill>
-                <a:latin typeface="Hiragino Maru Gothic Pro W4" panose="020F0400000000000000" pitchFamily="34" charset="-128"/>
-                <a:ea typeface="Hiragino Maru Gothic Pro W4" panose="020F0400000000000000" pitchFamily="34" charset="-128"/>
-              </a:rPr>
-              <a:t>)</a:t>
-            </a:r>
-          </a:p>
-          <a:p>
-            <a:pPr marL="388620" indent="-342900"/>
-            <a:r>
-              <a:rPr lang="en-US" altLang="ja-JP" sz="2000" dirty="0">
-                <a:solidFill>
-                  <a:schemeClr val="accent5">
-                    <a:lumMod val="50000"/>
-                  </a:schemeClr>
-                </a:solidFill>
-                <a:latin typeface="Hiragino Maru Gothic Pro W4" panose="020F0400000000000000" pitchFamily="34" charset="-128"/>
-                <a:ea typeface="Hiragino Maru Gothic Pro W4" panose="020F0400000000000000" pitchFamily="34" charset="-128"/>
-              </a:rPr>
-              <a:t>(</a:t>
-            </a:r>
-            <a:r>
-              <a:rPr lang="ja-JP" altLang="en-US" sz="2000">
-                <a:solidFill>
-                  <a:schemeClr val="accent5">
-                    <a:lumMod val="50000"/>
-                  </a:schemeClr>
-                </a:solidFill>
-                <a:latin typeface="Hiragino Maru Gothic Pro W4" panose="020F0400000000000000" pitchFamily="34" charset="-128"/>
-                <a:ea typeface="Hiragino Maru Gothic Pro W4" panose="020F0400000000000000" pitchFamily="34" charset="-128"/>
-              </a:rPr>
-              <a:t>東方メンバーではあるが</a:t>
-            </a:r>
-            <a:r>
-              <a:rPr lang="en-US" altLang="ja-JP" sz="2000" dirty="0">
-                <a:solidFill>
-                  <a:schemeClr val="accent5">
-                    <a:lumMod val="50000"/>
-                  </a:schemeClr>
-                </a:solidFill>
-                <a:latin typeface="Hiragino Maru Gothic Pro W4" panose="020F0400000000000000" pitchFamily="34" charset="-128"/>
-                <a:ea typeface="Hiragino Maru Gothic Pro W4" panose="020F0400000000000000" pitchFamily="34" charset="-128"/>
-              </a:rPr>
-              <a:t>)</a:t>
-            </a:r>
-            <a:r>
-              <a:rPr lang="ja-JP" altLang="en-US" sz="2400">
-                <a:solidFill>
-                  <a:schemeClr val="accent5">
-                    <a:lumMod val="50000"/>
-                  </a:schemeClr>
-                </a:solidFill>
-                <a:latin typeface="Hiragino Maru Gothic Pro W4" panose="020F0400000000000000" pitchFamily="34" charset="-128"/>
-                <a:ea typeface="Hiragino Maru Gothic Pro W4" panose="020F0400000000000000" pitchFamily="34" charset="-128"/>
-              </a:rPr>
-              <a:t>まほらまで活動してくれていた</a:t>
-            </a:r>
-            <a:br>
-              <a:rPr lang="en-US" altLang="ja-JP" sz="2400" dirty="0">
-                <a:solidFill>
-                  <a:schemeClr val="accent5">
-                    <a:lumMod val="50000"/>
-                  </a:schemeClr>
-                </a:solidFill>
-                <a:latin typeface="Hiragino Maru Gothic Pro W4" panose="020F0400000000000000" pitchFamily="34" charset="-128"/>
-                <a:ea typeface="Hiragino Maru Gothic Pro W4" panose="020F0400000000000000" pitchFamily="34" charset="-128"/>
-              </a:rPr>
-            </a:br>
-            <a:r>
-              <a:rPr lang="ja-JP" altLang="en-US" sz="2400">
-                <a:solidFill>
-                  <a:schemeClr val="accent5">
-                    <a:lumMod val="50000"/>
-                  </a:schemeClr>
-                </a:solidFill>
-                <a:latin typeface="Hiragino Maru Gothic Pro W4" panose="020F0400000000000000" pitchFamily="34" charset="-128"/>
-                <a:ea typeface="Hiragino Maru Gothic Pro W4" panose="020F0400000000000000" pitchFamily="34" charset="-128"/>
-              </a:rPr>
-              <a:t>魔王様・くい助さん・黒桜さんに関しては、今まで通り</a:t>
-            </a:r>
-            <a:br>
-              <a:rPr lang="en-US" altLang="ja-JP" sz="2400" dirty="0">
-                <a:solidFill>
-                  <a:schemeClr val="accent5">
-                    <a:lumMod val="50000"/>
-                  </a:schemeClr>
-                </a:solidFill>
-                <a:latin typeface="Hiragino Maru Gothic Pro W4" panose="020F0400000000000000" pitchFamily="34" charset="-128"/>
-                <a:ea typeface="Hiragino Maru Gothic Pro W4" panose="020F0400000000000000" pitchFamily="34" charset="-128"/>
-              </a:rPr>
-            </a:br>
-            <a:r>
-              <a:rPr lang="ja-JP" altLang="en-US" sz="2400">
-                <a:solidFill>
-                  <a:schemeClr val="accent5">
-                    <a:lumMod val="50000"/>
-                  </a:schemeClr>
-                </a:solidFill>
-                <a:latin typeface="Hiragino Maru Gothic Pro W4" panose="020F0400000000000000" pitchFamily="34" charset="-128"/>
-                <a:ea typeface="Hiragino Maru Gothic Pro W4" panose="020F0400000000000000" pitchFamily="34" charset="-128"/>
-              </a:rPr>
-              <a:t>まほらまにて活動いただく</a:t>
-            </a:r>
-            <a:endParaRPr lang="en-US" altLang="ja-JP" sz="2400" dirty="0">
-              <a:solidFill>
-                <a:schemeClr val="accent5">
-                  <a:lumMod val="50000"/>
-                </a:schemeClr>
-              </a:solidFill>
-              <a:latin typeface="Hiragino Maru Gothic Pro W4" panose="020F0400000000000000" pitchFamily="34" charset="-128"/>
-              <a:ea typeface="Hiragino Maru Gothic Pro W4" panose="020F0400000000000000" pitchFamily="34" charset="-128"/>
-            </a:endParaRPr>
-          </a:p>
-          <a:p>
-            <a:pPr marL="388620" indent="-342900"/>
-            <a:r>
-              <a:rPr lang="en-US" altLang="ja-JP" sz="2400" dirty="0">
-                <a:solidFill>
-                  <a:schemeClr val="accent5">
-                    <a:lumMod val="50000"/>
-                  </a:schemeClr>
-                </a:solidFill>
-                <a:latin typeface="Hiragino Maru Gothic Pro W4" panose="020F0400000000000000" pitchFamily="34" charset="-128"/>
-                <a:ea typeface="Hiragino Maru Gothic Pro W4" panose="020F0400000000000000" pitchFamily="34" charset="-128"/>
-              </a:rPr>
-              <a:t>121</a:t>
-            </a:r>
-            <a:r>
-              <a:rPr lang="ja-JP" altLang="en-US" sz="2400">
-                <a:solidFill>
-                  <a:schemeClr val="accent5">
-                    <a:lumMod val="50000"/>
-                  </a:schemeClr>
-                </a:solidFill>
-                <a:latin typeface="Hiragino Maru Gothic Pro W4" panose="020F0400000000000000" pitchFamily="34" charset="-128"/>
-                <a:ea typeface="Hiragino Maru Gothic Pro W4" panose="020F0400000000000000" pitchFamily="34" charset="-128"/>
-              </a:rPr>
-              <a:t>さんに関しては要相談とする</a:t>
-            </a:r>
-            <a:endParaRPr lang="en-US" altLang="ja-JP" sz="2000" dirty="0">
-              <a:solidFill>
-                <a:schemeClr val="accent5">
-                  <a:lumMod val="50000"/>
-                </a:schemeClr>
-              </a:solidFill>
-              <a:latin typeface="Hiragino Maru Gothic Pro W4" panose="020F0400000000000000" pitchFamily="34" charset="-128"/>
-              <a:ea typeface="Hiragino Maru Gothic Pro W4" panose="020F0400000000000000" pitchFamily="34" charset="-128"/>
-            </a:endParaRPr>
-          </a:p>
-          <a:p>
-            <a:pPr marL="388620" indent="-342900"/>
+            <a:pPr marL="45720" indent="0">
+              <a:buNone/>
+            </a:pPr>
             <a:endParaRPr lang="en-US" altLang="ja-JP" sz="2400" dirty="0">
               <a:solidFill>
                 <a:schemeClr val="accent5">
@@ -20612,10 +20196,619 @@
       </p:sp>
       <p:sp>
         <p:nvSpPr>
-          <p:cNvPr id="5" name="正方形/長方形 4">
+          <p:cNvPr id="6" name="正方形/長方形 5">
             <a:extLst>
               <a:ext uri="{FF2B5EF4-FFF2-40B4-BE49-F238E27FC236}">
-                <a16:creationId xmlns:a16="http://schemas.microsoft.com/office/drawing/2014/main" id="{0259F8B7-AC78-7C4B-9A64-954D61175594}"/>
+                <a16:creationId xmlns:a16="http://schemas.microsoft.com/office/drawing/2014/main" id="{44F5B0D1-8C9D-9D42-B067-7A4669BE58FD}"/>
+              </a:ext>
+            </a:extLst>
+          </p:cNvPr>
+          <p:cNvSpPr/>
+          <p:nvPr/>
+        </p:nvSpPr>
+        <p:spPr>
+          <a:xfrm>
+            <a:off x="1567549" y="2160734"/>
+            <a:ext cx="4824550" cy="2287168"/>
+          </a:xfrm>
+          <a:prstGeom prst="rect">
+            <a:avLst/>
+          </a:prstGeom>
+        </p:spPr>
+        <p:style>
+          <a:lnRef idx="0">
+            <a:schemeClr val="accent6"/>
+          </a:lnRef>
+          <a:fillRef idx="3">
+            <a:schemeClr val="accent6"/>
+          </a:fillRef>
+          <a:effectRef idx="3">
+            <a:schemeClr val="accent6"/>
+          </a:effectRef>
+          <a:fontRef idx="minor">
+            <a:schemeClr val="lt1"/>
+          </a:fontRef>
+        </p:style>
+        <p:txBody>
+          <a:bodyPr rtlCol="0" anchor="ctr"/>
+          <a:lstStyle/>
+          <a:p>
+            <a:pPr algn="ctr"/>
+            <a:r>
+              <a:rPr lang="en-US" altLang="ja-JP" sz="2400" dirty="0">
+                <a:latin typeface="Hiragino Maru Gothic Pro W4" panose="020F0400000000000000" pitchFamily="34" charset="-128"/>
+                <a:ea typeface="Hiragino Maru Gothic Pro W4" panose="020F0400000000000000" pitchFamily="34" charset="-128"/>
+              </a:rPr>
+              <a:t>① </a:t>
+            </a:r>
+            <a:r>
+              <a:rPr lang="ja-JP" altLang="en-US" sz="2400">
+                <a:latin typeface="Hiragino Maru Gothic Pro W4" panose="020F0400000000000000" pitchFamily="34" charset="-128"/>
+                <a:ea typeface="Hiragino Maru Gothic Pro W4" panose="020F0400000000000000" pitchFamily="34" charset="-128"/>
+              </a:rPr>
+              <a:t>特に無し</a:t>
+            </a:r>
+            <a:endParaRPr lang="en-US" altLang="ja-JP" sz="2400" dirty="0">
+              <a:latin typeface="Hiragino Maru Gothic Pro W4" panose="020F0400000000000000" pitchFamily="34" charset="-128"/>
+              <a:ea typeface="Hiragino Maru Gothic Pro W4" panose="020F0400000000000000" pitchFamily="34" charset="-128"/>
+            </a:endParaRPr>
+          </a:p>
+        </p:txBody>
+      </p:sp>
+      <p:sp>
+        <p:nvSpPr>
+          <p:cNvPr id="10" name="正方形/長方形 9">
+            <a:extLst>
+              <a:ext uri="{FF2B5EF4-FFF2-40B4-BE49-F238E27FC236}">
+                <a16:creationId xmlns:a16="http://schemas.microsoft.com/office/drawing/2014/main" id="{18C00CC0-6B48-4045-BD99-69FA1E70773E}"/>
+              </a:ext>
+            </a:extLst>
+          </p:cNvPr>
+          <p:cNvSpPr/>
+          <p:nvPr/>
+        </p:nvSpPr>
+        <p:spPr>
+          <a:xfrm>
+            <a:off x="1567549" y="4502331"/>
+            <a:ext cx="4824550" cy="1620202"/>
+          </a:xfrm>
+          <a:prstGeom prst="rect">
+            <a:avLst/>
+          </a:prstGeom>
+        </p:spPr>
+        <p:style>
+          <a:lnRef idx="0">
+            <a:schemeClr val="accent4"/>
+          </a:lnRef>
+          <a:fillRef idx="3">
+            <a:schemeClr val="accent4"/>
+          </a:fillRef>
+          <a:effectRef idx="3">
+            <a:schemeClr val="accent4"/>
+          </a:effectRef>
+          <a:fontRef idx="minor">
+            <a:schemeClr val="lt1"/>
+          </a:fontRef>
+        </p:style>
+        <p:txBody>
+          <a:bodyPr rtlCol="0" anchor="ctr"/>
+          <a:lstStyle/>
+          <a:p>
+            <a:pPr algn="ctr"/>
+            <a:r>
+              <a:rPr lang="en-US" altLang="ja-JP" sz="2400" dirty="0">
+                <a:latin typeface="Hiragino Maru Gothic Pro W4" panose="020F0400000000000000" pitchFamily="34" charset="-128"/>
+                <a:ea typeface="Hiragino Maru Gothic Pro W4" panose="020F0400000000000000" pitchFamily="34" charset="-128"/>
+              </a:rPr>
+              <a:t>② </a:t>
+            </a:r>
+            <a:r>
+              <a:rPr lang="ja-JP" altLang="en-US" sz="2400">
+                <a:latin typeface="Hiragino Maru Gothic Pro W4" panose="020F0400000000000000" pitchFamily="34" charset="-128"/>
+                <a:ea typeface="Hiragino Maru Gothic Pro W4" panose="020F0400000000000000" pitchFamily="34" charset="-128"/>
+              </a:rPr>
+              <a:t>まほらま→東方</a:t>
+            </a:r>
+            <a:r>
+              <a:rPr lang="en-US" altLang="ja-JP" sz="2400" dirty="0">
+                <a:latin typeface="Hiragino Maru Gothic Pro W4" panose="020F0400000000000000" pitchFamily="34" charset="-128"/>
+                <a:ea typeface="Hiragino Maru Gothic Pro W4" panose="020F0400000000000000" pitchFamily="34" charset="-128"/>
+              </a:rPr>
+              <a:t> </a:t>
+            </a:r>
+            <a:r>
+              <a:rPr lang="ja-JP" altLang="en-US" sz="2400">
+                <a:latin typeface="Hiragino Maru Gothic Pro W4" panose="020F0400000000000000" pitchFamily="34" charset="-128"/>
+                <a:ea typeface="Hiragino Maru Gothic Pro W4" panose="020F0400000000000000" pitchFamily="34" charset="-128"/>
+              </a:rPr>
+              <a:t>サポート</a:t>
+            </a:r>
+            <a:endParaRPr lang="en-US" altLang="ja-JP" sz="2400" dirty="0">
+              <a:latin typeface="Hiragino Maru Gothic Pro W4" panose="020F0400000000000000" pitchFamily="34" charset="-128"/>
+              <a:ea typeface="Hiragino Maru Gothic Pro W4" panose="020F0400000000000000" pitchFamily="34" charset="-128"/>
+            </a:endParaRPr>
+          </a:p>
+        </p:txBody>
+      </p:sp>
+      <p:sp>
+        <p:nvSpPr>
+          <p:cNvPr id="12" name="正方形/長方形 11">
+            <a:extLst>
+              <a:ext uri="{FF2B5EF4-FFF2-40B4-BE49-F238E27FC236}">
+                <a16:creationId xmlns:a16="http://schemas.microsoft.com/office/drawing/2014/main" id="{89C7DC49-C989-D74E-A020-00DA984420CF}"/>
+              </a:ext>
+            </a:extLst>
+          </p:cNvPr>
+          <p:cNvSpPr/>
+          <p:nvPr/>
+        </p:nvSpPr>
+        <p:spPr>
+          <a:xfrm>
+            <a:off x="6453052" y="2160734"/>
+            <a:ext cx="4824550" cy="2287168"/>
+          </a:xfrm>
+          <a:prstGeom prst="rect">
+            <a:avLst/>
+          </a:prstGeom>
+        </p:spPr>
+        <p:style>
+          <a:lnRef idx="0">
+            <a:schemeClr val="accent1"/>
+          </a:lnRef>
+          <a:fillRef idx="3">
+            <a:schemeClr val="accent1"/>
+          </a:fillRef>
+          <a:effectRef idx="3">
+            <a:schemeClr val="accent1"/>
+          </a:effectRef>
+          <a:fontRef idx="minor">
+            <a:schemeClr val="lt1"/>
+          </a:fontRef>
+        </p:style>
+        <p:txBody>
+          <a:bodyPr rtlCol="0" anchor="ctr"/>
+          <a:lstStyle/>
+          <a:p>
+            <a:pPr algn="ctr"/>
+            <a:r>
+              <a:rPr lang="en-US" altLang="ja-JP" sz="2400" dirty="0">
+                <a:latin typeface="Hiragino Maru Gothic Pro W4" panose="020F0400000000000000" pitchFamily="34" charset="-128"/>
+                <a:ea typeface="Hiragino Maru Gothic Pro W4" panose="020F0400000000000000" pitchFamily="34" charset="-128"/>
+              </a:rPr>
+              <a:t>③ </a:t>
+            </a:r>
+            <a:r>
+              <a:rPr lang="ja-JP" altLang="en-US" sz="2400">
+                <a:latin typeface="Hiragino Maru Gothic Pro W4" panose="020F0400000000000000" pitchFamily="34" charset="-128"/>
+                <a:ea typeface="Hiragino Maru Gothic Pro W4" panose="020F0400000000000000" pitchFamily="34" charset="-128"/>
+              </a:rPr>
+              <a:t>東方→まほらま</a:t>
+            </a:r>
+            <a:r>
+              <a:rPr lang="en-US" altLang="ja-JP" sz="2400" dirty="0">
+                <a:latin typeface="Hiragino Maru Gothic Pro W4" panose="020F0400000000000000" pitchFamily="34" charset="-128"/>
+                <a:ea typeface="Hiragino Maru Gothic Pro W4" panose="020F0400000000000000" pitchFamily="34" charset="-128"/>
+              </a:rPr>
+              <a:t> </a:t>
+            </a:r>
+            <a:r>
+              <a:rPr lang="ja-JP" altLang="en-US" sz="2400">
+                <a:latin typeface="Hiragino Maru Gothic Pro W4" panose="020F0400000000000000" pitchFamily="34" charset="-128"/>
+                <a:ea typeface="Hiragino Maru Gothic Pro W4" panose="020F0400000000000000" pitchFamily="34" charset="-128"/>
+              </a:rPr>
+              <a:t>サポート</a:t>
+            </a:r>
+            <a:endParaRPr lang="en-US" altLang="ja-JP" sz="2400" dirty="0">
+              <a:latin typeface="Hiragino Maru Gothic Pro W4" panose="020F0400000000000000" pitchFamily="34" charset="-128"/>
+              <a:ea typeface="Hiragino Maru Gothic Pro W4" panose="020F0400000000000000" pitchFamily="34" charset="-128"/>
+            </a:endParaRPr>
+          </a:p>
+        </p:txBody>
+      </p:sp>
+      <p:sp>
+        <p:nvSpPr>
+          <p:cNvPr id="13" name="正方形/長方形 12">
+            <a:extLst>
+              <a:ext uri="{FF2B5EF4-FFF2-40B4-BE49-F238E27FC236}">
+                <a16:creationId xmlns:a16="http://schemas.microsoft.com/office/drawing/2014/main" id="{86B27419-B781-A14F-80D2-6313A2C2881C}"/>
+              </a:ext>
+            </a:extLst>
+          </p:cNvPr>
+          <p:cNvSpPr/>
+          <p:nvPr/>
+        </p:nvSpPr>
+        <p:spPr>
+          <a:xfrm>
+            <a:off x="6453052" y="4502331"/>
+            <a:ext cx="4824550" cy="1620202"/>
+          </a:xfrm>
+          <a:prstGeom prst="rect">
+            <a:avLst/>
+          </a:prstGeom>
+        </p:spPr>
+        <p:style>
+          <a:lnRef idx="0">
+            <a:schemeClr val="accent2"/>
+          </a:lnRef>
+          <a:fillRef idx="3">
+            <a:schemeClr val="accent2"/>
+          </a:fillRef>
+          <a:effectRef idx="3">
+            <a:schemeClr val="accent2"/>
+          </a:effectRef>
+          <a:fontRef idx="minor">
+            <a:schemeClr val="lt1"/>
+          </a:fontRef>
+        </p:style>
+        <p:txBody>
+          <a:bodyPr rtlCol="0" anchor="ctr"/>
+          <a:lstStyle/>
+          <a:p>
+            <a:pPr algn="ctr"/>
+            <a:r>
+              <a:rPr lang="en-US" altLang="ja-JP" sz="2400" dirty="0">
+                <a:latin typeface="Hiragino Maru Gothic Pro W4" panose="020F0400000000000000" pitchFamily="34" charset="-128"/>
+                <a:ea typeface="Hiragino Maru Gothic Pro W4" panose="020F0400000000000000" pitchFamily="34" charset="-128"/>
+              </a:rPr>
+              <a:t>④ </a:t>
+            </a:r>
+            <a:r>
+              <a:rPr lang="ja-JP" altLang="en-US" sz="2400">
+                <a:latin typeface="Hiragino Maru Gothic Pro W4" panose="020F0400000000000000" pitchFamily="34" charset="-128"/>
+                <a:ea typeface="Hiragino Maru Gothic Pro W4" panose="020F0400000000000000" pitchFamily="34" charset="-128"/>
+              </a:rPr>
+              <a:t>まほらま→東方</a:t>
+            </a:r>
+            <a:r>
+              <a:rPr lang="en-US" altLang="ja-JP" sz="2400" dirty="0">
+                <a:latin typeface="Hiragino Maru Gothic Pro W4" panose="020F0400000000000000" pitchFamily="34" charset="-128"/>
+                <a:ea typeface="Hiragino Maru Gothic Pro W4" panose="020F0400000000000000" pitchFamily="34" charset="-128"/>
+              </a:rPr>
+              <a:t> </a:t>
+            </a:r>
+            <a:r>
+              <a:rPr lang="ja-JP" altLang="en-US" sz="2400">
+                <a:latin typeface="Hiragino Maru Gothic Pro W4" panose="020F0400000000000000" pitchFamily="34" charset="-128"/>
+                <a:ea typeface="Hiragino Maru Gothic Pro W4" panose="020F0400000000000000" pitchFamily="34" charset="-128"/>
+              </a:rPr>
+              <a:t>サポート</a:t>
+            </a:r>
+            <a:br>
+              <a:rPr lang="en-US" altLang="ja-JP" sz="2400" dirty="0">
+                <a:latin typeface="Hiragino Maru Gothic Pro W4" panose="020F0400000000000000" pitchFamily="34" charset="-128"/>
+                <a:ea typeface="Hiragino Maru Gothic Pro W4" panose="020F0400000000000000" pitchFamily="34" charset="-128"/>
+              </a:rPr>
+            </a:br>
+            <a:r>
+              <a:rPr lang="en-US" altLang="ja-JP" sz="2400" dirty="0">
+                <a:latin typeface="Hiragino Maru Gothic Pro W4" panose="020F0400000000000000" pitchFamily="34" charset="-128"/>
+                <a:ea typeface="Hiragino Maru Gothic Pro W4" panose="020F0400000000000000" pitchFamily="34" charset="-128"/>
+              </a:rPr>
+              <a:t>(JWC</a:t>
+            </a:r>
+            <a:r>
+              <a:rPr lang="ja-JP" altLang="en-US" sz="2400">
+                <a:latin typeface="Hiragino Maru Gothic Pro W4" panose="020F0400000000000000" pitchFamily="34" charset="-128"/>
+                <a:ea typeface="Hiragino Maru Gothic Pro W4" panose="020F0400000000000000" pitchFamily="34" charset="-128"/>
+              </a:rPr>
+              <a:t>戦はリーグ期間中無し前提</a:t>
+            </a:r>
+            <a:r>
+              <a:rPr lang="en-US" altLang="ja-JP" sz="2400" dirty="0">
+                <a:latin typeface="Hiragino Maru Gothic Pro W4" panose="020F0400000000000000" pitchFamily="34" charset="-128"/>
+                <a:ea typeface="Hiragino Maru Gothic Pro W4" panose="020F0400000000000000" pitchFamily="34" charset="-128"/>
+              </a:rPr>
+              <a:t>)</a:t>
+            </a:r>
+          </a:p>
+        </p:txBody>
+      </p:sp>
+      <p:sp>
+        <p:nvSpPr>
+          <p:cNvPr id="9" name="正方形/長方形 8">
+            <a:extLst>
+              <a:ext uri="{FF2B5EF4-FFF2-40B4-BE49-F238E27FC236}">
+                <a16:creationId xmlns:a16="http://schemas.microsoft.com/office/drawing/2014/main" id="{DCC2E1EB-35D1-AD43-9655-DF1B6D634622}"/>
+              </a:ext>
+            </a:extLst>
+          </p:cNvPr>
+          <p:cNvSpPr/>
+          <p:nvPr/>
+        </p:nvSpPr>
+        <p:spPr>
+          <a:xfrm>
+            <a:off x="1567549" y="1593081"/>
+            <a:ext cx="4824550" cy="510192"/>
+          </a:xfrm>
+          <a:prstGeom prst="rect">
+            <a:avLst/>
+          </a:prstGeom>
+        </p:spPr>
+        <p:style>
+          <a:lnRef idx="0">
+            <a:schemeClr val="dk1"/>
+          </a:lnRef>
+          <a:fillRef idx="3">
+            <a:schemeClr val="dk1"/>
+          </a:fillRef>
+          <a:effectRef idx="3">
+            <a:schemeClr val="dk1"/>
+          </a:effectRef>
+          <a:fontRef idx="minor">
+            <a:schemeClr val="lt1"/>
+          </a:fontRef>
+        </p:style>
+        <p:txBody>
+          <a:bodyPr rtlCol="0" anchor="ctr"/>
+          <a:lstStyle/>
+          <a:p>
+            <a:pPr algn="ctr"/>
+            <a:r>
+              <a:rPr lang="en-US" altLang="ja-JP" sz="2400" dirty="0">
+                <a:effectLst>
+                  <a:innerShdw blurRad="63500" dist="50800" dir="13500000">
+                    <a:prstClr val="black">
+                      <a:alpha val="50000"/>
+                    </a:prstClr>
+                  </a:innerShdw>
+                </a:effectLst>
+                <a:latin typeface="Hiragino Maru Gothic Pro W4" panose="020F0400000000000000" pitchFamily="34" charset="-128"/>
+                <a:ea typeface="Hiragino Maru Gothic Pro W4" panose="020F0400000000000000" pitchFamily="34" charset="-128"/>
+              </a:rPr>
+              <a:t>JWC</a:t>
+            </a:r>
+            <a:r>
+              <a:rPr lang="ja-JP" altLang="en-US" sz="2400">
+                <a:effectLst>
+                  <a:innerShdw blurRad="63500" dist="50800" dir="13500000">
+                    <a:prstClr val="black">
+                      <a:alpha val="50000"/>
+                    </a:prstClr>
+                  </a:innerShdw>
+                </a:effectLst>
+                <a:latin typeface="Hiragino Maru Gothic Pro W4" panose="020F0400000000000000" pitchFamily="34" charset="-128"/>
+                <a:ea typeface="Hiragino Maru Gothic Pro W4" panose="020F0400000000000000" pitchFamily="34" charset="-128"/>
+              </a:rPr>
+              <a:t>オフシーズン</a:t>
+            </a:r>
+            <a:endParaRPr lang="en-US" altLang="ja-JP" sz="2400" dirty="0">
+              <a:effectLst>
+                <a:innerShdw blurRad="63500" dist="50800" dir="13500000">
+                  <a:prstClr val="black">
+                    <a:alpha val="50000"/>
+                  </a:prstClr>
+                </a:innerShdw>
+              </a:effectLst>
+              <a:latin typeface="Hiragino Maru Gothic Pro W4" panose="020F0400000000000000" pitchFamily="34" charset="-128"/>
+              <a:ea typeface="Hiragino Maru Gothic Pro W4" panose="020F0400000000000000" pitchFamily="34" charset="-128"/>
+            </a:endParaRPr>
+          </a:p>
+        </p:txBody>
+      </p:sp>
+      <p:sp>
+        <p:nvSpPr>
+          <p:cNvPr id="11" name="正方形/長方形 10">
+            <a:extLst>
+              <a:ext uri="{FF2B5EF4-FFF2-40B4-BE49-F238E27FC236}">
+                <a16:creationId xmlns:a16="http://schemas.microsoft.com/office/drawing/2014/main" id="{C5BF9ECA-4F8D-1046-84C0-EBFA7381A2A1}"/>
+              </a:ext>
+            </a:extLst>
+          </p:cNvPr>
+          <p:cNvSpPr/>
+          <p:nvPr/>
+        </p:nvSpPr>
+        <p:spPr>
+          <a:xfrm>
+            <a:off x="6453052" y="1588575"/>
+            <a:ext cx="4824550" cy="510192"/>
+          </a:xfrm>
+          <a:prstGeom prst="rect">
+            <a:avLst/>
+          </a:prstGeom>
+        </p:spPr>
+        <p:style>
+          <a:lnRef idx="0">
+            <a:schemeClr val="dk1"/>
+          </a:lnRef>
+          <a:fillRef idx="3">
+            <a:schemeClr val="dk1"/>
+          </a:fillRef>
+          <a:effectRef idx="3">
+            <a:schemeClr val="dk1"/>
+          </a:effectRef>
+          <a:fontRef idx="minor">
+            <a:schemeClr val="lt1"/>
+          </a:fontRef>
+        </p:style>
+        <p:txBody>
+          <a:bodyPr rtlCol="0" anchor="ctr"/>
+          <a:lstStyle/>
+          <a:p>
+            <a:pPr algn="ctr"/>
+            <a:r>
+              <a:rPr lang="en-US" altLang="ja-JP" sz="2400" dirty="0">
+                <a:effectLst>
+                  <a:innerShdw blurRad="63500" dist="50800" dir="13500000">
+                    <a:prstClr val="black">
+                      <a:alpha val="50000"/>
+                    </a:prstClr>
+                  </a:innerShdw>
+                </a:effectLst>
+                <a:latin typeface="Hiragino Maru Gothic Pro W4" panose="020F0400000000000000" pitchFamily="34" charset="-128"/>
+                <a:ea typeface="Hiragino Maru Gothic Pro W4" panose="020F0400000000000000" pitchFamily="34" charset="-128"/>
+              </a:rPr>
+              <a:t>JWC</a:t>
+            </a:r>
+            <a:r>
+              <a:rPr lang="ja-JP" altLang="en-US" sz="2400">
+                <a:effectLst>
+                  <a:innerShdw blurRad="63500" dist="50800" dir="13500000">
+                    <a:prstClr val="black">
+                      <a:alpha val="50000"/>
+                    </a:prstClr>
+                  </a:innerShdw>
+                </a:effectLst>
+                <a:latin typeface="Hiragino Maru Gothic Pro W4" panose="020F0400000000000000" pitchFamily="34" charset="-128"/>
+                <a:ea typeface="Hiragino Maru Gothic Pro W4" panose="020F0400000000000000" pitchFamily="34" charset="-128"/>
+              </a:rPr>
+              <a:t>オンシーズン</a:t>
+            </a:r>
+            <a:endParaRPr lang="en-US" altLang="ja-JP" sz="2400" dirty="0">
+              <a:effectLst>
+                <a:innerShdw blurRad="63500" dist="50800" dir="13500000">
+                  <a:prstClr val="black">
+                    <a:alpha val="50000"/>
+                  </a:prstClr>
+                </a:innerShdw>
+              </a:effectLst>
+              <a:latin typeface="Hiragino Maru Gothic Pro W4" panose="020F0400000000000000" pitchFamily="34" charset="-128"/>
+              <a:ea typeface="Hiragino Maru Gothic Pro W4" panose="020F0400000000000000" pitchFamily="34" charset="-128"/>
+            </a:endParaRPr>
+          </a:p>
+        </p:txBody>
+      </p:sp>
+      <p:sp>
+        <p:nvSpPr>
+          <p:cNvPr id="14" name="正方形/長方形 13">
+            <a:extLst>
+              <a:ext uri="{FF2B5EF4-FFF2-40B4-BE49-F238E27FC236}">
+                <a16:creationId xmlns:a16="http://schemas.microsoft.com/office/drawing/2014/main" id="{4883BD44-2332-AE4B-9EC5-7F2F660BD415}"/>
+              </a:ext>
+            </a:extLst>
+          </p:cNvPr>
+          <p:cNvSpPr/>
+          <p:nvPr/>
+        </p:nvSpPr>
+        <p:spPr>
+          <a:xfrm>
+            <a:off x="914398" y="2160734"/>
+            <a:ext cx="592198" cy="2287168"/>
+          </a:xfrm>
+          <a:prstGeom prst="rect">
+            <a:avLst/>
+          </a:prstGeom>
+        </p:spPr>
+        <p:style>
+          <a:lnRef idx="0">
+            <a:schemeClr val="dk1"/>
+          </a:lnRef>
+          <a:fillRef idx="3">
+            <a:schemeClr val="dk1"/>
+          </a:fillRef>
+          <a:effectRef idx="3">
+            <a:schemeClr val="dk1"/>
+          </a:effectRef>
+          <a:fontRef idx="minor">
+            <a:schemeClr val="lt1"/>
+          </a:fontRef>
+        </p:style>
+        <p:txBody>
+          <a:bodyPr vert="eaVert" rtlCol="0" anchor="ctr"/>
+          <a:lstStyle/>
+          <a:p>
+            <a:pPr algn="ctr"/>
+            <a:r>
+              <a:rPr lang="ja-JP" altLang="en-US" sz="2400">
+                <a:effectLst>
+                  <a:innerShdw blurRad="63500" dist="50800" dir="13500000">
+                    <a:prstClr val="black">
+                      <a:alpha val="50000"/>
+                    </a:prstClr>
+                  </a:innerShdw>
+                </a:effectLst>
+                <a:latin typeface="Hiragino Maru Gothic Pro W4" panose="020F0400000000000000" pitchFamily="34" charset="-128"/>
+                <a:ea typeface="Hiragino Maru Gothic Pro W4" panose="020F0400000000000000" pitchFamily="34" charset="-128"/>
+              </a:rPr>
+              <a:t>野良戦期間</a:t>
+            </a:r>
+            <a:endParaRPr lang="en-US" altLang="ja-JP" sz="2400" dirty="0">
+              <a:effectLst>
+                <a:innerShdw blurRad="63500" dist="50800" dir="13500000">
+                  <a:prstClr val="black">
+                    <a:alpha val="50000"/>
+                  </a:prstClr>
+                </a:innerShdw>
+              </a:effectLst>
+              <a:latin typeface="Hiragino Maru Gothic Pro W4" panose="020F0400000000000000" pitchFamily="34" charset="-128"/>
+              <a:ea typeface="Hiragino Maru Gothic Pro W4" panose="020F0400000000000000" pitchFamily="34" charset="-128"/>
+            </a:endParaRPr>
+          </a:p>
+        </p:txBody>
+      </p:sp>
+      <p:sp>
+        <p:nvSpPr>
+          <p:cNvPr id="16" name="正方形/長方形 15">
+            <a:extLst>
+              <a:ext uri="{FF2B5EF4-FFF2-40B4-BE49-F238E27FC236}">
+                <a16:creationId xmlns:a16="http://schemas.microsoft.com/office/drawing/2014/main" id="{D96A6077-E02E-0943-9519-ED542C077AD5}"/>
+              </a:ext>
+            </a:extLst>
+          </p:cNvPr>
+          <p:cNvSpPr/>
+          <p:nvPr/>
+        </p:nvSpPr>
+        <p:spPr>
+          <a:xfrm>
+            <a:off x="914398" y="4502331"/>
+            <a:ext cx="592198" cy="1620201"/>
+          </a:xfrm>
+          <a:prstGeom prst="rect">
+            <a:avLst/>
+          </a:prstGeom>
+        </p:spPr>
+        <p:style>
+          <a:lnRef idx="0">
+            <a:schemeClr val="dk1"/>
+          </a:lnRef>
+          <a:fillRef idx="3">
+            <a:schemeClr val="dk1"/>
+          </a:fillRef>
+          <a:effectRef idx="3">
+            <a:schemeClr val="dk1"/>
+          </a:effectRef>
+          <a:fontRef idx="minor">
+            <a:schemeClr val="lt1"/>
+          </a:fontRef>
+        </p:style>
+        <p:txBody>
+          <a:bodyPr vert="eaVert" rtlCol="0" anchor="ctr"/>
+          <a:lstStyle/>
+          <a:p>
+            <a:pPr algn="ctr"/>
+            <a:r>
+              <a:rPr lang="ja-JP" altLang="en-US" sz="2400">
+                <a:effectLst>
+                  <a:innerShdw blurRad="63500" dist="50800" dir="13500000">
+                    <a:prstClr val="black">
+                      <a:alpha val="50000"/>
+                    </a:prstClr>
+                  </a:innerShdw>
+                </a:effectLst>
+                <a:latin typeface="Hiragino Maru Gothic Pro W4" panose="020F0400000000000000" pitchFamily="34" charset="-128"/>
+                <a:ea typeface="Hiragino Maru Gothic Pro W4" panose="020F0400000000000000" pitchFamily="34" charset="-128"/>
+              </a:rPr>
+              <a:t>リーグ期間</a:t>
+            </a:r>
+            <a:endParaRPr lang="en-US" altLang="ja-JP" sz="2400" dirty="0">
+              <a:effectLst>
+                <a:innerShdw blurRad="63500" dist="50800" dir="13500000">
+                  <a:prstClr val="black">
+                    <a:alpha val="50000"/>
+                  </a:prstClr>
+                </a:innerShdw>
+              </a:effectLst>
+              <a:latin typeface="Hiragino Maru Gothic Pro W4" panose="020F0400000000000000" pitchFamily="34" charset="-128"/>
+              <a:ea typeface="Hiragino Maru Gothic Pro W4" panose="020F0400000000000000" pitchFamily="34" charset="-128"/>
+            </a:endParaRPr>
+          </a:p>
+        </p:txBody>
+      </p:sp>
+      <p:sp>
+        <p:nvSpPr>
+          <p:cNvPr id="15" name="正方形/長方形 14">
+            <a:extLst>
+              <a:ext uri="{FF2B5EF4-FFF2-40B4-BE49-F238E27FC236}">
+                <a16:creationId xmlns:a16="http://schemas.microsoft.com/office/drawing/2014/main" id="{0DE4E701-3E82-3144-AD31-FBD6FF142C97}"/>
               </a:ext>
             </a:extLst>
           </p:cNvPr>
@@ -20665,7 +20858,7 @@
     </p:spTree>
     <p:extLst>
       <p:ext uri="{BB962C8B-B14F-4D97-AF65-F5344CB8AC3E}">
-        <p14:creationId xmlns:p14="http://schemas.microsoft.com/office/powerpoint/2010/main" val="3683701154"/>
+        <p14:creationId xmlns:p14="http://schemas.microsoft.com/office/powerpoint/2010/main" val="3535356195"/>
       </p:ext>
     </p:extLst>
   </p:cSld>
@@ -20735,7 +20928,7 @@
                 <a:latin typeface="Hiragino Maru Gothic Pro W4" panose="020F0400000000000000" pitchFamily="34" charset="-128"/>
                 <a:ea typeface="Hiragino Maru Gothic Pro W4" panose="020F0400000000000000" pitchFamily="34" charset="-128"/>
               </a:rPr>
-              <a:t>②JWC</a:t>
+              <a:t>①JWC</a:t>
             </a:r>
             <a:r>
               <a:rPr lang="ja-JP" altLang="en-US">
@@ -20771,7 +20964,7 @@
                 <a:latin typeface="Hiragino Maru Gothic Pro W4" panose="020F0400000000000000" pitchFamily="34" charset="-128"/>
                 <a:ea typeface="Hiragino Maru Gothic Pro W4" panose="020F0400000000000000" pitchFamily="34" charset="-128"/>
               </a:rPr>
-              <a:t>リーグ期間</a:t>
+              <a:t>野良戦期間</a:t>
             </a:r>
             <a:endParaRPr kumimoji="1" lang="ja-JP" altLang="en-US">
               <a:solidFill>
@@ -20822,11 +21015,140 @@
                 <a:latin typeface="Hiragino Maru Gothic Pro W4" panose="020F0400000000000000" pitchFamily="34" charset="-128"/>
                 <a:ea typeface="Hiragino Maru Gothic Pro W4" panose="020F0400000000000000" pitchFamily="34" charset="-128"/>
               </a:rPr>
-              <a:t>まほらまは東方をサポートする</a:t>
-            </a:r>
-            <a:endParaRPr lang="en-US" altLang="ja-JP" sz="2000" dirty="0">
+              <a:t>両クランとも自立できているので協力体制は不要</a:t>
+            </a:r>
+            <a:r>
+              <a:rPr lang="en-US" altLang="ja-JP" sz="2000" dirty="0">
+                <a:solidFill>
+                  <a:srgbClr val="FF0000"/>
+                </a:solidFill>
+                <a:latin typeface="Hiragino Maru Gothic Pro W4" panose="020F0400000000000000" pitchFamily="34" charset="-128"/>
+                <a:ea typeface="Hiragino Maru Gothic Pro W4" panose="020F0400000000000000" pitchFamily="34" charset="-128"/>
+              </a:rPr>
+              <a:t>(</a:t>
+            </a:r>
+            <a:r>
+              <a:rPr lang="ja-JP" altLang="en-US" sz="2000">
+                <a:solidFill>
+                  <a:srgbClr val="FF0000"/>
+                </a:solidFill>
+                <a:latin typeface="Hiragino Maru Gothic Pro W4" panose="020F0400000000000000" pitchFamily="34" charset="-128"/>
+                <a:ea typeface="Hiragino Maru Gothic Pro W4" panose="020F0400000000000000" pitchFamily="34" charset="-128"/>
+              </a:rPr>
+              <a:t>なはず</a:t>
+            </a:r>
+            <a:r>
+              <a:rPr lang="en-US" altLang="ja-JP" sz="2000" dirty="0">
+                <a:solidFill>
+                  <a:srgbClr val="FF0000"/>
+                </a:solidFill>
+                <a:latin typeface="Hiragino Maru Gothic Pro W4" panose="020F0400000000000000" pitchFamily="34" charset="-128"/>
+                <a:ea typeface="Hiragino Maru Gothic Pro W4" panose="020F0400000000000000" pitchFamily="34" charset="-128"/>
+              </a:rPr>
+              <a:t>)</a:t>
+            </a:r>
+          </a:p>
+          <a:p>
+            <a:pPr marL="388620" indent="-342900"/>
+            <a:r>
+              <a:rPr lang="en-US" altLang="ja-JP" sz="2000" dirty="0">
+                <a:solidFill>
+                  <a:schemeClr val="accent5">
+                    <a:lumMod val="50000"/>
+                  </a:schemeClr>
+                </a:solidFill>
+                <a:latin typeface="Hiragino Maru Gothic Pro W4" panose="020F0400000000000000" pitchFamily="34" charset="-128"/>
+                <a:ea typeface="Hiragino Maru Gothic Pro W4" panose="020F0400000000000000" pitchFamily="34" charset="-128"/>
+              </a:rPr>
+              <a:t>(</a:t>
+            </a:r>
+            <a:r>
+              <a:rPr lang="ja-JP" altLang="en-US" sz="2000">
+                <a:solidFill>
+                  <a:schemeClr val="accent5">
+                    <a:lumMod val="50000"/>
+                  </a:schemeClr>
+                </a:solidFill>
+                <a:latin typeface="Hiragino Maru Gothic Pro W4" panose="020F0400000000000000" pitchFamily="34" charset="-128"/>
+                <a:ea typeface="Hiragino Maru Gothic Pro W4" panose="020F0400000000000000" pitchFamily="34" charset="-128"/>
+              </a:rPr>
+              <a:t>東方メンバーではあるが</a:t>
+            </a:r>
+            <a:r>
+              <a:rPr lang="en-US" altLang="ja-JP" sz="2000" dirty="0">
+                <a:solidFill>
+                  <a:schemeClr val="accent5">
+                    <a:lumMod val="50000"/>
+                  </a:schemeClr>
+                </a:solidFill>
+                <a:latin typeface="Hiragino Maru Gothic Pro W4" panose="020F0400000000000000" pitchFamily="34" charset="-128"/>
+                <a:ea typeface="Hiragino Maru Gothic Pro W4" panose="020F0400000000000000" pitchFamily="34" charset="-128"/>
+              </a:rPr>
+              <a:t>)</a:t>
+            </a:r>
+            <a:r>
+              <a:rPr lang="ja-JP" altLang="en-US" sz="2400">
+                <a:solidFill>
+                  <a:schemeClr val="accent5">
+                    <a:lumMod val="50000"/>
+                  </a:schemeClr>
+                </a:solidFill>
+                <a:latin typeface="Hiragino Maru Gothic Pro W4" panose="020F0400000000000000" pitchFamily="34" charset="-128"/>
+                <a:ea typeface="Hiragino Maru Gothic Pro W4" panose="020F0400000000000000" pitchFamily="34" charset="-128"/>
+              </a:rPr>
+              <a:t>まほらまで活動してくれていた</a:t>
+            </a:r>
+            <a:br>
+              <a:rPr lang="en-US" altLang="ja-JP" sz="2400" dirty="0">
+                <a:solidFill>
+                  <a:schemeClr val="accent5">
+                    <a:lumMod val="50000"/>
+                  </a:schemeClr>
+                </a:solidFill>
+                <a:latin typeface="Hiragino Maru Gothic Pro W4" panose="020F0400000000000000" pitchFamily="34" charset="-128"/>
+                <a:ea typeface="Hiragino Maru Gothic Pro W4" panose="020F0400000000000000" pitchFamily="34" charset="-128"/>
+              </a:rPr>
+            </a:br>
+            <a:r>
+              <a:rPr lang="ja-JP" altLang="en-US" sz="2400">
+                <a:solidFill>
+                  <a:schemeClr val="accent5">
+                    <a:lumMod val="50000"/>
+                  </a:schemeClr>
+                </a:solidFill>
+                <a:latin typeface="Hiragino Maru Gothic Pro W4" panose="020F0400000000000000" pitchFamily="34" charset="-128"/>
+                <a:ea typeface="Hiragino Maru Gothic Pro W4" panose="020F0400000000000000" pitchFamily="34" charset="-128"/>
+              </a:rPr>
+              <a:t>魔王様・くい助さん・黒桜さんに関しては、今まで通り</a:t>
+            </a:r>
+            <a:br>
+              <a:rPr lang="en-US" altLang="ja-JP" sz="2400" dirty="0">
+                <a:solidFill>
+                  <a:schemeClr val="accent5">
+                    <a:lumMod val="50000"/>
+                  </a:schemeClr>
+                </a:solidFill>
+                <a:latin typeface="Hiragino Maru Gothic Pro W4" panose="020F0400000000000000" pitchFamily="34" charset="-128"/>
+                <a:ea typeface="Hiragino Maru Gothic Pro W4" panose="020F0400000000000000" pitchFamily="34" charset="-128"/>
+              </a:rPr>
+            </a:br>
+            <a:r>
+              <a:rPr lang="ja-JP" altLang="en-US" sz="2400">
+                <a:solidFill>
+                  <a:schemeClr val="accent5">
+                    <a:lumMod val="50000"/>
+                  </a:schemeClr>
+                </a:solidFill>
+                <a:latin typeface="Hiragino Maru Gothic Pro W4" panose="020F0400000000000000" pitchFamily="34" charset="-128"/>
+                <a:ea typeface="Hiragino Maru Gothic Pro W4" panose="020F0400000000000000" pitchFamily="34" charset="-128"/>
+              </a:rPr>
+              <a:t>まほらまにて活動いただく</a:t>
+            </a:r>
+            <a:endParaRPr lang="en-US" altLang="ja-JP" sz="2400" dirty="0">
               <a:solidFill>
-                <a:srgbClr val="FF0000"/>
+                <a:schemeClr val="accent5">
+                  <a:lumMod val="50000"/>
+                </a:schemeClr>
               </a:solidFill>
               <a:latin typeface="Hiragino Maru Gothic Pro W4" panose="020F0400000000000000" pitchFamily="34" charset="-128"/>
               <a:ea typeface="Hiragino Maru Gothic Pro W4" panose="020F0400000000000000" pitchFamily="34" charset="-128"/>
@@ -20835,6 +21157,18 @@
           <a:p>
             <a:pPr marL="388620" indent="-342900"/>
             <a:r>
+              <a:rPr lang="en-US" altLang="ja-JP" sz="2400" dirty="0">
+                <a:solidFill>
+                  <a:schemeClr val="accent5">
+                    <a:lumMod val="50000"/>
+                  </a:schemeClr>
+                </a:solidFill>
+                <a:latin typeface="Hiragino Maru Gothic Pro W4" panose="020F0400000000000000" pitchFamily="34" charset="-128"/>
+                <a:ea typeface="Hiragino Maru Gothic Pro W4" panose="020F0400000000000000" pitchFamily="34" charset="-128"/>
+              </a:rPr>
+              <a:t>121</a:t>
+            </a:r>
+            <a:r>
               <a:rPr lang="ja-JP" altLang="en-US" sz="2400">
                 <a:solidFill>
                   <a:schemeClr val="accent5">
@@ -20844,199 +21178,17 @@
                 <a:latin typeface="Hiragino Maru Gothic Pro W4" panose="020F0400000000000000" pitchFamily="34" charset="-128"/>
                 <a:ea typeface="Hiragino Maru Gothic Pro W4" panose="020F0400000000000000" pitchFamily="34" charset="-128"/>
               </a:rPr>
-              <a:t>チャンピオンリーグで戦っている東方は、</a:t>
-            </a:r>
-            <a:br>
-              <a:rPr lang="en-US" altLang="ja-JP" sz="2400" dirty="0">
-                <a:solidFill>
-                  <a:schemeClr val="accent5">
-                    <a:lumMod val="50000"/>
-                  </a:schemeClr>
-                </a:solidFill>
-                <a:latin typeface="Hiragino Maru Gothic Pro W4" panose="020F0400000000000000" pitchFamily="34" charset="-128"/>
-                <a:ea typeface="Hiragino Maru Gothic Pro W4" panose="020F0400000000000000" pitchFamily="34" charset="-128"/>
-              </a:rPr>
-            </a:br>
-            <a:r>
-              <a:rPr lang="ja-JP" altLang="en-US" sz="2400">
-                <a:solidFill>
-                  <a:schemeClr val="accent5">
-                    <a:lumMod val="50000"/>
-                  </a:schemeClr>
-                </a:solidFill>
-                <a:latin typeface="Hiragino Maru Gothic Pro W4" panose="020F0400000000000000" pitchFamily="34" charset="-128"/>
-                <a:ea typeface="Hiragino Maru Gothic Pro W4" panose="020F0400000000000000" pitchFamily="34" charset="-128"/>
-              </a:rPr>
-              <a:t>最高タウンホール帯のガチメンバーが不足している。</a:t>
-            </a:r>
-            <a:br>
-              <a:rPr lang="en-US" altLang="ja-JP" sz="2400" dirty="0">
-                <a:solidFill>
-                  <a:schemeClr val="accent5">
-                    <a:lumMod val="50000"/>
-                  </a:schemeClr>
-                </a:solidFill>
-                <a:latin typeface="Hiragino Maru Gothic Pro W4" panose="020F0400000000000000" pitchFamily="34" charset="-128"/>
-                <a:ea typeface="Hiragino Maru Gothic Pro W4" panose="020F0400000000000000" pitchFamily="34" charset="-128"/>
-              </a:rPr>
-            </a:br>
-            <a:r>
-              <a:rPr lang="ja-JP" altLang="en-US" sz="2400">
-                <a:solidFill>
-                  <a:schemeClr val="accent5">
-                    <a:lumMod val="50000"/>
-                  </a:schemeClr>
-                </a:solidFill>
-                <a:latin typeface="Hiragino Maru Gothic Pro W4" panose="020F0400000000000000" pitchFamily="34" charset="-128"/>
-                <a:ea typeface="Hiragino Maru Gothic Pro W4" panose="020F0400000000000000" pitchFamily="34" charset="-128"/>
-              </a:rPr>
-              <a:t>不足分をまほらまで募りリーグ期間中、東方に応援にいく</a:t>
-            </a:r>
-            <a:br>
-              <a:rPr lang="en-US" altLang="ja-JP" sz="2400" dirty="0">
-                <a:solidFill>
-                  <a:schemeClr val="accent5">
-                    <a:lumMod val="50000"/>
-                  </a:schemeClr>
-                </a:solidFill>
-                <a:latin typeface="Hiragino Maru Gothic Pro W4" panose="020F0400000000000000" pitchFamily="34" charset="-128"/>
-                <a:ea typeface="Hiragino Maru Gothic Pro W4" panose="020F0400000000000000" pitchFamily="34" charset="-128"/>
-              </a:rPr>
-            </a:br>
-            <a:r>
-              <a:rPr lang="en-US" altLang="ja-JP" sz="2000" dirty="0">
-                <a:solidFill>
-                  <a:schemeClr val="accent5">
-                    <a:lumMod val="50000"/>
-                  </a:schemeClr>
-                </a:solidFill>
-                <a:latin typeface="Hiragino Maru Gothic Pro W4" panose="020F0400000000000000" pitchFamily="34" charset="-128"/>
-                <a:ea typeface="Hiragino Maru Gothic Pro W4" panose="020F0400000000000000" pitchFamily="34" charset="-128"/>
-              </a:rPr>
-              <a:t>(</a:t>
-            </a:r>
-            <a:r>
-              <a:rPr lang="ja-JP" altLang="en-US" sz="2000">
-                <a:solidFill>
-                  <a:schemeClr val="accent5">
-                    <a:lumMod val="50000"/>
-                  </a:schemeClr>
-                </a:solidFill>
-                <a:latin typeface="Hiragino Maru Gothic Pro W4" panose="020F0400000000000000" pitchFamily="34" charset="-128"/>
-                <a:ea typeface="Hiragino Maru Gothic Pro W4" panose="020F0400000000000000" pitchFamily="34" charset="-128"/>
-              </a:rPr>
-              <a:t>メンバーはそのときによる。ハンターさんやふるさんやロッタさんや</a:t>
-            </a:r>
-            <a:r>
-              <a:rPr lang="en-US" altLang="ja-JP" sz="2000" dirty="0" err="1">
-                <a:solidFill>
-                  <a:schemeClr val="accent5">
-                    <a:lumMod val="50000"/>
-                  </a:schemeClr>
-                </a:solidFill>
-                <a:latin typeface="Hiragino Maru Gothic Pro W4" panose="020F0400000000000000" pitchFamily="34" charset="-128"/>
-                <a:ea typeface="Hiragino Maru Gothic Pro W4" panose="020F0400000000000000" pitchFamily="34" charset="-128"/>
-              </a:rPr>
-              <a:t>bigtree</a:t>
-            </a:r>
-            <a:r>
-              <a:rPr lang="ja-JP" altLang="en-US" sz="2000">
-                <a:solidFill>
-                  <a:schemeClr val="accent5">
-                    <a:lumMod val="50000"/>
-                  </a:schemeClr>
-                </a:solidFill>
-                <a:latin typeface="Hiragino Maru Gothic Pro W4" panose="020F0400000000000000" pitchFamily="34" charset="-128"/>
-                <a:ea typeface="Hiragino Maru Gothic Pro W4" panose="020F0400000000000000" pitchFamily="34" charset="-128"/>
-              </a:rPr>
-              <a:t>等</a:t>
-            </a:r>
-            <a:r>
-              <a:rPr lang="en-US" altLang="ja-JP" sz="2000" dirty="0">
-                <a:solidFill>
-                  <a:schemeClr val="accent5">
-                    <a:lumMod val="50000"/>
-                  </a:schemeClr>
-                </a:solidFill>
-                <a:latin typeface="Hiragino Maru Gothic Pro W4" panose="020F0400000000000000" pitchFamily="34" charset="-128"/>
-                <a:ea typeface="Hiragino Maru Gothic Pro W4" panose="020F0400000000000000" pitchFamily="34" charset="-128"/>
-              </a:rPr>
-              <a:t>)</a:t>
-            </a:r>
-          </a:p>
-          <a:p>
-            <a:pPr marL="388620" indent="-342900"/>
-            <a:r>
-              <a:rPr lang="ja-JP" altLang="en-US" sz="2400">
-                <a:solidFill>
-                  <a:schemeClr val="accent5">
-                    <a:lumMod val="50000"/>
-                  </a:schemeClr>
-                </a:solidFill>
-                <a:latin typeface="Hiragino Maru Gothic Pro W4" panose="020F0400000000000000" pitchFamily="34" charset="-128"/>
-                <a:ea typeface="Hiragino Maru Gothic Pro W4" panose="020F0400000000000000" pitchFamily="34" charset="-128"/>
-              </a:rPr>
-              <a:t>逆に東方メンバーでリーグに出れない方の受け入れをまほらまで</a:t>
-            </a:r>
-            <a:br>
-              <a:rPr lang="en-US" altLang="ja-JP" sz="2400" dirty="0">
-                <a:solidFill>
-                  <a:schemeClr val="accent5">
-                    <a:lumMod val="50000"/>
-                  </a:schemeClr>
-                </a:solidFill>
-                <a:latin typeface="Hiragino Maru Gothic Pro W4" panose="020F0400000000000000" pitchFamily="34" charset="-128"/>
-                <a:ea typeface="Hiragino Maru Gothic Pro W4" panose="020F0400000000000000" pitchFamily="34" charset="-128"/>
-              </a:rPr>
-            </a:br>
-            <a:r>
-              <a:rPr lang="ja-JP" altLang="en-US" sz="2400">
-                <a:solidFill>
-                  <a:schemeClr val="accent5">
-                    <a:lumMod val="50000"/>
-                  </a:schemeClr>
-                </a:solidFill>
-                <a:latin typeface="Hiragino Maru Gothic Pro W4" panose="020F0400000000000000" pitchFamily="34" charset="-128"/>
-                <a:ea typeface="Hiragino Maru Gothic Pro W4" panose="020F0400000000000000" pitchFamily="34" charset="-128"/>
-              </a:rPr>
-              <a:t>実施するのも良い</a:t>
-            </a:r>
-            <a:r>
-              <a:rPr lang="en-US" altLang="ja-JP" sz="2000" dirty="0">
-                <a:solidFill>
-                  <a:schemeClr val="accent5">
-                    <a:lumMod val="50000"/>
-                  </a:schemeClr>
-                </a:solidFill>
-                <a:latin typeface="Hiragino Maru Gothic Pro W4" panose="020F0400000000000000" pitchFamily="34" charset="-128"/>
-                <a:ea typeface="Hiragino Maru Gothic Pro W4" panose="020F0400000000000000" pitchFamily="34" charset="-128"/>
-              </a:rPr>
-              <a:t> (</a:t>
-            </a:r>
-            <a:r>
-              <a:rPr lang="ja-JP" altLang="en-US" sz="2000">
-                <a:solidFill>
-                  <a:schemeClr val="accent5">
-                    <a:lumMod val="50000"/>
-                  </a:schemeClr>
-                </a:solidFill>
-                <a:latin typeface="Hiragino Maru Gothic Pro W4" panose="020F0400000000000000" pitchFamily="34" charset="-128"/>
-                <a:ea typeface="Hiragino Maru Gothic Pro W4" panose="020F0400000000000000" pitchFamily="34" charset="-128"/>
-              </a:rPr>
-              <a:t>ただしメダル目当て星８交代制を受け入れてくれる方に限る</a:t>
-            </a:r>
-            <a:r>
-              <a:rPr lang="en-US" altLang="ja-JP" sz="2000" dirty="0">
-                <a:solidFill>
-                  <a:schemeClr val="accent5">
-                    <a:lumMod val="50000"/>
-                  </a:schemeClr>
-                </a:solidFill>
-                <a:latin typeface="Hiragino Maru Gothic Pro W4" panose="020F0400000000000000" pitchFamily="34" charset="-128"/>
-                <a:ea typeface="Hiragino Maru Gothic Pro W4" panose="020F0400000000000000" pitchFamily="34" charset="-128"/>
-              </a:rPr>
-              <a:t>)</a:t>
-            </a:r>
+              <a:t>さんに関しては要相談とする</a:t>
+            </a:r>
+            <a:endParaRPr lang="en-US" altLang="ja-JP" sz="2000" dirty="0">
+              <a:solidFill>
+                <a:schemeClr val="accent5">
+                  <a:lumMod val="50000"/>
+                </a:schemeClr>
+              </a:solidFill>
+              <a:latin typeface="Hiragino Maru Gothic Pro W4" panose="020F0400000000000000" pitchFamily="34" charset="-128"/>
+              <a:ea typeface="Hiragino Maru Gothic Pro W4" panose="020F0400000000000000" pitchFamily="34" charset="-128"/>
+            </a:endParaRPr>
           </a:p>
           <a:p>
             <a:pPr marL="388620" indent="-342900"/>
@@ -21099,7 +21251,7 @@
           <p:cNvPr id="5" name="正方形/長方形 4">
             <a:extLst>
               <a:ext uri="{FF2B5EF4-FFF2-40B4-BE49-F238E27FC236}">
-                <a16:creationId xmlns:a16="http://schemas.microsoft.com/office/drawing/2014/main" id="{4FF7588A-2A07-C94D-8C32-2D2D1E22DBC3}"/>
+                <a16:creationId xmlns:a16="http://schemas.microsoft.com/office/drawing/2014/main" id="{0259F8B7-AC78-7C4B-9A64-954D61175594}"/>
               </a:ext>
             </a:extLst>
           </p:cNvPr>
@@ -21149,7 +21301,7 @@
     </p:spTree>
     <p:extLst>
       <p:ext uri="{BB962C8B-B14F-4D97-AF65-F5344CB8AC3E}">
-        <p14:creationId xmlns:p14="http://schemas.microsoft.com/office/powerpoint/2010/main" val="2426115586"/>
+        <p14:creationId xmlns:p14="http://schemas.microsoft.com/office/powerpoint/2010/main" val="3683701154"/>
       </p:ext>
     </p:extLst>
   </p:cSld>
@@ -21219,7 +21371,7 @@
                 <a:latin typeface="Hiragino Maru Gothic Pro W4" panose="020F0400000000000000" pitchFamily="34" charset="-128"/>
                 <a:ea typeface="Hiragino Maru Gothic Pro W4" panose="020F0400000000000000" pitchFamily="34" charset="-128"/>
               </a:rPr>
-              <a:t>③JWC</a:t>
+              <a:t>②JWC</a:t>
             </a:r>
             <a:r>
               <a:rPr lang="ja-JP" altLang="en-US">
@@ -21231,7 +21383,7 @@
                 <a:latin typeface="Hiragino Maru Gothic Pro W4" panose="020F0400000000000000" pitchFamily="34" charset="-128"/>
                 <a:ea typeface="Hiragino Maru Gothic Pro W4" panose="020F0400000000000000" pitchFamily="34" charset="-128"/>
               </a:rPr>
-              <a:t>オンシーズン</a:t>
+              <a:t>オフシーズン</a:t>
             </a:r>
             <a:r>
               <a:rPr lang="en-US" altLang="ja-JP" dirty="0">
@@ -21255,7 +21407,7 @@
                 <a:latin typeface="Hiragino Maru Gothic Pro W4" panose="020F0400000000000000" pitchFamily="34" charset="-128"/>
                 <a:ea typeface="Hiragino Maru Gothic Pro W4" panose="020F0400000000000000" pitchFamily="34" charset="-128"/>
               </a:rPr>
-              <a:t>野良戦期間</a:t>
+              <a:t>リーグ期間</a:t>
             </a:r>
             <a:endParaRPr kumimoji="1" lang="ja-JP" altLang="en-US">
               <a:solidFill>
@@ -21306,9 +21458,9 @@
                 <a:latin typeface="Hiragino Maru Gothic Pro W4" panose="020F0400000000000000" pitchFamily="34" charset="-128"/>
                 <a:ea typeface="Hiragino Maru Gothic Pro W4" panose="020F0400000000000000" pitchFamily="34" charset="-128"/>
               </a:rPr>
-              <a:t>東方はまほらまをサポートする</a:t>
-            </a:r>
-            <a:endParaRPr lang="en-US" altLang="ja-JP" sz="2400" dirty="0">
+              <a:t>まほらまは東方をサポートする</a:t>
+            </a:r>
+            <a:endParaRPr lang="en-US" altLang="ja-JP" sz="2000" dirty="0">
               <a:solidFill>
                 <a:srgbClr val="FF0000"/>
               </a:solidFill>
@@ -21321,76 +21473,27 @@
             <a:r>
               <a:rPr lang="ja-JP" altLang="en-US" sz="2400">
                 <a:solidFill>
-                  <a:srgbClr val="FF0000"/>
-                </a:solidFill>
-                <a:latin typeface="Hiragino Maru Gothic Pro W4" panose="020F0400000000000000" pitchFamily="34" charset="-128"/>
-                <a:ea typeface="Hiragino Maru Gothic Pro W4" panose="020F0400000000000000" pitchFamily="34" charset="-128"/>
-              </a:rPr>
-              <a:t>東方の</a:t>
-            </a:r>
-            <a:r>
-              <a:rPr lang="en-US" altLang="ja-JP" sz="2400" dirty="0">
-                <a:solidFill>
-                  <a:srgbClr val="FF0000"/>
-                </a:solidFill>
-                <a:latin typeface="Hiragino Maru Gothic Pro W4" panose="020F0400000000000000" pitchFamily="34" charset="-128"/>
-                <a:ea typeface="Hiragino Maru Gothic Pro W4" panose="020F0400000000000000" pitchFamily="34" charset="-128"/>
-              </a:rPr>
-              <a:t>JWC</a:t>
-            </a:r>
-            <a:r>
-              <a:rPr lang="ja-JP" altLang="en-US" sz="2400">
-                <a:solidFill>
-                  <a:srgbClr val="FF0000"/>
-                </a:solidFill>
-                <a:latin typeface="Hiragino Maru Gothic Pro W4" panose="020F0400000000000000" pitchFamily="34" charset="-128"/>
-                <a:ea typeface="Hiragino Maru Gothic Pro W4" panose="020F0400000000000000" pitchFamily="34" charset="-128"/>
-              </a:rPr>
-              <a:t>参戦者は、期間中、まほらまで活動していただく</a:t>
+                  <a:schemeClr val="accent5">
+                    <a:lumMod val="50000"/>
+                  </a:schemeClr>
+                </a:solidFill>
+                <a:latin typeface="Hiragino Maru Gothic Pro W4" panose="020F0400000000000000" pitchFamily="34" charset="-128"/>
+                <a:ea typeface="Hiragino Maru Gothic Pro W4" panose="020F0400000000000000" pitchFamily="34" charset="-128"/>
+              </a:rPr>
+              <a:t>チャンピオンリーグで戦っている東方は、</a:t>
             </a:r>
             <a:br>
               <a:rPr lang="en-US" altLang="ja-JP" sz="2400" dirty="0">
                 <a:solidFill>
-                  <a:srgbClr val="FF0000"/>
+                  <a:schemeClr val="accent5">
+                    <a:lumMod val="50000"/>
+                  </a:schemeClr>
                 </a:solidFill>
                 <a:latin typeface="Hiragino Maru Gothic Pro W4" panose="020F0400000000000000" pitchFamily="34" charset="-128"/>
                 <a:ea typeface="Hiragino Maru Gothic Pro W4" panose="020F0400000000000000" pitchFamily="34" charset="-128"/>
               </a:rPr>
             </a:br>
             <a:r>
-              <a:rPr lang="en-US" altLang="ja-JP" sz="2000" dirty="0">
-                <a:solidFill>
-                  <a:srgbClr val="FF0000"/>
-                </a:solidFill>
-                <a:latin typeface="Hiragino Maru Gothic Pro W4" panose="020F0400000000000000" pitchFamily="34" charset="-128"/>
-                <a:ea typeface="Hiragino Maru Gothic Pro W4" panose="020F0400000000000000" pitchFamily="34" charset="-128"/>
-              </a:rPr>
-              <a:t>(JWC</a:t>
-            </a:r>
-            <a:r>
-              <a:rPr lang="ja-JP" altLang="en-US" sz="2000">
-                <a:solidFill>
-                  <a:srgbClr val="FF0000"/>
-                </a:solidFill>
-                <a:latin typeface="Hiragino Maru Gothic Pro W4" panose="020F0400000000000000" pitchFamily="34" charset="-128"/>
-                <a:ea typeface="Hiragino Maru Gothic Pro W4" panose="020F0400000000000000" pitchFamily="34" charset="-128"/>
-              </a:rPr>
-              <a:t>ルール上、まほらまでの活動実績が必要になるので</a:t>
-            </a:r>
-            <a:r>
-              <a:rPr lang="en-US" altLang="ja-JP" sz="2000" dirty="0">
-                <a:solidFill>
-                  <a:srgbClr val="FF0000"/>
-                </a:solidFill>
-                <a:latin typeface="Hiragino Maru Gothic Pro W4" panose="020F0400000000000000" pitchFamily="34" charset="-128"/>
-                <a:ea typeface="Hiragino Maru Gothic Pro W4" panose="020F0400000000000000" pitchFamily="34" charset="-128"/>
-              </a:rPr>
-              <a:t>)</a:t>
-            </a:r>
-          </a:p>
-          <a:p>
-            <a:pPr marL="388620" indent="-342900"/>
-            <a:r>
               <a:rPr lang="ja-JP" altLang="en-US" sz="2400">
                 <a:solidFill>
                   <a:schemeClr val="accent5">
@@ -21400,7 +21503,7 @@
                 <a:latin typeface="Hiragino Maru Gothic Pro W4" panose="020F0400000000000000" pitchFamily="34" charset="-128"/>
                 <a:ea typeface="Hiragino Maru Gothic Pro W4" panose="020F0400000000000000" pitchFamily="34" charset="-128"/>
               </a:rPr>
-              <a:t>ただし、東方リーダーのひこにゃんさんに関しては、</a:t>
+              <a:t>最高タウンホール帯のガチメンバーが不足している。</a:t>
             </a:r>
             <a:br>
               <a:rPr lang="en-US" altLang="ja-JP" sz="2400" dirty="0">
@@ -21423,31 +21526,7 @@
                 <a:latin typeface="Hiragino Maru Gothic Pro W4" panose="020F0400000000000000" pitchFamily="34" charset="-128"/>
                 <a:ea typeface="Hiragino Maru Gothic Pro W4" panose="020F0400000000000000" pitchFamily="34" charset="-128"/>
               </a:rPr>
-              <a:t>クラン運営の関係で</a:t>
-            </a:r>
-            <a:r>
-              <a:rPr lang="en-US" altLang="ja-JP" sz="2400" dirty="0">
-                <a:solidFill>
-                  <a:schemeClr val="accent5">
-                    <a:lumMod val="50000"/>
-                  </a:schemeClr>
-                </a:solidFill>
-                <a:latin typeface="Hiragino Maru Gothic Pro W4" panose="020F0400000000000000" pitchFamily="34" charset="-128"/>
-                <a:ea typeface="Hiragino Maru Gothic Pro W4" panose="020F0400000000000000" pitchFamily="34" charset="-128"/>
-              </a:rPr>
-              <a:t>JWC</a:t>
-            </a:r>
-            <a:r>
-              <a:rPr lang="ja-JP" altLang="en-US" sz="2400">
-                <a:solidFill>
-                  <a:schemeClr val="accent5">
-                    <a:lumMod val="50000"/>
-                  </a:schemeClr>
-                </a:solidFill>
-                <a:latin typeface="Hiragino Maru Gothic Pro W4" panose="020F0400000000000000" pitchFamily="34" charset="-128"/>
-                <a:ea typeface="Hiragino Maru Gothic Pro W4" panose="020F0400000000000000" pitchFamily="34" charset="-128"/>
-              </a:rPr>
-              <a:t>戦以外は東方で活動する。</a:t>
+              <a:t>不足分をまほらまで募りリーグ期間中、東方に応援にいく</a:t>
             </a:r>
             <a:br>
               <a:rPr lang="en-US" altLang="ja-JP" sz="2400" dirty="0">
@@ -21482,7 +21561,31 @@
                 <a:latin typeface="Hiragino Maru Gothic Pro W4" panose="020F0400000000000000" pitchFamily="34" charset="-128"/>
                 <a:ea typeface="Hiragino Maru Gothic Pro W4" panose="020F0400000000000000" pitchFamily="34" charset="-128"/>
               </a:rPr>
-              <a:t>もし、東方</a:t>
+              <a:t>メンバーはそのときによる。ハンターさんやふるさんやロッタさんや</a:t>
+            </a:r>
+            <a:r>
+              <a:rPr lang="en-US" altLang="ja-JP" sz="2000" dirty="0" err="1">
+                <a:solidFill>
+                  <a:schemeClr val="accent5">
+                    <a:lumMod val="50000"/>
+                  </a:schemeClr>
+                </a:solidFill>
+                <a:latin typeface="Hiragino Maru Gothic Pro W4" panose="020F0400000000000000" pitchFamily="34" charset="-128"/>
+                <a:ea typeface="Hiragino Maru Gothic Pro W4" panose="020F0400000000000000" pitchFamily="34" charset="-128"/>
+              </a:rPr>
+              <a:t>bigtree</a:t>
+            </a:r>
+            <a:r>
+              <a:rPr lang="ja-JP" altLang="en-US" sz="2000">
+                <a:solidFill>
+                  <a:schemeClr val="accent5">
+                    <a:lumMod val="50000"/>
+                  </a:schemeClr>
+                </a:solidFill>
+                <a:latin typeface="Hiragino Maru Gothic Pro W4" panose="020F0400000000000000" pitchFamily="34" charset="-128"/>
+                <a:ea typeface="Hiragino Maru Gothic Pro W4" panose="020F0400000000000000" pitchFamily="34" charset="-128"/>
+              </a:rPr>
+              <a:t>等</a:t>
             </a:r>
             <a:r>
               <a:rPr lang="en-US" altLang="ja-JP" sz="2000" dirty="0">
@@ -21494,30 +21597,6 @@
                 <a:latin typeface="Hiragino Maru Gothic Pro W4" panose="020F0400000000000000" pitchFamily="34" charset="-128"/>
                 <a:ea typeface="Hiragino Maru Gothic Pro W4" panose="020F0400000000000000" pitchFamily="34" charset="-128"/>
               </a:rPr>
-              <a:t>(15)</a:t>
-            </a:r>
-            <a:r>
-              <a:rPr lang="ja-JP" altLang="en-US" sz="2000">
-                <a:solidFill>
-                  <a:schemeClr val="accent5">
-                    <a:lumMod val="50000"/>
-                  </a:schemeClr>
-                </a:solidFill>
-                <a:latin typeface="Hiragino Maru Gothic Pro W4" panose="020F0400000000000000" pitchFamily="34" charset="-128"/>
-                <a:ea typeface="Hiragino Maru Gothic Pro W4" panose="020F0400000000000000" pitchFamily="34" charset="-128"/>
-              </a:rPr>
-              <a:t>のゆうフラさんが参戦してくれる場合もこれに該当</a:t>
-            </a:r>
-            <a:r>
-              <a:rPr lang="en-US" altLang="ja-JP" sz="2000" dirty="0">
-                <a:solidFill>
-                  <a:schemeClr val="accent5">
-                    <a:lumMod val="50000"/>
-                  </a:schemeClr>
-                </a:solidFill>
-                <a:latin typeface="Hiragino Maru Gothic Pro W4" panose="020F0400000000000000" pitchFamily="34" charset="-128"/>
-                <a:ea typeface="Hiragino Maru Gothic Pro W4" panose="020F0400000000000000" pitchFamily="34" charset="-128"/>
-              </a:rPr>
               <a:t>)</a:t>
             </a:r>
           </a:p>
@@ -21533,7 +21612,7 @@
                 <a:latin typeface="Hiragino Maru Gothic Pro W4" panose="020F0400000000000000" pitchFamily="34" charset="-128"/>
                 <a:ea typeface="Hiragino Maru Gothic Pro W4" panose="020F0400000000000000" pitchFamily="34" charset="-128"/>
               </a:rPr>
-              <a:t>ひこにゃんさんと相談事項：</a:t>
+              <a:t>逆に東方メンバーでリーグに出れない方の受け入れをまほらまで</a:t>
             </a:r>
             <a:br>
               <a:rPr lang="en-US" altLang="ja-JP" sz="2400" dirty="0">
@@ -21556,32 +21635,47 @@
                 <a:latin typeface="Hiragino Maru Gothic Pro W4" panose="020F0400000000000000" pitchFamily="34" charset="-128"/>
                 <a:ea typeface="Hiragino Maru Gothic Pro W4" panose="020F0400000000000000" pitchFamily="34" charset="-128"/>
               </a:rPr>
-              <a:t>だいさん、ころ助さん、トビダシさんに</a:t>
-            </a:r>
-            <a:r>
-              <a:rPr lang="en-US" altLang="ja-JP" sz="2400" dirty="0">
-                <a:solidFill>
-                  <a:schemeClr val="accent5">
-                    <a:lumMod val="50000"/>
-                  </a:schemeClr>
-                </a:solidFill>
-                <a:latin typeface="Hiragino Maru Gothic Pro W4" panose="020F0400000000000000" pitchFamily="34" charset="-128"/>
-                <a:ea typeface="Hiragino Maru Gothic Pro W4" panose="020F0400000000000000" pitchFamily="34" charset="-128"/>
-              </a:rPr>
-              <a:t>JWC</a:t>
-            </a:r>
-            <a:r>
-              <a:rPr lang="ja-JP" altLang="en-US" sz="2400">
-                <a:solidFill>
-                  <a:schemeClr val="accent5">
-                    <a:lumMod val="50000"/>
-                  </a:schemeClr>
-                </a:solidFill>
-                <a:latin typeface="Hiragino Maru Gothic Pro W4" panose="020F0400000000000000" pitchFamily="34" charset="-128"/>
-                <a:ea typeface="Hiragino Maru Gothic Pro W4" panose="020F0400000000000000" pitchFamily="34" charset="-128"/>
-              </a:rPr>
-              <a:t>参戦いただく場合・・・</a:t>
-            </a:r>
+              <a:t>実施するのも良い</a:t>
+            </a:r>
+            <a:r>
+              <a:rPr lang="en-US" altLang="ja-JP" sz="2000" dirty="0">
+                <a:solidFill>
+                  <a:schemeClr val="accent5">
+                    <a:lumMod val="50000"/>
+                  </a:schemeClr>
+                </a:solidFill>
+                <a:latin typeface="Hiragino Maru Gothic Pro W4" panose="020F0400000000000000" pitchFamily="34" charset="-128"/>
+                <a:ea typeface="Hiragino Maru Gothic Pro W4" panose="020F0400000000000000" pitchFamily="34" charset="-128"/>
+              </a:rPr>
+              <a:t> (</a:t>
+            </a:r>
+            <a:r>
+              <a:rPr lang="ja-JP" altLang="en-US" sz="2000">
+                <a:solidFill>
+                  <a:schemeClr val="accent5">
+                    <a:lumMod val="50000"/>
+                  </a:schemeClr>
+                </a:solidFill>
+                <a:latin typeface="Hiragino Maru Gothic Pro W4" panose="020F0400000000000000" pitchFamily="34" charset="-128"/>
+                <a:ea typeface="Hiragino Maru Gothic Pro W4" panose="020F0400000000000000" pitchFamily="34" charset="-128"/>
+              </a:rPr>
+              <a:t>ただしメダル目当て星８交代制を受け入れてくれる方に限る</a:t>
+            </a:r>
+            <a:r>
+              <a:rPr lang="en-US" altLang="ja-JP" sz="2000" dirty="0">
+                <a:solidFill>
+                  <a:schemeClr val="accent5">
+                    <a:lumMod val="50000"/>
+                  </a:schemeClr>
+                </a:solidFill>
+                <a:latin typeface="Hiragino Maru Gothic Pro W4" panose="020F0400000000000000" pitchFamily="34" charset="-128"/>
+                <a:ea typeface="Hiragino Maru Gothic Pro W4" panose="020F0400000000000000" pitchFamily="34" charset="-128"/>
+              </a:rPr>
+              <a:t>)</a:t>
+            </a:r>
+          </a:p>
+          <a:p>
+            <a:pPr marL="388620" indent="-342900"/>
             <a:endParaRPr lang="en-US" altLang="ja-JP" sz="2400" dirty="0">
               <a:solidFill>
                 <a:schemeClr val="accent5">
@@ -21641,7 +21735,7 @@
           <p:cNvPr id="5" name="正方形/長方形 4">
             <a:extLst>
               <a:ext uri="{FF2B5EF4-FFF2-40B4-BE49-F238E27FC236}">
-                <a16:creationId xmlns:a16="http://schemas.microsoft.com/office/drawing/2014/main" id="{D6839A9E-26B6-1645-9B78-815B84EDA0C8}"/>
+                <a16:creationId xmlns:a16="http://schemas.microsoft.com/office/drawing/2014/main" id="{4FF7588A-2A07-C94D-8C32-2D2D1E22DBC3}"/>
               </a:ext>
             </a:extLst>
           </p:cNvPr>
@@ -21691,7 +21785,7 @@
     </p:spTree>
     <p:extLst>
       <p:ext uri="{BB962C8B-B14F-4D97-AF65-F5344CB8AC3E}">
-        <p14:creationId xmlns:p14="http://schemas.microsoft.com/office/powerpoint/2010/main" val="786080946"/>
+        <p14:creationId xmlns:p14="http://schemas.microsoft.com/office/powerpoint/2010/main" val="2426115586"/>
       </p:ext>
     </p:extLst>
   </p:cSld>
@@ -21761,7 +21855,7 @@
                 <a:latin typeface="Hiragino Maru Gothic Pro W4" panose="020F0400000000000000" pitchFamily="34" charset="-128"/>
                 <a:ea typeface="Hiragino Maru Gothic Pro W4" panose="020F0400000000000000" pitchFamily="34" charset="-128"/>
               </a:rPr>
-              <a:t>④JWC</a:t>
+              <a:t>③JWC</a:t>
             </a:r>
             <a:r>
               <a:rPr lang="ja-JP" altLang="en-US">
@@ -21797,7 +21891,7 @@
                 <a:latin typeface="Hiragino Maru Gothic Pro W4" panose="020F0400000000000000" pitchFamily="34" charset="-128"/>
                 <a:ea typeface="Hiragino Maru Gothic Pro W4" panose="020F0400000000000000" pitchFamily="34" charset="-128"/>
               </a:rPr>
-              <a:t>リーグ期間</a:t>
+              <a:t>野良戦期間</a:t>
             </a:r>
             <a:endParaRPr kumimoji="1" lang="ja-JP" altLang="en-US">
               <a:solidFill>
@@ -21848,9 +21942,9 @@
                 <a:latin typeface="Hiragino Maru Gothic Pro W4" panose="020F0400000000000000" pitchFamily="34" charset="-128"/>
                 <a:ea typeface="Hiragino Maru Gothic Pro W4" panose="020F0400000000000000" pitchFamily="34" charset="-128"/>
               </a:rPr>
-              <a:t>まほらまは東方をサポートする</a:t>
-            </a:r>
-            <a:endParaRPr lang="en-US" altLang="ja-JP" sz="2000" dirty="0">
+              <a:t>東方はまほらまをサポートする</a:t>
+            </a:r>
+            <a:endParaRPr lang="en-US" altLang="ja-JP" sz="2400" dirty="0">
               <a:solidFill>
                 <a:srgbClr val="FF0000"/>
               </a:solidFill>
@@ -21863,51 +21957,75 @@
             <a:r>
               <a:rPr lang="ja-JP" altLang="en-US" sz="2400">
                 <a:solidFill>
-                  <a:schemeClr val="accent5">
-                    <a:lumMod val="50000"/>
-                  </a:schemeClr>
-                </a:solidFill>
-                <a:latin typeface="Hiragino Maru Gothic Pro W4" panose="020F0400000000000000" pitchFamily="34" charset="-128"/>
-                <a:ea typeface="Hiragino Maru Gothic Pro W4" panose="020F0400000000000000" pitchFamily="34" charset="-128"/>
-              </a:rPr>
-              <a:t>「</a:t>
+                  <a:srgbClr val="FF0000"/>
+                </a:solidFill>
+                <a:latin typeface="Hiragino Maru Gothic Pro W4" panose="020F0400000000000000" pitchFamily="34" charset="-128"/>
+                <a:ea typeface="Hiragino Maru Gothic Pro W4" panose="020F0400000000000000" pitchFamily="34" charset="-128"/>
+              </a:rPr>
+              <a:t>東方の</a:t>
             </a:r>
             <a:r>
               <a:rPr lang="en-US" altLang="ja-JP" sz="2400" dirty="0">
                 <a:solidFill>
-                  <a:schemeClr val="accent5">
-                    <a:lumMod val="50000"/>
-                  </a:schemeClr>
-                </a:solidFill>
-                <a:latin typeface="Hiragino Maru Gothic Pro W4" panose="020F0400000000000000" pitchFamily="34" charset="-128"/>
-                <a:ea typeface="Hiragino Maru Gothic Pro W4" panose="020F0400000000000000" pitchFamily="34" charset="-128"/>
-              </a:rPr>
-              <a:t>②JWC</a:t>
+                  <a:srgbClr val="FF0000"/>
+                </a:solidFill>
+                <a:latin typeface="Hiragino Maru Gothic Pro W4" panose="020F0400000000000000" pitchFamily="34" charset="-128"/>
+                <a:ea typeface="Hiragino Maru Gothic Pro W4" panose="020F0400000000000000" pitchFamily="34" charset="-128"/>
+              </a:rPr>
+              <a:t>JWC</a:t>
             </a:r>
             <a:r>
               <a:rPr lang="ja-JP" altLang="en-US" sz="2400">
                 <a:solidFill>
-                  <a:schemeClr val="accent5">
-                    <a:lumMod val="50000"/>
-                  </a:schemeClr>
-                </a:solidFill>
-                <a:latin typeface="Hiragino Maru Gothic Pro W4" panose="020F0400000000000000" pitchFamily="34" charset="-128"/>
-                <a:ea typeface="Hiragino Maru Gothic Pro W4" panose="020F0400000000000000" pitchFamily="34" charset="-128"/>
-              </a:rPr>
-              <a:t>オフシーズン</a:t>
-            </a:r>
-            <a:r>
+                  <a:srgbClr val="FF0000"/>
+                </a:solidFill>
+                <a:latin typeface="Hiragino Maru Gothic Pro W4" panose="020F0400000000000000" pitchFamily="34" charset="-128"/>
+                <a:ea typeface="Hiragino Maru Gothic Pro W4" panose="020F0400000000000000" pitchFamily="34" charset="-128"/>
+              </a:rPr>
+              <a:t>参戦者は、期間中、まほらまで活動していただく</a:t>
+            </a:r>
+            <a:br>
               <a:rPr lang="en-US" altLang="ja-JP" sz="2400" dirty="0">
                 <a:solidFill>
-                  <a:schemeClr val="accent5">
-                    <a:lumMod val="50000"/>
-                  </a:schemeClr>
-                </a:solidFill>
-                <a:latin typeface="Hiragino Maru Gothic Pro W4" panose="020F0400000000000000" pitchFamily="34" charset="-128"/>
-                <a:ea typeface="Hiragino Maru Gothic Pro W4" panose="020F0400000000000000" pitchFamily="34" charset="-128"/>
-              </a:rPr>
-              <a:t>×</a:t>
-            </a:r>
+                  <a:srgbClr val="FF0000"/>
+                </a:solidFill>
+                <a:latin typeface="Hiragino Maru Gothic Pro W4" panose="020F0400000000000000" pitchFamily="34" charset="-128"/>
+                <a:ea typeface="Hiragino Maru Gothic Pro W4" panose="020F0400000000000000" pitchFamily="34" charset="-128"/>
+              </a:rPr>
+            </a:br>
+            <a:r>
+              <a:rPr lang="en-US" altLang="ja-JP" sz="2000" dirty="0">
+                <a:solidFill>
+                  <a:srgbClr val="FF0000"/>
+                </a:solidFill>
+                <a:latin typeface="Hiragino Maru Gothic Pro W4" panose="020F0400000000000000" pitchFamily="34" charset="-128"/>
+                <a:ea typeface="Hiragino Maru Gothic Pro W4" panose="020F0400000000000000" pitchFamily="34" charset="-128"/>
+              </a:rPr>
+              <a:t>(JWC</a:t>
+            </a:r>
+            <a:r>
+              <a:rPr lang="ja-JP" altLang="en-US" sz="2000">
+                <a:solidFill>
+                  <a:srgbClr val="FF0000"/>
+                </a:solidFill>
+                <a:latin typeface="Hiragino Maru Gothic Pro W4" panose="020F0400000000000000" pitchFamily="34" charset="-128"/>
+                <a:ea typeface="Hiragino Maru Gothic Pro W4" panose="020F0400000000000000" pitchFamily="34" charset="-128"/>
+              </a:rPr>
+              <a:t>ルール上、まほらまでの活動実績が必要になるので</a:t>
+            </a:r>
+            <a:r>
+              <a:rPr lang="en-US" altLang="ja-JP" sz="2000" dirty="0">
+                <a:solidFill>
+                  <a:srgbClr val="FF0000"/>
+                </a:solidFill>
+                <a:latin typeface="Hiragino Maru Gothic Pro W4" panose="020F0400000000000000" pitchFamily="34" charset="-128"/>
+                <a:ea typeface="Hiragino Maru Gothic Pro W4" panose="020F0400000000000000" pitchFamily="34" charset="-128"/>
+              </a:rPr>
+              <a:t>)</a:t>
+            </a:r>
+          </a:p>
+          <a:p>
+            <a:pPr marL="388620" indent="-342900"/>
             <a:r>
               <a:rPr lang="ja-JP" altLang="en-US" sz="2400">
                 <a:solidFill>
@@ -21918,7 +22036,187 @@
                 <a:latin typeface="Hiragino Maru Gothic Pro W4" panose="020F0400000000000000" pitchFamily="34" charset="-128"/>
                 <a:ea typeface="Hiragino Maru Gothic Pro W4" panose="020F0400000000000000" pitchFamily="34" charset="-128"/>
               </a:rPr>
-              <a:t>リーグ戦期間」と同様</a:t>
+              <a:t>ただし、東方リーダーのひこにゃんさんに関しては、</a:t>
+            </a:r>
+            <a:br>
+              <a:rPr lang="en-US" altLang="ja-JP" sz="2400" dirty="0">
+                <a:solidFill>
+                  <a:schemeClr val="accent5">
+                    <a:lumMod val="50000"/>
+                  </a:schemeClr>
+                </a:solidFill>
+                <a:latin typeface="Hiragino Maru Gothic Pro W4" panose="020F0400000000000000" pitchFamily="34" charset="-128"/>
+                <a:ea typeface="Hiragino Maru Gothic Pro W4" panose="020F0400000000000000" pitchFamily="34" charset="-128"/>
+              </a:rPr>
+            </a:br>
+            <a:r>
+              <a:rPr lang="ja-JP" altLang="en-US" sz="2400">
+                <a:solidFill>
+                  <a:schemeClr val="accent5">
+                    <a:lumMod val="50000"/>
+                  </a:schemeClr>
+                </a:solidFill>
+                <a:latin typeface="Hiragino Maru Gothic Pro W4" panose="020F0400000000000000" pitchFamily="34" charset="-128"/>
+                <a:ea typeface="Hiragino Maru Gothic Pro W4" panose="020F0400000000000000" pitchFamily="34" charset="-128"/>
+              </a:rPr>
+              <a:t>クラン運営の関係で</a:t>
+            </a:r>
+            <a:r>
+              <a:rPr lang="en-US" altLang="ja-JP" sz="2400" dirty="0">
+                <a:solidFill>
+                  <a:schemeClr val="accent5">
+                    <a:lumMod val="50000"/>
+                  </a:schemeClr>
+                </a:solidFill>
+                <a:latin typeface="Hiragino Maru Gothic Pro W4" panose="020F0400000000000000" pitchFamily="34" charset="-128"/>
+                <a:ea typeface="Hiragino Maru Gothic Pro W4" panose="020F0400000000000000" pitchFamily="34" charset="-128"/>
+              </a:rPr>
+              <a:t>JWC</a:t>
+            </a:r>
+            <a:r>
+              <a:rPr lang="ja-JP" altLang="en-US" sz="2400">
+                <a:solidFill>
+                  <a:schemeClr val="accent5">
+                    <a:lumMod val="50000"/>
+                  </a:schemeClr>
+                </a:solidFill>
+                <a:latin typeface="Hiragino Maru Gothic Pro W4" panose="020F0400000000000000" pitchFamily="34" charset="-128"/>
+                <a:ea typeface="Hiragino Maru Gothic Pro W4" panose="020F0400000000000000" pitchFamily="34" charset="-128"/>
+              </a:rPr>
+              <a:t>戦以外は東方で活動する。</a:t>
+            </a:r>
+            <a:br>
+              <a:rPr lang="en-US" altLang="ja-JP" sz="2400" dirty="0">
+                <a:solidFill>
+                  <a:schemeClr val="accent5">
+                    <a:lumMod val="50000"/>
+                  </a:schemeClr>
+                </a:solidFill>
+                <a:latin typeface="Hiragino Maru Gothic Pro W4" panose="020F0400000000000000" pitchFamily="34" charset="-128"/>
+                <a:ea typeface="Hiragino Maru Gothic Pro W4" panose="020F0400000000000000" pitchFamily="34" charset="-128"/>
+              </a:rPr>
+            </a:br>
+            <a:r>
+              <a:rPr lang="en-US" altLang="ja-JP" sz="2000" dirty="0">
+                <a:solidFill>
+                  <a:schemeClr val="accent5">
+                    <a:lumMod val="50000"/>
+                  </a:schemeClr>
+                </a:solidFill>
+                <a:latin typeface="Hiragino Maru Gothic Pro W4" panose="020F0400000000000000" pitchFamily="34" charset="-128"/>
+                <a:ea typeface="Hiragino Maru Gothic Pro W4" panose="020F0400000000000000" pitchFamily="34" charset="-128"/>
+              </a:rPr>
+              <a:t>(</a:t>
+            </a:r>
+            <a:r>
+              <a:rPr lang="ja-JP" altLang="en-US" sz="2000">
+                <a:solidFill>
+                  <a:schemeClr val="accent5">
+                    <a:lumMod val="50000"/>
+                  </a:schemeClr>
+                </a:solidFill>
+                <a:latin typeface="Hiragino Maru Gothic Pro W4" panose="020F0400000000000000" pitchFamily="34" charset="-128"/>
+                <a:ea typeface="Hiragino Maru Gothic Pro W4" panose="020F0400000000000000" pitchFamily="34" charset="-128"/>
+              </a:rPr>
+              <a:t>もし、東方</a:t>
+            </a:r>
+            <a:r>
+              <a:rPr lang="en-US" altLang="ja-JP" sz="2000" dirty="0">
+                <a:solidFill>
+                  <a:schemeClr val="accent5">
+                    <a:lumMod val="50000"/>
+                  </a:schemeClr>
+                </a:solidFill>
+                <a:latin typeface="Hiragino Maru Gothic Pro W4" panose="020F0400000000000000" pitchFamily="34" charset="-128"/>
+                <a:ea typeface="Hiragino Maru Gothic Pro W4" panose="020F0400000000000000" pitchFamily="34" charset="-128"/>
+              </a:rPr>
+              <a:t>(15)</a:t>
+            </a:r>
+            <a:r>
+              <a:rPr lang="ja-JP" altLang="en-US" sz="2000">
+                <a:solidFill>
+                  <a:schemeClr val="accent5">
+                    <a:lumMod val="50000"/>
+                  </a:schemeClr>
+                </a:solidFill>
+                <a:latin typeface="Hiragino Maru Gothic Pro W4" panose="020F0400000000000000" pitchFamily="34" charset="-128"/>
+                <a:ea typeface="Hiragino Maru Gothic Pro W4" panose="020F0400000000000000" pitchFamily="34" charset="-128"/>
+              </a:rPr>
+              <a:t>のゆうフラさんが参戦してくれる場合もこれに該当</a:t>
+            </a:r>
+            <a:r>
+              <a:rPr lang="en-US" altLang="ja-JP" sz="2000" dirty="0">
+                <a:solidFill>
+                  <a:schemeClr val="accent5">
+                    <a:lumMod val="50000"/>
+                  </a:schemeClr>
+                </a:solidFill>
+                <a:latin typeface="Hiragino Maru Gothic Pro W4" panose="020F0400000000000000" pitchFamily="34" charset="-128"/>
+                <a:ea typeface="Hiragino Maru Gothic Pro W4" panose="020F0400000000000000" pitchFamily="34" charset="-128"/>
+              </a:rPr>
+              <a:t>)</a:t>
+            </a:r>
+          </a:p>
+          <a:p>
+            <a:pPr marL="388620" indent="-342900"/>
+            <a:r>
+              <a:rPr lang="ja-JP" altLang="en-US" sz="2400">
+                <a:solidFill>
+                  <a:schemeClr val="accent5">
+                    <a:lumMod val="50000"/>
+                  </a:schemeClr>
+                </a:solidFill>
+                <a:latin typeface="Hiragino Maru Gothic Pro W4" panose="020F0400000000000000" pitchFamily="34" charset="-128"/>
+                <a:ea typeface="Hiragino Maru Gothic Pro W4" panose="020F0400000000000000" pitchFamily="34" charset="-128"/>
+              </a:rPr>
+              <a:t>ひこにゃんさんと相談事項：</a:t>
+            </a:r>
+            <a:br>
+              <a:rPr lang="en-US" altLang="ja-JP" sz="2400" dirty="0">
+                <a:solidFill>
+                  <a:schemeClr val="accent5">
+                    <a:lumMod val="50000"/>
+                  </a:schemeClr>
+                </a:solidFill>
+                <a:latin typeface="Hiragino Maru Gothic Pro W4" panose="020F0400000000000000" pitchFamily="34" charset="-128"/>
+                <a:ea typeface="Hiragino Maru Gothic Pro W4" panose="020F0400000000000000" pitchFamily="34" charset="-128"/>
+              </a:rPr>
+            </a:br>
+            <a:r>
+              <a:rPr lang="ja-JP" altLang="en-US" sz="2400">
+                <a:solidFill>
+                  <a:schemeClr val="accent5">
+                    <a:lumMod val="50000"/>
+                  </a:schemeClr>
+                </a:solidFill>
+                <a:latin typeface="Hiragino Maru Gothic Pro W4" panose="020F0400000000000000" pitchFamily="34" charset="-128"/>
+                <a:ea typeface="Hiragino Maru Gothic Pro W4" panose="020F0400000000000000" pitchFamily="34" charset="-128"/>
+              </a:rPr>
+              <a:t>だいさん、ころ助さん、トビダシさんに</a:t>
+            </a:r>
+            <a:r>
+              <a:rPr lang="en-US" altLang="ja-JP" sz="2400" dirty="0">
+                <a:solidFill>
+                  <a:schemeClr val="accent5">
+                    <a:lumMod val="50000"/>
+                  </a:schemeClr>
+                </a:solidFill>
+                <a:latin typeface="Hiragino Maru Gothic Pro W4" panose="020F0400000000000000" pitchFamily="34" charset="-128"/>
+                <a:ea typeface="Hiragino Maru Gothic Pro W4" panose="020F0400000000000000" pitchFamily="34" charset="-128"/>
+              </a:rPr>
+              <a:t>JWC</a:t>
+            </a:r>
+            <a:r>
+              <a:rPr lang="ja-JP" altLang="en-US" sz="2400">
+                <a:solidFill>
+                  <a:schemeClr val="accent5">
+                    <a:lumMod val="50000"/>
+                  </a:schemeClr>
+                </a:solidFill>
+                <a:latin typeface="Hiragino Maru Gothic Pro W4" panose="020F0400000000000000" pitchFamily="34" charset="-128"/>
+                <a:ea typeface="Hiragino Maru Gothic Pro W4" panose="020F0400000000000000" pitchFamily="34" charset="-128"/>
+              </a:rPr>
+              <a:t>参戦いただく場合・・・</a:t>
             </a:r>
             <a:endParaRPr lang="en-US" altLang="ja-JP" sz="2400" dirty="0">
               <a:solidFill>
@@ -21979,7 +22277,7 @@
           <p:cNvPr id="5" name="正方形/長方形 4">
             <a:extLst>
               <a:ext uri="{FF2B5EF4-FFF2-40B4-BE49-F238E27FC236}">
-                <a16:creationId xmlns:a16="http://schemas.microsoft.com/office/drawing/2014/main" id="{9CAB5A04-6F86-AE4E-907F-190885D28A4B}"/>
+                <a16:creationId xmlns:a16="http://schemas.microsoft.com/office/drawing/2014/main" id="{D6839A9E-26B6-1645-9B78-815B84EDA0C8}"/>
               </a:ext>
             </a:extLst>
           </p:cNvPr>
@@ -22029,7 +22327,7 @@
     </p:spTree>
     <p:extLst>
       <p:ext uri="{BB962C8B-B14F-4D97-AF65-F5344CB8AC3E}">
-        <p14:creationId xmlns:p14="http://schemas.microsoft.com/office/powerpoint/2010/main" val="160830170"/>
+        <p14:creationId xmlns:p14="http://schemas.microsoft.com/office/powerpoint/2010/main" val="786080946"/>
       </p:ext>
     </p:extLst>
   </p:cSld>
@@ -22090,6 +22388,18 @@
           <a:lstStyle/>
           <a:p>
             <a:r>
+              <a:rPr lang="en-US" altLang="ja-JP" dirty="0">
+                <a:solidFill>
+                  <a:schemeClr val="accent5">
+                    <a:lumMod val="50000"/>
+                  </a:schemeClr>
+                </a:solidFill>
+                <a:latin typeface="Hiragino Maru Gothic Pro W4" panose="020F0400000000000000" pitchFamily="34" charset="-128"/>
+                <a:ea typeface="Hiragino Maru Gothic Pro W4" panose="020F0400000000000000" pitchFamily="34" charset="-128"/>
+              </a:rPr>
+              <a:t>④JWC</a:t>
+            </a:r>
+            <a:r>
               <a:rPr lang="ja-JP" altLang="en-US">
                 <a:solidFill>
                   <a:schemeClr val="accent5">
@@ -22099,7 +22409,31 @@
                 <a:latin typeface="Hiragino Maru Gothic Pro W4" panose="020F0400000000000000" pitchFamily="34" charset="-128"/>
                 <a:ea typeface="Hiragino Maru Gothic Pro W4" panose="020F0400000000000000" pitchFamily="34" charset="-128"/>
               </a:rPr>
-              <a:t>その他</a:t>
+              <a:t>オンシーズン</a:t>
+            </a:r>
+            <a:r>
+              <a:rPr lang="en-US" altLang="ja-JP" dirty="0">
+                <a:solidFill>
+                  <a:schemeClr val="accent5">
+                    <a:lumMod val="50000"/>
+                  </a:schemeClr>
+                </a:solidFill>
+                <a:latin typeface="Hiragino Maru Gothic Pro W4" panose="020F0400000000000000" pitchFamily="34" charset="-128"/>
+                <a:ea typeface="Hiragino Maru Gothic Pro W4" panose="020F0400000000000000" pitchFamily="34" charset="-128"/>
+              </a:rPr>
+              <a:t>×</a:t>
+            </a:r>
+            <a:r>
+              <a:rPr lang="ja-JP" altLang="en-US">
+                <a:solidFill>
+                  <a:schemeClr val="accent5">
+                    <a:lumMod val="50000"/>
+                  </a:schemeClr>
+                </a:solidFill>
+                <a:latin typeface="Hiragino Maru Gothic Pro W4" panose="020F0400000000000000" pitchFamily="34" charset="-128"/>
+                <a:ea typeface="Hiragino Maru Gothic Pro W4" panose="020F0400000000000000" pitchFamily="34" charset="-128"/>
+              </a:rPr>
+              <a:t>リーグ期間</a:t>
             </a:r>
             <a:endParaRPr kumimoji="1" lang="ja-JP" altLang="en-US">
               <a:solidFill>
@@ -22145,67 +22479,16 @@
             <a:r>
               <a:rPr lang="ja-JP" altLang="en-US" sz="2400">
                 <a:solidFill>
-                  <a:schemeClr val="accent5">
-                    <a:lumMod val="50000"/>
-                  </a:schemeClr>
-                </a:solidFill>
-                <a:latin typeface="Hiragino Maru Gothic Pro W4" panose="020F0400000000000000" pitchFamily="34" charset="-128"/>
-                <a:ea typeface="Hiragino Maru Gothic Pro W4" panose="020F0400000000000000" pitchFamily="34" charset="-128"/>
-              </a:rPr>
-              <a:t>援軍やクラゲ応援が必要な場合</a:t>
-            </a:r>
-            <a:br>
-              <a:rPr lang="en-US" altLang="ja-JP" sz="2400" dirty="0">
-                <a:solidFill>
-                  <a:schemeClr val="accent5">
-                    <a:lumMod val="50000"/>
-                  </a:schemeClr>
-                </a:solidFill>
-                <a:latin typeface="Hiragino Maru Gothic Pro W4" panose="020F0400000000000000" pitchFamily="34" charset="-128"/>
-                <a:ea typeface="Hiragino Maru Gothic Pro W4" panose="020F0400000000000000" pitchFamily="34" charset="-128"/>
-              </a:rPr>
-            </a:br>
-            <a:r>
-              <a:rPr lang="ja-JP" altLang="en-US" sz="2000">
-                <a:solidFill>
-                  <a:schemeClr val="accent5">
-                    <a:lumMod val="50000"/>
-                  </a:schemeClr>
-                </a:solidFill>
-                <a:latin typeface="Hiragino Maru Gothic Pro W4" panose="020F0400000000000000" pitchFamily="34" charset="-128"/>
-                <a:ea typeface="Hiragino Maru Gothic Pro W4" panose="020F0400000000000000" pitchFamily="34" charset="-128"/>
-              </a:rPr>
-              <a:t>→</a:t>
-            </a:r>
-            <a:r>
-              <a:rPr lang="en-US" altLang="ja-JP" sz="2000" dirty="0">
-                <a:solidFill>
-                  <a:schemeClr val="accent5">
-                    <a:lumMod val="50000"/>
-                  </a:schemeClr>
-                </a:solidFill>
-                <a:latin typeface="Hiragino Maru Gothic Pro W4" panose="020F0400000000000000" pitchFamily="34" charset="-128"/>
-                <a:ea typeface="Hiragino Maru Gothic Pro W4" panose="020F0400000000000000" pitchFamily="34" charset="-128"/>
-              </a:rPr>
-              <a:t> discord</a:t>
-            </a:r>
-            <a:r>
-              <a:rPr lang="ja-JP" altLang="en-US" sz="2000">
-                <a:solidFill>
-                  <a:schemeClr val="accent5">
-                    <a:lumMod val="50000"/>
-                  </a:schemeClr>
-                </a:solidFill>
-                <a:latin typeface="Hiragino Maru Gothic Pro W4" panose="020F0400000000000000" pitchFamily="34" charset="-128"/>
-                <a:ea typeface="Hiragino Maru Gothic Pro W4" panose="020F0400000000000000" pitchFamily="34" charset="-128"/>
-              </a:rPr>
-              <a:t>でやりとりして柔軟に対応</a:t>
+                  <a:srgbClr val="FF0000"/>
+                </a:solidFill>
+                <a:latin typeface="Hiragino Maru Gothic Pro W4" panose="020F0400000000000000" pitchFamily="34" charset="-128"/>
+                <a:ea typeface="Hiragino Maru Gothic Pro W4" panose="020F0400000000000000" pitchFamily="34" charset="-128"/>
+              </a:rPr>
+              <a:t>まほらまは東方をサポートする</a:t>
             </a:r>
             <a:endParaRPr lang="en-US" altLang="ja-JP" sz="2000" dirty="0">
               <a:solidFill>
-                <a:schemeClr val="accent5">
-                  <a:lumMod val="50000"/>
-                </a:schemeClr>
+                <a:srgbClr val="FF0000"/>
               </a:solidFill>
               <a:latin typeface="Hiragino Maru Gothic Pro W4" panose="020F0400000000000000" pitchFamily="34" charset="-128"/>
               <a:ea typeface="Hiragino Maru Gothic Pro W4" panose="020F0400000000000000" pitchFamily="34" charset="-128"/>
@@ -22223,9 +22506,9 @@
                 <a:latin typeface="Hiragino Maru Gothic Pro W4" panose="020F0400000000000000" pitchFamily="34" charset="-128"/>
                 <a:ea typeface="Hiragino Maru Gothic Pro W4" panose="020F0400000000000000" pitchFamily="34" charset="-128"/>
               </a:rPr>
-              <a:t>まほらまが海外リーグに挑戦する場合</a:t>
-            </a:r>
-            <a:br>
+              <a:t>「</a:t>
+            </a:r>
+            <a:r>
               <a:rPr lang="en-US" altLang="ja-JP" sz="2400" dirty="0">
                 <a:solidFill>
                   <a:schemeClr val="accent5">
@@ -22235,55 +22518,8 @@
                 <a:latin typeface="Hiragino Maru Gothic Pro W4" panose="020F0400000000000000" pitchFamily="34" charset="-128"/>
                 <a:ea typeface="Hiragino Maru Gothic Pro W4" panose="020F0400000000000000" pitchFamily="34" charset="-128"/>
               </a:rPr>
-            </a:br>
-            <a:r>
-              <a:rPr lang="ja-JP" altLang="en-US" sz="2000">
-                <a:solidFill>
-                  <a:schemeClr val="accent5">
-                    <a:lumMod val="50000"/>
-                  </a:schemeClr>
-                </a:solidFill>
-                <a:latin typeface="Hiragino Maru Gothic Pro W4" panose="020F0400000000000000" pitchFamily="34" charset="-128"/>
-                <a:ea typeface="Hiragino Maru Gothic Pro W4" panose="020F0400000000000000" pitchFamily="34" charset="-128"/>
-              </a:rPr>
-              <a:t>→</a:t>
-            </a:r>
-            <a:r>
-              <a:rPr lang="en-US" altLang="ja-JP" sz="2000" dirty="0">
-                <a:solidFill>
-                  <a:schemeClr val="accent5">
-                    <a:lumMod val="50000"/>
-                  </a:schemeClr>
-                </a:solidFill>
-                <a:latin typeface="Hiragino Maru Gothic Pro W4" panose="020F0400000000000000" pitchFamily="34" charset="-128"/>
-                <a:ea typeface="Hiragino Maru Gothic Pro W4" panose="020F0400000000000000" pitchFamily="34" charset="-128"/>
-              </a:rPr>
-              <a:t> </a:t>
-            </a:r>
-            <a:r>
-              <a:rPr lang="ja-JP" altLang="en-US" sz="2000">
-                <a:solidFill>
-                  <a:schemeClr val="accent5">
-                    <a:lumMod val="50000"/>
-                  </a:schemeClr>
-                </a:solidFill>
-                <a:latin typeface="Hiragino Maru Gothic Pro W4" panose="020F0400000000000000" pitchFamily="34" charset="-128"/>
-                <a:ea typeface="Hiragino Maru Gothic Pro W4" panose="020F0400000000000000" pitchFamily="34" charset="-128"/>
-              </a:rPr>
-              <a:t>要相談</a:t>
-            </a:r>
-            <a:endParaRPr lang="en-US" altLang="ja-JP" sz="2000" dirty="0">
-              <a:solidFill>
-                <a:schemeClr val="accent5">
-                  <a:lumMod val="50000"/>
-                </a:schemeClr>
-              </a:solidFill>
-              <a:latin typeface="Hiragino Maru Gothic Pro W4" panose="020F0400000000000000" pitchFamily="34" charset="-128"/>
-              <a:ea typeface="Hiragino Maru Gothic Pro W4" panose="020F0400000000000000" pitchFamily="34" charset="-128"/>
-            </a:endParaRPr>
-          </a:p>
-          <a:p>
-            <a:pPr marL="388620" indent="-342900"/>
+              <a:t>②JWC</a:t>
+            </a:r>
             <a:r>
               <a:rPr lang="ja-JP" altLang="en-US" sz="2400">
                 <a:solidFill>
@@ -22294,7 +22530,7 @@
                 <a:latin typeface="Hiragino Maru Gothic Pro W4" panose="020F0400000000000000" pitchFamily="34" charset="-128"/>
                 <a:ea typeface="Hiragino Maru Gothic Pro W4" panose="020F0400000000000000" pitchFamily="34" charset="-128"/>
               </a:rPr>
-              <a:t>まほらま</a:t>
+              <a:t>オフシーズン</a:t>
             </a:r>
             <a:r>
               <a:rPr lang="en-US" altLang="ja-JP" sz="2400" dirty="0">
@@ -22306,7 +22542,7 @@
                 <a:latin typeface="Hiragino Maru Gothic Pro W4" panose="020F0400000000000000" pitchFamily="34" charset="-128"/>
                 <a:ea typeface="Hiragino Maru Gothic Pro W4" panose="020F0400000000000000" pitchFamily="34" charset="-128"/>
               </a:rPr>
-              <a:t>/</a:t>
+              <a:t>×</a:t>
             </a:r>
             <a:r>
               <a:rPr lang="ja-JP" altLang="en-US" sz="2400">
@@ -22318,93 +22554,9 @@
                 <a:latin typeface="Hiragino Maru Gothic Pro W4" panose="020F0400000000000000" pitchFamily="34" charset="-128"/>
                 <a:ea typeface="Hiragino Maru Gothic Pro W4" panose="020F0400000000000000" pitchFamily="34" charset="-128"/>
               </a:rPr>
-              <a:t>東方を行き来するメンバー</a:t>
-            </a:r>
-            <a:br>
-              <a:rPr lang="en-US" altLang="ja-JP" sz="2400" dirty="0">
-                <a:solidFill>
-                  <a:schemeClr val="accent5">
-                    <a:lumMod val="50000"/>
-                  </a:schemeClr>
-                </a:solidFill>
-                <a:latin typeface="Hiragino Maru Gothic Pro W4" panose="020F0400000000000000" pitchFamily="34" charset="-128"/>
-                <a:ea typeface="Hiragino Maru Gothic Pro W4" panose="020F0400000000000000" pitchFamily="34" charset="-128"/>
-              </a:rPr>
-            </a:br>
-            <a:r>
-              <a:rPr lang="ja-JP" altLang="en-US" sz="2000">
-                <a:solidFill>
-                  <a:schemeClr val="accent5">
-                    <a:lumMod val="50000"/>
-                  </a:schemeClr>
-                </a:solidFill>
-                <a:latin typeface="Hiragino Maru Gothic Pro W4" panose="020F0400000000000000" pitchFamily="34" charset="-128"/>
-                <a:ea typeface="Hiragino Maru Gothic Pro W4" panose="020F0400000000000000" pitchFamily="34" charset="-128"/>
-              </a:rPr>
-              <a:t>→「郷に入れば郷に従え」をしっかり意識すること</a:t>
-            </a:r>
-            <a:endParaRPr lang="en-US" altLang="ja-JP" sz="2000" dirty="0">
-              <a:solidFill>
-                <a:schemeClr val="accent5">
-                  <a:lumMod val="50000"/>
-                </a:schemeClr>
-              </a:solidFill>
-              <a:latin typeface="Hiragino Maru Gothic Pro W4" panose="020F0400000000000000" pitchFamily="34" charset="-128"/>
-              <a:ea typeface="Hiragino Maru Gothic Pro W4" panose="020F0400000000000000" pitchFamily="34" charset="-128"/>
-            </a:endParaRPr>
-          </a:p>
-          <a:p>
-            <a:pPr marL="845820" lvl="1" indent="-342900"/>
-            <a:r>
-              <a:rPr lang="ja-JP" altLang="en-US" sz="2000">
-                <a:solidFill>
-                  <a:schemeClr val="accent5">
-                    <a:lumMod val="50000"/>
-                  </a:schemeClr>
-                </a:solidFill>
-                <a:latin typeface="Hiragino Maru Gothic Pro W4" panose="020F0400000000000000" pitchFamily="34" charset="-128"/>
-                <a:ea typeface="Hiragino Maru Gothic Pro W4" panose="020F0400000000000000" pitchFamily="34" charset="-128"/>
-              </a:rPr>
-              <a:t>まほらまルール：</a:t>
-            </a:r>
-            <a:r>
-              <a:rPr lang="en-US" altLang="ja-JP" sz="2000" dirty="0">
-                <a:solidFill>
-                  <a:schemeClr val="accent5">
-                    <a:lumMod val="50000"/>
-                  </a:schemeClr>
-                </a:solidFill>
-                <a:latin typeface="Hiragino Maru Gothic Pro W4" panose="020F0400000000000000" pitchFamily="34" charset="-128"/>
-                <a:ea typeface="Hiragino Maru Gothic Pro W4" panose="020F0400000000000000" pitchFamily="34" charset="-128"/>
-                <a:hlinkClick r:id="rId2"/>
-              </a:rPr>
-              <a:t>http://mah0rama.livedoor.blog/archives/20951053.html</a:t>
-            </a:r>
-            <a:endParaRPr lang="en-US" altLang="ja-JP" sz="2000" dirty="0">
-              <a:solidFill>
-                <a:schemeClr val="accent5">
-                  <a:lumMod val="50000"/>
-                </a:schemeClr>
-              </a:solidFill>
-              <a:latin typeface="Hiragino Maru Gothic Pro W4" panose="020F0400000000000000" pitchFamily="34" charset="-128"/>
-              <a:ea typeface="Hiragino Maru Gothic Pro W4" panose="020F0400000000000000" pitchFamily="34" charset="-128"/>
-            </a:endParaRPr>
-          </a:p>
-          <a:p>
-            <a:pPr marL="845820" lvl="1" indent="-342900"/>
-            <a:r>
-              <a:rPr lang="ja-JP" altLang="en-US" sz="2000">
-                <a:solidFill>
-                  <a:schemeClr val="accent5">
-                    <a:lumMod val="50000"/>
-                  </a:schemeClr>
-                </a:solidFill>
-                <a:latin typeface="Hiragino Maru Gothic Pro W4" panose="020F0400000000000000" pitchFamily="34" charset="-128"/>
-                <a:ea typeface="Hiragino Maru Gothic Pro W4" panose="020F0400000000000000" pitchFamily="34" charset="-128"/>
-              </a:rPr>
-              <a:t>東方ルール：クラン説明参照</a:t>
-            </a:r>
-            <a:endParaRPr lang="en-US" altLang="ja-JP" sz="2000" dirty="0">
+              <a:t>リーグ戦期間」と同様</a:t>
+            </a:r>
+            <a:endParaRPr lang="en-US" altLang="ja-JP" sz="2400" dirty="0">
               <a:solidFill>
                 <a:schemeClr val="accent5">
                   <a:lumMod val="50000"/>
@@ -22447,6 +22599,490 @@
                 <a:ea typeface="Hiragino Maru Gothic Pro W4" panose="020F0400000000000000" pitchFamily="34" charset="-128"/>
               </a:rPr>
               <a:t>44</a:t>
+            </a:fld>
+            <a:endParaRPr lang="ja-JP" altLang="en-US" noProof="0" dirty="0">
+              <a:solidFill>
+                <a:srgbClr val="002060"/>
+              </a:solidFill>
+              <a:latin typeface="Hiragino Maru Gothic Pro W4" panose="020F0400000000000000" pitchFamily="34" charset="-128"/>
+              <a:ea typeface="Hiragino Maru Gothic Pro W4" panose="020F0400000000000000" pitchFamily="34" charset="-128"/>
+            </a:endParaRPr>
+          </a:p>
+        </p:txBody>
+      </p:sp>
+      <p:sp>
+        <p:nvSpPr>
+          <p:cNvPr id="5" name="正方形/長方形 4">
+            <a:extLst>
+              <a:ext uri="{FF2B5EF4-FFF2-40B4-BE49-F238E27FC236}">
+                <a16:creationId xmlns:a16="http://schemas.microsoft.com/office/drawing/2014/main" id="{9CAB5A04-6F86-AE4E-907F-190885D28A4B}"/>
+              </a:ext>
+            </a:extLst>
+          </p:cNvPr>
+          <p:cNvSpPr/>
+          <p:nvPr/>
+        </p:nvSpPr>
+        <p:spPr>
+          <a:xfrm>
+            <a:off x="444137" y="369024"/>
+            <a:ext cx="11225349" cy="5807938"/>
+          </a:xfrm>
+          <a:prstGeom prst="rect">
+            <a:avLst/>
+          </a:prstGeom>
+          <a:solidFill>
+            <a:schemeClr val="dk1">
+              <a:alpha val="50000"/>
+            </a:schemeClr>
+          </a:solidFill>
+          <a:ln>
+            <a:noFill/>
+          </a:ln>
+        </p:spPr>
+        <p:style>
+          <a:lnRef idx="0">
+            <a:scrgbClr r="0" g="0" b="0"/>
+          </a:lnRef>
+          <a:fillRef idx="0">
+            <a:scrgbClr r="0" g="0" b="0"/>
+          </a:fillRef>
+          <a:effectRef idx="0">
+            <a:scrgbClr r="0" g="0" b="0"/>
+          </a:effectRef>
+          <a:fontRef idx="minor">
+            <a:schemeClr val="lt1"/>
+          </a:fontRef>
+        </p:style>
+        <p:txBody>
+          <a:bodyPr rtlCol="0" anchor="ctr"/>
+          <a:lstStyle/>
+          <a:p>
+            <a:pPr algn="ctr"/>
+            <a:endParaRPr kumimoji="1" lang="ja-JP" altLang="en-US"/>
+          </a:p>
+        </p:txBody>
+      </p:sp>
+    </p:spTree>
+    <p:extLst>
+      <p:ext uri="{BB962C8B-B14F-4D97-AF65-F5344CB8AC3E}">
+        <p14:creationId xmlns:p14="http://schemas.microsoft.com/office/powerpoint/2010/main" val="160830170"/>
+      </p:ext>
+    </p:extLst>
+  </p:cSld>
+  <p:clrMapOvr>
+    <a:masterClrMapping/>
+  </p:clrMapOvr>
+  <mc:AlternateContent xmlns:mc="http://schemas.openxmlformats.org/markup-compatibility/2006" xmlns:p14="http://schemas.microsoft.com/office/powerpoint/2010/main">
+    <mc:Choice Requires="p14">
+      <p:transition spd="med" p14:dur="700">
+        <p:fade/>
+      </p:transition>
+    </mc:Choice>
+    <mc:Fallback xmlns="">
+      <p:transition spd="med">
+        <p:fade/>
+      </p:transition>
+    </mc:Fallback>
+  </mc:AlternateContent>
+</p:sld>
+</file>
+
+<file path=ppt/slides/slide45.xml><?xml version="1.0" encoding="utf-8"?>
+<p:sld xmlns:a="http://schemas.openxmlformats.org/drawingml/2006/main" xmlns:r="http://schemas.openxmlformats.org/officeDocument/2006/relationships" xmlns:p="http://schemas.openxmlformats.org/presentationml/2006/main">
+  <p:cSld>
+    <p:spTree>
+      <p:nvGrpSpPr>
+        <p:cNvPr id="1" name=""/>
+        <p:cNvGrpSpPr/>
+        <p:nvPr/>
+      </p:nvGrpSpPr>
+      <p:grpSpPr>
+        <a:xfrm>
+          <a:off x="0" y="0"/>
+          <a:ext cx="0" cy="0"/>
+          <a:chOff x="0" y="0"/>
+          <a:chExt cx="0" cy="0"/>
+        </a:xfrm>
+      </p:grpSpPr>
+      <p:sp>
+        <p:nvSpPr>
+          <p:cNvPr id="2" name="タイトル 1">
+            <a:extLst>
+              <a:ext uri="{FF2B5EF4-FFF2-40B4-BE49-F238E27FC236}">
+                <a16:creationId xmlns:a16="http://schemas.microsoft.com/office/drawing/2014/main" id="{4BEF2D4F-28AD-C84D-A4AC-A607D5B45D24}"/>
+              </a:ext>
+            </a:extLst>
+          </p:cNvPr>
+          <p:cNvSpPr>
+            <a:spLocks noGrp="1"/>
+          </p:cNvSpPr>
+          <p:nvPr>
+            <p:ph type="title"/>
+          </p:nvPr>
+        </p:nvSpPr>
+        <p:spPr/>
+        <p:txBody>
+          <a:bodyPr/>
+          <a:lstStyle/>
+          <a:p>
+            <a:r>
+              <a:rPr lang="ja-JP" altLang="en-US">
+                <a:solidFill>
+                  <a:schemeClr val="accent5">
+                    <a:lumMod val="50000"/>
+                  </a:schemeClr>
+                </a:solidFill>
+                <a:latin typeface="Hiragino Maru Gothic Pro W4" panose="020F0400000000000000" pitchFamily="34" charset="-128"/>
+                <a:ea typeface="Hiragino Maru Gothic Pro W4" panose="020F0400000000000000" pitchFamily="34" charset="-128"/>
+              </a:rPr>
+              <a:t>その他</a:t>
+            </a:r>
+            <a:endParaRPr kumimoji="1" lang="ja-JP" altLang="en-US">
+              <a:solidFill>
+                <a:schemeClr val="accent5">
+                  <a:lumMod val="50000"/>
+                </a:schemeClr>
+              </a:solidFill>
+              <a:latin typeface="Hiragino Maru Gothic Pro W4" panose="020F0400000000000000" pitchFamily="34" charset="-128"/>
+              <a:ea typeface="Hiragino Maru Gothic Pro W4" panose="020F0400000000000000" pitchFamily="34" charset="-128"/>
+            </a:endParaRPr>
+          </a:p>
+        </p:txBody>
+      </p:sp>
+      <p:sp>
+        <p:nvSpPr>
+          <p:cNvPr id="3" name="コンテンツ プレースホルダー 2">
+            <a:extLst>
+              <a:ext uri="{FF2B5EF4-FFF2-40B4-BE49-F238E27FC236}">
+                <a16:creationId xmlns:a16="http://schemas.microsoft.com/office/drawing/2014/main" id="{01E773B8-156E-4743-8E4A-3ED5FB7CC4E2}"/>
+              </a:ext>
+            </a:extLst>
+          </p:cNvPr>
+          <p:cNvSpPr>
+            <a:spLocks noGrp="1"/>
+          </p:cNvSpPr>
+          <p:nvPr>
+            <p:ph idx="1"/>
+          </p:nvPr>
+        </p:nvSpPr>
+        <p:spPr>
+          <a:xfrm>
+            <a:off x="838200" y="1588575"/>
+            <a:ext cx="10515600" cy="4588387"/>
+          </a:xfrm>
+        </p:spPr>
+        <p:txBody>
+          <a:bodyPr>
+            <a:normAutofit/>
+          </a:bodyPr>
+          <a:lstStyle/>
+          <a:p>
+            <a:pPr marL="388620" indent="-342900"/>
+            <a:r>
+              <a:rPr lang="ja-JP" altLang="en-US" sz="2400">
+                <a:solidFill>
+                  <a:schemeClr val="accent5">
+                    <a:lumMod val="50000"/>
+                  </a:schemeClr>
+                </a:solidFill>
+                <a:latin typeface="Hiragino Maru Gothic Pro W4" panose="020F0400000000000000" pitchFamily="34" charset="-128"/>
+                <a:ea typeface="Hiragino Maru Gothic Pro W4" panose="020F0400000000000000" pitchFamily="34" charset="-128"/>
+              </a:rPr>
+              <a:t>援軍やクラゲ応援が必要な場合</a:t>
+            </a:r>
+            <a:br>
+              <a:rPr lang="en-US" altLang="ja-JP" sz="2400" dirty="0">
+                <a:solidFill>
+                  <a:schemeClr val="accent5">
+                    <a:lumMod val="50000"/>
+                  </a:schemeClr>
+                </a:solidFill>
+                <a:latin typeface="Hiragino Maru Gothic Pro W4" panose="020F0400000000000000" pitchFamily="34" charset="-128"/>
+                <a:ea typeface="Hiragino Maru Gothic Pro W4" panose="020F0400000000000000" pitchFamily="34" charset="-128"/>
+              </a:rPr>
+            </a:br>
+            <a:r>
+              <a:rPr lang="ja-JP" altLang="en-US" sz="2000">
+                <a:solidFill>
+                  <a:schemeClr val="accent5">
+                    <a:lumMod val="50000"/>
+                  </a:schemeClr>
+                </a:solidFill>
+                <a:latin typeface="Hiragino Maru Gothic Pro W4" panose="020F0400000000000000" pitchFamily="34" charset="-128"/>
+                <a:ea typeface="Hiragino Maru Gothic Pro W4" panose="020F0400000000000000" pitchFamily="34" charset="-128"/>
+              </a:rPr>
+              <a:t>→</a:t>
+            </a:r>
+            <a:r>
+              <a:rPr lang="en-US" altLang="ja-JP" sz="2000" dirty="0">
+                <a:solidFill>
+                  <a:schemeClr val="accent5">
+                    <a:lumMod val="50000"/>
+                  </a:schemeClr>
+                </a:solidFill>
+                <a:latin typeface="Hiragino Maru Gothic Pro W4" panose="020F0400000000000000" pitchFamily="34" charset="-128"/>
+                <a:ea typeface="Hiragino Maru Gothic Pro W4" panose="020F0400000000000000" pitchFamily="34" charset="-128"/>
+              </a:rPr>
+              <a:t> discord</a:t>
+            </a:r>
+            <a:r>
+              <a:rPr lang="ja-JP" altLang="en-US" sz="2000">
+                <a:solidFill>
+                  <a:schemeClr val="accent5">
+                    <a:lumMod val="50000"/>
+                  </a:schemeClr>
+                </a:solidFill>
+                <a:latin typeface="Hiragino Maru Gothic Pro W4" panose="020F0400000000000000" pitchFamily="34" charset="-128"/>
+                <a:ea typeface="Hiragino Maru Gothic Pro W4" panose="020F0400000000000000" pitchFamily="34" charset="-128"/>
+              </a:rPr>
+              <a:t>でやりとりして柔軟に対応</a:t>
+            </a:r>
+            <a:endParaRPr lang="en-US" altLang="ja-JP" sz="2000" dirty="0">
+              <a:solidFill>
+                <a:schemeClr val="accent5">
+                  <a:lumMod val="50000"/>
+                </a:schemeClr>
+              </a:solidFill>
+              <a:latin typeface="Hiragino Maru Gothic Pro W4" panose="020F0400000000000000" pitchFamily="34" charset="-128"/>
+              <a:ea typeface="Hiragino Maru Gothic Pro W4" panose="020F0400000000000000" pitchFamily="34" charset="-128"/>
+            </a:endParaRPr>
+          </a:p>
+          <a:p>
+            <a:pPr marL="388620" indent="-342900"/>
+            <a:r>
+              <a:rPr lang="ja-JP" altLang="en-US" sz="2400">
+                <a:solidFill>
+                  <a:schemeClr val="accent5">
+                    <a:lumMod val="50000"/>
+                  </a:schemeClr>
+                </a:solidFill>
+                <a:latin typeface="Hiragino Maru Gothic Pro W4" panose="020F0400000000000000" pitchFamily="34" charset="-128"/>
+                <a:ea typeface="Hiragino Maru Gothic Pro W4" panose="020F0400000000000000" pitchFamily="34" charset="-128"/>
+              </a:rPr>
+              <a:t>まほらまが海外リーグに挑戦する場合</a:t>
+            </a:r>
+            <a:br>
+              <a:rPr lang="en-US" altLang="ja-JP" sz="2400" dirty="0">
+                <a:solidFill>
+                  <a:schemeClr val="accent5">
+                    <a:lumMod val="50000"/>
+                  </a:schemeClr>
+                </a:solidFill>
+                <a:latin typeface="Hiragino Maru Gothic Pro W4" panose="020F0400000000000000" pitchFamily="34" charset="-128"/>
+                <a:ea typeface="Hiragino Maru Gothic Pro W4" panose="020F0400000000000000" pitchFamily="34" charset="-128"/>
+              </a:rPr>
+            </a:br>
+            <a:r>
+              <a:rPr lang="ja-JP" altLang="en-US" sz="2000">
+                <a:solidFill>
+                  <a:schemeClr val="accent5">
+                    <a:lumMod val="50000"/>
+                  </a:schemeClr>
+                </a:solidFill>
+                <a:latin typeface="Hiragino Maru Gothic Pro W4" panose="020F0400000000000000" pitchFamily="34" charset="-128"/>
+                <a:ea typeface="Hiragino Maru Gothic Pro W4" panose="020F0400000000000000" pitchFamily="34" charset="-128"/>
+              </a:rPr>
+              <a:t>→</a:t>
+            </a:r>
+            <a:r>
+              <a:rPr lang="en-US" altLang="ja-JP" sz="2000" dirty="0">
+                <a:solidFill>
+                  <a:schemeClr val="accent5">
+                    <a:lumMod val="50000"/>
+                  </a:schemeClr>
+                </a:solidFill>
+                <a:latin typeface="Hiragino Maru Gothic Pro W4" panose="020F0400000000000000" pitchFamily="34" charset="-128"/>
+                <a:ea typeface="Hiragino Maru Gothic Pro W4" panose="020F0400000000000000" pitchFamily="34" charset="-128"/>
+              </a:rPr>
+              <a:t> </a:t>
+            </a:r>
+            <a:r>
+              <a:rPr lang="ja-JP" altLang="en-US" sz="2000">
+                <a:solidFill>
+                  <a:schemeClr val="accent5">
+                    <a:lumMod val="50000"/>
+                  </a:schemeClr>
+                </a:solidFill>
+                <a:latin typeface="Hiragino Maru Gothic Pro W4" panose="020F0400000000000000" pitchFamily="34" charset="-128"/>
+                <a:ea typeface="Hiragino Maru Gothic Pro W4" panose="020F0400000000000000" pitchFamily="34" charset="-128"/>
+              </a:rPr>
+              <a:t>要相談</a:t>
+            </a:r>
+            <a:endParaRPr lang="en-US" altLang="ja-JP" sz="2000" dirty="0">
+              <a:solidFill>
+                <a:schemeClr val="accent5">
+                  <a:lumMod val="50000"/>
+                </a:schemeClr>
+              </a:solidFill>
+              <a:latin typeface="Hiragino Maru Gothic Pro W4" panose="020F0400000000000000" pitchFamily="34" charset="-128"/>
+              <a:ea typeface="Hiragino Maru Gothic Pro W4" panose="020F0400000000000000" pitchFamily="34" charset="-128"/>
+            </a:endParaRPr>
+          </a:p>
+          <a:p>
+            <a:pPr marL="388620" indent="-342900"/>
+            <a:r>
+              <a:rPr lang="ja-JP" altLang="en-US" sz="2400">
+                <a:solidFill>
+                  <a:schemeClr val="accent5">
+                    <a:lumMod val="50000"/>
+                  </a:schemeClr>
+                </a:solidFill>
+                <a:latin typeface="Hiragino Maru Gothic Pro W4" panose="020F0400000000000000" pitchFamily="34" charset="-128"/>
+                <a:ea typeface="Hiragino Maru Gothic Pro W4" panose="020F0400000000000000" pitchFamily="34" charset="-128"/>
+              </a:rPr>
+              <a:t>まほらま</a:t>
+            </a:r>
+            <a:r>
+              <a:rPr lang="en-US" altLang="ja-JP" sz="2400" dirty="0">
+                <a:solidFill>
+                  <a:schemeClr val="accent5">
+                    <a:lumMod val="50000"/>
+                  </a:schemeClr>
+                </a:solidFill>
+                <a:latin typeface="Hiragino Maru Gothic Pro W4" panose="020F0400000000000000" pitchFamily="34" charset="-128"/>
+                <a:ea typeface="Hiragino Maru Gothic Pro W4" panose="020F0400000000000000" pitchFamily="34" charset="-128"/>
+              </a:rPr>
+              <a:t>/</a:t>
+            </a:r>
+            <a:r>
+              <a:rPr lang="ja-JP" altLang="en-US" sz="2400">
+                <a:solidFill>
+                  <a:schemeClr val="accent5">
+                    <a:lumMod val="50000"/>
+                  </a:schemeClr>
+                </a:solidFill>
+                <a:latin typeface="Hiragino Maru Gothic Pro W4" panose="020F0400000000000000" pitchFamily="34" charset="-128"/>
+                <a:ea typeface="Hiragino Maru Gothic Pro W4" panose="020F0400000000000000" pitchFamily="34" charset="-128"/>
+              </a:rPr>
+              <a:t>東方を行き来するメンバー</a:t>
+            </a:r>
+            <a:br>
+              <a:rPr lang="en-US" altLang="ja-JP" sz="2400" dirty="0">
+                <a:solidFill>
+                  <a:schemeClr val="accent5">
+                    <a:lumMod val="50000"/>
+                  </a:schemeClr>
+                </a:solidFill>
+                <a:latin typeface="Hiragino Maru Gothic Pro W4" panose="020F0400000000000000" pitchFamily="34" charset="-128"/>
+                <a:ea typeface="Hiragino Maru Gothic Pro W4" panose="020F0400000000000000" pitchFamily="34" charset="-128"/>
+              </a:rPr>
+            </a:br>
+            <a:r>
+              <a:rPr lang="ja-JP" altLang="en-US" sz="2000">
+                <a:solidFill>
+                  <a:schemeClr val="accent5">
+                    <a:lumMod val="50000"/>
+                  </a:schemeClr>
+                </a:solidFill>
+                <a:latin typeface="Hiragino Maru Gothic Pro W4" panose="020F0400000000000000" pitchFamily="34" charset="-128"/>
+                <a:ea typeface="Hiragino Maru Gothic Pro W4" panose="020F0400000000000000" pitchFamily="34" charset="-128"/>
+              </a:rPr>
+              <a:t>→「郷に入れば郷に従え」をしっかり意識すること</a:t>
+            </a:r>
+            <a:endParaRPr lang="en-US" altLang="ja-JP" sz="2000" dirty="0">
+              <a:solidFill>
+                <a:schemeClr val="accent5">
+                  <a:lumMod val="50000"/>
+                </a:schemeClr>
+              </a:solidFill>
+              <a:latin typeface="Hiragino Maru Gothic Pro W4" panose="020F0400000000000000" pitchFamily="34" charset="-128"/>
+              <a:ea typeface="Hiragino Maru Gothic Pro W4" panose="020F0400000000000000" pitchFamily="34" charset="-128"/>
+            </a:endParaRPr>
+          </a:p>
+          <a:p>
+            <a:pPr marL="845820" lvl="1" indent="-342900"/>
+            <a:r>
+              <a:rPr lang="ja-JP" altLang="en-US" sz="2000">
+                <a:solidFill>
+                  <a:schemeClr val="accent5">
+                    <a:lumMod val="50000"/>
+                  </a:schemeClr>
+                </a:solidFill>
+                <a:latin typeface="Hiragino Maru Gothic Pro W4" panose="020F0400000000000000" pitchFamily="34" charset="-128"/>
+                <a:ea typeface="Hiragino Maru Gothic Pro W4" panose="020F0400000000000000" pitchFamily="34" charset="-128"/>
+              </a:rPr>
+              <a:t>まほらまルール：</a:t>
+            </a:r>
+            <a:r>
+              <a:rPr lang="en-US" altLang="ja-JP" sz="2000" dirty="0">
+                <a:solidFill>
+                  <a:schemeClr val="accent5">
+                    <a:lumMod val="50000"/>
+                  </a:schemeClr>
+                </a:solidFill>
+                <a:latin typeface="Hiragino Maru Gothic Pro W4" panose="020F0400000000000000" pitchFamily="34" charset="-128"/>
+                <a:ea typeface="Hiragino Maru Gothic Pro W4" panose="020F0400000000000000" pitchFamily="34" charset="-128"/>
+                <a:hlinkClick r:id="rId2"/>
+              </a:rPr>
+              <a:t>http://mah0rama.livedoor.blog/archives/20951053.html</a:t>
+            </a:r>
+            <a:endParaRPr lang="en-US" altLang="ja-JP" sz="2000" dirty="0">
+              <a:solidFill>
+                <a:schemeClr val="accent5">
+                  <a:lumMod val="50000"/>
+                </a:schemeClr>
+              </a:solidFill>
+              <a:latin typeface="Hiragino Maru Gothic Pro W4" panose="020F0400000000000000" pitchFamily="34" charset="-128"/>
+              <a:ea typeface="Hiragino Maru Gothic Pro W4" panose="020F0400000000000000" pitchFamily="34" charset="-128"/>
+            </a:endParaRPr>
+          </a:p>
+          <a:p>
+            <a:pPr marL="845820" lvl="1" indent="-342900"/>
+            <a:r>
+              <a:rPr lang="ja-JP" altLang="en-US" sz="2000">
+                <a:solidFill>
+                  <a:schemeClr val="accent5">
+                    <a:lumMod val="50000"/>
+                  </a:schemeClr>
+                </a:solidFill>
+                <a:latin typeface="Hiragino Maru Gothic Pro W4" panose="020F0400000000000000" pitchFamily="34" charset="-128"/>
+                <a:ea typeface="Hiragino Maru Gothic Pro W4" panose="020F0400000000000000" pitchFamily="34" charset="-128"/>
+              </a:rPr>
+              <a:t>東方ルール：クラン説明参照</a:t>
+            </a:r>
+            <a:endParaRPr lang="en-US" altLang="ja-JP" sz="2000" dirty="0">
+              <a:solidFill>
+                <a:schemeClr val="accent5">
+                  <a:lumMod val="50000"/>
+                </a:schemeClr>
+              </a:solidFill>
+              <a:latin typeface="Hiragino Maru Gothic Pro W4" panose="020F0400000000000000" pitchFamily="34" charset="-128"/>
+              <a:ea typeface="Hiragino Maru Gothic Pro W4" panose="020F0400000000000000" pitchFamily="34" charset="-128"/>
+            </a:endParaRPr>
+          </a:p>
+        </p:txBody>
+      </p:sp>
+      <p:sp>
+        <p:nvSpPr>
+          <p:cNvPr id="4" name="スライド番号プレースホルダー 3">
+            <a:extLst>
+              <a:ext uri="{FF2B5EF4-FFF2-40B4-BE49-F238E27FC236}">
+                <a16:creationId xmlns:a16="http://schemas.microsoft.com/office/drawing/2014/main" id="{34C04C8D-49C3-874E-864D-A6289CA1E427}"/>
+              </a:ext>
+            </a:extLst>
+          </p:cNvPr>
+          <p:cNvSpPr>
+            <a:spLocks noGrp="1"/>
+          </p:cNvSpPr>
+          <p:nvPr>
+            <p:ph type="sldNum" sz="quarter" idx="12"/>
+          </p:nvPr>
+        </p:nvSpPr>
+        <p:spPr/>
+        <p:txBody>
+          <a:bodyPr/>
+          <a:lstStyle/>
+          <a:p>
+            <a:pPr rtl="0"/>
+            <a:fld id="{E31375A4-56A4-47D6-9801-1991572033F7}" type="slidenum">
+              <a:rPr lang="en-US" altLang="ja-JP" noProof="0" smtClean="0">
+                <a:solidFill>
+                  <a:srgbClr val="002060"/>
+                </a:solidFill>
+                <a:latin typeface="Hiragino Maru Gothic Pro W4" panose="020F0400000000000000" pitchFamily="34" charset="-128"/>
+                <a:ea typeface="Hiragino Maru Gothic Pro W4" panose="020F0400000000000000" pitchFamily="34" charset="-128"/>
+              </a:rPr>
+              <a:t>45</a:t>
             </a:fld>
             <a:endParaRPr lang="ja-JP" altLang="en-US" noProof="0" dirty="0">
               <a:solidFill>

--- a/東方とまほらまの今後について.pptx
+++ b/東方とまほらまの今後について.pptx
@@ -15981,6 +15981,48 @@
           </a:p>
         </p:txBody>
       </p:sp>
+      <p:pic>
+        <p:nvPicPr>
+          <p:cNvPr id="6" name="図 5" descr="部屋, シーン, 挿絵 が含まれている画像&#10;&#10;自動的に生成された説明">
+            <a:extLst>
+              <a:ext uri="{FF2B5EF4-FFF2-40B4-BE49-F238E27FC236}">
+                <a16:creationId xmlns:a16="http://schemas.microsoft.com/office/drawing/2014/main" id="{C3AB7D7E-A004-D94B-8150-4F1665923686}"/>
+              </a:ext>
+            </a:extLst>
+          </p:cNvPr>
+          <p:cNvPicPr>
+            <a:picLocks noChangeAspect="1"/>
+          </p:cNvPicPr>
+          <p:nvPr/>
+        </p:nvPicPr>
+        <p:blipFill>
+          <a:blip r:embed="rId2">
+            <a:extLst>
+              <a:ext uri="{28A0092B-C50C-407E-A947-70E740481C1C}">
+                <a14:useLocalDpi xmlns:a14="http://schemas.microsoft.com/office/drawing/2010/main" val="0"/>
+              </a:ext>
+            </a:extLst>
+          </a:blip>
+          <a:stretch>
+            <a:fillRect/>
+          </a:stretch>
+        </p:blipFill>
+        <p:spPr>
+          <a:xfrm>
+            <a:off x="10713716" y="983328"/>
+            <a:ext cx="1053740" cy="1053740"/>
+          </a:xfrm>
+          <a:prstGeom prst="ellipse">
+            <a:avLst/>
+          </a:prstGeom>
+          <a:ln>
+            <a:noFill/>
+          </a:ln>
+          <a:effectLst>
+            <a:softEdge rad="112500"/>
+          </a:effectLst>
+        </p:spPr>
+      </p:pic>
     </p:spTree>
     <p:extLst>
       <p:ext uri="{BB962C8B-B14F-4D97-AF65-F5344CB8AC3E}">
@@ -16512,48 +16554,6 @@
           <a:chExt cx="0" cy="0"/>
         </a:xfrm>
       </p:grpSpPr>
-      <p:pic>
-        <p:nvPicPr>
-          <p:cNvPr id="6" name="図 5" descr="飛ぶ, 飛行機, 空気, ブルー が含まれている画像&#10;&#10;自動的に生成された説明">
-            <a:extLst>
-              <a:ext uri="{FF2B5EF4-FFF2-40B4-BE49-F238E27FC236}">
-                <a16:creationId xmlns:a16="http://schemas.microsoft.com/office/drawing/2014/main" id="{BC6240F3-D8A2-5D4D-919D-02303D97C350}"/>
-              </a:ext>
-            </a:extLst>
-          </p:cNvPr>
-          <p:cNvPicPr>
-            <a:picLocks noChangeAspect="1"/>
-          </p:cNvPicPr>
-          <p:nvPr/>
-        </p:nvPicPr>
-        <p:blipFill>
-          <a:blip r:embed="rId2">
-            <a:extLst>
-              <a:ext uri="{28A0092B-C50C-407E-A947-70E740481C1C}">
-                <a14:useLocalDpi xmlns:a14="http://schemas.microsoft.com/office/drawing/2010/main" val="0"/>
-              </a:ext>
-            </a:extLst>
-          </a:blip>
-          <a:stretch>
-            <a:fillRect/>
-          </a:stretch>
-        </p:blipFill>
-        <p:spPr>
-          <a:xfrm>
-            <a:off x="7304518" y="1184660"/>
-            <a:ext cx="4338844" cy="2546271"/>
-          </a:xfrm>
-          <a:prstGeom prst="rect">
-            <a:avLst/>
-          </a:prstGeom>
-          <a:ln>
-            <a:noFill/>
-          </a:ln>
-          <a:effectLst>
-            <a:softEdge rad="112500"/>
-          </a:effectLst>
-        </p:spPr>
-      </p:pic>
       <p:sp>
         <p:nvSpPr>
           <p:cNvPr id="2" name="タイトル 1">
@@ -16818,7 +16818,7 @@
               <a:buChar char="ü"/>
             </a:pPr>
             <a:r>
-              <a:rPr lang="ja-JP" altLang="en-US">
+              <a:rPr lang="ja-JP" altLang="en-US" sz="2800">
                 <a:solidFill>
                   <a:schemeClr val="accent5">
                     <a:lumMod val="50000"/>
@@ -16830,7 +16830,7 @@
               <a:t>アクティブクラン「</a:t>
             </a:r>
             <a:r>
-              <a:rPr lang="en-US" altLang="ja-JP" dirty="0">
+              <a:rPr lang="en-US" altLang="ja-JP" sz="2800" dirty="0">
                 <a:solidFill>
                   <a:schemeClr val="accent5">
                     <a:lumMod val="50000"/>
@@ -16842,7 +16842,7 @@
               <a:t>TOMARIGI</a:t>
             </a:r>
             <a:r>
-              <a:rPr lang="ja-JP" altLang="en-US">
+              <a:rPr lang="ja-JP" altLang="en-US" sz="2800">
                 <a:solidFill>
                   <a:schemeClr val="accent5">
                     <a:lumMod val="50000"/>
@@ -16853,7 +16853,7 @@
               </a:rPr>
               <a:t>」</a:t>
             </a:r>
-            <a:endParaRPr lang="en-US" altLang="ja-JP" dirty="0">
+            <a:endParaRPr lang="en-US" altLang="ja-JP" sz="2800" dirty="0">
               <a:solidFill>
                 <a:schemeClr val="accent5">
                   <a:lumMod val="50000"/>
@@ -16869,7 +16869,7 @@
               <a:buChar char="ü"/>
             </a:pPr>
             <a:r>
-              <a:rPr lang="ja-JP" altLang="en-US">
+              <a:rPr lang="ja-JP" altLang="en-US" sz="2800">
                 <a:solidFill>
                   <a:schemeClr val="accent5">
                     <a:lumMod val="50000"/>
@@ -16881,7 +16881,7 @@
               <a:t>ファーミングクラン「まほらま</a:t>
             </a:r>
             <a:r>
-              <a:rPr lang="en-US" altLang="ja-JP" dirty="0">
+              <a:rPr lang="en-US" altLang="ja-JP" sz="2800" dirty="0">
                 <a:solidFill>
                   <a:schemeClr val="accent5">
                     <a:lumMod val="50000"/>
@@ -16893,7 +16893,7 @@
               <a:t>〜</a:t>
             </a:r>
             <a:r>
-              <a:rPr lang="ja-JP" altLang="en-US">
+              <a:rPr lang="ja-JP" altLang="en-US" sz="2800">
                 <a:solidFill>
                   <a:schemeClr val="accent5">
                     <a:lumMod val="50000"/>
@@ -16905,7 +16905,7 @@
               <a:t>摩天楼</a:t>
             </a:r>
             <a:r>
-              <a:rPr lang="en-US" altLang="ja-JP" dirty="0">
+              <a:rPr lang="en-US" altLang="ja-JP" sz="2800" dirty="0">
                 <a:solidFill>
                   <a:schemeClr val="accent5">
                     <a:lumMod val="50000"/>
@@ -16917,7 +16917,7 @@
               <a:t>〜</a:t>
             </a:r>
             <a:r>
-              <a:rPr lang="ja-JP" altLang="en-US">
+              <a:rPr lang="ja-JP" altLang="en-US" sz="2800">
                 <a:solidFill>
                   <a:schemeClr val="accent5">
                     <a:lumMod val="50000"/>
@@ -16928,7 +16928,7 @@
               </a:rPr>
               <a:t>」</a:t>
             </a:r>
-            <a:endParaRPr lang="en-US" altLang="ja-JP" dirty="0">
+            <a:endParaRPr lang="en-US" altLang="ja-JP" sz="2800" dirty="0">
               <a:solidFill>
                 <a:schemeClr val="accent5">
                   <a:lumMod val="50000"/>
@@ -16998,6 +16998,48 @@
           </a:p>
         </p:txBody>
       </p:sp>
+      <p:pic>
+        <p:nvPicPr>
+          <p:cNvPr id="7" name="図 6" descr="飛ぶ, 飛行機, 空気, ブルー が含まれている画像&#10;&#10;自動的に生成された説明">
+            <a:extLst>
+              <a:ext uri="{FF2B5EF4-FFF2-40B4-BE49-F238E27FC236}">
+                <a16:creationId xmlns:a16="http://schemas.microsoft.com/office/drawing/2014/main" id="{84477A43-8877-104A-B4EC-D5913002544A}"/>
+              </a:ext>
+            </a:extLst>
+          </p:cNvPr>
+          <p:cNvPicPr>
+            <a:picLocks noChangeAspect="1"/>
+          </p:cNvPicPr>
+          <p:nvPr/>
+        </p:nvPicPr>
+        <p:blipFill>
+          <a:blip r:embed="rId2">
+            <a:extLst>
+              <a:ext uri="{28A0092B-C50C-407E-A947-70E740481C1C}">
+                <a14:useLocalDpi xmlns:a14="http://schemas.microsoft.com/office/drawing/2010/main" val="0"/>
+              </a:ext>
+            </a:extLst>
+          </a:blip>
+          <a:stretch>
+            <a:fillRect/>
+          </a:stretch>
+        </p:blipFill>
+        <p:spPr>
+          <a:xfrm>
+            <a:off x="7304518" y="1184660"/>
+            <a:ext cx="4338844" cy="2546271"/>
+          </a:xfrm>
+          <a:prstGeom prst="ellipse">
+            <a:avLst/>
+          </a:prstGeom>
+          <a:ln>
+            <a:noFill/>
+          </a:ln>
+          <a:effectLst>
+            <a:softEdge rad="112500"/>
+          </a:effectLst>
+        </p:spPr>
+      </p:pic>
     </p:spTree>
     <p:extLst>
       <p:ext uri="{BB962C8B-B14F-4D97-AF65-F5344CB8AC3E}">
@@ -18408,17 +18450,20 @@
               </a:rPr>
               <a:t>　　皆様ご確認ください。</a:t>
             </a:r>
-            <a:br>
-              <a:rPr lang="en-US" altLang="ja-JP" sz="2400" dirty="0">
-                <a:solidFill>
-                  <a:schemeClr val="accent5">
-                    <a:lumMod val="50000"/>
-                  </a:schemeClr>
-                </a:solidFill>
-                <a:latin typeface="Hiragino Maru Gothic Pro W4" panose="020F0400000000000000" pitchFamily="34" charset="-128"/>
-                <a:ea typeface="Hiragino Maru Gothic Pro W4" panose="020F0400000000000000" pitchFamily="34" charset="-128"/>
-              </a:rPr>
-            </a:br>
+            <a:endParaRPr lang="en-US" altLang="ja-JP" sz="2400" dirty="0">
+              <a:solidFill>
+                <a:schemeClr val="accent5">
+                  <a:lumMod val="50000"/>
+                </a:schemeClr>
+              </a:solidFill>
+              <a:latin typeface="Hiragino Maru Gothic Pro W4" panose="020F0400000000000000" pitchFamily="34" charset="-128"/>
+              <a:ea typeface="Hiragino Maru Gothic Pro W4" panose="020F0400000000000000" pitchFamily="34" charset="-128"/>
+            </a:endParaRPr>
+          </a:p>
+          <a:p>
+            <a:pPr marL="45720" indent="0">
+              <a:buNone/>
+            </a:pPr>
             <a:r>
               <a:rPr lang="ja-JP" altLang="en-US" sz="2400">
                 <a:solidFill>
